--- a/trunk/AAP/docs/Presentation.pptx
+++ b/trunk/AAP/docs/Presentation.pptx
@@ -1,11 +1,21 @@
 
 <file path=ppt/presentation.xml><?xml version="1.0" encoding="utf-8"?>
-<p:presentation xmlns:a="http://schemas.openxmlformats.org/drawingml/2006/main" xmlns:r="http://schemas.openxmlformats.org/officeDocument/2006/relationships" xmlns:p="http://schemas.openxmlformats.org/presentationml/2006/main" saveSubsetFonts="1">
+<p:presentation xmlns:a="http://schemas.openxmlformats.org/drawingml/2006/main" xmlns:r="http://schemas.openxmlformats.org/officeDocument/2006/relationships" xmlns:p="http://schemas.openxmlformats.org/presentationml/2006/main" showSpecialPlsOnTitleSld="0" saveSubsetFonts="1">
   <p:sldMasterIdLst>
     <p:sldMasterId id="2147483648" r:id="rId1"/>
   </p:sldMasterIdLst>
+  <p:notesMasterIdLst>
+    <p:notesMasterId r:id="rId10"/>
+  </p:notesMasterIdLst>
   <p:sldIdLst>
     <p:sldId id="256" r:id="rId2"/>
+    <p:sldId id="257" r:id="rId3"/>
+    <p:sldId id="258" r:id="rId4"/>
+    <p:sldId id="260" r:id="rId5"/>
+    <p:sldId id="261" r:id="rId6"/>
+    <p:sldId id="262" r:id="rId7"/>
+    <p:sldId id="263" r:id="rId8"/>
+    <p:sldId id="259" r:id="rId9"/>
   </p:sldIdLst>
   <p:sldSz cx="9144000" cy="6858000" type="screen4x3"/>
   <p:notesSz cx="6858000" cy="9144000"/>
@@ -107,9 +117,14 @@
 </p:presentation>
 </file>
 
-<file path=ppt/slideLayouts/slideLayout1.xml><?xml version="1.0" encoding="utf-8"?>
-<p:sldLayout xmlns:a="http://schemas.openxmlformats.org/drawingml/2006/main" xmlns:r="http://schemas.openxmlformats.org/officeDocument/2006/relationships" xmlns:p="http://schemas.openxmlformats.org/presentationml/2006/main" type="title" preserve="1">
-  <p:cSld name="Diapositive de titre">
+<file path=ppt/notesMasters/notesMaster1.xml><?xml version="1.0" encoding="utf-8"?>
+<p:notesMaster xmlns:a="http://schemas.openxmlformats.org/drawingml/2006/main" xmlns:r="http://schemas.openxmlformats.org/officeDocument/2006/relationships" xmlns:p="http://schemas.openxmlformats.org/presentationml/2006/main">
+  <p:cSld>
+    <p:bg>
+      <p:bgRef idx="1001">
+        <a:schemeClr val="bg1"/>
+      </p:bgRef>
+    </p:bg>
     <p:spTree>
       <p:nvGrpSpPr>
         <p:cNvPr id="1" name=""/>
@@ -126,6 +141,362 @@
       </p:grpSpPr>
       <p:sp>
         <p:nvSpPr>
+          <p:cNvPr id="2" name="Espace réservé de l'en-tête 1"/>
+          <p:cNvSpPr>
+            <a:spLocks noGrp="1"/>
+          </p:cNvSpPr>
+          <p:nvPr>
+            <p:ph type="hdr" sz="quarter"/>
+          </p:nvPr>
+        </p:nvSpPr>
+        <p:spPr>
+          <a:xfrm>
+            <a:off x="0" y="0"/>
+            <a:ext cx="2971800" cy="457200"/>
+          </a:xfrm>
+          <a:prstGeom prst="rect">
+            <a:avLst/>
+          </a:prstGeom>
+        </p:spPr>
+        <p:txBody>
+          <a:bodyPr vert="horz" lIns="91440" tIns="45720" rIns="91440" bIns="45720" rtlCol="0"/>
+          <a:lstStyle>
+            <a:lvl1pPr algn="l">
+              <a:defRPr sz="1200"/>
+            </a:lvl1pPr>
+          </a:lstStyle>
+          <a:p>
+            <a:endParaRPr lang="fr-FR"/>
+          </a:p>
+        </p:txBody>
+      </p:sp>
+      <p:sp>
+        <p:nvSpPr>
+          <p:cNvPr id="3" name="Espace réservé de la date 2"/>
+          <p:cNvSpPr>
+            <a:spLocks noGrp="1"/>
+          </p:cNvSpPr>
+          <p:nvPr>
+            <p:ph type="dt" idx="1"/>
+          </p:nvPr>
+        </p:nvSpPr>
+        <p:spPr>
+          <a:xfrm>
+            <a:off x="3884613" y="0"/>
+            <a:ext cx="2971800" cy="457200"/>
+          </a:xfrm>
+          <a:prstGeom prst="rect">
+            <a:avLst/>
+          </a:prstGeom>
+        </p:spPr>
+        <p:txBody>
+          <a:bodyPr vert="horz" lIns="91440" tIns="45720" rIns="91440" bIns="45720" rtlCol="0"/>
+          <a:lstStyle>
+            <a:lvl1pPr algn="r">
+              <a:defRPr sz="1200"/>
+            </a:lvl1pPr>
+          </a:lstStyle>
+          <a:p>
+            <a:fld id="{9F7A5740-AB0E-48E6-BCE9-09FA638B6FD3}" type="datetimeFigureOut">
+              <a:rPr lang="fr-FR" smtClean="0"/>
+              <a:t>31/05/2011</a:t>
+            </a:fld>
+            <a:endParaRPr lang="fr-FR"/>
+          </a:p>
+        </p:txBody>
+      </p:sp>
+      <p:sp>
+        <p:nvSpPr>
+          <p:cNvPr id="4" name="Espace réservé de l'image des diapositives 3"/>
+          <p:cNvSpPr>
+            <a:spLocks noGrp="1" noRot="1" noChangeAspect="1"/>
+          </p:cNvSpPr>
+          <p:nvPr>
+            <p:ph type="sldImg" idx="2"/>
+          </p:nvPr>
+        </p:nvSpPr>
+        <p:spPr>
+          <a:xfrm>
+            <a:off x="1143000" y="685800"/>
+            <a:ext cx="4572000" cy="3429000"/>
+          </a:xfrm>
+          <a:prstGeom prst="rect">
+            <a:avLst/>
+          </a:prstGeom>
+          <a:noFill/>
+          <a:ln w="12700">
+            <a:solidFill>
+              <a:prstClr val="black"/>
+            </a:solidFill>
+          </a:ln>
+        </p:spPr>
+        <p:txBody>
+          <a:bodyPr vert="horz" lIns="91440" tIns="45720" rIns="91440" bIns="45720" rtlCol="0" anchor="ctr"/>
+          <a:lstStyle/>
+          <a:p>
+            <a:endParaRPr lang="fr-FR"/>
+          </a:p>
+        </p:txBody>
+      </p:sp>
+      <p:sp>
+        <p:nvSpPr>
+          <p:cNvPr id="5" name="Espace réservé des commentaires 4"/>
+          <p:cNvSpPr>
+            <a:spLocks noGrp="1"/>
+          </p:cNvSpPr>
+          <p:nvPr>
+            <p:ph type="body" sz="quarter" idx="3"/>
+          </p:nvPr>
+        </p:nvSpPr>
+        <p:spPr>
+          <a:xfrm>
+            <a:off x="685800" y="4343400"/>
+            <a:ext cx="5486400" cy="4114800"/>
+          </a:xfrm>
+          <a:prstGeom prst="rect">
+            <a:avLst/>
+          </a:prstGeom>
+        </p:spPr>
+        <p:txBody>
+          <a:bodyPr vert="horz" lIns="91440" tIns="45720" rIns="91440" bIns="45720" rtlCol="0">
+            <a:normAutofit/>
+          </a:bodyPr>
+          <a:lstStyle/>
+          <a:p>
+            <a:pPr lvl="0"/>
+            <a:r>
+              <a:rPr lang="fr-FR" smtClean="0"/>
+              <a:t>Cliquez pour modifier les styles du texte du masque</a:t>
+            </a:r>
+          </a:p>
+          <a:p>
+            <a:pPr lvl="1"/>
+            <a:r>
+              <a:rPr lang="fr-FR" smtClean="0"/>
+              <a:t>Deuxième niveau</a:t>
+            </a:r>
+          </a:p>
+          <a:p>
+            <a:pPr lvl="2"/>
+            <a:r>
+              <a:rPr lang="fr-FR" smtClean="0"/>
+              <a:t>Troisième niveau</a:t>
+            </a:r>
+          </a:p>
+          <a:p>
+            <a:pPr lvl="3"/>
+            <a:r>
+              <a:rPr lang="fr-FR" smtClean="0"/>
+              <a:t>Quatrième niveau</a:t>
+            </a:r>
+          </a:p>
+          <a:p>
+            <a:pPr lvl="4"/>
+            <a:r>
+              <a:rPr lang="fr-FR" smtClean="0"/>
+              <a:t>Cinquième niveau</a:t>
+            </a:r>
+            <a:endParaRPr lang="fr-FR"/>
+          </a:p>
+        </p:txBody>
+      </p:sp>
+      <p:sp>
+        <p:nvSpPr>
+          <p:cNvPr id="6" name="Espace réservé du pied de page 5"/>
+          <p:cNvSpPr>
+            <a:spLocks noGrp="1"/>
+          </p:cNvSpPr>
+          <p:nvPr>
+            <p:ph type="ftr" sz="quarter" idx="4"/>
+          </p:nvPr>
+        </p:nvSpPr>
+        <p:spPr>
+          <a:xfrm>
+            <a:off x="0" y="8685213"/>
+            <a:ext cx="2971800" cy="457200"/>
+          </a:xfrm>
+          <a:prstGeom prst="rect">
+            <a:avLst/>
+          </a:prstGeom>
+        </p:spPr>
+        <p:txBody>
+          <a:bodyPr vert="horz" lIns="91440" tIns="45720" rIns="91440" bIns="45720" rtlCol="0" anchor="b"/>
+          <a:lstStyle>
+            <a:lvl1pPr algn="l">
+              <a:defRPr sz="1200"/>
+            </a:lvl1pPr>
+          </a:lstStyle>
+          <a:p>
+            <a:endParaRPr lang="fr-FR"/>
+          </a:p>
+        </p:txBody>
+      </p:sp>
+      <p:sp>
+        <p:nvSpPr>
+          <p:cNvPr id="7" name="Espace réservé du numéro de diapositive 6"/>
+          <p:cNvSpPr>
+            <a:spLocks noGrp="1"/>
+          </p:cNvSpPr>
+          <p:nvPr>
+            <p:ph type="sldNum" sz="quarter" idx="5"/>
+          </p:nvPr>
+        </p:nvSpPr>
+        <p:spPr>
+          <a:xfrm>
+            <a:off x="3884613" y="8685213"/>
+            <a:ext cx="2971800" cy="457200"/>
+          </a:xfrm>
+          <a:prstGeom prst="rect">
+            <a:avLst/>
+          </a:prstGeom>
+        </p:spPr>
+        <p:txBody>
+          <a:bodyPr vert="horz" lIns="91440" tIns="45720" rIns="91440" bIns="45720" rtlCol="0" anchor="b"/>
+          <a:lstStyle>
+            <a:lvl1pPr algn="r">
+              <a:defRPr sz="1200"/>
+            </a:lvl1pPr>
+          </a:lstStyle>
+          <a:p>
+            <a:fld id="{B533835C-9221-4AF6-8BB4-343DB2540EFC}" type="slidenum">
+              <a:rPr lang="fr-FR" smtClean="0"/>
+              <a:t>‹N°›</a:t>
+            </a:fld>
+            <a:endParaRPr lang="fr-FR"/>
+          </a:p>
+        </p:txBody>
+      </p:sp>
+    </p:spTree>
+  </p:cSld>
+  <p:clrMap bg1="lt1" tx1="dk1" bg2="lt2" tx2="dk2" accent1="accent1" accent2="accent2" accent3="accent3" accent4="accent4" accent5="accent5" accent6="accent6" hlink="hlink" folHlink="folHlink"/>
+  <p:notesStyle>
+    <a:lvl1pPr marL="0" algn="l" defTabSz="914400" rtl="0" eaLnBrk="1" latinLnBrk="0" hangingPunct="1">
+      <a:defRPr sz="1200" kern="1200">
+        <a:solidFill>
+          <a:schemeClr val="tx1"/>
+        </a:solidFill>
+        <a:latin typeface="+mn-lt"/>
+        <a:ea typeface="+mn-ea"/>
+        <a:cs typeface="+mn-cs"/>
+      </a:defRPr>
+    </a:lvl1pPr>
+    <a:lvl2pPr marL="457200" algn="l" defTabSz="914400" rtl="0" eaLnBrk="1" latinLnBrk="0" hangingPunct="1">
+      <a:defRPr sz="1200" kern="1200">
+        <a:solidFill>
+          <a:schemeClr val="tx1"/>
+        </a:solidFill>
+        <a:latin typeface="+mn-lt"/>
+        <a:ea typeface="+mn-ea"/>
+        <a:cs typeface="+mn-cs"/>
+      </a:defRPr>
+    </a:lvl2pPr>
+    <a:lvl3pPr marL="914400" algn="l" defTabSz="914400" rtl="0" eaLnBrk="1" latinLnBrk="0" hangingPunct="1">
+      <a:defRPr sz="1200" kern="1200">
+        <a:solidFill>
+          <a:schemeClr val="tx1"/>
+        </a:solidFill>
+        <a:latin typeface="+mn-lt"/>
+        <a:ea typeface="+mn-ea"/>
+        <a:cs typeface="+mn-cs"/>
+      </a:defRPr>
+    </a:lvl3pPr>
+    <a:lvl4pPr marL="1371600" algn="l" defTabSz="914400" rtl="0" eaLnBrk="1" latinLnBrk="0" hangingPunct="1">
+      <a:defRPr sz="1200" kern="1200">
+        <a:solidFill>
+          <a:schemeClr val="tx1"/>
+        </a:solidFill>
+        <a:latin typeface="+mn-lt"/>
+        <a:ea typeface="+mn-ea"/>
+        <a:cs typeface="+mn-cs"/>
+      </a:defRPr>
+    </a:lvl4pPr>
+    <a:lvl5pPr marL="1828800" algn="l" defTabSz="914400" rtl="0" eaLnBrk="1" latinLnBrk="0" hangingPunct="1">
+      <a:defRPr sz="1200" kern="1200">
+        <a:solidFill>
+          <a:schemeClr val="tx1"/>
+        </a:solidFill>
+        <a:latin typeface="+mn-lt"/>
+        <a:ea typeface="+mn-ea"/>
+        <a:cs typeface="+mn-cs"/>
+      </a:defRPr>
+    </a:lvl5pPr>
+    <a:lvl6pPr marL="2286000" algn="l" defTabSz="914400" rtl="0" eaLnBrk="1" latinLnBrk="0" hangingPunct="1">
+      <a:defRPr sz="1200" kern="1200">
+        <a:solidFill>
+          <a:schemeClr val="tx1"/>
+        </a:solidFill>
+        <a:latin typeface="+mn-lt"/>
+        <a:ea typeface="+mn-ea"/>
+        <a:cs typeface="+mn-cs"/>
+      </a:defRPr>
+    </a:lvl6pPr>
+    <a:lvl7pPr marL="2743200" algn="l" defTabSz="914400" rtl="0" eaLnBrk="1" latinLnBrk="0" hangingPunct="1">
+      <a:defRPr sz="1200" kern="1200">
+        <a:solidFill>
+          <a:schemeClr val="tx1"/>
+        </a:solidFill>
+        <a:latin typeface="+mn-lt"/>
+        <a:ea typeface="+mn-ea"/>
+        <a:cs typeface="+mn-cs"/>
+      </a:defRPr>
+    </a:lvl7pPr>
+    <a:lvl8pPr marL="3200400" algn="l" defTabSz="914400" rtl="0" eaLnBrk="1" latinLnBrk="0" hangingPunct="1">
+      <a:defRPr sz="1200" kern="1200">
+        <a:solidFill>
+          <a:schemeClr val="tx1"/>
+        </a:solidFill>
+        <a:latin typeface="+mn-lt"/>
+        <a:ea typeface="+mn-ea"/>
+        <a:cs typeface="+mn-cs"/>
+      </a:defRPr>
+    </a:lvl8pPr>
+    <a:lvl9pPr marL="3657600" algn="l" defTabSz="914400" rtl="0" eaLnBrk="1" latinLnBrk="0" hangingPunct="1">
+      <a:defRPr sz="1200" kern="1200">
+        <a:solidFill>
+          <a:schemeClr val="tx1"/>
+        </a:solidFill>
+        <a:latin typeface="+mn-lt"/>
+        <a:ea typeface="+mn-ea"/>
+        <a:cs typeface="+mn-cs"/>
+      </a:defRPr>
+    </a:lvl9pPr>
+  </p:notesStyle>
+</p:notesMaster>
+</file>
+
+<file path=ppt/slideLayouts/slideLayout1.xml><?xml version="1.0" encoding="utf-8"?>
+<p:sldLayout xmlns:a="http://schemas.openxmlformats.org/drawingml/2006/main" xmlns:r="http://schemas.openxmlformats.org/officeDocument/2006/relationships" xmlns:p="http://schemas.openxmlformats.org/presentationml/2006/main" type="title" preserve="1">
+  <p:cSld name="Diapositive de titre">
+    <p:bg>
+      <p:bgPr>
+        <a:blipFill dpi="0" rotWithShape="1">
+          <a:blip r:embed="rId2" cstate="print">
+            <a:lum/>
+          </a:blip>
+          <a:srcRect/>
+          <a:stretch>
+            <a:fillRect l="-38000" r="-38000"/>
+          </a:stretch>
+        </a:blipFill>
+        <a:effectLst/>
+      </p:bgPr>
+    </p:bg>
+    <p:spTree>
+      <p:nvGrpSpPr>
+        <p:cNvPr id="1" name=""/>
+        <p:cNvGrpSpPr/>
+        <p:nvPr/>
+      </p:nvGrpSpPr>
+      <p:grpSpPr>
+        <a:xfrm>
+          <a:off x="0" y="0"/>
+          <a:ext cx="0" cy="0"/>
+          <a:chOff x="0" y="0"/>
+          <a:chExt cx="0" cy="0"/>
+        </a:xfrm>
+      </p:grpSpPr>
+      <p:sp>
+        <p:nvSpPr>
           <p:cNvPr id="2" name="Titre 1"/>
           <p:cNvSpPr>
             <a:spLocks noGrp="1"/>
@@ -142,13 +513,22 @@
         </p:spPr>
         <p:txBody>
           <a:bodyPr/>
-          <a:lstStyle/>
-          <a:p>
-            <a:r>
-              <a:rPr lang="fr-FR" smtClean="0"/>
+          <a:lstStyle>
+            <a:lvl1pPr>
+              <a:defRPr>
+                <a:solidFill>
+                  <a:srgbClr val="A4CA39"/>
+                </a:solidFill>
+                <a:latin typeface="Cambria" pitchFamily="18" charset="0"/>
+              </a:defRPr>
+            </a:lvl1pPr>
+          </a:lstStyle>
+          <a:p>
+            <a:r>
+              <a:rPr lang="fr-FR" dirty="0" smtClean="0"/>
               <a:t>Cliquez pour modifier le style du titre</a:t>
             </a:r>
-            <a:endParaRPr lang="fr-BE"/>
+            <a:endParaRPr lang="fr-BE" dirty="0"/>
           </a:p>
         </p:txBody>
       </p:sp>
@@ -175,13 +555,22 @@
               <a:buNone/>
               <a:defRPr>
                 <a:solidFill>
+                  <a:srgbClr val="A4CA39"/>
+                </a:solidFill>
+                <a:latin typeface="Cambria" pitchFamily="18" charset="0"/>
+              </a:defRPr>
+            </a:lvl1pPr>
+            <a:lvl2pPr marL="457200" indent="0" algn="ctr">
+              <a:buNone/>
+              <a:defRPr>
+                <a:solidFill>
                   <a:schemeClr val="tx1">
                     <a:tint val="75000"/>
                   </a:schemeClr>
                 </a:solidFill>
               </a:defRPr>
-            </a:lvl1pPr>
-            <a:lvl2pPr marL="457200" indent="0" algn="ctr">
+            </a:lvl2pPr>
+            <a:lvl3pPr marL="914400" indent="0" algn="ctr">
               <a:buNone/>
               <a:defRPr>
                 <a:solidFill>
@@ -190,8 +579,8 @@
                   </a:schemeClr>
                 </a:solidFill>
               </a:defRPr>
-            </a:lvl2pPr>
-            <a:lvl3pPr marL="914400" indent="0" algn="ctr">
+            </a:lvl3pPr>
+            <a:lvl4pPr marL="1371600" indent="0" algn="ctr">
               <a:buNone/>
               <a:defRPr>
                 <a:solidFill>
@@ -200,8 +589,8 @@
                   </a:schemeClr>
                 </a:solidFill>
               </a:defRPr>
-            </a:lvl3pPr>
-            <a:lvl4pPr marL="1371600" indent="0" algn="ctr">
+            </a:lvl4pPr>
+            <a:lvl5pPr marL="1828800" indent="0" algn="ctr">
               <a:buNone/>
               <a:defRPr>
                 <a:solidFill>
@@ -210,8 +599,8 @@
                   </a:schemeClr>
                 </a:solidFill>
               </a:defRPr>
-            </a:lvl4pPr>
-            <a:lvl5pPr marL="1828800" indent="0" algn="ctr">
+            </a:lvl5pPr>
+            <a:lvl6pPr marL="2286000" indent="0" algn="ctr">
               <a:buNone/>
               <a:defRPr>
                 <a:solidFill>
@@ -220,8 +609,8 @@
                   </a:schemeClr>
                 </a:solidFill>
               </a:defRPr>
-            </a:lvl5pPr>
-            <a:lvl6pPr marL="2286000" indent="0" algn="ctr">
+            </a:lvl6pPr>
+            <a:lvl7pPr marL="2743200" indent="0" algn="ctr">
               <a:buNone/>
               <a:defRPr>
                 <a:solidFill>
@@ -230,8 +619,8 @@
                   </a:schemeClr>
                 </a:solidFill>
               </a:defRPr>
-            </a:lvl6pPr>
-            <a:lvl7pPr marL="2743200" indent="0" algn="ctr">
+            </a:lvl7pPr>
+            <a:lvl8pPr marL="3200400" indent="0" algn="ctr">
               <a:buNone/>
               <a:defRPr>
                 <a:solidFill>
@@ -240,8 +629,8 @@
                   </a:schemeClr>
                 </a:solidFill>
               </a:defRPr>
-            </a:lvl7pPr>
-            <a:lvl8pPr marL="3200400" indent="0" algn="ctr">
+            </a:lvl8pPr>
+            <a:lvl9pPr marL="3657600" indent="0" algn="ctr">
               <a:buNone/>
               <a:defRPr>
                 <a:solidFill>
@@ -250,24 +639,14 @@
                   </a:schemeClr>
                 </a:solidFill>
               </a:defRPr>
-            </a:lvl8pPr>
-            <a:lvl9pPr marL="3657600" indent="0" algn="ctr">
-              <a:buNone/>
-              <a:defRPr>
-                <a:solidFill>
-                  <a:schemeClr val="tx1">
-                    <a:tint val="75000"/>
-                  </a:schemeClr>
-                </a:solidFill>
-              </a:defRPr>
             </a:lvl9pPr>
           </a:lstStyle>
           <a:p>
             <a:r>
-              <a:rPr lang="fr-FR" smtClean="0"/>
+              <a:rPr lang="fr-FR" dirty="0" smtClean="0"/>
               <a:t>Cliquez pour modifier le style des sous-titres du masque</a:t>
             </a:r>
-            <a:endParaRPr lang="fr-BE"/>
+            <a:endParaRPr lang="fr-BE" dirty="0"/>
           </a:p>
         </p:txBody>
       </p:sp>
@@ -286,9 +665,8 @@
           <a:bodyPr/>
           <a:lstStyle/>
           <a:p>
-            <a:fld id="{AA309A6D-C09C-4548-B29A-6CF363A7E532}" type="datetimeFigureOut">
-              <a:rPr lang="fr-FR" smtClean="0"/>
-              <a:pPr/>
+            <a:fld id="{DF9D4494-96E0-4406-9347-E80FE7704387}" type="datetime1">
+              <a:rPr lang="fr-FR" smtClean="0"/>
               <a:t>31/05/2011</a:t>
             </a:fld>
             <a:endParaRPr lang="fr-BE"/>
@@ -310,6 +688,10 @@
           <a:bodyPr/>
           <a:lstStyle/>
           <a:p>
+            <a:r>
+              <a:rPr lang="fr-FR" smtClean="0"/>
+              <a:t>M1 MIAGE - Université de Nice Sophia Antipolis</a:t>
+            </a:r>
             <a:endParaRPr lang="fr-BE"/>
           </a:p>
         </p:txBody>
@@ -317,6 +699,262 @@
       <p:sp>
         <p:nvSpPr>
           <p:cNvPr id="6" name="Espace réservé du numéro de diapositive 5"/>
+          <p:cNvSpPr>
+            <a:spLocks noGrp="1"/>
+          </p:cNvSpPr>
+          <p:nvPr>
+            <p:ph type="sldNum" sz="quarter" idx="12"/>
+          </p:nvPr>
+        </p:nvSpPr>
+        <p:spPr/>
+        <p:txBody>
+          <a:bodyPr/>
+          <a:lstStyle/>
+          <a:p>
+            <a:fld id="{CF4668DC-857F-487D-BFFA-8C0CA5037977}" type="slidenum">
+              <a:rPr lang="fr-BE" smtClean="0"/>
+              <a:pPr/>
+              <a:t>‹N°›</a:t>
+            </a:fld>
+            <a:endParaRPr lang="fr-BE"/>
+          </a:p>
+        </p:txBody>
+      </p:sp>
+    </p:spTree>
+  </p:cSld>
+  <p:clrMapOvr>
+    <a:masterClrMapping/>
+  </p:clrMapOvr>
+  <p:transition>
+    <p:randomBar/>
+  </p:transition>
+</p:sldLayout>
+</file>
+
+<file path=ppt/slideLayouts/slideLayout10.xml><?xml version="1.0" encoding="utf-8"?>
+<p:sldLayout xmlns:a="http://schemas.openxmlformats.org/drawingml/2006/main" xmlns:r="http://schemas.openxmlformats.org/officeDocument/2006/relationships" xmlns:p="http://schemas.openxmlformats.org/presentationml/2006/main" type="picTx" preserve="1">
+  <p:cSld name="Image avec légende">
+    <p:spTree>
+      <p:nvGrpSpPr>
+        <p:cNvPr id="1" name=""/>
+        <p:cNvGrpSpPr/>
+        <p:nvPr/>
+      </p:nvGrpSpPr>
+      <p:grpSpPr>
+        <a:xfrm>
+          <a:off x="0" y="0"/>
+          <a:ext cx="0" cy="0"/>
+          <a:chOff x="0" y="0"/>
+          <a:chExt cx="0" cy="0"/>
+        </a:xfrm>
+      </p:grpSpPr>
+      <p:sp>
+        <p:nvSpPr>
+          <p:cNvPr id="2" name="Titre 1"/>
+          <p:cNvSpPr>
+            <a:spLocks noGrp="1"/>
+          </p:cNvSpPr>
+          <p:nvPr>
+            <p:ph type="title"/>
+          </p:nvPr>
+        </p:nvSpPr>
+        <p:spPr>
+          <a:xfrm>
+            <a:off x="1792288" y="4800600"/>
+            <a:ext cx="5486400" cy="566738"/>
+          </a:xfrm>
+        </p:spPr>
+        <p:txBody>
+          <a:bodyPr anchor="b"/>
+          <a:lstStyle>
+            <a:lvl1pPr algn="l">
+              <a:defRPr sz="2000" b="1"/>
+            </a:lvl1pPr>
+          </a:lstStyle>
+          <a:p>
+            <a:r>
+              <a:rPr lang="fr-FR" smtClean="0"/>
+              <a:t>Cliquez pour modifier le style du titre</a:t>
+            </a:r>
+            <a:endParaRPr lang="fr-BE"/>
+          </a:p>
+        </p:txBody>
+      </p:sp>
+      <p:sp>
+        <p:nvSpPr>
+          <p:cNvPr id="3" name="Espace réservé pour une image  2"/>
+          <p:cNvSpPr>
+            <a:spLocks noGrp="1"/>
+          </p:cNvSpPr>
+          <p:nvPr>
+            <p:ph type="pic" idx="1"/>
+          </p:nvPr>
+        </p:nvSpPr>
+        <p:spPr>
+          <a:xfrm>
+            <a:off x="1792288" y="612775"/>
+            <a:ext cx="5486400" cy="4114800"/>
+          </a:xfrm>
+        </p:spPr>
+        <p:txBody>
+          <a:bodyPr/>
+          <a:lstStyle>
+            <a:lvl1pPr marL="0" indent="0">
+              <a:buNone/>
+              <a:defRPr sz="3200"/>
+            </a:lvl1pPr>
+            <a:lvl2pPr marL="457200" indent="0">
+              <a:buNone/>
+              <a:defRPr sz="2800"/>
+            </a:lvl2pPr>
+            <a:lvl3pPr marL="914400" indent="0">
+              <a:buNone/>
+              <a:defRPr sz="2400"/>
+            </a:lvl3pPr>
+            <a:lvl4pPr marL="1371600" indent="0">
+              <a:buNone/>
+              <a:defRPr sz="2000"/>
+            </a:lvl4pPr>
+            <a:lvl5pPr marL="1828800" indent="0">
+              <a:buNone/>
+              <a:defRPr sz="2000"/>
+            </a:lvl5pPr>
+            <a:lvl6pPr marL="2286000" indent="0">
+              <a:buNone/>
+              <a:defRPr sz="2000"/>
+            </a:lvl6pPr>
+            <a:lvl7pPr marL="2743200" indent="0">
+              <a:buNone/>
+              <a:defRPr sz="2000"/>
+            </a:lvl7pPr>
+            <a:lvl8pPr marL="3200400" indent="0">
+              <a:buNone/>
+              <a:defRPr sz="2000"/>
+            </a:lvl8pPr>
+            <a:lvl9pPr marL="3657600" indent="0">
+              <a:buNone/>
+              <a:defRPr sz="2000"/>
+            </a:lvl9pPr>
+          </a:lstStyle>
+          <a:p>
+            <a:endParaRPr lang="fr-BE"/>
+          </a:p>
+        </p:txBody>
+      </p:sp>
+      <p:sp>
+        <p:nvSpPr>
+          <p:cNvPr id="4" name="Espace réservé du texte 3"/>
+          <p:cNvSpPr>
+            <a:spLocks noGrp="1"/>
+          </p:cNvSpPr>
+          <p:nvPr>
+            <p:ph type="body" sz="half" idx="2"/>
+          </p:nvPr>
+        </p:nvSpPr>
+        <p:spPr>
+          <a:xfrm>
+            <a:off x="1792288" y="5367338"/>
+            <a:ext cx="5486400" cy="804862"/>
+          </a:xfrm>
+        </p:spPr>
+        <p:txBody>
+          <a:bodyPr/>
+          <a:lstStyle>
+            <a:lvl1pPr marL="0" indent="0">
+              <a:buNone/>
+              <a:defRPr sz="1400"/>
+            </a:lvl1pPr>
+            <a:lvl2pPr marL="457200" indent="0">
+              <a:buNone/>
+              <a:defRPr sz="1200"/>
+            </a:lvl2pPr>
+            <a:lvl3pPr marL="914400" indent="0">
+              <a:buNone/>
+              <a:defRPr sz="1000"/>
+            </a:lvl3pPr>
+            <a:lvl4pPr marL="1371600" indent="0">
+              <a:buNone/>
+              <a:defRPr sz="900"/>
+            </a:lvl4pPr>
+            <a:lvl5pPr marL="1828800" indent="0">
+              <a:buNone/>
+              <a:defRPr sz="900"/>
+            </a:lvl5pPr>
+            <a:lvl6pPr marL="2286000" indent="0">
+              <a:buNone/>
+              <a:defRPr sz="900"/>
+            </a:lvl6pPr>
+            <a:lvl7pPr marL="2743200" indent="0">
+              <a:buNone/>
+              <a:defRPr sz="900"/>
+            </a:lvl7pPr>
+            <a:lvl8pPr marL="3200400" indent="0">
+              <a:buNone/>
+              <a:defRPr sz="900"/>
+            </a:lvl8pPr>
+            <a:lvl9pPr marL="3657600" indent="0">
+              <a:buNone/>
+              <a:defRPr sz="900"/>
+            </a:lvl9pPr>
+          </a:lstStyle>
+          <a:p>
+            <a:pPr lvl="0"/>
+            <a:r>
+              <a:rPr lang="fr-FR" smtClean="0"/>
+              <a:t>Cliquez pour modifier les styles du texte du masque</a:t>
+            </a:r>
+          </a:p>
+        </p:txBody>
+      </p:sp>
+      <p:sp>
+        <p:nvSpPr>
+          <p:cNvPr id="5" name="Espace réservé de la date 4"/>
+          <p:cNvSpPr>
+            <a:spLocks noGrp="1"/>
+          </p:cNvSpPr>
+          <p:nvPr>
+            <p:ph type="dt" sz="half" idx="10"/>
+          </p:nvPr>
+        </p:nvSpPr>
+        <p:spPr/>
+        <p:txBody>
+          <a:bodyPr/>
+          <a:lstStyle/>
+          <a:p>
+            <a:fld id="{A89CA437-F84A-4BDD-8C20-46077FA11AD7}" type="datetime1">
+              <a:rPr lang="fr-FR" smtClean="0"/>
+              <a:t>31/05/2011</a:t>
+            </a:fld>
+            <a:endParaRPr lang="fr-BE"/>
+          </a:p>
+        </p:txBody>
+      </p:sp>
+      <p:sp>
+        <p:nvSpPr>
+          <p:cNvPr id="6" name="Espace réservé du pied de page 5"/>
+          <p:cNvSpPr>
+            <a:spLocks noGrp="1"/>
+          </p:cNvSpPr>
+          <p:nvPr>
+            <p:ph type="ftr" sz="quarter" idx="11"/>
+          </p:nvPr>
+        </p:nvSpPr>
+        <p:spPr/>
+        <p:txBody>
+          <a:bodyPr/>
+          <a:lstStyle/>
+          <a:p>
+            <a:r>
+              <a:rPr lang="fr-FR" smtClean="0"/>
+              <a:t>M1 MIAGE - Université de Nice Sophia Antipolis</a:t>
+            </a:r>
+            <a:endParaRPr lang="fr-BE"/>
+          </a:p>
+        </p:txBody>
+      </p:sp>
+      <p:sp>
+        <p:nvSpPr>
+          <p:cNvPr id="7" name="Espace réservé du numéro de diapositive 6"/>
           <p:cNvSpPr>
             <a:spLocks noGrp="1"/>
           </p:cNvSpPr>
@@ -346,7 +984,7 @@
 </p:sldLayout>
 </file>
 
-<file path=ppt/slideLayouts/slideLayout10.xml><?xml version="1.0" encoding="utf-8"?>
+<file path=ppt/slideLayouts/slideLayout11.xml><?xml version="1.0" encoding="utf-8"?>
 <p:sldLayout xmlns:a="http://schemas.openxmlformats.org/drawingml/2006/main" xmlns:r="http://schemas.openxmlformats.org/officeDocument/2006/relationships" xmlns:p="http://schemas.openxmlformats.org/presentationml/2006/main" type="vertTx" preserve="1">
   <p:cSld name="Titre et texte vertical">
     <p:spTree>
@@ -453,9 +1091,8 @@
           <a:bodyPr/>
           <a:lstStyle/>
           <a:p>
-            <a:fld id="{AA309A6D-C09C-4548-B29A-6CF363A7E532}" type="datetimeFigureOut">
-              <a:rPr lang="fr-FR" smtClean="0"/>
-              <a:pPr/>
+            <a:fld id="{24135A20-DC24-4C20-9F62-FD3DD13F2969}" type="datetime1">
+              <a:rPr lang="fr-FR" smtClean="0"/>
               <a:t>31/05/2011</a:t>
             </a:fld>
             <a:endParaRPr lang="fr-BE"/>
@@ -477,6 +1114,10 @@
           <a:bodyPr/>
           <a:lstStyle/>
           <a:p>
+            <a:r>
+              <a:rPr lang="fr-FR" smtClean="0"/>
+              <a:t>M1 MIAGE - Université de Nice Sophia Antipolis</a:t>
+            </a:r>
             <a:endParaRPr lang="fr-BE"/>
           </a:p>
         </p:txBody>
@@ -513,7 +1154,7 @@
 </p:sldLayout>
 </file>
 
-<file path=ppt/slideLayouts/slideLayout11.xml><?xml version="1.0" encoding="utf-8"?>
+<file path=ppt/slideLayouts/slideLayout12.xml><?xml version="1.0" encoding="utf-8"?>
 <p:sldLayout xmlns:a="http://schemas.openxmlformats.org/drawingml/2006/main" xmlns:r="http://schemas.openxmlformats.org/officeDocument/2006/relationships" xmlns:p="http://schemas.openxmlformats.org/presentationml/2006/main" type="vertTitleAndTx" preserve="1">
   <p:cSld name="Titre vertical et texte">
     <p:spTree>
@@ -630,9 +1271,8 @@
           <a:bodyPr/>
           <a:lstStyle/>
           <a:p>
-            <a:fld id="{AA309A6D-C09C-4548-B29A-6CF363A7E532}" type="datetimeFigureOut">
-              <a:rPr lang="fr-FR" smtClean="0"/>
-              <a:pPr/>
+            <a:fld id="{C74C95C5-D393-4D2F-A12B-633BD3C7E534}" type="datetime1">
+              <a:rPr lang="fr-FR" smtClean="0"/>
               <a:t>31/05/2011</a:t>
             </a:fld>
             <a:endParaRPr lang="fr-BE"/>
@@ -654,6 +1294,10 @@
           <a:bodyPr/>
           <a:lstStyle/>
           <a:p>
+            <a:r>
+              <a:rPr lang="fr-FR" smtClean="0"/>
+              <a:t>M1 MIAGE - Université de Nice Sophia Antipolis</a:t>
+            </a:r>
             <a:endParaRPr lang="fr-BE"/>
           </a:p>
         </p:txBody>
@@ -691,8 +1335,22 @@
 </file>
 
 <file path=ppt/slideLayouts/slideLayout2.xml><?xml version="1.0" encoding="utf-8"?>
-<p:sldLayout xmlns:a="http://schemas.openxmlformats.org/drawingml/2006/main" xmlns:r="http://schemas.openxmlformats.org/officeDocument/2006/relationships" xmlns:p="http://schemas.openxmlformats.org/presentationml/2006/main" type="obj" preserve="1">
-  <p:cSld name="Titre et contenu">
+<p:sldLayout xmlns:a="http://schemas.openxmlformats.org/drawingml/2006/main" xmlns:r="http://schemas.openxmlformats.org/officeDocument/2006/relationships" xmlns:p="http://schemas.openxmlformats.org/presentationml/2006/main" type="title" preserve="1">
+  <p:cSld name="1_Diapositive de titre">
+    <p:bg>
+      <p:bgPr>
+        <a:blipFill dpi="0" rotWithShape="1">
+          <a:blip r:embed="rId2" cstate="print">
+            <a:lum/>
+          </a:blip>
+          <a:srcRect/>
+          <a:stretch>
+            <a:fillRect l="-38000" r="-38000"/>
+          </a:stretch>
+        </a:blipFill>
+        <a:effectLst/>
+      </p:bgPr>
+    </p:bg>
     <p:spTree>
       <p:nvGrpSpPr>
         <p:cNvPr id="1" name=""/>
@@ -714,101 +1372,160 @@
             <a:spLocks noGrp="1"/>
           </p:cNvSpPr>
           <p:nvPr>
-            <p:ph type="title"/>
-          </p:nvPr>
-        </p:nvSpPr>
-        <p:spPr/>
-        <p:txBody>
-          <a:bodyPr/>
-          <a:lstStyle/>
-          <a:p>
-            <a:r>
-              <a:rPr lang="fr-FR" smtClean="0"/>
-              <a:t>Cliquez pour modifier le style du titre</a:t>
-            </a:r>
-            <a:endParaRPr lang="fr-BE"/>
-          </a:p>
-        </p:txBody>
-      </p:sp>
-      <p:sp>
-        <p:nvSpPr>
-          <p:cNvPr id="3" name="Espace réservé du contenu 2"/>
-          <p:cNvSpPr>
-            <a:spLocks noGrp="1"/>
-          </p:cNvSpPr>
-          <p:nvPr>
-            <p:ph idx="1"/>
-          </p:nvPr>
-        </p:nvSpPr>
-        <p:spPr/>
-        <p:txBody>
-          <a:bodyPr/>
-          <a:lstStyle/>
-          <a:p>
-            <a:pPr lvl="0"/>
-            <a:r>
-              <a:rPr lang="fr-FR" smtClean="0"/>
-              <a:t>Cliquez pour modifier les styles du texte du masque</a:t>
-            </a:r>
-          </a:p>
-          <a:p>
-            <a:pPr lvl="1"/>
-            <a:r>
-              <a:rPr lang="fr-FR" smtClean="0"/>
-              <a:t>Deuxième niveau</a:t>
-            </a:r>
-          </a:p>
-          <a:p>
-            <a:pPr lvl="2"/>
-            <a:r>
-              <a:rPr lang="fr-FR" smtClean="0"/>
-              <a:t>Troisième niveau</a:t>
-            </a:r>
-          </a:p>
-          <a:p>
-            <a:pPr lvl="3"/>
-            <a:r>
-              <a:rPr lang="fr-FR" smtClean="0"/>
-              <a:t>Quatrième niveau</a:t>
-            </a:r>
-          </a:p>
-          <a:p>
-            <a:pPr lvl="4"/>
-            <a:r>
-              <a:rPr lang="fr-FR" smtClean="0"/>
-              <a:t>Cinquième niveau</a:t>
-            </a:r>
-            <a:endParaRPr lang="fr-BE"/>
-          </a:p>
-        </p:txBody>
-      </p:sp>
-      <p:sp>
-        <p:nvSpPr>
-          <p:cNvPr id="4" name="Espace réservé de la date 3"/>
-          <p:cNvSpPr>
-            <a:spLocks noGrp="1"/>
-          </p:cNvSpPr>
-          <p:nvPr>
-            <p:ph type="dt" sz="half" idx="10"/>
-          </p:nvPr>
-        </p:nvSpPr>
-        <p:spPr/>
-        <p:txBody>
-          <a:bodyPr/>
-          <a:lstStyle/>
-          <a:p>
-            <a:fld id="{AA309A6D-C09C-4548-B29A-6CF363A7E532}" type="datetimeFigureOut">
-              <a:rPr lang="fr-FR" smtClean="0"/>
-              <a:pPr/>
-              <a:t>31/05/2011</a:t>
-            </a:fld>
-            <a:endParaRPr lang="fr-BE"/>
-          </a:p>
-        </p:txBody>
-      </p:sp>
-      <p:sp>
-        <p:nvSpPr>
-          <p:cNvPr id="5" name="Espace réservé du pied de page 4"/>
+            <p:ph type="ctrTitle" hasCustomPrompt="1"/>
+          </p:nvPr>
+        </p:nvSpPr>
+        <p:spPr>
+          <a:xfrm>
+            <a:off x="685800" y="188641"/>
+            <a:ext cx="7772400" cy="1008112"/>
+          </a:xfrm>
+        </p:spPr>
+        <p:txBody>
+          <a:bodyPr/>
+          <a:lstStyle>
+            <a:lvl1pPr>
+              <a:defRPr>
+                <a:solidFill>
+                  <a:srgbClr val="A4CA39"/>
+                </a:solidFill>
+                <a:latin typeface="Cambria" pitchFamily="18" charset="0"/>
+              </a:defRPr>
+            </a:lvl1pPr>
+          </a:lstStyle>
+          <a:p>
+            <a:r>
+              <a:rPr lang="fr-FR" dirty="0" smtClean="0"/>
+              <a:t>Titre</a:t>
+            </a:r>
+            <a:endParaRPr lang="fr-BE" dirty="0"/>
+          </a:p>
+        </p:txBody>
+      </p:sp>
+      <p:sp>
+        <p:nvSpPr>
+          <p:cNvPr id="3" name="Sous-titre 2"/>
+          <p:cNvSpPr>
+            <a:spLocks noGrp="1"/>
+          </p:cNvSpPr>
+          <p:nvPr>
+            <p:ph type="subTitle" idx="1"/>
+          </p:nvPr>
+        </p:nvSpPr>
+        <p:spPr>
+          <a:xfrm>
+            <a:off x="683568" y="1340768"/>
+            <a:ext cx="7776864" cy="4298032"/>
+          </a:xfrm>
+        </p:spPr>
+        <p:txBody>
+          <a:bodyPr/>
+          <a:lstStyle>
+            <a:lvl1pPr marL="0" indent="0" algn="ctr">
+              <a:buNone/>
+              <a:defRPr>
+                <a:solidFill>
+                  <a:schemeClr val="accent3">
+                    <a:lumMod val="40000"/>
+                    <a:lumOff val="60000"/>
+                  </a:schemeClr>
+                </a:solidFill>
+                <a:latin typeface="Cambria" pitchFamily="18" charset="0"/>
+              </a:defRPr>
+            </a:lvl1pPr>
+            <a:lvl2pPr marL="457200" indent="0" algn="ctr">
+              <a:buNone/>
+              <a:defRPr>
+                <a:solidFill>
+                  <a:schemeClr val="tx1">
+                    <a:tint val="75000"/>
+                  </a:schemeClr>
+                </a:solidFill>
+              </a:defRPr>
+            </a:lvl2pPr>
+            <a:lvl3pPr marL="914400" indent="0" algn="ctr">
+              <a:buNone/>
+              <a:defRPr>
+                <a:solidFill>
+                  <a:schemeClr val="tx1">
+                    <a:tint val="75000"/>
+                  </a:schemeClr>
+                </a:solidFill>
+              </a:defRPr>
+            </a:lvl3pPr>
+            <a:lvl4pPr marL="1371600" indent="0" algn="ctr">
+              <a:buNone/>
+              <a:defRPr>
+                <a:solidFill>
+                  <a:schemeClr val="tx1">
+                    <a:tint val="75000"/>
+                  </a:schemeClr>
+                </a:solidFill>
+              </a:defRPr>
+            </a:lvl4pPr>
+            <a:lvl5pPr marL="1828800" indent="0" algn="ctr">
+              <a:buNone/>
+              <a:defRPr>
+                <a:solidFill>
+                  <a:schemeClr val="tx1">
+                    <a:tint val="75000"/>
+                  </a:schemeClr>
+                </a:solidFill>
+              </a:defRPr>
+            </a:lvl5pPr>
+            <a:lvl6pPr marL="2286000" indent="0" algn="ctr">
+              <a:buNone/>
+              <a:defRPr>
+                <a:solidFill>
+                  <a:schemeClr val="tx1">
+                    <a:tint val="75000"/>
+                  </a:schemeClr>
+                </a:solidFill>
+              </a:defRPr>
+            </a:lvl6pPr>
+            <a:lvl7pPr marL="2743200" indent="0" algn="ctr">
+              <a:buNone/>
+              <a:defRPr>
+                <a:solidFill>
+                  <a:schemeClr val="tx1">
+                    <a:tint val="75000"/>
+                  </a:schemeClr>
+                </a:solidFill>
+              </a:defRPr>
+            </a:lvl7pPr>
+            <a:lvl8pPr marL="3200400" indent="0" algn="ctr">
+              <a:buNone/>
+              <a:defRPr>
+                <a:solidFill>
+                  <a:schemeClr val="tx1">
+                    <a:tint val="75000"/>
+                  </a:schemeClr>
+                </a:solidFill>
+              </a:defRPr>
+            </a:lvl8pPr>
+            <a:lvl9pPr marL="3657600" indent="0" algn="ctr">
+              <a:buNone/>
+              <a:defRPr>
+                <a:solidFill>
+                  <a:schemeClr val="tx1">
+                    <a:tint val="75000"/>
+                  </a:schemeClr>
+                </a:solidFill>
+              </a:defRPr>
+            </a:lvl9pPr>
+          </a:lstStyle>
+          <a:p>
+            <a:r>
+              <a:rPr lang="fr-FR" dirty="0" smtClean="0"/>
+              <a:t>Cliquez pour modifier le style des sous-titres du masque</a:t>
+            </a:r>
+            <a:endParaRPr lang="fr-BE" dirty="0"/>
+          </a:p>
+        </p:txBody>
+      </p:sp>
+      <p:sp>
+        <p:nvSpPr>
+          <p:cNvPr id="10" name="Espace réservé du pied de page 4"/>
           <p:cNvSpPr>
             <a:spLocks noGrp="1"/>
           </p:cNvSpPr>
@@ -816,18 +1533,42 @@
             <p:ph type="ftr" sz="quarter" idx="11"/>
           </p:nvPr>
         </p:nvSpPr>
-        <p:spPr/>
-        <p:txBody>
-          <a:bodyPr/>
-          <a:lstStyle/>
-          <a:p>
-            <a:endParaRPr lang="fr-BE"/>
-          </a:p>
-        </p:txBody>
-      </p:sp>
-      <p:sp>
-        <p:nvSpPr>
-          <p:cNvPr id="6" name="Espace réservé du numéro de diapositive 5"/>
+        <p:spPr>
+          <a:xfrm>
+            <a:off x="92224" y="6376243"/>
+            <a:ext cx="2751584" cy="365125"/>
+          </a:xfrm>
+        </p:spPr>
+        <p:txBody>
+          <a:bodyPr/>
+          <a:lstStyle>
+            <a:lvl1pPr algn="l">
+              <a:defRPr>
+                <a:solidFill>
+                  <a:schemeClr val="bg1"/>
+                </a:solidFill>
+                <a:latin typeface="Cambria" pitchFamily="18" charset="0"/>
+              </a:defRPr>
+            </a:lvl1pPr>
+          </a:lstStyle>
+          <a:p>
+            <a:r>
+              <a:rPr lang="fr-FR" dirty="0" smtClean="0"/>
+              <a:t>M1 MIAGE  - 2010/2011</a:t>
+            </a:r>
+          </a:p>
+          <a:p>
+            <a:r>
+              <a:rPr lang="fr-FR" dirty="0" smtClean="0"/>
+              <a:t>Université de Nice Sophia Antipolis</a:t>
+            </a:r>
+            <a:endParaRPr lang="fr-BE" dirty="0"/>
+          </a:p>
+        </p:txBody>
+      </p:sp>
+      <p:sp>
+        <p:nvSpPr>
+          <p:cNvPr id="11" name="Espace réservé du numéro de diapositive 5"/>
           <p:cNvSpPr>
             <a:spLocks noGrp="1"/>
           </p:cNvSpPr>
@@ -835,17 +1576,35 @@
             <p:ph type="sldNum" sz="quarter" idx="12"/>
           </p:nvPr>
         </p:nvSpPr>
-        <p:spPr/>
-        <p:txBody>
-          <a:bodyPr/>
-          <a:lstStyle/>
+        <p:spPr>
+          <a:xfrm>
+            <a:off x="6974904" y="6376243"/>
+            <a:ext cx="2133600" cy="365125"/>
+          </a:xfrm>
+        </p:spPr>
+        <p:txBody>
+          <a:bodyPr/>
+          <a:lstStyle>
+            <a:lvl1pPr>
+              <a:defRPr>
+                <a:solidFill>
+                  <a:schemeClr val="bg1"/>
+                </a:solidFill>
+                <a:latin typeface="Cambria" pitchFamily="18" charset="0"/>
+              </a:defRPr>
+            </a:lvl1pPr>
+          </a:lstStyle>
           <a:p>
             <a:fld id="{CF4668DC-857F-487D-BFFA-8C0CA5037977}" type="slidenum">
               <a:rPr lang="fr-BE" smtClean="0"/>
               <a:pPr/>
               <a:t>‹N°›</a:t>
             </a:fld>
-            <a:endParaRPr lang="fr-BE"/>
+            <a:r>
+              <a:rPr lang="fr-BE" dirty="0" smtClean="0"/>
+              <a:t> sur ?</a:t>
+            </a:r>
+            <a:endParaRPr lang="fr-BE" dirty="0"/>
           </a:p>
         </p:txBody>
       </p:sp>
@@ -854,10 +1613,358 @@
   <p:clrMapOvr>
     <a:masterClrMapping/>
   </p:clrMapOvr>
+  <p:transition>
+    <p:randomBar/>
+  </p:transition>
 </p:sldLayout>
 </file>
 
 <file path=ppt/slideLayouts/slideLayout3.xml><?xml version="1.0" encoding="utf-8"?>
+<p:sldLayout xmlns:a="http://schemas.openxmlformats.org/drawingml/2006/main" xmlns:r="http://schemas.openxmlformats.org/officeDocument/2006/relationships" xmlns:p="http://schemas.openxmlformats.org/presentationml/2006/main" preserve="1" userDrawn="1">
+  <p:cSld name="Titre et contenu">
+    <p:bg>
+      <p:bgPr>
+        <a:blipFill dpi="0" rotWithShape="1">
+          <a:blip r:embed="rId2" cstate="print">
+            <a:lum/>
+          </a:blip>
+          <a:srcRect/>
+          <a:stretch>
+            <a:fillRect l="-38000" r="-38000"/>
+          </a:stretch>
+        </a:blipFill>
+        <a:effectLst/>
+      </p:bgPr>
+    </p:bg>
+    <p:spTree>
+      <p:nvGrpSpPr>
+        <p:cNvPr id="1" name=""/>
+        <p:cNvGrpSpPr/>
+        <p:nvPr/>
+      </p:nvGrpSpPr>
+      <p:grpSpPr>
+        <a:xfrm>
+          <a:off x="0" y="0"/>
+          <a:ext cx="0" cy="0"/>
+          <a:chOff x="0" y="0"/>
+          <a:chExt cx="0" cy="0"/>
+        </a:xfrm>
+      </p:grpSpPr>
+      <p:sp>
+        <p:nvSpPr>
+          <p:cNvPr id="2" name="Titre 1"/>
+          <p:cNvSpPr>
+            <a:spLocks noGrp="1"/>
+          </p:cNvSpPr>
+          <p:nvPr>
+            <p:ph type="title" hasCustomPrompt="1"/>
+          </p:nvPr>
+        </p:nvSpPr>
+        <p:spPr>
+          <a:xfrm>
+            <a:off x="457200" y="34464"/>
+            <a:ext cx="8229600" cy="812408"/>
+          </a:xfrm>
+        </p:spPr>
+        <p:txBody>
+          <a:bodyPr/>
+          <a:lstStyle>
+            <a:lvl1pPr>
+              <a:defRPr>
+                <a:solidFill>
+                  <a:srgbClr val="A4CA39"/>
+                </a:solidFill>
+              </a:defRPr>
+            </a:lvl1pPr>
+          </a:lstStyle>
+          <a:p>
+            <a:r>
+              <a:rPr lang="fr-FR" dirty="0" smtClean="0"/>
+              <a:t>Titre</a:t>
+            </a:r>
+            <a:endParaRPr lang="fr-BE" dirty="0"/>
+          </a:p>
+        </p:txBody>
+      </p:sp>
+      <p:sp>
+        <p:nvSpPr>
+          <p:cNvPr id="5" name="Espace réservé du pied de page 4"/>
+          <p:cNvSpPr>
+            <a:spLocks noGrp="1"/>
+          </p:cNvSpPr>
+          <p:nvPr>
+            <p:ph type="ftr" sz="quarter" idx="11"/>
+          </p:nvPr>
+        </p:nvSpPr>
+        <p:spPr>
+          <a:xfrm>
+            <a:off x="92224" y="6376243"/>
+            <a:ext cx="2751584" cy="365125"/>
+          </a:xfrm>
+        </p:spPr>
+        <p:txBody>
+          <a:bodyPr/>
+          <a:lstStyle>
+            <a:lvl1pPr algn="l">
+              <a:defRPr>
+                <a:solidFill>
+                  <a:schemeClr val="bg1"/>
+                </a:solidFill>
+                <a:latin typeface="Cambria" pitchFamily="18" charset="0"/>
+              </a:defRPr>
+            </a:lvl1pPr>
+          </a:lstStyle>
+          <a:p>
+            <a:r>
+              <a:rPr lang="fr-FR" dirty="0" smtClean="0"/>
+              <a:t>M1 MIAGE  - 2010/2011</a:t>
+            </a:r>
+          </a:p>
+          <a:p>
+            <a:r>
+              <a:rPr lang="fr-FR" dirty="0" smtClean="0"/>
+              <a:t>Université de Nice Sophia Antipolis</a:t>
+            </a:r>
+            <a:endParaRPr lang="fr-BE" dirty="0"/>
+          </a:p>
+        </p:txBody>
+      </p:sp>
+      <p:sp>
+        <p:nvSpPr>
+          <p:cNvPr id="6" name="Espace réservé du numéro de diapositive 5"/>
+          <p:cNvSpPr>
+            <a:spLocks noGrp="1"/>
+          </p:cNvSpPr>
+          <p:nvPr>
+            <p:ph type="sldNum" sz="quarter" idx="12"/>
+          </p:nvPr>
+        </p:nvSpPr>
+        <p:spPr>
+          <a:xfrm>
+            <a:off x="6974904" y="6376243"/>
+            <a:ext cx="2133600" cy="365125"/>
+          </a:xfrm>
+        </p:spPr>
+        <p:txBody>
+          <a:bodyPr/>
+          <a:lstStyle>
+            <a:lvl1pPr>
+              <a:defRPr>
+                <a:solidFill>
+                  <a:schemeClr val="bg1"/>
+                </a:solidFill>
+                <a:latin typeface="Cambria" pitchFamily="18" charset="0"/>
+              </a:defRPr>
+            </a:lvl1pPr>
+          </a:lstStyle>
+          <a:p>
+            <a:fld id="{CF4668DC-857F-487D-BFFA-8C0CA5037977}" type="slidenum">
+              <a:rPr lang="fr-BE" smtClean="0"/>
+              <a:pPr/>
+              <a:t>‹N°›</a:t>
+            </a:fld>
+            <a:r>
+              <a:rPr lang="fr-BE" dirty="0" smtClean="0"/>
+              <a:t> sur ?</a:t>
+            </a:r>
+            <a:endParaRPr lang="fr-BE" dirty="0"/>
+          </a:p>
+        </p:txBody>
+      </p:sp>
+      <p:sp>
+        <p:nvSpPr>
+          <p:cNvPr id="11" name="Espace réservé du contenu 10"/>
+          <p:cNvSpPr>
+            <a:spLocks noGrp="1"/>
+          </p:cNvSpPr>
+          <p:nvPr>
+            <p:ph sz="quarter" idx="13"/>
+          </p:nvPr>
+        </p:nvSpPr>
+        <p:spPr>
+          <a:xfrm>
+            <a:off x="0" y="908720"/>
+            <a:ext cx="1763688" cy="5040560"/>
+          </a:xfrm>
+          <a:noFill/>
+        </p:spPr>
+        <p:txBody>
+          <a:bodyPr lIns="0" tIns="36000" rIns="0" bIns="36000"/>
+          <a:lstStyle>
+            <a:lvl2pPr algn="l">
+              <a:buFontTx/>
+              <a:buNone/>
+              <a:defRPr>
+                <a:solidFill>
+                  <a:srgbClr val="D8FBC1"/>
+                </a:solidFill>
+                <a:latin typeface="Cambria" pitchFamily="18" charset="0"/>
+              </a:defRPr>
+            </a:lvl2pPr>
+          </a:lstStyle>
+          <a:p>
+            <a:pPr lvl="1"/>
+            <a:endParaRPr lang="fr-FR" dirty="0"/>
+          </a:p>
+        </p:txBody>
+      </p:sp>
+      <p:sp>
+        <p:nvSpPr>
+          <p:cNvPr id="14" name="Espace réservé du contenu 13"/>
+          <p:cNvSpPr>
+            <a:spLocks noGrp="1"/>
+          </p:cNvSpPr>
+          <p:nvPr>
+            <p:ph sz="quarter" idx="14"/>
+          </p:nvPr>
+        </p:nvSpPr>
+        <p:spPr>
+          <a:xfrm>
+            <a:off x="1763688" y="908720"/>
+            <a:ext cx="7380312" cy="5112568"/>
+          </a:xfrm>
+          <a:solidFill>
+            <a:schemeClr val="bg1"/>
+          </a:solidFill>
+        </p:spPr>
+        <p:txBody>
+          <a:bodyPr/>
+          <a:lstStyle>
+            <a:lvl1pPr>
+              <a:defRPr>
+                <a:latin typeface="Cambria" pitchFamily="18" charset="0"/>
+              </a:defRPr>
+            </a:lvl1pPr>
+            <a:lvl2pPr>
+              <a:defRPr>
+                <a:latin typeface="Cambria" pitchFamily="18" charset="0"/>
+              </a:defRPr>
+            </a:lvl2pPr>
+            <a:lvl3pPr>
+              <a:defRPr>
+                <a:latin typeface="Cambria" pitchFamily="18" charset="0"/>
+              </a:defRPr>
+            </a:lvl3pPr>
+            <a:lvl4pPr>
+              <a:defRPr>
+                <a:latin typeface="Cambria" pitchFamily="18" charset="0"/>
+              </a:defRPr>
+            </a:lvl4pPr>
+            <a:lvl5pPr>
+              <a:defRPr>
+                <a:latin typeface="Cambria" pitchFamily="18" charset="0"/>
+              </a:defRPr>
+            </a:lvl5pPr>
+          </a:lstStyle>
+          <a:p>
+            <a:pPr lvl="0"/>
+            <a:r>
+              <a:rPr lang="fr-FR" dirty="0" smtClean="0"/>
+              <a:t>Cliquez pour modifier les styles du texte du masque</a:t>
+            </a:r>
+          </a:p>
+          <a:p>
+            <a:pPr lvl="1"/>
+            <a:r>
+              <a:rPr lang="fr-FR" dirty="0" smtClean="0"/>
+              <a:t>Deuxième niveau</a:t>
+            </a:r>
+          </a:p>
+          <a:p>
+            <a:pPr lvl="2"/>
+            <a:r>
+              <a:rPr lang="fr-FR" dirty="0" smtClean="0"/>
+              <a:t>Troisième niveau</a:t>
+            </a:r>
+          </a:p>
+          <a:p>
+            <a:pPr lvl="3"/>
+            <a:r>
+              <a:rPr lang="fr-FR" dirty="0" smtClean="0"/>
+              <a:t>Quatrième niveau</a:t>
+            </a:r>
+          </a:p>
+          <a:p>
+            <a:pPr lvl="4"/>
+            <a:r>
+              <a:rPr lang="fr-FR" dirty="0" smtClean="0"/>
+              <a:t>Cinquième niveau</a:t>
+            </a:r>
+            <a:endParaRPr lang="fr-FR" dirty="0"/>
+          </a:p>
+        </p:txBody>
+      </p:sp>
+      <p:sp>
+        <p:nvSpPr>
+          <p:cNvPr id="18" name="Espace réservé du texte 17"/>
+          <p:cNvSpPr>
+            <a:spLocks noGrp="1"/>
+          </p:cNvSpPr>
+          <p:nvPr>
+            <p:ph type="body" sz="quarter" idx="15"/>
+          </p:nvPr>
+        </p:nvSpPr>
+        <p:spPr>
+          <a:xfrm>
+            <a:off x="0" y="0"/>
+            <a:ext cx="9144000" cy="908720"/>
+          </a:xfrm>
+        </p:spPr>
+        <p:txBody>
+          <a:bodyPr/>
+          <a:lstStyle>
+            <a:lvl1pPr algn="ctr">
+              <a:buNone/>
+              <a:defRPr>
+                <a:solidFill>
+                  <a:srgbClr val="A4CA39"/>
+                </a:solidFill>
+                <a:latin typeface="Cambria" pitchFamily="18" charset="0"/>
+              </a:defRPr>
+            </a:lvl1pPr>
+          </a:lstStyle>
+          <a:p>
+            <a:pPr lvl="0"/>
+            <a:endParaRPr lang="fr-FR" dirty="0"/>
+          </a:p>
+        </p:txBody>
+      </p:sp>
+      <p:pic>
+        <p:nvPicPr>
+          <p:cNvPr id="19" name="Image 18" descr="bugdroid_head.PNG"/>
+          <p:cNvPicPr>
+            <a:picLocks noChangeAspect="1"/>
+          </p:cNvPicPr>
+          <p:nvPr userDrawn="1"/>
+        </p:nvPicPr>
+        <p:blipFill>
+          <a:blip r:embed="rId3" cstate="print"/>
+          <a:stretch>
+            <a:fillRect/>
+          </a:stretch>
+        </p:blipFill>
+        <p:spPr>
+          <a:xfrm>
+            <a:off x="2699792" y="6021288"/>
+            <a:ext cx="4303209" cy="836712"/>
+          </a:xfrm>
+          <a:prstGeom prst="rect">
+            <a:avLst/>
+          </a:prstGeom>
+        </p:spPr>
+      </p:pic>
+    </p:spTree>
+  </p:cSld>
+  <p:clrMapOvr>
+    <a:masterClrMapping/>
+  </p:clrMapOvr>
+  <p:transition>
+    <p:fade/>
+  </p:transition>
+</p:sldLayout>
+</file>
+
+<file path=ppt/slideLayouts/slideLayout4.xml><?xml version="1.0" encoding="utf-8"?>
 <p:sldLayout xmlns:a="http://schemas.openxmlformats.org/drawingml/2006/main" xmlns:r="http://schemas.openxmlformats.org/officeDocument/2006/relationships" xmlns:p="http://schemas.openxmlformats.org/presentationml/2006/main" type="secHead" preserve="1">
   <p:cSld name="Titre de section">
     <p:spTree>
@@ -1040,9 +2147,8 @@
           <a:bodyPr/>
           <a:lstStyle/>
           <a:p>
-            <a:fld id="{AA309A6D-C09C-4548-B29A-6CF363A7E532}" type="datetimeFigureOut">
-              <a:rPr lang="fr-FR" smtClean="0"/>
-              <a:pPr/>
+            <a:fld id="{9DEFE777-74D9-46A9-AF63-ECD7CA5CB743}" type="datetime1">
+              <a:rPr lang="fr-FR" smtClean="0"/>
               <a:t>31/05/2011</a:t>
             </a:fld>
             <a:endParaRPr lang="fr-BE"/>
@@ -1064,6 +2170,10 @@
           <a:bodyPr/>
           <a:lstStyle/>
           <a:p>
+            <a:r>
+              <a:rPr lang="fr-FR" smtClean="0"/>
+              <a:t>M1 MIAGE - Université de Nice Sophia Antipolis</a:t>
+            </a:r>
             <a:endParaRPr lang="fr-BE"/>
           </a:p>
         </p:txBody>
@@ -1100,7 +2210,7 @@
 </p:sldLayout>
 </file>
 
-<file path=ppt/slideLayouts/slideLayout4.xml><?xml version="1.0" encoding="utf-8"?>
+<file path=ppt/slideLayouts/slideLayout5.xml><?xml version="1.0" encoding="utf-8"?>
 <p:sldLayout xmlns:a="http://schemas.openxmlformats.org/drawingml/2006/main" xmlns:r="http://schemas.openxmlformats.org/officeDocument/2006/relationships" xmlns:p="http://schemas.openxmlformats.org/presentationml/2006/main" type="twoObj" preserve="1">
   <p:cSld name="Deux contenus">
     <p:spTree>
@@ -1325,9 +2435,8 @@
           <a:bodyPr/>
           <a:lstStyle/>
           <a:p>
-            <a:fld id="{AA309A6D-C09C-4548-B29A-6CF363A7E532}" type="datetimeFigureOut">
-              <a:rPr lang="fr-FR" smtClean="0"/>
-              <a:pPr/>
+            <a:fld id="{9ACF5AB4-72D0-4411-8F4F-4D9D79E948BF}" type="datetime1">
+              <a:rPr lang="fr-FR" smtClean="0"/>
               <a:t>31/05/2011</a:t>
             </a:fld>
             <a:endParaRPr lang="fr-BE"/>
@@ -1349,6 +2458,10 @@
           <a:bodyPr/>
           <a:lstStyle/>
           <a:p>
+            <a:r>
+              <a:rPr lang="fr-FR" smtClean="0"/>
+              <a:t>M1 MIAGE - Université de Nice Sophia Antipolis</a:t>
+            </a:r>
             <a:endParaRPr lang="fr-BE"/>
           </a:p>
         </p:txBody>
@@ -1385,7 +2498,7 @@
 </p:sldLayout>
 </file>
 
-<file path=ppt/slideLayouts/slideLayout5.xml><?xml version="1.0" encoding="utf-8"?>
+<file path=ppt/slideLayouts/slideLayout6.xml><?xml version="1.0" encoding="utf-8"?>
 <p:sldLayout xmlns:a="http://schemas.openxmlformats.org/drawingml/2006/main" xmlns:r="http://schemas.openxmlformats.org/officeDocument/2006/relationships" xmlns:p="http://schemas.openxmlformats.org/presentationml/2006/main" type="twoTxTwoObj" preserve="1">
   <p:cSld name="Comparaison">
     <p:spTree>
@@ -1744,9 +2857,8 @@
           <a:bodyPr/>
           <a:lstStyle/>
           <a:p>
-            <a:fld id="{AA309A6D-C09C-4548-B29A-6CF363A7E532}" type="datetimeFigureOut">
-              <a:rPr lang="fr-FR" smtClean="0"/>
-              <a:pPr/>
+            <a:fld id="{D2811741-81B4-41E5-A5E9-7992F4B62001}" type="datetime1">
+              <a:rPr lang="fr-FR" smtClean="0"/>
               <a:t>31/05/2011</a:t>
             </a:fld>
             <a:endParaRPr lang="fr-BE"/>
@@ -1768,6 +2880,10 @@
           <a:bodyPr/>
           <a:lstStyle/>
           <a:p>
+            <a:r>
+              <a:rPr lang="fr-FR" smtClean="0"/>
+              <a:t>M1 MIAGE - Université de Nice Sophia Antipolis</a:t>
+            </a:r>
             <a:endParaRPr lang="fr-BE"/>
           </a:p>
         </p:txBody>
@@ -1804,7 +2920,7 @@
 </p:sldLayout>
 </file>
 
-<file path=ppt/slideLayouts/slideLayout6.xml><?xml version="1.0" encoding="utf-8"?>
+<file path=ppt/slideLayouts/slideLayout7.xml><?xml version="1.0" encoding="utf-8"?>
 <p:sldLayout xmlns:a="http://schemas.openxmlformats.org/drawingml/2006/main" xmlns:r="http://schemas.openxmlformats.org/officeDocument/2006/relationships" xmlns:p="http://schemas.openxmlformats.org/presentationml/2006/main" type="titleOnly" preserve="1">
   <p:cSld name="Titre seul">
     <p:spTree>
@@ -1859,9 +2975,8 @@
           <a:bodyPr/>
           <a:lstStyle/>
           <a:p>
-            <a:fld id="{AA309A6D-C09C-4548-B29A-6CF363A7E532}" type="datetimeFigureOut">
-              <a:rPr lang="fr-FR" smtClean="0"/>
-              <a:pPr/>
+            <a:fld id="{FA06DA9A-0216-4D5C-BA8D-BFCD89B87CAB}" type="datetime1">
+              <a:rPr lang="fr-FR" smtClean="0"/>
               <a:t>31/05/2011</a:t>
             </a:fld>
             <a:endParaRPr lang="fr-BE"/>
@@ -1883,6 +2998,10 @@
           <a:bodyPr/>
           <a:lstStyle/>
           <a:p>
+            <a:r>
+              <a:rPr lang="fr-FR" smtClean="0"/>
+              <a:t>M1 MIAGE - Université de Nice Sophia Antipolis</a:t>
+            </a:r>
             <a:endParaRPr lang="fr-BE"/>
           </a:p>
         </p:txBody>
@@ -1919,7 +3038,7 @@
 </p:sldLayout>
 </file>
 
-<file path=ppt/slideLayouts/slideLayout7.xml><?xml version="1.0" encoding="utf-8"?>
+<file path=ppt/slideLayouts/slideLayout8.xml><?xml version="1.0" encoding="utf-8"?>
 <p:sldLayout xmlns:a="http://schemas.openxmlformats.org/drawingml/2006/main" xmlns:r="http://schemas.openxmlformats.org/officeDocument/2006/relationships" xmlns:p="http://schemas.openxmlformats.org/presentationml/2006/main" type="blank" preserve="1">
   <p:cSld name="Vide">
     <p:spTree>
@@ -1951,9 +3070,8 @@
           <a:bodyPr/>
           <a:lstStyle/>
           <a:p>
-            <a:fld id="{AA309A6D-C09C-4548-B29A-6CF363A7E532}" type="datetimeFigureOut">
-              <a:rPr lang="fr-FR" smtClean="0"/>
-              <a:pPr/>
+            <a:fld id="{3EDB268D-CAC0-4A46-8E29-E987593C3F48}" type="datetime1">
+              <a:rPr lang="fr-FR" smtClean="0"/>
               <a:t>31/05/2011</a:t>
             </a:fld>
             <a:endParaRPr lang="fr-BE"/>
@@ -1975,6 +3093,10 @@
           <a:bodyPr/>
           <a:lstStyle/>
           <a:p>
+            <a:r>
+              <a:rPr lang="fr-FR" smtClean="0"/>
+              <a:t>M1 MIAGE - Université de Nice Sophia Antipolis</a:t>
+            </a:r>
             <a:endParaRPr lang="fr-BE"/>
           </a:p>
         </p:txBody>
@@ -2011,7 +3133,7 @@
 </p:sldLayout>
 </file>
 
-<file path=ppt/slideLayouts/slideLayout8.xml><?xml version="1.0" encoding="utf-8"?>
+<file path=ppt/slideLayouts/slideLayout9.xml><?xml version="1.0" encoding="utf-8"?>
 <p:sldLayout xmlns:a="http://schemas.openxmlformats.org/drawingml/2006/main" xmlns:r="http://schemas.openxmlformats.org/officeDocument/2006/relationships" xmlns:p="http://schemas.openxmlformats.org/presentationml/2006/main" type="objTx" preserve="1">
   <p:cSld name="Contenu avec légende">
     <p:spTree>
@@ -2225,9 +3347,8 @@
           <a:bodyPr/>
           <a:lstStyle/>
           <a:p>
-            <a:fld id="{AA309A6D-C09C-4548-B29A-6CF363A7E532}" type="datetimeFigureOut">
-              <a:rPr lang="fr-FR" smtClean="0"/>
-              <a:pPr/>
+            <a:fld id="{5B09ACAE-89F7-4AA2-AF12-DFB25BECD9F8}" type="datetime1">
+              <a:rPr lang="fr-FR" smtClean="0"/>
               <a:t>31/05/2011</a:t>
             </a:fld>
             <a:endParaRPr lang="fr-BE"/>
@@ -2249,256 +3370,10 @@
           <a:bodyPr/>
           <a:lstStyle/>
           <a:p>
-            <a:endParaRPr lang="fr-BE"/>
-          </a:p>
-        </p:txBody>
-      </p:sp>
-      <p:sp>
-        <p:nvSpPr>
-          <p:cNvPr id="7" name="Espace réservé du numéro de diapositive 6"/>
-          <p:cNvSpPr>
-            <a:spLocks noGrp="1"/>
-          </p:cNvSpPr>
-          <p:nvPr>
-            <p:ph type="sldNum" sz="quarter" idx="12"/>
-          </p:nvPr>
-        </p:nvSpPr>
-        <p:spPr/>
-        <p:txBody>
-          <a:bodyPr/>
-          <a:lstStyle/>
-          <a:p>
-            <a:fld id="{CF4668DC-857F-487D-BFFA-8C0CA5037977}" type="slidenum">
-              <a:rPr lang="fr-BE" smtClean="0"/>
-              <a:pPr/>
-              <a:t>‹N°›</a:t>
-            </a:fld>
-            <a:endParaRPr lang="fr-BE"/>
-          </a:p>
-        </p:txBody>
-      </p:sp>
-    </p:spTree>
-  </p:cSld>
-  <p:clrMapOvr>
-    <a:masterClrMapping/>
-  </p:clrMapOvr>
-</p:sldLayout>
-</file>
-
-<file path=ppt/slideLayouts/slideLayout9.xml><?xml version="1.0" encoding="utf-8"?>
-<p:sldLayout xmlns:a="http://schemas.openxmlformats.org/drawingml/2006/main" xmlns:r="http://schemas.openxmlformats.org/officeDocument/2006/relationships" xmlns:p="http://schemas.openxmlformats.org/presentationml/2006/main" type="picTx" preserve="1">
-  <p:cSld name="Image avec légende">
-    <p:spTree>
-      <p:nvGrpSpPr>
-        <p:cNvPr id="1" name=""/>
-        <p:cNvGrpSpPr/>
-        <p:nvPr/>
-      </p:nvGrpSpPr>
-      <p:grpSpPr>
-        <a:xfrm>
-          <a:off x="0" y="0"/>
-          <a:ext cx="0" cy="0"/>
-          <a:chOff x="0" y="0"/>
-          <a:chExt cx="0" cy="0"/>
-        </a:xfrm>
-      </p:grpSpPr>
-      <p:sp>
-        <p:nvSpPr>
-          <p:cNvPr id="2" name="Titre 1"/>
-          <p:cNvSpPr>
-            <a:spLocks noGrp="1"/>
-          </p:cNvSpPr>
-          <p:nvPr>
-            <p:ph type="title"/>
-          </p:nvPr>
-        </p:nvSpPr>
-        <p:spPr>
-          <a:xfrm>
-            <a:off x="1792288" y="4800600"/>
-            <a:ext cx="5486400" cy="566738"/>
-          </a:xfrm>
-        </p:spPr>
-        <p:txBody>
-          <a:bodyPr anchor="b"/>
-          <a:lstStyle>
-            <a:lvl1pPr algn="l">
-              <a:defRPr sz="2000" b="1"/>
-            </a:lvl1pPr>
-          </a:lstStyle>
-          <a:p>
-            <a:r>
-              <a:rPr lang="fr-FR" smtClean="0"/>
-              <a:t>Cliquez pour modifier le style du titre</a:t>
-            </a:r>
-            <a:endParaRPr lang="fr-BE"/>
-          </a:p>
-        </p:txBody>
-      </p:sp>
-      <p:sp>
-        <p:nvSpPr>
-          <p:cNvPr id="3" name="Espace réservé pour une image  2"/>
-          <p:cNvSpPr>
-            <a:spLocks noGrp="1"/>
-          </p:cNvSpPr>
-          <p:nvPr>
-            <p:ph type="pic" idx="1"/>
-          </p:nvPr>
-        </p:nvSpPr>
-        <p:spPr>
-          <a:xfrm>
-            <a:off x="1792288" y="612775"/>
-            <a:ext cx="5486400" cy="4114800"/>
-          </a:xfrm>
-        </p:spPr>
-        <p:txBody>
-          <a:bodyPr/>
-          <a:lstStyle>
-            <a:lvl1pPr marL="0" indent="0">
-              <a:buNone/>
-              <a:defRPr sz="3200"/>
-            </a:lvl1pPr>
-            <a:lvl2pPr marL="457200" indent="0">
-              <a:buNone/>
-              <a:defRPr sz="2800"/>
-            </a:lvl2pPr>
-            <a:lvl3pPr marL="914400" indent="0">
-              <a:buNone/>
-              <a:defRPr sz="2400"/>
-            </a:lvl3pPr>
-            <a:lvl4pPr marL="1371600" indent="0">
-              <a:buNone/>
-              <a:defRPr sz="2000"/>
-            </a:lvl4pPr>
-            <a:lvl5pPr marL="1828800" indent="0">
-              <a:buNone/>
-              <a:defRPr sz="2000"/>
-            </a:lvl5pPr>
-            <a:lvl6pPr marL="2286000" indent="0">
-              <a:buNone/>
-              <a:defRPr sz="2000"/>
-            </a:lvl6pPr>
-            <a:lvl7pPr marL="2743200" indent="0">
-              <a:buNone/>
-              <a:defRPr sz="2000"/>
-            </a:lvl7pPr>
-            <a:lvl8pPr marL="3200400" indent="0">
-              <a:buNone/>
-              <a:defRPr sz="2000"/>
-            </a:lvl8pPr>
-            <a:lvl9pPr marL="3657600" indent="0">
-              <a:buNone/>
-              <a:defRPr sz="2000"/>
-            </a:lvl9pPr>
-          </a:lstStyle>
-          <a:p>
-            <a:endParaRPr lang="fr-BE"/>
-          </a:p>
-        </p:txBody>
-      </p:sp>
-      <p:sp>
-        <p:nvSpPr>
-          <p:cNvPr id="4" name="Espace réservé du texte 3"/>
-          <p:cNvSpPr>
-            <a:spLocks noGrp="1"/>
-          </p:cNvSpPr>
-          <p:nvPr>
-            <p:ph type="body" sz="half" idx="2"/>
-          </p:nvPr>
-        </p:nvSpPr>
-        <p:spPr>
-          <a:xfrm>
-            <a:off x="1792288" y="5367338"/>
-            <a:ext cx="5486400" cy="804862"/>
-          </a:xfrm>
-        </p:spPr>
-        <p:txBody>
-          <a:bodyPr/>
-          <a:lstStyle>
-            <a:lvl1pPr marL="0" indent="0">
-              <a:buNone/>
-              <a:defRPr sz="1400"/>
-            </a:lvl1pPr>
-            <a:lvl2pPr marL="457200" indent="0">
-              <a:buNone/>
-              <a:defRPr sz="1200"/>
-            </a:lvl2pPr>
-            <a:lvl3pPr marL="914400" indent="0">
-              <a:buNone/>
-              <a:defRPr sz="1000"/>
-            </a:lvl3pPr>
-            <a:lvl4pPr marL="1371600" indent="0">
-              <a:buNone/>
-              <a:defRPr sz="900"/>
-            </a:lvl4pPr>
-            <a:lvl5pPr marL="1828800" indent="0">
-              <a:buNone/>
-              <a:defRPr sz="900"/>
-            </a:lvl5pPr>
-            <a:lvl6pPr marL="2286000" indent="0">
-              <a:buNone/>
-              <a:defRPr sz="900"/>
-            </a:lvl6pPr>
-            <a:lvl7pPr marL="2743200" indent="0">
-              <a:buNone/>
-              <a:defRPr sz="900"/>
-            </a:lvl7pPr>
-            <a:lvl8pPr marL="3200400" indent="0">
-              <a:buNone/>
-              <a:defRPr sz="900"/>
-            </a:lvl8pPr>
-            <a:lvl9pPr marL="3657600" indent="0">
-              <a:buNone/>
-              <a:defRPr sz="900"/>
-            </a:lvl9pPr>
-          </a:lstStyle>
-          <a:p>
-            <a:pPr lvl="0"/>
-            <a:r>
-              <a:rPr lang="fr-FR" smtClean="0"/>
-              <a:t>Cliquez pour modifier les styles du texte du masque</a:t>
-            </a:r>
-          </a:p>
-        </p:txBody>
-      </p:sp>
-      <p:sp>
-        <p:nvSpPr>
-          <p:cNvPr id="5" name="Espace réservé de la date 4"/>
-          <p:cNvSpPr>
-            <a:spLocks noGrp="1"/>
-          </p:cNvSpPr>
-          <p:nvPr>
-            <p:ph type="dt" sz="half" idx="10"/>
-          </p:nvPr>
-        </p:nvSpPr>
-        <p:spPr/>
-        <p:txBody>
-          <a:bodyPr/>
-          <a:lstStyle/>
-          <a:p>
-            <a:fld id="{AA309A6D-C09C-4548-B29A-6CF363A7E532}" type="datetimeFigureOut">
-              <a:rPr lang="fr-FR" smtClean="0"/>
-              <a:pPr/>
-              <a:t>31/05/2011</a:t>
-            </a:fld>
-            <a:endParaRPr lang="fr-BE"/>
-          </a:p>
-        </p:txBody>
-      </p:sp>
-      <p:sp>
-        <p:nvSpPr>
-          <p:cNvPr id="6" name="Espace réservé du pied de page 5"/>
-          <p:cNvSpPr>
-            <a:spLocks noGrp="1"/>
-          </p:cNvSpPr>
-          <p:nvPr>
-            <p:ph type="ftr" sz="quarter" idx="11"/>
-          </p:nvPr>
-        </p:nvSpPr>
-        <p:spPr/>
-        <p:txBody>
-          <a:bodyPr/>
-          <a:lstStyle/>
-          <a:p>
+            <a:r>
+              <a:rPr lang="fr-FR" smtClean="0"/>
+              <a:t>M1 MIAGE - Université de Nice Sophia Antipolis</a:t>
+            </a:r>
             <a:endParaRPr lang="fr-BE"/>
           </a:p>
         </p:txBody>
@@ -2685,9 +3560,8 @@
             </a:lvl1pPr>
           </a:lstStyle>
           <a:p>
-            <a:fld id="{AA309A6D-C09C-4548-B29A-6CF363A7E532}" type="datetimeFigureOut">
-              <a:rPr lang="fr-FR" smtClean="0"/>
-              <a:pPr/>
+            <a:fld id="{C2D67580-B034-40FA-BDF9-08E33D7DD05F}" type="datetime1">
+              <a:rPr lang="fr-FR" smtClean="0"/>
               <a:t>31/05/2011</a:t>
             </a:fld>
             <a:endParaRPr lang="fr-BE"/>
@@ -2727,6 +3601,10 @@
             </a:lvl1pPr>
           </a:lstStyle>
           <a:p>
+            <a:r>
+              <a:rPr lang="fr-FR" smtClean="0"/>
+              <a:t>M1 MIAGE - Université de Nice Sophia Antipolis</a:t>
+            </a:r>
             <a:endParaRPr lang="fr-BE"/>
           </a:p>
         </p:txBody>
@@ -2778,17 +3656,19 @@
   <p:clrMap bg1="lt1" tx1="dk1" bg2="lt2" tx2="dk2" accent1="accent1" accent2="accent2" accent3="accent3" accent4="accent4" accent5="accent5" accent6="accent6" hlink="hlink" folHlink="folHlink"/>
   <p:sldLayoutIdLst>
     <p:sldLayoutId id="2147483649" r:id="rId1"/>
-    <p:sldLayoutId id="2147483650" r:id="rId2"/>
-    <p:sldLayoutId id="2147483651" r:id="rId3"/>
-    <p:sldLayoutId id="2147483652" r:id="rId4"/>
-    <p:sldLayoutId id="2147483653" r:id="rId5"/>
-    <p:sldLayoutId id="2147483654" r:id="rId6"/>
-    <p:sldLayoutId id="2147483655" r:id="rId7"/>
-    <p:sldLayoutId id="2147483656" r:id="rId8"/>
-    <p:sldLayoutId id="2147483657" r:id="rId9"/>
-    <p:sldLayoutId id="2147483658" r:id="rId10"/>
-    <p:sldLayoutId id="2147483659" r:id="rId11"/>
+    <p:sldLayoutId id="2147483660" r:id="rId2"/>
+    <p:sldLayoutId id="2147483650" r:id="rId3"/>
+    <p:sldLayoutId id="2147483651" r:id="rId4"/>
+    <p:sldLayoutId id="2147483652" r:id="rId5"/>
+    <p:sldLayoutId id="2147483653" r:id="rId6"/>
+    <p:sldLayoutId id="2147483654" r:id="rId7"/>
+    <p:sldLayoutId id="2147483655" r:id="rId8"/>
+    <p:sldLayoutId id="2147483656" r:id="rId9"/>
+    <p:sldLayoutId id="2147483657" r:id="rId10"/>
+    <p:sldLayoutId id="2147483658" r:id="rId11"/>
+    <p:sldLayoutId id="2147483659" r:id="rId12"/>
   </p:sldLayoutIdLst>
+  <p:hf hdr="0" dt="0"/>
   <p:txStyles>
     <p:titleStyle>
       <a:lvl1pPr algn="ctr" defTabSz="914400" rtl="0" eaLnBrk="1" latinLnBrk="0" hangingPunct="1">
@@ -3085,10 +3965,47 @@
         </p:nvSpPr>
         <p:spPr/>
         <p:txBody>
-          <a:bodyPr/>
-          <a:lstStyle/>
-          <a:p>
-            <a:endParaRPr lang="fr-FR"/>
+          <a:bodyPr>
+            <a:normAutofit fontScale="90000"/>
+          </a:bodyPr>
+          <a:lstStyle/>
+          <a:p>
+            <a:r>
+              <a:rPr lang="fr-FR" dirty="0" smtClean="0">
+                <a:solidFill>
+                  <a:srgbClr val="A4CA39"/>
+                </a:solidFill>
+              </a:rPr>
+              <a:t>Projet d’Année</a:t>
+            </a:r>
+            <a:br>
+              <a:rPr lang="fr-FR" dirty="0" smtClean="0">
+                <a:solidFill>
+                  <a:srgbClr val="A4CA39"/>
+                </a:solidFill>
+              </a:rPr>
+            </a:br>
+            <a:r>
+              <a:rPr lang="fr-FR" sz="3600" dirty="0" smtClean="0">
+                <a:solidFill>
+                  <a:srgbClr val="A4CA39"/>
+                </a:solidFill>
+              </a:rPr>
+              <a:t>Lecteur MP3 pour musiciens sous </a:t>
+            </a:r>
+            <a:r>
+              <a:rPr lang="fr-FR" sz="3600" dirty="0" err="1" smtClean="0">
+                <a:solidFill>
+                  <a:srgbClr val="A4CA39"/>
+                </a:solidFill>
+              </a:rPr>
+              <a:t>Android</a:t>
+            </a:r>
+            <a:endParaRPr lang="fr-FR" dirty="0">
+              <a:solidFill>
+                <a:srgbClr val="A4CA39"/>
+              </a:solidFill>
+            </a:endParaRPr>
           </a:p>
         </p:txBody>
       </p:sp>
@@ -3102,12 +4019,148 @@
             <p:ph type="subTitle" idx="1"/>
           </p:nvPr>
         </p:nvSpPr>
-        <p:spPr/>
-        <p:txBody>
-          <a:bodyPr/>
-          <a:lstStyle/>
-          <a:p>
-            <a:endParaRPr lang="fr-FR"/>
+        <p:spPr>
+          <a:xfrm>
+            <a:off x="1371600" y="3886200"/>
+            <a:ext cx="6400800" cy="2423120"/>
+          </a:xfrm>
+        </p:spPr>
+        <p:txBody>
+          <a:bodyPr>
+            <a:normAutofit fontScale="70000" lnSpcReduction="20000"/>
+          </a:bodyPr>
+          <a:lstStyle/>
+          <a:p>
+            <a:pPr algn="l"/>
+            <a:r>
+              <a:rPr lang="fr-FR" dirty="0" smtClean="0">
+                <a:solidFill>
+                  <a:srgbClr val="C0F9A9"/>
+                </a:solidFill>
+              </a:rPr>
+              <a:t>Enseignant tuteur : Michel BUFFA</a:t>
+            </a:r>
+          </a:p>
+          <a:p>
+            <a:pPr algn="l"/>
+            <a:endParaRPr lang="fr-FR" dirty="0" smtClean="0">
+              <a:solidFill>
+                <a:srgbClr val="C0F9A9"/>
+              </a:solidFill>
+            </a:endParaRPr>
+          </a:p>
+          <a:p>
+            <a:pPr algn="l"/>
+            <a:r>
+              <a:rPr lang="fr-FR" dirty="0" smtClean="0">
+                <a:solidFill>
+                  <a:srgbClr val="C0F9A9"/>
+                </a:solidFill>
+              </a:rPr>
+              <a:t>Étudiants :</a:t>
+            </a:r>
+          </a:p>
+          <a:p>
+            <a:pPr lvl="1" algn="l">
+              <a:buFont typeface="Arial" pitchFamily="34" charset="0"/>
+              <a:buChar char="•"/>
+            </a:pPr>
+            <a:r>
+              <a:rPr lang="fr-FR" dirty="0" smtClean="0">
+                <a:solidFill>
+                  <a:srgbClr val="C0F9A9"/>
+                </a:solidFill>
+                <a:latin typeface="Cambria" pitchFamily="18" charset="0"/>
+              </a:rPr>
+              <a:t> </a:t>
+            </a:r>
+            <a:r>
+              <a:rPr lang="fr-FR" dirty="0" smtClean="0">
+                <a:solidFill>
+                  <a:srgbClr val="C0F9A9"/>
+                </a:solidFill>
+                <a:latin typeface="Cambria" pitchFamily="18" charset="0"/>
+              </a:rPr>
+              <a:t>Julien LESPAGNARD</a:t>
+            </a:r>
+          </a:p>
+          <a:p>
+            <a:pPr lvl="1" algn="l">
+              <a:buFont typeface="Arial" pitchFamily="34" charset="0"/>
+              <a:buChar char="•"/>
+            </a:pPr>
+            <a:r>
+              <a:rPr lang="fr-FR" dirty="0" smtClean="0">
+                <a:solidFill>
+                  <a:srgbClr val="C0F9A9"/>
+                </a:solidFill>
+                <a:latin typeface="Cambria" pitchFamily="18" charset="0"/>
+              </a:rPr>
+              <a:t> </a:t>
+            </a:r>
+            <a:r>
+              <a:rPr lang="fr-FR" dirty="0" smtClean="0">
+                <a:solidFill>
+                  <a:srgbClr val="C0F9A9"/>
+                </a:solidFill>
+                <a:latin typeface="Cambria" pitchFamily="18" charset="0"/>
+              </a:rPr>
+              <a:t>A</a:t>
+            </a:r>
+            <a:r>
+              <a:rPr lang="fr-FR" dirty="0" smtClean="0">
+                <a:solidFill>
+                  <a:srgbClr val="C0F9A9"/>
+                </a:solidFill>
+                <a:latin typeface="Cambria" pitchFamily="18" charset="0"/>
+              </a:rPr>
+              <a:t>nthony BONIN</a:t>
+            </a:r>
+          </a:p>
+          <a:p>
+            <a:pPr lvl="1" algn="l">
+              <a:buFont typeface="Arial" pitchFamily="34" charset="0"/>
+              <a:buChar char="•"/>
+            </a:pPr>
+            <a:r>
+              <a:rPr lang="fr-FR" dirty="0" smtClean="0">
+                <a:solidFill>
+                  <a:srgbClr val="C0F9A9"/>
+                </a:solidFill>
+                <a:latin typeface="Cambria" pitchFamily="18" charset="0"/>
+              </a:rPr>
+              <a:t> </a:t>
+            </a:r>
+            <a:r>
+              <a:rPr lang="fr-FR" dirty="0" smtClean="0">
+                <a:solidFill>
+                  <a:srgbClr val="C0F9A9"/>
+                </a:solidFill>
+                <a:latin typeface="Cambria" pitchFamily="18" charset="0"/>
+              </a:rPr>
+              <a:t>Élodie MAZUEL</a:t>
+            </a:r>
+          </a:p>
+          <a:p>
+            <a:pPr lvl="1" algn="l">
+              <a:buFont typeface="Arial" pitchFamily="34" charset="0"/>
+              <a:buChar char="•"/>
+            </a:pPr>
+            <a:r>
+              <a:rPr lang="fr-FR" dirty="0" smtClean="0">
+                <a:solidFill>
+                  <a:srgbClr val="C0F9A9"/>
+                </a:solidFill>
+                <a:latin typeface="Cambria" pitchFamily="18" charset="0"/>
+              </a:rPr>
+              <a:t> Michel CARTIER</a:t>
+            </a:r>
+            <a:endParaRPr lang="fr-FR" dirty="0">
+              <a:solidFill>
+                <a:srgbClr val="C0F9A9"/>
+              </a:solidFill>
+              <a:latin typeface="Cambria" pitchFamily="18" charset="0"/>
+            </a:endParaRPr>
           </a:p>
         </p:txBody>
       </p:sp>
@@ -3116,6 +4169,1941 @@
   <p:clrMapOvr>
     <a:masterClrMapping/>
   </p:clrMapOvr>
+  <p:transition>
+    <p:randomBar/>
+  </p:transition>
+  <p:timing>
+    <p:tnLst>
+      <p:par>
+        <p:cTn id="1" dur="indefinite" restart="never" nodeType="tmRoot"/>
+      </p:par>
+    </p:tnLst>
+  </p:timing>
+</p:sld>
+</file>
+
+<file path=ppt/slides/slide2.xml><?xml version="1.0" encoding="utf-8"?>
+<p:sld xmlns:a="http://schemas.openxmlformats.org/drawingml/2006/main" xmlns:r="http://schemas.openxmlformats.org/officeDocument/2006/relationships" xmlns:p="http://schemas.openxmlformats.org/presentationml/2006/main">
+  <p:cSld>
+    <p:spTree>
+      <p:nvGrpSpPr>
+        <p:cNvPr id="1" name=""/>
+        <p:cNvGrpSpPr/>
+        <p:nvPr/>
+      </p:nvGrpSpPr>
+      <p:grpSpPr>
+        <a:xfrm>
+          <a:off x="0" y="0"/>
+          <a:ext cx="0" cy="0"/>
+          <a:chOff x="0" y="0"/>
+          <a:chExt cx="0" cy="0"/>
+        </a:xfrm>
+      </p:grpSpPr>
+      <p:sp>
+        <p:nvSpPr>
+          <p:cNvPr id="2" name="Titre 1"/>
+          <p:cNvSpPr>
+            <a:spLocks noGrp="1"/>
+          </p:cNvSpPr>
+          <p:nvPr>
+            <p:ph type="ctrTitle"/>
+          </p:nvPr>
+        </p:nvSpPr>
+        <p:spPr/>
+        <p:txBody>
+          <a:bodyPr/>
+          <a:lstStyle/>
+          <a:p>
+            <a:r>
+              <a:rPr lang="fr-FR" dirty="0" smtClean="0">
+                <a:solidFill>
+                  <a:srgbClr val="A4CA39"/>
+                </a:solidFill>
+              </a:rPr>
+              <a:t>Plan</a:t>
+            </a:r>
+            <a:endParaRPr lang="fr-FR" dirty="0">
+              <a:solidFill>
+                <a:srgbClr val="A4CA39"/>
+              </a:solidFill>
+            </a:endParaRPr>
+          </a:p>
+        </p:txBody>
+      </p:sp>
+      <p:sp>
+        <p:nvSpPr>
+          <p:cNvPr id="3" name="Sous-titre 2"/>
+          <p:cNvSpPr>
+            <a:spLocks noGrp="1"/>
+          </p:cNvSpPr>
+          <p:nvPr>
+            <p:ph type="subTitle" idx="1"/>
+          </p:nvPr>
+        </p:nvSpPr>
+        <p:spPr>
+          <a:xfrm>
+            <a:off x="683568" y="1340768"/>
+            <a:ext cx="7776864" cy="4896544"/>
+          </a:xfrm>
+        </p:spPr>
+        <p:txBody>
+          <a:bodyPr>
+            <a:normAutofit fontScale="92500" lnSpcReduction="10000"/>
+          </a:bodyPr>
+          <a:lstStyle/>
+          <a:p>
+            <a:pPr marL="514350" indent="-514350" algn="l">
+              <a:buFont typeface="+mj-lt"/>
+              <a:buAutoNum type="arabicPeriod"/>
+            </a:pPr>
+            <a:r>
+              <a:rPr lang="fr-FR" sz="3000" dirty="0" smtClean="0">
+                <a:solidFill>
+                  <a:srgbClr val="A4CA39"/>
+                </a:solidFill>
+              </a:rPr>
+              <a:t>Introduction</a:t>
+            </a:r>
+          </a:p>
+          <a:p>
+            <a:pPr marL="971550" lvl="1" indent="-514350" algn="l">
+              <a:buFont typeface="Wingdings" pitchFamily="2" charset="2"/>
+              <a:buChar char="Ø"/>
+            </a:pPr>
+            <a:r>
+              <a:rPr lang="fr-FR" sz="2400" dirty="0" smtClean="0">
+                <a:solidFill>
+                  <a:srgbClr val="D8FBC1"/>
+                </a:solidFill>
+              </a:rPr>
+              <a:t>Objectif du projet</a:t>
+            </a:r>
+          </a:p>
+          <a:p>
+            <a:pPr marL="971550" lvl="1" indent="-514350" algn="l">
+              <a:buFont typeface="Wingdings" pitchFamily="2" charset="2"/>
+              <a:buChar char="Ø"/>
+            </a:pPr>
+            <a:r>
+              <a:rPr lang="fr-FR" sz="2400" dirty="0" smtClean="0">
+                <a:solidFill>
+                  <a:srgbClr val="D8FBC1"/>
+                </a:solidFill>
+              </a:rPr>
+              <a:t>Présentation d’</a:t>
+            </a:r>
+            <a:r>
+              <a:rPr lang="fr-FR" sz="2400" dirty="0" err="1" smtClean="0">
+                <a:solidFill>
+                  <a:srgbClr val="D8FBC1"/>
+                </a:solidFill>
+              </a:rPr>
+              <a:t>Android</a:t>
+            </a:r>
+            <a:r>
+              <a:rPr lang="fr-FR" sz="2400" dirty="0" smtClean="0">
+                <a:solidFill>
+                  <a:srgbClr val="D8FBC1"/>
+                </a:solidFill>
+              </a:rPr>
+              <a:t> ?</a:t>
+            </a:r>
+          </a:p>
+          <a:p>
+            <a:pPr marL="514350" indent="-514350" algn="l">
+              <a:buFont typeface="+mj-lt"/>
+              <a:buAutoNum type="arabicPeriod"/>
+            </a:pPr>
+            <a:r>
+              <a:rPr lang="fr-FR" sz="3000" dirty="0" smtClean="0">
+                <a:solidFill>
+                  <a:srgbClr val="A4CA39"/>
+                </a:solidFill>
+              </a:rPr>
+              <a:t>Déroulement du projet</a:t>
+            </a:r>
+          </a:p>
+          <a:p>
+            <a:pPr marL="971550" lvl="1" indent="-514350" algn="l">
+              <a:buFont typeface="Wingdings" pitchFamily="2" charset="2"/>
+              <a:buChar char="Ø"/>
+            </a:pPr>
+            <a:r>
+              <a:rPr lang="fr-FR" sz="2400" dirty="0" smtClean="0">
+                <a:solidFill>
+                  <a:srgbClr val="D8FBC1"/>
+                </a:solidFill>
+              </a:rPr>
+              <a:t>Diagramme de Gantt prévisionnel</a:t>
+            </a:r>
+          </a:p>
+          <a:p>
+            <a:pPr marL="971550" lvl="1" indent="-514350" algn="l">
+              <a:buFont typeface="Wingdings" pitchFamily="2" charset="2"/>
+              <a:buChar char="Ø"/>
+            </a:pPr>
+            <a:r>
+              <a:rPr lang="fr-FR" sz="2400" dirty="0" smtClean="0">
+                <a:solidFill>
+                  <a:srgbClr val="D8FBC1"/>
+                </a:solidFill>
+              </a:rPr>
+              <a:t>Diagramme </a:t>
+            </a:r>
+            <a:r>
+              <a:rPr lang="fr-FR" sz="2400" dirty="0" smtClean="0">
+                <a:solidFill>
+                  <a:srgbClr val="D8FBC1"/>
+                </a:solidFill>
+              </a:rPr>
+              <a:t>de Gantt </a:t>
+            </a:r>
+            <a:r>
+              <a:rPr lang="fr-FR" sz="2400" dirty="0" smtClean="0">
+                <a:solidFill>
+                  <a:srgbClr val="D8FBC1"/>
+                </a:solidFill>
+              </a:rPr>
+              <a:t>effectif</a:t>
+            </a:r>
+          </a:p>
+          <a:p>
+            <a:pPr marL="514350" indent="-514350" algn="l">
+              <a:buFont typeface="+mj-lt"/>
+              <a:buAutoNum type="arabicPeriod"/>
+            </a:pPr>
+            <a:r>
+              <a:rPr lang="fr-FR" sz="3000" dirty="0" smtClean="0">
+                <a:solidFill>
+                  <a:srgbClr val="A4CA39"/>
+                </a:solidFill>
+              </a:rPr>
+              <a:t>Outils et méthodologies utilisés</a:t>
+            </a:r>
+          </a:p>
+          <a:p>
+            <a:pPr marL="514350" indent="-514350" algn="l">
+              <a:buFont typeface="+mj-lt"/>
+              <a:buAutoNum type="arabicPeriod"/>
+            </a:pPr>
+            <a:r>
+              <a:rPr lang="fr-FR" sz="3000" dirty="0" smtClean="0">
+                <a:solidFill>
+                  <a:srgbClr val="A4CA39"/>
+                </a:solidFill>
+              </a:rPr>
+              <a:t>Démonstration</a:t>
+            </a:r>
+          </a:p>
+          <a:p>
+            <a:pPr marL="514350" indent="-514350" algn="l">
+              <a:buFont typeface="+mj-lt"/>
+              <a:buAutoNum type="arabicPeriod"/>
+            </a:pPr>
+            <a:r>
+              <a:rPr lang="fr-FR" sz="3000" dirty="0" smtClean="0">
+                <a:solidFill>
+                  <a:srgbClr val="A4CA39"/>
+                </a:solidFill>
+              </a:rPr>
+              <a:t>Conclusion</a:t>
+            </a:r>
+          </a:p>
+          <a:p>
+            <a:pPr marL="971550" lvl="1" indent="-514350" algn="l">
+              <a:buFont typeface="Wingdings" pitchFamily="2" charset="2"/>
+              <a:buChar char="Ø"/>
+            </a:pPr>
+            <a:r>
+              <a:rPr lang="fr-FR" sz="2400" dirty="0" smtClean="0">
+                <a:solidFill>
+                  <a:srgbClr val="D8FBC1"/>
+                </a:solidFill>
+              </a:rPr>
+              <a:t>Les connaissances et compétences acquises</a:t>
+            </a:r>
+          </a:p>
+          <a:p>
+            <a:pPr marL="971550" lvl="1" indent="-514350" algn="l">
+              <a:buFont typeface="Wingdings" pitchFamily="2" charset="2"/>
+              <a:buChar char="Ø"/>
+            </a:pPr>
+            <a:r>
+              <a:rPr lang="fr-FR" sz="2400" dirty="0" smtClean="0">
+                <a:solidFill>
+                  <a:srgbClr val="D8FBC1"/>
+                </a:solidFill>
+              </a:rPr>
+              <a:t>Les évolutions possibles</a:t>
+            </a:r>
+          </a:p>
+          <a:p>
+            <a:pPr marL="514350" indent="-514350" algn="l">
+              <a:buFont typeface="+mj-lt"/>
+              <a:buAutoNum type="arabicPeriod"/>
+            </a:pPr>
+            <a:endParaRPr lang="fr-FR" dirty="0" smtClean="0"/>
+          </a:p>
+          <a:p>
+            <a:pPr marL="514350" indent="-514350" algn="l">
+              <a:buFont typeface="+mj-lt"/>
+              <a:buAutoNum type="arabicPeriod"/>
+            </a:pPr>
+            <a:endParaRPr lang="fr-FR" dirty="0" smtClean="0"/>
+          </a:p>
+          <a:p>
+            <a:pPr marL="971550" lvl="1" indent="-514350" algn="l">
+              <a:buFont typeface="Wingdings" pitchFamily="2" charset="2"/>
+              <a:buChar char="Ø"/>
+            </a:pPr>
+            <a:endParaRPr lang="fr-FR" dirty="0" smtClean="0"/>
+          </a:p>
+          <a:p>
+            <a:pPr marL="971550" lvl="1" indent="-514350" algn="l">
+              <a:buFont typeface="Wingdings" pitchFamily="2" charset="2"/>
+              <a:buChar char="Ø"/>
+            </a:pPr>
+            <a:endParaRPr lang="fr-FR" dirty="0" smtClean="0"/>
+          </a:p>
+        </p:txBody>
+      </p:sp>
+      <p:sp>
+        <p:nvSpPr>
+          <p:cNvPr id="4" name="Espace réservé du pied de page 3"/>
+          <p:cNvSpPr>
+            <a:spLocks noGrp="1"/>
+          </p:cNvSpPr>
+          <p:nvPr>
+            <p:ph type="ftr" sz="quarter" idx="11"/>
+          </p:nvPr>
+        </p:nvSpPr>
+        <p:spPr/>
+        <p:txBody>
+          <a:bodyPr/>
+          <a:lstStyle/>
+          <a:p>
+            <a:r>
+              <a:rPr lang="fr-FR" smtClean="0"/>
+              <a:t>M1 MIAGE  - 2010/2011</a:t>
+            </a:r>
+          </a:p>
+          <a:p>
+            <a:r>
+              <a:rPr lang="fr-FR" smtClean="0"/>
+              <a:t>Université de Nice Sophia Antipolis</a:t>
+            </a:r>
+            <a:endParaRPr lang="fr-BE" dirty="0"/>
+          </a:p>
+        </p:txBody>
+      </p:sp>
+      <p:sp>
+        <p:nvSpPr>
+          <p:cNvPr id="5" name="Espace réservé du numéro de diapositive 4"/>
+          <p:cNvSpPr>
+            <a:spLocks noGrp="1"/>
+          </p:cNvSpPr>
+          <p:nvPr>
+            <p:ph type="sldNum" sz="quarter" idx="12"/>
+          </p:nvPr>
+        </p:nvSpPr>
+        <p:spPr/>
+        <p:txBody>
+          <a:bodyPr/>
+          <a:lstStyle/>
+          <a:p>
+            <a:fld id="{CF4668DC-857F-487D-BFFA-8C0CA5037977}" type="slidenum">
+              <a:rPr lang="fr-BE" smtClean="0"/>
+              <a:pPr/>
+              <a:t>2</a:t>
+            </a:fld>
+            <a:r>
+              <a:rPr lang="fr-BE" smtClean="0"/>
+              <a:t> sur ?</a:t>
+            </a:r>
+            <a:endParaRPr lang="fr-BE" dirty="0"/>
+          </a:p>
+        </p:txBody>
+      </p:sp>
+    </p:spTree>
+  </p:cSld>
+  <p:clrMapOvr>
+    <a:masterClrMapping/>
+  </p:clrMapOvr>
+  <p:transition>
+    <p:randomBar/>
+  </p:transition>
+  <p:timing>
+    <p:tnLst>
+      <p:par>
+        <p:cTn id="1" dur="indefinite" restart="never" nodeType="tmRoot"/>
+      </p:par>
+    </p:tnLst>
+  </p:timing>
+</p:sld>
+</file>
+
+<file path=ppt/slides/slide3.xml><?xml version="1.0" encoding="utf-8"?>
+<p:sld xmlns:a="http://schemas.openxmlformats.org/drawingml/2006/main" xmlns:r="http://schemas.openxmlformats.org/officeDocument/2006/relationships" xmlns:p="http://schemas.openxmlformats.org/presentationml/2006/main">
+  <p:cSld>
+    <p:spTree>
+      <p:nvGrpSpPr>
+        <p:cNvPr id="1" name=""/>
+        <p:cNvGrpSpPr/>
+        <p:nvPr/>
+      </p:nvGrpSpPr>
+      <p:grpSpPr>
+        <a:xfrm>
+          <a:off x="0" y="0"/>
+          <a:ext cx="0" cy="0"/>
+          <a:chOff x="0" y="0"/>
+          <a:chExt cx="0" cy="0"/>
+        </a:xfrm>
+      </p:grpSpPr>
+      <p:sp>
+        <p:nvSpPr>
+          <p:cNvPr id="6" name="Titre 5"/>
+          <p:cNvSpPr>
+            <a:spLocks noGrp="1"/>
+          </p:cNvSpPr>
+          <p:nvPr>
+            <p:ph type="title"/>
+          </p:nvPr>
+        </p:nvSpPr>
+        <p:spPr/>
+        <p:txBody>
+          <a:bodyPr/>
+          <a:lstStyle/>
+          <a:p>
+            <a:r>
+              <a:rPr lang="fr-FR" dirty="0" smtClean="0">
+                <a:latin typeface="Cambria" pitchFamily="18" charset="0"/>
+              </a:rPr>
+              <a:t>Introduction</a:t>
+            </a:r>
+            <a:endParaRPr lang="fr-FR" dirty="0">
+              <a:latin typeface="Cambria" pitchFamily="18" charset="0"/>
+            </a:endParaRPr>
+          </a:p>
+        </p:txBody>
+      </p:sp>
+      <p:sp>
+        <p:nvSpPr>
+          <p:cNvPr id="4" name="Espace réservé du pied de page 3"/>
+          <p:cNvSpPr>
+            <a:spLocks noGrp="1"/>
+          </p:cNvSpPr>
+          <p:nvPr>
+            <p:ph type="ftr" sz="quarter" idx="11"/>
+          </p:nvPr>
+        </p:nvSpPr>
+        <p:spPr/>
+        <p:txBody>
+          <a:bodyPr/>
+          <a:lstStyle/>
+          <a:p>
+            <a:r>
+              <a:rPr lang="fr-FR" smtClean="0"/>
+              <a:t>M1 MIAGE  - 2010/2011</a:t>
+            </a:r>
+          </a:p>
+          <a:p>
+            <a:r>
+              <a:rPr lang="fr-FR" smtClean="0"/>
+              <a:t>Université de Nice Sophia Antipolis</a:t>
+            </a:r>
+            <a:endParaRPr lang="fr-BE" dirty="0"/>
+          </a:p>
+        </p:txBody>
+      </p:sp>
+      <p:sp>
+        <p:nvSpPr>
+          <p:cNvPr id="5" name="Espace réservé du numéro de diapositive 4"/>
+          <p:cNvSpPr>
+            <a:spLocks noGrp="1"/>
+          </p:cNvSpPr>
+          <p:nvPr>
+            <p:ph type="sldNum" sz="quarter" idx="12"/>
+          </p:nvPr>
+        </p:nvSpPr>
+        <p:spPr/>
+        <p:txBody>
+          <a:bodyPr/>
+          <a:lstStyle/>
+          <a:p>
+            <a:fld id="{CF4668DC-857F-487D-BFFA-8C0CA5037977}" type="slidenum">
+              <a:rPr lang="fr-BE" smtClean="0"/>
+              <a:pPr/>
+              <a:t>3</a:t>
+            </a:fld>
+            <a:r>
+              <a:rPr lang="fr-BE" smtClean="0"/>
+              <a:t> sur ?</a:t>
+            </a:r>
+            <a:endParaRPr lang="fr-BE" dirty="0"/>
+          </a:p>
+        </p:txBody>
+      </p:sp>
+      <p:sp>
+        <p:nvSpPr>
+          <p:cNvPr id="8" name="Espace réservé du contenu 7"/>
+          <p:cNvSpPr>
+            <a:spLocks noGrp="1"/>
+          </p:cNvSpPr>
+          <p:nvPr>
+            <p:ph sz="quarter" idx="13"/>
+          </p:nvPr>
+        </p:nvSpPr>
+        <p:spPr/>
+        <p:txBody>
+          <a:bodyPr>
+            <a:normAutofit/>
+          </a:bodyPr>
+          <a:lstStyle/>
+          <a:p>
+            <a:pPr marL="457200" indent="-457200">
+              <a:buFont typeface="+mj-lt"/>
+              <a:buAutoNum type="arabicPeriod"/>
+            </a:pPr>
+            <a:r>
+              <a:rPr lang="fr-FR" sz="1400" dirty="0" smtClean="0">
+                <a:solidFill>
+                  <a:srgbClr val="D8FBC1"/>
+                </a:solidFill>
+                <a:latin typeface="Cambria" pitchFamily="18" charset="0"/>
+              </a:rPr>
+              <a:t>Introduction</a:t>
+            </a:r>
+          </a:p>
+          <a:p>
+            <a:pPr marL="457200" indent="-457200">
+              <a:buFont typeface="+mj-lt"/>
+              <a:buAutoNum type="arabicPeriod"/>
+            </a:pPr>
+            <a:endParaRPr lang="fr-FR" sz="1400" dirty="0" smtClean="0">
+              <a:solidFill>
+                <a:srgbClr val="D8FBC1"/>
+              </a:solidFill>
+              <a:latin typeface="Cambria" pitchFamily="18" charset="0"/>
+            </a:endParaRPr>
+          </a:p>
+          <a:p>
+            <a:pPr marL="457200" indent="-457200">
+              <a:buFont typeface="+mj-lt"/>
+              <a:buAutoNum type="arabicPeriod"/>
+            </a:pPr>
+            <a:r>
+              <a:rPr lang="fr-FR" sz="1400" dirty="0" smtClean="0">
+                <a:solidFill>
+                  <a:srgbClr val="A4CA39"/>
+                </a:solidFill>
+                <a:latin typeface="Cambria" pitchFamily="18" charset="0"/>
+              </a:rPr>
+              <a:t>Déroulement du projet</a:t>
+            </a:r>
+          </a:p>
+          <a:p>
+            <a:pPr marL="457200" indent="-457200">
+              <a:buFont typeface="+mj-lt"/>
+              <a:buAutoNum type="arabicPeriod"/>
+            </a:pPr>
+            <a:endParaRPr lang="fr-FR" sz="1400" dirty="0" smtClean="0">
+              <a:solidFill>
+                <a:srgbClr val="A4CA39"/>
+              </a:solidFill>
+              <a:latin typeface="Cambria" pitchFamily="18" charset="0"/>
+            </a:endParaRPr>
+          </a:p>
+          <a:p>
+            <a:pPr marL="457200" indent="-457200">
+              <a:buFont typeface="+mj-lt"/>
+              <a:buAutoNum type="arabicPeriod"/>
+            </a:pPr>
+            <a:r>
+              <a:rPr lang="fr-FR" sz="1400" dirty="0" smtClean="0">
+                <a:solidFill>
+                  <a:srgbClr val="A4CA39"/>
+                </a:solidFill>
+                <a:latin typeface="Cambria" pitchFamily="18" charset="0"/>
+              </a:rPr>
+              <a:t>Outils et méthodologies utilisés</a:t>
+            </a:r>
+          </a:p>
+          <a:p>
+            <a:pPr marL="457200" indent="-457200">
+              <a:buFont typeface="+mj-lt"/>
+              <a:buAutoNum type="arabicPeriod"/>
+            </a:pPr>
+            <a:endParaRPr lang="fr-FR" sz="1400" dirty="0" smtClean="0">
+              <a:solidFill>
+                <a:srgbClr val="A4CA39"/>
+              </a:solidFill>
+              <a:latin typeface="Cambria" pitchFamily="18" charset="0"/>
+            </a:endParaRPr>
+          </a:p>
+          <a:p>
+            <a:pPr marL="457200" indent="-457200">
+              <a:buFont typeface="+mj-lt"/>
+              <a:buAutoNum type="arabicPeriod"/>
+            </a:pPr>
+            <a:r>
+              <a:rPr lang="fr-FR" sz="1400" dirty="0" smtClean="0">
+                <a:solidFill>
+                  <a:srgbClr val="A4CA39"/>
+                </a:solidFill>
+                <a:latin typeface="Cambria" pitchFamily="18" charset="0"/>
+              </a:rPr>
+              <a:t>Démonstration</a:t>
+            </a:r>
+          </a:p>
+          <a:p>
+            <a:pPr marL="457200" indent="-457200">
+              <a:buFont typeface="+mj-lt"/>
+              <a:buAutoNum type="arabicPeriod"/>
+            </a:pPr>
+            <a:endParaRPr lang="fr-FR" sz="1400" dirty="0" smtClean="0">
+              <a:solidFill>
+                <a:srgbClr val="A4CA39"/>
+              </a:solidFill>
+              <a:latin typeface="Cambria" pitchFamily="18" charset="0"/>
+            </a:endParaRPr>
+          </a:p>
+          <a:p>
+            <a:pPr marL="457200" indent="-457200">
+              <a:buFont typeface="+mj-lt"/>
+              <a:buAutoNum type="arabicPeriod"/>
+            </a:pPr>
+            <a:r>
+              <a:rPr lang="fr-FR" sz="1400" dirty="0" smtClean="0">
+                <a:solidFill>
+                  <a:srgbClr val="A4CA39"/>
+                </a:solidFill>
+                <a:latin typeface="Cambria" pitchFamily="18" charset="0"/>
+              </a:rPr>
+              <a:t>Conclusion</a:t>
+            </a:r>
+            <a:endParaRPr lang="fr-FR" sz="1400" dirty="0">
+              <a:solidFill>
+                <a:srgbClr val="A4CA39"/>
+              </a:solidFill>
+              <a:latin typeface="Cambria" pitchFamily="18" charset="0"/>
+            </a:endParaRPr>
+          </a:p>
+        </p:txBody>
+      </p:sp>
+      <p:sp>
+        <p:nvSpPr>
+          <p:cNvPr id="9" name="Espace réservé du contenu 8"/>
+          <p:cNvSpPr>
+            <a:spLocks noGrp="1"/>
+          </p:cNvSpPr>
+          <p:nvPr>
+            <p:ph sz="quarter" idx="14"/>
+          </p:nvPr>
+        </p:nvSpPr>
+        <p:spPr/>
+        <p:txBody>
+          <a:bodyPr/>
+          <a:lstStyle/>
+          <a:p>
+            <a:endParaRPr lang="fr-FR" dirty="0"/>
+          </a:p>
+        </p:txBody>
+      </p:sp>
+    </p:spTree>
+  </p:cSld>
+  <p:clrMapOvr>
+    <a:masterClrMapping/>
+  </p:clrMapOvr>
+  <p:transition>
+    <p:randomBar/>
+  </p:transition>
+  <p:timing>
+    <p:tnLst>
+      <p:par>
+        <p:cTn id="1" dur="indefinite" restart="never" nodeType="tmRoot"/>
+      </p:par>
+    </p:tnLst>
+  </p:timing>
+</p:sld>
+</file>
+
+<file path=ppt/slides/slide4.xml><?xml version="1.0" encoding="utf-8"?>
+<p:sld xmlns:a="http://schemas.openxmlformats.org/drawingml/2006/main" xmlns:r="http://schemas.openxmlformats.org/officeDocument/2006/relationships" xmlns:p="http://schemas.openxmlformats.org/presentationml/2006/main">
+  <p:cSld>
+    <p:spTree>
+      <p:nvGrpSpPr>
+        <p:cNvPr id="1" name=""/>
+        <p:cNvGrpSpPr/>
+        <p:nvPr/>
+      </p:nvGrpSpPr>
+      <p:grpSpPr>
+        <a:xfrm>
+          <a:off x="0" y="0"/>
+          <a:ext cx="0" cy="0"/>
+          <a:chOff x="0" y="0"/>
+          <a:chExt cx="0" cy="0"/>
+        </a:xfrm>
+      </p:grpSpPr>
+      <p:sp>
+        <p:nvSpPr>
+          <p:cNvPr id="6" name="Titre 5"/>
+          <p:cNvSpPr>
+            <a:spLocks noGrp="1"/>
+          </p:cNvSpPr>
+          <p:nvPr>
+            <p:ph type="title"/>
+          </p:nvPr>
+        </p:nvSpPr>
+        <p:spPr/>
+        <p:txBody>
+          <a:bodyPr/>
+          <a:lstStyle/>
+          <a:p>
+            <a:r>
+              <a:rPr lang="fr-FR" dirty="0" smtClean="0">
+                <a:latin typeface="Cambria" pitchFamily="18" charset="0"/>
+              </a:rPr>
+              <a:t>Déroulement du projet</a:t>
+            </a:r>
+            <a:endParaRPr lang="fr-FR" dirty="0">
+              <a:latin typeface="Cambria" pitchFamily="18" charset="0"/>
+            </a:endParaRPr>
+          </a:p>
+        </p:txBody>
+      </p:sp>
+      <p:sp>
+        <p:nvSpPr>
+          <p:cNvPr id="4" name="Espace réservé du pied de page 3"/>
+          <p:cNvSpPr>
+            <a:spLocks noGrp="1"/>
+          </p:cNvSpPr>
+          <p:nvPr>
+            <p:ph type="ftr" sz="quarter" idx="11"/>
+          </p:nvPr>
+        </p:nvSpPr>
+        <p:spPr/>
+        <p:txBody>
+          <a:bodyPr/>
+          <a:lstStyle/>
+          <a:p>
+            <a:r>
+              <a:rPr lang="fr-FR" smtClean="0"/>
+              <a:t>M1 MIAGE  - 2010/2011</a:t>
+            </a:r>
+          </a:p>
+          <a:p>
+            <a:r>
+              <a:rPr lang="fr-FR" smtClean="0"/>
+              <a:t>Université de Nice Sophia Antipolis</a:t>
+            </a:r>
+            <a:endParaRPr lang="fr-BE" dirty="0"/>
+          </a:p>
+        </p:txBody>
+      </p:sp>
+      <p:sp>
+        <p:nvSpPr>
+          <p:cNvPr id="5" name="Espace réservé du numéro de diapositive 4"/>
+          <p:cNvSpPr>
+            <a:spLocks noGrp="1"/>
+          </p:cNvSpPr>
+          <p:nvPr>
+            <p:ph type="sldNum" sz="quarter" idx="12"/>
+          </p:nvPr>
+        </p:nvSpPr>
+        <p:spPr/>
+        <p:txBody>
+          <a:bodyPr/>
+          <a:lstStyle/>
+          <a:p>
+            <a:fld id="{CF4668DC-857F-487D-BFFA-8C0CA5037977}" type="slidenum">
+              <a:rPr lang="fr-BE" smtClean="0"/>
+              <a:pPr/>
+              <a:t>4</a:t>
+            </a:fld>
+            <a:r>
+              <a:rPr lang="fr-BE" smtClean="0"/>
+              <a:t> sur ?</a:t>
+            </a:r>
+            <a:endParaRPr lang="fr-BE" dirty="0"/>
+          </a:p>
+        </p:txBody>
+      </p:sp>
+      <p:sp>
+        <p:nvSpPr>
+          <p:cNvPr id="8" name="Espace réservé du contenu 7"/>
+          <p:cNvSpPr>
+            <a:spLocks noGrp="1"/>
+          </p:cNvSpPr>
+          <p:nvPr>
+            <p:ph sz="quarter" idx="13"/>
+          </p:nvPr>
+        </p:nvSpPr>
+        <p:spPr/>
+        <p:txBody>
+          <a:bodyPr>
+            <a:normAutofit/>
+          </a:bodyPr>
+          <a:lstStyle/>
+          <a:p>
+            <a:pPr marL="457200" indent="-457200">
+              <a:buFont typeface="+mj-lt"/>
+              <a:buAutoNum type="arabicPeriod"/>
+            </a:pPr>
+            <a:r>
+              <a:rPr lang="fr-FR" sz="1400" dirty="0" smtClean="0">
+                <a:solidFill>
+                  <a:srgbClr val="A4CA39"/>
+                </a:solidFill>
+                <a:latin typeface="Cambria" pitchFamily="18" charset="0"/>
+              </a:rPr>
+              <a:t>Introduction</a:t>
+            </a:r>
+          </a:p>
+          <a:p>
+            <a:pPr marL="457200" indent="-457200">
+              <a:buFont typeface="+mj-lt"/>
+              <a:buAutoNum type="arabicPeriod"/>
+            </a:pPr>
+            <a:endParaRPr lang="fr-FR" sz="1400" dirty="0" smtClean="0">
+              <a:solidFill>
+                <a:srgbClr val="D8FBC1"/>
+              </a:solidFill>
+              <a:latin typeface="Cambria" pitchFamily="18" charset="0"/>
+            </a:endParaRPr>
+          </a:p>
+          <a:p>
+            <a:pPr marL="457200" indent="-457200">
+              <a:buFont typeface="+mj-lt"/>
+              <a:buAutoNum type="arabicPeriod"/>
+            </a:pPr>
+            <a:r>
+              <a:rPr lang="fr-FR" sz="1400" dirty="0" smtClean="0">
+                <a:solidFill>
+                  <a:srgbClr val="C0F9A9"/>
+                </a:solidFill>
+                <a:latin typeface="Cambria" pitchFamily="18" charset="0"/>
+              </a:rPr>
+              <a:t>Déroulement du projet</a:t>
+            </a:r>
+          </a:p>
+          <a:p>
+            <a:pPr marL="457200" indent="-457200">
+              <a:buFont typeface="+mj-lt"/>
+              <a:buAutoNum type="arabicPeriod"/>
+            </a:pPr>
+            <a:endParaRPr lang="fr-FR" sz="1400" dirty="0" smtClean="0">
+              <a:solidFill>
+                <a:srgbClr val="A4CA39"/>
+              </a:solidFill>
+              <a:latin typeface="Cambria" pitchFamily="18" charset="0"/>
+            </a:endParaRPr>
+          </a:p>
+          <a:p>
+            <a:pPr marL="457200" indent="-457200">
+              <a:buFont typeface="+mj-lt"/>
+              <a:buAutoNum type="arabicPeriod"/>
+            </a:pPr>
+            <a:r>
+              <a:rPr lang="fr-FR" sz="1400" dirty="0" smtClean="0">
+                <a:solidFill>
+                  <a:srgbClr val="A4CA39"/>
+                </a:solidFill>
+                <a:latin typeface="Cambria" pitchFamily="18" charset="0"/>
+              </a:rPr>
+              <a:t>Outils et méthodologies utilisés</a:t>
+            </a:r>
+          </a:p>
+          <a:p>
+            <a:pPr marL="457200" indent="-457200">
+              <a:buFont typeface="+mj-lt"/>
+              <a:buAutoNum type="arabicPeriod"/>
+            </a:pPr>
+            <a:endParaRPr lang="fr-FR" sz="1400" dirty="0" smtClean="0">
+              <a:solidFill>
+                <a:srgbClr val="A4CA39"/>
+              </a:solidFill>
+              <a:latin typeface="Cambria" pitchFamily="18" charset="0"/>
+            </a:endParaRPr>
+          </a:p>
+          <a:p>
+            <a:pPr marL="457200" indent="-457200">
+              <a:buFont typeface="+mj-lt"/>
+              <a:buAutoNum type="arabicPeriod"/>
+            </a:pPr>
+            <a:r>
+              <a:rPr lang="fr-FR" sz="1400" dirty="0" smtClean="0">
+                <a:solidFill>
+                  <a:srgbClr val="A4CA39"/>
+                </a:solidFill>
+                <a:latin typeface="Cambria" pitchFamily="18" charset="0"/>
+              </a:rPr>
+              <a:t>Démonstration</a:t>
+            </a:r>
+          </a:p>
+          <a:p>
+            <a:pPr marL="457200" indent="-457200">
+              <a:buFont typeface="+mj-lt"/>
+              <a:buAutoNum type="arabicPeriod"/>
+            </a:pPr>
+            <a:endParaRPr lang="fr-FR" sz="1400" dirty="0" smtClean="0">
+              <a:solidFill>
+                <a:srgbClr val="A4CA39"/>
+              </a:solidFill>
+              <a:latin typeface="Cambria" pitchFamily="18" charset="0"/>
+            </a:endParaRPr>
+          </a:p>
+          <a:p>
+            <a:pPr marL="457200" indent="-457200">
+              <a:buFont typeface="+mj-lt"/>
+              <a:buAutoNum type="arabicPeriod"/>
+            </a:pPr>
+            <a:r>
+              <a:rPr lang="fr-FR" sz="1400" dirty="0" smtClean="0">
+                <a:solidFill>
+                  <a:srgbClr val="A4CA39"/>
+                </a:solidFill>
+                <a:latin typeface="Cambria" pitchFamily="18" charset="0"/>
+              </a:rPr>
+              <a:t>Conclusion</a:t>
+            </a:r>
+            <a:endParaRPr lang="fr-FR" sz="1400" dirty="0">
+              <a:solidFill>
+                <a:srgbClr val="A4CA39"/>
+              </a:solidFill>
+              <a:latin typeface="Cambria" pitchFamily="18" charset="0"/>
+            </a:endParaRPr>
+          </a:p>
+        </p:txBody>
+      </p:sp>
+      <p:sp>
+        <p:nvSpPr>
+          <p:cNvPr id="9" name="Espace réservé du contenu 8"/>
+          <p:cNvSpPr>
+            <a:spLocks noGrp="1"/>
+          </p:cNvSpPr>
+          <p:nvPr>
+            <p:ph sz="quarter" idx="14"/>
+          </p:nvPr>
+        </p:nvSpPr>
+        <p:spPr/>
+        <p:txBody>
+          <a:bodyPr/>
+          <a:lstStyle/>
+          <a:p>
+            <a:endParaRPr lang="fr-FR" dirty="0"/>
+          </a:p>
+        </p:txBody>
+      </p:sp>
+    </p:spTree>
+  </p:cSld>
+  <p:clrMapOvr>
+    <a:masterClrMapping/>
+  </p:clrMapOvr>
+  <p:transition>
+    <p:fade/>
+  </p:transition>
+  <p:timing>
+    <p:tnLst>
+      <p:par>
+        <p:cTn id="1" dur="indefinite" restart="never" nodeType="tmRoot"/>
+      </p:par>
+    </p:tnLst>
+  </p:timing>
+</p:sld>
+</file>
+
+<file path=ppt/slides/slide5.xml><?xml version="1.0" encoding="utf-8"?>
+<p:sld xmlns:a="http://schemas.openxmlformats.org/drawingml/2006/main" xmlns:r="http://schemas.openxmlformats.org/officeDocument/2006/relationships" xmlns:p="http://schemas.openxmlformats.org/presentationml/2006/main">
+  <p:cSld>
+    <p:spTree>
+      <p:nvGrpSpPr>
+        <p:cNvPr id="1" name=""/>
+        <p:cNvGrpSpPr/>
+        <p:nvPr/>
+      </p:nvGrpSpPr>
+      <p:grpSpPr>
+        <a:xfrm>
+          <a:off x="0" y="0"/>
+          <a:ext cx="0" cy="0"/>
+          <a:chOff x="0" y="0"/>
+          <a:chExt cx="0" cy="0"/>
+        </a:xfrm>
+      </p:grpSpPr>
+      <p:sp>
+        <p:nvSpPr>
+          <p:cNvPr id="6" name="Titre 5"/>
+          <p:cNvSpPr>
+            <a:spLocks noGrp="1"/>
+          </p:cNvSpPr>
+          <p:nvPr>
+            <p:ph type="title"/>
+          </p:nvPr>
+        </p:nvSpPr>
+        <p:spPr/>
+        <p:txBody>
+          <a:bodyPr/>
+          <a:lstStyle/>
+          <a:p>
+            <a:r>
+              <a:rPr lang="fr-FR" dirty="0" smtClean="0">
+                <a:latin typeface="Cambria" pitchFamily="18" charset="0"/>
+              </a:rPr>
+              <a:t>Outils et méthodologies utilisés</a:t>
+            </a:r>
+            <a:endParaRPr lang="fr-FR" dirty="0">
+              <a:latin typeface="Cambria" pitchFamily="18" charset="0"/>
+            </a:endParaRPr>
+          </a:p>
+        </p:txBody>
+      </p:sp>
+      <p:sp>
+        <p:nvSpPr>
+          <p:cNvPr id="4" name="Espace réservé du pied de page 3"/>
+          <p:cNvSpPr>
+            <a:spLocks noGrp="1"/>
+          </p:cNvSpPr>
+          <p:nvPr>
+            <p:ph type="ftr" sz="quarter" idx="11"/>
+          </p:nvPr>
+        </p:nvSpPr>
+        <p:spPr/>
+        <p:txBody>
+          <a:bodyPr/>
+          <a:lstStyle/>
+          <a:p>
+            <a:r>
+              <a:rPr lang="fr-FR" smtClean="0"/>
+              <a:t>M1 MIAGE  - 2010/2011</a:t>
+            </a:r>
+          </a:p>
+          <a:p>
+            <a:r>
+              <a:rPr lang="fr-FR" smtClean="0"/>
+              <a:t>Université de Nice Sophia Antipolis</a:t>
+            </a:r>
+            <a:endParaRPr lang="fr-BE" dirty="0"/>
+          </a:p>
+        </p:txBody>
+      </p:sp>
+      <p:sp>
+        <p:nvSpPr>
+          <p:cNvPr id="5" name="Espace réservé du numéro de diapositive 4"/>
+          <p:cNvSpPr>
+            <a:spLocks noGrp="1"/>
+          </p:cNvSpPr>
+          <p:nvPr>
+            <p:ph type="sldNum" sz="quarter" idx="12"/>
+          </p:nvPr>
+        </p:nvSpPr>
+        <p:spPr/>
+        <p:txBody>
+          <a:bodyPr/>
+          <a:lstStyle/>
+          <a:p>
+            <a:fld id="{CF4668DC-857F-487D-BFFA-8C0CA5037977}" type="slidenum">
+              <a:rPr lang="fr-BE" smtClean="0"/>
+              <a:pPr/>
+              <a:t>5</a:t>
+            </a:fld>
+            <a:r>
+              <a:rPr lang="fr-BE" smtClean="0"/>
+              <a:t> sur ?</a:t>
+            </a:r>
+            <a:endParaRPr lang="fr-BE" dirty="0"/>
+          </a:p>
+        </p:txBody>
+      </p:sp>
+      <p:sp>
+        <p:nvSpPr>
+          <p:cNvPr id="8" name="Espace réservé du contenu 7"/>
+          <p:cNvSpPr>
+            <a:spLocks noGrp="1"/>
+          </p:cNvSpPr>
+          <p:nvPr>
+            <p:ph sz="quarter" idx="13"/>
+          </p:nvPr>
+        </p:nvSpPr>
+        <p:spPr/>
+        <p:txBody>
+          <a:bodyPr>
+            <a:normAutofit/>
+          </a:bodyPr>
+          <a:lstStyle/>
+          <a:p>
+            <a:pPr marL="457200" indent="-457200">
+              <a:buFont typeface="+mj-lt"/>
+              <a:buAutoNum type="arabicPeriod"/>
+            </a:pPr>
+            <a:r>
+              <a:rPr lang="fr-FR" sz="1400" dirty="0" smtClean="0">
+                <a:solidFill>
+                  <a:srgbClr val="A4CA39"/>
+                </a:solidFill>
+                <a:latin typeface="Cambria" pitchFamily="18" charset="0"/>
+              </a:rPr>
+              <a:t>Introduction</a:t>
+            </a:r>
+          </a:p>
+          <a:p>
+            <a:pPr marL="457200" indent="-457200">
+              <a:buFont typeface="+mj-lt"/>
+              <a:buAutoNum type="arabicPeriod"/>
+            </a:pPr>
+            <a:endParaRPr lang="fr-FR" sz="1400" dirty="0" smtClean="0">
+              <a:solidFill>
+                <a:srgbClr val="D8FBC1"/>
+              </a:solidFill>
+              <a:latin typeface="Cambria" pitchFamily="18" charset="0"/>
+            </a:endParaRPr>
+          </a:p>
+          <a:p>
+            <a:pPr marL="457200" indent="-457200">
+              <a:buFont typeface="+mj-lt"/>
+              <a:buAutoNum type="arabicPeriod"/>
+            </a:pPr>
+            <a:r>
+              <a:rPr lang="fr-FR" sz="1400" dirty="0" smtClean="0">
+                <a:solidFill>
+                  <a:srgbClr val="A4CA39"/>
+                </a:solidFill>
+                <a:latin typeface="Cambria" pitchFamily="18" charset="0"/>
+              </a:rPr>
+              <a:t>Déroulement du projet</a:t>
+            </a:r>
+          </a:p>
+          <a:p>
+            <a:pPr marL="457200" indent="-457200">
+              <a:buFont typeface="+mj-lt"/>
+              <a:buAutoNum type="arabicPeriod"/>
+            </a:pPr>
+            <a:endParaRPr lang="fr-FR" sz="1400" dirty="0" smtClean="0">
+              <a:solidFill>
+                <a:srgbClr val="A4CA39"/>
+              </a:solidFill>
+              <a:latin typeface="Cambria" pitchFamily="18" charset="0"/>
+            </a:endParaRPr>
+          </a:p>
+          <a:p>
+            <a:pPr marL="457200" indent="-457200">
+              <a:buFont typeface="+mj-lt"/>
+              <a:buAutoNum type="arabicPeriod"/>
+            </a:pPr>
+            <a:r>
+              <a:rPr lang="fr-FR" sz="1400" dirty="0" smtClean="0">
+                <a:solidFill>
+                  <a:srgbClr val="C0F9A9"/>
+                </a:solidFill>
+                <a:latin typeface="Cambria" pitchFamily="18" charset="0"/>
+              </a:rPr>
+              <a:t>Outils et méthodologies utilisés</a:t>
+            </a:r>
+          </a:p>
+          <a:p>
+            <a:pPr marL="457200" indent="-457200">
+              <a:buFont typeface="+mj-lt"/>
+              <a:buAutoNum type="arabicPeriod"/>
+            </a:pPr>
+            <a:endParaRPr lang="fr-FR" sz="1400" dirty="0" smtClean="0">
+              <a:solidFill>
+                <a:srgbClr val="A4CA39"/>
+              </a:solidFill>
+              <a:latin typeface="Cambria" pitchFamily="18" charset="0"/>
+            </a:endParaRPr>
+          </a:p>
+          <a:p>
+            <a:pPr marL="457200" indent="-457200">
+              <a:buFont typeface="+mj-lt"/>
+              <a:buAutoNum type="arabicPeriod"/>
+            </a:pPr>
+            <a:r>
+              <a:rPr lang="fr-FR" sz="1400" dirty="0" smtClean="0">
+                <a:solidFill>
+                  <a:srgbClr val="A4CA39"/>
+                </a:solidFill>
+                <a:latin typeface="Cambria" pitchFamily="18" charset="0"/>
+              </a:rPr>
+              <a:t>Démonstration</a:t>
+            </a:r>
+          </a:p>
+          <a:p>
+            <a:pPr marL="457200" indent="-457200">
+              <a:buFont typeface="+mj-lt"/>
+              <a:buAutoNum type="arabicPeriod"/>
+            </a:pPr>
+            <a:endParaRPr lang="fr-FR" sz="1400" dirty="0" smtClean="0">
+              <a:solidFill>
+                <a:srgbClr val="A4CA39"/>
+              </a:solidFill>
+              <a:latin typeface="Cambria" pitchFamily="18" charset="0"/>
+            </a:endParaRPr>
+          </a:p>
+          <a:p>
+            <a:pPr marL="457200" indent="-457200">
+              <a:buFont typeface="+mj-lt"/>
+              <a:buAutoNum type="arabicPeriod"/>
+            </a:pPr>
+            <a:r>
+              <a:rPr lang="fr-FR" sz="1400" dirty="0" smtClean="0">
+                <a:solidFill>
+                  <a:srgbClr val="A4CA39"/>
+                </a:solidFill>
+                <a:latin typeface="Cambria" pitchFamily="18" charset="0"/>
+              </a:rPr>
+              <a:t>Conclusion</a:t>
+            </a:r>
+            <a:endParaRPr lang="fr-FR" sz="1400" dirty="0">
+              <a:solidFill>
+                <a:srgbClr val="A4CA39"/>
+              </a:solidFill>
+              <a:latin typeface="Cambria" pitchFamily="18" charset="0"/>
+            </a:endParaRPr>
+          </a:p>
+        </p:txBody>
+      </p:sp>
+      <p:sp>
+        <p:nvSpPr>
+          <p:cNvPr id="9" name="Espace réservé du contenu 8"/>
+          <p:cNvSpPr>
+            <a:spLocks noGrp="1"/>
+          </p:cNvSpPr>
+          <p:nvPr>
+            <p:ph sz="quarter" idx="14"/>
+          </p:nvPr>
+        </p:nvSpPr>
+        <p:spPr/>
+        <p:txBody>
+          <a:bodyPr/>
+          <a:lstStyle/>
+          <a:p>
+            <a:endParaRPr lang="fr-FR" dirty="0"/>
+          </a:p>
+        </p:txBody>
+      </p:sp>
+    </p:spTree>
+  </p:cSld>
+  <p:clrMapOvr>
+    <a:masterClrMapping/>
+  </p:clrMapOvr>
+  <p:transition>
+    <p:fade/>
+  </p:transition>
+  <p:timing>
+    <p:tnLst>
+      <p:par>
+        <p:cTn id="1" dur="indefinite" restart="never" nodeType="tmRoot"/>
+      </p:par>
+    </p:tnLst>
+  </p:timing>
+</p:sld>
+</file>
+
+<file path=ppt/slides/slide6.xml><?xml version="1.0" encoding="utf-8"?>
+<p:sld xmlns:a="http://schemas.openxmlformats.org/drawingml/2006/main" xmlns:r="http://schemas.openxmlformats.org/officeDocument/2006/relationships" xmlns:p="http://schemas.openxmlformats.org/presentationml/2006/main">
+  <p:cSld>
+    <p:spTree>
+      <p:nvGrpSpPr>
+        <p:cNvPr id="1" name=""/>
+        <p:cNvGrpSpPr/>
+        <p:nvPr/>
+      </p:nvGrpSpPr>
+      <p:grpSpPr>
+        <a:xfrm>
+          <a:off x="0" y="0"/>
+          <a:ext cx="0" cy="0"/>
+          <a:chOff x="0" y="0"/>
+          <a:chExt cx="0" cy="0"/>
+        </a:xfrm>
+      </p:grpSpPr>
+      <p:sp>
+        <p:nvSpPr>
+          <p:cNvPr id="6" name="Titre 5"/>
+          <p:cNvSpPr>
+            <a:spLocks noGrp="1"/>
+          </p:cNvSpPr>
+          <p:nvPr>
+            <p:ph type="title"/>
+          </p:nvPr>
+        </p:nvSpPr>
+        <p:spPr/>
+        <p:txBody>
+          <a:bodyPr/>
+          <a:lstStyle/>
+          <a:p>
+            <a:r>
+              <a:rPr lang="fr-FR" dirty="0" smtClean="0">
+                <a:latin typeface="Cambria" pitchFamily="18" charset="0"/>
+              </a:rPr>
+              <a:t>Démonstration</a:t>
+            </a:r>
+            <a:endParaRPr lang="fr-FR" dirty="0">
+              <a:latin typeface="Cambria" pitchFamily="18" charset="0"/>
+            </a:endParaRPr>
+          </a:p>
+        </p:txBody>
+      </p:sp>
+      <p:sp>
+        <p:nvSpPr>
+          <p:cNvPr id="4" name="Espace réservé du pied de page 3"/>
+          <p:cNvSpPr>
+            <a:spLocks noGrp="1"/>
+          </p:cNvSpPr>
+          <p:nvPr>
+            <p:ph type="ftr" sz="quarter" idx="11"/>
+          </p:nvPr>
+        </p:nvSpPr>
+        <p:spPr/>
+        <p:txBody>
+          <a:bodyPr/>
+          <a:lstStyle/>
+          <a:p>
+            <a:r>
+              <a:rPr lang="fr-FR" smtClean="0"/>
+              <a:t>M1 MIAGE  - 2010/2011</a:t>
+            </a:r>
+          </a:p>
+          <a:p>
+            <a:r>
+              <a:rPr lang="fr-FR" smtClean="0"/>
+              <a:t>Université de Nice Sophia Antipolis</a:t>
+            </a:r>
+            <a:endParaRPr lang="fr-BE" dirty="0"/>
+          </a:p>
+        </p:txBody>
+      </p:sp>
+      <p:sp>
+        <p:nvSpPr>
+          <p:cNvPr id="5" name="Espace réservé du numéro de diapositive 4"/>
+          <p:cNvSpPr>
+            <a:spLocks noGrp="1"/>
+          </p:cNvSpPr>
+          <p:nvPr>
+            <p:ph type="sldNum" sz="quarter" idx="12"/>
+          </p:nvPr>
+        </p:nvSpPr>
+        <p:spPr/>
+        <p:txBody>
+          <a:bodyPr/>
+          <a:lstStyle/>
+          <a:p>
+            <a:fld id="{CF4668DC-857F-487D-BFFA-8C0CA5037977}" type="slidenum">
+              <a:rPr lang="fr-BE" smtClean="0"/>
+              <a:pPr/>
+              <a:t>6</a:t>
+            </a:fld>
+            <a:r>
+              <a:rPr lang="fr-BE" smtClean="0"/>
+              <a:t> sur ?</a:t>
+            </a:r>
+            <a:endParaRPr lang="fr-BE" dirty="0"/>
+          </a:p>
+        </p:txBody>
+      </p:sp>
+      <p:sp>
+        <p:nvSpPr>
+          <p:cNvPr id="8" name="Espace réservé du contenu 7"/>
+          <p:cNvSpPr>
+            <a:spLocks noGrp="1"/>
+          </p:cNvSpPr>
+          <p:nvPr>
+            <p:ph sz="quarter" idx="13"/>
+          </p:nvPr>
+        </p:nvSpPr>
+        <p:spPr/>
+        <p:txBody>
+          <a:bodyPr>
+            <a:normAutofit/>
+          </a:bodyPr>
+          <a:lstStyle/>
+          <a:p>
+            <a:pPr marL="457200" indent="-457200">
+              <a:buFont typeface="+mj-lt"/>
+              <a:buAutoNum type="arabicPeriod"/>
+            </a:pPr>
+            <a:r>
+              <a:rPr lang="fr-FR" sz="1400" dirty="0" smtClean="0">
+                <a:solidFill>
+                  <a:srgbClr val="A4CA39"/>
+                </a:solidFill>
+                <a:latin typeface="Cambria" pitchFamily="18" charset="0"/>
+              </a:rPr>
+              <a:t>Introduction</a:t>
+            </a:r>
+          </a:p>
+          <a:p>
+            <a:pPr marL="457200" indent="-457200">
+              <a:buFont typeface="+mj-lt"/>
+              <a:buAutoNum type="arabicPeriod"/>
+            </a:pPr>
+            <a:endParaRPr lang="fr-FR" sz="1400" dirty="0" smtClean="0">
+              <a:solidFill>
+                <a:srgbClr val="D8FBC1"/>
+              </a:solidFill>
+              <a:latin typeface="Cambria" pitchFamily="18" charset="0"/>
+            </a:endParaRPr>
+          </a:p>
+          <a:p>
+            <a:pPr marL="457200" indent="-457200">
+              <a:buFont typeface="+mj-lt"/>
+              <a:buAutoNum type="arabicPeriod"/>
+            </a:pPr>
+            <a:r>
+              <a:rPr lang="fr-FR" sz="1400" dirty="0" smtClean="0">
+                <a:solidFill>
+                  <a:srgbClr val="A4CA39"/>
+                </a:solidFill>
+                <a:latin typeface="Cambria" pitchFamily="18" charset="0"/>
+              </a:rPr>
+              <a:t>Déroulement du projet</a:t>
+            </a:r>
+          </a:p>
+          <a:p>
+            <a:pPr marL="457200" indent="-457200">
+              <a:buFont typeface="+mj-lt"/>
+              <a:buAutoNum type="arabicPeriod"/>
+            </a:pPr>
+            <a:endParaRPr lang="fr-FR" sz="1400" dirty="0" smtClean="0">
+              <a:solidFill>
+                <a:srgbClr val="A4CA39"/>
+              </a:solidFill>
+              <a:latin typeface="Cambria" pitchFamily="18" charset="0"/>
+            </a:endParaRPr>
+          </a:p>
+          <a:p>
+            <a:pPr marL="457200" indent="-457200">
+              <a:buFont typeface="+mj-lt"/>
+              <a:buAutoNum type="arabicPeriod"/>
+            </a:pPr>
+            <a:r>
+              <a:rPr lang="fr-FR" sz="1400" dirty="0" smtClean="0">
+                <a:solidFill>
+                  <a:srgbClr val="A4CA39"/>
+                </a:solidFill>
+                <a:latin typeface="Cambria" pitchFamily="18" charset="0"/>
+              </a:rPr>
+              <a:t>Outils et méthodologies utilisés</a:t>
+            </a:r>
+          </a:p>
+          <a:p>
+            <a:pPr marL="457200" indent="-457200">
+              <a:buFont typeface="+mj-lt"/>
+              <a:buAutoNum type="arabicPeriod"/>
+            </a:pPr>
+            <a:endParaRPr lang="fr-FR" sz="1400" dirty="0" smtClean="0">
+              <a:solidFill>
+                <a:srgbClr val="A4CA39"/>
+              </a:solidFill>
+              <a:latin typeface="Cambria" pitchFamily="18" charset="0"/>
+            </a:endParaRPr>
+          </a:p>
+          <a:p>
+            <a:pPr marL="457200" indent="-457200">
+              <a:buFont typeface="+mj-lt"/>
+              <a:buAutoNum type="arabicPeriod"/>
+            </a:pPr>
+            <a:r>
+              <a:rPr lang="fr-FR" sz="1400" dirty="0" smtClean="0">
+                <a:solidFill>
+                  <a:srgbClr val="C0F9A9"/>
+                </a:solidFill>
+                <a:latin typeface="Cambria" pitchFamily="18" charset="0"/>
+              </a:rPr>
+              <a:t>Démonstration</a:t>
+            </a:r>
+          </a:p>
+          <a:p>
+            <a:pPr marL="457200" indent="-457200">
+              <a:buFont typeface="+mj-lt"/>
+              <a:buAutoNum type="arabicPeriod"/>
+            </a:pPr>
+            <a:endParaRPr lang="fr-FR" sz="1400" dirty="0" smtClean="0">
+              <a:solidFill>
+                <a:srgbClr val="A4CA39"/>
+              </a:solidFill>
+              <a:latin typeface="Cambria" pitchFamily="18" charset="0"/>
+            </a:endParaRPr>
+          </a:p>
+          <a:p>
+            <a:pPr marL="457200" indent="-457200">
+              <a:buFont typeface="+mj-lt"/>
+              <a:buAutoNum type="arabicPeriod"/>
+            </a:pPr>
+            <a:r>
+              <a:rPr lang="fr-FR" sz="1400" dirty="0" smtClean="0">
+                <a:solidFill>
+                  <a:srgbClr val="A4CA39"/>
+                </a:solidFill>
+                <a:latin typeface="Cambria" pitchFamily="18" charset="0"/>
+              </a:rPr>
+              <a:t>Conclusion</a:t>
+            </a:r>
+            <a:endParaRPr lang="fr-FR" sz="1400" dirty="0">
+              <a:solidFill>
+                <a:srgbClr val="A4CA39"/>
+              </a:solidFill>
+              <a:latin typeface="Cambria" pitchFamily="18" charset="0"/>
+            </a:endParaRPr>
+          </a:p>
+        </p:txBody>
+      </p:sp>
+      <p:sp>
+        <p:nvSpPr>
+          <p:cNvPr id="9" name="Espace réservé du contenu 8"/>
+          <p:cNvSpPr>
+            <a:spLocks noGrp="1"/>
+          </p:cNvSpPr>
+          <p:nvPr>
+            <p:ph sz="quarter" idx="14"/>
+          </p:nvPr>
+        </p:nvSpPr>
+        <p:spPr/>
+        <p:txBody>
+          <a:bodyPr/>
+          <a:lstStyle/>
+          <a:p>
+            <a:endParaRPr lang="fr-FR" dirty="0"/>
+          </a:p>
+        </p:txBody>
+      </p:sp>
+    </p:spTree>
+  </p:cSld>
+  <p:clrMapOvr>
+    <a:masterClrMapping/>
+  </p:clrMapOvr>
+  <p:transition>
+    <p:fade/>
+  </p:transition>
+  <p:timing>
+    <p:tnLst>
+      <p:par>
+        <p:cTn id="1" dur="indefinite" restart="never" nodeType="tmRoot"/>
+      </p:par>
+    </p:tnLst>
+  </p:timing>
+</p:sld>
+</file>
+
+<file path=ppt/slides/slide7.xml><?xml version="1.0" encoding="utf-8"?>
+<p:sld xmlns:a="http://schemas.openxmlformats.org/drawingml/2006/main" xmlns:r="http://schemas.openxmlformats.org/officeDocument/2006/relationships" xmlns:p="http://schemas.openxmlformats.org/presentationml/2006/main">
+  <p:cSld>
+    <p:spTree>
+      <p:nvGrpSpPr>
+        <p:cNvPr id="1" name=""/>
+        <p:cNvGrpSpPr/>
+        <p:nvPr/>
+      </p:nvGrpSpPr>
+      <p:grpSpPr>
+        <a:xfrm>
+          <a:off x="0" y="0"/>
+          <a:ext cx="0" cy="0"/>
+          <a:chOff x="0" y="0"/>
+          <a:chExt cx="0" cy="0"/>
+        </a:xfrm>
+      </p:grpSpPr>
+      <p:sp>
+        <p:nvSpPr>
+          <p:cNvPr id="6" name="Titre 5"/>
+          <p:cNvSpPr>
+            <a:spLocks noGrp="1"/>
+          </p:cNvSpPr>
+          <p:nvPr>
+            <p:ph type="title"/>
+          </p:nvPr>
+        </p:nvSpPr>
+        <p:spPr/>
+        <p:txBody>
+          <a:bodyPr/>
+          <a:lstStyle/>
+          <a:p>
+            <a:r>
+              <a:rPr lang="fr-FR" dirty="0" smtClean="0">
+                <a:latin typeface="Cambria" pitchFamily="18" charset="0"/>
+              </a:rPr>
+              <a:t>Conclusion</a:t>
+            </a:r>
+            <a:endParaRPr lang="fr-FR" dirty="0">
+              <a:latin typeface="Cambria" pitchFamily="18" charset="0"/>
+            </a:endParaRPr>
+          </a:p>
+        </p:txBody>
+      </p:sp>
+      <p:sp>
+        <p:nvSpPr>
+          <p:cNvPr id="4" name="Espace réservé du pied de page 3"/>
+          <p:cNvSpPr>
+            <a:spLocks noGrp="1"/>
+          </p:cNvSpPr>
+          <p:nvPr>
+            <p:ph type="ftr" sz="quarter" idx="11"/>
+          </p:nvPr>
+        </p:nvSpPr>
+        <p:spPr/>
+        <p:txBody>
+          <a:bodyPr/>
+          <a:lstStyle/>
+          <a:p>
+            <a:r>
+              <a:rPr lang="fr-FR" smtClean="0"/>
+              <a:t>M1 MIAGE  - 2010/2011</a:t>
+            </a:r>
+          </a:p>
+          <a:p>
+            <a:r>
+              <a:rPr lang="fr-FR" smtClean="0"/>
+              <a:t>Université de Nice Sophia Antipolis</a:t>
+            </a:r>
+            <a:endParaRPr lang="fr-BE" dirty="0"/>
+          </a:p>
+        </p:txBody>
+      </p:sp>
+      <p:sp>
+        <p:nvSpPr>
+          <p:cNvPr id="5" name="Espace réservé du numéro de diapositive 4"/>
+          <p:cNvSpPr>
+            <a:spLocks noGrp="1"/>
+          </p:cNvSpPr>
+          <p:nvPr>
+            <p:ph type="sldNum" sz="quarter" idx="12"/>
+          </p:nvPr>
+        </p:nvSpPr>
+        <p:spPr/>
+        <p:txBody>
+          <a:bodyPr/>
+          <a:lstStyle/>
+          <a:p>
+            <a:fld id="{CF4668DC-857F-487D-BFFA-8C0CA5037977}" type="slidenum">
+              <a:rPr lang="fr-BE" smtClean="0"/>
+              <a:pPr/>
+              <a:t>7</a:t>
+            </a:fld>
+            <a:r>
+              <a:rPr lang="fr-BE" smtClean="0"/>
+              <a:t> sur ?</a:t>
+            </a:r>
+            <a:endParaRPr lang="fr-BE" dirty="0"/>
+          </a:p>
+        </p:txBody>
+      </p:sp>
+      <p:sp>
+        <p:nvSpPr>
+          <p:cNvPr id="8" name="Espace réservé du contenu 7"/>
+          <p:cNvSpPr>
+            <a:spLocks noGrp="1"/>
+          </p:cNvSpPr>
+          <p:nvPr>
+            <p:ph sz="quarter" idx="13"/>
+          </p:nvPr>
+        </p:nvSpPr>
+        <p:spPr/>
+        <p:txBody>
+          <a:bodyPr>
+            <a:normAutofit/>
+          </a:bodyPr>
+          <a:lstStyle/>
+          <a:p>
+            <a:pPr marL="457200" indent="-457200">
+              <a:buFont typeface="+mj-lt"/>
+              <a:buAutoNum type="arabicPeriod"/>
+            </a:pPr>
+            <a:r>
+              <a:rPr lang="fr-FR" sz="1400" dirty="0" smtClean="0">
+                <a:solidFill>
+                  <a:srgbClr val="A4CA39"/>
+                </a:solidFill>
+                <a:latin typeface="Cambria" pitchFamily="18" charset="0"/>
+              </a:rPr>
+              <a:t>Introduction</a:t>
+            </a:r>
+          </a:p>
+          <a:p>
+            <a:pPr marL="457200" indent="-457200">
+              <a:buFont typeface="+mj-lt"/>
+              <a:buAutoNum type="arabicPeriod"/>
+            </a:pPr>
+            <a:endParaRPr lang="fr-FR" sz="1400" dirty="0" smtClean="0">
+              <a:solidFill>
+                <a:srgbClr val="D8FBC1"/>
+              </a:solidFill>
+              <a:latin typeface="Cambria" pitchFamily="18" charset="0"/>
+            </a:endParaRPr>
+          </a:p>
+          <a:p>
+            <a:pPr marL="457200" indent="-457200">
+              <a:buFont typeface="+mj-lt"/>
+              <a:buAutoNum type="arabicPeriod"/>
+            </a:pPr>
+            <a:r>
+              <a:rPr lang="fr-FR" sz="1400" dirty="0" smtClean="0">
+                <a:solidFill>
+                  <a:srgbClr val="A4CA39"/>
+                </a:solidFill>
+                <a:latin typeface="Cambria" pitchFamily="18" charset="0"/>
+              </a:rPr>
+              <a:t>Déroulement du projet</a:t>
+            </a:r>
+          </a:p>
+          <a:p>
+            <a:pPr marL="457200" indent="-457200">
+              <a:buFont typeface="+mj-lt"/>
+              <a:buAutoNum type="arabicPeriod"/>
+            </a:pPr>
+            <a:endParaRPr lang="fr-FR" sz="1400" dirty="0" smtClean="0">
+              <a:solidFill>
+                <a:srgbClr val="A4CA39"/>
+              </a:solidFill>
+              <a:latin typeface="Cambria" pitchFamily="18" charset="0"/>
+            </a:endParaRPr>
+          </a:p>
+          <a:p>
+            <a:pPr marL="457200" indent="-457200">
+              <a:buFont typeface="+mj-lt"/>
+              <a:buAutoNum type="arabicPeriod"/>
+            </a:pPr>
+            <a:r>
+              <a:rPr lang="fr-FR" sz="1400" dirty="0" smtClean="0">
+                <a:solidFill>
+                  <a:srgbClr val="A4CA39"/>
+                </a:solidFill>
+                <a:latin typeface="Cambria" pitchFamily="18" charset="0"/>
+              </a:rPr>
+              <a:t>Outils et méthodologies utilisés</a:t>
+            </a:r>
+          </a:p>
+          <a:p>
+            <a:pPr marL="457200" indent="-457200">
+              <a:buFont typeface="+mj-lt"/>
+              <a:buAutoNum type="arabicPeriod"/>
+            </a:pPr>
+            <a:endParaRPr lang="fr-FR" sz="1400" dirty="0" smtClean="0">
+              <a:solidFill>
+                <a:srgbClr val="A4CA39"/>
+              </a:solidFill>
+              <a:latin typeface="Cambria" pitchFamily="18" charset="0"/>
+            </a:endParaRPr>
+          </a:p>
+          <a:p>
+            <a:pPr marL="457200" indent="-457200">
+              <a:buFont typeface="+mj-lt"/>
+              <a:buAutoNum type="arabicPeriod"/>
+            </a:pPr>
+            <a:r>
+              <a:rPr lang="fr-FR" sz="1400" dirty="0" smtClean="0">
+                <a:solidFill>
+                  <a:srgbClr val="A4CA39"/>
+                </a:solidFill>
+                <a:latin typeface="Cambria" pitchFamily="18" charset="0"/>
+              </a:rPr>
+              <a:t>Démonstration</a:t>
+            </a:r>
+          </a:p>
+          <a:p>
+            <a:pPr marL="457200" indent="-457200">
+              <a:buFont typeface="+mj-lt"/>
+              <a:buAutoNum type="arabicPeriod"/>
+            </a:pPr>
+            <a:endParaRPr lang="fr-FR" sz="1400" dirty="0" smtClean="0">
+              <a:solidFill>
+                <a:srgbClr val="A4CA39"/>
+              </a:solidFill>
+              <a:latin typeface="Cambria" pitchFamily="18" charset="0"/>
+            </a:endParaRPr>
+          </a:p>
+          <a:p>
+            <a:pPr marL="457200" indent="-457200">
+              <a:buFont typeface="+mj-lt"/>
+              <a:buAutoNum type="arabicPeriod"/>
+            </a:pPr>
+            <a:r>
+              <a:rPr lang="fr-FR" sz="1400" dirty="0" smtClean="0">
+                <a:solidFill>
+                  <a:srgbClr val="C0F9A9"/>
+                </a:solidFill>
+                <a:latin typeface="Cambria" pitchFamily="18" charset="0"/>
+              </a:rPr>
+              <a:t>Conclusion</a:t>
+            </a:r>
+            <a:endParaRPr lang="fr-FR" sz="1400" dirty="0">
+              <a:solidFill>
+                <a:srgbClr val="C0F9A9"/>
+              </a:solidFill>
+              <a:latin typeface="Cambria" pitchFamily="18" charset="0"/>
+            </a:endParaRPr>
+          </a:p>
+        </p:txBody>
+      </p:sp>
+      <p:sp>
+        <p:nvSpPr>
+          <p:cNvPr id="9" name="Espace réservé du contenu 8"/>
+          <p:cNvSpPr>
+            <a:spLocks noGrp="1"/>
+          </p:cNvSpPr>
+          <p:nvPr>
+            <p:ph sz="quarter" idx="14"/>
+          </p:nvPr>
+        </p:nvSpPr>
+        <p:spPr/>
+        <p:txBody>
+          <a:bodyPr/>
+          <a:lstStyle/>
+          <a:p>
+            <a:endParaRPr lang="fr-FR" dirty="0"/>
+          </a:p>
+        </p:txBody>
+      </p:sp>
+    </p:spTree>
+  </p:cSld>
+  <p:clrMapOvr>
+    <a:masterClrMapping/>
+  </p:clrMapOvr>
+  <p:transition>
+    <p:fade/>
+  </p:transition>
+  <p:timing>
+    <p:tnLst>
+      <p:par>
+        <p:cTn id="1" dur="indefinite" restart="never" nodeType="tmRoot"/>
+      </p:par>
+    </p:tnLst>
+  </p:timing>
+</p:sld>
+</file>
+
+<file path=ppt/slides/slide8.xml><?xml version="1.0" encoding="utf-8"?>
+<p:sld xmlns:a="http://schemas.openxmlformats.org/drawingml/2006/main" xmlns:r="http://schemas.openxmlformats.org/officeDocument/2006/relationships" xmlns:p="http://schemas.openxmlformats.org/presentationml/2006/main">
+  <p:cSld>
+    <p:spTree>
+      <p:nvGrpSpPr>
+        <p:cNvPr id="1" name=""/>
+        <p:cNvGrpSpPr/>
+        <p:nvPr/>
+      </p:nvGrpSpPr>
+      <p:grpSpPr>
+        <a:xfrm>
+          <a:off x="0" y="0"/>
+          <a:ext cx="0" cy="0"/>
+          <a:chOff x="0" y="0"/>
+          <a:chExt cx="0" cy="0"/>
+        </a:xfrm>
+      </p:grpSpPr>
+      <p:sp>
+        <p:nvSpPr>
+          <p:cNvPr id="6" name="Titre 5"/>
+          <p:cNvSpPr>
+            <a:spLocks noGrp="1"/>
+          </p:cNvSpPr>
+          <p:nvPr>
+            <p:ph type="ctrTitle"/>
+          </p:nvPr>
+        </p:nvSpPr>
+        <p:spPr/>
+        <p:txBody>
+          <a:bodyPr/>
+          <a:lstStyle/>
+          <a:p>
+            <a:r>
+              <a:rPr lang="fr-FR" dirty="0" smtClean="0">
+                <a:solidFill>
+                  <a:srgbClr val="A4CA39"/>
+                </a:solidFill>
+              </a:rPr>
+              <a:t>Merci de votre attention…</a:t>
+            </a:r>
+            <a:endParaRPr lang="fr-FR" dirty="0">
+              <a:solidFill>
+                <a:srgbClr val="A4CA39"/>
+              </a:solidFill>
+            </a:endParaRPr>
+          </a:p>
+        </p:txBody>
+      </p:sp>
+      <p:sp>
+        <p:nvSpPr>
+          <p:cNvPr id="4" name="Espace réservé du pied de page 3"/>
+          <p:cNvSpPr>
+            <a:spLocks noGrp="1"/>
+          </p:cNvSpPr>
+          <p:nvPr>
+            <p:ph type="ftr" sz="quarter" idx="11"/>
+          </p:nvPr>
+        </p:nvSpPr>
+        <p:spPr/>
+        <p:txBody>
+          <a:bodyPr/>
+          <a:lstStyle/>
+          <a:p>
+            <a:r>
+              <a:rPr lang="fr-FR" smtClean="0"/>
+              <a:t>M1 MIAGE  - 2010/2011</a:t>
+            </a:r>
+          </a:p>
+          <a:p>
+            <a:r>
+              <a:rPr lang="fr-FR" smtClean="0"/>
+              <a:t>Université de Nice Sophia Antipolis</a:t>
+            </a:r>
+            <a:endParaRPr lang="fr-BE" dirty="0"/>
+          </a:p>
+        </p:txBody>
+      </p:sp>
+      <p:sp>
+        <p:nvSpPr>
+          <p:cNvPr id="5" name="Espace réservé du numéro de diapositive 4"/>
+          <p:cNvSpPr>
+            <a:spLocks noGrp="1"/>
+          </p:cNvSpPr>
+          <p:nvPr>
+            <p:ph type="sldNum" sz="quarter" idx="12"/>
+          </p:nvPr>
+        </p:nvSpPr>
+        <p:spPr/>
+        <p:txBody>
+          <a:bodyPr/>
+          <a:lstStyle/>
+          <a:p>
+            <a:fld id="{CF4668DC-857F-487D-BFFA-8C0CA5037977}" type="slidenum">
+              <a:rPr lang="fr-BE" smtClean="0"/>
+              <a:pPr/>
+              <a:t>8</a:t>
+            </a:fld>
+            <a:r>
+              <a:rPr lang="fr-BE" smtClean="0"/>
+              <a:t> sur ?</a:t>
+            </a:r>
+            <a:endParaRPr lang="fr-BE" dirty="0"/>
+          </a:p>
+        </p:txBody>
+      </p:sp>
+      <p:pic>
+        <p:nvPicPr>
+          <p:cNvPr id="11" name="Image 10" descr="bugdroid_question.PNG"/>
+          <p:cNvPicPr>
+            <a:picLocks noChangeAspect="1"/>
+          </p:cNvPicPr>
+          <p:nvPr/>
+        </p:nvPicPr>
+        <p:blipFill>
+          <a:blip r:embed="rId2" cstate="print"/>
+          <a:stretch>
+            <a:fillRect/>
+          </a:stretch>
+        </p:blipFill>
+        <p:spPr>
+          <a:xfrm>
+            <a:off x="2721564" y="1557272"/>
+            <a:ext cx="3662609" cy="4320000"/>
+          </a:xfrm>
+          <a:prstGeom prst="rect">
+            <a:avLst/>
+          </a:prstGeom>
+        </p:spPr>
+      </p:pic>
+    </p:spTree>
+  </p:cSld>
+  <p:clrMapOvr>
+    <a:masterClrMapping/>
+  </p:clrMapOvr>
+  <p:transition>
+    <p:randomBar/>
+  </p:transition>
   <p:timing>
     <p:tnLst>
       <p:par>
@@ -3407,4 +6395,287 @@
   <a:objectDefaults/>
   <a:extraClrSchemeLst/>
 </a:theme>
+</file>
+
+<file path=ppt/theme/theme2.xml><?xml version="1.0" encoding="utf-8"?>
+<a:theme xmlns:a="http://schemas.openxmlformats.org/drawingml/2006/main" name="Thème Office">
+  <a:themeElements>
+    <a:clrScheme name="Office">
+      <a:dk1>
+        <a:sysClr val="windowText" lastClr="000000"/>
+      </a:dk1>
+      <a:lt1>
+        <a:sysClr val="window" lastClr="FFFFFF"/>
+      </a:lt1>
+      <a:dk2>
+        <a:srgbClr val="1F497D"/>
+      </a:dk2>
+      <a:lt2>
+        <a:srgbClr val="EEECE1"/>
+      </a:lt2>
+      <a:accent1>
+        <a:srgbClr val="4F81BD"/>
+      </a:accent1>
+      <a:accent2>
+        <a:srgbClr val="C0504D"/>
+      </a:accent2>
+      <a:accent3>
+        <a:srgbClr val="9BBB59"/>
+      </a:accent3>
+      <a:accent4>
+        <a:srgbClr val="8064A2"/>
+      </a:accent4>
+      <a:accent5>
+        <a:srgbClr val="4BACC6"/>
+      </a:accent5>
+      <a:accent6>
+        <a:srgbClr val="F79646"/>
+      </a:accent6>
+      <a:hlink>
+        <a:srgbClr val="0000FF"/>
+      </a:hlink>
+      <a:folHlink>
+        <a:srgbClr val="800080"/>
+      </a:folHlink>
+    </a:clrScheme>
+    <a:fontScheme name="Office">
+      <a:majorFont>
+        <a:latin typeface="Calibri"/>
+        <a:ea typeface=""/>
+        <a:cs typeface=""/>
+        <a:font script="Jpan" typeface="ＭＳ Ｐゴシック"/>
+        <a:font script="Hang" typeface="맑은 고딕"/>
+        <a:font script="Hans" typeface="宋体"/>
+        <a:font script="Hant" typeface="新細明體"/>
+        <a:font script="Arab" typeface="Times New Roman"/>
+        <a:font script="Hebr" typeface="Times New Roman"/>
+        <a:font script="Thai" typeface="Angsana New"/>
+        <a:font script="Ethi" typeface="Nyala"/>
+        <a:font script="Beng" typeface="Vrinda"/>
+        <a:font script="Gujr" typeface="Shruti"/>
+        <a:font script="Khmr" typeface="MoolBoran"/>
+        <a:font script="Knda" typeface="Tunga"/>
+        <a:font script="Guru" typeface="Raavi"/>
+        <a:font script="Cans" typeface="Euphemia"/>
+        <a:font script="Cher" typeface="Plantagenet Cherokee"/>
+        <a:font script="Yiii" typeface="Microsoft Yi Baiti"/>
+        <a:font script="Tibt" typeface="Microsoft Himalaya"/>
+        <a:font script="Thaa" typeface="MV Boli"/>
+        <a:font script="Deva" typeface="Mangal"/>
+        <a:font script="Telu" typeface="Gautami"/>
+        <a:font script="Taml" typeface="Latha"/>
+        <a:font script="Syrc" typeface="Estrangelo Edessa"/>
+        <a:font script="Orya" typeface="Kalinga"/>
+        <a:font script="Mlym" typeface="Kartika"/>
+        <a:font script="Laoo" typeface="DokChampa"/>
+        <a:font script="Sinh" typeface="Iskoola Pota"/>
+        <a:font script="Mong" typeface="Mongolian Baiti"/>
+        <a:font script="Viet" typeface="Times New Roman"/>
+        <a:font script="Uigh" typeface="Microsoft Uighur"/>
+      </a:majorFont>
+      <a:minorFont>
+        <a:latin typeface="Calibri"/>
+        <a:ea typeface=""/>
+        <a:cs typeface=""/>
+        <a:font script="Jpan" typeface="ＭＳ Ｐゴシック"/>
+        <a:font script="Hang" typeface="맑은 고딕"/>
+        <a:font script="Hans" typeface="宋体"/>
+        <a:font script="Hant" typeface="新細明體"/>
+        <a:font script="Arab" typeface="Arial"/>
+        <a:font script="Hebr" typeface="Arial"/>
+        <a:font script="Thai" typeface="Cordia New"/>
+        <a:font script="Ethi" typeface="Nyala"/>
+        <a:font script="Beng" typeface="Vrinda"/>
+        <a:font script="Gujr" typeface="Shruti"/>
+        <a:font script="Khmr" typeface="DaunPenh"/>
+        <a:font script="Knda" typeface="Tunga"/>
+        <a:font script="Guru" typeface="Raavi"/>
+        <a:font script="Cans" typeface="Euphemia"/>
+        <a:font script="Cher" typeface="Plantagenet Cherokee"/>
+        <a:font script="Yiii" typeface="Microsoft Yi Baiti"/>
+        <a:font script="Tibt" typeface="Microsoft Himalaya"/>
+        <a:font script="Thaa" typeface="MV Boli"/>
+        <a:font script="Deva" typeface="Mangal"/>
+        <a:font script="Telu" typeface="Gautami"/>
+        <a:font script="Taml" typeface="Latha"/>
+        <a:font script="Syrc" typeface="Estrangelo Edessa"/>
+        <a:font script="Orya" typeface="Kalinga"/>
+        <a:font script="Mlym" typeface="Kartika"/>
+        <a:font script="Laoo" typeface="DokChampa"/>
+        <a:font script="Sinh" typeface="Iskoola Pota"/>
+        <a:font script="Mong" typeface="Mongolian Baiti"/>
+        <a:font script="Viet" typeface="Arial"/>
+        <a:font script="Uigh" typeface="Microsoft Uighur"/>
+      </a:minorFont>
+    </a:fontScheme>
+    <a:fmtScheme name="Office">
+      <a:fillStyleLst>
+        <a:solidFill>
+          <a:schemeClr val="phClr"/>
+        </a:solidFill>
+        <a:gradFill rotWithShape="1">
+          <a:gsLst>
+            <a:gs pos="0">
+              <a:schemeClr val="phClr">
+                <a:tint val="50000"/>
+                <a:satMod val="300000"/>
+              </a:schemeClr>
+            </a:gs>
+            <a:gs pos="35000">
+              <a:schemeClr val="phClr">
+                <a:tint val="37000"/>
+                <a:satMod val="300000"/>
+              </a:schemeClr>
+            </a:gs>
+            <a:gs pos="100000">
+              <a:schemeClr val="phClr">
+                <a:tint val="15000"/>
+                <a:satMod val="350000"/>
+              </a:schemeClr>
+            </a:gs>
+          </a:gsLst>
+          <a:lin ang="16200000" scaled="1"/>
+        </a:gradFill>
+        <a:gradFill rotWithShape="1">
+          <a:gsLst>
+            <a:gs pos="0">
+              <a:schemeClr val="phClr">
+                <a:shade val="51000"/>
+                <a:satMod val="130000"/>
+              </a:schemeClr>
+            </a:gs>
+            <a:gs pos="80000">
+              <a:schemeClr val="phClr">
+                <a:shade val="93000"/>
+                <a:satMod val="130000"/>
+              </a:schemeClr>
+            </a:gs>
+            <a:gs pos="100000">
+              <a:schemeClr val="phClr">
+                <a:shade val="94000"/>
+                <a:satMod val="135000"/>
+              </a:schemeClr>
+            </a:gs>
+          </a:gsLst>
+          <a:lin ang="16200000" scaled="0"/>
+        </a:gradFill>
+      </a:fillStyleLst>
+      <a:lnStyleLst>
+        <a:ln w="9525" cap="flat" cmpd="sng" algn="ctr">
+          <a:solidFill>
+            <a:schemeClr val="phClr">
+              <a:shade val="95000"/>
+              <a:satMod val="105000"/>
+            </a:schemeClr>
+          </a:solidFill>
+          <a:prstDash val="solid"/>
+        </a:ln>
+        <a:ln w="25400" cap="flat" cmpd="sng" algn="ctr">
+          <a:solidFill>
+            <a:schemeClr val="phClr"/>
+          </a:solidFill>
+          <a:prstDash val="solid"/>
+        </a:ln>
+        <a:ln w="38100" cap="flat" cmpd="sng" algn="ctr">
+          <a:solidFill>
+            <a:schemeClr val="phClr"/>
+          </a:solidFill>
+          <a:prstDash val="solid"/>
+        </a:ln>
+      </a:lnStyleLst>
+      <a:effectStyleLst>
+        <a:effectStyle>
+          <a:effectLst>
+            <a:outerShdw blurRad="40000" dist="20000" dir="5400000" rotWithShape="0">
+              <a:srgbClr val="000000">
+                <a:alpha val="38000"/>
+              </a:srgbClr>
+            </a:outerShdw>
+          </a:effectLst>
+        </a:effectStyle>
+        <a:effectStyle>
+          <a:effectLst>
+            <a:outerShdw blurRad="40000" dist="23000" dir="5400000" rotWithShape="0">
+              <a:srgbClr val="000000">
+                <a:alpha val="35000"/>
+              </a:srgbClr>
+            </a:outerShdw>
+          </a:effectLst>
+        </a:effectStyle>
+        <a:effectStyle>
+          <a:effectLst>
+            <a:outerShdw blurRad="40000" dist="23000" dir="5400000" rotWithShape="0">
+              <a:srgbClr val="000000">
+                <a:alpha val="35000"/>
+              </a:srgbClr>
+            </a:outerShdw>
+          </a:effectLst>
+          <a:scene3d>
+            <a:camera prst="orthographicFront">
+              <a:rot lat="0" lon="0" rev="0"/>
+            </a:camera>
+            <a:lightRig rig="threePt" dir="t">
+              <a:rot lat="0" lon="0" rev="1200000"/>
+            </a:lightRig>
+          </a:scene3d>
+          <a:sp3d>
+            <a:bevelT w="63500" h="25400"/>
+          </a:sp3d>
+        </a:effectStyle>
+      </a:effectStyleLst>
+      <a:bgFillStyleLst>
+        <a:solidFill>
+          <a:schemeClr val="phClr"/>
+        </a:solidFill>
+        <a:gradFill rotWithShape="1">
+          <a:gsLst>
+            <a:gs pos="0">
+              <a:schemeClr val="phClr">
+                <a:tint val="40000"/>
+                <a:satMod val="350000"/>
+              </a:schemeClr>
+            </a:gs>
+            <a:gs pos="40000">
+              <a:schemeClr val="phClr">
+                <a:tint val="45000"/>
+                <a:shade val="99000"/>
+                <a:satMod val="350000"/>
+              </a:schemeClr>
+            </a:gs>
+            <a:gs pos="100000">
+              <a:schemeClr val="phClr">
+                <a:shade val="20000"/>
+                <a:satMod val="255000"/>
+              </a:schemeClr>
+            </a:gs>
+          </a:gsLst>
+          <a:path path="circle">
+            <a:fillToRect l="50000" t="-80000" r="50000" b="180000"/>
+          </a:path>
+        </a:gradFill>
+        <a:gradFill rotWithShape="1">
+          <a:gsLst>
+            <a:gs pos="0">
+              <a:schemeClr val="phClr">
+                <a:tint val="80000"/>
+                <a:satMod val="300000"/>
+              </a:schemeClr>
+            </a:gs>
+            <a:gs pos="100000">
+              <a:schemeClr val="phClr">
+                <a:shade val="30000"/>
+                <a:satMod val="200000"/>
+              </a:schemeClr>
+            </a:gs>
+          </a:gsLst>
+          <a:path path="circle">
+            <a:fillToRect l="50000" t="50000" r="50000" b="50000"/>
+          </a:path>
+        </a:gradFill>
+      </a:bgFillStyleLst>
+    </a:fmtScheme>
+  </a:themeElements>
+  <a:objectDefaults/>
+  <a:extraClrSchemeLst/>
+</a:theme>
 </file>
--- a/trunk/AAP/docs/Presentation.pptx
+++ b/trunk/AAP/docs/Presentation.pptx
@@ -5,17 +5,25 @@
     <p:sldMasterId id="2147483648" r:id="rId1"/>
   </p:sldMasterIdLst>
   <p:notesMasterIdLst>
-    <p:notesMasterId r:id="rId10"/>
+    <p:notesMasterId r:id="rId18"/>
   </p:notesMasterIdLst>
   <p:sldIdLst>
     <p:sldId id="256" r:id="rId2"/>
     <p:sldId id="257" r:id="rId3"/>
-    <p:sldId id="258" r:id="rId4"/>
-    <p:sldId id="260" r:id="rId5"/>
+    <p:sldId id="260" r:id="rId4"/>
+    <p:sldId id="265" r:id="rId5"/>
     <p:sldId id="261" r:id="rId6"/>
-    <p:sldId id="262" r:id="rId7"/>
-    <p:sldId id="263" r:id="rId8"/>
-    <p:sldId id="259" r:id="rId9"/>
+    <p:sldId id="272" r:id="rId7"/>
+    <p:sldId id="266" r:id="rId8"/>
+    <p:sldId id="262" r:id="rId9"/>
+    <p:sldId id="263" r:id="rId10"/>
+    <p:sldId id="267" r:id="rId11"/>
+    <p:sldId id="268" r:id="rId12"/>
+    <p:sldId id="269" r:id="rId13"/>
+    <p:sldId id="264" r:id="rId14"/>
+    <p:sldId id="271" r:id="rId15"/>
+    <p:sldId id="270" r:id="rId16"/>
+    <p:sldId id="259" r:id="rId17"/>
   </p:sldIdLst>
   <p:sldSz cx="9144000" cy="6858000" type="screen4x3"/>
   <p:notesSz cx="6858000" cy="9144000"/>
@@ -199,7 +207,8 @@
           <a:p>
             <a:fld id="{9F7A5740-AB0E-48E6-BCE9-09FA638B6FD3}" type="datetimeFigureOut">
               <a:rPr lang="fr-FR" smtClean="0"/>
-              <a:t>31/05/2011</a:t>
+              <a:pPr/>
+              <a:t>01/06/2011</a:t>
             </a:fld>
             <a:endParaRPr lang="fr-FR"/>
           </a:p>
@@ -360,6 +369,7 @@
           <a:p>
             <a:fld id="{B533835C-9221-4AF6-8BB4-343DB2540EFC}" type="slidenum">
               <a:rPr lang="fr-FR" smtClean="0"/>
+              <a:pPr/>
               <a:t>‹N°›</a:t>
             </a:fld>
             <a:endParaRPr lang="fr-FR"/>
@@ -667,7 +677,8 @@
           <a:p>
             <a:fld id="{DF9D4494-96E0-4406-9347-E80FE7704387}" type="datetime1">
               <a:rPr lang="fr-FR" smtClean="0"/>
-              <a:t>31/05/2011</a:t>
+              <a:pPr/>
+              <a:t>01/06/2011</a:t>
             </a:fld>
             <a:endParaRPr lang="fr-BE"/>
           </a:p>
@@ -923,7 +934,8 @@
           <a:p>
             <a:fld id="{A89CA437-F84A-4BDD-8C20-46077FA11AD7}" type="datetime1">
               <a:rPr lang="fr-FR" smtClean="0"/>
-              <a:t>31/05/2011</a:t>
+              <a:pPr/>
+              <a:t>01/06/2011</a:t>
             </a:fld>
             <a:endParaRPr lang="fr-BE"/>
           </a:p>
@@ -1093,7 +1105,8 @@
           <a:p>
             <a:fld id="{24135A20-DC24-4C20-9F62-FD3DD13F2969}" type="datetime1">
               <a:rPr lang="fr-FR" smtClean="0"/>
-              <a:t>31/05/2011</a:t>
+              <a:pPr/>
+              <a:t>01/06/2011</a:t>
             </a:fld>
             <a:endParaRPr lang="fr-BE"/>
           </a:p>
@@ -1273,7 +1286,8 @@
           <a:p>
             <a:fld id="{C74C95C5-D393-4D2F-A12B-633BD3C7E534}" type="datetime1">
               <a:rPr lang="fr-FR" smtClean="0"/>
-              <a:t>31/05/2011</a:t>
+              <a:pPr/>
+              <a:t>01/06/2011</a:t>
             </a:fld>
             <a:endParaRPr lang="fr-BE"/>
           </a:p>
@@ -1545,7 +1559,7 @@
             <a:lvl1pPr algn="l">
               <a:defRPr>
                 <a:solidFill>
-                  <a:schemeClr val="bg1"/>
+                  <a:srgbClr val="C0F9A9"/>
                 </a:solidFill>
                 <a:latin typeface="Cambria" pitchFamily="18" charset="0"/>
               </a:defRPr>
@@ -1588,7 +1602,7 @@
             <a:lvl1pPr>
               <a:defRPr>
                 <a:solidFill>
-                  <a:schemeClr val="bg1"/>
+                  <a:srgbClr val="C0F9A9"/>
                 </a:solidFill>
                 <a:latin typeface="Cambria" pitchFamily="18" charset="0"/>
               </a:defRPr>
@@ -1662,8 +1676,8 @@
         </p:nvSpPr>
         <p:spPr>
           <a:xfrm>
-            <a:off x="457200" y="34464"/>
-            <a:ext cx="8229600" cy="812408"/>
+            <a:off x="0" y="0"/>
+            <a:ext cx="9144000" cy="836712"/>
           </a:xfrm>
         </p:spPr>
         <p:txBody>
@@ -1674,6 +1688,7 @@
                 <a:solidFill>
                   <a:srgbClr val="A4CA39"/>
                 </a:solidFill>
+                <a:latin typeface="Cambria" pitchFamily="18" charset="0"/>
               </a:defRPr>
             </a:lvl1pPr>
           </a:lstStyle>
@@ -1708,7 +1723,7 @@
             <a:lvl1pPr algn="l">
               <a:defRPr>
                 <a:solidFill>
-                  <a:schemeClr val="bg1"/>
+                  <a:srgbClr val="C0F9A9"/>
                 </a:solidFill>
                 <a:latin typeface="Cambria" pitchFamily="18" charset="0"/>
               </a:defRPr>
@@ -1751,7 +1766,7 @@
             <a:lvl1pPr>
               <a:defRPr>
                 <a:solidFill>
-                  <a:schemeClr val="bg1"/>
+                  <a:srgbClr val="C0F9A9"/>
                 </a:solidFill>
                 <a:latin typeface="Cambria" pitchFamily="18" charset="0"/>
               </a:defRPr>
@@ -1773,58 +1788,21 @@
       </p:sp>
       <p:sp>
         <p:nvSpPr>
-          <p:cNvPr id="11" name="Espace réservé du contenu 10"/>
-          <p:cNvSpPr>
-            <a:spLocks noGrp="1"/>
-          </p:cNvSpPr>
-          <p:nvPr>
-            <p:ph sz="quarter" idx="13"/>
+          <p:cNvPr id="14" name="Espace réservé du contenu 13"/>
+          <p:cNvSpPr>
+            <a:spLocks noGrp="1"/>
+          </p:cNvSpPr>
+          <p:nvPr>
+            <p:ph sz="quarter" idx="14"/>
           </p:nvPr>
         </p:nvSpPr>
         <p:spPr>
           <a:xfrm>
-            <a:off x="0" y="908720"/>
-            <a:ext cx="1763688" cy="5040560"/>
-          </a:xfrm>
-          <a:noFill/>
-        </p:spPr>
-        <p:txBody>
-          <a:bodyPr lIns="0" tIns="36000" rIns="0" bIns="36000"/>
-          <a:lstStyle>
-            <a:lvl2pPr algn="l">
-              <a:buFontTx/>
-              <a:buNone/>
-              <a:defRPr>
-                <a:solidFill>
-                  <a:srgbClr val="D8FBC1"/>
-                </a:solidFill>
-                <a:latin typeface="Cambria" pitchFamily="18" charset="0"/>
-              </a:defRPr>
-            </a:lvl2pPr>
-          </a:lstStyle>
-          <a:p>
-            <a:pPr lvl="1"/>
-            <a:endParaRPr lang="fr-FR" dirty="0"/>
-          </a:p>
-        </p:txBody>
-      </p:sp>
-      <p:sp>
-        <p:nvSpPr>
-          <p:cNvPr id="14" name="Espace réservé du contenu 13"/>
-          <p:cNvSpPr>
-            <a:spLocks noGrp="1"/>
-          </p:cNvSpPr>
-          <p:nvPr>
-            <p:ph sz="quarter" idx="14"/>
-          </p:nvPr>
-        </p:nvSpPr>
-        <p:spPr>
-          <a:xfrm>
-            <a:off x="1763688" y="908720"/>
-            <a:ext cx="7380312" cy="5112568"/>
+            <a:off x="1763688" y="836712"/>
+            <a:ext cx="7380312" cy="5184576"/>
           </a:xfrm>
           <a:solidFill>
-            <a:schemeClr val="bg1"/>
+            <a:srgbClr val="C0F9A9"/>
           </a:solidFill>
         </p:spPr>
         <p:txBody>
@@ -1890,41 +1868,6 @@
               <a:rPr lang="fr-FR" dirty="0" smtClean="0"/>
               <a:t>Cinquième niveau</a:t>
             </a:r>
-            <a:endParaRPr lang="fr-FR" dirty="0"/>
-          </a:p>
-        </p:txBody>
-      </p:sp>
-      <p:sp>
-        <p:nvSpPr>
-          <p:cNvPr id="18" name="Espace réservé du texte 17"/>
-          <p:cNvSpPr>
-            <a:spLocks noGrp="1"/>
-          </p:cNvSpPr>
-          <p:nvPr>
-            <p:ph type="body" sz="quarter" idx="15"/>
-          </p:nvPr>
-        </p:nvSpPr>
-        <p:spPr>
-          <a:xfrm>
-            <a:off x="0" y="0"/>
-            <a:ext cx="9144000" cy="908720"/>
-          </a:xfrm>
-        </p:spPr>
-        <p:txBody>
-          <a:bodyPr/>
-          <a:lstStyle>
-            <a:lvl1pPr algn="ctr">
-              <a:buNone/>
-              <a:defRPr>
-                <a:solidFill>
-                  <a:srgbClr val="A4CA39"/>
-                </a:solidFill>
-                <a:latin typeface="Cambria" pitchFamily="18" charset="0"/>
-              </a:defRPr>
-            </a:lvl1pPr>
-          </a:lstStyle>
-          <a:p>
-            <a:pPr lvl="0"/>
             <a:endParaRPr lang="fr-FR" dirty="0"/>
           </a:p>
         </p:txBody>
@@ -1953,6 +1896,182 @@
           </a:prstGeom>
         </p:spPr>
       </p:pic>
+      <p:sp>
+        <p:nvSpPr>
+          <p:cNvPr id="26" name="Espace réservé du contenu 25"/>
+          <p:cNvSpPr>
+            <a:spLocks noGrp="1"/>
+          </p:cNvSpPr>
+          <p:nvPr>
+            <p:ph sz="quarter" idx="15" hasCustomPrompt="1"/>
+          </p:nvPr>
+        </p:nvSpPr>
+        <p:spPr>
+          <a:xfrm>
+            <a:off x="0" y="836712"/>
+            <a:ext cx="1763688" cy="5184575"/>
+          </a:xfrm>
+        </p:spPr>
+        <p:txBody>
+          <a:bodyPr lIns="36000" tIns="72000" rIns="0" bIns="0"/>
+          <a:lstStyle>
+            <a:lvl1pPr>
+              <a:buNone/>
+              <a:defRPr sz="3200"/>
+            </a:lvl1pPr>
+          </a:lstStyle>
+          <a:p>
+            <a:pPr marL="457200" indent="-457200">
+              <a:buFont typeface="+mj-lt"/>
+              <a:buAutoNum type="arabicPeriod"/>
+            </a:pPr>
+            <a:r>
+              <a:rPr lang="fr-FR" sz="1400" dirty="0" smtClean="0">
+                <a:solidFill>
+                  <a:srgbClr val="D8FBC1"/>
+                </a:solidFill>
+                <a:latin typeface="Cambria" pitchFamily="18" charset="0"/>
+              </a:rPr>
+              <a:t>Introduction</a:t>
+            </a:r>
+          </a:p>
+          <a:p>
+            <a:pPr marL="457200" indent="-457200">
+              <a:buFont typeface="+mj-lt"/>
+              <a:buAutoNum type="arabicPeriod"/>
+            </a:pPr>
+            <a:endParaRPr lang="fr-FR" sz="1400" dirty="0" smtClean="0">
+              <a:solidFill>
+                <a:srgbClr val="D8FBC1"/>
+              </a:solidFill>
+              <a:latin typeface="Cambria" pitchFamily="18" charset="0"/>
+            </a:endParaRPr>
+          </a:p>
+          <a:p>
+            <a:pPr marL="457200" indent="-457200">
+              <a:buFont typeface="+mj-lt"/>
+              <a:buAutoNum type="arabicPeriod"/>
+            </a:pPr>
+            <a:r>
+              <a:rPr lang="fr-FR" sz="1400" dirty="0" smtClean="0">
+                <a:solidFill>
+                  <a:srgbClr val="A4CA39"/>
+                </a:solidFill>
+                <a:latin typeface="Cambria" pitchFamily="18" charset="0"/>
+              </a:rPr>
+              <a:t>Déroulement du projet</a:t>
+            </a:r>
+          </a:p>
+          <a:p>
+            <a:pPr marL="457200" indent="-457200">
+              <a:buFont typeface="+mj-lt"/>
+              <a:buAutoNum type="arabicPeriod"/>
+            </a:pPr>
+            <a:endParaRPr lang="fr-FR" sz="1400" dirty="0" smtClean="0">
+              <a:solidFill>
+                <a:srgbClr val="A4CA39"/>
+              </a:solidFill>
+              <a:latin typeface="Cambria" pitchFamily="18" charset="0"/>
+            </a:endParaRPr>
+          </a:p>
+          <a:p>
+            <a:pPr marL="457200" indent="-457200">
+              <a:buFont typeface="+mj-lt"/>
+              <a:buAutoNum type="arabicPeriod"/>
+            </a:pPr>
+            <a:r>
+              <a:rPr lang="fr-FR" sz="1400" dirty="0" smtClean="0">
+                <a:solidFill>
+                  <a:srgbClr val="A4CA39"/>
+                </a:solidFill>
+                <a:latin typeface="Cambria" pitchFamily="18" charset="0"/>
+              </a:rPr>
+              <a:t>Outils et méthodologies utilisés</a:t>
+            </a:r>
+          </a:p>
+          <a:p>
+            <a:pPr marL="457200" indent="-457200">
+              <a:buFont typeface="+mj-lt"/>
+              <a:buAutoNum type="arabicPeriod"/>
+            </a:pPr>
+            <a:endParaRPr lang="fr-FR" sz="1400" dirty="0" smtClean="0">
+              <a:solidFill>
+                <a:srgbClr val="A4CA39"/>
+              </a:solidFill>
+              <a:latin typeface="Cambria" pitchFamily="18" charset="0"/>
+            </a:endParaRPr>
+          </a:p>
+          <a:p>
+            <a:pPr marL="457200" indent="-457200">
+              <a:buFont typeface="+mj-lt"/>
+              <a:buAutoNum type="arabicPeriod"/>
+            </a:pPr>
+            <a:r>
+              <a:rPr lang="fr-FR" sz="1400" dirty="0" smtClean="0">
+                <a:solidFill>
+                  <a:srgbClr val="A4CA39"/>
+                </a:solidFill>
+                <a:latin typeface="Cambria" pitchFamily="18" charset="0"/>
+              </a:rPr>
+              <a:t>Fonctionnalités</a:t>
+            </a:r>
+          </a:p>
+          <a:p>
+            <a:pPr marL="457200" indent="-457200">
+              <a:buFont typeface="+mj-lt"/>
+              <a:buAutoNum type="arabicPeriod"/>
+            </a:pPr>
+            <a:endParaRPr lang="fr-FR" sz="1400" dirty="0" smtClean="0">
+              <a:solidFill>
+                <a:srgbClr val="A4CA39"/>
+              </a:solidFill>
+              <a:latin typeface="Cambria" pitchFamily="18" charset="0"/>
+            </a:endParaRPr>
+          </a:p>
+          <a:p>
+            <a:pPr marL="457200" indent="-457200">
+              <a:buFont typeface="+mj-lt"/>
+              <a:buAutoNum type="arabicPeriod"/>
+            </a:pPr>
+            <a:r>
+              <a:rPr lang="fr-FR" sz="1400" dirty="0" smtClean="0">
+                <a:solidFill>
+                  <a:srgbClr val="A4CA39"/>
+                </a:solidFill>
+                <a:latin typeface="Cambria" pitchFamily="18" charset="0"/>
+              </a:rPr>
+              <a:t>Démonstration</a:t>
+            </a:r>
+          </a:p>
+          <a:p>
+            <a:pPr marL="457200" indent="-457200">
+              <a:buFont typeface="+mj-lt"/>
+              <a:buAutoNum type="arabicPeriod"/>
+            </a:pPr>
+            <a:endParaRPr lang="fr-FR" sz="1400" dirty="0" smtClean="0">
+              <a:solidFill>
+                <a:srgbClr val="A4CA39"/>
+              </a:solidFill>
+              <a:latin typeface="Cambria" pitchFamily="18" charset="0"/>
+            </a:endParaRPr>
+          </a:p>
+          <a:p>
+            <a:pPr marL="457200" indent="-457200">
+              <a:buFont typeface="+mj-lt"/>
+              <a:buAutoNum type="arabicPeriod"/>
+            </a:pPr>
+            <a:r>
+              <a:rPr lang="fr-FR" sz="1400" dirty="0" smtClean="0">
+                <a:solidFill>
+                  <a:srgbClr val="A4CA39"/>
+                </a:solidFill>
+                <a:latin typeface="Cambria" pitchFamily="18" charset="0"/>
+              </a:rPr>
+              <a:t>Conclusion</a:t>
+            </a:r>
+          </a:p>
+        </p:txBody>
+      </p:sp>
     </p:spTree>
   </p:cSld>
   <p:clrMapOvr>
@@ -2149,7 +2268,8 @@
           <a:p>
             <a:fld id="{9DEFE777-74D9-46A9-AF63-ECD7CA5CB743}" type="datetime1">
               <a:rPr lang="fr-FR" smtClean="0"/>
-              <a:t>31/05/2011</a:t>
+              <a:pPr/>
+              <a:t>01/06/2011</a:t>
             </a:fld>
             <a:endParaRPr lang="fr-BE"/>
           </a:p>
@@ -2437,7 +2557,8 @@
           <a:p>
             <a:fld id="{9ACF5AB4-72D0-4411-8F4F-4D9D79E948BF}" type="datetime1">
               <a:rPr lang="fr-FR" smtClean="0"/>
-              <a:t>31/05/2011</a:t>
+              <a:pPr/>
+              <a:t>01/06/2011</a:t>
             </a:fld>
             <a:endParaRPr lang="fr-BE"/>
           </a:p>
@@ -2859,7 +2980,8 @@
           <a:p>
             <a:fld id="{D2811741-81B4-41E5-A5E9-7992F4B62001}" type="datetime1">
               <a:rPr lang="fr-FR" smtClean="0"/>
-              <a:t>31/05/2011</a:t>
+              <a:pPr/>
+              <a:t>01/06/2011</a:t>
             </a:fld>
             <a:endParaRPr lang="fr-BE"/>
           </a:p>
@@ -2977,7 +3099,8 @@
           <a:p>
             <a:fld id="{FA06DA9A-0216-4D5C-BA8D-BFCD89B87CAB}" type="datetime1">
               <a:rPr lang="fr-FR" smtClean="0"/>
-              <a:t>31/05/2011</a:t>
+              <a:pPr/>
+              <a:t>01/06/2011</a:t>
             </a:fld>
             <a:endParaRPr lang="fr-BE"/>
           </a:p>
@@ -3072,7 +3195,8 @@
           <a:p>
             <a:fld id="{3EDB268D-CAC0-4A46-8E29-E987593C3F48}" type="datetime1">
               <a:rPr lang="fr-FR" smtClean="0"/>
-              <a:t>31/05/2011</a:t>
+              <a:pPr/>
+              <a:t>01/06/2011</a:t>
             </a:fld>
             <a:endParaRPr lang="fr-BE"/>
           </a:p>
@@ -3349,7 +3473,8 @@
           <a:p>
             <a:fld id="{5B09ACAE-89F7-4AA2-AF12-DFB25BECD9F8}" type="datetime1">
               <a:rPr lang="fr-FR" smtClean="0"/>
-              <a:t>31/05/2011</a:t>
+              <a:pPr/>
+              <a:t>01/06/2011</a:t>
             </a:fld>
             <a:endParaRPr lang="fr-BE"/>
           </a:p>
@@ -3562,7 +3687,8 @@
           <a:p>
             <a:fld id="{C2D67580-B034-40FA-BDF9-08E33D7DD05F}" type="datetime1">
               <a:rPr lang="fr-FR" smtClean="0"/>
-              <a:t>31/05/2011</a:t>
+              <a:pPr/>
+              <a:t>01/06/2011</a:t>
             </a:fld>
             <a:endParaRPr lang="fr-BE"/>
           </a:p>
@@ -4072,16 +4198,7 @@
                 </a:solidFill>
                 <a:latin typeface="Cambria" pitchFamily="18" charset="0"/>
               </a:rPr>
-              <a:t> </a:t>
-            </a:r>
-            <a:r>
-              <a:rPr lang="fr-FR" dirty="0" smtClean="0">
-                <a:solidFill>
-                  <a:srgbClr val="C0F9A9"/>
-                </a:solidFill>
-                <a:latin typeface="Cambria" pitchFamily="18" charset="0"/>
-              </a:rPr>
-              <a:t>Julien LESPAGNARD</a:t>
+              <a:t> Julien LESPAGNARD</a:t>
             </a:r>
           </a:p>
           <a:p>
@@ -4096,25 +4213,7 @@
                 </a:solidFill>
                 <a:latin typeface="Cambria" pitchFamily="18" charset="0"/>
               </a:rPr>
-              <a:t> </a:t>
-            </a:r>
-            <a:r>
-              <a:rPr lang="fr-FR" dirty="0" smtClean="0">
-                <a:solidFill>
-                  <a:srgbClr val="C0F9A9"/>
-                </a:solidFill>
-                <a:latin typeface="Cambria" pitchFamily="18" charset="0"/>
-              </a:rPr>
-              <a:t>A</a:t>
-            </a:r>
-            <a:r>
-              <a:rPr lang="fr-FR" dirty="0" smtClean="0">
-                <a:solidFill>
-                  <a:srgbClr val="C0F9A9"/>
-                </a:solidFill>
-                <a:latin typeface="Cambria" pitchFamily="18" charset="0"/>
-              </a:rPr>
-              <a:t>nthony BONIN</a:t>
+              <a:t> Anthony BONIN</a:t>
             </a:r>
           </a:p>
           <a:p>
@@ -4129,16 +4228,7 @@
                 </a:solidFill>
                 <a:latin typeface="Cambria" pitchFamily="18" charset="0"/>
               </a:rPr>
-              <a:t> </a:t>
-            </a:r>
-            <a:r>
-              <a:rPr lang="fr-FR" dirty="0" smtClean="0">
-                <a:solidFill>
-                  <a:srgbClr val="C0F9A9"/>
-                </a:solidFill>
-                <a:latin typeface="Cambria" pitchFamily="18" charset="0"/>
-              </a:rPr>
-              <a:t>Élodie MAZUEL</a:t>
+              <a:t> Élodie MAZUEL</a:t>
             </a:r>
           </a:p>
           <a:p>
@@ -4164,6 +4254,2505 @@
           </a:p>
         </p:txBody>
       </p:sp>
+    </p:spTree>
+  </p:cSld>
+  <p:clrMapOvr>
+    <a:masterClrMapping/>
+  </p:clrMapOvr>
+  <p:transition>
+    <p:randomBar/>
+  </p:transition>
+  <p:timing>
+    <p:tnLst>
+      <p:par>
+        <p:cTn id="1" dur="indefinite" restart="never" nodeType="tmRoot"/>
+      </p:par>
+    </p:tnLst>
+  </p:timing>
+</p:sld>
+</file>
+
+<file path=ppt/slides/slide10.xml><?xml version="1.0" encoding="utf-8"?>
+<p:sld xmlns:a="http://schemas.openxmlformats.org/drawingml/2006/main" xmlns:r="http://schemas.openxmlformats.org/officeDocument/2006/relationships" xmlns:p="http://schemas.openxmlformats.org/presentationml/2006/main">
+  <p:cSld>
+    <p:spTree>
+      <p:nvGrpSpPr>
+        <p:cNvPr id="1" name=""/>
+        <p:cNvGrpSpPr/>
+        <p:nvPr/>
+      </p:nvGrpSpPr>
+      <p:grpSpPr>
+        <a:xfrm>
+          <a:off x="0" y="0"/>
+          <a:ext cx="0" cy="0"/>
+          <a:chOff x="0" y="0"/>
+          <a:chExt cx="0" cy="0"/>
+        </a:xfrm>
+      </p:grpSpPr>
+      <p:sp>
+        <p:nvSpPr>
+          <p:cNvPr id="6" name="Titre 5"/>
+          <p:cNvSpPr>
+            <a:spLocks noGrp="1"/>
+          </p:cNvSpPr>
+          <p:nvPr>
+            <p:ph type="title"/>
+          </p:nvPr>
+        </p:nvSpPr>
+        <p:spPr/>
+        <p:txBody>
+          <a:bodyPr/>
+          <a:lstStyle/>
+          <a:p>
+            <a:r>
+              <a:rPr lang="fr-FR" dirty="0" smtClean="0"/>
+              <a:t>Fonctionnalités</a:t>
+            </a:r>
+            <a:endParaRPr lang="fr-FR" dirty="0"/>
+          </a:p>
+        </p:txBody>
+      </p:sp>
+      <p:sp>
+        <p:nvSpPr>
+          <p:cNvPr id="4" name="Espace réservé du pied de page 3"/>
+          <p:cNvSpPr>
+            <a:spLocks noGrp="1"/>
+          </p:cNvSpPr>
+          <p:nvPr>
+            <p:ph type="ftr" sz="quarter" idx="11"/>
+          </p:nvPr>
+        </p:nvSpPr>
+        <p:spPr/>
+        <p:txBody>
+          <a:bodyPr/>
+          <a:lstStyle/>
+          <a:p>
+            <a:r>
+              <a:rPr lang="fr-FR" smtClean="0"/>
+              <a:t>M1 MIAGE  - 2010/2011</a:t>
+            </a:r>
+          </a:p>
+          <a:p>
+            <a:r>
+              <a:rPr lang="fr-FR" smtClean="0"/>
+              <a:t>Université de Nice Sophia Antipolis</a:t>
+            </a:r>
+            <a:endParaRPr lang="fr-BE" dirty="0"/>
+          </a:p>
+        </p:txBody>
+      </p:sp>
+      <p:sp>
+        <p:nvSpPr>
+          <p:cNvPr id="5" name="Espace réservé du numéro de diapositive 4"/>
+          <p:cNvSpPr>
+            <a:spLocks noGrp="1"/>
+          </p:cNvSpPr>
+          <p:nvPr>
+            <p:ph type="sldNum" sz="quarter" idx="12"/>
+          </p:nvPr>
+        </p:nvSpPr>
+        <p:spPr/>
+        <p:txBody>
+          <a:bodyPr/>
+          <a:lstStyle/>
+          <a:p>
+            <a:fld id="{CF4668DC-857F-487D-BFFA-8C0CA5037977}" type="slidenum">
+              <a:rPr lang="fr-BE" smtClean="0"/>
+              <a:pPr/>
+              <a:t>10</a:t>
+            </a:fld>
+            <a:r>
+              <a:rPr lang="fr-BE" smtClean="0"/>
+              <a:t> sur ?</a:t>
+            </a:r>
+            <a:endParaRPr lang="fr-BE" dirty="0"/>
+          </a:p>
+        </p:txBody>
+      </p:sp>
+      <p:sp>
+        <p:nvSpPr>
+          <p:cNvPr id="7" name="Espace réservé du contenu 6"/>
+          <p:cNvSpPr>
+            <a:spLocks noGrp="1"/>
+          </p:cNvSpPr>
+          <p:nvPr>
+            <p:ph sz="quarter" idx="14"/>
+          </p:nvPr>
+        </p:nvSpPr>
+        <p:spPr/>
+        <p:txBody>
+          <a:bodyPr/>
+          <a:lstStyle/>
+          <a:p>
+            <a:pPr>
+              <a:buFont typeface="Wingdings" pitchFamily="2" charset="2"/>
+              <a:buChar char="Ø"/>
+            </a:pPr>
+            <a:r>
+              <a:rPr lang="fr-FR" dirty="0" smtClean="0">
+                <a:solidFill>
+                  <a:schemeClr val="tx2">
+                    <a:lumMod val="75000"/>
+                  </a:schemeClr>
+                </a:solidFill>
+              </a:rPr>
+              <a:t>La « </a:t>
+            </a:r>
+            <a:r>
+              <a:rPr lang="fr-FR" dirty="0" err="1" smtClean="0">
+                <a:solidFill>
+                  <a:schemeClr val="tx2">
+                    <a:lumMod val="75000"/>
+                  </a:schemeClr>
+                </a:solidFill>
+              </a:rPr>
+              <a:t>loop</a:t>
+            </a:r>
+            <a:r>
+              <a:rPr lang="fr-FR" dirty="0" smtClean="0">
+                <a:solidFill>
+                  <a:schemeClr val="tx2">
+                    <a:lumMod val="75000"/>
+                  </a:schemeClr>
+                </a:solidFill>
+              </a:rPr>
+              <a:t> »</a:t>
+            </a:r>
+            <a:endParaRPr lang="fr-FR" dirty="0">
+              <a:solidFill>
+                <a:schemeClr val="tx2">
+                  <a:lumMod val="75000"/>
+                </a:schemeClr>
+              </a:solidFill>
+            </a:endParaRPr>
+          </a:p>
+        </p:txBody>
+      </p:sp>
+      <p:sp>
+        <p:nvSpPr>
+          <p:cNvPr id="8" name="Espace réservé du contenu 7"/>
+          <p:cNvSpPr>
+            <a:spLocks noGrp="1"/>
+          </p:cNvSpPr>
+          <p:nvPr>
+            <p:ph sz="quarter" idx="15"/>
+          </p:nvPr>
+        </p:nvSpPr>
+        <p:spPr/>
+        <p:txBody>
+          <a:bodyPr>
+            <a:normAutofit/>
+          </a:bodyPr>
+          <a:lstStyle/>
+          <a:p>
+            <a:pPr marL="457200" indent="-457200">
+              <a:buFont typeface="+mj-lt"/>
+              <a:buAutoNum type="arabicPeriod"/>
+            </a:pPr>
+            <a:r>
+              <a:rPr lang="fr-FR" sz="1400" dirty="0" smtClean="0">
+                <a:solidFill>
+                  <a:srgbClr val="A4CA39"/>
+                </a:solidFill>
+                <a:latin typeface="Cambria" pitchFamily="18" charset="0"/>
+              </a:rPr>
+              <a:t>Introduction</a:t>
+            </a:r>
+          </a:p>
+          <a:p>
+            <a:pPr marL="457200" indent="-457200">
+              <a:buFont typeface="+mj-lt"/>
+              <a:buAutoNum type="arabicPeriod"/>
+            </a:pPr>
+            <a:endParaRPr lang="fr-FR" sz="1400" dirty="0" smtClean="0">
+              <a:solidFill>
+                <a:srgbClr val="D8FBC1"/>
+              </a:solidFill>
+              <a:latin typeface="Cambria" pitchFamily="18" charset="0"/>
+            </a:endParaRPr>
+          </a:p>
+          <a:p>
+            <a:pPr marL="457200" indent="-457200">
+              <a:buFont typeface="+mj-lt"/>
+              <a:buAutoNum type="arabicPeriod"/>
+            </a:pPr>
+            <a:r>
+              <a:rPr lang="fr-FR" sz="1400" dirty="0" smtClean="0">
+                <a:solidFill>
+                  <a:srgbClr val="A4CA39"/>
+                </a:solidFill>
+                <a:latin typeface="Cambria" pitchFamily="18" charset="0"/>
+              </a:rPr>
+              <a:t>Déroulement du projet</a:t>
+            </a:r>
+          </a:p>
+          <a:p>
+            <a:pPr marL="457200" indent="-457200">
+              <a:buFont typeface="+mj-lt"/>
+              <a:buAutoNum type="arabicPeriod"/>
+            </a:pPr>
+            <a:endParaRPr lang="fr-FR" sz="1400" dirty="0" smtClean="0">
+              <a:solidFill>
+                <a:srgbClr val="A4CA39"/>
+              </a:solidFill>
+              <a:latin typeface="Cambria" pitchFamily="18" charset="0"/>
+            </a:endParaRPr>
+          </a:p>
+          <a:p>
+            <a:pPr marL="457200" indent="-457200">
+              <a:buFont typeface="+mj-lt"/>
+              <a:buAutoNum type="arabicPeriod"/>
+            </a:pPr>
+            <a:r>
+              <a:rPr lang="fr-FR" sz="1400" dirty="0" smtClean="0">
+                <a:solidFill>
+                  <a:srgbClr val="A4CA39"/>
+                </a:solidFill>
+                <a:latin typeface="Cambria" pitchFamily="18" charset="0"/>
+              </a:rPr>
+              <a:t>Outils et méthodologies utilisés</a:t>
+            </a:r>
+          </a:p>
+          <a:p>
+            <a:pPr marL="457200" indent="-457200">
+              <a:buFont typeface="+mj-lt"/>
+              <a:buAutoNum type="arabicPeriod"/>
+            </a:pPr>
+            <a:endParaRPr lang="fr-FR" sz="1400" dirty="0" smtClean="0">
+              <a:solidFill>
+                <a:srgbClr val="A4CA39"/>
+              </a:solidFill>
+              <a:latin typeface="Cambria" pitchFamily="18" charset="0"/>
+            </a:endParaRPr>
+          </a:p>
+          <a:p>
+            <a:pPr marL="457200" indent="-457200">
+              <a:buFont typeface="+mj-lt"/>
+              <a:buAutoNum type="arabicPeriod"/>
+            </a:pPr>
+            <a:r>
+              <a:rPr lang="fr-FR" sz="1400" dirty="0" smtClean="0">
+                <a:solidFill>
+                  <a:srgbClr val="D8FBC1"/>
+                </a:solidFill>
+                <a:latin typeface="Cambria" pitchFamily="18" charset="0"/>
+              </a:rPr>
+              <a:t>Fonctionnalités</a:t>
+            </a:r>
+            <a:endParaRPr lang="fr-FR" sz="1400" dirty="0" smtClean="0">
+              <a:solidFill>
+                <a:srgbClr val="A4CA39"/>
+              </a:solidFill>
+              <a:latin typeface="Cambria" pitchFamily="18" charset="0"/>
+            </a:endParaRPr>
+          </a:p>
+          <a:p>
+            <a:pPr marL="457200" indent="-457200">
+              <a:buFont typeface="+mj-lt"/>
+              <a:buAutoNum type="arabicPeriod"/>
+            </a:pPr>
+            <a:endParaRPr lang="fr-FR" sz="1400" dirty="0" smtClean="0">
+              <a:solidFill>
+                <a:srgbClr val="A4CA39"/>
+              </a:solidFill>
+              <a:latin typeface="Cambria" pitchFamily="18" charset="0"/>
+            </a:endParaRPr>
+          </a:p>
+          <a:p>
+            <a:pPr marL="457200" indent="-457200">
+              <a:buFont typeface="+mj-lt"/>
+              <a:buAutoNum type="arabicPeriod"/>
+            </a:pPr>
+            <a:r>
+              <a:rPr lang="fr-FR" sz="1400" dirty="0" smtClean="0">
+                <a:solidFill>
+                  <a:srgbClr val="A4CA39"/>
+                </a:solidFill>
+                <a:latin typeface="Cambria" pitchFamily="18" charset="0"/>
+              </a:rPr>
+              <a:t>Démonstration</a:t>
+            </a:r>
+            <a:endParaRPr lang="fr-FR" sz="1400" dirty="0" smtClean="0">
+              <a:solidFill>
+                <a:srgbClr val="D8FBC1"/>
+              </a:solidFill>
+              <a:latin typeface="Cambria" pitchFamily="18" charset="0"/>
+            </a:endParaRPr>
+          </a:p>
+          <a:p>
+            <a:pPr marL="457200" indent="-457200">
+              <a:buFont typeface="+mj-lt"/>
+              <a:buAutoNum type="arabicPeriod"/>
+            </a:pPr>
+            <a:endParaRPr lang="fr-FR" sz="1400" dirty="0" smtClean="0">
+              <a:solidFill>
+                <a:srgbClr val="A4CA39"/>
+              </a:solidFill>
+              <a:latin typeface="Cambria" pitchFamily="18" charset="0"/>
+            </a:endParaRPr>
+          </a:p>
+          <a:p>
+            <a:pPr marL="457200" indent="-457200">
+              <a:buFont typeface="+mj-lt"/>
+              <a:buAutoNum type="arabicPeriod"/>
+            </a:pPr>
+            <a:r>
+              <a:rPr lang="fr-FR" sz="1400" dirty="0" smtClean="0">
+                <a:solidFill>
+                  <a:srgbClr val="A4CA39"/>
+                </a:solidFill>
+                <a:latin typeface="Cambria" pitchFamily="18" charset="0"/>
+              </a:rPr>
+              <a:t>Conclusion</a:t>
+            </a:r>
+          </a:p>
+          <a:p>
+            <a:endParaRPr lang="fr-FR" dirty="0"/>
+          </a:p>
+        </p:txBody>
+      </p:sp>
+    </p:spTree>
+  </p:cSld>
+  <p:clrMapOvr>
+    <a:masterClrMapping/>
+  </p:clrMapOvr>
+  <p:transition>
+    <p:fade/>
+  </p:transition>
+  <p:timing>
+    <p:tnLst>
+      <p:par>
+        <p:cTn id="1" dur="indefinite" restart="never" nodeType="tmRoot"/>
+      </p:par>
+    </p:tnLst>
+  </p:timing>
+</p:sld>
+</file>
+
+<file path=ppt/slides/slide11.xml><?xml version="1.0" encoding="utf-8"?>
+<p:sld xmlns:a="http://schemas.openxmlformats.org/drawingml/2006/main" xmlns:r="http://schemas.openxmlformats.org/officeDocument/2006/relationships" xmlns:p="http://schemas.openxmlformats.org/presentationml/2006/main">
+  <p:cSld>
+    <p:spTree>
+      <p:nvGrpSpPr>
+        <p:cNvPr id="1" name=""/>
+        <p:cNvGrpSpPr/>
+        <p:nvPr/>
+      </p:nvGrpSpPr>
+      <p:grpSpPr>
+        <a:xfrm>
+          <a:off x="0" y="0"/>
+          <a:ext cx="0" cy="0"/>
+          <a:chOff x="0" y="0"/>
+          <a:chExt cx="0" cy="0"/>
+        </a:xfrm>
+      </p:grpSpPr>
+      <p:sp>
+        <p:nvSpPr>
+          <p:cNvPr id="6" name="Titre 5"/>
+          <p:cNvSpPr>
+            <a:spLocks noGrp="1"/>
+          </p:cNvSpPr>
+          <p:nvPr>
+            <p:ph type="title"/>
+          </p:nvPr>
+        </p:nvSpPr>
+        <p:spPr/>
+        <p:txBody>
+          <a:bodyPr/>
+          <a:lstStyle/>
+          <a:p>
+            <a:r>
+              <a:rPr lang="fr-FR" dirty="0" smtClean="0"/>
+              <a:t>Fonctionnalités</a:t>
+            </a:r>
+            <a:endParaRPr lang="fr-FR" dirty="0"/>
+          </a:p>
+        </p:txBody>
+      </p:sp>
+      <p:sp>
+        <p:nvSpPr>
+          <p:cNvPr id="4" name="Espace réservé du pied de page 3"/>
+          <p:cNvSpPr>
+            <a:spLocks noGrp="1"/>
+          </p:cNvSpPr>
+          <p:nvPr>
+            <p:ph type="ftr" sz="quarter" idx="11"/>
+          </p:nvPr>
+        </p:nvSpPr>
+        <p:spPr/>
+        <p:txBody>
+          <a:bodyPr/>
+          <a:lstStyle/>
+          <a:p>
+            <a:r>
+              <a:rPr lang="fr-FR" smtClean="0"/>
+              <a:t>M1 MIAGE  - 2010/2011</a:t>
+            </a:r>
+          </a:p>
+          <a:p>
+            <a:r>
+              <a:rPr lang="fr-FR" smtClean="0"/>
+              <a:t>Université de Nice Sophia Antipolis</a:t>
+            </a:r>
+            <a:endParaRPr lang="fr-BE" dirty="0"/>
+          </a:p>
+        </p:txBody>
+      </p:sp>
+      <p:sp>
+        <p:nvSpPr>
+          <p:cNvPr id="5" name="Espace réservé du numéro de diapositive 4"/>
+          <p:cNvSpPr>
+            <a:spLocks noGrp="1"/>
+          </p:cNvSpPr>
+          <p:nvPr>
+            <p:ph type="sldNum" sz="quarter" idx="12"/>
+          </p:nvPr>
+        </p:nvSpPr>
+        <p:spPr/>
+        <p:txBody>
+          <a:bodyPr/>
+          <a:lstStyle/>
+          <a:p>
+            <a:fld id="{CF4668DC-857F-487D-BFFA-8C0CA5037977}" type="slidenum">
+              <a:rPr lang="fr-BE" smtClean="0"/>
+              <a:pPr/>
+              <a:t>11</a:t>
+            </a:fld>
+            <a:r>
+              <a:rPr lang="fr-BE" smtClean="0"/>
+              <a:t> sur ?</a:t>
+            </a:r>
+            <a:endParaRPr lang="fr-BE" dirty="0"/>
+          </a:p>
+        </p:txBody>
+      </p:sp>
+      <p:sp>
+        <p:nvSpPr>
+          <p:cNvPr id="7" name="Espace réservé du contenu 6"/>
+          <p:cNvSpPr>
+            <a:spLocks noGrp="1"/>
+          </p:cNvSpPr>
+          <p:nvPr>
+            <p:ph sz="quarter" idx="14"/>
+          </p:nvPr>
+        </p:nvSpPr>
+        <p:spPr/>
+        <p:txBody>
+          <a:bodyPr/>
+          <a:lstStyle/>
+          <a:p>
+            <a:pPr>
+              <a:buFont typeface="Wingdings" pitchFamily="2" charset="2"/>
+              <a:buChar char="Ø"/>
+            </a:pPr>
+            <a:r>
+              <a:rPr lang="fr-FR" dirty="0" smtClean="0">
+                <a:solidFill>
+                  <a:schemeClr val="tx2">
+                    <a:lumMod val="75000"/>
+                  </a:schemeClr>
+                </a:solidFill>
+              </a:rPr>
+              <a:t>L’ « </a:t>
+            </a:r>
+            <a:r>
+              <a:rPr lang="fr-FR" dirty="0" err="1" smtClean="0">
+                <a:solidFill>
+                  <a:schemeClr val="tx2">
+                    <a:lumMod val="75000"/>
+                  </a:schemeClr>
+                </a:solidFill>
+              </a:rPr>
+              <a:t>equalizer</a:t>
+            </a:r>
+            <a:r>
+              <a:rPr lang="fr-FR" dirty="0" smtClean="0">
+                <a:solidFill>
+                  <a:schemeClr val="tx2">
+                    <a:lumMod val="75000"/>
+                  </a:schemeClr>
+                </a:solidFill>
+              </a:rPr>
+              <a:t> »</a:t>
+            </a:r>
+            <a:endParaRPr lang="fr-FR" dirty="0">
+              <a:solidFill>
+                <a:schemeClr val="tx2">
+                  <a:lumMod val="75000"/>
+                </a:schemeClr>
+              </a:solidFill>
+            </a:endParaRPr>
+          </a:p>
+        </p:txBody>
+      </p:sp>
+      <p:sp>
+        <p:nvSpPr>
+          <p:cNvPr id="8" name="Espace réservé du contenu 7"/>
+          <p:cNvSpPr>
+            <a:spLocks noGrp="1"/>
+          </p:cNvSpPr>
+          <p:nvPr>
+            <p:ph sz="quarter" idx="15"/>
+          </p:nvPr>
+        </p:nvSpPr>
+        <p:spPr/>
+        <p:txBody>
+          <a:bodyPr>
+            <a:normAutofit/>
+          </a:bodyPr>
+          <a:lstStyle/>
+          <a:p>
+            <a:pPr marL="457200" indent="-457200">
+              <a:buFont typeface="+mj-lt"/>
+              <a:buAutoNum type="arabicPeriod"/>
+            </a:pPr>
+            <a:r>
+              <a:rPr lang="fr-FR" sz="1400" dirty="0" smtClean="0">
+                <a:solidFill>
+                  <a:srgbClr val="A4CA39"/>
+                </a:solidFill>
+                <a:latin typeface="Cambria" pitchFamily="18" charset="0"/>
+              </a:rPr>
+              <a:t>Introduction</a:t>
+            </a:r>
+          </a:p>
+          <a:p>
+            <a:pPr marL="457200" indent="-457200">
+              <a:buFont typeface="+mj-lt"/>
+              <a:buAutoNum type="arabicPeriod"/>
+            </a:pPr>
+            <a:endParaRPr lang="fr-FR" sz="1400" dirty="0" smtClean="0">
+              <a:solidFill>
+                <a:srgbClr val="D8FBC1"/>
+              </a:solidFill>
+              <a:latin typeface="Cambria" pitchFamily="18" charset="0"/>
+            </a:endParaRPr>
+          </a:p>
+          <a:p>
+            <a:pPr marL="457200" indent="-457200">
+              <a:buFont typeface="+mj-lt"/>
+              <a:buAutoNum type="arabicPeriod"/>
+            </a:pPr>
+            <a:r>
+              <a:rPr lang="fr-FR" sz="1400" dirty="0" smtClean="0">
+                <a:solidFill>
+                  <a:srgbClr val="A4CA39"/>
+                </a:solidFill>
+                <a:latin typeface="Cambria" pitchFamily="18" charset="0"/>
+              </a:rPr>
+              <a:t>Déroulement du projet</a:t>
+            </a:r>
+          </a:p>
+          <a:p>
+            <a:pPr marL="457200" indent="-457200">
+              <a:buFont typeface="+mj-lt"/>
+              <a:buAutoNum type="arabicPeriod"/>
+            </a:pPr>
+            <a:endParaRPr lang="fr-FR" sz="1400" dirty="0" smtClean="0">
+              <a:solidFill>
+                <a:srgbClr val="A4CA39"/>
+              </a:solidFill>
+              <a:latin typeface="Cambria" pitchFamily="18" charset="0"/>
+            </a:endParaRPr>
+          </a:p>
+          <a:p>
+            <a:pPr marL="457200" indent="-457200">
+              <a:buFont typeface="+mj-lt"/>
+              <a:buAutoNum type="arabicPeriod"/>
+            </a:pPr>
+            <a:r>
+              <a:rPr lang="fr-FR" sz="1400" dirty="0" smtClean="0">
+                <a:solidFill>
+                  <a:srgbClr val="A4CA39"/>
+                </a:solidFill>
+                <a:latin typeface="Cambria" pitchFamily="18" charset="0"/>
+              </a:rPr>
+              <a:t>Outils et méthodologies utilisés</a:t>
+            </a:r>
+          </a:p>
+          <a:p>
+            <a:pPr marL="457200" indent="-457200">
+              <a:buFont typeface="+mj-lt"/>
+              <a:buAutoNum type="arabicPeriod"/>
+            </a:pPr>
+            <a:endParaRPr lang="fr-FR" sz="1400" dirty="0" smtClean="0">
+              <a:solidFill>
+                <a:srgbClr val="A4CA39"/>
+              </a:solidFill>
+              <a:latin typeface="Cambria" pitchFamily="18" charset="0"/>
+            </a:endParaRPr>
+          </a:p>
+          <a:p>
+            <a:pPr marL="457200" indent="-457200">
+              <a:buFont typeface="+mj-lt"/>
+              <a:buAutoNum type="arabicPeriod"/>
+            </a:pPr>
+            <a:r>
+              <a:rPr lang="fr-FR" sz="1400" dirty="0" smtClean="0">
+                <a:solidFill>
+                  <a:srgbClr val="D8FBC1"/>
+                </a:solidFill>
+                <a:latin typeface="Cambria" pitchFamily="18" charset="0"/>
+              </a:rPr>
+              <a:t>Fonctionnalités</a:t>
+            </a:r>
+            <a:endParaRPr lang="fr-FR" sz="1400" dirty="0" smtClean="0">
+              <a:solidFill>
+                <a:srgbClr val="A4CA39"/>
+              </a:solidFill>
+              <a:latin typeface="Cambria" pitchFamily="18" charset="0"/>
+            </a:endParaRPr>
+          </a:p>
+          <a:p>
+            <a:pPr marL="457200" indent="-457200">
+              <a:buFont typeface="+mj-lt"/>
+              <a:buAutoNum type="arabicPeriod"/>
+            </a:pPr>
+            <a:endParaRPr lang="fr-FR" sz="1400" dirty="0" smtClean="0">
+              <a:solidFill>
+                <a:srgbClr val="A4CA39"/>
+              </a:solidFill>
+              <a:latin typeface="Cambria" pitchFamily="18" charset="0"/>
+            </a:endParaRPr>
+          </a:p>
+          <a:p>
+            <a:pPr marL="457200" indent="-457200">
+              <a:buFont typeface="+mj-lt"/>
+              <a:buAutoNum type="arabicPeriod"/>
+            </a:pPr>
+            <a:r>
+              <a:rPr lang="fr-FR" sz="1400" dirty="0" smtClean="0">
+                <a:solidFill>
+                  <a:srgbClr val="A4CA39"/>
+                </a:solidFill>
+                <a:latin typeface="Cambria" pitchFamily="18" charset="0"/>
+              </a:rPr>
+              <a:t>Démonstration</a:t>
+            </a:r>
+            <a:endParaRPr lang="fr-FR" sz="1400" dirty="0" smtClean="0">
+              <a:solidFill>
+                <a:srgbClr val="D8FBC1"/>
+              </a:solidFill>
+              <a:latin typeface="Cambria" pitchFamily="18" charset="0"/>
+            </a:endParaRPr>
+          </a:p>
+          <a:p>
+            <a:pPr marL="457200" indent="-457200">
+              <a:buFont typeface="+mj-lt"/>
+              <a:buAutoNum type="arabicPeriod"/>
+            </a:pPr>
+            <a:endParaRPr lang="fr-FR" sz="1400" dirty="0" smtClean="0">
+              <a:solidFill>
+                <a:srgbClr val="A4CA39"/>
+              </a:solidFill>
+              <a:latin typeface="Cambria" pitchFamily="18" charset="0"/>
+            </a:endParaRPr>
+          </a:p>
+          <a:p>
+            <a:pPr marL="457200" indent="-457200">
+              <a:buFont typeface="+mj-lt"/>
+              <a:buAutoNum type="arabicPeriod"/>
+            </a:pPr>
+            <a:r>
+              <a:rPr lang="fr-FR" sz="1400" dirty="0" smtClean="0">
+                <a:solidFill>
+                  <a:srgbClr val="A4CA39"/>
+                </a:solidFill>
+                <a:latin typeface="Cambria" pitchFamily="18" charset="0"/>
+              </a:rPr>
+              <a:t>Conclusion</a:t>
+            </a:r>
+          </a:p>
+          <a:p>
+            <a:endParaRPr lang="fr-FR" dirty="0"/>
+          </a:p>
+        </p:txBody>
+      </p:sp>
+    </p:spTree>
+  </p:cSld>
+  <p:clrMapOvr>
+    <a:masterClrMapping/>
+  </p:clrMapOvr>
+  <p:transition>
+    <p:fade/>
+  </p:transition>
+  <p:timing>
+    <p:tnLst>
+      <p:par>
+        <p:cTn id="1" dur="indefinite" restart="never" nodeType="tmRoot"/>
+      </p:par>
+    </p:tnLst>
+  </p:timing>
+</p:sld>
+</file>
+
+<file path=ppt/slides/slide12.xml><?xml version="1.0" encoding="utf-8"?>
+<p:sld xmlns:a="http://schemas.openxmlformats.org/drawingml/2006/main" xmlns:r="http://schemas.openxmlformats.org/officeDocument/2006/relationships" xmlns:p="http://schemas.openxmlformats.org/presentationml/2006/main">
+  <p:cSld>
+    <p:spTree>
+      <p:nvGrpSpPr>
+        <p:cNvPr id="1" name=""/>
+        <p:cNvGrpSpPr/>
+        <p:nvPr/>
+      </p:nvGrpSpPr>
+      <p:grpSpPr>
+        <a:xfrm>
+          <a:off x="0" y="0"/>
+          <a:ext cx="0" cy="0"/>
+          <a:chOff x="0" y="0"/>
+          <a:chExt cx="0" cy="0"/>
+        </a:xfrm>
+      </p:grpSpPr>
+      <p:sp>
+        <p:nvSpPr>
+          <p:cNvPr id="6" name="Titre 5"/>
+          <p:cNvSpPr>
+            <a:spLocks noGrp="1"/>
+          </p:cNvSpPr>
+          <p:nvPr>
+            <p:ph type="title"/>
+          </p:nvPr>
+        </p:nvSpPr>
+        <p:spPr/>
+        <p:txBody>
+          <a:bodyPr/>
+          <a:lstStyle/>
+          <a:p>
+            <a:r>
+              <a:rPr lang="fr-FR" dirty="0" smtClean="0"/>
+              <a:t>Fonctionnalités</a:t>
+            </a:r>
+            <a:endParaRPr lang="fr-FR" dirty="0"/>
+          </a:p>
+        </p:txBody>
+      </p:sp>
+      <p:sp>
+        <p:nvSpPr>
+          <p:cNvPr id="4" name="Espace réservé du pied de page 3"/>
+          <p:cNvSpPr>
+            <a:spLocks noGrp="1"/>
+          </p:cNvSpPr>
+          <p:nvPr>
+            <p:ph type="ftr" sz="quarter" idx="11"/>
+          </p:nvPr>
+        </p:nvSpPr>
+        <p:spPr/>
+        <p:txBody>
+          <a:bodyPr/>
+          <a:lstStyle/>
+          <a:p>
+            <a:r>
+              <a:rPr lang="fr-FR" smtClean="0"/>
+              <a:t>M1 MIAGE  - 2010/2011</a:t>
+            </a:r>
+          </a:p>
+          <a:p>
+            <a:r>
+              <a:rPr lang="fr-FR" smtClean="0"/>
+              <a:t>Université de Nice Sophia Antipolis</a:t>
+            </a:r>
+            <a:endParaRPr lang="fr-BE" dirty="0"/>
+          </a:p>
+        </p:txBody>
+      </p:sp>
+      <p:sp>
+        <p:nvSpPr>
+          <p:cNvPr id="5" name="Espace réservé du numéro de diapositive 4"/>
+          <p:cNvSpPr>
+            <a:spLocks noGrp="1"/>
+          </p:cNvSpPr>
+          <p:nvPr>
+            <p:ph type="sldNum" sz="quarter" idx="12"/>
+          </p:nvPr>
+        </p:nvSpPr>
+        <p:spPr/>
+        <p:txBody>
+          <a:bodyPr/>
+          <a:lstStyle/>
+          <a:p>
+            <a:fld id="{CF4668DC-857F-487D-BFFA-8C0CA5037977}" type="slidenum">
+              <a:rPr lang="fr-BE" smtClean="0"/>
+              <a:pPr/>
+              <a:t>12</a:t>
+            </a:fld>
+            <a:r>
+              <a:rPr lang="fr-BE" smtClean="0"/>
+              <a:t> sur ?</a:t>
+            </a:r>
+            <a:endParaRPr lang="fr-BE" dirty="0"/>
+          </a:p>
+        </p:txBody>
+      </p:sp>
+      <p:sp>
+        <p:nvSpPr>
+          <p:cNvPr id="7" name="Espace réservé du contenu 6"/>
+          <p:cNvSpPr>
+            <a:spLocks noGrp="1"/>
+          </p:cNvSpPr>
+          <p:nvPr>
+            <p:ph sz="quarter" idx="14"/>
+          </p:nvPr>
+        </p:nvSpPr>
+        <p:spPr/>
+        <p:txBody>
+          <a:bodyPr/>
+          <a:lstStyle/>
+          <a:p>
+            <a:pPr>
+              <a:buFont typeface="Wingdings" pitchFamily="2" charset="2"/>
+              <a:buChar char="Ø"/>
+            </a:pPr>
+            <a:r>
+              <a:rPr lang="fr-FR" dirty="0" smtClean="0">
+                <a:solidFill>
+                  <a:schemeClr val="tx2">
+                    <a:lumMod val="75000"/>
+                  </a:schemeClr>
+                </a:solidFill>
+              </a:rPr>
+              <a:t>Les « lyrics »</a:t>
+            </a:r>
+            <a:endParaRPr lang="fr-FR" dirty="0">
+              <a:solidFill>
+                <a:schemeClr val="tx2">
+                  <a:lumMod val="75000"/>
+                </a:schemeClr>
+              </a:solidFill>
+            </a:endParaRPr>
+          </a:p>
+        </p:txBody>
+      </p:sp>
+      <p:sp>
+        <p:nvSpPr>
+          <p:cNvPr id="8" name="Espace réservé du contenu 7"/>
+          <p:cNvSpPr>
+            <a:spLocks noGrp="1"/>
+          </p:cNvSpPr>
+          <p:nvPr>
+            <p:ph sz="quarter" idx="15"/>
+          </p:nvPr>
+        </p:nvSpPr>
+        <p:spPr/>
+        <p:txBody>
+          <a:bodyPr>
+            <a:normAutofit/>
+          </a:bodyPr>
+          <a:lstStyle/>
+          <a:p>
+            <a:pPr marL="457200" indent="-457200">
+              <a:buFont typeface="+mj-lt"/>
+              <a:buAutoNum type="arabicPeriod"/>
+            </a:pPr>
+            <a:r>
+              <a:rPr lang="fr-FR" sz="1400" dirty="0" smtClean="0">
+                <a:solidFill>
+                  <a:srgbClr val="A4CA39"/>
+                </a:solidFill>
+                <a:latin typeface="Cambria" pitchFamily="18" charset="0"/>
+              </a:rPr>
+              <a:t>Introduction</a:t>
+            </a:r>
+          </a:p>
+          <a:p>
+            <a:pPr marL="457200" indent="-457200">
+              <a:buFont typeface="+mj-lt"/>
+              <a:buAutoNum type="arabicPeriod"/>
+            </a:pPr>
+            <a:endParaRPr lang="fr-FR" sz="1400" dirty="0" smtClean="0">
+              <a:solidFill>
+                <a:srgbClr val="D8FBC1"/>
+              </a:solidFill>
+              <a:latin typeface="Cambria" pitchFamily="18" charset="0"/>
+            </a:endParaRPr>
+          </a:p>
+          <a:p>
+            <a:pPr marL="457200" indent="-457200">
+              <a:buFont typeface="+mj-lt"/>
+              <a:buAutoNum type="arabicPeriod"/>
+            </a:pPr>
+            <a:r>
+              <a:rPr lang="fr-FR" sz="1400" dirty="0" smtClean="0">
+                <a:solidFill>
+                  <a:srgbClr val="A4CA39"/>
+                </a:solidFill>
+                <a:latin typeface="Cambria" pitchFamily="18" charset="0"/>
+              </a:rPr>
+              <a:t>Déroulement du projet</a:t>
+            </a:r>
+          </a:p>
+          <a:p>
+            <a:pPr marL="457200" indent="-457200">
+              <a:buFont typeface="+mj-lt"/>
+              <a:buAutoNum type="arabicPeriod"/>
+            </a:pPr>
+            <a:endParaRPr lang="fr-FR" sz="1400" dirty="0" smtClean="0">
+              <a:solidFill>
+                <a:srgbClr val="A4CA39"/>
+              </a:solidFill>
+              <a:latin typeface="Cambria" pitchFamily="18" charset="0"/>
+            </a:endParaRPr>
+          </a:p>
+          <a:p>
+            <a:pPr marL="457200" indent="-457200">
+              <a:buFont typeface="+mj-lt"/>
+              <a:buAutoNum type="arabicPeriod"/>
+            </a:pPr>
+            <a:r>
+              <a:rPr lang="fr-FR" sz="1400" dirty="0" smtClean="0">
+                <a:solidFill>
+                  <a:srgbClr val="A4CA39"/>
+                </a:solidFill>
+                <a:latin typeface="Cambria" pitchFamily="18" charset="0"/>
+              </a:rPr>
+              <a:t>Outils et méthodologies utilisés</a:t>
+            </a:r>
+          </a:p>
+          <a:p>
+            <a:pPr marL="457200" indent="-457200">
+              <a:buFont typeface="+mj-lt"/>
+              <a:buAutoNum type="arabicPeriod"/>
+            </a:pPr>
+            <a:endParaRPr lang="fr-FR" sz="1400" dirty="0" smtClean="0">
+              <a:solidFill>
+                <a:srgbClr val="A4CA39"/>
+              </a:solidFill>
+              <a:latin typeface="Cambria" pitchFamily="18" charset="0"/>
+            </a:endParaRPr>
+          </a:p>
+          <a:p>
+            <a:pPr marL="457200" indent="-457200">
+              <a:buFont typeface="+mj-lt"/>
+              <a:buAutoNum type="arabicPeriod"/>
+            </a:pPr>
+            <a:r>
+              <a:rPr lang="fr-FR" sz="1400" dirty="0" smtClean="0">
+                <a:solidFill>
+                  <a:srgbClr val="D8FBC1"/>
+                </a:solidFill>
+                <a:latin typeface="Cambria" pitchFamily="18" charset="0"/>
+              </a:rPr>
+              <a:t>Fonctionnalités</a:t>
+            </a:r>
+            <a:endParaRPr lang="fr-FR" sz="1400" dirty="0" smtClean="0">
+              <a:solidFill>
+                <a:srgbClr val="A4CA39"/>
+              </a:solidFill>
+              <a:latin typeface="Cambria" pitchFamily="18" charset="0"/>
+            </a:endParaRPr>
+          </a:p>
+          <a:p>
+            <a:pPr marL="457200" indent="-457200">
+              <a:buFont typeface="+mj-lt"/>
+              <a:buAutoNum type="arabicPeriod"/>
+            </a:pPr>
+            <a:endParaRPr lang="fr-FR" sz="1400" dirty="0" smtClean="0">
+              <a:solidFill>
+                <a:srgbClr val="A4CA39"/>
+              </a:solidFill>
+              <a:latin typeface="Cambria" pitchFamily="18" charset="0"/>
+            </a:endParaRPr>
+          </a:p>
+          <a:p>
+            <a:pPr marL="457200" indent="-457200">
+              <a:buFont typeface="+mj-lt"/>
+              <a:buAutoNum type="arabicPeriod"/>
+            </a:pPr>
+            <a:r>
+              <a:rPr lang="fr-FR" sz="1400" dirty="0" smtClean="0">
+                <a:solidFill>
+                  <a:srgbClr val="A4CA39"/>
+                </a:solidFill>
+                <a:latin typeface="Cambria" pitchFamily="18" charset="0"/>
+              </a:rPr>
+              <a:t>Démonstration</a:t>
+            </a:r>
+            <a:endParaRPr lang="fr-FR" sz="1400" dirty="0" smtClean="0">
+              <a:solidFill>
+                <a:srgbClr val="D8FBC1"/>
+              </a:solidFill>
+              <a:latin typeface="Cambria" pitchFamily="18" charset="0"/>
+            </a:endParaRPr>
+          </a:p>
+          <a:p>
+            <a:pPr marL="457200" indent="-457200">
+              <a:buFont typeface="+mj-lt"/>
+              <a:buAutoNum type="arabicPeriod"/>
+            </a:pPr>
+            <a:endParaRPr lang="fr-FR" sz="1400" dirty="0" smtClean="0">
+              <a:solidFill>
+                <a:srgbClr val="A4CA39"/>
+              </a:solidFill>
+              <a:latin typeface="Cambria" pitchFamily="18" charset="0"/>
+            </a:endParaRPr>
+          </a:p>
+          <a:p>
+            <a:pPr marL="457200" indent="-457200">
+              <a:buFont typeface="+mj-lt"/>
+              <a:buAutoNum type="arabicPeriod"/>
+            </a:pPr>
+            <a:r>
+              <a:rPr lang="fr-FR" sz="1400" dirty="0" smtClean="0">
+                <a:solidFill>
+                  <a:srgbClr val="A4CA39"/>
+                </a:solidFill>
+                <a:latin typeface="Cambria" pitchFamily="18" charset="0"/>
+              </a:rPr>
+              <a:t>Conclusion</a:t>
+            </a:r>
+          </a:p>
+          <a:p>
+            <a:endParaRPr lang="fr-FR" dirty="0"/>
+          </a:p>
+        </p:txBody>
+      </p:sp>
+    </p:spTree>
+  </p:cSld>
+  <p:clrMapOvr>
+    <a:masterClrMapping/>
+  </p:clrMapOvr>
+  <p:transition>
+    <p:fade/>
+  </p:transition>
+  <p:timing>
+    <p:tnLst>
+      <p:par>
+        <p:cTn id="1" dur="indefinite" restart="never" nodeType="tmRoot"/>
+      </p:par>
+    </p:tnLst>
+  </p:timing>
+</p:sld>
+</file>
+
+<file path=ppt/slides/slide13.xml><?xml version="1.0" encoding="utf-8"?>
+<p:sld xmlns:a="http://schemas.openxmlformats.org/drawingml/2006/main" xmlns:r="http://schemas.openxmlformats.org/officeDocument/2006/relationships" xmlns:p="http://schemas.openxmlformats.org/presentationml/2006/main">
+  <p:cSld>
+    <p:spTree>
+      <p:nvGrpSpPr>
+        <p:cNvPr id="1" name=""/>
+        <p:cNvGrpSpPr/>
+        <p:nvPr/>
+      </p:nvGrpSpPr>
+      <p:grpSpPr>
+        <a:xfrm>
+          <a:off x="0" y="0"/>
+          <a:ext cx="0" cy="0"/>
+          <a:chOff x="0" y="0"/>
+          <a:chExt cx="0" cy="0"/>
+        </a:xfrm>
+      </p:grpSpPr>
+      <p:sp>
+        <p:nvSpPr>
+          <p:cNvPr id="6" name="Titre 5"/>
+          <p:cNvSpPr>
+            <a:spLocks noGrp="1"/>
+          </p:cNvSpPr>
+          <p:nvPr>
+            <p:ph type="title"/>
+          </p:nvPr>
+        </p:nvSpPr>
+        <p:spPr/>
+        <p:txBody>
+          <a:bodyPr/>
+          <a:lstStyle/>
+          <a:p>
+            <a:r>
+              <a:rPr lang="fr-FR" dirty="0" smtClean="0"/>
+              <a:t>Démonstration</a:t>
+            </a:r>
+            <a:endParaRPr lang="fr-FR" dirty="0"/>
+          </a:p>
+        </p:txBody>
+      </p:sp>
+      <p:sp>
+        <p:nvSpPr>
+          <p:cNvPr id="4" name="Espace réservé du pied de page 3"/>
+          <p:cNvSpPr>
+            <a:spLocks noGrp="1"/>
+          </p:cNvSpPr>
+          <p:nvPr>
+            <p:ph type="ftr" sz="quarter" idx="11"/>
+          </p:nvPr>
+        </p:nvSpPr>
+        <p:spPr/>
+        <p:txBody>
+          <a:bodyPr/>
+          <a:lstStyle/>
+          <a:p>
+            <a:r>
+              <a:rPr lang="fr-FR" smtClean="0"/>
+              <a:t>M1 MIAGE  - 2010/2011</a:t>
+            </a:r>
+          </a:p>
+          <a:p>
+            <a:r>
+              <a:rPr lang="fr-FR" smtClean="0"/>
+              <a:t>Université de Nice Sophia Antipolis</a:t>
+            </a:r>
+            <a:endParaRPr lang="fr-BE" dirty="0"/>
+          </a:p>
+        </p:txBody>
+      </p:sp>
+      <p:sp>
+        <p:nvSpPr>
+          <p:cNvPr id="5" name="Espace réservé du numéro de diapositive 4"/>
+          <p:cNvSpPr>
+            <a:spLocks noGrp="1"/>
+          </p:cNvSpPr>
+          <p:nvPr>
+            <p:ph type="sldNum" sz="quarter" idx="12"/>
+          </p:nvPr>
+        </p:nvSpPr>
+        <p:spPr/>
+        <p:txBody>
+          <a:bodyPr/>
+          <a:lstStyle/>
+          <a:p>
+            <a:fld id="{CF4668DC-857F-487D-BFFA-8C0CA5037977}" type="slidenum">
+              <a:rPr lang="fr-BE" smtClean="0"/>
+              <a:pPr/>
+              <a:t>13</a:t>
+            </a:fld>
+            <a:r>
+              <a:rPr lang="fr-BE" smtClean="0"/>
+              <a:t> sur ?</a:t>
+            </a:r>
+            <a:endParaRPr lang="fr-BE" dirty="0"/>
+          </a:p>
+        </p:txBody>
+      </p:sp>
+      <p:sp>
+        <p:nvSpPr>
+          <p:cNvPr id="8" name="Espace réservé du contenu 7"/>
+          <p:cNvSpPr>
+            <a:spLocks noGrp="1"/>
+          </p:cNvSpPr>
+          <p:nvPr>
+            <p:ph sz="quarter" idx="15"/>
+          </p:nvPr>
+        </p:nvSpPr>
+        <p:spPr/>
+        <p:txBody>
+          <a:bodyPr>
+            <a:normAutofit/>
+          </a:bodyPr>
+          <a:lstStyle/>
+          <a:p>
+            <a:pPr marL="457200" indent="-457200">
+              <a:buFont typeface="+mj-lt"/>
+              <a:buAutoNum type="arabicPeriod"/>
+            </a:pPr>
+            <a:r>
+              <a:rPr lang="fr-FR" sz="1400" dirty="0" smtClean="0">
+                <a:solidFill>
+                  <a:srgbClr val="A4CA39"/>
+                </a:solidFill>
+                <a:latin typeface="Cambria" pitchFamily="18" charset="0"/>
+              </a:rPr>
+              <a:t>Introduction</a:t>
+            </a:r>
+          </a:p>
+          <a:p>
+            <a:pPr marL="457200" indent="-457200">
+              <a:buFont typeface="+mj-lt"/>
+              <a:buAutoNum type="arabicPeriod"/>
+            </a:pPr>
+            <a:endParaRPr lang="fr-FR" sz="1400" dirty="0" smtClean="0">
+              <a:solidFill>
+                <a:srgbClr val="D8FBC1"/>
+              </a:solidFill>
+              <a:latin typeface="Cambria" pitchFamily="18" charset="0"/>
+            </a:endParaRPr>
+          </a:p>
+          <a:p>
+            <a:pPr marL="457200" indent="-457200">
+              <a:buFont typeface="+mj-lt"/>
+              <a:buAutoNum type="arabicPeriod"/>
+            </a:pPr>
+            <a:r>
+              <a:rPr lang="fr-FR" sz="1400" dirty="0" smtClean="0">
+                <a:solidFill>
+                  <a:srgbClr val="A4CA39"/>
+                </a:solidFill>
+                <a:latin typeface="Cambria" pitchFamily="18" charset="0"/>
+              </a:rPr>
+              <a:t>Déroulement du projet</a:t>
+            </a:r>
+          </a:p>
+          <a:p>
+            <a:pPr marL="457200" indent="-457200">
+              <a:buFont typeface="+mj-lt"/>
+              <a:buAutoNum type="arabicPeriod"/>
+            </a:pPr>
+            <a:endParaRPr lang="fr-FR" sz="1400" dirty="0" smtClean="0">
+              <a:solidFill>
+                <a:srgbClr val="A4CA39"/>
+              </a:solidFill>
+              <a:latin typeface="Cambria" pitchFamily="18" charset="0"/>
+            </a:endParaRPr>
+          </a:p>
+          <a:p>
+            <a:pPr marL="457200" indent="-457200">
+              <a:buFont typeface="+mj-lt"/>
+              <a:buAutoNum type="arabicPeriod"/>
+            </a:pPr>
+            <a:r>
+              <a:rPr lang="fr-FR" sz="1400" dirty="0" smtClean="0">
+                <a:solidFill>
+                  <a:srgbClr val="A4CA39"/>
+                </a:solidFill>
+                <a:latin typeface="Cambria" pitchFamily="18" charset="0"/>
+              </a:rPr>
+              <a:t>Outils et méthodologies utilisés</a:t>
+            </a:r>
+          </a:p>
+          <a:p>
+            <a:pPr marL="457200" indent="-457200">
+              <a:buFont typeface="+mj-lt"/>
+              <a:buAutoNum type="arabicPeriod"/>
+            </a:pPr>
+            <a:endParaRPr lang="fr-FR" sz="1400" dirty="0" smtClean="0">
+              <a:solidFill>
+                <a:srgbClr val="A4CA39"/>
+              </a:solidFill>
+              <a:latin typeface="Cambria" pitchFamily="18" charset="0"/>
+            </a:endParaRPr>
+          </a:p>
+          <a:p>
+            <a:pPr marL="457200" indent="-457200">
+              <a:buFont typeface="+mj-lt"/>
+              <a:buAutoNum type="arabicPeriod"/>
+            </a:pPr>
+            <a:r>
+              <a:rPr lang="fr-FR" sz="1400" dirty="0" smtClean="0">
+                <a:solidFill>
+                  <a:srgbClr val="A4CA39"/>
+                </a:solidFill>
+                <a:latin typeface="Cambria" pitchFamily="18" charset="0"/>
+              </a:rPr>
+              <a:t>Fonctionnalités</a:t>
+            </a:r>
+          </a:p>
+          <a:p>
+            <a:pPr marL="457200" indent="-457200">
+              <a:buFont typeface="+mj-lt"/>
+              <a:buAutoNum type="arabicPeriod"/>
+            </a:pPr>
+            <a:endParaRPr lang="fr-FR" sz="1400" dirty="0" smtClean="0">
+              <a:solidFill>
+                <a:srgbClr val="A4CA39"/>
+              </a:solidFill>
+              <a:latin typeface="Cambria" pitchFamily="18" charset="0"/>
+            </a:endParaRPr>
+          </a:p>
+          <a:p>
+            <a:pPr marL="457200" indent="-457200">
+              <a:buFont typeface="+mj-lt"/>
+              <a:buAutoNum type="arabicPeriod"/>
+            </a:pPr>
+            <a:r>
+              <a:rPr lang="fr-FR" sz="1400" dirty="0" smtClean="0">
+                <a:solidFill>
+                  <a:srgbClr val="D8FBC1"/>
+                </a:solidFill>
+                <a:latin typeface="Cambria" pitchFamily="18" charset="0"/>
+              </a:rPr>
+              <a:t>Démonstration</a:t>
+            </a:r>
+          </a:p>
+          <a:p>
+            <a:pPr marL="457200" indent="-457200">
+              <a:buFont typeface="+mj-lt"/>
+              <a:buAutoNum type="arabicPeriod"/>
+            </a:pPr>
+            <a:endParaRPr lang="fr-FR" sz="1400" dirty="0" smtClean="0">
+              <a:solidFill>
+                <a:srgbClr val="A4CA39"/>
+              </a:solidFill>
+              <a:latin typeface="Cambria" pitchFamily="18" charset="0"/>
+            </a:endParaRPr>
+          </a:p>
+          <a:p>
+            <a:pPr marL="457200" indent="-457200">
+              <a:buFont typeface="+mj-lt"/>
+              <a:buAutoNum type="arabicPeriod"/>
+            </a:pPr>
+            <a:r>
+              <a:rPr lang="fr-FR" sz="1400" dirty="0" smtClean="0">
+                <a:solidFill>
+                  <a:srgbClr val="A4CA39"/>
+                </a:solidFill>
+                <a:latin typeface="Cambria" pitchFamily="18" charset="0"/>
+              </a:rPr>
+              <a:t>Conclusion</a:t>
+            </a:r>
+          </a:p>
+          <a:p>
+            <a:endParaRPr lang="fr-FR" dirty="0"/>
+          </a:p>
+        </p:txBody>
+      </p:sp>
+      <p:sp>
+        <p:nvSpPr>
+          <p:cNvPr id="14" name="Ellipse 13"/>
+          <p:cNvSpPr/>
+          <p:nvPr/>
+        </p:nvSpPr>
+        <p:spPr>
+          <a:xfrm>
+            <a:off x="3203848" y="2564904"/>
+            <a:ext cx="792088" cy="792088"/>
+          </a:xfrm>
+          <a:prstGeom prst="ellipse">
+            <a:avLst/>
+          </a:prstGeom>
+          <a:solidFill>
+            <a:srgbClr val="D8FBC1"/>
+          </a:solidFill>
+          <a:ln>
+            <a:noFill/>
+          </a:ln>
+        </p:spPr>
+        <p:style>
+          <a:lnRef idx="2">
+            <a:schemeClr val="accent1">
+              <a:shade val="50000"/>
+            </a:schemeClr>
+          </a:lnRef>
+          <a:fillRef idx="1">
+            <a:schemeClr val="accent1"/>
+          </a:fillRef>
+          <a:effectRef idx="0">
+            <a:schemeClr val="accent1"/>
+          </a:effectRef>
+          <a:fontRef idx="minor">
+            <a:schemeClr val="lt1"/>
+          </a:fontRef>
+        </p:style>
+        <p:txBody>
+          <a:bodyPr rtlCol="0" anchor="ctr"/>
+          <a:lstStyle/>
+          <a:p>
+            <a:pPr algn="ctr"/>
+            <a:endParaRPr lang="fr-FR"/>
+          </a:p>
+        </p:txBody>
+      </p:sp>
+      <p:sp>
+        <p:nvSpPr>
+          <p:cNvPr id="17" name="Ellipse 16"/>
+          <p:cNvSpPr/>
+          <p:nvPr/>
+        </p:nvSpPr>
+        <p:spPr>
+          <a:xfrm>
+            <a:off x="4211960" y="2564904"/>
+            <a:ext cx="792088" cy="792088"/>
+          </a:xfrm>
+          <a:prstGeom prst="ellipse">
+            <a:avLst/>
+          </a:prstGeom>
+          <a:solidFill>
+            <a:srgbClr val="D8FBC1"/>
+          </a:solidFill>
+          <a:ln>
+            <a:noFill/>
+          </a:ln>
+        </p:spPr>
+        <p:style>
+          <a:lnRef idx="2">
+            <a:schemeClr val="accent1">
+              <a:shade val="50000"/>
+            </a:schemeClr>
+          </a:lnRef>
+          <a:fillRef idx="1">
+            <a:schemeClr val="accent1"/>
+          </a:fillRef>
+          <a:effectRef idx="0">
+            <a:schemeClr val="accent1"/>
+          </a:effectRef>
+          <a:fontRef idx="minor">
+            <a:schemeClr val="lt1"/>
+          </a:fontRef>
+        </p:style>
+        <p:txBody>
+          <a:bodyPr rtlCol="0" anchor="ctr"/>
+          <a:lstStyle/>
+          <a:p>
+            <a:pPr algn="ctr"/>
+            <a:endParaRPr lang="fr-FR"/>
+          </a:p>
+        </p:txBody>
+      </p:sp>
+      <p:sp>
+        <p:nvSpPr>
+          <p:cNvPr id="18" name="Ellipse 17"/>
+          <p:cNvSpPr/>
+          <p:nvPr/>
+        </p:nvSpPr>
+        <p:spPr>
+          <a:xfrm>
+            <a:off x="5220072" y="2564904"/>
+            <a:ext cx="792088" cy="792088"/>
+          </a:xfrm>
+          <a:prstGeom prst="ellipse">
+            <a:avLst/>
+          </a:prstGeom>
+          <a:solidFill>
+            <a:srgbClr val="D8FBC1"/>
+          </a:solidFill>
+          <a:ln>
+            <a:noFill/>
+          </a:ln>
+        </p:spPr>
+        <p:style>
+          <a:lnRef idx="2">
+            <a:schemeClr val="accent1">
+              <a:shade val="50000"/>
+            </a:schemeClr>
+          </a:lnRef>
+          <a:fillRef idx="1">
+            <a:schemeClr val="accent1"/>
+          </a:fillRef>
+          <a:effectRef idx="0">
+            <a:schemeClr val="accent1"/>
+          </a:effectRef>
+          <a:fontRef idx="minor">
+            <a:schemeClr val="lt1"/>
+          </a:fontRef>
+        </p:style>
+        <p:txBody>
+          <a:bodyPr rtlCol="0" anchor="ctr"/>
+          <a:lstStyle/>
+          <a:p>
+            <a:pPr algn="ctr"/>
+            <a:endParaRPr lang="fr-FR"/>
+          </a:p>
+        </p:txBody>
+      </p:sp>
+    </p:spTree>
+  </p:cSld>
+  <p:clrMapOvr>
+    <a:masterClrMapping/>
+  </p:clrMapOvr>
+  <p:transition>
+    <p:fade/>
+  </p:transition>
+  <p:timing>
+    <p:tnLst>
+      <p:par>
+        <p:cTn id="1" dur="indefinite" restart="never" nodeType="tmRoot"/>
+      </p:par>
+    </p:tnLst>
+  </p:timing>
+</p:sld>
+</file>
+
+<file path=ppt/slides/slide14.xml><?xml version="1.0" encoding="utf-8"?>
+<p:sld xmlns:a="http://schemas.openxmlformats.org/drawingml/2006/main" xmlns:r="http://schemas.openxmlformats.org/officeDocument/2006/relationships" xmlns:p="http://schemas.openxmlformats.org/presentationml/2006/main">
+  <p:cSld>
+    <p:spTree>
+      <p:nvGrpSpPr>
+        <p:cNvPr id="1" name=""/>
+        <p:cNvGrpSpPr/>
+        <p:nvPr/>
+      </p:nvGrpSpPr>
+      <p:grpSpPr>
+        <a:xfrm>
+          <a:off x="0" y="0"/>
+          <a:ext cx="0" cy="0"/>
+          <a:chOff x="0" y="0"/>
+          <a:chExt cx="0" cy="0"/>
+        </a:xfrm>
+      </p:grpSpPr>
+      <p:sp>
+        <p:nvSpPr>
+          <p:cNvPr id="6" name="Titre 5"/>
+          <p:cNvSpPr>
+            <a:spLocks noGrp="1"/>
+          </p:cNvSpPr>
+          <p:nvPr>
+            <p:ph type="title"/>
+          </p:nvPr>
+        </p:nvSpPr>
+        <p:spPr/>
+        <p:txBody>
+          <a:bodyPr/>
+          <a:lstStyle/>
+          <a:p>
+            <a:r>
+              <a:rPr lang="fr-FR" dirty="0" smtClean="0"/>
+              <a:t>Conclusion</a:t>
+            </a:r>
+            <a:endParaRPr lang="fr-FR" dirty="0"/>
+          </a:p>
+        </p:txBody>
+      </p:sp>
+      <p:sp>
+        <p:nvSpPr>
+          <p:cNvPr id="4" name="Espace réservé du pied de page 3"/>
+          <p:cNvSpPr>
+            <a:spLocks noGrp="1"/>
+          </p:cNvSpPr>
+          <p:nvPr>
+            <p:ph type="ftr" sz="quarter" idx="11"/>
+          </p:nvPr>
+        </p:nvSpPr>
+        <p:spPr/>
+        <p:txBody>
+          <a:bodyPr/>
+          <a:lstStyle/>
+          <a:p>
+            <a:r>
+              <a:rPr lang="fr-FR" smtClean="0"/>
+              <a:t>M1 MIAGE  - 2010/2011</a:t>
+            </a:r>
+          </a:p>
+          <a:p>
+            <a:r>
+              <a:rPr lang="fr-FR" smtClean="0"/>
+              <a:t>Université de Nice Sophia Antipolis</a:t>
+            </a:r>
+            <a:endParaRPr lang="fr-BE" dirty="0"/>
+          </a:p>
+        </p:txBody>
+      </p:sp>
+      <p:sp>
+        <p:nvSpPr>
+          <p:cNvPr id="5" name="Espace réservé du numéro de diapositive 4"/>
+          <p:cNvSpPr>
+            <a:spLocks noGrp="1"/>
+          </p:cNvSpPr>
+          <p:nvPr>
+            <p:ph type="sldNum" sz="quarter" idx="12"/>
+          </p:nvPr>
+        </p:nvSpPr>
+        <p:spPr/>
+        <p:txBody>
+          <a:bodyPr/>
+          <a:lstStyle/>
+          <a:p>
+            <a:fld id="{CF4668DC-857F-487D-BFFA-8C0CA5037977}" type="slidenum">
+              <a:rPr lang="fr-BE" smtClean="0"/>
+              <a:pPr/>
+              <a:t>14</a:t>
+            </a:fld>
+            <a:r>
+              <a:rPr lang="fr-BE" smtClean="0"/>
+              <a:t> sur ?</a:t>
+            </a:r>
+            <a:endParaRPr lang="fr-BE" dirty="0"/>
+          </a:p>
+        </p:txBody>
+      </p:sp>
+      <p:sp>
+        <p:nvSpPr>
+          <p:cNvPr id="7" name="Espace réservé du contenu 6"/>
+          <p:cNvSpPr>
+            <a:spLocks noGrp="1"/>
+          </p:cNvSpPr>
+          <p:nvPr>
+            <p:ph sz="quarter" idx="14"/>
+          </p:nvPr>
+        </p:nvSpPr>
+        <p:spPr/>
+        <p:txBody>
+          <a:bodyPr>
+            <a:normAutofit/>
+          </a:bodyPr>
+          <a:lstStyle/>
+          <a:p>
+            <a:pPr>
+              <a:buFont typeface="Wingdings" pitchFamily="2" charset="2"/>
+              <a:buChar char="Ø"/>
+            </a:pPr>
+            <a:r>
+              <a:rPr lang="fr-FR" sz="2800" dirty="0" smtClean="0">
+                <a:solidFill>
+                  <a:schemeClr val="tx2">
+                    <a:lumMod val="75000"/>
+                  </a:schemeClr>
+                </a:solidFill>
+              </a:rPr>
+              <a:t>Les connaissances et compétences </a:t>
+            </a:r>
+            <a:r>
+              <a:rPr lang="fr-FR" sz="2800" dirty="0" smtClean="0">
+                <a:solidFill>
+                  <a:schemeClr val="tx2">
+                    <a:lumMod val="75000"/>
+                  </a:schemeClr>
+                </a:solidFill>
+              </a:rPr>
+              <a:t>acquises</a:t>
+            </a:r>
+          </a:p>
+          <a:p>
+            <a:pPr lvl="1">
+              <a:buFont typeface="Arial" pitchFamily="34" charset="0"/>
+              <a:buChar char="•"/>
+            </a:pPr>
+            <a:r>
+              <a:rPr lang="fr-FR" sz="2400" dirty="0" smtClean="0">
+                <a:solidFill>
+                  <a:schemeClr val="tx2">
+                    <a:lumMod val="75000"/>
+                  </a:schemeClr>
+                </a:solidFill>
+              </a:rPr>
+              <a:t>Développement d’une application </a:t>
+            </a:r>
+            <a:r>
+              <a:rPr lang="fr-FR" sz="2400" dirty="0" err="1" smtClean="0">
+                <a:solidFill>
+                  <a:schemeClr val="tx2">
+                    <a:lumMod val="75000"/>
+                  </a:schemeClr>
+                </a:solidFill>
+              </a:rPr>
+              <a:t>Android</a:t>
+            </a:r>
+            <a:endParaRPr lang="fr-FR" sz="2400" dirty="0" smtClean="0">
+              <a:solidFill>
+                <a:schemeClr val="tx2">
+                  <a:lumMod val="75000"/>
+                </a:schemeClr>
+              </a:solidFill>
+            </a:endParaRPr>
+          </a:p>
+          <a:p>
+            <a:pPr lvl="1">
+              <a:buFont typeface="Arial" pitchFamily="34" charset="0"/>
+              <a:buChar char="•"/>
+            </a:pPr>
+            <a:r>
+              <a:rPr lang="fr-FR" sz="2400" dirty="0" smtClean="0">
+                <a:solidFill>
+                  <a:schemeClr val="tx2">
+                    <a:lumMod val="75000"/>
+                  </a:schemeClr>
+                </a:solidFill>
+              </a:rPr>
+              <a:t>Découverte du plugin ADT</a:t>
+            </a:r>
+          </a:p>
+          <a:p>
+            <a:pPr lvl="1">
+              <a:buFont typeface="Arial" pitchFamily="34" charset="0"/>
+              <a:buChar char="•"/>
+            </a:pPr>
+            <a:r>
+              <a:rPr lang="fr-FR" sz="2400" dirty="0" smtClean="0">
+                <a:solidFill>
+                  <a:schemeClr val="tx2">
+                    <a:lumMod val="75000"/>
+                  </a:schemeClr>
+                </a:solidFill>
+              </a:rPr>
+              <a:t>La création d’interface graphique en XML</a:t>
+            </a:r>
+          </a:p>
+          <a:p>
+            <a:pPr lvl="1">
+              <a:buFont typeface="Arial" pitchFamily="34" charset="0"/>
+              <a:buChar char="•"/>
+            </a:pPr>
+            <a:r>
+              <a:rPr lang="fr-FR" sz="2400" dirty="0" smtClean="0">
+                <a:solidFill>
+                  <a:schemeClr val="tx2">
+                    <a:lumMod val="75000"/>
+                  </a:schemeClr>
+                </a:solidFill>
+              </a:rPr>
+              <a:t>Des concepts sur les signaux audio</a:t>
+            </a:r>
+          </a:p>
+          <a:p>
+            <a:pPr lvl="1">
+              <a:buFont typeface="Arial" pitchFamily="34" charset="0"/>
+              <a:buChar char="•"/>
+            </a:pPr>
+            <a:r>
+              <a:rPr lang="fr-FR" sz="2400" dirty="0" smtClean="0">
+                <a:solidFill>
+                  <a:schemeClr val="tx2">
+                    <a:lumMod val="75000"/>
+                  </a:schemeClr>
+                </a:solidFill>
+              </a:rPr>
+              <a:t>La découverte de nouvelles API</a:t>
+            </a:r>
+          </a:p>
+          <a:p>
+            <a:pPr lvl="1">
+              <a:buFont typeface="Arial" pitchFamily="34" charset="0"/>
+              <a:buChar char="•"/>
+            </a:pPr>
+            <a:r>
+              <a:rPr lang="fr-FR" sz="2400" dirty="0" smtClean="0">
+                <a:solidFill>
+                  <a:schemeClr val="tx2">
+                    <a:lumMod val="75000"/>
+                  </a:schemeClr>
+                </a:solidFill>
+              </a:rPr>
+              <a:t>Les métadonnées dans </a:t>
+            </a:r>
+            <a:r>
+              <a:rPr lang="fr-FR" sz="2400" smtClean="0">
+                <a:solidFill>
+                  <a:schemeClr val="tx2">
+                    <a:lumMod val="75000"/>
+                  </a:schemeClr>
+                </a:solidFill>
+              </a:rPr>
+              <a:t>un fichier audio</a:t>
+            </a:r>
+            <a:endParaRPr lang="fr-FR" sz="2400" dirty="0">
+              <a:solidFill>
+                <a:schemeClr val="tx2">
+                  <a:lumMod val="75000"/>
+                </a:schemeClr>
+              </a:solidFill>
+            </a:endParaRPr>
+          </a:p>
+        </p:txBody>
+      </p:sp>
+      <p:sp>
+        <p:nvSpPr>
+          <p:cNvPr id="8" name="Espace réservé du contenu 7"/>
+          <p:cNvSpPr>
+            <a:spLocks noGrp="1"/>
+          </p:cNvSpPr>
+          <p:nvPr>
+            <p:ph sz="quarter" idx="15"/>
+          </p:nvPr>
+        </p:nvSpPr>
+        <p:spPr/>
+        <p:txBody>
+          <a:bodyPr>
+            <a:normAutofit/>
+          </a:bodyPr>
+          <a:lstStyle/>
+          <a:p>
+            <a:pPr marL="457200" indent="-457200">
+              <a:buFont typeface="+mj-lt"/>
+              <a:buAutoNum type="arabicPeriod"/>
+            </a:pPr>
+            <a:r>
+              <a:rPr lang="fr-FR" sz="1400" dirty="0" smtClean="0">
+                <a:solidFill>
+                  <a:srgbClr val="A4CA39"/>
+                </a:solidFill>
+                <a:latin typeface="Cambria" pitchFamily="18" charset="0"/>
+              </a:rPr>
+              <a:t>Introduction</a:t>
+            </a:r>
+          </a:p>
+          <a:p>
+            <a:pPr marL="457200" indent="-457200">
+              <a:buFont typeface="+mj-lt"/>
+              <a:buAutoNum type="arabicPeriod"/>
+            </a:pPr>
+            <a:endParaRPr lang="fr-FR" sz="1400" dirty="0" smtClean="0">
+              <a:solidFill>
+                <a:srgbClr val="D8FBC1"/>
+              </a:solidFill>
+              <a:latin typeface="Cambria" pitchFamily="18" charset="0"/>
+            </a:endParaRPr>
+          </a:p>
+          <a:p>
+            <a:pPr marL="457200" indent="-457200">
+              <a:buFont typeface="+mj-lt"/>
+              <a:buAutoNum type="arabicPeriod"/>
+            </a:pPr>
+            <a:r>
+              <a:rPr lang="fr-FR" sz="1400" dirty="0" smtClean="0">
+                <a:solidFill>
+                  <a:srgbClr val="A4CA39"/>
+                </a:solidFill>
+                <a:latin typeface="Cambria" pitchFamily="18" charset="0"/>
+              </a:rPr>
+              <a:t>Déroulement du projet</a:t>
+            </a:r>
+          </a:p>
+          <a:p>
+            <a:pPr marL="457200" indent="-457200">
+              <a:buFont typeface="+mj-lt"/>
+              <a:buAutoNum type="arabicPeriod"/>
+            </a:pPr>
+            <a:endParaRPr lang="fr-FR" sz="1400" dirty="0" smtClean="0">
+              <a:solidFill>
+                <a:srgbClr val="A4CA39"/>
+              </a:solidFill>
+              <a:latin typeface="Cambria" pitchFamily="18" charset="0"/>
+            </a:endParaRPr>
+          </a:p>
+          <a:p>
+            <a:pPr marL="457200" indent="-457200">
+              <a:buFont typeface="+mj-lt"/>
+              <a:buAutoNum type="arabicPeriod"/>
+            </a:pPr>
+            <a:r>
+              <a:rPr lang="fr-FR" sz="1400" dirty="0" smtClean="0">
+                <a:solidFill>
+                  <a:srgbClr val="A4CA39"/>
+                </a:solidFill>
+                <a:latin typeface="Cambria" pitchFamily="18" charset="0"/>
+              </a:rPr>
+              <a:t>Outils et méthodologies utilisés</a:t>
+            </a:r>
+          </a:p>
+          <a:p>
+            <a:pPr marL="457200" indent="-457200">
+              <a:buFont typeface="+mj-lt"/>
+              <a:buAutoNum type="arabicPeriod"/>
+            </a:pPr>
+            <a:endParaRPr lang="fr-FR" sz="1400" dirty="0" smtClean="0">
+              <a:solidFill>
+                <a:srgbClr val="A4CA39"/>
+              </a:solidFill>
+              <a:latin typeface="Cambria" pitchFamily="18" charset="0"/>
+            </a:endParaRPr>
+          </a:p>
+          <a:p>
+            <a:pPr marL="457200" indent="-457200">
+              <a:buFont typeface="+mj-lt"/>
+              <a:buAutoNum type="arabicPeriod"/>
+            </a:pPr>
+            <a:r>
+              <a:rPr lang="fr-FR" sz="1400" dirty="0" smtClean="0">
+                <a:solidFill>
+                  <a:srgbClr val="A4CA39"/>
+                </a:solidFill>
+                <a:latin typeface="Cambria" pitchFamily="18" charset="0"/>
+              </a:rPr>
+              <a:t>Fonctionnalités</a:t>
+            </a:r>
+          </a:p>
+          <a:p>
+            <a:pPr marL="457200" indent="-457200">
+              <a:buFont typeface="+mj-lt"/>
+              <a:buAutoNum type="arabicPeriod"/>
+            </a:pPr>
+            <a:endParaRPr lang="fr-FR" sz="1400" dirty="0" smtClean="0">
+              <a:solidFill>
+                <a:srgbClr val="A4CA39"/>
+              </a:solidFill>
+              <a:latin typeface="Cambria" pitchFamily="18" charset="0"/>
+            </a:endParaRPr>
+          </a:p>
+          <a:p>
+            <a:pPr marL="457200" indent="-457200">
+              <a:buFont typeface="+mj-lt"/>
+              <a:buAutoNum type="arabicPeriod"/>
+            </a:pPr>
+            <a:r>
+              <a:rPr lang="fr-FR" sz="1400" dirty="0" smtClean="0">
+                <a:solidFill>
+                  <a:srgbClr val="A4CA39"/>
+                </a:solidFill>
+                <a:latin typeface="Cambria" pitchFamily="18" charset="0"/>
+              </a:rPr>
+              <a:t>Démonstration</a:t>
+            </a:r>
+          </a:p>
+          <a:p>
+            <a:pPr marL="457200" indent="-457200">
+              <a:buFont typeface="+mj-lt"/>
+              <a:buAutoNum type="arabicPeriod"/>
+            </a:pPr>
+            <a:endParaRPr lang="fr-FR" sz="1400" dirty="0" smtClean="0">
+              <a:solidFill>
+                <a:srgbClr val="A4CA39"/>
+              </a:solidFill>
+              <a:latin typeface="Cambria" pitchFamily="18" charset="0"/>
+            </a:endParaRPr>
+          </a:p>
+          <a:p>
+            <a:pPr marL="457200" indent="-457200">
+              <a:buFont typeface="+mj-lt"/>
+              <a:buAutoNum type="arabicPeriod"/>
+            </a:pPr>
+            <a:r>
+              <a:rPr lang="fr-FR" sz="1400" dirty="0" smtClean="0">
+                <a:solidFill>
+                  <a:srgbClr val="D8FBC1"/>
+                </a:solidFill>
+                <a:latin typeface="Cambria" pitchFamily="18" charset="0"/>
+              </a:rPr>
+              <a:t>Conclusion</a:t>
+            </a:r>
+          </a:p>
+          <a:p>
+            <a:endParaRPr lang="fr-FR" dirty="0"/>
+          </a:p>
+        </p:txBody>
+      </p:sp>
+    </p:spTree>
+  </p:cSld>
+  <p:clrMapOvr>
+    <a:masterClrMapping/>
+  </p:clrMapOvr>
+  <p:transition>
+    <p:fade/>
+  </p:transition>
+  <p:timing>
+    <p:tnLst>
+      <p:par>
+        <p:cTn id="1" dur="indefinite" restart="never" nodeType="tmRoot"/>
+      </p:par>
+    </p:tnLst>
+  </p:timing>
+</p:sld>
+</file>
+
+<file path=ppt/slides/slide15.xml><?xml version="1.0" encoding="utf-8"?>
+<p:sld xmlns:a="http://schemas.openxmlformats.org/drawingml/2006/main" xmlns:r="http://schemas.openxmlformats.org/officeDocument/2006/relationships" xmlns:p="http://schemas.openxmlformats.org/presentationml/2006/main">
+  <p:cSld>
+    <p:spTree>
+      <p:nvGrpSpPr>
+        <p:cNvPr id="1" name=""/>
+        <p:cNvGrpSpPr/>
+        <p:nvPr/>
+      </p:nvGrpSpPr>
+      <p:grpSpPr>
+        <a:xfrm>
+          <a:off x="0" y="0"/>
+          <a:ext cx="0" cy="0"/>
+          <a:chOff x="0" y="0"/>
+          <a:chExt cx="0" cy="0"/>
+        </a:xfrm>
+      </p:grpSpPr>
+      <p:sp>
+        <p:nvSpPr>
+          <p:cNvPr id="6" name="Titre 5"/>
+          <p:cNvSpPr>
+            <a:spLocks noGrp="1"/>
+          </p:cNvSpPr>
+          <p:nvPr>
+            <p:ph type="title"/>
+          </p:nvPr>
+        </p:nvSpPr>
+        <p:spPr/>
+        <p:txBody>
+          <a:bodyPr/>
+          <a:lstStyle/>
+          <a:p>
+            <a:r>
+              <a:rPr lang="fr-FR" dirty="0" smtClean="0"/>
+              <a:t>Conclusion</a:t>
+            </a:r>
+            <a:endParaRPr lang="fr-FR" dirty="0"/>
+          </a:p>
+        </p:txBody>
+      </p:sp>
+      <p:sp>
+        <p:nvSpPr>
+          <p:cNvPr id="4" name="Espace réservé du pied de page 3"/>
+          <p:cNvSpPr>
+            <a:spLocks noGrp="1"/>
+          </p:cNvSpPr>
+          <p:nvPr>
+            <p:ph type="ftr" sz="quarter" idx="11"/>
+          </p:nvPr>
+        </p:nvSpPr>
+        <p:spPr/>
+        <p:txBody>
+          <a:bodyPr/>
+          <a:lstStyle/>
+          <a:p>
+            <a:r>
+              <a:rPr lang="fr-FR" smtClean="0"/>
+              <a:t>M1 MIAGE  - 2010/2011</a:t>
+            </a:r>
+          </a:p>
+          <a:p>
+            <a:r>
+              <a:rPr lang="fr-FR" smtClean="0"/>
+              <a:t>Université de Nice Sophia Antipolis</a:t>
+            </a:r>
+            <a:endParaRPr lang="fr-BE" dirty="0"/>
+          </a:p>
+        </p:txBody>
+      </p:sp>
+      <p:sp>
+        <p:nvSpPr>
+          <p:cNvPr id="5" name="Espace réservé du numéro de diapositive 4"/>
+          <p:cNvSpPr>
+            <a:spLocks noGrp="1"/>
+          </p:cNvSpPr>
+          <p:nvPr>
+            <p:ph type="sldNum" sz="quarter" idx="12"/>
+          </p:nvPr>
+        </p:nvSpPr>
+        <p:spPr/>
+        <p:txBody>
+          <a:bodyPr/>
+          <a:lstStyle/>
+          <a:p>
+            <a:fld id="{CF4668DC-857F-487D-BFFA-8C0CA5037977}" type="slidenum">
+              <a:rPr lang="fr-BE" smtClean="0"/>
+              <a:pPr/>
+              <a:t>15</a:t>
+            </a:fld>
+            <a:r>
+              <a:rPr lang="fr-BE" smtClean="0"/>
+              <a:t> sur ?</a:t>
+            </a:r>
+            <a:endParaRPr lang="fr-BE" dirty="0"/>
+          </a:p>
+        </p:txBody>
+      </p:sp>
+      <p:sp>
+        <p:nvSpPr>
+          <p:cNvPr id="7" name="Espace réservé du contenu 6"/>
+          <p:cNvSpPr>
+            <a:spLocks noGrp="1"/>
+          </p:cNvSpPr>
+          <p:nvPr>
+            <p:ph sz="quarter" idx="14"/>
+          </p:nvPr>
+        </p:nvSpPr>
+        <p:spPr/>
+        <p:txBody>
+          <a:bodyPr>
+            <a:normAutofit/>
+          </a:bodyPr>
+          <a:lstStyle/>
+          <a:p>
+            <a:pPr>
+              <a:buFont typeface="Wingdings" pitchFamily="2" charset="2"/>
+              <a:buChar char="Ø"/>
+            </a:pPr>
+            <a:r>
+              <a:rPr lang="fr-FR" dirty="0" smtClean="0">
+                <a:solidFill>
+                  <a:schemeClr val="tx2">
+                    <a:lumMod val="75000"/>
+                  </a:schemeClr>
+                </a:solidFill>
+              </a:rPr>
+              <a:t>Les évolutions </a:t>
+            </a:r>
+            <a:r>
+              <a:rPr lang="fr-FR" dirty="0" smtClean="0">
+                <a:solidFill>
+                  <a:schemeClr val="tx2">
+                    <a:lumMod val="75000"/>
+                  </a:schemeClr>
+                </a:solidFill>
+              </a:rPr>
+              <a:t>possibles</a:t>
+            </a:r>
+          </a:p>
+          <a:p>
+            <a:pPr lvl="1">
+              <a:buFont typeface="Arial" pitchFamily="34" charset="0"/>
+              <a:buChar char="•"/>
+            </a:pPr>
+            <a:r>
+              <a:rPr lang="fr-FR" dirty="0" smtClean="0">
+                <a:solidFill>
+                  <a:schemeClr val="tx2">
+                    <a:lumMod val="75000"/>
+                  </a:schemeClr>
+                </a:solidFill>
+              </a:rPr>
+              <a:t>Mettre en place le time stretching</a:t>
+            </a:r>
+          </a:p>
+          <a:p>
+            <a:pPr lvl="1">
+              <a:buFont typeface="Arial" pitchFamily="34" charset="0"/>
+              <a:buChar char="•"/>
+            </a:pPr>
+            <a:r>
+              <a:rPr lang="fr-FR" dirty="0" smtClean="0">
+                <a:solidFill>
+                  <a:schemeClr val="tx2">
+                    <a:lumMod val="75000"/>
+                  </a:schemeClr>
+                </a:solidFill>
+              </a:rPr>
+              <a:t>Ajouter la possibilité de consulter les tablatures</a:t>
+            </a:r>
+          </a:p>
+          <a:p>
+            <a:pPr lvl="1">
+              <a:buFont typeface="Arial" pitchFamily="34" charset="0"/>
+              <a:buChar char="•"/>
+            </a:pPr>
+            <a:r>
+              <a:rPr lang="fr-FR" dirty="0" smtClean="0">
+                <a:solidFill>
+                  <a:schemeClr val="tx2">
+                    <a:lumMod val="75000"/>
+                  </a:schemeClr>
+                </a:solidFill>
+              </a:rPr>
+              <a:t>Inclure une recherche de musique par mot clé</a:t>
+            </a:r>
+          </a:p>
+          <a:p>
+            <a:pPr lvl="1">
+              <a:buFont typeface="Arial" pitchFamily="34" charset="0"/>
+              <a:buChar char="•"/>
+            </a:pPr>
+            <a:r>
+              <a:rPr lang="fr-FR" dirty="0" smtClean="0">
+                <a:solidFill>
+                  <a:schemeClr val="tx2">
+                    <a:lumMod val="75000"/>
+                  </a:schemeClr>
+                </a:solidFill>
+              </a:rPr>
+              <a:t>Ajouter le paramétrage des répertoires de stockage</a:t>
+            </a:r>
+          </a:p>
+          <a:p>
+            <a:pPr lvl="1">
+              <a:buFont typeface="Arial" pitchFamily="34" charset="0"/>
+              <a:buChar char="•"/>
+            </a:pPr>
+            <a:r>
+              <a:rPr lang="fr-FR" dirty="0" smtClean="0">
+                <a:solidFill>
+                  <a:schemeClr val="tx2">
+                    <a:lumMod val="75000"/>
+                  </a:schemeClr>
+                </a:solidFill>
+              </a:rPr>
+              <a:t>Afficher la pochette des albums</a:t>
+            </a:r>
+            <a:endParaRPr lang="fr-FR" dirty="0">
+              <a:solidFill>
+                <a:schemeClr val="tx2">
+                  <a:lumMod val="75000"/>
+                </a:schemeClr>
+              </a:solidFill>
+            </a:endParaRPr>
+          </a:p>
+        </p:txBody>
+      </p:sp>
+      <p:sp>
+        <p:nvSpPr>
+          <p:cNvPr id="8" name="Espace réservé du contenu 7"/>
+          <p:cNvSpPr>
+            <a:spLocks noGrp="1"/>
+          </p:cNvSpPr>
+          <p:nvPr>
+            <p:ph sz="quarter" idx="15"/>
+          </p:nvPr>
+        </p:nvSpPr>
+        <p:spPr/>
+        <p:txBody>
+          <a:bodyPr>
+            <a:normAutofit/>
+          </a:bodyPr>
+          <a:lstStyle/>
+          <a:p>
+            <a:pPr marL="457200" indent="-457200">
+              <a:buFont typeface="+mj-lt"/>
+              <a:buAutoNum type="arabicPeriod"/>
+            </a:pPr>
+            <a:r>
+              <a:rPr lang="fr-FR" sz="1400" dirty="0" smtClean="0">
+                <a:solidFill>
+                  <a:srgbClr val="A4CA39"/>
+                </a:solidFill>
+                <a:latin typeface="Cambria" pitchFamily="18" charset="0"/>
+              </a:rPr>
+              <a:t>Introduction</a:t>
+            </a:r>
+          </a:p>
+          <a:p>
+            <a:pPr marL="457200" indent="-457200">
+              <a:buFont typeface="+mj-lt"/>
+              <a:buAutoNum type="arabicPeriod"/>
+            </a:pPr>
+            <a:endParaRPr lang="fr-FR" sz="1400" dirty="0" smtClean="0">
+              <a:solidFill>
+                <a:srgbClr val="D8FBC1"/>
+              </a:solidFill>
+              <a:latin typeface="Cambria" pitchFamily="18" charset="0"/>
+            </a:endParaRPr>
+          </a:p>
+          <a:p>
+            <a:pPr marL="457200" indent="-457200">
+              <a:buFont typeface="+mj-lt"/>
+              <a:buAutoNum type="arabicPeriod"/>
+            </a:pPr>
+            <a:r>
+              <a:rPr lang="fr-FR" sz="1400" dirty="0" smtClean="0">
+                <a:solidFill>
+                  <a:srgbClr val="A4CA39"/>
+                </a:solidFill>
+                <a:latin typeface="Cambria" pitchFamily="18" charset="0"/>
+              </a:rPr>
+              <a:t>Déroulement du projet</a:t>
+            </a:r>
+          </a:p>
+          <a:p>
+            <a:pPr marL="457200" indent="-457200">
+              <a:buFont typeface="+mj-lt"/>
+              <a:buAutoNum type="arabicPeriod"/>
+            </a:pPr>
+            <a:endParaRPr lang="fr-FR" sz="1400" dirty="0" smtClean="0">
+              <a:solidFill>
+                <a:srgbClr val="A4CA39"/>
+              </a:solidFill>
+              <a:latin typeface="Cambria" pitchFamily="18" charset="0"/>
+            </a:endParaRPr>
+          </a:p>
+          <a:p>
+            <a:pPr marL="457200" indent="-457200">
+              <a:buFont typeface="+mj-lt"/>
+              <a:buAutoNum type="arabicPeriod"/>
+            </a:pPr>
+            <a:r>
+              <a:rPr lang="fr-FR" sz="1400" dirty="0" smtClean="0">
+                <a:solidFill>
+                  <a:srgbClr val="A4CA39"/>
+                </a:solidFill>
+                <a:latin typeface="Cambria" pitchFamily="18" charset="0"/>
+              </a:rPr>
+              <a:t>Outils et méthodologies utilisés</a:t>
+            </a:r>
+          </a:p>
+          <a:p>
+            <a:pPr marL="457200" indent="-457200">
+              <a:buFont typeface="+mj-lt"/>
+              <a:buAutoNum type="arabicPeriod"/>
+            </a:pPr>
+            <a:endParaRPr lang="fr-FR" sz="1400" dirty="0" smtClean="0">
+              <a:solidFill>
+                <a:srgbClr val="A4CA39"/>
+              </a:solidFill>
+              <a:latin typeface="Cambria" pitchFamily="18" charset="0"/>
+            </a:endParaRPr>
+          </a:p>
+          <a:p>
+            <a:pPr marL="457200" indent="-457200">
+              <a:buFont typeface="+mj-lt"/>
+              <a:buAutoNum type="arabicPeriod"/>
+            </a:pPr>
+            <a:r>
+              <a:rPr lang="fr-FR" sz="1400" dirty="0" smtClean="0">
+                <a:solidFill>
+                  <a:srgbClr val="A4CA39"/>
+                </a:solidFill>
+                <a:latin typeface="Cambria" pitchFamily="18" charset="0"/>
+              </a:rPr>
+              <a:t>Fonctionnalités</a:t>
+            </a:r>
+          </a:p>
+          <a:p>
+            <a:pPr marL="457200" indent="-457200">
+              <a:buFont typeface="+mj-lt"/>
+              <a:buAutoNum type="arabicPeriod"/>
+            </a:pPr>
+            <a:endParaRPr lang="fr-FR" sz="1400" dirty="0" smtClean="0">
+              <a:solidFill>
+                <a:srgbClr val="A4CA39"/>
+              </a:solidFill>
+              <a:latin typeface="Cambria" pitchFamily="18" charset="0"/>
+            </a:endParaRPr>
+          </a:p>
+          <a:p>
+            <a:pPr marL="457200" indent="-457200">
+              <a:buFont typeface="+mj-lt"/>
+              <a:buAutoNum type="arabicPeriod"/>
+            </a:pPr>
+            <a:r>
+              <a:rPr lang="fr-FR" sz="1400" dirty="0" smtClean="0">
+                <a:solidFill>
+                  <a:srgbClr val="A4CA39"/>
+                </a:solidFill>
+                <a:latin typeface="Cambria" pitchFamily="18" charset="0"/>
+              </a:rPr>
+              <a:t>Démonstration</a:t>
+            </a:r>
+          </a:p>
+          <a:p>
+            <a:pPr marL="457200" indent="-457200">
+              <a:buFont typeface="+mj-lt"/>
+              <a:buAutoNum type="arabicPeriod"/>
+            </a:pPr>
+            <a:endParaRPr lang="fr-FR" sz="1400" dirty="0" smtClean="0">
+              <a:solidFill>
+                <a:srgbClr val="A4CA39"/>
+              </a:solidFill>
+              <a:latin typeface="Cambria" pitchFamily="18" charset="0"/>
+            </a:endParaRPr>
+          </a:p>
+          <a:p>
+            <a:pPr marL="457200" indent="-457200">
+              <a:buFont typeface="+mj-lt"/>
+              <a:buAutoNum type="arabicPeriod"/>
+            </a:pPr>
+            <a:r>
+              <a:rPr lang="fr-FR" sz="1400" dirty="0" smtClean="0">
+                <a:solidFill>
+                  <a:srgbClr val="D8FBC1"/>
+                </a:solidFill>
+                <a:latin typeface="Cambria" pitchFamily="18" charset="0"/>
+              </a:rPr>
+              <a:t>Conclusion</a:t>
+            </a:r>
+          </a:p>
+          <a:p>
+            <a:endParaRPr lang="fr-FR" dirty="0"/>
+          </a:p>
+        </p:txBody>
+      </p:sp>
+    </p:spTree>
+  </p:cSld>
+  <p:clrMapOvr>
+    <a:masterClrMapping/>
+  </p:clrMapOvr>
+  <p:transition>
+    <p:fade/>
+  </p:transition>
+  <p:timing>
+    <p:tnLst>
+      <p:par>
+        <p:cTn id="1" dur="indefinite" restart="never" nodeType="tmRoot"/>
+      </p:par>
+    </p:tnLst>
+  </p:timing>
+</p:sld>
+</file>
+
+<file path=ppt/slides/slide16.xml><?xml version="1.0" encoding="utf-8"?>
+<p:sld xmlns:a="http://schemas.openxmlformats.org/drawingml/2006/main" xmlns:r="http://schemas.openxmlformats.org/officeDocument/2006/relationships" xmlns:p="http://schemas.openxmlformats.org/presentationml/2006/main">
+  <p:cSld>
+    <p:spTree>
+      <p:nvGrpSpPr>
+        <p:cNvPr id="1" name=""/>
+        <p:cNvGrpSpPr/>
+        <p:nvPr/>
+      </p:nvGrpSpPr>
+      <p:grpSpPr>
+        <a:xfrm>
+          <a:off x="0" y="0"/>
+          <a:ext cx="0" cy="0"/>
+          <a:chOff x="0" y="0"/>
+          <a:chExt cx="0" cy="0"/>
+        </a:xfrm>
+      </p:grpSpPr>
+      <p:sp>
+        <p:nvSpPr>
+          <p:cNvPr id="6" name="Titre 5"/>
+          <p:cNvSpPr>
+            <a:spLocks noGrp="1"/>
+          </p:cNvSpPr>
+          <p:nvPr>
+            <p:ph type="ctrTitle"/>
+          </p:nvPr>
+        </p:nvSpPr>
+        <p:spPr/>
+        <p:txBody>
+          <a:bodyPr/>
+          <a:lstStyle/>
+          <a:p>
+            <a:r>
+              <a:rPr lang="fr-FR" dirty="0" smtClean="0">
+                <a:solidFill>
+                  <a:srgbClr val="A4CA39"/>
+                </a:solidFill>
+              </a:rPr>
+              <a:t>Merci de votre attention…</a:t>
+            </a:r>
+            <a:endParaRPr lang="fr-FR" dirty="0">
+              <a:solidFill>
+                <a:srgbClr val="A4CA39"/>
+              </a:solidFill>
+            </a:endParaRPr>
+          </a:p>
+        </p:txBody>
+      </p:sp>
+      <p:sp>
+        <p:nvSpPr>
+          <p:cNvPr id="4" name="Espace réservé du pied de page 3"/>
+          <p:cNvSpPr>
+            <a:spLocks noGrp="1"/>
+          </p:cNvSpPr>
+          <p:nvPr>
+            <p:ph type="ftr" sz="quarter" idx="11"/>
+          </p:nvPr>
+        </p:nvSpPr>
+        <p:spPr/>
+        <p:txBody>
+          <a:bodyPr/>
+          <a:lstStyle/>
+          <a:p>
+            <a:r>
+              <a:rPr lang="fr-FR" smtClean="0"/>
+              <a:t>M1 MIAGE  - 2010/2011</a:t>
+            </a:r>
+          </a:p>
+          <a:p>
+            <a:r>
+              <a:rPr lang="fr-FR" smtClean="0"/>
+              <a:t>Université de Nice Sophia Antipolis</a:t>
+            </a:r>
+            <a:endParaRPr lang="fr-BE" dirty="0"/>
+          </a:p>
+        </p:txBody>
+      </p:sp>
+      <p:sp>
+        <p:nvSpPr>
+          <p:cNvPr id="5" name="Espace réservé du numéro de diapositive 4"/>
+          <p:cNvSpPr>
+            <a:spLocks noGrp="1"/>
+          </p:cNvSpPr>
+          <p:nvPr>
+            <p:ph type="sldNum" sz="quarter" idx="12"/>
+          </p:nvPr>
+        </p:nvSpPr>
+        <p:spPr/>
+        <p:txBody>
+          <a:bodyPr/>
+          <a:lstStyle/>
+          <a:p>
+            <a:fld id="{CF4668DC-857F-487D-BFFA-8C0CA5037977}" type="slidenum">
+              <a:rPr lang="fr-BE" smtClean="0"/>
+              <a:pPr/>
+              <a:t>16</a:t>
+            </a:fld>
+            <a:r>
+              <a:rPr lang="fr-BE" smtClean="0"/>
+              <a:t> sur ?</a:t>
+            </a:r>
+            <a:endParaRPr lang="fr-BE" dirty="0"/>
+          </a:p>
+        </p:txBody>
+      </p:sp>
+      <p:pic>
+        <p:nvPicPr>
+          <p:cNvPr id="11" name="Image 10" descr="bugdroid_question.PNG"/>
+          <p:cNvPicPr>
+            <a:picLocks noChangeAspect="1"/>
+          </p:cNvPicPr>
+          <p:nvPr/>
+        </p:nvPicPr>
+        <p:blipFill>
+          <a:blip r:embed="rId2" cstate="print"/>
+          <a:stretch>
+            <a:fillRect/>
+          </a:stretch>
+        </p:blipFill>
+        <p:spPr>
+          <a:xfrm>
+            <a:off x="2721564" y="1557272"/>
+            <a:ext cx="3662609" cy="4320000"/>
+          </a:xfrm>
+          <a:prstGeom prst="rect">
+            <a:avLst/>
+          </a:prstGeom>
+        </p:spPr>
+      </p:pic>
     </p:spTree>
   </p:cSld>
   <p:clrMapOvr>
@@ -4242,13 +6831,13 @@
         </p:nvSpPr>
         <p:spPr>
           <a:xfrm>
-            <a:off x="683568" y="1340768"/>
+            <a:off x="683568" y="1196752"/>
             <a:ext cx="7776864" cy="4896544"/>
           </a:xfrm>
         </p:spPr>
         <p:txBody>
           <a:bodyPr>
-            <a:normAutofit fontScale="92500" lnSpcReduction="10000"/>
+            <a:normAutofit fontScale="70000" lnSpcReduction="20000"/>
           </a:bodyPr>
           <a:lstStyle/>
           <a:p>
@@ -4275,6 +6864,7 @@
                 <a:solidFill>
                   <a:srgbClr val="D8FBC1"/>
                 </a:solidFill>
+                <a:latin typeface="Cambria" pitchFamily="18" charset="0"/>
               </a:rPr>
               <a:t>Objectif du projet</a:t>
             </a:r>
@@ -4289,6 +6879,7 @@
                 <a:solidFill>
                   <a:srgbClr val="D8FBC1"/>
                 </a:solidFill>
+                <a:latin typeface="Cambria" pitchFamily="18" charset="0"/>
               </a:rPr>
               <a:t>Présentation d’</a:t>
             </a:r>
@@ -4297,17 +6888,16 @@
                 <a:solidFill>
                   <a:srgbClr val="D8FBC1"/>
                 </a:solidFill>
+                <a:latin typeface="Cambria" pitchFamily="18" charset="0"/>
               </a:rPr>
               <a:t>Android</a:t>
             </a:r>
-            <a:r>
-              <a:rPr lang="fr-FR" sz="2400" dirty="0" smtClean="0">
-                <a:solidFill>
-                  <a:srgbClr val="D8FBC1"/>
-                </a:solidFill>
-              </a:rPr>
-              <a:t> ?</a:t>
-            </a:r>
+            <a:endParaRPr lang="fr-FR" sz="2400" dirty="0" smtClean="0">
+              <a:solidFill>
+                <a:srgbClr val="D8FBC1"/>
+              </a:solidFill>
+              <a:latin typeface="Cambria" pitchFamily="18" charset="0"/>
+            </a:endParaRPr>
           </a:p>
           <a:p>
             <a:pPr marL="514350" indent="-514350" algn="l">
@@ -4333,8 +6923,18 @@
                 <a:solidFill>
                   <a:srgbClr val="D8FBC1"/>
                 </a:solidFill>
-              </a:rPr>
-              <a:t>Diagramme de Gantt prévisionnel</a:t>
+                <a:latin typeface="Cambria" pitchFamily="18" charset="0"/>
+              </a:rPr>
+              <a:t>Diagramme de Gantt </a:t>
+            </a:r>
+            <a:r>
+              <a:rPr lang="fr-FR" sz="2400" dirty="0" smtClean="0">
+                <a:solidFill>
+                  <a:srgbClr val="D8FBC1"/>
+                </a:solidFill>
+                <a:latin typeface="Cambria" pitchFamily="18" charset="0"/>
+              </a:rPr>
+              <a:t>prévisionnel</a:t>
             </a:r>
           </a:p>
           <a:p>
@@ -4347,67 +6947,16 @@
                 <a:solidFill>
                   <a:srgbClr val="D8FBC1"/>
                 </a:solidFill>
-              </a:rPr>
-              <a:t>Diagramme </a:t>
-            </a:r>
-            <a:r>
-              <a:rPr lang="fr-FR" sz="2400" dirty="0" smtClean="0">
-                <a:solidFill>
-                  <a:srgbClr val="D8FBC1"/>
-                </a:solidFill>
-              </a:rPr>
-              <a:t>de Gantt </a:t>
-            </a:r>
-            <a:r>
-              <a:rPr lang="fr-FR" sz="2400" dirty="0" smtClean="0">
-                <a:solidFill>
-                  <a:srgbClr val="D8FBC1"/>
-                </a:solidFill>
-              </a:rPr>
-              <a:t>effectif</a:t>
-            </a:r>
-          </a:p>
-          <a:p>
-            <a:pPr marL="514350" indent="-514350" algn="l">
-              <a:buFont typeface="+mj-lt"/>
-              <a:buAutoNum type="arabicPeriod"/>
-            </a:pPr>
-            <a:r>
-              <a:rPr lang="fr-FR" sz="3000" dirty="0" smtClean="0">
-                <a:solidFill>
-                  <a:srgbClr val="A4CA39"/>
-                </a:solidFill>
-              </a:rPr>
-              <a:t>Outils et méthodologies utilisés</a:t>
-            </a:r>
-          </a:p>
-          <a:p>
-            <a:pPr marL="514350" indent="-514350" algn="l">
-              <a:buFont typeface="+mj-lt"/>
-              <a:buAutoNum type="arabicPeriod"/>
-            </a:pPr>
-            <a:r>
-              <a:rPr lang="fr-FR" sz="3000" dirty="0" smtClean="0">
-                <a:solidFill>
-                  <a:srgbClr val="A4CA39"/>
-                </a:solidFill>
-              </a:rPr>
-              <a:t>Démonstration</a:t>
-            </a:r>
-          </a:p>
-          <a:p>
-            <a:pPr marL="514350" indent="-514350" algn="l">
-              <a:buFont typeface="+mj-lt"/>
-              <a:buAutoNum type="arabicPeriod"/>
-            </a:pPr>
-            <a:r>
-              <a:rPr lang="fr-FR" sz="3000" dirty="0" smtClean="0">
-                <a:solidFill>
-                  <a:srgbClr val="A4CA39"/>
-                </a:solidFill>
-              </a:rPr>
-              <a:t>Conclusion</a:t>
-            </a:r>
+                <a:latin typeface="Cambria" pitchFamily="18" charset="0"/>
+              </a:rPr>
+              <a:t>Tout au long du projet</a:t>
+            </a:r>
+            <a:endParaRPr lang="fr-FR" sz="2400" dirty="0" smtClean="0">
+              <a:solidFill>
+                <a:srgbClr val="D8FBC1"/>
+              </a:solidFill>
+              <a:latin typeface="Cambria" pitchFamily="18" charset="0"/>
+            </a:endParaRPr>
           </a:p>
           <a:p>
             <a:pPr marL="971550" lvl="1" indent="-514350" algn="l">
@@ -4419,8 +6968,37 @@
                 <a:solidFill>
                   <a:srgbClr val="D8FBC1"/>
                 </a:solidFill>
-              </a:rPr>
-              <a:t>Les connaissances et compétences acquises</a:t>
+                <a:latin typeface="Cambria" pitchFamily="18" charset="0"/>
+              </a:rPr>
+              <a:t>Diagramme de Gantt effectif</a:t>
+            </a:r>
+          </a:p>
+          <a:p>
+            <a:pPr marL="514350" indent="-514350" algn="l">
+              <a:buFont typeface="+mj-lt"/>
+              <a:buAutoNum type="arabicPeriod"/>
+            </a:pPr>
+            <a:r>
+              <a:rPr lang="fr-FR" sz="3000" dirty="0" smtClean="0">
+                <a:solidFill>
+                  <a:srgbClr val="A4CA39"/>
+                </a:solidFill>
+              </a:rPr>
+              <a:t>Outils et méthodologies utilisés</a:t>
+            </a:r>
+          </a:p>
+          <a:p>
+            <a:pPr marL="514350" indent="-514350" algn="l">
+              <a:buFont typeface="+mj-lt"/>
+              <a:buAutoNum type="arabicPeriod"/>
+            </a:pPr>
+            <a:r>
+              <a:rPr lang="fr-FR" sz="3000" dirty="0" smtClean="0">
+                <a:solidFill>
+                  <a:srgbClr val="A4CA39"/>
+                </a:solidFill>
+              </a:rPr>
+              <a:t>Fonctionnalités</a:t>
             </a:r>
           </a:p>
           <a:p>
@@ -4433,6 +7011,146 @@
                 <a:solidFill>
                   <a:srgbClr val="D8FBC1"/>
                 </a:solidFill>
+                <a:latin typeface="Cambria" pitchFamily="18" charset="0"/>
+              </a:rPr>
+              <a:t>Le tri des fichiers audio</a:t>
+            </a:r>
+          </a:p>
+          <a:p>
+            <a:pPr marL="971550" lvl="1" indent="-514350" algn="l">
+              <a:buFont typeface="Wingdings" pitchFamily="2" charset="2"/>
+              <a:buChar char="Ø"/>
+            </a:pPr>
+            <a:r>
+              <a:rPr lang="fr-FR" sz="2400" dirty="0" smtClean="0">
+                <a:solidFill>
+                  <a:srgbClr val="D8FBC1"/>
+                </a:solidFill>
+                <a:latin typeface="Cambria" pitchFamily="18" charset="0"/>
+              </a:rPr>
+              <a:t>La « </a:t>
+            </a:r>
+            <a:r>
+              <a:rPr lang="fr-FR" sz="2400" dirty="0" err="1" smtClean="0">
+                <a:solidFill>
+                  <a:srgbClr val="D8FBC1"/>
+                </a:solidFill>
+                <a:latin typeface="Cambria" pitchFamily="18" charset="0"/>
+              </a:rPr>
+              <a:t>loop</a:t>
+            </a:r>
+            <a:r>
+              <a:rPr lang="fr-FR" sz="2400" dirty="0" smtClean="0">
+                <a:solidFill>
+                  <a:srgbClr val="D8FBC1"/>
+                </a:solidFill>
+                <a:latin typeface="Cambria" pitchFamily="18" charset="0"/>
+              </a:rPr>
+              <a:t>  »</a:t>
+            </a:r>
+          </a:p>
+          <a:p>
+            <a:pPr marL="971550" lvl="1" indent="-514350" algn="l">
+              <a:buFont typeface="Wingdings" pitchFamily="2" charset="2"/>
+              <a:buChar char="Ø"/>
+            </a:pPr>
+            <a:r>
+              <a:rPr lang="fr-FR" sz="2400" dirty="0" smtClean="0">
+                <a:solidFill>
+                  <a:srgbClr val="D8FBC1"/>
+                </a:solidFill>
+                <a:latin typeface="Cambria" pitchFamily="18" charset="0"/>
+              </a:rPr>
+              <a:t>L’ « </a:t>
+            </a:r>
+            <a:r>
+              <a:rPr lang="fr-FR" sz="2400" dirty="0" err="1" smtClean="0">
+                <a:solidFill>
+                  <a:srgbClr val="D8FBC1"/>
+                </a:solidFill>
+                <a:latin typeface="Cambria" pitchFamily="18" charset="0"/>
+              </a:rPr>
+              <a:t>equalizer</a:t>
+            </a:r>
+            <a:r>
+              <a:rPr lang="fr-FR" sz="2400" dirty="0" smtClean="0">
+                <a:solidFill>
+                  <a:srgbClr val="D8FBC1"/>
+                </a:solidFill>
+                <a:latin typeface="Cambria" pitchFamily="18" charset="0"/>
+              </a:rPr>
+              <a:t> »</a:t>
+            </a:r>
+          </a:p>
+          <a:p>
+            <a:pPr marL="971550" lvl="1" indent="-514350" algn="l">
+              <a:buFont typeface="Wingdings" pitchFamily="2" charset="2"/>
+              <a:buChar char="Ø"/>
+            </a:pPr>
+            <a:r>
+              <a:rPr lang="fr-FR" sz="2400" dirty="0" smtClean="0">
+                <a:solidFill>
+                  <a:srgbClr val="D8FBC1"/>
+                </a:solidFill>
+                <a:latin typeface="Cambria" pitchFamily="18" charset="0"/>
+              </a:rPr>
+              <a:t>Les « lyrics »</a:t>
+            </a:r>
+          </a:p>
+          <a:p>
+            <a:pPr marL="514350" indent="-514350" algn="l">
+              <a:buFont typeface="+mj-lt"/>
+              <a:buAutoNum type="arabicPeriod"/>
+            </a:pPr>
+            <a:r>
+              <a:rPr lang="fr-FR" dirty="0" smtClean="0">
+                <a:solidFill>
+                  <a:srgbClr val="A4CA39"/>
+                </a:solidFill>
+              </a:rPr>
+              <a:t>Démonstration</a:t>
+            </a:r>
+          </a:p>
+          <a:p>
+            <a:pPr marL="514350" indent="-514350" algn="l">
+              <a:buFont typeface="+mj-lt"/>
+              <a:buAutoNum type="arabicPeriod"/>
+            </a:pPr>
+            <a:r>
+              <a:rPr lang="fr-FR" sz="3000" dirty="0" smtClean="0">
+                <a:solidFill>
+                  <a:srgbClr val="A4CA39"/>
+                </a:solidFill>
+              </a:rPr>
+              <a:t>Conclusion</a:t>
+            </a:r>
+          </a:p>
+          <a:p>
+            <a:pPr marL="971550" lvl="1" indent="-514350" algn="l">
+              <a:buFont typeface="Wingdings" pitchFamily="2" charset="2"/>
+              <a:buChar char="Ø"/>
+            </a:pPr>
+            <a:r>
+              <a:rPr lang="fr-FR" sz="2400" dirty="0" smtClean="0">
+                <a:solidFill>
+                  <a:srgbClr val="D8FBC1"/>
+                </a:solidFill>
+                <a:latin typeface="Cambria" pitchFamily="18" charset="0"/>
+              </a:rPr>
+              <a:t>Les connaissances et compétences acquises</a:t>
+            </a:r>
+          </a:p>
+          <a:p>
+            <a:pPr marL="971550" lvl="1" indent="-514350" algn="l">
+              <a:buFont typeface="Wingdings" pitchFamily="2" charset="2"/>
+              <a:buChar char="Ø"/>
+            </a:pPr>
+            <a:r>
+              <a:rPr lang="fr-FR" sz="2400" dirty="0" smtClean="0">
+                <a:solidFill>
+                  <a:srgbClr val="D8FBC1"/>
+                </a:solidFill>
+                <a:latin typeface="Cambria" pitchFamily="18" charset="0"/>
               </a:rPr>
               <a:t>Les évolutions possibles</a:t>
             </a:r>
@@ -4575,14 +7293,10 @@
           <a:lstStyle/>
           <a:p>
             <a:r>
-              <a:rPr lang="fr-FR" dirty="0" smtClean="0">
-                <a:latin typeface="Cambria" pitchFamily="18" charset="0"/>
-              </a:rPr>
+              <a:rPr lang="fr-FR" dirty="0" smtClean="0"/>
               <a:t>Introduction</a:t>
             </a:r>
-            <a:endParaRPr lang="fr-FR" dirty="0">
-              <a:latin typeface="Cambria" pitchFamily="18" charset="0"/>
-            </a:endParaRPr>
+            <a:endParaRPr lang="fr-FR" dirty="0"/>
           </a:p>
         </p:txBody>
       </p:sp>
@@ -4645,12 +7359,211 @@
       </p:sp>
       <p:sp>
         <p:nvSpPr>
+          <p:cNvPr id="7" name="Espace réservé du contenu 6"/>
+          <p:cNvSpPr>
+            <a:spLocks noGrp="1"/>
+          </p:cNvSpPr>
+          <p:nvPr>
+            <p:ph sz="quarter" idx="14"/>
+          </p:nvPr>
+        </p:nvSpPr>
+        <p:spPr/>
+        <p:txBody>
+          <a:bodyPr/>
+          <a:lstStyle/>
+          <a:p>
+            <a:pPr marL="514350" indent="-514350">
+              <a:buFont typeface="Wingdings" pitchFamily="2" charset="2"/>
+              <a:buChar char="Ø"/>
+            </a:pPr>
+            <a:r>
+              <a:rPr lang="fr-FR" dirty="0" smtClean="0">
+                <a:solidFill>
+                  <a:schemeClr val="tx2">
+                    <a:lumMod val="75000"/>
+                  </a:schemeClr>
+                </a:solidFill>
+              </a:rPr>
+              <a:t>Objectifs du </a:t>
+            </a:r>
+            <a:r>
+              <a:rPr lang="fr-FR" dirty="0" smtClean="0">
+                <a:solidFill>
+                  <a:schemeClr val="tx2">
+                    <a:lumMod val="75000"/>
+                  </a:schemeClr>
+                </a:solidFill>
+              </a:rPr>
+              <a:t>projet</a:t>
+            </a:r>
+          </a:p>
+          <a:p>
+            <a:pPr marL="914400" lvl="1" indent="-514350">
+              <a:buFont typeface="Arial" pitchFamily="34" charset="0"/>
+              <a:buChar char="•"/>
+            </a:pPr>
+            <a:r>
+              <a:rPr lang="fr-FR" dirty="0" smtClean="0">
+                <a:solidFill>
+                  <a:schemeClr val="tx2">
+                    <a:lumMod val="75000"/>
+                  </a:schemeClr>
+                </a:solidFill>
+              </a:rPr>
+              <a:t>Lecteur MP3 pour musiciens</a:t>
+            </a:r>
+          </a:p>
+          <a:p>
+            <a:pPr marL="914400" lvl="1" indent="-514350">
+              <a:buFont typeface="Arial" pitchFamily="34" charset="0"/>
+              <a:buChar char="•"/>
+            </a:pPr>
+            <a:r>
+              <a:rPr lang="fr-FR" dirty="0" smtClean="0">
+                <a:solidFill>
+                  <a:schemeClr val="tx2">
+                    <a:lumMod val="75000"/>
+                  </a:schemeClr>
+                </a:solidFill>
+              </a:rPr>
+              <a:t>Pour téléphones sous </a:t>
+            </a:r>
+            <a:r>
+              <a:rPr lang="fr-FR" dirty="0" err="1" smtClean="0">
+                <a:solidFill>
+                  <a:schemeClr val="tx2">
+                    <a:lumMod val="75000"/>
+                  </a:schemeClr>
+                </a:solidFill>
+              </a:rPr>
+              <a:t>Android</a:t>
+            </a:r>
+            <a:endParaRPr lang="fr-FR" dirty="0" smtClean="0">
+              <a:solidFill>
+                <a:schemeClr val="tx2">
+                  <a:lumMod val="75000"/>
+                </a:schemeClr>
+              </a:solidFill>
+            </a:endParaRPr>
+          </a:p>
+          <a:p>
+            <a:pPr marL="914400" lvl="1" indent="-514350">
+              <a:buFont typeface="Arial" pitchFamily="34" charset="0"/>
+              <a:buChar char="•"/>
+            </a:pPr>
+            <a:r>
+              <a:rPr lang="fr-FR" dirty="0" smtClean="0">
+                <a:solidFill>
+                  <a:schemeClr val="tx2">
+                    <a:lumMod val="75000"/>
+                  </a:schemeClr>
+                </a:solidFill>
+              </a:rPr>
+              <a:t>Fonctionnalités requises</a:t>
+            </a:r>
+          </a:p>
+          <a:p>
+            <a:pPr marL="1314450" lvl="2" indent="-514350"/>
+            <a:r>
+              <a:rPr lang="fr-FR" dirty="0" smtClean="0">
+                <a:solidFill>
+                  <a:schemeClr val="tx2">
+                    <a:lumMod val="75000"/>
+                  </a:schemeClr>
+                </a:solidFill>
+              </a:rPr>
+              <a:t>Boucler sur un morceau</a:t>
+            </a:r>
+            <a:endParaRPr lang="fr-FR" dirty="0" smtClean="0">
+              <a:solidFill>
+                <a:schemeClr val="tx2">
+                  <a:lumMod val="75000"/>
+                </a:schemeClr>
+              </a:solidFill>
+            </a:endParaRPr>
+          </a:p>
+          <a:p>
+            <a:pPr marL="1314450" lvl="2" indent="-514350"/>
+            <a:r>
+              <a:rPr lang="fr-FR" dirty="0" smtClean="0">
+                <a:solidFill>
+                  <a:schemeClr val="tx2">
+                    <a:lumMod val="75000"/>
+                  </a:schemeClr>
+                </a:solidFill>
+              </a:rPr>
+              <a:t>Ralentir un morceau sans changer la hauteur des notes</a:t>
+            </a:r>
+          </a:p>
+          <a:p>
+            <a:pPr marL="1314450" lvl="2" indent="-514350"/>
+            <a:r>
+              <a:rPr lang="fr-FR" dirty="0" smtClean="0">
+                <a:solidFill>
+                  <a:schemeClr val="tx2">
+                    <a:lumMod val="75000"/>
+                  </a:schemeClr>
+                </a:solidFill>
+              </a:rPr>
+              <a:t>Changer la tonalité d’un morceau sans le ralentir</a:t>
+            </a:r>
+          </a:p>
+          <a:p>
+            <a:pPr marL="914400" lvl="1" indent="-514350">
+              <a:buFont typeface="Arial" pitchFamily="34" charset="0"/>
+              <a:buChar char="•"/>
+            </a:pPr>
+            <a:r>
+              <a:rPr lang="fr-FR" dirty="0" smtClean="0">
+                <a:solidFill>
+                  <a:schemeClr val="tx2">
+                    <a:lumMod val="75000"/>
+                  </a:schemeClr>
+                </a:solidFill>
+              </a:rPr>
+              <a:t>Application </a:t>
+            </a:r>
+            <a:r>
+              <a:rPr lang="fr-FR" dirty="0" smtClean="0">
+                <a:solidFill>
+                  <a:schemeClr val="tx2">
+                    <a:lumMod val="75000"/>
+                  </a:schemeClr>
+                </a:solidFill>
+              </a:rPr>
+              <a:t>e</a:t>
+            </a:r>
+            <a:r>
+              <a:rPr lang="fr-FR" dirty="0" smtClean="0">
+                <a:solidFill>
+                  <a:schemeClr val="tx2">
+                    <a:lumMod val="75000"/>
+                  </a:schemeClr>
+                </a:solidFill>
+              </a:rPr>
+              <a:t>rgonomique</a:t>
+            </a:r>
+          </a:p>
+          <a:p>
+            <a:pPr marL="1314450" lvl="2" indent="-514350"/>
+            <a:endParaRPr lang="fr-FR" dirty="0">
+              <a:solidFill>
+                <a:schemeClr val="tx2">
+                  <a:lumMod val="75000"/>
+                </a:schemeClr>
+              </a:solidFill>
+            </a:endParaRPr>
+          </a:p>
+        </p:txBody>
+      </p:sp>
+      <p:sp>
+        <p:nvSpPr>
           <p:cNvPr id="8" name="Espace réservé du contenu 7"/>
           <p:cNvSpPr>
             <a:spLocks noGrp="1"/>
           </p:cNvSpPr>
           <p:nvPr>
-            <p:ph sz="quarter" idx="13"/>
+            <p:ph sz="quarter" idx="15"/>
           </p:nvPr>
         </p:nvSpPr>
         <p:spPr/>
@@ -4752,7 +7665,7 @@
                 </a:solidFill>
                 <a:latin typeface="Cambria" pitchFamily="18" charset="0"/>
               </a:rPr>
-              <a:t>Démonstration</a:t>
+              <a:t>Fonctionnalités</a:t>
             </a:r>
           </a:p>
           <a:p>
@@ -4779,31 +7692,36 @@
                 </a:solidFill>
                 <a:latin typeface="Cambria" pitchFamily="18" charset="0"/>
               </a:rPr>
-              <a:t>Conclusion</a:t>
-            </a:r>
-            <a:endParaRPr lang="fr-FR" sz="1400" dirty="0">
+              <a:t>Démonstration</a:t>
+            </a:r>
+          </a:p>
+          <a:p>
+            <a:pPr marL="457200" indent="-457200">
+              <a:buFont typeface="+mj-lt"/>
+              <a:buAutoNum type="arabicPeriod"/>
+            </a:pPr>
+            <a:endParaRPr lang="fr-FR" sz="1400" dirty="0" smtClean="0">
               <a:solidFill>
                 <a:srgbClr val="A4CA39"/>
               </a:solidFill>
               <a:latin typeface="Cambria" pitchFamily="18" charset="0"/>
             </a:endParaRPr>
           </a:p>
-        </p:txBody>
-      </p:sp>
-      <p:sp>
-        <p:nvSpPr>
-          <p:cNvPr id="9" name="Espace réservé du contenu 8"/>
-          <p:cNvSpPr>
-            <a:spLocks noGrp="1"/>
-          </p:cNvSpPr>
-          <p:nvPr>
-            <p:ph sz="quarter" idx="14"/>
-          </p:nvPr>
-        </p:nvSpPr>
-        <p:spPr/>
-        <p:txBody>
-          <a:bodyPr/>
-          <a:lstStyle/>
+          <a:p>
+            <a:pPr marL="457200" indent="-457200">
+              <a:buFont typeface="+mj-lt"/>
+              <a:buAutoNum type="arabicPeriod"/>
+            </a:pPr>
+            <a:r>
+              <a:rPr lang="fr-FR" sz="1400" dirty="0" smtClean="0">
+                <a:solidFill>
+                  <a:srgbClr val="A4CA39"/>
+                </a:solidFill>
+                <a:latin typeface="Cambria" pitchFamily="18" charset="0"/>
+              </a:rPr>
+              <a:t>Conclusion</a:t>
+            </a:r>
+          </a:p>
           <a:p>
             <a:endParaRPr lang="fr-FR" dirty="0"/>
           </a:p>
@@ -4860,14 +7778,10 @@
           <a:lstStyle/>
           <a:p>
             <a:r>
-              <a:rPr lang="fr-FR" dirty="0" smtClean="0">
-                <a:latin typeface="Cambria" pitchFamily="18" charset="0"/>
-              </a:rPr>
-              <a:t>Déroulement du projet</a:t>
-            </a:r>
-            <a:endParaRPr lang="fr-FR" dirty="0">
-              <a:latin typeface="Cambria" pitchFamily="18" charset="0"/>
-            </a:endParaRPr>
+              <a:rPr lang="fr-FR" dirty="0" smtClean="0"/>
+              <a:t>Introduction</a:t>
+            </a:r>
+            <a:endParaRPr lang="fr-FR" dirty="0"/>
           </a:p>
         </p:txBody>
       </p:sp>
@@ -4930,12 +7844,191 @@
       </p:sp>
       <p:sp>
         <p:nvSpPr>
+          <p:cNvPr id="7" name="Espace réservé du contenu 6"/>
+          <p:cNvSpPr>
+            <a:spLocks noGrp="1"/>
+          </p:cNvSpPr>
+          <p:nvPr>
+            <p:ph sz="quarter" idx="14"/>
+          </p:nvPr>
+        </p:nvSpPr>
+        <p:spPr/>
+        <p:txBody>
+          <a:bodyPr/>
+          <a:lstStyle/>
+          <a:p>
+            <a:pPr marL="514350" indent="-514350">
+              <a:buFont typeface="Wingdings" pitchFamily="2" charset="2"/>
+              <a:buChar char="Ø"/>
+            </a:pPr>
+            <a:r>
+              <a:rPr lang="fr-FR" dirty="0" smtClean="0">
+                <a:solidFill>
+                  <a:schemeClr val="tx2">
+                    <a:lumMod val="75000"/>
+                  </a:schemeClr>
+                </a:solidFill>
+              </a:rPr>
+              <a:t>Présentation </a:t>
+            </a:r>
+            <a:r>
+              <a:rPr lang="fr-FR" dirty="0" smtClean="0">
+                <a:solidFill>
+                  <a:schemeClr val="tx2">
+                    <a:lumMod val="75000"/>
+                  </a:schemeClr>
+                </a:solidFill>
+              </a:rPr>
+              <a:t>d’</a:t>
+            </a:r>
+            <a:r>
+              <a:rPr lang="fr-FR" dirty="0" err="1" smtClean="0">
+                <a:solidFill>
+                  <a:schemeClr val="tx2">
+                    <a:lumMod val="75000"/>
+                  </a:schemeClr>
+                </a:solidFill>
+              </a:rPr>
+              <a:t>Android</a:t>
+            </a:r>
+            <a:endParaRPr lang="fr-FR" dirty="0" smtClean="0">
+              <a:solidFill>
+                <a:schemeClr val="tx2">
+                  <a:lumMod val="75000"/>
+                </a:schemeClr>
+              </a:solidFill>
+            </a:endParaRPr>
+          </a:p>
+          <a:p>
+            <a:pPr marL="914400" lvl="1" indent="-514350">
+              <a:buFont typeface="Arial" pitchFamily="34" charset="0"/>
+              <a:buChar char="•"/>
+            </a:pPr>
+            <a:r>
+              <a:rPr lang="fr-FR" dirty="0" smtClean="0">
+                <a:solidFill>
+                  <a:schemeClr val="tx2">
+                    <a:lumMod val="75000"/>
+                  </a:schemeClr>
+                </a:solidFill>
+              </a:rPr>
+              <a:t>Société rachetée par Google</a:t>
+            </a:r>
+          </a:p>
+          <a:p>
+            <a:pPr marL="914400" lvl="1" indent="-514350">
+              <a:buFont typeface="Arial" pitchFamily="34" charset="0"/>
+              <a:buChar char="•"/>
+            </a:pPr>
+            <a:r>
+              <a:rPr lang="fr-FR" dirty="0" smtClean="0">
+                <a:solidFill>
+                  <a:schemeClr val="tx2">
+                    <a:lumMod val="75000"/>
+                  </a:schemeClr>
+                </a:solidFill>
+              </a:rPr>
+              <a:t>Conceptric</a:t>
+            </a:r>
+            <a:r>
+              <a:rPr lang="fr-FR" dirty="0" smtClean="0">
+                <a:solidFill>
+                  <a:schemeClr val="tx2">
+                    <a:lumMod val="75000"/>
+                  </a:schemeClr>
+                </a:solidFill>
+              </a:rPr>
+              <a:t>e du système d’exploitation homonyme</a:t>
+            </a:r>
+          </a:p>
+          <a:p>
+            <a:pPr marL="914400" lvl="1" indent="-514350">
+              <a:buFont typeface="Arial" pitchFamily="34" charset="0"/>
+              <a:buChar char="•"/>
+            </a:pPr>
+            <a:r>
+              <a:rPr lang="fr-FR" dirty="0" smtClean="0">
+                <a:solidFill>
+                  <a:schemeClr val="tx2">
+                    <a:lumMod val="75000"/>
+                  </a:schemeClr>
+                </a:solidFill>
+              </a:rPr>
+              <a:t>Sortie annoncée officiellement fin 2007</a:t>
+            </a:r>
+          </a:p>
+          <a:p>
+            <a:pPr marL="914400" lvl="1" indent="-514350">
+              <a:buFont typeface="Arial" pitchFamily="34" charset="0"/>
+              <a:buChar char="•"/>
+            </a:pPr>
+            <a:r>
+              <a:rPr lang="fr-FR" dirty="0" smtClean="0">
+                <a:solidFill>
+                  <a:schemeClr val="tx2">
+                    <a:lumMod val="75000"/>
+                  </a:schemeClr>
+                </a:solidFill>
+              </a:rPr>
+              <a:t>Le logiciel est présent sur plusieurs types d’appareil électronique</a:t>
+            </a:r>
+          </a:p>
+          <a:p>
+            <a:pPr marL="914400" lvl="1" indent="-514350">
+              <a:buFont typeface="Arial" pitchFamily="34" charset="0"/>
+              <a:buChar char="•"/>
+            </a:pPr>
+            <a:r>
+              <a:rPr lang="fr-FR" dirty="0" smtClean="0">
+                <a:solidFill>
+                  <a:schemeClr val="tx2">
+                    <a:lumMod val="75000"/>
+                  </a:schemeClr>
+                </a:solidFill>
+              </a:rPr>
+              <a:t>Un logo : </a:t>
+            </a:r>
+            <a:r>
+              <a:rPr lang="fr-FR" dirty="0" err="1" smtClean="0">
+                <a:solidFill>
+                  <a:schemeClr val="tx2">
+                    <a:lumMod val="75000"/>
+                  </a:schemeClr>
+                </a:solidFill>
+              </a:rPr>
+              <a:t>Bugdroid</a:t>
+            </a:r>
+            <a:endParaRPr lang="fr-FR" dirty="0" smtClean="0">
+              <a:solidFill>
+                <a:schemeClr val="tx2">
+                  <a:lumMod val="75000"/>
+                </a:schemeClr>
+              </a:solidFill>
+            </a:endParaRPr>
+          </a:p>
+          <a:p>
+            <a:pPr marL="914400" lvl="1" indent="-514350">
+              <a:buFont typeface="Arial" pitchFamily="34" charset="0"/>
+              <a:buChar char="•"/>
+            </a:pPr>
+            <a:endParaRPr lang="fr-FR" dirty="0">
+              <a:solidFill>
+                <a:schemeClr val="tx2">
+                  <a:lumMod val="75000"/>
+                </a:schemeClr>
+              </a:solidFill>
+            </a:endParaRPr>
+          </a:p>
+        </p:txBody>
+      </p:sp>
+      <p:sp>
+        <p:nvSpPr>
           <p:cNvPr id="8" name="Espace réservé du contenu 7"/>
           <p:cNvSpPr>
             <a:spLocks noGrp="1"/>
           </p:cNvSpPr>
           <p:nvPr>
-            <p:ph sz="quarter" idx="13"/>
+            <p:ph sz="quarter" idx="15"/>
           </p:nvPr>
         </p:nvSpPr>
         <p:spPr/>
@@ -4952,7 +8045,7 @@
             <a:r>
               <a:rPr lang="fr-FR" sz="1400" dirty="0" smtClean="0">
                 <a:solidFill>
-                  <a:srgbClr val="A4CA39"/>
+                  <a:srgbClr val="D8FBC1"/>
                 </a:solidFill>
                 <a:latin typeface="Cambria" pitchFamily="18" charset="0"/>
               </a:rPr>
@@ -4979,7 +8072,7 @@
             <a:r>
               <a:rPr lang="fr-FR" sz="1400" dirty="0" smtClean="0">
                 <a:solidFill>
-                  <a:srgbClr val="C0F9A9"/>
+                  <a:srgbClr val="A4CA39"/>
                 </a:solidFill>
                 <a:latin typeface="Cambria" pitchFamily="18" charset="0"/>
               </a:rPr>
@@ -5037,7 +8130,7 @@
                 </a:solidFill>
                 <a:latin typeface="Cambria" pitchFamily="18" charset="0"/>
               </a:rPr>
-              <a:t>Démonstration</a:t>
+              <a:t>Fonctionnalités</a:t>
             </a:r>
           </a:p>
           <a:p>
@@ -5064,36 +8157,65 @@
                 </a:solidFill>
                 <a:latin typeface="Cambria" pitchFamily="18" charset="0"/>
               </a:rPr>
-              <a:t>Conclusion</a:t>
-            </a:r>
-            <a:endParaRPr lang="fr-FR" sz="1400" dirty="0">
+              <a:t>Démonstration</a:t>
+            </a:r>
+          </a:p>
+          <a:p>
+            <a:pPr marL="457200" indent="-457200">
+              <a:buFont typeface="+mj-lt"/>
+              <a:buAutoNum type="arabicPeriod"/>
+            </a:pPr>
+            <a:endParaRPr lang="fr-FR" sz="1400" dirty="0" smtClean="0">
               <a:solidFill>
                 <a:srgbClr val="A4CA39"/>
               </a:solidFill>
               <a:latin typeface="Cambria" pitchFamily="18" charset="0"/>
             </a:endParaRPr>
           </a:p>
-        </p:txBody>
-      </p:sp>
-      <p:sp>
-        <p:nvSpPr>
-          <p:cNvPr id="9" name="Espace réservé du contenu 8"/>
-          <p:cNvSpPr>
-            <a:spLocks noGrp="1"/>
-          </p:cNvSpPr>
-          <p:nvPr>
-            <p:ph sz="quarter" idx="14"/>
-          </p:nvPr>
-        </p:nvSpPr>
-        <p:spPr/>
-        <p:txBody>
-          <a:bodyPr/>
-          <a:lstStyle/>
+          <a:p>
+            <a:pPr marL="457200" indent="-457200">
+              <a:buFont typeface="+mj-lt"/>
+              <a:buAutoNum type="arabicPeriod"/>
+            </a:pPr>
+            <a:r>
+              <a:rPr lang="fr-FR" sz="1400" dirty="0" smtClean="0">
+                <a:solidFill>
+                  <a:srgbClr val="A4CA39"/>
+                </a:solidFill>
+                <a:latin typeface="Cambria" pitchFamily="18" charset="0"/>
+              </a:rPr>
+              <a:t>Conclusion</a:t>
+            </a:r>
+          </a:p>
           <a:p>
             <a:endParaRPr lang="fr-FR" dirty="0"/>
           </a:p>
         </p:txBody>
       </p:sp>
+      <p:pic>
+        <p:nvPicPr>
+          <p:cNvPr id="10" name="Image 9" descr="bugdroid.PNG"/>
+          <p:cNvPicPr>
+            <a:picLocks noChangeAspect="1"/>
+          </p:cNvPicPr>
+          <p:nvPr/>
+        </p:nvPicPr>
+        <p:blipFill>
+          <a:blip r:embed="rId2" cstate="print"/>
+          <a:stretch>
+            <a:fillRect/>
+          </a:stretch>
+        </p:blipFill>
+        <p:spPr>
+          <a:xfrm>
+            <a:off x="6876256" y="4077072"/>
+            <a:ext cx="1441990" cy="1700808"/>
+          </a:xfrm>
+          <a:prstGeom prst="rect">
+            <a:avLst/>
+          </a:prstGeom>
+        </p:spPr>
+      </p:pic>
     </p:spTree>
   </p:cSld>
   <p:clrMapOvr>
@@ -5145,14 +8267,10 @@
           <a:lstStyle/>
           <a:p>
             <a:r>
-              <a:rPr lang="fr-FR" dirty="0" smtClean="0">
-                <a:latin typeface="Cambria" pitchFamily="18" charset="0"/>
-              </a:rPr>
-              <a:t>Outils et méthodologies utilisés</a:t>
-            </a:r>
-            <a:endParaRPr lang="fr-FR" dirty="0">
-              <a:latin typeface="Cambria" pitchFamily="18" charset="0"/>
-            </a:endParaRPr>
+              <a:rPr lang="fr-FR" dirty="0" smtClean="0"/>
+              <a:t>Déroulement du projet</a:t>
+            </a:r>
+            <a:endParaRPr lang="fr-FR" dirty="0"/>
           </a:p>
         </p:txBody>
       </p:sp>
@@ -5215,12 +8333,51 @@
       </p:sp>
       <p:sp>
         <p:nvSpPr>
+          <p:cNvPr id="7" name="Espace réservé du contenu 6"/>
+          <p:cNvSpPr>
+            <a:spLocks noGrp="1"/>
+          </p:cNvSpPr>
+          <p:nvPr>
+            <p:ph sz="quarter" idx="14"/>
+          </p:nvPr>
+        </p:nvSpPr>
+        <p:spPr/>
+        <p:txBody>
+          <a:bodyPr/>
+          <a:lstStyle/>
+          <a:p>
+            <a:pPr>
+              <a:buFont typeface="Wingdings" pitchFamily="2" charset="2"/>
+              <a:buChar char="Ø"/>
+            </a:pPr>
+            <a:r>
+              <a:rPr lang="fr-FR" dirty="0" smtClean="0">
+                <a:solidFill>
+                  <a:schemeClr val="tx2">
+                    <a:lumMod val="75000"/>
+                  </a:schemeClr>
+                </a:solidFill>
+              </a:rPr>
+              <a:t>Diagramme de Gantt prévisionnel</a:t>
+            </a:r>
+            <a:endParaRPr lang="fr-FR" dirty="0">
+              <a:solidFill>
+                <a:schemeClr val="tx2">
+                  <a:lumMod val="75000"/>
+                </a:schemeClr>
+              </a:solidFill>
+            </a:endParaRPr>
+          </a:p>
+        </p:txBody>
+      </p:sp>
+      <p:sp>
+        <p:nvSpPr>
           <p:cNvPr id="8" name="Espace réservé du contenu 7"/>
           <p:cNvSpPr>
             <a:spLocks noGrp="1"/>
           </p:cNvSpPr>
           <p:nvPr>
-            <p:ph sz="quarter" idx="13"/>
+            <p:ph sz="quarter" idx="15"/>
           </p:nvPr>
         </p:nvSpPr>
         <p:spPr/>
@@ -5264,7 +8421,7 @@
             <a:r>
               <a:rPr lang="fr-FR" sz="1400" dirty="0" smtClean="0">
                 <a:solidFill>
-                  <a:srgbClr val="A4CA39"/>
+                  <a:srgbClr val="D8FBC1"/>
                 </a:solidFill>
                 <a:latin typeface="Cambria" pitchFamily="18" charset="0"/>
               </a:rPr>
@@ -5291,7 +8448,7 @@
             <a:r>
               <a:rPr lang="fr-FR" sz="1400" dirty="0" smtClean="0">
                 <a:solidFill>
-                  <a:srgbClr val="C0F9A9"/>
+                  <a:srgbClr val="A4CA39"/>
                 </a:solidFill>
                 <a:latin typeface="Cambria" pitchFamily="18" charset="0"/>
               </a:rPr>
@@ -5322,7 +8479,7 @@
                 </a:solidFill>
                 <a:latin typeface="Cambria" pitchFamily="18" charset="0"/>
               </a:rPr>
-              <a:t>Démonstration</a:t>
+              <a:t>Fonctionnalités</a:t>
             </a:r>
           </a:p>
           <a:p>
@@ -5349,36 +8506,65 @@
                 </a:solidFill>
                 <a:latin typeface="Cambria" pitchFamily="18" charset="0"/>
               </a:rPr>
-              <a:t>Conclusion</a:t>
-            </a:r>
-            <a:endParaRPr lang="fr-FR" sz="1400" dirty="0">
+              <a:t>Démonstration</a:t>
+            </a:r>
+          </a:p>
+          <a:p>
+            <a:pPr marL="457200" indent="-457200">
+              <a:buFont typeface="+mj-lt"/>
+              <a:buAutoNum type="arabicPeriod"/>
+            </a:pPr>
+            <a:endParaRPr lang="fr-FR" sz="1400" dirty="0" smtClean="0">
               <a:solidFill>
                 <a:srgbClr val="A4CA39"/>
               </a:solidFill>
               <a:latin typeface="Cambria" pitchFamily="18" charset="0"/>
             </a:endParaRPr>
           </a:p>
-        </p:txBody>
-      </p:sp>
-      <p:sp>
-        <p:nvSpPr>
-          <p:cNvPr id="9" name="Espace réservé du contenu 8"/>
-          <p:cNvSpPr>
-            <a:spLocks noGrp="1"/>
-          </p:cNvSpPr>
-          <p:nvPr>
-            <p:ph sz="quarter" idx="14"/>
-          </p:nvPr>
-        </p:nvSpPr>
-        <p:spPr/>
-        <p:txBody>
-          <a:bodyPr/>
-          <a:lstStyle/>
+          <a:p>
+            <a:pPr marL="457200" indent="-457200">
+              <a:buFont typeface="+mj-lt"/>
+              <a:buAutoNum type="arabicPeriod"/>
+            </a:pPr>
+            <a:r>
+              <a:rPr lang="fr-FR" sz="1400" dirty="0" smtClean="0">
+                <a:solidFill>
+                  <a:srgbClr val="A4CA39"/>
+                </a:solidFill>
+                <a:latin typeface="Cambria" pitchFamily="18" charset="0"/>
+              </a:rPr>
+              <a:t>Conclusion</a:t>
+            </a:r>
+          </a:p>
           <a:p>
             <a:endParaRPr lang="fr-FR" dirty="0"/>
           </a:p>
         </p:txBody>
       </p:sp>
+      <p:pic>
+        <p:nvPicPr>
+          <p:cNvPr id="9" name="Image 8" descr="Gantt_AAP_Previsionnel.png"/>
+          <p:cNvPicPr>
+            <a:picLocks noChangeAspect="1"/>
+          </p:cNvPicPr>
+          <p:nvPr/>
+        </p:nvPicPr>
+        <p:blipFill>
+          <a:blip r:embed="rId2" cstate="print"/>
+          <a:stretch>
+            <a:fillRect/>
+          </a:stretch>
+        </p:blipFill>
+        <p:spPr>
+          <a:xfrm>
+            <a:off x="1769526" y="1751045"/>
+            <a:ext cx="7374474" cy="2254020"/>
+          </a:xfrm>
+          <a:prstGeom prst="rect">
+            <a:avLst/>
+          </a:prstGeom>
+        </p:spPr>
+      </p:pic>
     </p:spTree>
   </p:cSld>
   <p:clrMapOvr>
@@ -5430,14 +8616,10 @@
           <a:lstStyle/>
           <a:p>
             <a:r>
-              <a:rPr lang="fr-FR" dirty="0" smtClean="0">
-                <a:latin typeface="Cambria" pitchFamily="18" charset="0"/>
-              </a:rPr>
-              <a:t>Démonstration</a:t>
-            </a:r>
-            <a:endParaRPr lang="fr-FR" dirty="0">
-              <a:latin typeface="Cambria" pitchFamily="18" charset="0"/>
-            </a:endParaRPr>
+              <a:rPr lang="fr-FR" dirty="0" smtClean="0"/>
+              <a:t>Déroulement du projet</a:t>
+            </a:r>
+            <a:endParaRPr lang="fr-FR" dirty="0"/>
           </a:p>
         </p:txBody>
       </p:sp>
@@ -5500,12 +8682,141 @@
       </p:sp>
       <p:sp>
         <p:nvSpPr>
+          <p:cNvPr id="7" name="Espace réservé du contenu 6"/>
+          <p:cNvSpPr>
+            <a:spLocks noGrp="1"/>
+          </p:cNvSpPr>
+          <p:nvPr>
+            <p:ph sz="quarter" idx="14"/>
+          </p:nvPr>
+        </p:nvSpPr>
+        <p:spPr/>
+        <p:txBody>
+          <a:bodyPr/>
+          <a:lstStyle/>
+          <a:p>
+            <a:pPr>
+              <a:buFont typeface="Wingdings" pitchFamily="2" charset="2"/>
+              <a:buChar char="Ø"/>
+            </a:pPr>
+            <a:r>
+              <a:rPr lang="fr-FR" dirty="0" smtClean="0">
+                <a:solidFill>
+                  <a:schemeClr val="tx2">
+                    <a:lumMod val="75000"/>
+                  </a:schemeClr>
+                </a:solidFill>
+              </a:rPr>
+              <a:t>Tout au long du projet</a:t>
+            </a:r>
+          </a:p>
+          <a:p>
+            <a:pPr lvl="1">
+              <a:buFont typeface="Arial" pitchFamily="34" charset="0"/>
+              <a:buChar char="•"/>
+            </a:pPr>
+            <a:r>
+              <a:rPr lang="fr-FR" dirty="0" smtClean="0">
+                <a:solidFill>
+                  <a:schemeClr val="tx2">
+                    <a:lumMod val="75000"/>
+                  </a:schemeClr>
+                </a:solidFill>
+              </a:rPr>
+              <a:t>Réunions hebdomadaires</a:t>
+            </a:r>
+          </a:p>
+          <a:p>
+            <a:pPr lvl="1">
+              <a:buFont typeface="Arial" pitchFamily="34" charset="0"/>
+              <a:buChar char="•"/>
+            </a:pPr>
+            <a:r>
+              <a:rPr lang="fr-FR" dirty="0" smtClean="0">
+                <a:solidFill>
+                  <a:schemeClr val="tx2">
+                    <a:lumMod val="75000"/>
+                  </a:schemeClr>
+                </a:solidFill>
+              </a:rPr>
+              <a:t>Réunions ponctuelles</a:t>
+            </a:r>
+          </a:p>
+          <a:p>
+            <a:pPr lvl="1">
+              <a:buFont typeface="Arial" pitchFamily="34" charset="0"/>
+              <a:buChar char="•"/>
+            </a:pPr>
+            <a:r>
+              <a:rPr lang="fr-FR" dirty="0" smtClean="0">
+                <a:solidFill>
+                  <a:schemeClr val="tx2">
+                    <a:lumMod val="75000"/>
+                  </a:schemeClr>
+                </a:solidFill>
+              </a:rPr>
+              <a:t>Mise à jour du site Internet</a:t>
+            </a:r>
+          </a:p>
+          <a:p>
+            <a:pPr lvl="1">
+              <a:buFont typeface="Arial" pitchFamily="34" charset="0"/>
+              <a:buChar char="•"/>
+            </a:pPr>
+            <a:r>
+              <a:rPr lang="fr-FR" dirty="0" err="1" smtClean="0">
+                <a:solidFill>
+                  <a:schemeClr val="tx2">
+                    <a:lumMod val="75000"/>
+                  </a:schemeClr>
+                </a:solidFill>
+              </a:rPr>
+              <a:t>Commits</a:t>
+            </a:r>
+            <a:r>
+              <a:rPr lang="fr-FR" dirty="0" smtClean="0">
+                <a:solidFill>
+                  <a:schemeClr val="tx2">
+                    <a:lumMod val="75000"/>
+                  </a:schemeClr>
+                </a:solidFill>
+              </a:rPr>
+              <a:t> réguliers</a:t>
+            </a:r>
+          </a:p>
+          <a:p>
+            <a:pPr lvl="1">
+              <a:buFont typeface="Arial" pitchFamily="34" charset="0"/>
+              <a:buChar char="•"/>
+            </a:pPr>
+            <a:r>
+              <a:rPr lang="fr-FR" dirty="0" smtClean="0">
+                <a:solidFill>
+                  <a:schemeClr val="tx2">
+                    <a:lumMod val="75000"/>
+                  </a:schemeClr>
+                </a:solidFill>
+              </a:rPr>
+              <a:t>Communication avec M. BUFFA</a:t>
+            </a:r>
+            <a:endParaRPr lang="fr-FR" dirty="0">
+              <a:solidFill>
+                <a:schemeClr val="tx2">
+                  <a:lumMod val="75000"/>
+                </a:schemeClr>
+              </a:solidFill>
+            </a:endParaRPr>
+          </a:p>
+        </p:txBody>
+      </p:sp>
+      <p:sp>
+        <p:nvSpPr>
           <p:cNvPr id="8" name="Espace réservé du contenu 7"/>
           <p:cNvSpPr>
             <a:spLocks noGrp="1"/>
           </p:cNvSpPr>
           <p:nvPr>
-            <p:ph sz="quarter" idx="13"/>
+            <p:ph sz="quarter" idx="15"/>
           </p:nvPr>
         </p:nvSpPr>
         <p:spPr/>
@@ -5549,7 +8860,7 @@
             <a:r>
               <a:rPr lang="fr-FR" sz="1400" dirty="0" smtClean="0">
                 <a:solidFill>
-                  <a:srgbClr val="A4CA39"/>
+                  <a:srgbClr val="D8FBC1"/>
                 </a:solidFill>
                 <a:latin typeface="Cambria" pitchFamily="18" charset="0"/>
               </a:rPr>
@@ -5603,11 +8914,11 @@
             <a:r>
               <a:rPr lang="fr-FR" sz="1400" dirty="0" smtClean="0">
                 <a:solidFill>
-                  <a:srgbClr val="C0F9A9"/>
-                </a:solidFill>
-                <a:latin typeface="Cambria" pitchFamily="18" charset="0"/>
-              </a:rPr>
-              <a:t>Démonstration</a:t>
+                  <a:srgbClr val="A4CA39"/>
+                </a:solidFill>
+                <a:latin typeface="Cambria" pitchFamily="18" charset="0"/>
+              </a:rPr>
+              <a:t>Fonctionnalités</a:t>
             </a:r>
           </a:p>
           <a:p>
@@ -5634,31 +8945,36 @@
                 </a:solidFill>
                 <a:latin typeface="Cambria" pitchFamily="18" charset="0"/>
               </a:rPr>
-              <a:t>Conclusion</a:t>
-            </a:r>
-            <a:endParaRPr lang="fr-FR" sz="1400" dirty="0">
+              <a:t>Démonstration</a:t>
+            </a:r>
+          </a:p>
+          <a:p>
+            <a:pPr marL="457200" indent="-457200">
+              <a:buFont typeface="+mj-lt"/>
+              <a:buAutoNum type="arabicPeriod"/>
+            </a:pPr>
+            <a:endParaRPr lang="fr-FR" sz="1400" dirty="0" smtClean="0">
               <a:solidFill>
                 <a:srgbClr val="A4CA39"/>
               </a:solidFill>
               <a:latin typeface="Cambria" pitchFamily="18" charset="0"/>
             </a:endParaRPr>
           </a:p>
-        </p:txBody>
-      </p:sp>
-      <p:sp>
-        <p:nvSpPr>
-          <p:cNvPr id="9" name="Espace réservé du contenu 8"/>
-          <p:cNvSpPr>
-            <a:spLocks noGrp="1"/>
-          </p:cNvSpPr>
-          <p:nvPr>
-            <p:ph sz="quarter" idx="14"/>
-          </p:nvPr>
-        </p:nvSpPr>
-        <p:spPr/>
-        <p:txBody>
-          <a:bodyPr/>
-          <a:lstStyle/>
+          <a:p>
+            <a:pPr marL="457200" indent="-457200">
+              <a:buFont typeface="+mj-lt"/>
+              <a:buAutoNum type="arabicPeriod"/>
+            </a:pPr>
+            <a:r>
+              <a:rPr lang="fr-FR" sz="1400" dirty="0" smtClean="0">
+                <a:solidFill>
+                  <a:srgbClr val="A4CA39"/>
+                </a:solidFill>
+                <a:latin typeface="Cambria" pitchFamily="18" charset="0"/>
+              </a:rPr>
+              <a:t>Conclusion</a:t>
+            </a:r>
+          </a:p>
           <a:p>
             <a:endParaRPr lang="fr-FR" dirty="0"/>
           </a:p>
@@ -5715,14 +9031,10 @@
           <a:lstStyle/>
           <a:p>
             <a:r>
-              <a:rPr lang="fr-FR" dirty="0" smtClean="0">
-                <a:latin typeface="Cambria" pitchFamily="18" charset="0"/>
-              </a:rPr>
-              <a:t>Conclusion</a:t>
-            </a:r>
-            <a:endParaRPr lang="fr-FR" dirty="0">
-              <a:latin typeface="Cambria" pitchFamily="18" charset="0"/>
-            </a:endParaRPr>
+              <a:rPr lang="fr-FR" dirty="0" smtClean="0"/>
+              <a:t>Déroulement du projet</a:t>
+            </a:r>
+            <a:endParaRPr lang="fr-FR" dirty="0"/>
           </a:p>
         </p:txBody>
       </p:sp>
@@ -5785,12 +9097,51 @@
       </p:sp>
       <p:sp>
         <p:nvSpPr>
+          <p:cNvPr id="7" name="Espace réservé du contenu 6"/>
+          <p:cNvSpPr>
+            <a:spLocks noGrp="1"/>
+          </p:cNvSpPr>
+          <p:nvPr>
+            <p:ph sz="quarter" idx="14"/>
+          </p:nvPr>
+        </p:nvSpPr>
+        <p:spPr/>
+        <p:txBody>
+          <a:bodyPr/>
+          <a:lstStyle/>
+          <a:p>
+            <a:pPr>
+              <a:buFont typeface="Wingdings" pitchFamily="2" charset="2"/>
+              <a:buChar char="Ø"/>
+            </a:pPr>
+            <a:r>
+              <a:rPr lang="fr-FR" dirty="0" smtClean="0">
+                <a:solidFill>
+                  <a:schemeClr val="tx2">
+                    <a:lumMod val="75000"/>
+                  </a:schemeClr>
+                </a:solidFill>
+              </a:rPr>
+              <a:t>Diagramme de Gantt effectif</a:t>
+            </a:r>
+            <a:endParaRPr lang="fr-FR" dirty="0">
+              <a:solidFill>
+                <a:schemeClr val="tx2">
+                  <a:lumMod val="75000"/>
+                </a:schemeClr>
+              </a:solidFill>
+            </a:endParaRPr>
+          </a:p>
+        </p:txBody>
+      </p:sp>
+      <p:sp>
+        <p:nvSpPr>
           <p:cNvPr id="8" name="Espace réservé du contenu 7"/>
           <p:cNvSpPr>
             <a:spLocks noGrp="1"/>
           </p:cNvSpPr>
           <p:nvPr>
-            <p:ph sz="quarter" idx="13"/>
+            <p:ph sz="quarter" idx="15"/>
           </p:nvPr>
         </p:nvSpPr>
         <p:spPr/>
@@ -5834,7 +9185,7 @@
             <a:r>
               <a:rPr lang="fr-FR" sz="1400" dirty="0" smtClean="0">
                 <a:solidFill>
-                  <a:srgbClr val="A4CA39"/>
+                  <a:srgbClr val="D8FBC1"/>
                 </a:solidFill>
                 <a:latin typeface="Cambria" pitchFamily="18" charset="0"/>
               </a:rPr>
@@ -5892,7 +9243,7 @@
                 </a:solidFill>
                 <a:latin typeface="Cambria" pitchFamily="18" charset="0"/>
               </a:rPr>
-              <a:t>Démonstration</a:t>
+              <a:t>Fonctionnalités</a:t>
             </a:r>
           </a:p>
           <a:p>
@@ -5915,40 +9266,69 @@
             <a:r>
               <a:rPr lang="fr-FR" sz="1400" dirty="0" smtClean="0">
                 <a:solidFill>
-                  <a:srgbClr val="C0F9A9"/>
-                </a:solidFill>
-                <a:latin typeface="Cambria" pitchFamily="18" charset="0"/>
-              </a:rPr>
-              <a:t>Conclusion</a:t>
-            </a:r>
-            <a:endParaRPr lang="fr-FR" sz="1400" dirty="0">
+                  <a:srgbClr val="A4CA39"/>
+                </a:solidFill>
+                <a:latin typeface="Cambria" pitchFamily="18" charset="0"/>
+              </a:rPr>
+              <a:t>Démonstration</a:t>
+            </a:r>
+          </a:p>
+          <a:p>
+            <a:pPr marL="457200" indent="-457200">
+              <a:buFont typeface="+mj-lt"/>
+              <a:buAutoNum type="arabicPeriod"/>
+            </a:pPr>
+            <a:endParaRPr lang="fr-FR" sz="1400" dirty="0" smtClean="0">
               <a:solidFill>
-                <a:srgbClr val="C0F9A9"/>
+                <a:srgbClr val="A4CA39"/>
               </a:solidFill>
               <a:latin typeface="Cambria" pitchFamily="18" charset="0"/>
             </a:endParaRPr>
           </a:p>
-        </p:txBody>
-      </p:sp>
-      <p:sp>
-        <p:nvSpPr>
-          <p:cNvPr id="9" name="Espace réservé du contenu 8"/>
-          <p:cNvSpPr>
-            <a:spLocks noGrp="1"/>
-          </p:cNvSpPr>
-          <p:nvPr>
-            <p:ph sz="quarter" idx="14"/>
-          </p:nvPr>
-        </p:nvSpPr>
-        <p:spPr/>
-        <p:txBody>
-          <a:bodyPr/>
-          <a:lstStyle/>
+          <a:p>
+            <a:pPr marL="457200" indent="-457200">
+              <a:buFont typeface="+mj-lt"/>
+              <a:buAutoNum type="arabicPeriod"/>
+            </a:pPr>
+            <a:r>
+              <a:rPr lang="fr-FR" sz="1400" dirty="0" smtClean="0">
+                <a:solidFill>
+                  <a:srgbClr val="A4CA39"/>
+                </a:solidFill>
+                <a:latin typeface="Cambria" pitchFamily="18" charset="0"/>
+              </a:rPr>
+              <a:t>Conclusion</a:t>
+            </a:r>
+          </a:p>
           <a:p>
             <a:endParaRPr lang="fr-FR" dirty="0"/>
           </a:p>
         </p:txBody>
       </p:sp>
+      <p:pic>
+        <p:nvPicPr>
+          <p:cNvPr id="9" name="Image 8" descr="Gantt_AAP.png"/>
+          <p:cNvPicPr>
+            <a:picLocks noChangeAspect="1"/>
+          </p:cNvPicPr>
+          <p:nvPr/>
+        </p:nvPicPr>
+        <p:blipFill>
+          <a:blip r:embed="rId2" cstate="print"/>
+          <a:stretch>
+            <a:fillRect/>
+          </a:stretch>
+        </p:blipFill>
+        <p:spPr>
+          <a:xfrm>
+            <a:off x="1763688" y="1754154"/>
+            <a:ext cx="7380312" cy="3547054"/>
+          </a:xfrm>
+          <a:prstGeom prst="rect">
+            <a:avLst/>
+          </a:prstGeom>
+        </p:spPr>
+      </p:pic>
     </p:spTree>
   </p:cSld>
   <p:clrMapOvr>
@@ -5991,7 +9371,7 @@
             <a:spLocks noGrp="1"/>
           </p:cNvSpPr>
           <p:nvPr>
-            <p:ph type="ctrTitle"/>
+            <p:ph type="title"/>
           </p:nvPr>
         </p:nvSpPr>
         <p:spPr/>
@@ -6000,18 +9380,10 @@
           <a:lstStyle/>
           <a:p>
             <a:r>
-              <a:rPr lang="fr-FR" dirty="0" smtClean="0">
-                <a:solidFill>
-                  <a:srgbClr val="A4CA39"/>
-                </a:solidFill>
-              </a:rPr>
-              <a:t>Merci de votre attention…</a:t>
-            </a:r>
-            <a:endParaRPr lang="fr-FR" dirty="0">
-              <a:solidFill>
-                <a:srgbClr val="A4CA39"/>
-              </a:solidFill>
-            </a:endParaRPr>
+              <a:rPr lang="fr-FR" dirty="0" smtClean="0"/>
+              <a:t>Outils et méthodologies utilisés</a:t>
+            </a:r>
+            <a:endParaRPr lang="fr-FR" dirty="0"/>
           </a:p>
         </p:txBody>
       </p:sp>
@@ -6072,37 +9444,873 @@
           </a:p>
         </p:txBody>
       </p:sp>
-      <p:pic>
-        <p:nvPicPr>
-          <p:cNvPr id="11" name="Image 10" descr="bugdroid_question.PNG"/>
-          <p:cNvPicPr>
-            <a:picLocks noChangeAspect="1"/>
-          </p:cNvPicPr>
-          <p:nvPr/>
-        </p:nvPicPr>
-        <p:blipFill>
-          <a:blip r:embed="rId2" cstate="print"/>
-          <a:stretch>
-            <a:fillRect/>
-          </a:stretch>
-        </p:blipFill>
-        <p:spPr>
-          <a:xfrm>
-            <a:off x="2721564" y="1557272"/>
-            <a:ext cx="3662609" cy="4320000"/>
-          </a:xfrm>
-          <a:prstGeom prst="rect">
-            <a:avLst/>
-          </a:prstGeom>
-        </p:spPr>
-      </p:pic>
+      <p:sp>
+        <p:nvSpPr>
+          <p:cNvPr id="7" name="Espace réservé du contenu 6"/>
+          <p:cNvSpPr>
+            <a:spLocks noGrp="1"/>
+          </p:cNvSpPr>
+          <p:nvPr>
+            <p:ph sz="quarter" idx="14"/>
+          </p:nvPr>
+        </p:nvSpPr>
+        <p:spPr/>
+        <p:txBody>
+          <a:bodyPr/>
+          <a:lstStyle/>
+          <a:p>
+            <a:r>
+              <a:rPr lang="fr-FR" dirty="0" smtClean="0">
+                <a:solidFill>
+                  <a:schemeClr val="tx2">
+                    <a:lumMod val="75000"/>
+                  </a:schemeClr>
+                </a:solidFill>
+              </a:rPr>
+              <a:t>Logiciels :</a:t>
+            </a:r>
+          </a:p>
+          <a:p>
+            <a:pPr lvl="1">
+              <a:buFont typeface="Arial" pitchFamily="34" charset="0"/>
+              <a:buChar char="•"/>
+            </a:pPr>
+            <a:r>
+              <a:rPr lang="fr-FR" dirty="0" smtClean="0">
+                <a:solidFill>
+                  <a:schemeClr val="tx2">
+                    <a:lumMod val="75000"/>
+                  </a:schemeClr>
+                </a:solidFill>
+              </a:rPr>
+              <a:t>Développement : Eclipse IDE</a:t>
+            </a:r>
+          </a:p>
+          <a:p>
+            <a:pPr lvl="1">
+              <a:buFont typeface="Arial" pitchFamily="34" charset="0"/>
+              <a:buChar char="•"/>
+            </a:pPr>
+            <a:r>
+              <a:rPr lang="fr-FR" dirty="0" smtClean="0">
+                <a:solidFill>
+                  <a:schemeClr val="tx2">
+                    <a:lumMod val="75000"/>
+                  </a:schemeClr>
+                </a:solidFill>
+              </a:rPr>
+              <a:t>Plugin </a:t>
+            </a:r>
+            <a:r>
+              <a:rPr lang="fr-FR" dirty="0" err="1" smtClean="0">
+                <a:solidFill>
+                  <a:schemeClr val="tx2">
+                    <a:lumMod val="75000"/>
+                  </a:schemeClr>
+                </a:solidFill>
+              </a:rPr>
+              <a:t>Android</a:t>
+            </a:r>
+            <a:r>
+              <a:rPr lang="fr-FR" dirty="0" smtClean="0">
+                <a:solidFill>
+                  <a:schemeClr val="tx2">
+                    <a:lumMod val="75000"/>
+                  </a:schemeClr>
+                </a:solidFill>
+              </a:rPr>
+              <a:t> </a:t>
+            </a:r>
+            <a:r>
+              <a:rPr lang="fr-FR" dirty="0" err="1" smtClean="0">
+                <a:solidFill>
+                  <a:schemeClr val="tx2">
+                    <a:lumMod val="75000"/>
+                  </a:schemeClr>
+                </a:solidFill>
+              </a:rPr>
+              <a:t>Development</a:t>
+            </a:r>
+            <a:r>
+              <a:rPr lang="fr-FR" dirty="0" smtClean="0">
+                <a:solidFill>
+                  <a:schemeClr val="tx2">
+                    <a:lumMod val="75000"/>
+                  </a:schemeClr>
+                </a:solidFill>
+              </a:rPr>
+              <a:t> Tools (ADT) pour </a:t>
+            </a:r>
+            <a:r>
+              <a:rPr lang="fr-FR" dirty="0" smtClean="0">
+                <a:solidFill>
+                  <a:schemeClr val="tx2">
+                    <a:lumMod val="75000"/>
+                  </a:schemeClr>
+                </a:solidFill>
+              </a:rPr>
+              <a:t>Eclipse</a:t>
+            </a:r>
+          </a:p>
+          <a:p>
+            <a:pPr lvl="1">
+              <a:buFont typeface="Arial" pitchFamily="34" charset="0"/>
+              <a:buChar char="•"/>
+            </a:pPr>
+            <a:r>
+              <a:rPr lang="fr-FR" dirty="0" smtClean="0">
+                <a:solidFill>
+                  <a:schemeClr val="tx2">
+                    <a:lumMod val="75000"/>
+                  </a:schemeClr>
+                </a:solidFill>
+              </a:rPr>
+              <a:t>Gestionnaire de version </a:t>
+            </a:r>
+            <a:r>
+              <a:rPr lang="fr-FR" dirty="0" smtClean="0">
+                <a:solidFill>
+                  <a:schemeClr val="tx2">
+                    <a:lumMod val="75000"/>
+                  </a:schemeClr>
+                </a:solidFill>
+              </a:rPr>
+              <a:t>: </a:t>
+            </a:r>
+            <a:r>
+              <a:rPr lang="fr-FR" dirty="0" smtClean="0">
+                <a:solidFill>
+                  <a:schemeClr val="tx2">
+                    <a:lumMod val="75000"/>
+                  </a:schemeClr>
+                </a:solidFill>
+              </a:rPr>
+              <a:t>Subversion</a:t>
+            </a:r>
+          </a:p>
+          <a:p>
+            <a:pPr lvl="1">
+              <a:buFont typeface="Arial" pitchFamily="34" charset="0"/>
+              <a:buChar char="•"/>
+            </a:pPr>
+            <a:r>
+              <a:rPr lang="fr-FR" dirty="0" smtClean="0">
+                <a:solidFill>
+                  <a:schemeClr val="tx2">
+                    <a:lumMod val="75000"/>
+                  </a:schemeClr>
+                </a:solidFill>
+              </a:rPr>
+              <a:t>Gestion de Subversion : </a:t>
+            </a:r>
+            <a:r>
+              <a:rPr lang="fr-FR" dirty="0" err="1" smtClean="0">
+                <a:solidFill>
+                  <a:schemeClr val="tx2">
+                    <a:lumMod val="75000"/>
+                  </a:schemeClr>
+                </a:solidFill>
+              </a:rPr>
+              <a:t>Tortoise</a:t>
+            </a:r>
+            <a:r>
+              <a:rPr lang="fr-FR" dirty="0" smtClean="0">
+                <a:solidFill>
+                  <a:schemeClr val="tx2">
+                    <a:lumMod val="75000"/>
+                  </a:schemeClr>
+                </a:solidFill>
+              </a:rPr>
+              <a:t> SVN</a:t>
+            </a:r>
+          </a:p>
+          <a:p>
+            <a:r>
+              <a:rPr lang="fr-FR" dirty="0" smtClean="0">
+                <a:solidFill>
+                  <a:schemeClr val="tx2">
+                    <a:lumMod val="75000"/>
+                  </a:schemeClr>
+                </a:solidFill>
+              </a:rPr>
+              <a:t>Prises de décision en groupe</a:t>
+            </a:r>
+          </a:p>
+          <a:p>
+            <a:r>
+              <a:rPr lang="fr-FR" dirty="0" smtClean="0">
+                <a:solidFill>
+                  <a:schemeClr val="tx2">
+                    <a:lumMod val="75000"/>
+                  </a:schemeClr>
+                </a:solidFill>
+              </a:rPr>
+              <a:t>Méthode AGILE</a:t>
+            </a:r>
+            <a:endParaRPr lang="fr-FR" dirty="0" smtClean="0">
+              <a:solidFill>
+                <a:schemeClr val="tx2">
+                  <a:lumMod val="75000"/>
+                </a:schemeClr>
+              </a:solidFill>
+            </a:endParaRPr>
+          </a:p>
+          <a:p>
+            <a:endParaRPr lang="fr-FR" dirty="0" smtClean="0">
+              <a:solidFill>
+                <a:schemeClr val="tx2">
+                  <a:lumMod val="75000"/>
+                </a:schemeClr>
+              </a:solidFill>
+            </a:endParaRPr>
+          </a:p>
+        </p:txBody>
+      </p:sp>
+      <p:sp>
+        <p:nvSpPr>
+          <p:cNvPr id="8" name="Espace réservé du contenu 7"/>
+          <p:cNvSpPr>
+            <a:spLocks noGrp="1"/>
+          </p:cNvSpPr>
+          <p:nvPr>
+            <p:ph sz="quarter" idx="15"/>
+          </p:nvPr>
+        </p:nvSpPr>
+        <p:spPr/>
+        <p:txBody>
+          <a:bodyPr>
+            <a:normAutofit/>
+          </a:bodyPr>
+          <a:lstStyle/>
+          <a:p>
+            <a:pPr marL="457200" indent="-457200">
+              <a:buFont typeface="+mj-lt"/>
+              <a:buAutoNum type="arabicPeriod"/>
+            </a:pPr>
+            <a:r>
+              <a:rPr lang="fr-FR" sz="1400" dirty="0" smtClean="0">
+                <a:solidFill>
+                  <a:srgbClr val="A4CA39"/>
+                </a:solidFill>
+                <a:latin typeface="Cambria" pitchFamily="18" charset="0"/>
+              </a:rPr>
+              <a:t>Introduction</a:t>
+            </a:r>
+          </a:p>
+          <a:p>
+            <a:pPr marL="457200" indent="-457200">
+              <a:buFont typeface="+mj-lt"/>
+              <a:buAutoNum type="arabicPeriod"/>
+            </a:pPr>
+            <a:endParaRPr lang="fr-FR" sz="1400" dirty="0" smtClean="0">
+              <a:solidFill>
+                <a:srgbClr val="D8FBC1"/>
+              </a:solidFill>
+              <a:latin typeface="Cambria" pitchFamily="18" charset="0"/>
+            </a:endParaRPr>
+          </a:p>
+          <a:p>
+            <a:pPr marL="457200" indent="-457200">
+              <a:buFont typeface="+mj-lt"/>
+              <a:buAutoNum type="arabicPeriod"/>
+            </a:pPr>
+            <a:r>
+              <a:rPr lang="fr-FR" sz="1400" dirty="0" smtClean="0">
+                <a:solidFill>
+                  <a:srgbClr val="A4CA39"/>
+                </a:solidFill>
+                <a:latin typeface="Cambria" pitchFamily="18" charset="0"/>
+              </a:rPr>
+              <a:t>Déroulement du projet</a:t>
+            </a:r>
+          </a:p>
+          <a:p>
+            <a:pPr marL="457200" indent="-457200">
+              <a:buFont typeface="+mj-lt"/>
+              <a:buAutoNum type="arabicPeriod"/>
+            </a:pPr>
+            <a:endParaRPr lang="fr-FR" sz="1400" dirty="0" smtClean="0">
+              <a:solidFill>
+                <a:srgbClr val="A4CA39"/>
+              </a:solidFill>
+              <a:latin typeface="Cambria" pitchFamily="18" charset="0"/>
+            </a:endParaRPr>
+          </a:p>
+          <a:p>
+            <a:pPr marL="457200" indent="-457200">
+              <a:buFont typeface="+mj-lt"/>
+              <a:buAutoNum type="arabicPeriod"/>
+            </a:pPr>
+            <a:r>
+              <a:rPr lang="fr-FR" sz="1400" dirty="0" smtClean="0">
+                <a:solidFill>
+                  <a:srgbClr val="D8FBC1"/>
+                </a:solidFill>
+                <a:latin typeface="Cambria" pitchFamily="18" charset="0"/>
+              </a:rPr>
+              <a:t>Outils et méthodologies utilisés</a:t>
+            </a:r>
+          </a:p>
+          <a:p>
+            <a:pPr marL="457200" indent="-457200">
+              <a:buFont typeface="+mj-lt"/>
+              <a:buAutoNum type="arabicPeriod"/>
+            </a:pPr>
+            <a:endParaRPr lang="fr-FR" sz="1400" dirty="0" smtClean="0">
+              <a:solidFill>
+                <a:srgbClr val="A4CA39"/>
+              </a:solidFill>
+              <a:latin typeface="Cambria" pitchFamily="18" charset="0"/>
+            </a:endParaRPr>
+          </a:p>
+          <a:p>
+            <a:pPr marL="457200" indent="-457200">
+              <a:buFont typeface="+mj-lt"/>
+              <a:buAutoNum type="arabicPeriod"/>
+            </a:pPr>
+            <a:r>
+              <a:rPr lang="fr-FR" sz="1400" dirty="0" smtClean="0">
+                <a:solidFill>
+                  <a:srgbClr val="A4CA39"/>
+                </a:solidFill>
+                <a:latin typeface="Cambria" pitchFamily="18" charset="0"/>
+              </a:rPr>
+              <a:t>Fonctionnalités</a:t>
+            </a:r>
+          </a:p>
+          <a:p>
+            <a:pPr marL="457200" indent="-457200">
+              <a:buFont typeface="+mj-lt"/>
+              <a:buAutoNum type="arabicPeriod"/>
+            </a:pPr>
+            <a:endParaRPr lang="fr-FR" sz="1400" dirty="0" smtClean="0">
+              <a:solidFill>
+                <a:srgbClr val="A4CA39"/>
+              </a:solidFill>
+              <a:latin typeface="Cambria" pitchFamily="18" charset="0"/>
+            </a:endParaRPr>
+          </a:p>
+          <a:p>
+            <a:pPr marL="457200" indent="-457200">
+              <a:buFont typeface="+mj-lt"/>
+              <a:buAutoNum type="arabicPeriod"/>
+            </a:pPr>
+            <a:r>
+              <a:rPr lang="fr-FR" sz="1400" dirty="0" smtClean="0">
+                <a:solidFill>
+                  <a:srgbClr val="A4CA39"/>
+                </a:solidFill>
+                <a:latin typeface="Cambria" pitchFamily="18" charset="0"/>
+              </a:rPr>
+              <a:t>Démonstration</a:t>
+            </a:r>
+          </a:p>
+          <a:p>
+            <a:pPr marL="457200" indent="-457200">
+              <a:buFont typeface="+mj-lt"/>
+              <a:buAutoNum type="arabicPeriod"/>
+            </a:pPr>
+            <a:endParaRPr lang="fr-FR" sz="1400" dirty="0" smtClean="0">
+              <a:solidFill>
+                <a:srgbClr val="A4CA39"/>
+              </a:solidFill>
+              <a:latin typeface="Cambria" pitchFamily="18" charset="0"/>
+            </a:endParaRPr>
+          </a:p>
+          <a:p>
+            <a:pPr marL="457200" indent="-457200">
+              <a:buFont typeface="+mj-lt"/>
+              <a:buAutoNum type="arabicPeriod"/>
+            </a:pPr>
+            <a:r>
+              <a:rPr lang="fr-FR" sz="1400" dirty="0" smtClean="0">
+                <a:solidFill>
+                  <a:srgbClr val="A4CA39"/>
+                </a:solidFill>
+                <a:latin typeface="Cambria" pitchFamily="18" charset="0"/>
+              </a:rPr>
+              <a:t>Conclusion</a:t>
+            </a:r>
+          </a:p>
+          <a:p>
+            <a:endParaRPr lang="fr-FR" dirty="0"/>
+          </a:p>
+        </p:txBody>
+      </p:sp>
     </p:spTree>
   </p:cSld>
   <p:clrMapOvr>
     <a:masterClrMapping/>
   </p:clrMapOvr>
   <p:transition>
-    <p:randomBar/>
+    <p:fade/>
+  </p:transition>
+  <p:timing>
+    <p:tnLst>
+      <p:par>
+        <p:cTn id="1" dur="indefinite" restart="never" nodeType="tmRoot"/>
+      </p:par>
+    </p:tnLst>
+  </p:timing>
+</p:sld>
+</file>
+
+<file path=ppt/slides/slide9.xml><?xml version="1.0" encoding="utf-8"?>
+<p:sld xmlns:a="http://schemas.openxmlformats.org/drawingml/2006/main" xmlns:r="http://schemas.openxmlformats.org/officeDocument/2006/relationships" xmlns:p="http://schemas.openxmlformats.org/presentationml/2006/main">
+  <p:cSld>
+    <p:spTree>
+      <p:nvGrpSpPr>
+        <p:cNvPr id="1" name=""/>
+        <p:cNvGrpSpPr/>
+        <p:nvPr/>
+      </p:nvGrpSpPr>
+      <p:grpSpPr>
+        <a:xfrm>
+          <a:off x="0" y="0"/>
+          <a:ext cx="0" cy="0"/>
+          <a:chOff x="0" y="0"/>
+          <a:chExt cx="0" cy="0"/>
+        </a:xfrm>
+      </p:grpSpPr>
+      <p:sp>
+        <p:nvSpPr>
+          <p:cNvPr id="6" name="Titre 5"/>
+          <p:cNvSpPr>
+            <a:spLocks noGrp="1"/>
+          </p:cNvSpPr>
+          <p:nvPr>
+            <p:ph type="title"/>
+          </p:nvPr>
+        </p:nvSpPr>
+        <p:spPr/>
+        <p:txBody>
+          <a:bodyPr/>
+          <a:lstStyle/>
+          <a:p>
+            <a:r>
+              <a:rPr lang="fr-FR" dirty="0" smtClean="0"/>
+              <a:t>Fonctionnalités</a:t>
+            </a:r>
+            <a:endParaRPr lang="fr-FR" dirty="0"/>
+          </a:p>
+        </p:txBody>
+      </p:sp>
+      <p:sp>
+        <p:nvSpPr>
+          <p:cNvPr id="4" name="Espace réservé du pied de page 3"/>
+          <p:cNvSpPr>
+            <a:spLocks noGrp="1"/>
+          </p:cNvSpPr>
+          <p:nvPr>
+            <p:ph type="ftr" sz="quarter" idx="11"/>
+          </p:nvPr>
+        </p:nvSpPr>
+        <p:spPr/>
+        <p:txBody>
+          <a:bodyPr/>
+          <a:lstStyle/>
+          <a:p>
+            <a:r>
+              <a:rPr lang="fr-FR" smtClean="0"/>
+              <a:t>M1 MIAGE  - 2010/2011</a:t>
+            </a:r>
+          </a:p>
+          <a:p>
+            <a:r>
+              <a:rPr lang="fr-FR" smtClean="0"/>
+              <a:t>Université de Nice Sophia Antipolis</a:t>
+            </a:r>
+            <a:endParaRPr lang="fr-BE" dirty="0"/>
+          </a:p>
+        </p:txBody>
+      </p:sp>
+      <p:sp>
+        <p:nvSpPr>
+          <p:cNvPr id="5" name="Espace réservé du numéro de diapositive 4"/>
+          <p:cNvSpPr>
+            <a:spLocks noGrp="1"/>
+          </p:cNvSpPr>
+          <p:nvPr>
+            <p:ph type="sldNum" sz="quarter" idx="12"/>
+          </p:nvPr>
+        </p:nvSpPr>
+        <p:spPr/>
+        <p:txBody>
+          <a:bodyPr/>
+          <a:lstStyle/>
+          <a:p>
+            <a:fld id="{CF4668DC-857F-487D-BFFA-8C0CA5037977}" type="slidenum">
+              <a:rPr lang="fr-BE" smtClean="0"/>
+              <a:pPr/>
+              <a:t>9</a:t>
+            </a:fld>
+            <a:r>
+              <a:rPr lang="fr-BE" smtClean="0"/>
+              <a:t> sur ?</a:t>
+            </a:r>
+            <a:endParaRPr lang="fr-BE" dirty="0"/>
+          </a:p>
+        </p:txBody>
+      </p:sp>
+      <p:sp>
+        <p:nvSpPr>
+          <p:cNvPr id="7" name="Espace réservé du contenu 6"/>
+          <p:cNvSpPr>
+            <a:spLocks noGrp="1"/>
+          </p:cNvSpPr>
+          <p:nvPr>
+            <p:ph sz="quarter" idx="14"/>
+          </p:nvPr>
+        </p:nvSpPr>
+        <p:spPr/>
+        <p:txBody>
+          <a:bodyPr/>
+          <a:lstStyle/>
+          <a:p>
+            <a:pPr>
+              <a:buFont typeface="Wingdings" pitchFamily="2" charset="2"/>
+              <a:buChar char="Ø"/>
+            </a:pPr>
+            <a:r>
+              <a:rPr lang="fr-FR" dirty="0" smtClean="0">
+                <a:solidFill>
+                  <a:schemeClr val="tx2">
+                    <a:lumMod val="75000"/>
+                  </a:schemeClr>
+                </a:solidFill>
+              </a:rPr>
+              <a:t>Le tri des fichiers </a:t>
+            </a:r>
+            <a:r>
+              <a:rPr lang="fr-FR" dirty="0" smtClean="0">
+                <a:solidFill>
+                  <a:schemeClr val="tx2">
+                    <a:lumMod val="75000"/>
+                  </a:schemeClr>
+                </a:solidFill>
+              </a:rPr>
+              <a:t>audio</a:t>
+            </a:r>
+          </a:p>
+          <a:p>
+            <a:pPr lvl="1">
+              <a:buFont typeface="Arial" pitchFamily="34" charset="0"/>
+              <a:buChar char="•"/>
+            </a:pPr>
+            <a:r>
+              <a:rPr lang="fr-FR" dirty="0" smtClean="0">
+                <a:solidFill>
+                  <a:schemeClr val="tx2">
+                    <a:lumMod val="75000"/>
+                  </a:schemeClr>
+                </a:solidFill>
+              </a:rPr>
+              <a:t>Plusieurs options :</a:t>
+            </a:r>
+          </a:p>
+          <a:p>
+            <a:pPr lvl="2"/>
+            <a:r>
+              <a:rPr lang="fr-FR" dirty="0" smtClean="0">
+                <a:solidFill>
+                  <a:schemeClr val="tx2">
+                    <a:lumMod val="75000"/>
+                  </a:schemeClr>
+                </a:solidFill>
+              </a:rPr>
+              <a:t>Toutes les chansons</a:t>
+            </a:r>
+          </a:p>
+          <a:p>
+            <a:pPr lvl="2"/>
+            <a:r>
+              <a:rPr lang="fr-FR" dirty="0" smtClean="0">
+                <a:solidFill>
+                  <a:schemeClr val="tx2">
+                    <a:lumMod val="75000"/>
+                  </a:schemeClr>
+                </a:solidFill>
+              </a:rPr>
+              <a:t>Par auteur</a:t>
+            </a:r>
+          </a:p>
+          <a:p>
+            <a:pPr lvl="2"/>
+            <a:r>
+              <a:rPr lang="fr-FR" dirty="0" smtClean="0">
+                <a:solidFill>
+                  <a:schemeClr val="tx2">
+                    <a:lumMod val="75000"/>
+                  </a:schemeClr>
+                </a:solidFill>
+              </a:rPr>
+              <a:t>Par album</a:t>
+            </a:r>
+          </a:p>
+          <a:p>
+            <a:pPr lvl="2"/>
+            <a:r>
+              <a:rPr lang="fr-FR" dirty="0" smtClean="0">
+                <a:solidFill>
+                  <a:schemeClr val="tx2">
+                    <a:lumMod val="75000"/>
+                  </a:schemeClr>
+                </a:solidFill>
+              </a:rPr>
+              <a:t>Par genre</a:t>
+            </a:r>
+          </a:p>
+          <a:p>
+            <a:pPr lvl="1">
+              <a:buFont typeface="Arial" pitchFamily="34" charset="0"/>
+              <a:buChar char="•"/>
+            </a:pPr>
+            <a:r>
+              <a:rPr lang="fr-FR" dirty="0" smtClean="0">
+                <a:solidFill>
+                  <a:schemeClr val="tx2">
+                    <a:lumMod val="75000"/>
+                  </a:schemeClr>
+                </a:solidFill>
+              </a:rPr>
+              <a:t>Utilisation des métadonnées</a:t>
+            </a:r>
+          </a:p>
+          <a:p>
+            <a:pPr lvl="1">
+              <a:buFont typeface="Arial" pitchFamily="34" charset="0"/>
+              <a:buChar char="•"/>
+            </a:pPr>
+            <a:r>
+              <a:rPr lang="fr-FR" dirty="0" smtClean="0">
+                <a:solidFill>
+                  <a:schemeClr val="tx2">
+                    <a:lumMod val="75000"/>
+                  </a:schemeClr>
+                </a:solidFill>
+              </a:rPr>
+              <a:t>Gestion des données inconnues avec le mot clé « </a:t>
+            </a:r>
+            <a:r>
+              <a:rPr lang="fr-FR" dirty="0" err="1" smtClean="0">
+                <a:solidFill>
+                  <a:schemeClr val="tx2">
+                    <a:lumMod val="75000"/>
+                  </a:schemeClr>
+                </a:solidFill>
+              </a:rPr>
+              <a:t>Unknown</a:t>
+            </a:r>
+            <a:r>
+              <a:rPr lang="fr-FR" dirty="0" smtClean="0">
+                <a:solidFill>
+                  <a:schemeClr val="tx2">
+                    <a:lumMod val="75000"/>
+                  </a:schemeClr>
+                </a:solidFill>
+              </a:rPr>
+              <a:t> »</a:t>
+            </a:r>
+            <a:endParaRPr lang="fr-FR" dirty="0">
+              <a:solidFill>
+                <a:schemeClr val="tx2">
+                  <a:lumMod val="75000"/>
+                </a:schemeClr>
+              </a:solidFill>
+            </a:endParaRPr>
+          </a:p>
+        </p:txBody>
+      </p:sp>
+      <p:sp>
+        <p:nvSpPr>
+          <p:cNvPr id="8" name="Espace réservé du contenu 7"/>
+          <p:cNvSpPr>
+            <a:spLocks noGrp="1"/>
+          </p:cNvSpPr>
+          <p:nvPr>
+            <p:ph sz="quarter" idx="15"/>
+          </p:nvPr>
+        </p:nvSpPr>
+        <p:spPr/>
+        <p:txBody>
+          <a:bodyPr>
+            <a:normAutofit/>
+          </a:bodyPr>
+          <a:lstStyle/>
+          <a:p>
+            <a:pPr marL="457200" indent="-457200">
+              <a:buFont typeface="+mj-lt"/>
+              <a:buAutoNum type="arabicPeriod"/>
+            </a:pPr>
+            <a:r>
+              <a:rPr lang="fr-FR" sz="1400" dirty="0" smtClean="0">
+                <a:solidFill>
+                  <a:srgbClr val="A4CA39"/>
+                </a:solidFill>
+                <a:latin typeface="Cambria" pitchFamily="18" charset="0"/>
+              </a:rPr>
+              <a:t>Introduction</a:t>
+            </a:r>
+          </a:p>
+          <a:p>
+            <a:pPr marL="457200" indent="-457200">
+              <a:buFont typeface="+mj-lt"/>
+              <a:buAutoNum type="arabicPeriod"/>
+            </a:pPr>
+            <a:endParaRPr lang="fr-FR" sz="1400" dirty="0" smtClean="0">
+              <a:solidFill>
+                <a:srgbClr val="D8FBC1"/>
+              </a:solidFill>
+              <a:latin typeface="Cambria" pitchFamily="18" charset="0"/>
+            </a:endParaRPr>
+          </a:p>
+          <a:p>
+            <a:pPr marL="457200" indent="-457200">
+              <a:buFont typeface="+mj-lt"/>
+              <a:buAutoNum type="arabicPeriod"/>
+            </a:pPr>
+            <a:r>
+              <a:rPr lang="fr-FR" sz="1400" dirty="0" smtClean="0">
+                <a:solidFill>
+                  <a:srgbClr val="A4CA39"/>
+                </a:solidFill>
+                <a:latin typeface="Cambria" pitchFamily="18" charset="0"/>
+              </a:rPr>
+              <a:t>Déroulement du projet</a:t>
+            </a:r>
+          </a:p>
+          <a:p>
+            <a:pPr marL="457200" indent="-457200">
+              <a:buFont typeface="+mj-lt"/>
+              <a:buAutoNum type="arabicPeriod"/>
+            </a:pPr>
+            <a:endParaRPr lang="fr-FR" sz="1400" dirty="0" smtClean="0">
+              <a:solidFill>
+                <a:srgbClr val="A4CA39"/>
+              </a:solidFill>
+              <a:latin typeface="Cambria" pitchFamily="18" charset="0"/>
+            </a:endParaRPr>
+          </a:p>
+          <a:p>
+            <a:pPr marL="457200" indent="-457200">
+              <a:buFont typeface="+mj-lt"/>
+              <a:buAutoNum type="arabicPeriod"/>
+            </a:pPr>
+            <a:r>
+              <a:rPr lang="fr-FR" sz="1400" dirty="0" smtClean="0">
+                <a:solidFill>
+                  <a:srgbClr val="A4CA39"/>
+                </a:solidFill>
+                <a:latin typeface="Cambria" pitchFamily="18" charset="0"/>
+              </a:rPr>
+              <a:t>Outils et méthodologies utilisés</a:t>
+            </a:r>
+          </a:p>
+          <a:p>
+            <a:pPr marL="457200" indent="-457200">
+              <a:buFont typeface="+mj-lt"/>
+              <a:buAutoNum type="arabicPeriod"/>
+            </a:pPr>
+            <a:endParaRPr lang="fr-FR" sz="1400" dirty="0" smtClean="0">
+              <a:solidFill>
+                <a:srgbClr val="A4CA39"/>
+              </a:solidFill>
+              <a:latin typeface="Cambria" pitchFamily="18" charset="0"/>
+            </a:endParaRPr>
+          </a:p>
+          <a:p>
+            <a:pPr marL="457200" indent="-457200">
+              <a:buFont typeface="+mj-lt"/>
+              <a:buAutoNum type="arabicPeriod"/>
+            </a:pPr>
+            <a:r>
+              <a:rPr lang="fr-FR" sz="1400" dirty="0" smtClean="0">
+                <a:solidFill>
+                  <a:srgbClr val="D8FBC1"/>
+                </a:solidFill>
+                <a:latin typeface="Cambria" pitchFamily="18" charset="0"/>
+              </a:rPr>
+              <a:t>Fonctionnalités</a:t>
+            </a:r>
+            <a:endParaRPr lang="fr-FR" sz="1400" dirty="0" smtClean="0">
+              <a:solidFill>
+                <a:srgbClr val="A4CA39"/>
+              </a:solidFill>
+              <a:latin typeface="Cambria" pitchFamily="18" charset="0"/>
+            </a:endParaRPr>
+          </a:p>
+          <a:p>
+            <a:pPr marL="457200" indent="-457200">
+              <a:buFont typeface="+mj-lt"/>
+              <a:buAutoNum type="arabicPeriod"/>
+            </a:pPr>
+            <a:endParaRPr lang="fr-FR" sz="1400" dirty="0" smtClean="0">
+              <a:solidFill>
+                <a:srgbClr val="A4CA39"/>
+              </a:solidFill>
+              <a:latin typeface="Cambria" pitchFamily="18" charset="0"/>
+            </a:endParaRPr>
+          </a:p>
+          <a:p>
+            <a:pPr marL="457200" indent="-457200">
+              <a:buFont typeface="+mj-lt"/>
+              <a:buAutoNum type="arabicPeriod"/>
+            </a:pPr>
+            <a:r>
+              <a:rPr lang="fr-FR" sz="1400" dirty="0" smtClean="0">
+                <a:solidFill>
+                  <a:srgbClr val="A4CA39"/>
+                </a:solidFill>
+                <a:latin typeface="Cambria" pitchFamily="18" charset="0"/>
+              </a:rPr>
+              <a:t>Démonstration</a:t>
+            </a:r>
+            <a:endParaRPr lang="fr-FR" sz="1400" dirty="0" smtClean="0">
+              <a:solidFill>
+                <a:srgbClr val="D8FBC1"/>
+              </a:solidFill>
+              <a:latin typeface="Cambria" pitchFamily="18" charset="0"/>
+            </a:endParaRPr>
+          </a:p>
+          <a:p>
+            <a:pPr marL="457200" indent="-457200">
+              <a:buFont typeface="+mj-lt"/>
+              <a:buAutoNum type="arabicPeriod"/>
+            </a:pPr>
+            <a:endParaRPr lang="fr-FR" sz="1400" dirty="0" smtClean="0">
+              <a:solidFill>
+                <a:srgbClr val="A4CA39"/>
+              </a:solidFill>
+              <a:latin typeface="Cambria" pitchFamily="18" charset="0"/>
+            </a:endParaRPr>
+          </a:p>
+          <a:p>
+            <a:pPr marL="457200" indent="-457200">
+              <a:buFont typeface="+mj-lt"/>
+              <a:buAutoNum type="arabicPeriod"/>
+            </a:pPr>
+            <a:r>
+              <a:rPr lang="fr-FR" sz="1400" dirty="0" smtClean="0">
+                <a:solidFill>
+                  <a:srgbClr val="A4CA39"/>
+                </a:solidFill>
+                <a:latin typeface="Cambria" pitchFamily="18" charset="0"/>
+              </a:rPr>
+              <a:t>Conclusion</a:t>
+            </a:r>
+          </a:p>
+          <a:p>
+            <a:endParaRPr lang="fr-FR" dirty="0"/>
+          </a:p>
+        </p:txBody>
+      </p:sp>
+    </p:spTree>
+  </p:cSld>
+  <p:clrMapOvr>
+    <a:masterClrMapping/>
+  </p:clrMapOvr>
+  <p:transition>
+    <p:fade/>
   </p:transition>
   <p:timing>
     <p:tnLst>

--- a/trunk/AAP/docs/Presentation.pptx
+++ b/trunk/AAP/docs/Presentation.pptx
@@ -5,7 +5,7 @@
     <p:sldMasterId id="2147483648" r:id="rId1"/>
   </p:sldMasterIdLst>
   <p:notesMasterIdLst>
-    <p:notesMasterId r:id="rId18"/>
+    <p:notesMasterId r:id="rId23"/>
   </p:notesMasterIdLst>
   <p:sldIdLst>
     <p:sldId id="256" r:id="rId2"/>
@@ -16,14 +16,19 @@
     <p:sldId id="272" r:id="rId7"/>
     <p:sldId id="266" r:id="rId8"/>
     <p:sldId id="262" r:id="rId9"/>
-    <p:sldId id="263" r:id="rId10"/>
-    <p:sldId id="267" r:id="rId11"/>
-    <p:sldId id="268" r:id="rId12"/>
-    <p:sldId id="269" r:id="rId13"/>
-    <p:sldId id="264" r:id="rId14"/>
-    <p:sldId id="271" r:id="rId15"/>
-    <p:sldId id="270" r:id="rId16"/>
-    <p:sldId id="259" r:id="rId17"/>
+    <p:sldId id="273" r:id="rId10"/>
+    <p:sldId id="274" r:id="rId11"/>
+    <p:sldId id="275" r:id="rId12"/>
+    <p:sldId id="276" r:id="rId13"/>
+    <p:sldId id="263" r:id="rId14"/>
+    <p:sldId id="267" r:id="rId15"/>
+    <p:sldId id="277" r:id="rId16"/>
+    <p:sldId id="268" r:id="rId17"/>
+    <p:sldId id="269" r:id="rId18"/>
+    <p:sldId id="264" r:id="rId19"/>
+    <p:sldId id="271" r:id="rId20"/>
+    <p:sldId id="270" r:id="rId21"/>
+    <p:sldId id="259" r:id="rId22"/>
   </p:sldIdLst>
   <p:sldSz cx="9144000" cy="6858000" type="screen4x3"/>
   <p:notesSz cx="6858000" cy="9144000"/>
@@ -4291,7 +4296,7 @@
       </p:grpSpPr>
       <p:sp>
         <p:nvSpPr>
-          <p:cNvPr id="6" name="Titre 5"/>
+          <p:cNvPr id="2" name="Titre 1"/>
           <p:cNvSpPr>
             <a:spLocks noGrp="1"/>
           </p:cNvSpPr>
@@ -4306,7 +4311,11 @@
           <a:p>
             <a:r>
               <a:rPr lang="fr-FR" dirty="0" smtClean="0"/>
-              <a:t>Fonctionnalités</a:t>
+              <a:t>I</a:t>
+            </a:r>
+            <a:r>
+              <a:rPr lang="fr-FR" dirty="0" smtClean="0"/>
+              <a:t>nterface graphique</a:t>
             </a:r>
             <a:endParaRPr lang="fr-FR" dirty="0"/>
           </a:p>
@@ -4314,7 +4323,7 @@
       </p:sp>
       <p:sp>
         <p:nvSpPr>
-          <p:cNvPr id="4" name="Espace réservé du pied de page 3"/>
+          <p:cNvPr id="3" name="Espace réservé du pied de page 2"/>
           <p:cNvSpPr>
             <a:spLocks noGrp="1"/>
           </p:cNvSpPr>
@@ -4343,7 +4352,7 @@
       </p:sp>
       <p:sp>
         <p:nvSpPr>
-          <p:cNvPr id="5" name="Espace réservé du numéro de diapositive 4"/>
+          <p:cNvPr id="4" name="Espace réservé du numéro de diapositive 3"/>
           <p:cNvSpPr>
             <a:spLocks noGrp="1"/>
           </p:cNvSpPr>
@@ -4371,7 +4380,7 @@
       </p:sp>
       <p:sp>
         <p:nvSpPr>
-          <p:cNvPr id="7" name="Espace réservé du contenu 6"/>
+          <p:cNvPr id="5" name="Espace réservé du contenu 4"/>
           <p:cNvSpPr>
             <a:spLocks noGrp="1"/>
           </p:cNvSpPr>
@@ -4396,18 +4405,30 @@
                   </a:schemeClr>
                 </a:solidFill>
               </a:rPr>
-              <a:t>La « </a:t>
-            </a:r>
-            <a:r>
-              <a:rPr lang="fr-FR" dirty="0" err="1" smtClean="0">
+              <a:t> Conception sous Eclipse</a:t>
+            </a:r>
+          </a:p>
+          <a:p>
+            <a:pPr lvl="1">
+              <a:buFont typeface="Arial" pitchFamily="34" charset="0"/>
+              <a:buChar char="•"/>
+            </a:pPr>
+            <a:r>
+              <a:rPr lang="fr-FR" dirty="0" smtClean="0">
                 <a:solidFill>
                   <a:schemeClr val="tx2">
                     <a:lumMod val="75000"/>
                   </a:schemeClr>
                 </a:solidFill>
               </a:rPr>
-              <a:t>loop</a:t>
-            </a:r>
+              <a:t>Fichiers XML</a:t>
+            </a:r>
+          </a:p>
+          <a:p>
+            <a:pPr lvl="1">
+              <a:buFont typeface="Arial" pitchFamily="34" charset="0"/>
+              <a:buChar char="•"/>
+            </a:pPr>
             <a:r>
               <a:rPr lang="fr-FR" dirty="0" smtClean="0">
                 <a:solidFill>
@@ -4416,9 +4437,35 @@
                   </a:schemeClr>
                 </a:solidFill>
               </a:rPr>
-              <a:t> »</a:t>
-            </a:r>
-            <a:endParaRPr lang="fr-FR" dirty="0">
+              <a:t>Ressources  et le fichier R.java</a:t>
+            </a:r>
+          </a:p>
+          <a:p>
+            <a:pPr lvl="1">
+              <a:buFont typeface="Arial" pitchFamily="34" charset="0"/>
+              <a:buChar char="•"/>
+            </a:pPr>
+            <a:r>
+              <a:rPr lang="fr-FR" dirty="0" smtClean="0">
+                <a:solidFill>
+                  <a:schemeClr val="tx2">
+                    <a:lumMod val="75000"/>
+                  </a:schemeClr>
+                </a:solidFill>
+              </a:rPr>
+              <a:t>L’ensemble des éléments graphiques hérite de la classe </a:t>
+            </a:r>
+            <a:r>
+              <a:rPr lang="fr-FR" i="1" dirty="0" err="1" smtClean="0">
+                <a:solidFill>
+                  <a:schemeClr val="tx2">
+                    <a:lumMod val="75000"/>
+                  </a:schemeClr>
+                </a:solidFill>
+              </a:rPr>
+              <a:t>View</a:t>
+            </a:r>
+            <a:endParaRPr lang="fr-FR" dirty="0" smtClean="0">
               <a:solidFill>
                 <a:schemeClr val="tx2">
                   <a:lumMod val="75000"/>
@@ -4426,11 +4473,24 @@
               </a:solidFill>
             </a:endParaRPr>
           </a:p>
-        </p:txBody>
-      </p:sp>
-      <p:sp>
-        <p:nvSpPr>
-          <p:cNvPr id="8" name="Espace réservé du contenu 7"/>
+          <a:p>
+            <a:pPr lvl="1">
+              <a:buFont typeface="Arial" pitchFamily="34" charset="0"/>
+              <a:buChar char="•"/>
+            </a:pPr>
+            <a:endParaRPr lang="fr-FR" dirty="0">
+              <a:solidFill>
+                <a:schemeClr val="tx2">
+                  <a:lumMod val="75000"/>
+                </a:schemeClr>
+              </a:solidFill>
+            </a:endParaRPr>
+          </a:p>
+        </p:txBody>
+      </p:sp>
+      <p:sp>
+        <p:nvSpPr>
+          <p:cNvPr id="6" name="Espace réservé du contenu 5"/>
           <p:cNvSpPr>
             <a:spLocks noGrp="1"/>
           </p:cNvSpPr>
@@ -4510,7 +4570,16 @@
                 </a:solidFill>
                 <a:latin typeface="Cambria" pitchFamily="18" charset="0"/>
               </a:rPr>
-              <a:t>Outils et méthodologies utilisés</a:t>
+              <a:t>Outils et méthodologies </a:t>
+            </a:r>
+            <a:r>
+              <a:rPr lang="fr-FR" sz="1400" dirty="0" smtClean="0">
+                <a:solidFill>
+                  <a:srgbClr val="A4CA39"/>
+                </a:solidFill>
+                <a:latin typeface="Cambria" pitchFamily="18" charset="0"/>
+              </a:rPr>
+              <a:t>utilisés</a:t>
             </a:r>
           </a:p>
           <a:p>
@@ -4520,6 +4589,39 @@
             </a:pPr>
             <a:endParaRPr lang="fr-FR" sz="1400" dirty="0" smtClean="0">
               <a:solidFill>
+                <a:srgbClr val="D8FBC1"/>
+              </a:solidFill>
+              <a:latin typeface="Cambria" pitchFamily="18" charset="0"/>
+            </a:endParaRPr>
+          </a:p>
+          <a:p>
+            <a:pPr marL="457200" indent="-457200">
+              <a:buFont typeface="+mj-lt"/>
+              <a:buAutoNum type="arabicPeriod"/>
+            </a:pPr>
+            <a:r>
+              <a:rPr lang="fr-FR" sz="1400" dirty="0" smtClean="0">
+                <a:solidFill>
+                  <a:srgbClr val="D8FBC1"/>
+                </a:solidFill>
+                <a:latin typeface="Cambria" pitchFamily="18" charset="0"/>
+              </a:rPr>
+              <a:t>Interface graphique</a:t>
+            </a:r>
+            <a:endParaRPr lang="fr-FR" sz="1400" dirty="0" smtClean="0">
+              <a:solidFill>
+                <a:srgbClr val="D8FBC1"/>
+              </a:solidFill>
+              <a:latin typeface="Cambria" pitchFamily="18" charset="0"/>
+            </a:endParaRPr>
+          </a:p>
+          <a:p>
+            <a:pPr marL="457200" indent="-457200">
+              <a:buFont typeface="+mj-lt"/>
+              <a:buAutoNum type="arabicPeriod"/>
+            </a:pPr>
+            <a:endParaRPr lang="fr-FR" sz="1400" dirty="0" smtClean="0">
+              <a:solidFill>
                 <a:srgbClr val="A4CA39"/>
               </a:solidFill>
               <a:latin typeface="Cambria" pitchFamily="18" charset="0"/>
@@ -4533,12 +4635,18 @@
             <a:r>
               <a:rPr lang="fr-FR" sz="1400" dirty="0" smtClean="0">
                 <a:solidFill>
-                  <a:srgbClr val="D8FBC1"/>
+                  <a:srgbClr val="A4CA39"/>
                 </a:solidFill>
                 <a:latin typeface="Cambria" pitchFamily="18" charset="0"/>
               </a:rPr>
               <a:t>Fonctionnalités</a:t>
             </a:r>
+          </a:p>
+          <a:p>
+            <a:pPr marL="457200" indent="-457200">
+              <a:buFont typeface="+mj-lt"/>
+              <a:buAutoNum type="arabicPeriod"/>
+            </a:pPr>
             <a:endParaRPr lang="fr-FR" sz="1400" dirty="0" smtClean="0">
               <a:solidFill>
                 <a:srgbClr val="A4CA39"/>
@@ -4551,6 +4659,21 @@
               <a:buFont typeface="+mj-lt"/>
               <a:buAutoNum type="arabicPeriod"/>
             </a:pPr>
+            <a:r>
+              <a:rPr lang="fr-FR" sz="1400" dirty="0" smtClean="0">
+                <a:solidFill>
+                  <a:srgbClr val="A4CA39"/>
+                </a:solidFill>
+                <a:latin typeface="Cambria" pitchFamily="18" charset="0"/>
+              </a:rPr>
+              <a:t>Démonstration</a:t>
+            </a:r>
+          </a:p>
+          <a:p>
+            <a:pPr marL="457200" indent="-457200">
+              <a:buFont typeface="+mj-lt"/>
+              <a:buAutoNum type="arabicPeriod"/>
+            </a:pPr>
             <a:endParaRPr lang="fr-FR" sz="1400" dirty="0" smtClean="0">
               <a:solidFill>
                 <a:srgbClr val="A4CA39"/>
@@ -4570,47 +4693,38 @@
                 </a:solidFill>
                 <a:latin typeface="Cambria" pitchFamily="18" charset="0"/>
               </a:rPr>
-              <a:t>Démonstration</a:t>
-            </a:r>
-            <a:endParaRPr lang="fr-FR" sz="1400" dirty="0" smtClean="0">
-              <a:solidFill>
-                <a:srgbClr val="D8FBC1"/>
-              </a:solidFill>
-              <a:latin typeface="Cambria" pitchFamily="18" charset="0"/>
-            </a:endParaRPr>
-          </a:p>
-          <a:p>
-            <a:pPr marL="457200" indent="-457200">
-              <a:buFont typeface="+mj-lt"/>
-              <a:buAutoNum type="arabicPeriod"/>
-            </a:pPr>
-            <a:endParaRPr lang="fr-FR" sz="1400" dirty="0" smtClean="0">
-              <a:solidFill>
-                <a:srgbClr val="A4CA39"/>
-              </a:solidFill>
-              <a:latin typeface="Cambria" pitchFamily="18" charset="0"/>
-            </a:endParaRPr>
-          </a:p>
-          <a:p>
-            <a:pPr marL="457200" indent="-457200">
-              <a:buFont typeface="+mj-lt"/>
-              <a:buAutoNum type="arabicPeriod"/>
-            </a:pPr>
-            <a:r>
-              <a:rPr lang="fr-FR" sz="1400" dirty="0" smtClean="0">
-                <a:solidFill>
-                  <a:srgbClr val="A4CA39"/>
-                </a:solidFill>
-                <a:latin typeface="Cambria" pitchFamily="18" charset="0"/>
-              </a:rPr>
               <a:t>Conclusion</a:t>
             </a:r>
           </a:p>
           <a:p>
-            <a:endParaRPr lang="fr-FR" dirty="0"/>
-          </a:p>
-        </p:txBody>
-      </p:sp>
+            <a:endParaRPr lang="fr-FR" sz="1400" dirty="0"/>
+          </a:p>
+        </p:txBody>
+      </p:sp>
+      <p:pic>
+        <p:nvPicPr>
+          <p:cNvPr id="7" name="Image 6" descr="viewgroup.PNG"/>
+          <p:cNvPicPr>
+            <a:picLocks noChangeAspect="1"/>
+          </p:cNvPicPr>
+          <p:nvPr/>
+        </p:nvPicPr>
+        <p:blipFill>
+          <a:blip r:embed="rId2" cstate="print"/>
+          <a:stretch>
+            <a:fillRect/>
+          </a:stretch>
+        </p:blipFill>
+        <p:spPr>
+          <a:xfrm>
+            <a:off x="3491880" y="3429000"/>
+            <a:ext cx="3504181" cy="2369815"/>
+          </a:xfrm>
+          <a:prstGeom prst="rect">
+            <a:avLst/>
+          </a:prstGeom>
+        </p:spPr>
+      </p:pic>
     </p:spTree>
   </p:cSld>
   <p:clrMapOvr>
@@ -4648,7 +4762,7 @@
       </p:grpSpPr>
       <p:sp>
         <p:nvSpPr>
-          <p:cNvPr id="6" name="Titre 5"/>
+          <p:cNvPr id="2" name="Titre 1"/>
           <p:cNvSpPr>
             <a:spLocks noGrp="1"/>
           </p:cNvSpPr>
@@ -4663,7 +4777,11 @@
           <a:p>
             <a:r>
               <a:rPr lang="fr-FR" dirty="0" smtClean="0"/>
-              <a:t>Fonctionnalités</a:t>
+              <a:t>I</a:t>
+            </a:r>
+            <a:r>
+              <a:rPr lang="fr-FR" dirty="0" smtClean="0"/>
+              <a:t>nterface graphique</a:t>
             </a:r>
             <a:endParaRPr lang="fr-FR" dirty="0"/>
           </a:p>
@@ -4671,7 +4789,7 @@
       </p:sp>
       <p:sp>
         <p:nvSpPr>
-          <p:cNvPr id="4" name="Espace réservé du pied de page 3"/>
+          <p:cNvPr id="3" name="Espace réservé du pied de page 2"/>
           <p:cNvSpPr>
             <a:spLocks noGrp="1"/>
           </p:cNvSpPr>
@@ -4700,7 +4818,7 @@
       </p:sp>
       <p:sp>
         <p:nvSpPr>
-          <p:cNvPr id="5" name="Espace réservé du numéro de diapositive 4"/>
+          <p:cNvPr id="4" name="Espace réservé du numéro de diapositive 3"/>
           <p:cNvSpPr>
             <a:spLocks noGrp="1"/>
           </p:cNvSpPr>
@@ -4728,7 +4846,7 @@
       </p:sp>
       <p:sp>
         <p:nvSpPr>
-          <p:cNvPr id="7" name="Espace réservé du contenu 6"/>
+          <p:cNvPr id="5" name="Espace réservé du contenu 4"/>
           <p:cNvSpPr>
             <a:spLocks noGrp="1"/>
           </p:cNvSpPr>
@@ -4753,18 +4871,30 @@
                   </a:schemeClr>
                 </a:solidFill>
               </a:rPr>
-              <a:t>L’ « </a:t>
-            </a:r>
-            <a:r>
-              <a:rPr lang="fr-FR" dirty="0" err="1" smtClean="0">
+              <a:t> Orientation du téléphone</a:t>
+            </a:r>
+          </a:p>
+          <a:p>
+            <a:pPr lvl="1">
+              <a:buFont typeface="Arial" pitchFamily="34" charset="0"/>
+              <a:buChar char="•"/>
+            </a:pPr>
+            <a:r>
+              <a:rPr lang="fr-FR" dirty="0" smtClean="0">
                 <a:solidFill>
                   <a:schemeClr val="tx2">
                     <a:lumMod val="75000"/>
                   </a:schemeClr>
                 </a:solidFill>
               </a:rPr>
-              <a:t>equalizer</a:t>
-            </a:r>
+              <a:t>Paysage et portrait</a:t>
+            </a:r>
+          </a:p>
+          <a:p>
+            <a:pPr lvl="1">
+              <a:buFont typeface="Arial" pitchFamily="34" charset="0"/>
+              <a:buChar char="•"/>
+            </a:pPr>
             <a:r>
               <a:rPr lang="fr-FR" dirty="0" smtClean="0">
                 <a:solidFill>
@@ -4773,9 +4903,167 @@
                   </a:schemeClr>
                 </a:solidFill>
               </a:rPr>
-              <a:t> »</a:t>
-            </a:r>
-            <a:endParaRPr lang="fr-FR" dirty="0">
+              <a:t>« </a:t>
+            </a:r>
+            <a:r>
+              <a:rPr lang="fr-FR" dirty="0" err="1" smtClean="0">
+                <a:solidFill>
+                  <a:schemeClr val="tx2">
+                    <a:lumMod val="75000"/>
+                  </a:schemeClr>
+                </a:solidFill>
+              </a:rPr>
+              <a:t>res</a:t>
+            </a:r>
+            <a:r>
+              <a:rPr lang="fr-FR" dirty="0" smtClean="0">
+                <a:solidFill>
+                  <a:schemeClr val="tx2">
+                    <a:lumMod val="75000"/>
+                  </a:schemeClr>
+                </a:solidFill>
+              </a:rPr>
+              <a:t>/</a:t>
+            </a:r>
+            <a:r>
+              <a:rPr lang="fr-FR" dirty="0" err="1" smtClean="0">
+                <a:solidFill>
+                  <a:schemeClr val="tx2">
+                    <a:lumMod val="75000"/>
+                  </a:schemeClr>
+                </a:solidFill>
+              </a:rPr>
+              <a:t>layout</a:t>
+            </a:r>
+            <a:r>
+              <a:rPr lang="fr-FR" dirty="0" smtClean="0">
+                <a:solidFill>
+                  <a:schemeClr val="tx2">
+                    <a:lumMod val="75000"/>
+                  </a:schemeClr>
+                </a:solidFill>
+              </a:rPr>
+              <a:t>-land » et « </a:t>
+            </a:r>
+            <a:r>
+              <a:rPr lang="fr-FR" dirty="0" err="1" smtClean="0">
+                <a:solidFill>
+                  <a:schemeClr val="tx2">
+                    <a:lumMod val="75000"/>
+                  </a:schemeClr>
+                </a:solidFill>
+              </a:rPr>
+              <a:t>res</a:t>
+            </a:r>
+            <a:r>
+              <a:rPr lang="fr-FR" dirty="0" smtClean="0">
+                <a:solidFill>
+                  <a:schemeClr val="tx2">
+                    <a:lumMod val="75000"/>
+                  </a:schemeClr>
+                </a:solidFill>
+              </a:rPr>
+              <a:t>/</a:t>
+            </a:r>
+            <a:r>
+              <a:rPr lang="fr-FR" dirty="0" err="1" smtClean="0">
+                <a:solidFill>
+                  <a:schemeClr val="tx2">
+                    <a:lumMod val="75000"/>
+                  </a:schemeClr>
+                </a:solidFill>
+              </a:rPr>
+              <a:t>layout</a:t>
+            </a:r>
+            <a:r>
+              <a:rPr lang="fr-FR" dirty="0" smtClean="0">
+                <a:solidFill>
+                  <a:schemeClr val="tx2">
+                    <a:lumMod val="75000"/>
+                  </a:schemeClr>
+                </a:solidFill>
+              </a:rPr>
+              <a:t>-port »</a:t>
+            </a:r>
+          </a:p>
+          <a:p>
+            <a:pPr lvl="1">
+              <a:buFont typeface="Arial" pitchFamily="34" charset="0"/>
+              <a:buChar char="•"/>
+            </a:pPr>
+            <a:r>
+              <a:rPr lang="fr-FR" dirty="0" smtClean="0">
+                <a:solidFill>
+                  <a:schemeClr val="tx2">
+                    <a:lumMod val="75000"/>
+                  </a:schemeClr>
+                </a:solidFill>
+              </a:rPr>
+              <a:t>Redémarrage de l’activité en cours</a:t>
+            </a:r>
+          </a:p>
+          <a:p>
+            <a:pPr lvl="1">
+              <a:buFont typeface="Arial" pitchFamily="34" charset="0"/>
+              <a:buChar char="•"/>
+            </a:pPr>
+            <a:r>
+              <a:rPr lang="fr-FR" dirty="0" smtClean="0">
+                <a:solidFill>
+                  <a:schemeClr val="tx2">
+                    <a:lumMod val="75000"/>
+                  </a:schemeClr>
+                </a:solidFill>
+              </a:rPr>
+              <a:t>Système de sauvegarde/restauration</a:t>
+            </a:r>
+          </a:p>
+          <a:p>
+            <a:pPr lvl="2"/>
+            <a:r>
+              <a:rPr lang="fr-FR" i="1" dirty="0" err="1" smtClean="0">
+                <a:solidFill>
+                  <a:schemeClr val="tx2">
+                    <a:lumMod val="75000"/>
+                  </a:schemeClr>
+                </a:solidFill>
+              </a:rPr>
+              <a:t>onRetainNonConfigurationInstance</a:t>
+            </a:r>
+            <a:r>
+              <a:rPr lang="fr-FR" i="1" dirty="0" smtClean="0">
+                <a:solidFill>
+                  <a:schemeClr val="tx2">
+                    <a:lumMod val="75000"/>
+                  </a:schemeClr>
+                </a:solidFill>
+              </a:rPr>
+              <a:t>()</a:t>
+            </a:r>
+          </a:p>
+          <a:p>
+            <a:pPr lvl="2"/>
+            <a:r>
+              <a:rPr lang="fr-FR" i="1" dirty="0" err="1" smtClean="0">
+                <a:solidFill>
+                  <a:schemeClr val="tx2">
+                    <a:lumMod val="75000"/>
+                  </a:schemeClr>
+                </a:solidFill>
+              </a:rPr>
+              <a:t>getLastNonConfigurationInstance</a:t>
+            </a:r>
+            <a:r>
+              <a:rPr lang="fr-FR" i="1" dirty="0" smtClean="0">
+                <a:solidFill>
+                  <a:schemeClr val="tx2">
+                    <a:lumMod val="75000"/>
+                  </a:schemeClr>
+                </a:solidFill>
+              </a:rPr>
+              <a:t>()</a:t>
+            </a:r>
+            <a:endParaRPr lang="fr-FR" i="1" dirty="0">
               <a:solidFill>
                 <a:schemeClr val="tx2">
                   <a:lumMod val="75000"/>
@@ -4787,7 +5075,7 @@
       </p:sp>
       <p:sp>
         <p:nvSpPr>
-          <p:cNvPr id="8" name="Espace réservé du contenu 7"/>
+          <p:cNvPr id="6" name="Espace réservé du contenu 5"/>
           <p:cNvSpPr>
             <a:spLocks noGrp="1"/>
           </p:cNvSpPr>
@@ -4867,7 +5155,16 @@
                 </a:solidFill>
                 <a:latin typeface="Cambria" pitchFamily="18" charset="0"/>
               </a:rPr>
-              <a:t>Outils et méthodologies utilisés</a:t>
+              <a:t>Outils et méthodologies </a:t>
+            </a:r>
+            <a:r>
+              <a:rPr lang="fr-FR" sz="1400" dirty="0" smtClean="0">
+                <a:solidFill>
+                  <a:srgbClr val="A4CA39"/>
+                </a:solidFill>
+                <a:latin typeface="Cambria" pitchFamily="18" charset="0"/>
+              </a:rPr>
+              <a:t>utilisés</a:t>
             </a:r>
           </a:p>
           <a:p>
@@ -4877,6 +5174,39 @@
             </a:pPr>
             <a:endParaRPr lang="fr-FR" sz="1400" dirty="0" smtClean="0">
               <a:solidFill>
+                <a:srgbClr val="D8FBC1"/>
+              </a:solidFill>
+              <a:latin typeface="Cambria" pitchFamily="18" charset="0"/>
+            </a:endParaRPr>
+          </a:p>
+          <a:p>
+            <a:pPr marL="457200" indent="-457200">
+              <a:buFont typeface="+mj-lt"/>
+              <a:buAutoNum type="arabicPeriod"/>
+            </a:pPr>
+            <a:r>
+              <a:rPr lang="fr-FR" sz="1400" dirty="0" smtClean="0">
+                <a:solidFill>
+                  <a:srgbClr val="D8FBC1"/>
+                </a:solidFill>
+                <a:latin typeface="Cambria" pitchFamily="18" charset="0"/>
+              </a:rPr>
+              <a:t>Interface graphique</a:t>
+            </a:r>
+            <a:endParaRPr lang="fr-FR" sz="1400" dirty="0" smtClean="0">
+              <a:solidFill>
+                <a:srgbClr val="D8FBC1"/>
+              </a:solidFill>
+              <a:latin typeface="Cambria" pitchFamily="18" charset="0"/>
+            </a:endParaRPr>
+          </a:p>
+          <a:p>
+            <a:pPr marL="457200" indent="-457200">
+              <a:buFont typeface="+mj-lt"/>
+              <a:buAutoNum type="arabicPeriod"/>
+            </a:pPr>
+            <a:endParaRPr lang="fr-FR" sz="1400" dirty="0" smtClean="0">
+              <a:solidFill>
                 <a:srgbClr val="A4CA39"/>
               </a:solidFill>
               <a:latin typeface="Cambria" pitchFamily="18" charset="0"/>
@@ -4890,12 +5220,18 @@
             <a:r>
               <a:rPr lang="fr-FR" sz="1400" dirty="0" smtClean="0">
                 <a:solidFill>
-                  <a:srgbClr val="D8FBC1"/>
+                  <a:srgbClr val="A4CA39"/>
                 </a:solidFill>
                 <a:latin typeface="Cambria" pitchFamily="18" charset="0"/>
               </a:rPr>
               <a:t>Fonctionnalités</a:t>
             </a:r>
+          </a:p>
+          <a:p>
+            <a:pPr marL="457200" indent="-457200">
+              <a:buFont typeface="+mj-lt"/>
+              <a:buAutoNum type="arabicPeriod"/>
+            </a:pPr>
             <a:endParaRPr lang="fr-FR" sz="1400" dirty="0" smtClean="0">
               <a:solidFill>
                 <a:srgbClr val="A4CA39"/>
@@ -4908,6 +5244,21 @@
               <a:buFont typeface="+mj-lt"/>
               <a:buAutoNum type="arabicPeriod"/>
             </a:pPr>
+            <a:r>
+              <a:rPr lang="fr-FR" sz="1400" dirty="0" smtClean="0">
+                <a:solidFill>
+                  <a:srgbClr val="A4CA39"/>
+                </a:solidFill>
+                <a:latin typeface="Cambria" pitchFamily="18" charset="0"/>
+              </a:rPr>
+              <a:t>Démonstration</a:t>
+            </a:r>
+          </a:p>
+          <a:p>
+            <a:pPr marL="457200" indent="-457200">
+              <a:buFont typeface="+mj-lt"/>
+              <a:buAutoNum type="arabicPeriod"/>
+            </a:pPr>
             <a:endParaRPr lang="fr-FR" sz="1400" dirty="0" smtClean="0">
               <a:solidFill>
                 <a:srgbClr val="A4CA39"/>
@@ -4927,44 +5278,11 @@
                 </a:solidFill>
                 <a:latin typeface="Cambria" pitchFamily="18" charset="0"/>
               </a:rPr>
-              <a:t>Démonstration</a:t>
-            </a:r>
-            <a:endParaRPr lang="fr-FR" sz="1400" dirty="0" smtClean="0">
-              <a:solidFill>
-                <a:srgbClr val="D8FBC1"/>
-              </a:solidFill>
-              <a:latin typeface="Cambria" pitchFamily="18" charset="0"/>
-            </a:endParaRPr>
-          </a:p>
-          <a:p>
-            <a:pPr marL="457200" indent="-457200">
-              <a:buFont typeface="+mj-lt"/>
-              <a:buAutoNum type="arabicPeriod"/>
-            </a:pPr>
-            <a:endParaRPr lang="fr-FR" sz="1400" dirty="0" smtClean="0">
-              <a:solidFill>
-                <a:srgbClr val="A4CA39"/>
-              </a:solidFill>
-              <a:latin typeface="Cambria" pitchFamily="18" charset="0"/>
-            </a:endParaRPr>
-          </a:p>
-          <a:p>
-            <a:pPr marL="457200" indent="-457200">
-              <a:buFont typeface="+mj-lt"/>
-              <a:buAutoNum type="arabicPeriod"/>
-            </a:pPr>
-            <a:r>
-              <a:rPr lang="fr-FR" sz="1400" dirty="0" smtClean="0">
-                <a:solidFill>
-                  <a:srgbClr val="A4CA39"/>
-                </a:solidFill>
-                <a:latin typeface="Cambria" pitchFamily="18" charset="0"/>
-              </a:rPr>
               <a:t>Conclusion</a:t>
             </a:r>
           </a:p>
           <a:p>
-            <a:endParaRPr lang="fr-FR" dirty="0"/>
+            <a:endParaRPr lang="fr-FR" sz="1400" dirty="0"/>
           </a:p>
         </p:txBody>
       </p:sp>
@@ -5005,7 +5323,7 @@
       </p:grpSpPr>
       <p:sp>
         <p:nvSpPr>
-          <p:cNvPr id="6" name="Titre 5"/>
+          <p:cNvPr id="2" name="Titre 1"/>
           <p:cNvSpPr>
             <a:spLocks noGrp="1"/>
           </p:cNvSpPr>
@@ -5020,7 +5338,11 @@
           <a:p>
             <a:r>
               <a:rPr lang="fr-FR" dirty="0" smtClean="0"/>
-              <a:t>Fonctionnalités</a:t>
+              <a:t>I</a:t>
+            </a:r>
+            <a:r>
+              <a:rPr lang="fr-FR" dirty="0" smtClean="0"/>
+              <a:t>nterface graphique</a:t>
             </a:r>
             <a:endParaRPr lang="fr-FR" dirty="0"/>
           </a:p>
@@ -5028,7 +5350,7 @@
       </p:sp>
       <p:sp>
         <p:nvSpPr>
-          <p:cNvPr id="4" name="Espace réservé du pied de page 3"/>
+          <p:cNvPr id="3" name="Espace réservé du pied de page 2"/>
           <p:cNvSpPr>
             <a:spLocks noGrp="1"/>
           </p:cNvSpPr>
@@ -5057,7 +5379,7 @@
       </p:sp>
       <p:sp>
         <p:nvSpPr>
-          <p:cNvPr id="5" name="Espace réservé du numéro de diapositive 4"/>
+          <p:cNvPr id="4" name="Espace réservé du numéro de diapositive 3"/>
           <p:cNvSpPr>
             <a:spLocks noGrp="1"/>
           </p:cNvSpPr>
@@ -5085,7 +5407,7 @@
       </p:sp>
       <p:sp>
         <p:nvSpPr>
-          <p:cNvPr id="7" name="Espace réservé du contenu 6"/>
+          <p:cNvPr id="5" name="Espace réservé du contenu 4"/>
           <p:cNvSpPr>
             <a:spLocks noGrp="1"/>
           </p:cNvSpPr>
@@ -5110,21 +5432,14 @@
                   </a:schemeClr>
                 </a:solidFill>
               </a:rPr>
-              <a:t>Les « lyrics »</a:t>
-            </a:r>
-            <a:endParaRPr lang="fr-FR" dirty="0">
-              <a:solidFill>
-                <a:schemeClr val="tx2">
-                  <a:lumMod val="75000"/>
-                </a:schemeClr>
-              </a:solidFill>
-            </a:endParaRPr>
-          </a:p>
-        </p:txBody>
-      </p:sp>
-      <p:sp>
-        <p:nvSpPr>
-          <p:cNvPr id="8" name="Espace réservé du contenu 7"/>
+              <a:t> Les écrans</a:t>
+            </a:r>
+          </a:p>
+        </p:txBody>
+      </p:sp>
+      <p:sp>
+        <p:nvSpPr>
+          <p:cNvPr id="6" name="Espace réservé du contenu 5"/>
           <p:cNvSpPr>
             <a:spLocks noGrp="1"/>
           </p:cNvSpPr>
@@ -5204,7 +5519,16 @@
                 </a:solidFill>
                 <a:latin typeface="Cambria" pitchFamily="18" charset="0"/>
               </a:rPr>
-              <a:t>Outils et méthodologies utilisés</a:t>
+              <a:t>Outils et méthodologies </a:t>
+            </a:r>
+            <a:r>
+              <a:rPr lang="fr-FR" sz="1400" dirty="0" smtClean="0">
+                <a:solidFill>
+                  <a:srgbClr val="A4CA39"/>
+                </a:solidFill>
+                <a:latin typeface="Cambria" pitchFamily="18" charset="0"/>
+              </a:rPr>
+              <a:t>utilisés</a:t>
             </a:r>
           </a:p>
           <a:p>
@@ -5214,6 +5538,39 @@
             </a:pPr>
             <a:endParaRPr lang="fr-FR" sz="1400" dirty="0" smtClean="0">
               <a:solidFill>
+                <a:srgbClr val="D8FBC1"/>
+              </a:solidFill>
+              <a:latin typeface="Cambria" pitchFamily="18" charset="0"/>
+            </a:endParaRPr>
+          </a:p>
+          <a:p>
+            <a:pPr marL="457200" indent="-457200">
+              <a:buFont typeface="+mj-lt"/>
+              <a:buAutoNum type="arabicPeriod"/>
+            </a:pPr>
+            <a:r>
+              <a:rPr lang="fr-FR" sz="1400" dirty="0" smtClean="0">
+                <a:solidFill>
+                  <a:srgbClr val="D8FBC1"/>
+                </a:solidFill>
+                <a:latin typeface="Cambria" pitchFamily="18" charset="0"/>
+              </a:rPr>
+              <a:t>Interface graphique</a:t>
+            </a:r>
+            <a:endParaRPr lang="fr-FR" sz="1400" dirty="0" smtClean="0">
+              <a:solidFill>
+                <a:srgbClr val="D8FBC1"/>
+              </a:solidFill>
+              <a:latin typeface="Cambria" pitchFamily="18" charset="0"/>
+            </a:endParaRPr>
+          </a:p>
+          <a:p>
+            <a:pPr marL="457200" indent="-457200">
+              <a:buFont typeface="+mj-lt"/>
+              <a:buAutoNum type="arabicPeriod"/>
+            </a:pPr>
+            <a:endParaRPr lang="fr-FR" sz="1400" dirty="0" smtClean="0">
+              <a:solidFill>
                 <a:srgbClr val="A4CA39"/>
               </a:solidFill>
               <a:latin typeface="Cambria" pitchFamily="18" charset="0"/>
@@ -5227,12 +5584,18 @@
             <a:r>
               <a:rPr lang="fr-FR" sz="1400" dirty="0" smtClean="0">
                 <a:solidFill>
-                  <a:srgbClr val="D8FBC1"/>
+                  <a:srgbClr val="A4CA39"/>
                 </a:solidFill>
                 <a:latin typeface="Cambria" pitchFamily="18" charset="0"/>
               </a:rPr>
               <a:t>Fonctionnalités</a:t>
             </a:r>
+          </a:p>
+          <a:p>
+            <a:pPr marL="457200" indent="-457200">
+              <a:buFont typeface="+mj-lt"/>
+              <a:buAutoNum type="arabicPeriod"/>
+            </a:pPr>
             <a:endParaRPr lang="fr-FR" sz="1400" dirty="0" smtClean="0">
               <a:solidFill>
                 <a:srgbClr val="A4CA39"/>
@@ -5245,6 +5608,21 @@
               <a:buFont typeface="+mj-lt"/>
               <a:buAutoNum type="arabicPeriod"/>
             </a:pPr>
+            <a:r>
+              <a:rPr lang="fr-FR" sz="1400" dirty="0" smtClean="0">
+                <a:solidFill>
+                  <a:srgbClr val="A4CA39"/>
+                </a:solidFill>
+                <a:latin typeface="Cambria" pitchFamily="18" charset="0"/>
+              </a:rPr>
+              <a:t>Démonstration</a:t>
+            </a:r>
+          </a:p>
+          <a:p>
+            <a:pPr marL="457200" indent="-457200">
+              <a:buFont typeface="+mj-lt"/>
+              <a:buAutoNum type="arabicPeriod"/>
+            </a:pPr>
             <a:endParaRPr lang="fr-FR" sz="1400" dirty="0" smtClean="0">
               <a:solidFill>
                 <a:srgbClr val="A4CA39"/>
@@ -5264,47 +5642,148 @@
                 </a:solidFill>
                 <a:latin typeface="Cambria" pitchFamily="18" charset="0"/>
               </a:rPr>
-              <a:t>Démonstration</a:t>
-            </a:r>
-            <a:endParaRPr lang="fr-FR" sz="1400" dirty="0" smtClean="0">
-              <a:solidFill>
-                <a:srgbClr val="D8FBC1"/>
-              </a:solidFill>
-              <a:latin typeface="Cambria" pitchFamily="18" charset="0"/>
-            </a:endParaRPr>
-          </a:p>
-          <a:p>
-            <a:pPr marL="457200" indent="-457200">
-              <a:buFont typeface="+mj-lt"/>
-              <a:buAutoNum type="arabicPeriod"/>
-            </a:pPr>
-            <a:endParaRPr lang="fr-FR" sz="1400" dirty="0" smtClean="0">
-              <a:solidFill>
-                <a:srgbClr val="A4CA39"/>
-              </a:solidFill>
-              <a:latin typeface="Cambria" pitchFamily="18" charset="0"/>
-            </a:endParaRPr>
-          </a:p>
-          <a:p>
-            <a:pPr marL="457200" indent="-457200">
-              <a:buFont typeface="+mj-lt"/>
-              <a:buAutoNum type="arabicPeriod"/>
-            </a:pPr>
-            <a:r>
-              <a:rPr lang="fr-FR" sz="1400" dirty="0" smtClean="0">
-                <a:solidFill>
-                  <a:srgbClr val="A4CA39"/>
-                </a:solidFill>
-                <a:latin typeface="Cambria" pitchFamily="18" charset="0"/>
-              </a:rPr>
               <a:t>Conclusion</a:t>
             </a:r>
           </a:p>
           <a:p>
-            <a:endParaRPr lang="fr-FR" dirty="0"/>
-          </a:p>
-        </p:txBody>
-      </p:sp>
+            <a:endParaRPr lang="fr-FR" sz="1400" dirty="0"/>
+          </a:p>
+        </p:txBody>
+      </p:sp>
+      <p:graphicFrame>
+        <p:nvGraphicFramePr>
+          <p:cNvPr id="9" name="Tableau 8"/>
+          <p:cNvGraphicFramePr>
+            <a:graphicFrameLocks noGrp="1"/>
+          </p:cNvGraphicFramePr>
+          <p:nvPr/>
+        </p:nvGraphicFramePr>
+        <p:xfrm>
+          <a:off x="1907704" y="1545992"/>
+          <a:ext cx="7056784" cy="370840"/>
+        </p:xfrm>
+        <a:graphic>
+          <a:graphicData uri="http://schemas.openxmlformats.org/drawingml/2006/table">
+            <a:tbl>
+              <a:tblPr firstRow="1" bandRow="1">
+                <a:tableStyleId>{2D5ABB26-0587-4C30-8999-92F81FD0307C}</a:tableStyleId>
+              </a:tblPr>
+              <a:tblGrid>
+                <a:gridCol w="3029462"/>
+                <a:gridCol w="4027322"/>
+              </a:tblGrid>
+              <a:tr h="370840">
+                <a:tc>
+                  <a:txBody>
+                    <a:bodyPr/>
+                    <a:lstStyle/>
+                    <a:p>
+                      <a:pPr algn="ctr"/>
+                      <a:r>
+                        <a:rPr lang="fr-FR" dirty="0" smtClean="0">
+                          <a:solidFill>
+                            <a:schemeClr val="tx2">
+                              <a:lumMod val="75000"/>
+                            </a:schemeClr>
+                          </a:solidFill>
+                          <a:latin typeface="Cambria" pitchFamily="18" charset="0"/>
+                        </a:rPr>
+                        <a:t>Portrait</a:t>
+                      </a:r>
+                      <a:endParaRPr lang="fr-FR" dirty="0">
+                        <a:solidFill>
+                          <a:schemeClr val="tx2">
+                            <a:lumMod val="75000"/>
+                          </a:schemeClr>
+                        </a:solidFill>
+                        <a:latin typeface="Cambria" pitchFamily="18" charset="0"/>
+                      </a:endParaRPr>
+                    </a:p>
+                  </a:txBody>
+                  <a:tcPr/>
+                </a:tc>
+                <a:tc>
+                  <a:txBody>
+                    <a:bodyPr/>
+                    <a:lstStyle/>
+                    <a:p>
+                      <a:pPr algn="ctr"/>
+                      <a:r>
+                        <a:rPr lang="fr-FR" dirty="0" smtClean="0">
+                          <a:solidFill>
+                            <a:schemeClr val="tx2">
+                              <a:lumMod val="75000"/>
+                            </a:schemeClr>
+                          </a:solidFill>
+                          <a:latin typeface="Cambria" pitchFamily="18" charset="0"/>
+                        </a:rPr>
+                        <a:t>Paysage</a:t>
+                      </a:r>
+                      <a:endParaRPr lang="fr-FR" dirty="0">
+                        <a:solidFill>
+                          <a:schemeClr val="tx2">
+                            <a:lumMod val="75000"/>
+                          </a:schemeClr>
+                        </a:solidFill>
+                        <a:latin typeface="Cambria" pitchFamily="18" charset="0"/>
+                      </a:endParaRPr>
+                    </a:p>
+                  </a:txBody>
+                  <a:tcPr/>
+                </a:tc>
+              </a:tr>
+            </a:tbl>
+          </a:graphicData>
+        </a:graphic>
+      </p:graphicFrame>
+      <p:pic>
+        <p:nvPicPr>
+          <p:cNvPr id="10" name="Image 9" descr="img_presentation.PNG"/>
+          <p:cNvPicPr>
+            <a:picLocks noChangeAspect="1"/>
+          </p:cNvPicPr>
+          <p:nvPr/>
+        </p:nvPicPr>
+        <p:blipFill>
+          <a:blip r:embed="rId2" cstate="print"/>
+          <a:stretch>
+            <a:fillRect/>
+          </a:stretch>
+        </p:blipFill>
+        <p:spPr>
+          <a:xfrm>
+            <a:off x="2123728" y="1916832"/>
+            <a:ext cx="2606040" cy="3840480"/>
+          </a:xfrm>
+          <a:prstGeom prst="rect">
+            <a:avLst/>
+          </a:prstGeom>
+        </p:spPr>
+      </p:pic>
+      <p:pic>
+        <p:nvPicPr>
+          <p:cNvPr id="11" name="Image 10" descr="layout_paysage_2.PNG"/>
+          <p:cNvPicPr>
+            <a:picLocks noChangeAspect="1"/>
+          </p:cNvPicPr>
+          <p:nvPr/>
+        </p:nvPicPr>
+        <p:blipFill>
+          <a:blip r:embed="rId3" cstate="print"/>
+          <a:stretch>
+            <a:fillRect/>
+          </a:stretch>
+        </p:blipFill>
+        <p:spPr>
+          <a:xfrm>
+            <a:off x="5018092" y="2564904"/>
+            <a:ext cx="3802380" cy="2598420"/>
+          </a:xfrm>
+          <a:prstGeom prst="rect">
+            <a:avLst/>
+          </a:prstGeom>
+        </p:spPr>
+      </p:pic>
     </p:spTree>
   </p:cSld>
   <p:clrMapOvr>
@@ -5357,7 +5836,7 @@
           <a:p>
             <a:r>
               <a:rPr lang="fr-FR" dirty="0" smtClean="0"/>
-              <a:t>Démonstration</a:t>
+              <a:t>Fonctionnalités</a:t>
             </a:r>
             <a:endParaRPr lang="fr-FR" dirty="0"/>
           </a:p>
@@ -5422,6 +5901,165 @@
       </p:sp>
       <p:sp>
         <p:nvSpPr>
+          <p:cNvPr id="7" name="Espace réservé du contenu 6"/>
+          <p:cNvSpPr>
+            <a:spLocks noGrp="1"/>
+          </p:cNvSpPr>
+          <p:nvPr>
+            <p:ph sz="quarter" idx="14"/>
+          </p:nvPr>
+        </p:nvSpPr>
+        <p:spPr/>
+        <p:txBody>
+          <a:bodyPr/>
+          <a:lstStyle/>
+          <a:p>
+            <a:pPr>
+              <a:buFont typeface="Wingdings" pitchFamily="2" charset="2"/>
+              <a:buChar char="Ø"/>
+            </a:pPr>
+            <a:r>
+              <a:rPr lang="fr-FR" dirty="0" smtClean="0">
+                <a:solidFill>
+                  <a:schemeClr val="tx2">
+                    <a:lumMod val="75000"/>
+                  </a:schemeClr>
+                </a:solidFill>
+              </a:rPr>
+              <a:t>Le tri des fichiers audio</a:t>
+            </a:r>
+          </a:p>
+          <a:p>
+            <a:pPr lvl="1">
+              <a:buFont typeface="Arial" pitchFamily="34" charset="0"/>
+              <a:buChar char="•"/>
+            </a:pPr>
+            <a:r>
+              <a:rPr lang="fr-FR" dirty="0" smtClean="0">
+                <a:solidFill>
+                  <a:schemeClr val="tx2">
+                    <a:lumMod val="75000"/>
+                  </a:schemeClr>
+                </a:solidFill>
+              </a:rPr>
+              <a:t>Plusieurs options :</a:t>
+            </a:r>
+          </a:p>
+          <a:p>
+            <a:pPr lvl="2"/>
+            <a:r>
+              <a:rPr lang="fr-FR" dirty="0" smtClean="0">
+                <a:solidFill>
+                  <a:schemeClr val="tx2">
+                    <a:lumMod val="75000"/>
+                  </a:schemeClr>
+                </a:solidFill>
+              </a:rPr>
+              <a:t>Toutes les chansons</a:t>
+            </a:r>
+          </a:p>
+          <a:p>
+            <a:pPr lvl="2"/>
+            <a:r>
+              <a:rPr lang="fr-FR" dirty="0" smtClean="0">
+                <a:solidFill>
+                  <a:schemeClr val="tx2">
+                    <a:lumMod val="75000"/>
+                  </a:schemeClr>
+                </a:solidFill>
+              </a:rPr>
+              <a:t>Par auteur</a:t>
+            </a:r>
+          </a:p>
+          <a:p>
+            <a:pPr lvl="2"/>
+            <a:r>
+              <a:rPr lang="fr-FR" dirty="0" smtClean="0">
+                <a:solidFill>
+                  <a:schemeClr val="tx2">
+                    <a:lumMod val="75000"/>
+                  </a:schemeClr>
+                </a:solidFill>
+              </a:rPr>
+              <a:t>Par album</a:t>
+            </a:r>
+          </a:p>
+          <a:p>
+            <a:pPr lvl="2"/>
+            <a:r>
+              <a:rPr lang="fr-FR" dirty="0" smtClean="0">
+                <a:solidFill>
+                  <a:schemeClr val="tx2">
+                    <a:lumMod val="75000"/>
+                  </a:schemeClr>
+                </a:solidFill>
+              </a:rPr>
+              <a:t>Par genre</a:t>
+            </a:r>
+          </a:p>
+          <a:p>
+            <a:pPr lvl="1">
+              <a:buFont typeface="Arial" pitchFamily="34" charset="0"/>
+              <a:buChar char="•"/>
+            </a:pPr>
+            <a:r>
+              <a:rPr lang="fr-FR" dirty="0" smtClean="0">
+                <a:solidFill>
+                  <a:schemeClr val="tx2">
+                    <a:lumMod val="75000"/>
+                  </a:schemeClr>
+                </a:solidFill>
+              </a:rPr>
+              <a:t>Utilisation des métadonnées</a:t>
+            </a:r>
+          </a:p>
+          <a:p>
+            <a:pPr lvl="1">
+              <a:buFont typeface="Arial" pitchFamily="34" charset="0"/>
+              <a:buChar char="•"/>
+            </a:pPr>
+            <a:r>
+              <a:rPr lang="fr-FR" dirty="0" smtClean="0">
+                <a:solidFill>
+                  <a:schemeClr val="tx2">
+                    <a:lumMod val="75000"/>
+                  </a:schemeClr>
+                </a:solidFill>
+              </a:rPr>
+              <a:t>Gestion des données inconnues avec le mot clé « </a:t>
+            </a:r>
+            <a:r>
+              <a:rPr lang="fr-FR" dirty="0" err="1" smtClean="0">
+                <a:solidFill>
+                  <a:schemeClr val="tx2">
+                    <a:lumMod val="75000"/>
+                  </a:schemeClr>
+                </a:solidFill>
+              </a:rPr>
+              <a:t>Unknown</a:t>
+            </a:r>
+            <a:r>
+              <a:rPr lang="fr-FR" dirty="0" smtClean="0">
+                <a:solidFill>
+                  <a:schemeClr val="tx2">
+                    <a:lumMod val="75000"/>
+                  </a:schemeClr>
+                </a:solidFill>
+              </a:rPr>
+              <a:t> »</a:t>
+            </a:r>
+            <a:endParaRPr lang="fr-FR" dirty="0">
+              <a:solidFill>
+                <a:schemeClr val="tx2">
+                  <a:lumMod val="75000"/>
+                </a:schemeClr>
+              </a:solidFill>
+            </a:endParaRPr>
+          </a:p>
+        </p:txBody>
+      </p:sp>
+      <p:sp>
+        <p:nvSpPr>
           <p:cNvPr id="8" name="Espace réservé du contenu 7"/>
           <p:cNvSpPr>
             <a:spLocks noGrp="1"/>
@@ -5502,7 +6140,16 @@
                 </a:solidFill>
                 <a:latin typeface="Cambria" pitchFamily="18" charset="0"/>
               </a:rPr>
-              <a:t>Outils et méthodologies utilisés</a:t>
+              <a:t>Outils et méthodologies </a:t>
+            </a:r>
+            <a:r>
+              <a:rPr lang="fr-FR" sz="1400" dirty="0" smtClean="0">
+                <a:solidFill>
+                  <a:srgbClr val="A4CA39"/>
+                </a:solidFill>
+                <a:latin typeface="Cambria" pitchFamily="18" charset="0"/>
+              </a:rPr>
+              <a:t>utilisés</a:t>
             </a:r>
           </a:p>
           <a:p>
@@ -5512,6 +6159,36 @@
             </a:pPr>
             <a:endParaRPr lang="fr-FR" sz="1400" dirty="0" smtClean="0">
               <a:solidFill>
+                <a:srgbClr val="D8FBC1"/>
+              </a:solidFill>
+              <a:latin typeface="Cambria" pitchFamily="18" charset="0"/>
+            </a:endParaRPr>
+          </a:p>
+          <a:p>
+            <a:pPr marL="457200" indent="-457200">
+              <a:buFont typeface="+mj-lt"/>
+              <a:buAutoNum type="arabicPeriod"/>
+            </a:pPr>
+            <a:r>
+              <a:rPr lang="fr-FR" sz="1400" dirty="0" smtClean="0">
+                <a:solidFill>
+                  <a:srgbClr val="A4CA39"/>
+                </a:solidFill>
+                <a:latin typeface="Cambria" pitchFamily="18" charset="0"/>
+              </a:rPr>
+              <a:t>Interface </a:t>
+            </a:r>
+            <a:r>
+              <a:rPr lang="fr-FR" sz="1400" dirty="0" smtClean="0">
+                <a:solidFill>
+                  <a:srgbClr val="A4CA39"/>
+                </a:solidFill>
+                <a:latin typeface="Cambria" pitchFamily="18" charset="0"/>
+              </a:rPr>
+              <a:t>graphique</a:t>
+            </a:r>
+            <a:endParaRPr lang="fr-FR" sz="1400" dirty="0" smtClean="0">
+              <a:solidFill>
                 <a:srgbClr val="A4CA39"/>
               </a:solidFill>
               <a:latin typeface="Cambria" pitchFamily="18" charset="0"/>
@@ -5522,21 +6199,27 @@
               <a:buFont typeface="+mj-lt"/>
               <a:buAutoNum type="arabicPeriod"/>
             </a:pPr>
-            <a:r>
-              <a:rPr lang="fr-FR" sz="1400" dirty="0" smtClean="0">
-                <a:solidFill>
-                  <a:srgbClr val="A4CA39"/>
+            <a:endParaRPr lang="fr-FR" sz="1400" dirty="0" smtClean="0">
+              <a:solidFill>
+                <a:srgbClr val="A4CA39"/>
+              </a:solidFill>
+              <a:latin typeface="Cambria" pitchFamily="18" charset="0"/>
+            </a:endParaRPr>
+          </a:p>
+          <a:p>
+            <a:pPr marL="457200" indent="-457200">
+              <a:buFont typeface="+mj-lt"/>
+              <a:buAutoNum type="arabicPeriod"/>
+            </a:pPr>
+            <a:r>
+              <a:rPr lang="fr-FR" sz="1400" dirty="0" smtClean="0">
+                <a:solidFill>
+                  <a:srgbClr val="D8FBC1"/>
                 </a:solidFill>
                 <a:latin typeface="Cambria" pitchFamily="18" charset="0"/>
               </a:rPr>
               <a:t>Fonctionnalités</a:t>
             </a:r>
-          </a:p>
-          <a:p>
-            <a:pPr marL="457200" indent="-457200">
-              <a:buFont typeface="+mj-lt"/>
-              <a:buAutoNum type="arabicPeriod"/>
-            </a:pPr>
             <a:endParaRPr lang="fr-FR" sz="1400" dirty="0" smtClean="0">
               <a:solidFill>
                 <a:srgbClr val="A4CA39"/>
@@ -5549,23 +6232,41 @@
               <a:buFont typeface="+mj-lt"/>
               <a:buAutoNum type="arabicPeriod"/>
             </a:pPr>
-            <a:r>
-              <a:rPr lang="fr-FR" sz="1400" dirty="0" smtClean="0">
-                <a:solidFill>
-                  <a:srgbClr val="D8FBC1"/>
+            <a:endParaRPr lang="fr-FR" sz="1400" dirty="0" smtClean="0">
+              <a:solidFill>
+                <a:srgbClr val="A4CA39"/>
+              </a:solidFill>
+              <a:latin typeface="Cambria" pitchFamily="18" charset="0"/>
+            </a:endParaRPr>
+          </a:p>
+          <a:p>
+            <a:pPr marL="457200" indent="-457200">
+              <a:buFont typeface="+mj-lt"/>
+              <a:buAutoNum type="arabicPeriod"/>
+            </a:pPr>
+            <a:r>
+              <a:rPr lang="fr-FR" sz="1400" dirty="0" smtClean="0">
+                <a:solidFill>
+                  <a:srgbClr val="A4CA39"/>
                 </a:solidFill>
                 <a:latin typeface="Cambria" pitchFamily="18" charset="0"/>
               </a:rPr>
               <a:t>Démonstration</a:t>
             </a:r>
-          </a:p>
-          <a:p>
-            <a:pPr marL="457200" indent="-457200">
-              <a:buFont typeface="+mj-lt"/>
-              <a:buAutoNum type="arabicPeriod"/>
-            </a:pPr>
             <a:endParaRPr lang="fr-FR" sz="1400" dirty="0" smtClean="0">
               <a:solidFill>
+                <a:srgbClr val="D8FBC1"/>
+              </a:solidFill>
+              <a:latin typeface="Cambria" pitchFamily="18" charset="0"/>
+            </a:endParaRPr>
+          </a:p>
+          <a:p>
+            <a:pPr marL="457200" indent="-457200">
+              <a:buFont typeface="+mj-lt"/>
+              <a:buAutoNum type="arabicPeriod"/>
+            </a:pPr>
+            <a:endParaRPr lang="fr-FR" sz="1400" dirty="0" smtClean="0">
+              <a:solidFill>
                 <a:srgbClr val="A4CA39"/>
               </a:solidFill>
               <a:latin typeface="Cambria" pitchFamily="18" charset="0"/>
@@ -5588,144 +6289,6 @@
           </a:p>
           <a:p>
             <a:endParaRPr lang="fr-FR" dirty="0"/>
-          </a:p>
-        </p:txBody>
-      </p:sp>
-      <p:sp>
-        <p:nvSpPr>
-          <p:cNvPr id="14" name="Ellipse 13"/>
-          <p:cNvSpPr/>
-          <p:nvPr/>
-        </p:nvSpPr>
-        <p:spPr>
-          <a:xfrm>
-            <a:off x="3203848" y="2564904"/>
-            <a:ext cx="792088" cy="792088"/>
-          </a:xfrm>
-          <a:prstGeom prst="ellipse">
-            <a:avLst/>
-          </a:prstGeom>
-          <a:solidFill>
-            <a:srgbClr val="D8FBC1"/>
-          </a:solidFill>
-          <a:ln>
-            <a:noFill/>
-          </a:ln>
-        </p:spPr>
-        <p:style>
-          <a:lnRef idx="2">
-            <a:schemeClr val="accent1">
-              <a:shade val="50000"/>
-            </a:schemeClr>
-          </a:lnRef>
-          <a:fillRef idx="1">
-            <a:schemeClr val="accent1"/>
-          </a:fillRef>
-          <a:effectRef idx="0">
-            <a:schemeClr val="accent1"/>
-          </a:effectRef>
-          <a:fontRef idx="minor">
-            <a:schemeClr val="lt1"/>
-          </a:fontRef>
-        </p:style>
-        <p:txBody>
-          <a:bodyPr rtlCol="0" anchor="ctr"/>
-          <a:lstStyle/>
-          <a:p>
-            <a:pPr algn="ctr"/>
-            <a:endParaRPr lang="fr-FR"/>
-          </a:p>
-        </p:txBody>
-      </p:sp>
-      <p:sp>
-        <p:nvSpPr>
-          <p:cNvPr id="17" name="Ellipse 16"/>
-          <p:cNvSpPr/>
-          <p:nvPr/>
-        </p:nvSpPr>
-        <p:spPr>
-          <a:xfrm>
-            <a:off x="4211960" y="2564904"/>
-            <a:ext cx="792088" cy="792088"/>
-          </a:xfrm>
-          <a:prstGeom prst="ellipse">
-            <a:avLst/>
-          </a:prstGeom>
-          <a:solidFill>
-            <a:srgbClr val="D8FBC1"/>
-          </a:solidFill>
-          <a:ln>
-            <a:noFill/>
-          </a:ln>
-        </p:spPr>
-        <p:style>
-          <a:lnRef idx="2">
-            <a:schemeClr val="accent1">
-              <a:shade val="50000"/>
-            </a:schemeClr>
-          </a:lnRef>
-          <a:fillRef idx="1">
-            <a:schemeClr val="accent1"/>
-          </a:fillRef>
-          <a:effectRef idx="0">
-            <a:schemeClr val="accent1"/>
-          </a:effectRef>
-          <a:fontRef idx="minor">
-            <a:schemeClr val="lt1"/>
-          </a:fontRef>
-        </p:style>
-        <p:txBody>
-          <a:bodyPr rtlCol="0" anchor="ctr"/>
-          <a:lstStyle/>
-          <a:p>
-            <a:pPr algn="ctr"/>
-            <a:endParaRPr lang="fr-FR"/>
-          </a:p>
-        </p:txBody>
-      </p:sp>
-      <p:sp>
-        <p:nvSpPr>
-          <p:cNvPr id="18" name="Ellipse 17"/>
-          <p:cNvSpPr/>
-          <p:nvPr/>
-        </p:nvSpPr>
-        <p:spPr>
-          <a:xfrm>
-            <a:off x="5220072" y="2564904"/>
-            <a:ext cx="792088" cy="792088"/>
-          </a:xfrm>
-          <a:prstGeom prst="ellipse">
-            <a:avLst/>
-          </a:prstGeom>
-          <a:solidFill>
-            <a:srgbClr val="D8FBC1"/>
-          </a:solidFill>
-          <a:ln>
-            <a:noFill/>
-          </a:ln>
-        </p:spPr>
-        <p:style>
-          <a:lnRef idx="2">
-            <a:schemeClr val="accent1">
-              <a:shade val="50000"/>
-            </a:schemeClr>
-          </a:lnRef>
-          <a:fillRef idx="1">
-            <a:schemeClr val="accent1"/>
-          </a:fillRef>
-          <a:effectRef idx="0">
-            <a:schemeClr val="accent1"/>
-          </a:effectRef>
-          <a:fontRef idx="minor">
-            <a:schemeClr val="lt1"/>
-          </a:fontRef>
-        </p:style>
-        <p:txBody>
-          <a:bodyPr rtlCol="0" anchor="ctr"/>
-          <a:lstStyle/>
-          <a:p>
-            <a:pPr algn="ctr"/>
-            <a:endParaRPr lang="fr-FR"/>
           </a:p>
         </p:txBody>
       </p:sp>
@@ -5781,7 +6344,7 @@
           <a:p>
             <a:r>
               <a:rPr lang="fr-FR" dirty="0" smtClean="0"/>
-              <a:t>Conclusion</a:t>
+              <a:t>Fonctionnalités</a:t>
             </a:r>
             <a:endParaRPr lang="fr-FR" dirty="0"/>
           </a:p>
@@ -5856,185 +6419,250 @@
         </p:nvSpPr>
         <p:spPr/>
         <p:txBody>
+          <a:bodyPr/>
+          <a:lstStyle/>
+          <a:p>
+            <a:pPr>
+              <a:buFont typeface="Wingdings" pitchFamily="2" charset="2"/>
+              <a:buChar char="Ø"/>
+            </a:pPr>
+            <a:r>
+              <a:rPr lang="fr-FR" dirty="0" smtClean="0">
+                <a:solidFill>
+                  <a:schemeClr val="tx2">
+                    <a:lumMod val="75000"/>
+                  </a:schemeClr>
+                </a:solidFill>
+              </a:rPr>
+              <a:t>La « </a:t>
+            </a:r>
+            <a:r>
+              <a:rPr lang="fr-FR" dirty="0" err="1" smtClean="0">
+                <a:solidFill>
+                  <a:schemeClr val="tx2">
+                    <a:lumMod val="75000"/>
+                  </a:schemeClr>
+                </a:solidFill>
+              </a:rPr>
+              <a:t>loop</a:t>
+            </a:r>
+            <a:r>
+              <a:rPr lang="fr-FR" dirty="0" smtClean="0">
+                <a:solidFill>
+                  <a:schemeClr val="tx2">
+                    <a:lumMod val="75000"/>
+                  </a:schemeClr>
+                </a:solidFill>
+              </a:rPr>
+              <a:t> </a:t>
+            </a:r>
+            <a:r>
+              <a:rPr lang="fr-FR" dirty="0" smtClean="0">
+                <a:solidFill>
+                  <a:schemeClr val="tx2">
+                    <a:lumMod val="75000"/>
+                  </a:schemeClr>
+                </a:solidFill>
+              </a:rPr>
+              <a:t>»</a:t>
+            </a:r>
+          </a:p>
+          <a:p>
+            <a:pPr lvl="1">
+              <a:buFont typeface="Arial" pitchFamily="34" charset="0"/>
+              <a:buChar char="•"/>
+            </a:pPr>
+            <a:r>
+              <a:rPr lang="fr-FR" dirty="0" smtClean="0">
+                <a:solidFill>
+                  <a:schemeClr val="tx2">
+                    <a:lumMod val="75000"/>
+                  </a:schemeClr>
+                </a:solidFill>
+              </a:rPr>
+              <a:t>Activer / désactiver le mode « </a:t>
+            </a:r>
+            <a:r>
+              <a:rPr lang="fr-FR" dirty="0" err="1" smtClean="0">
+                <a:solidFill>
+                  <a:schemeClr val="tx2">
+                    <a:lumMod val="75000"/>
+                  </a:schemeClr>
+                </a:solidFill>
+              </a:rPr>
+              <a:t>loop</a:t>
+            </a:r>
+            <a:r>
+              <a:rPr lang="fr-FR" dirty="0" smtClean="0">
+                <a:solidFill>
+                  <a:schemeClr val="tx2">
+                    <a:lumMod val="75000"/>
+                  </a:schemeClr>
+                </a:solidFill>
+              </a:rPr>
+              <a:t> »</a:t>
+            </a:r>
+          </a:p>
+          <a:p>
+            <a:pPr lvl="1">
+              <a:buFont typeface="Arial" pitchFamily="34" charset="0"/>
+              <a:buChar char="•"/>
+            </a:pPr>
+            <a:r>
+              <a:rPr lang="fr-FR" dirty="0" smtClean="0">
+                <a:solidFill>
+                  <a:schemeClr val="tx2">
+                    <a:lumMod val="75000"/>
+                  </a:schemeClr>
+                </a:solidFill>
+              </a:rPr>
+              <a:t>Paramétrage début / fin d’une « </a:t>
+            </a:r>
+            <a:r>
+              <a:rPr lang="fr-FR" dirty="0" err="1" smtClean="0">
+                <a:solidFill>
+                  <a:schemeClr val="tx2">
+                    <a:lumMod val="75000"/>
+                  </a:schemeClr>
+                </a:solidFill>
+              </a:rPr>
+              <a:t>loop</a:t>
+            </a:r>
+            <a:r>
+              <a:rPr lang="fr-FR" dirty="0" smtClean="0">
+                <a:solidFill>
+                  <a:schemeClr val="tx2">
+                    <a:lumMod val="75000"/>
+                  </a:schemeClr>
+                </a:solidFill>
+              </a:rPr>
+              <a:t> »</a:t>
+            </a:r>
+          </a:p>
+          <a:p>
+            <a:pPr lvl="1">
+              <a:buFont typeface="Arial" pitchFamily="34" charset="0"/>
+              <a:buChar char="•"/>
+            </a:pPr>
+            <a:r>
+              <a:rPr lang="fr-FR" dirty="0" smtClean="0">
+                <a:solidFill>
+                  <a:schemeClr val="tx2">
+                    <a:lumMod val="75000"/>
+                  </a:schemeClr>
+                </a:solidFill>
+              </a:rPr>
+              <a:t>Repère temporel pendant la lecture :</a:t>
+            </a:r>
+          </a:p>
+          <a:p>
+            <a:pPr lvl="2"/>
+            <a:r>
+              <a:rPr lang="fr-FR" i="1" dirty="0" err="1" smtClean="0">
+                <a:solidFill>
+                  <a:schemeClr val="tx2">
+                    <a:lumMod val="75000"/>
+                  </a:schemeClr>
+                </a:solidFill>
+              </a:rPr>
+              <a:t>currentPosition</a:t>
+            </a:r>
+            <a:r>
+              <a:rPr lang="fr-FR" i="1" dirty="0" smtClean="0">
+                <a:solidFill>
+                  <a:schemeClr val="tx2">
+                    <a:lumMod val="75000"/>
+                  </a:schemeClr>
+                </a:solidFill>
+              </a:rPr>
+              <a:t>()</a:t>
+            </a:r>
+          </a:p>
+          <a:p>
+            <a:pPr lvl="2"/>
+            <a:r>
+              <a:rPr lang="fr-FR" i="1" dirty="0" err="1" smtClean="0">
+                <a:solidFill>
+                  <a:schemeClr val="tx2">
+                    <a:lumMod val="75000"/>
+                  </a:schemeClr>
+                </a:solidFill>
+              </a:rPr>
+              <a:t>seekTo</a:t>
+            </a:r>
+            <a:r>
+              <a:rPr lang="fr-FR" i="1" dirty="0" smtClean="0">
+                <a:solidFill>
+                  <a:schemeClr val="tx2">
+                    <a:lumMod val="75000"/>
+                  </a:schemeClr>
+                </a:solidFill>
+              </a:rPr>
+              <a:t>(</a:t>
+            </a:r>
+            <a:r>
+              <a:rPr lang="fr-FR" i="1" dirty="0" err="1" smtClean="0">
+                <a:solidFill>
+                  <a:schemeClr val="tx2">
+                    <a:lumMod val="75000"/>
+                  </a:schemeClr>
+                </a:solidFill>
+              </a:rPr>
+              <a:t>int</a:t>
+            </a:r>
+            <a:r>
+              <a:rPr lang="fr-FR" i="1" dirty="0" smtClean="0">
+                <a:solidFill>
+                  <a:schemeClr val="tx2">
+                    <a:lumMod val="75000"/>
+                  </a:schemeClr>
+                </a:solidFill>
+              </a:rPr>
+              <a:t> m)</a:t>
+            </a:r>
+          </a:p>
+          <a:p>
+            <a:pPr lvl="1">
+              <a:buFont typeface="Arial" pitchFamily="34" charset="0"/>
+              <a:buChar char="•"/>
+            </a:pPr>
+            <a:r>
+              <a:rPr lang="fr-FR" dirty="0" smtClean="0">
+                <a:solidFill>
+                  <a:schemeClr val="tx2">
+                    <a:lumMod val="75000"/>
+                  </a:schemeClr>
+                </a:solidFill>
+              </a:rPr>
+              <a:t>Sauvegarde / chargement des paramètres d’une boucle</a:t>
+            </a:r>
+            <a:endParaRPr lang="fr-FR" dirty="0">
+              <a:solidFill>
+                <a:schemeClr val="tx2">
+                  <a:lumMod val="75000"/>
+                </a:schemeClr>
+              </a:solidFill>
+            </a:endParaRPr>
+          </a:p>
+        </p:txBody>
+      </p:sp>
+      <p:sp>
+        <p:nvSpPr>
+          <p:cNvPr id="8" name="Espace réservé du contenu 7"/>
+          <p:cNvSpPr>
+            <a:spLocks noGrp="1"/>
+          </p:cNvSpPr>
+          <p:nvPr>
+            <p:ph sz="quarter" idx="15"/>
+          </p:nvPr>
+        </p:nvSpPr>
+        <p:spPr/>
+        <p:txBody>
           <a:bodyPr>
             <a:normAutofit/>
           </a:bodyPr>
           <a:lstStyle/>
           <a:p>
-            <a:pPr>
-              <a:buFont typeface="Wingdings" pitchFamily="2" charset="2"/>
-              <a:buChar char="Ø"/>
-            </a:pPr>
-            <a:r>
-              <a:rPr lang="fr-FR" sz="2800" dirty="0" smtClean="0">
-                <a:solidFill>
-                  <a:schemeClr val="tx2">
-                    <a:lumMod val="75000"/>
-                  </a:schemeClr>
-                </a:solidFill>
-              </a:rPr>
-              <a:t>Les connaissances et compétences </a:t>
-            </a:r>
-            <a:r>
-              <a:rPr lang="fr-FR" sz="2800" dirty="0" smtClean="0">
-                <a:solidFill>
-                  <a:schemeClr val="tx2">
-                    <a:lumMod val="75000"/>
-                  </a:schemeClr>
-                </a:solidFill>
-              </a:rPr>
-              <a:t>acquises</a:t>
-            </a:r>
-          </a:p>
-          <a:p>
-            <a:pPr lvl="1">
-              <a:buFont typeface="Arial" pitchFamily="34" charset="0"/>
-              <a:buChar char="•"/>
-            </a:pPr>
-            <a:r>
-              <a:rPr lang="fr-FR" sz="2400" dirty="0" smtClean="0">
-                <a:solidFill>
-                  <a:schemeClr val="tx2">
-                    <a:lumMod val="75000"/>
-                  </a:schemeClr>
-                </a:solidFill>
-              </a:rPr>
-              <a:t>Développement d’une application </a:t>
-            </a:r>
-            <a:r>
-              <a:rPr lang="fr-FR" sz="2400" dirty="0" err="1" smtClean="0">
-                <a:solidFill>
-                  <a:schemeClr val="tx2">
-                    <a:lumMod val="75000"/>
-                  </a:schemeClr>
-                </a:solidFill>
-              </a:rPr>
-              <a:t>Android</a:t>
-            </a:r>
-            <a:endParaRPr lang="fr-FR" sz="2400" dirty="0" smtClean="0">
-              <a:solidFill>
-                <a:schemeClr val="tx2">
-                  <a:lumMod val="75000"/>
-                </a:schemeClr>
-              </a:solidFill>
-            </a:endParaRPr>
-          </a:p>
-          <a:p>
-            <a:pPr lvl="1">
-              <a:buFont typeface="Arial" pitchFamily="34" charset="0"/>
-              <a:buChar char="•"/>
-            </a:pPr>
-            <a:r>
-              <a:rPr lang="fr-FR" sz="2400" dirty="0" smtClean="0">
-                <a:solidFill>
-                  <a:schemeClr val="tx2">
-                    <a:lumMod val="75000"/>
-                  </a:schemeClr>
-                </a:solidFill>
-              </a:rPr>
-              <a:t>Découverte du plugin ADT</a:t>
-            </a:r>
-          </a:p>
-          <a:p>
-            <a:pPr lvl="1">
-              <a:buFont typeface="Arial" pitchFamily="34" charset="0"/>
-              <a:buChar char="•"/>
-            </a:pPr>
-            <a:r>
-              <a:rPr lang="fr-FR" sz="2400" dirty="0" smtClean="0">
-                <a:solidFill>
-                  <a:schemeClr val="tx2">
-                    <a:lumMod val="75000"/>
-                  </a:schemeClr>
-                </a:solidFill>
-              </a:rPr>
-              <a:t>La création d’interface graphique en XML</a:t>
-            </a:r>
-          </a:p>
-          <a:p>
-            <a:pPr lvl="1">
-              <a:buFont typeface="Arial" pitchFamily="34" charset="0"/>
-              <a:buChar char="•"/>
-            </a:pPr>
-            <a:r>
-              <a:rPr lang="fr-FR" sz="2400" dirty="0" smtClean="0">
-                <a:solidFill>
-                  <a:schemeClr val="tx2">
-                    <a:lumMod val="75000"/>
-                  </a:schemeClr>
-                </a:solidFill>
-              </a:rPr>
-              <a:t>Des concepts sur les signaux audio</a:t>
-            </a:r>
-          </a:p>
-          <a:p>
-            <a:pPr lvl="1">
-              <a:buFont typeface="Arial" pitchFamily="34" charset="0"/>
-              <a:buChar char="•"/>
-            </a:pPr>
-            <a:r>
-              <a:rPr lang="fr-FR" sz="2400" dirty="0" smtClean="0">
-                <a:solidFill>
-                  <a:schemeClr val="tx2">
-                    <a:lumMod val="75000"/>
-                  </a:schemeClr>
-                </a:solidFill>
-              </a:rPr>
-              <a:t>La découverte de nouvelles API</a:t>
-            </a:r>
-          </a:p>
-          <a:p>
-            <a:pPr lvl="1">
-              <a:buFont typeface="Arial" pitchFamily="34" charset="0"/>
-              <a:buChar char="•"/>
-            </a:pPr>
-            <a:r>
-              <a:rPr lang="fr-FR" sz="2400" dirty="0" smtClean="0">
-                <a:solidFill>
-                  <a:schemeClr val="tx2">
-                    <a:lumMod val="75000"/>
-                  </a:schemeClr>
-                </a:solidFill>
-              </a:rPr>
-              <a:t>Les métadonnées dans </a:t>
-            </a:r>
-            <a:r>
-              <a:rPr lang="fr-FR" sz="2400" smtClean="0">
-                <a:solidFill>
-                  <a:schemeClr val="tx2">
-                    <a:lumMod val="75000"/>
-                  </a:schemeClr>
-                </a:solidFill>
-              </a:rPr>
-              <a:t>un fichier audio</a:t>
-            </a:r>
-            <a:endParaRPr lang="fr-FR" sz="2400" dirty="0">
-              <a:solidFill>
-                <a:schemeClr val="tx2">
-                  <a:lumMod val="75000"/>
-                </a:schemeClr>
-              </a:solidFill>
-            </a:endParaRPr>
-          </a:p>
-        </p:txBody>
-      </p:sp>
-      <p:sp>
-        <p:nvSpPr>
-          <p:cNvPr id="8" name="Espace réservé du contenu 7"/>
-          <p:cNvSpPr>
-            <a:spLocks noGrp="1"/>
-          </p:cNvSpPr>
-          <p:nvPr>
-            <p:ph sz="quarter" idx="15"/>
-          </p:nvPr>
-        </p:nvSpPr>
-        <p:spPr/>
-        <p:txBody>
-          <a:bodyPr>
-            <a:normAutofit/>
-          </a:bodyPr>
-          <a:lstStyle/>
-          <a:p>
             <a:pPr marL="457200" indent="-457200">
               <a:buFont typeface="+mj-lt"/>
               <a:buAutoNum type="arabicPeriod"/>
@@ -6100,7 +6728,16 @@
                 </a:solidFill>
                 <a:latin typeface="Cambria" pitchFamily="18" charset="0"/>
               </a:rPr>
-              <a:t>Outils et méthodologies utilisés</a:t>
+              <a:t>Outils et méthodologies </a:t>
+            </a:r>
+            <a:r>
+              <a:rPr lang="fr-FR" sz="1400" dirty="0" smtClean="0">
+                <a:solidFill>
+                  <a:srgbClr val="A4CA39"/>
+                </a:solidFill>
+                <a:latin typeface="Cambria" pitchFamily="18" charset="0"/>
+              </a:rPr>
+              <a:t>utilisés</a:t>
             </a:r>
           </a:p>
           <a:p>
@@ -6110,6 +6747,36 @@
             </a:pPr>
             <a:endParaRPr lang="fr-FR" sz="1400" dirty="0" smtClean="0">
               <a:solidFill>
+                <a:srgbClr val="D8FBC1"/>
+              </a:solidFill>
+              <a:latin typeface="Cambria" pitchFamily="18" charset="0"/>
+            </a:endParaRPr>
+          </a:p>
+          <a:p>
+            <a:pPr marL="457200" indent="-457200">
+              <a:buFont typeface="+mj-lt"/>
+              <a:buAutoNum type="arabicPeriod"/>
+            </a:pPr>
+            <a:r>
+              <a:rPr lang="fr-FR" sz="1400" dirty="0" smtClean="0">
+                <a:solidFill>
+                  <a:srgbClr val="A4CA39"/>
+                </a:solidFill>
+                <a:latin typeface="Cambria" pitchFamily="18" charset="0"/>
+              </a:rPr>
+              <a:t>Interface </a:t>
+            </a:r>
+            <a:r>
+              <a:rPr lang="fr-FR" sz="1400" dirty="0" smtClean="0">
+                <a:solidFill>
+                  <a:srgbClr val="A4CA39"/>
+                </a:solidFill>
+                <a:latin typeface="Cambria" pitchFamily="18" charset="0"/>
+              </a:rPr>
+              <a:t>graphique</a:t>
+            </a:r>
+            <a:endParaRPr lang="fr-FR" sz="1400" dirty="0" smtClean="0">
+              <a:solidFill>
                 <a:srgbClr val="A4CA39"/>
               </a:solidFill>
               <a:latin typeface="Cambria" pitchFamily="18" charset="0"/>
@@ -6120,21 +6787,27 @@
               <a:buFont typeface="+mj-lt"/>
               <a:buAutoNum type="arabicPeriod"/>
             </a:pPr>
-            <a:r>
-              <a:rPr lang="fr-FR" sz="1400" dirty="0" smtClean="0">
-                <a:solidFill>
-                  <a:srgbClr val="A4CA39"/>
+            <a:endParaRPr lang="fr-FR" sz="1400" dirty="0" smtClean="0">
+              <a:solidFill>
+                <a:srgbClr val="A4CA39"/>
+              </a:solidFill>
+              <a:latin typeface="Cambria" pitchFamily="18" charset="0"/>
+            </a:endParaRPr>
+          </a:p>
+          <a:p>
+            <a:pPr marL="457200" indent="-457200">
+              <a:buFont typeface="+mj-lt"/>
+              <a:buAutoNum type="arabicPeriod"/>
+            </a:pPr>
+            <a:r>
+              <a:rPr lang="fr-FR" sz="1400" dirty="0" smtClean="0">
+                <a:solidFill>
+                  <a:srgbClr val="D8FBC1"/>
                 </a:solidFill>
                 <a:latin typeface="Cambria" pitchFamily="18" charset="0"/>
               </a:rPr>
               <a:t>Fonctionnalités</a:t>
             </a:r>
-          </a:p>
-          <a:p>
-            <a:pPr marL="457200" indent="-457200">
-              <a:buFont typeface="+mj-lt"/>
-              <a:buAutoNum type="arabicPeriod"/>
-            </a:pPr>
             <a:endParaRPr lang="fr-FR" sz="1400" dirty="0" smtClean="0">
               <a:solidFill>
                 <a:srgbClr val="A4CA39"/>
@@ -6147,6 +6820,18 @@
               <a:buFont typeface="+mj-lt"/>
               <a:buAutoNum type="arabicPeriod"/>
             </a:pPr>
+            <a:endParaRPr lang="fr-FR" sz="1400" dirty="0" smtClean="0">
+              <a:solidFill>
+                <a:srgbClr val="A4CA39"/>
+              </a:solidFill>
+              <a:latin typeface="Cambria" pitchFamily="18" charset="0"/>
+            </a:endParaRPr>
+          </a:p>
+          <a:p>
+            <a:pPr marL="457200" indent="-457200">
+              <a:buFont typeface="+mj-lt"/>
+              <a:buAutoNum type="arabicPeriod"/>
+            </a:pPr>
             <a:r>
               <a:rPr lang="fr-FR" sz="1400" dirty="0" smtClean="0">
                 <a:solidFill>
@@ -6156,14 +6841,20 @@
               </a:rPr>
               <a:t>Démonstration</a:t>
             </a:r>
-          </a:p>
-          <a:p>
-            <a:pPr marL="457200" indent="-457200">
-              <a:buFont typeface="+mj-lt"/>
-              <a:buAutoNum type="arabicPeriod"/>
-            </a:pPr>
             <a:endParaRPr lang="fr-FR" sz="1400" dirty="0" smtClean="0">
               <a:solidFill>
+                <a:srgbClr val="D8FBC1"/>
+              </a:solidFill>
+              <a:latin typeface="Cambria" pitchFamily="18" charset="0"/>
+            </a:endParaRPr>
+          </a:p>
+          <a:p>
+            <a:pPr marL="457200" indent="-457200">
+              <a:buFont typeface="+mj-lt"/>
+              <a:buAutoNum type="arabicPeriod"/>
+            </a:pPr>
+            <a:endParaRPr lang="fr-FR" sz="1400" dirty="0" smtClean="0">
+              <a:solidFill>
                 <a:srgbClr val="A4CA39"/>
               </a:solidFill>
               <a:latin typeface="Cambria" pitchFamily="18" charset="0"/>
@@ -6177,7 +6868,7 @@
             <a:r>
               <a:rPr lang="fr-FR" sz="1400" dirty="0" smtClean="0">
                 <a:solidFill>
-                  <a:srgbClr val="D8FBC1"/>
+                  <a:srgbClr val="A4CA39"/>
                 </a:solidFill>
                 <a:latin typeface="Cambria" pitchFamily="18" charset="0"/>
               </a:rPr>
@@ -6241,7 +6932,7 @@
           <a:p>
             <a:r>
               <a:rPr lang="fr-FR" dirty="0" smtClean="0"/>
-              <a:t>Conclusion</a:t>
+              <a:t>Fonctionnalités</a:t>
             </a:r>
             <a:endParaRPr lang="fr-FR" dirty="0"/>
           </a:p>
@@ -6316,142 +7007,80 @@
         </p:nvSpPr>
         <p:spPr/>
         <p:txBody>
+          <a:bodyPr/>
+          <a:lstStyle/>
+          <a:p>
+            <a:pPr>
+              <a:buFont typeface="Wingdings" pitchFamily="2" charset="2"/>
+              <a:buChar char="Ø"/>
+            </a:pPr>
+            <a:r>
+              <a:rPr lang="fr-FR" dirty="0" smtClean="0">
+                <a:solidFill>
+                  <a:schemeClr val="tx2">
+                    <a:lumMod val="75000"/>
+                  </a:schemeClr>
+                </a:solidFill>
+              </a:rPr>
+              <a:t>La « </a:t>
+            </a:r>
+            <a:r>
+              <a:rPr lang="fr-FR" dirty="0" err="1" smtClean="0">
+                <a:solidFill>
+                  <a:schemeClr val="tx2">
+                    <a:lumMod val="75000"/>
+                  </a:schemeClr>
+                </a:solidFill>
+              </a:rPr>
+              <a:t>loop</a:t>
+            </a:r>
+            <a:r>
+              <a:rPr lang="fr-FR" dirty="0" smtClean="0">
+                <a:solidFill>
+                  <a:schemeClr val="tx2">
+                    <a:lumMod val="75000"/>
+                  </a:schemeClr>
+                </a:solidFill>
+              </a:rPr>
+              <a:t> </a:t>
+            </a:r>
+            <a:r>
+              <a:rPr lang="fr-FR" dirty="0" smtClean="0">
+                <a:solidFill>
+                  <a:schemeClr val="tx2">
+                    <a:lumMod val="75000"/>
+                  </a:schemeClr>
+                </a:solidFill>
+              </a:rPr>
+              <a:t>» (suite)</a:t>
+            </a:r>
+            <a:endParaRPr lang="fr-FR" dirty="0">
+              <a:solidFill>
+                <a:schemeClr val="tx2">
+                  <a:lumMod val="75000"/>
+                </a:schemeClr>
+              </a:solidFill>
+            </a:endParaRPr>
+          </a:p>
+        </p:txBody>
+      </p:sp>
+      <p:sp>
+        <p:nvSpPr>
+          <p:cNvPr id="8" name="Espace réservé du contenu 7"/>
+          <p:cNvSpPr>
+            <a:spLocks noGrp="1"/>
+          </p:cNvSpPr>
+          <p:nvPr>
+            <p:ph sz="quarter" idx="15"/>
+          </p:nvPr>
+        </p:nvSpPr>
+        <p:spPr/>
+        <p:txBody>
           <a:bodyPr>
             <a:normAutofit/>
           </a:bodyPr>
           <a:lstStyle/>
           <a:p>
-            <a:pPr>
-              <a:buFont typeface="Wingdings" pitchFamily="2" charset="2"/>
-              <a:buChar char="Ø"/>
-            </a:pPr>
-            <a:r>
-              <a:rPr lang="fr-FR" dirty="0" smtClean="0">
-                <a:solidFill>
-                  <a:schemeClr val="tx2">
-                    <a:lumMod val="75000"/>
-                  </a:schemeClr>
-                </a:solidFill>
-              </a:rPr>
-              <a:t>Les évolutions </a:t>
-            </a:r>
-            <a:r>
-              <a:rPr lang="fr-FR" dirty="0" smtClean="0">
-                <a:solidFill>
-                  <a:schemeClr val="tx2">
-                    <a:lumMod val="75000"/>
-                  </a:schemeClr>
-                </a:solidFill>
-              </a:rPr>
-              <a:t>possibles</a:t>
-            </a:r>
-          </a:p>
-          <a:p>
-            <a:pPr lvl="1">
-              <a:buFont typeface="Arial" pitchFamily="34" charset="0"/>
-              <a:buChar char="•"/>
-            </a:pPr>
-            <a:r>
-              <a:rPr lang="fr-FR" dirty="0" smtClean="0">
-                <a:solidFill>
-                  <a:schemeClr val="tx2">
-                    <a:lumMod val="75000"/>
-                  </a:schemeClr>
-                </a:solidFill>
-              </a:rPr>
-              <a:t>Mettre en place le time stretching</a:t>
-            </a:r>
-          </a:p>
-          <a:p>
-            <a:pPr lvl="1">
-              <a:buFont typeface="Arial" pitchFamily="34" charset="0"/>
-              <a:buChar char="•"/>
-            </a:pPr>
-            <a:r>
-              <a:rPr lang="fr-FR" dirty="0" smtClean="0">
-                <a:solidFill>
-                  <a:schemeClr val="tx2">
-                    <a:lumMod val="75000"/>
-                  </a:schemeClr>
-                </a:solidFill>
-              </a:rPr>
-              <a:t>Ajouter la possibilité de consulter les tablatures</a:t>
-            </a:r>
-          </a:p>
-          <a:p>
-            <a:pPr lvl="1">
-              <a:buFont typeface="Arial" pitchFamily="34" charset="0"/>
-              <a:buChar char="•"/>
-            </a:pPr>
-            <a:r>
-              <a:rPr lang="fr-FR" dirty="0" smtClean="0">
-                <a:solidFill>
-                  <a:schemeClr val="tx2">
-                    <a:lumMod val="75000"/>
-                  </a:schemeClr>
-                </a:solidFill>
-              </a:rPr>
-              <a:t>Inclure une recherche de musique par mot clé</a:t>
-            </a:r>
-          </a:p>
-          <a:p>
-            <a:pPr lvl="1">
-              <a:buFont typeface="Arial" pitchFamily="34" charset="0"/>
-              <a:buChar char="•"/>
-            </a:pPr>
-            <a:r>
-              <a:rPr lang="fr-FR" dirty="0" smtClean="0">
-                <a:solidFill>
-                  <a:schemeClr val="tx2">
-                    <a:lumMod val="75000"/>
-                  </a:schemeClr>
-                </a:solidFill>
-              </a:rPr>
-              <a:t>Ajouter le paramétrage des répertoires de stockage</a:t>
-            </a:r>
-          </a:p>
-          <a:p>
-            <a:pPr lvl="1">
-              <a:buFont typeface="Arial" pitchFamily="34" charset="0"/>
-              <a:buChar char="•"/>
-            </a:pPr>
-            <a:r>
-              <a:rPr lang="fr-FR" dirty="0" smtClean="0">
-                <a:solidFill>
-                  <a:schemeClr val="tx2">
-                    <a:lumMod val="75000"/>
-                  </a:schemeClr>
-                </a:solidFill>
-              </a:rPr>
-              <a:t>Afficher la pochette des albums</a:t>
-            </a:r>
-            <a:endParaRPr lang="fr-FR" dirty="0">
-              <a:solidFill>
-                <a:schemeClr val="tx2">
-                  <a:lumMod val="75000"/>
-                </a:schemeClr>
-              </a:solidFill>
-            </a:endParaRPr>
-          </a:p>
-        </p:txBody>
-      </p:sp>
-      <p:sp>
-        <p:nvSpPr>
-          <p:cNvPr id="8" name="Espace réservé du contenu 7"/>
-          <p:cNvSpPr>
-            <a:spLocks noGrp="1"/>
-          </p:cNvSpPr>
-          <p:nvPr>
-            <p:ph sz="quarter" idx="15"/>
-          </p:nvPr>
-        </p:nvSpPr>
-        <p:spPr/>
-        <p:txBody>
-          <a:bodyPr>
-            <a:normAutofit/>
-          </a:bodyPr>
-          <a:lstStyle/>
-          <a:p>
             <a:pPr marL="457200" indent="-457200">
               <a:buFont typeface="+mj-lt"/>
               <a:buAutoNum type="arabicPeriod"/>
@@ -6517,7 +7146,16 @@
                 </a:solidFill>
                 <a:latin typeface="Cambria" pitchFamily="18" charset="0"/>
               </a:rPr>
-              <a:t>Outils et méthodologies utilisés</a:t>
+              <a:t>Outils et méthodologies </a:t>
+            </a:r>
+            <a:r>
+              <a:rPr lang="fr-FR" sz="1400" dirty="0" smtClean="0">
+                <a:solidFill>
+                  <a:srgbClr val="A4CA39"/>
+                </a:solidFill>
+                <a:latin typeface="Cambria" pitchFamily="18" charset="0"/>
+              </a:rPr>
+              <a:t>utilisés</a:t>
             </a:r>
           </a:p>
           <a:p>
@@ -6527,6 +7165,36 @@
             </a:pPr>
             <a:endParaRPr lang="fr-FR" sz="1400" dirty="0" smtClean="0">
               <a:solidFill>
+                <a:srgbClr val="D8FBC1"/>
+              </a:solidFill>
+              <a:latin typeface="Cambria" pitchFamily="18" charset="0"/>
+            </a:endParaRPr>
+          </a:p>
+          <a:p>
+            <a:pPr marL="457200" indent="-457200">
+              <a:buFont typeface="+mj-lt"/>
+              <a:buAutoNum type="arabicPeriod"/>
+            </a:pPr>
+            <a:r>
+              <a:rPr lang="fr-FR" sz="1400" dirty="0" smtClean="0">
+                <a:solidFill>
+                  <a:srgbClr val="A4CA39"/>
+                </a:solidFill>
+                <a:latin typeface="Cambria" pitchFamily="18" charset="0"/>
+              </a:rPr>
+              <a:t>Interface </a:t>
+            </a:r>
+            <a:r>
+              <a:rPr lang="fr-FR" sz="1400" dirty="0" smtClean="0">
+                <a:solidFill>
+                  <a:srgbClr val="A4CA39"/>
+                </a:solidFill>
+                <a:latin typeface="Cambria" pitchFamily="18" charset="0"/>
+              </a:rPr>
+              <a:t>graphique</a:t>
+            </a:r>
+            <a:endParaRPr lang="fr-FR" sz="1400" dirty="0" smtClean="0">
+              <a:solidFill>
                 <a:srgbClr val="A4CA39"/>
               </a:solidFill>
               <a:latin typeface="Cambria" pitchFamily="18" charset="0"/>
@@ -6537,21 +7205,27 @@
               <a:buFont typeface="+mj-lt"/>
               <a:buAutoNum type="arabicPeriod"/>
             </a:pPr>
-            <a:r>
-              <a:rPr lang="fr-FR" sz="1400" dirty="0" smtClean="0">
-                <a:solidFill>
-                  <a:srgbClr val="A4CA39"/>
+            <a:endParaRPr lang="fr-FR" sz="1400" dirty="0" smtClean="0">
+              <a:solidFill>
+                <a:srgbClr val="A4CA39"/>
+              </a:solidFill>
+              <a:latin typeface="Cambria" pitchFamily="18" charset="0"/>
+            </a:endParaRPr>
+          </a:p>
+          <a:p>
+            <a:pPr marL="457200" indent="-457200">
+              <a:buFont typeface="+mj-lt"/>
+              <a:buAutoNum type="arabicPeriod"/>
+            </a:pPr>
+            <a:r>
+              <a:rPr lang="fr-FR" sz="1400" dirty="0" smtClean="0">
+                <a:solidFill>
+                  <a:srgbClr val="D8FBC1"/>
                 </a:solidFill>
                 <a:latin typeface="Cambria" pitchFamily="18" charset="0"/>
               </a:rPr>
               <a:t>Fonctionnalités</a:t>
             </a:r>
-          </a:p>
-          <a:p>
-            <a:pPr marL="457200" indent="-457200">
-              <a:buFont typeface="+mj-lt"/>
-              <a:buAutoNum type="arabicPeriod"/>
-            </a:pPr>
             <a:endParaRPr lang="fr-FR" sz="1400" dirty="0" smtClean="0">
               <a:solidFill>
                 <a:srgbClr val="A4CA39"/>
@@ -6564,6 +7238,18 @@
               <a:buFont typeface="+mj-lt"/>
               <a:buAutoNum type="arabicPeriod"/>
             </a:pPr>
+            <a:endParaRPr lang="fr-FR" sz="1400" dirty="0" smtClean="0">
+              <a:solidFill>
+                <a:srgbClr val="A4CA39"/>
+              </a:solidFill>
+              <a:latin typeface="Cambria" pitchFamily="18" charset="0"/>
+            </a:endParaRPr>
+          </a:p>
+          <a:p>
+            <a:pPr marL="457200" indent="-457200">
+              <a:buFont typeface="+mj-lt"/>
+              <a:buAutoNum type="arabicPeriod"/>
+            </a:pPr>
             <a:r>
               <a:rPr lang="fr-FR" sz="1400" dirty="0" smtClean="0">
                 <a:solidFill>
@@ -6573,14 +7259,20 @@
               </a:rPr>
               <a:t>Démonstration</a:t>
             </a:r>
-          </a:p>
-          <a:p>
-            <a:pPr marL="457200" indent="-457200">
-              <a:buFont typeface="+mj-lt"/>
-              <a:buAutoNum type="arabicPeriod"/>
-            </a:pPr>
             <a:endParaRPr lang="fr-FR" sz="1400" dirty="0" smtClean="0">
               <a:solidFill>
+                <a:srgbClr val="D8FBC1"/>
+              </a:solidFill>
+              <a:latin typeface="Cambria" pitchFamily="18" charset="0"/>
+            </a:endParaRPr>
+          </a:p>
+          <a:p>
+            <a:pPr marL="457200" indent="-457200">
+              <a:buFont typeface="+mj-lt"/>
+              <a:buAutoNum type="arabicPeriod"/>
+            </a:pPr>
+            <a:endParaRPr lang="fr-FR" sz="1400" dirty="0" smtClean="0">
+              <a:solidFill>
                 <a:srgbClr val="A4CA39"/>
               </a:solidFill>
               <a:latin typeface="Cambria" pitchFamily="18" charset="0"/>
@@ -6594,7 +7286,7 @@
             <a:r>
               <a:rPr lang="fr-FR" sz="1400" dirty="0" smtClean="0">
                 <a:solidFill>
-                  <a:srgbClr val="D8FBC1"/>
+                  <a:srgbClr val="A4CA39"/>
                 </a:solidFill>
                 <a:latin typeface="Cambria" pitchFamily="18" charset="0"/>
               </a:rPr>
@@ -6606,6 +7298,119 @@
           </a:p>
         </p:txBody>
       </p:sp>
+      <p:pic>
+        <p:nvPicPr>
+          <p:cNvPr id="9" name="Image 8" descr="paramLoopXML.png"/>
+          <p:cNvPicPr>
+            <a:picLocks noChangeAspect="1"/>
+          </p:cNvPicPr>
+          <p:nvPr/>
+        </p:nvPicPr>
+        <p:blipFill>
+          <a:blip r:embed="rId2" cstate="print"/>
+          <a:stretch>
+            <a:fillRect/>
+          </a:stretch>
+        </p:blipFill>
+        <p:spPr>
+          <a:xfrm>
+            <a:off x="3635896" y="1844824"/>
+            <a:ext cx="3543795" cy="4067743"/>
+          </a:xfrm>
+          <a:prstGeom prst="rect">
+            <a:avLst/>
+          </a:prstGeom>
+        </p:spPr>
+      </p:pic>
+      <p:graphicFrame>
+        <p:nvGraphicFramePr>
+          <p:cNvPr id="10" name="Tableau 9"/>
+          <p:cNvGraphicFramePr>
+            <a:graphicFrameLocks noGrp="1"/>
+          </p:cNvGraphicFramePr>
+          <p:nvPr/>
+        </p:nvGraphicFramePr>
+        <p:xfrm>
+          <a:off x="2364432" y="1484784"/>
+          <a:ext cx="6096000" cy="370840"/>
+        </p:xfrm>
+        <a:graphic>
+          <a:graphicData uri="http://schemas.openxmlformats.org/drawingml/2006/table">
+            <a:tbl>
+              <a:tblPr firstRow="1" bandRow="1">
+                <a:tableStyleId>{2D5ABB26-0587-4C30-8999-92F81FD0307C}</a:tableStyleId>
+              </a:tblPr>
+              <a:tblGrid>
+                <a:gridCol w="6096000"/>
+              </a:tblGrid>
+              <a:tr h="370840">
+                <a:tc>
+                  <a:txBody>
+                    <a:bodyPr/>
+                    <a:lstStyle/>
+                    <a:p>
+                      <a:pPr algn="ctr"/>
+                      <a:r>
+                        <a:rPr lang="fr-FR" sz="1400" dirty="0" smtClean="0">
+                          <a:solidFill>
+                            <a:schemeClr val="tx2">
+                              <a:lumMod val="75000"/>
+                            </a:schemeClr>
+                          </a:solidFill>
+                          <a:latin typeface="Cambria" pitchFamily="18" charset="0"/>
+                        </a:rPr>
+                        <a:t>Fichier</a:t>
+                      </a:r>
+                      <a:r>
+                        <a:rPr lang="fr-FR" sz="1400" baseline="0" dirty="0" smtClean="0">
+                          <a:solidFill>
+                            <a:schemeClr val="tx2">
+                              <a:lumMod val="75000"/>
+                            </a:schemeClr>
+                          </a:solidFill>
+                          <a:latin typeface="Cambria" pitchFamily="18" charset="0"/>
+                        </a:rPr>
+                        <a:t> XML pour la sauvegarde des paramètres d’une « </a:t>
+                      </a:r>
+                      <a:r>
+                        <a:rPr lang="fr-FR" sz="1400" baseline="0" dirty="0" err="1" smtClean="0">
+                          <a:solidFill>
+                            <a:schemeClr val="tx2">
+                              <a:lumMod val="75000"/>
+                            </a:schemeClr>
+                          </a:solidFill>
+                          <a:latin typeface="Cambria" pitchFamily="18" charset="0"/>
+                        </a:rPr>
+                        <a:t>loop</a:t>
+                      </a:r>
+                      <a:r>
+                        <a:rPr lang="fr-FR" sz="1400" baseline="0" dirty="0" smtClean="0">
+                          <a:solidFill>
+                            <a:schemeClr val="tx2">
+                              <a:lumMod val="75000"/>
+                            </a:schemeClr>
+                          </a:solidFill>
+                          <a:latin typeface="Cambria" pitchFamily="18" charset="0"/>
+                        </a:rPr>
+                        <a:t> »</a:t>
+                      </a:r>
+                      <a:endParaRPr lang="fr-FR" sz="1400" dirty="0">
+                        <a:solidFill>
+                          <a:schemeClr val="tx2">
+                            <a:lumMod val="75000"/>
+                          </a:schemeClr>
+                        </a:solidFill>
+                        <a:latin typeface="Cambria" pitchFamily="18" charset="0"/>
+                      </a:endParaRPr>
+                    </a:p>
+                  </a:txBody>
+                  <a:tcPr/>
+                </a:tc>
+              </a:tr>
+            </a:tbl>
+          </a:graphicData>
+        </a:graphic>
+      </p:graphicFrame>
     </p:spTree>
   </p:cSld>
   <p:clrMapOvr>
@@ -6648,7 +7453,7 @@
             <a:spLocks noGrp="1"/>
           </p:cNvSpPr>
           <p:nvPr>
-            <p:ph type="ctrTitle"/>
+            <p:ph type="title"/>
           </p:nvPr>
         </p:nvSpPr>
         <p:spPr/>
@@ -6657,18 +7462,10 @@
           <a:lstStyle/>
           <a:p>
             <a:r>
-              <a:rPr lang="fr-FR" dirty="0" smtClean="0">
-                <a:solidFill>
-                  <a:srgbClr val="A4CA39"/>
-                </a:solidFill>
-              </a:rPr>
-              <a:t>Merci de votre attention…</a:t>
-            </a:r>
-            <a:endParaRPr lang="fr-FR" dirty="0">
-              <a:solidFill>
-                <a:srgbClr val="A4CA39"/>
-              </a:solidFill>
-            </a:endParaRPr>
+              <a:rPr lang="fr-FR" dirty="0" smtClean="0"/>
+              <a:t>Fonctionnalités</a:t>
+            </a:r>
+            <a:endParaRPr lang="fr-FR" dirty="0"/>
           </a:p>
         </p:txBody>
       </p:sp>
@@ -6720,6 +7517,2806 @@
               <a:rPr lang="fr-BE" smtClean="0"/>
               <a:pPr/>
               <a:t>16</a:t>
+            </a:fld>
+            <a:r>
+              <a:rPr lang="fr-BE" smtClean="0"/>
+              <a:t> sur ?</a:t>
+            </a:r>
+            <a:endParaRPr lang="fr-BE" dirty="0"/>
+          </a:p>
+        </p:txBody>
+      </p:sp>
+      <p:sp>
+        <p:nvSpPr>
+          <p:cNvPr id="7" name="Espace réservé du contenu 6"/>
+          <p:cNvSpPr>
+            <a:spLocks noGrp="1"/>
+          </p:cNvSpPr>
+          <p:nvPr>
+            <p:ph sz="quarter" idx="14"/>
+          </p:nvPr>
+        </p:nvSpPr>
+        <p:spPr/>
+        <p:txBody>
+          <a:bodyPr/>
+          <a:lstStyle/>
+          <a:p>
+            <a:pPr>
+              <a:buFont typeface="Wingdings" pitchFamily="2" charset="2"/>
+              <a:buChar char="Ø"/>
+            </a:pPr>
+            <a:r>
+              <a:rPr lang="fr-FR" dirty="0" smtClean="0">
+                <a:solidFill>
+                  <a:schemeClr val="tx2">
+                    <a:lumMod val="75000"/>
+                  </a:schemeClr>
+                </a:solidFill>
+              </a:rPr>
+              <a:t>L’ « </a:t>
+            </a:r>
+            <a:r>
+              <a:rPr lang="fr-FR" dirty="0" err="1" smtClean="0">
+                <a:solidFill>
+                  <a:schemeClr val="tx2">
+                    <a:lumMod val="75000"/>
+                  </a:schemeClr>
+                </a:solidFill>
+              </a:rPr>
+              <a:t>equalizer</a:t>
+            </a:r>
+            <a:r>
+              <a:rPr lang="fr-FR" dirty="0" smtClean="0">
+                <a:solidFill>
+                  <a:schemeClr val="tx2">
+                    <a:lumMod val="75000"/>
+                  </a:schemeClr>
+                </a:solidFill>
+              </a:rPr>
+              <a:t> »</a:t>
+            </a:r>
+            <a:endParaRPr lang="fr-FR" dirty="0">
+              <a:solidFill>
+                <a:schemeClr val="tx2">
+                  <a:lumMod val="75000"/>
+                </a:schemeClr>
+              </a:solidFill>
+            </a:endParaRPr>
+          </a:p>
+        </p:txBody>
+      </p:sp>
+      <p:sp>
+        <p:nvSpPr>
+          <p:cNvPr id="8" name="Espace réservé du contenu 7"/>
+          <p:cNvSpPr>
+            <a:spLocks noGrp="1"/>
+          </p:cNvSpPr>
+          <p:nvPr>
+            <p:ph sz="quarter" idx="15"/>
+          </p:nvPr>
+        </p:nvSpPr>
+        <p:spPr/>
+        <p:txBody>
+          <a:bodyPr>
+            <a:normAutofit/>
+          </a:bodyPr>
+          <a:lstStyle/>
+          <a:p>
+            <a:pPr marL="457200" indent="-457200">
+              <a:buFont typeface="+mj-lt"/>
+              <a:buAutoNum type="arabicPeriod"/>
+            </a:pPr>
+            <a:r>
+              <a:rPr lang="fr-FR" sz="1400" dirty="0" smtClean="0">
+                <a:solidFill>
+                  <a:srgbClr val="A4CA39"/>
+                </a:solidFill>
+                <a:latin typeface="Cambria" pitchFamily="18" charset="0"/>
+              </a:rPr>
+              <a:t>Introduction</a:t>
+            </a:r>
+          </a:p>
+          <a:p>
+            <a:pPr marL="457200" indent="-457200">
+              <a:buFont typeface="+mj-lt"/>
+              <a:buAutoNum type="arabicPeriod"/>
+            </a:pPr>
+            <a:endParaRPr lang="fr-FR" sz="1400" dirty="0" smtClean="0">
+              <a:solidFill>
+                <a:srgbClr val="D8FBC1"/>
+              </a:solidFill>
+              <a:latin typeface="Cambria" pitchFamily="18" charset="0"/>
+            </a:endParaRPr>
+          </a:p>
+          <a:p>
+            <a:pPr marL="457200" indent="-457200">
+              <a:buFont typeface="+mj-lt"/>
+              <a:buAutoNum type="arabicPeriod"/>
+            </a:pPr>
+            <a:r>
+              <a:rPr lang="fr-FR" sz="1400" dirty="0" smtClean="0">
+                <a:solidFill>
+                  <a:srgbClr val="A4CA39"/>
+                </a:solidFill>
+                <a:latin typeface="Cambria" pitchFamily="18" charset="0"/>
+              </a:rPr>
+              <a:t>Déroulement du projet</a:t>
+            </a:r>
+          </a:p>
+          <a:p>
+            <a:pPr marL="457200" indent="-457200">
+              <a:buFont typeface="+mj-lt"/>
+              <a:buAutoNum type="arabicPeriod"/>
+            </a:pPr>
+            <a:endParaRPr lang="fr-FR" sz="1400" dirty="0" smtClean="0">
+              <a:solidFill>
+                <a:srgbClr val="A4CA39"/>
+              </a:solidFill>
+              <a:latin typeface="Cambria" pitchFamily="18" charset="0"/>
+            </a:endParaRPr>
+          </a:p>
+          <a:p>
+            <a:pPr marL="457200" indent="-457200">
+              <a:buFont typeface="+mj-lt"/>
+              <a:buAutoNum type="arabicPeriod"/>
+            </a:pPr>
+            <a:r>
+              <a:rPr lang="fr-FR" sz="1400" dirty="0" smtClean="0">
+                <a:solidFill>
+                  <a:srgbClr val="A4CA39"/>
+                </a:solidFill>
+                <a:latin typeface="Cambria" pitchFamily="18" charset="0"/>
+              </a:rPr>
+              <a:t>Outils et méthodologies </a:t>
+            </a:r>
+            <a:r>
+              <a:rPr lang="fr-FR" sz="1400" dirty="0" smtClean="0">
+                <a:solidFill>
+                  <a:srgbClr val="A4CA39"/>
+                </a:solidFill>
+                <a:latin typeface="Cambria" pitchFamily="18" charset="0"/>
+              </a:rPr>
+              <a:t>utilisés</a:t>
+            </a:r>
+          </a:p>
+          <a:p>
+            <a:pPr marL="457200" indent="-457200">
+              <a:buFont typeface="+mj-lt"/>
+              <a:buAutoNum type="arabicPeriod"/>
+            </a:pPr>
+            <a:endParaRPr lang="fr-FR" sz="1400" dirty="0" smtClean="0">
+              <a:solidFill>
+                <a:srgbClr val="D8FBC1"/>
+              </a:solidFill>
+              <a:latin typeface="Cambria" pitchFamily="18" charset="0"/>
+            </a:endParaRPr>
+          </a:p>
+          <a:p>
+            <a:pPr marL="457200" indent="-457200">
+              <a:buFont typeface="+mj-lt"/>
+              <a:buAutoNum type="arabicPeriod"/>
+            </a:pPr>
+            <a:r>
+              <a:rPr lang="fr-FR" sz="1400" dirty="0" smtClean="0">
+                <a:solidFill>
+                  <a:srgbClr val="A4CA39"/>
+                </a:solidFill>
+                <a:latin typeface="Cambria" pitchFamily="18" charset="0"/>
+              </a:rPr>
+              <a:t>Interface </a:t>
+            </a:r>
+            <a:r>
+              <a:rPr lang="fr-FR" sz="1400" dirty="0" smtClean="0">
+                <a:solidFill>
+                  <a:srgbClr val="A4CA39"/>
+                </a:solidFill>
+                <a:latin typeface="Cambria" pitchFamily="18" charset="0"/>
+              </a:rPr>
+              <a:t>graphique</a:t>
+            </a:r>
+            <a:endParaRPr lang="fr-FR" sz="1400" dirty="0" smtClean="0">
+              <a:solidFill>
+                <a:srgbClr val="A4CA39"/>
+              </a:solidFill>
+              <a:latin typeface="Cambria" pitchFamily="18" charset="0"/>
+            </a:endParaRPr>
+          </a:p>
+          <a:p>
+            <a:pPr marL="457200" indent="-457200">
+              <a:buFont typeface="+mj-lt"/>
+              <a:buAutoNum type="arabicPeriod"/>
+            </a:pPr>
+            <a:endParaRPr lang="fr-FR" sz="1400" dirty="0" smtClean="0">
+              <a:solidFill>
+                <a:srgbClr val="A4CA39"/>
+              </a:solidFill>
+              <a:latin typeface="Cambria" pitchFamily="18" charset="0"/>
+            </a:endParaRPr>
+          </a:p>
+          <a:p>
+            <a:pPr marL="457200" indent="-457200">
+              <a:buFont typeface="+mj-lt"/>
+              <a:buAutoNum type="arabicPeriod"/>
+            </a:pPr>
+            <a:r>
+              <a:rPr lang="fr-FR" sz="1400" dirty="0" smtClean="0">
+                <a:solidFill>
+                  <a:srgbClr val="D8FBC1"/>
+                </a:solidFill>
+                <a:latin typeface="Cambria" pitchFamily="18" charset="0"/>
+              </a:rPr>
+              <a:t>Fonctionnalités</a:t>
+            </a:r>
+            <a:endParaRPr lang="fr-FR" sz="1400" dirty="0" smtClean="0">
+              <a:solidFill>
+                <a:srgbClr val="A4CA39"/>
+              </a:solidFill>
+              <a:latin typeface="Cambria" pitchFamily="18" charset="0"/>
+            </a:endParaRPr>
+          </a:p>
+          <a:p>
+            <a:pPr marL="457200" indent="-457200">
+              <a:buFont typeface="+mj-lt"/>
+              <a:buAutoNum type="arabicPeriod"/>
+            </a:pPr>
+            <a:endParaRPr lang="fr-FR" sz="1400" dirty="0" smtClean="0">
+              <a:solidFill>
+                <a:srgbClr val="A4CA39"/>
+              </a:solidFill>
+              <a:latin typeface="Cambria" pitchFamily="18" charset="0"/>
+            </a:endParaRPr>
+          </a:p>
+          <a:p>
+            <a:pPr marL="457200" indent="-457200">
+              <a:buFont typeface="+mj-lt"/>
+              <a:buAutoNum type="arabicPeriod"/>
+            </a:pPr>
+            <a:r>
+              <a:rPr lang="fr-FR" sz="1400" dirty="0" smtClean="0">
+                <a:solidFill>
+                  <a:srgbClr val="A4CA39"/>
+                </a:solidFill>
+                <a:latin typeface="Cambria" pitchFamily="18" charset="0"/>
+              </a:rPr>
+              <a:t>Démonstration</a:t>
+            </a:r>
+            <a:endParaRPr lang="fr-FR" sz="1400" dirty="0" smtClean="0">
+              <a:solidFill>
+                <a:srgbClr val="D8FBC1"/>
+              </a:solidFill>
+              <a:latin typeface="Cambria" pitchFamily="18" charset="0"/>
+            </a:endParaRPr>
+          </a:p>
+          <a:p>
+            <a:pPr marL="457200" indent="-457200">
+              <a:buFont typeface="+mj-lt"/>
+              <a:buAutoNum type="arabicPeriod"/>
+            </a:pPr>
+            <a:endParaRPr lang="fr-FR" sz="1400" dirty="0" smtClean="0">
+              <a:solidFill>
+                <a:srgbClr val="A4CA39"/>
+              </a:solidFill>
+              <a:latin typeface="Cambria" pitchFamily="18" charset="0"/>
+            </a:endParaRPr>
+          </a:p>
+          <a:p>
+            <a:pPr marL="457200" indent="-457200">
+              <a:buFont typeface="+mj-lt"/>
+              <a:buAutoNum type="arabicPeriod"/>
+            </a:pPr>
+            <a:r>
+              <a:rPr lang="fr-FR" sz="1400" dirty="0" smtClean="0">
+                <a:solidFill>
+                  <a:srgbClr val="A4CA39"/>
+                </a:solidFill>
+                <a:latin typeface="Cambria" pitchFamily="18" charset="0"/>
+              </a:rPr>
+              <a:t>Conclusion</a:t>
+            </a:r>
+          </a:p>
+          <a:p>
+            <a:endParaRPr lang="fr-FR" dirty="0"/>
+          </a:p>
+        </p:txBody>
+      </p:sp>
+    </p:spTree>
+  </p:cSld>
+  <p:clrMapOvr>
+    <a:masterClrMapping/>
+  </p:clrMapOvr>
+  <p:transition>
+    <p:fade/>
+  </p:transition>
+  <p:timing>
+    <p:tnLst>
+      <p:par>
+        <p:cTn id="1" dur="indefinite" restart="never" nodeType="tmRoot"/>
+      </p:par>
+    </p:tnLst>
+  </p:timing>
+</p:sld>
+</file>
+
+<file path=ppt/slides/slide17.xml><?xml version="1.0" encoding="utf-8"?>
+<p:sld xmlns:a="http://schemas.openxmlformats.org/drawingml/2006/main" xmlns:r="http://schemas.openxmlformats.org/officeDocument/2006/relationships" xmlns:p="http://schemas.openxmlformats.org/presentationml/2006/main">
+  <p:cSld>
+    <p:spTree>
+      <p:nvGrpSpPr>
+        <p:cNvPr id="1" name=""/>
+        <p:cNvGrpSpPr/>
+        <p:nvPr/>
+      </p:nvGrpSpPr>
+      <p:grpSpPr>
+        <a:xfrm>
+          <a:off x="0" y="0"/>
+          <a:ext cx="0" cy="0"/>
+          <a:chOff x="0" y="0"/>
+          <a:chExt cx="0" cy="0"/>
+        </a:xfrm>
+      </p:grpSpPr>
+      <p:sp>
+        <p:nvSpPr>
+          <p:cNvPr id="6" name="Titre 5"/>
+          <p:cNvSpPr>
+            <a:spLocks noGrp="1"/>
+          </p:cNvSpPr>
+          <p:nvPr>
+            <p:ph type="title"/>
+          </p:nvPr>
+        </p:nvSpPr>
+        <p:spPr/>
+        <p:txBody>
+          <a:bodyPr/>
+          <a:lstStyle/>
+          <a:p>
+            <a:r>
+              <a:rPr lang="fr-FR" dirty="0" smtClean="0"/>
+              <a:t>Fonctionnalités</a:t>
+            </a:r>
+            <a:endParaRPr lang="fr-FR" dirty="0"/>
+          </a:p>
+        </p:txBody>
+      </p:sp>
+      <p:sp>
+        <p:nvSpPr>
+          <p:cNvPr id="4" name="Espace réservé du pied de page 3"/>
+          <p:cNvSpPr>
+            <a:spLocks noGrp="1"/>
+          </p:cNvSpPr>
+          <p:nvPr>
+            <p:ph type="ftr" sz="quarter" idx="11"/>
+          </p:nvPr>
+        </p:nvSpPr>
+        <p:spPr/>
+        <p:txBody>
+          <a:bodyPr/>
+          <a:lstStyle/>
+          <a:p>
+            <a:r>
+              <a:rPr lang="fr-FR" smtClean="0"/>
+              <a:t>M1 MIAGE  - 2010/2011</a:t>
+            </a:r>
+          </a:p>
+          <a:p>
+            <a:r>
+              <a:rPr lang="fr-FR" smtClean="0"/>
+              <a:t>Université de Nice Sophia Antipolis</a:t>
+            </a:r>
+            <a:endParaRPr lang="fr-BE" dirty="0"/>
+          </a:p>
+        </p:txBody>
+      </p:sp>
+      <p:sp>
+        <p:nvSpPr>
+          <p:cNvPr id="5" name="Espace réservé du numéro de diapositive 4"/>
+          <p:cNvSpPr>
+            <a:spLocks noGrp="1"/>
+          </p:cNvSpPr>
+          <p:nvPr>
+            <p:ph type="sldNum" sz="quarter" idx="12"/>
+          </p:nvPr>
+        </p:nvSpPr>
+        <p:spPr/>
+        <p:txBody>
+          <a:bodyPr/>
+          <a:lstStyle/>
+          <a:p>
+            <a:fld id="{CF4668DC-857F-487D-BFFA-8C0CA5037977}" type="slidenum">
+              <a:rPr lang="fr-BE" smtClean="0"/>
+              <a:pPr/>
+              <a:t>17</a:t>
+            </a:fld>
+            <a:r>
+              <a:rPr lang="fr-BE" smtClean="0"/>
+              <a:t> sur ?</a:t>
+            </a:r>
+            <a:endParaRPr lang="fr-BE" dirty="0"/>
+          </a:p>
+        </p:txBody>
+      </p:sp>
+      <p:sp>
+        <p:nvSpPr>
+          <p:cNvPr id="7" name="Espace réservé du contenu 6"/>
+          <p:cNvSpPr>
+            <a:spLocks noGrp="1"/>
+          </p:cNvSpPr>
+          <p:nvPr>
+            <p:ph sz="quarter" idx="14"/>
+          </p:nvPr>
+        </p:nvSpPr>
+        <p:spPr/>
+        <p:txBody>
+          <a:bodyPr/>
+          <a:lstStyle/>
+          <a:p>
+            <a:pPr>
+              <a:buFont typeface="Wingdings" pitchFamily="2" charset="2"/>
+              <a:buChar char="Ø"/>
+            </a:pPr>
+            <a:r>
+              <a:rPr lang="fr-FR" dirty="0" smtClean="0">
+                <a:solidFill>
+                  <a:schemeClr val="tx2">
+                    <a:lumMod val="75000"/>
+                  </a:schemeClr>
+                </a:solidFill>
+              </a:rPr>
+              <a:t>Les « lyrics »</a:t>
+            </a:r>
+            <a:endParaRPr lang="fr-FR" dirty="0">
+              <a:solidFill>
+                <a:schemeClr val="tx2">
+                  <a:lumMod val="75000"/>
+                </a:schemeClr>
+              </a:solidFill>
+            </a:endParaRPr>
+          </a:p>
+        </p:txBody>
+      </p:sp>
+      <p:sp>
+        <p:nvSpPr>
+          <p:cNvPr id="8" name="Espace réservé du contenu 7"/>
+          <p:cNvSpPr>
+            <a:spLocks noGrp="1"/>
+          </p:cNvSpPr>
+          <p:nvPr>
+            <p:ph sz="quarter" idx="15"/>
+          </p:nvPr>
+        </p:nvSpPr>
+        <p:spPr/>
+        <p:txBody>
+          <a:bodyPr>
+            <a:normAutofit/>
+          </a:bodyPr>
+          <a:lstStyle/>
+          <a:p>
+            <a:pPr marL="457200" indent="-457200">
+              <a:buFont typeface="+mj-lt"/>
+              <a:buAutoNum type="arabicPeriod"/>
+            </a:pPr>
+            <a:r>
+              <a:rPr lang="fr-FR" sz="1400" dirty="0" smtClean="0">
+                <a:solidFill>
+                  <a:srgbClr val="A4CA39"/>
+                </a:solidFill>
+                <a:latin typeface="Cambria" pitchFamily="18" charset="0"/>
+              </a:rPr>
+              <a:t>Introduction</a:t>
+            </a:r>
+          </a:p>
+          <a:p>
+            <a:pPr marL="457200" indent="-457200">
+              <a:buFont typeface="+mj-lt"/>
+              <a:buAutoNum type="arabicPeriod"/>
+            </a:pPr>
+            <a:endParaRPr lang="fr-FR" sz="1400" dirty="0" smtClean="0">
+              <a:solidFill>
+                <a:srgbClr val="D8FBC1"/>
+              </a:solidFill>
+              <a:latin typeface="Cambria" pitchFamily="18" charset="0"/>
+            </a:endParaRPr>
+          </a:p>
+          <a:p>
+            <a:pPr marL="457200" indent="-457200">
+              <a:buFont typeface="+mj-lt"/>
+              <a:buAutoNum type="arabicPeriod"/>
+            </a:pPr>
+            <a:r>
+              <a:rPr lang="fr-FR" sz="1400" dirty="0" smtClean="0">
+                <a:solidFill>
+                  <a:srgbClr val="A4CA39"/>
+                </a:solidFill>
+                <a:latin typeface="Cambria" pitchFamily="18" charset="0"/>
+              </a:rPr>
+              <a:t>Déroulement du projet</a:t>
+            </a:r>
+          </a:p>
+          <a:p>
+            <a:pPr marL="457200" indent="-457200">
+              <a:buFont typeface="+mj-lt"/>
+              <a:buAutoNum type="arabicPeriod"/>
+            </a:pPr>
+            <a:endParaRPr lang="fr-FR" sz="1400" dirty="0" smtClean="0">
+              <a:solidFill>
+                <a:srgbClr val="A4CA39"/>
+              </a:solidFill>
+              <a:latin typeface="Cambria" pitchFamily="18" charset="0"/>
+            </a:endParaRPr>
+          </a:p>
+          <a:p>
+            <a:pPr marL="457200" indent="-457200">
+              <a:buFont typeface="+mj-lt"/>
+              <a:buAutoNum type="arabicPeriod"/>
+            </a:pPr>
+            <a:r>
+              <a:rPr lang="fr-FR" sz="1400" dirty="0" smtClean="0">
+                <a:solidFill>
+                  <a:srgbClr val="A4CA39"/>
+                </a:solidFill>
+                <a:latin typeface="Cambria" pitchFamily="18" charset="0"/>
+              </a:rPr>
+              <a:t>Outils et méthodologies </a:t>
+            </a:r>
+            <a:r>
+              <a:rPr lang="fr-FR" sz="1400" dirty="0" smtClean="0">
+                <a:solidFill>
+                  <a:srgbClr val="A4CA39"/>
+                </a:solidFill>
+                <a:latin typeface="Cambria" pitchFamily="18" charset="0"/>
+              </a:rPr>
+              <a:t>utilisés</a:t>
+            </a:r>
+          </a:p>
+          <a:p>
+            <a:pPr marL="457200" indent="-457200">
+              <a:buFont typeface="+mj-lt"/>
+              <a:buAutoNum type="arabicPeriod"/>
+            </a:pPr>
+            <a:endParaRPr lang="fr-FR" sz="1400" dirty="0" smtClean="0">
+              <a:solidFill>
+                <a:srgbClr val="D8FBC1"/>
+              </a:solidFill>
+              <a:latin typeface="Cambria" pitchFamily="18" charset="0"/>
+            </a:endParaRPr>
+          </a:p>
+          <a:p>
+            <a:pPr marL="457200" indent="-457200">
+              <a:buFont typeface="+mj-lt"/>
+              <a:buAutoNum type="arabicPeriod"/>
+            </a:pPr>
+            <a:r>
+              <a:rPr lang="fr-FR" sz="1400" dirty="0" smtClean="0">
+                <a:solidFill>
+                  <a:srgbClr val="A4CA39"/>
+                </a:solidFill>
+                <a:latin typeface="Cambria" pitchFamily="18" charset="0"/>
+              </a:rPr>
+              <a:t>Interface </a:t>
+            </a:r>
+            <a:r>
+              <a:rPr lang="fr-FR" sz="1400" dirty="0" smtClean="0">
+                <a:solidFill>
+                  <a:srgbClr val="A4CA39"/>
+                </a:solidFill>
+                <a:latin typeface="Cambria" pitchFamily="18" charset="0"/>
+              </a:rPr>
+              <a:t>graphique</a:t>
+            </a:r>
+            <a:endParaRPr lang="fr-FR" sz="1400" dirty="0" smtClean="0">
+              <a:solidFill>
+                <a:srgbClr val="A4CA39"/>
+              </a:solidFill>
+              <a:latin typeface="Cambria" pitchFamily="18" charset="0"/>
+            </a:endParaRPr>
+          </a:p>
+          <a:p>
+            <a:pPr marL="457200" indent="-457200">
+              <a:buFont typeface="+mj-lt"/>
+              <a:buAutoNum type="arabicPeriod"/>
+            </a:pPr>
+            <a:endParaRPr lang="fr-FR" sz="1400" dirty="0" smtClean="0">
+              <a:solidFill>
+                <a:srgbClr val="A4CA39"/>
+              </a:solidFill>
+              <a:latin typeface="Cambria" pitchFamily="18" charset="0"/>
+            </a:endParaRPr>
+          </a:p>
+          <a:p>
+            <a:pPr marL="457200" indent="-457200">
+              <a:buFont typeface="+mj-lt"/>
+              <a:buAutoNum type="arabicPeriod"/>
+            </a:pPr>
+            <a:r>
+              <a:rPr lang="fr-FR" sz="1400" dirty="0" smtClean="0">
+                <a:solidFill>
+                  <a:srgbClr val="D8FBC1"/>
+                </a:solidFill>
+                <a:latin typeface="Cambria" pitchFamily="18" charset="0"/>
+              </a:rPr>
+              <a:t>Fonctionnalités</a:t>
+            </a:r>
+            <a:endParaRPr lang="fr-FR" sz="1400" dirty="0" smtClean="0">
+              <a:solidFill>
+                <a:srgbClr val="A4CA39"/>
+              </a:solidFill>
+              <a:latin typeface="Cambria" pitchFamily="18" charset="0"/>
+            </a:endParaRPr>
+          </a:p>
+          <a:p>
+            <a:pPr marL="457200" indent="-457200">
+              <a:buFont typeface="+mj-lt"/>
+              <a:buAutoNum type="arabicPeriod"/>
+            </a:pPr>
+            <a:endParaRPr lang="fr-FR" sz="1400" dirty="0" smtClean="0">
+              <a:solidFill>
+                <a:srgbClr val="A4CA39"/>
+              </a:solidFill>
+              <a:latin typeface="Cambria" pitchFamily="18" charset="0"/>
+            </a:endParaRPr>
+          </a:p>
+          <a:p>
+            <a:pPr marL="457200" indent="-457200">
+              <a:buFont typeface="+mj-lt"/>
+              <a:buAutoNum type="arabicPeriod"/>
+            </a:pPr>
+            <a:r>
+              <a:rPr lang="fr-FR" sz="1400" dirty="0" smtClean="0">
+                <a:solidFill>
+                  <a:srgbClr val="A4CA39"/>
+                </a:solidFill>
+                <a:latin typeface="Cambria" pitchFamily="18" charset="0"/>
+              </a:rPr>
+              <a:t>Démonstration</a:t>
+            </a:r>
+            <a:endParaRPr lang="fr-FR" sz="1400" dirty="0" smtClean="0">
+              <a:solidFill>
+                <a:srgbClr val="D8FBC1"/>
+              </a:solidFill>
+              <a:latin typeface="Cambria" pitchFamily="18" charset="0"/>
+            </a:endParaRPr>
+          </a:p>
+          <a:p>
+            <a:pPr marL="457200" indent="-457200">
+              <a:buFont typeface="+mj-lt"/>
+              <a:buAutoNum type="arabicPeriod"/>
+            </a:pPr>
+            <a:endParaRPr lang="fr-FR" sz="1400" dirty="0" smtClean="0">
+              <a:solidFill>
+                <a:srgbClr val="A4CA39"/>
+              </a:solidFill>
+              <a:latin typeface="Cambria" pitchFamily="18" charset="0"/>
+            </a:endParaRPr>
+          </a:p>
+          <a:p>
+            <a:pPr marL="457200" indent="-457200">
+              <a:buFont typeface="+mj-lt"/>
+              <a:buAutoNum type="arabicPeriod"/>
+            </a:pPr>
+            <a:r>
+              <a:rPr lang="fr-FR" sz="1400" dirty="0" smtClean="0">
+                <a:solidFill>
+                  <a:srgbClr val="A4CA39"/>
+                </a:solidFill>
+                <a:latin typeface="Cambria" pitchFamily="18" charset="0"/>
+              </a:rPr>
+              <a:t>Conclusion</a:t>
+            </a:r>
+          </a:p>
+          <a:p>
+            <a:endParaRPr lang="fr-FR" dirty="0"/>
+          </a:p>
+        </p:txBody>
+      </p:sp>
+    </p:spTree>
+  </p:cSld>
+  <p:clrMapOvr>
+    <a:masterClrMapping/>
+  </p:clrMapOvr>
+  <p:transition>
+    <p:fade/>
+  </p:transition>
+  <p:timing>
+    <p:tnLst>
+      <p:par>
+        <p:cTn id="1" dur="indefinite" restart="never" nodeType="tmRoot"/>
+      </p:par>
+    </p:tnLst>
+  </p:timing>
+</p:sld>
+</file>
+
+<file path=ppt/slides/slide18.xml><?xml version="1.0" encoding="utf-8"?>
+<p:sld xmlns:a="http://schemas.openxmlformats.org/drawingml/2006/main" xmlns:r="http://schemas.openxmlformats.org/officeDocument/2006/relationships" xmlns:p="http://schemas.openxmlformats.org/presentationml/2006/main">
+  <p:cSld>
+    <p:spTree>
+      <p:nvGrpSpPr>
+        <p:cNvPr id="1" name=""/>
+        <p:cNvGrpSpPr/>
+        <p:nvPr/>
+      </p:nvGrpSpPr>
+      <p:grpSpPr>
+        <a:xfrm>
+          <a:off x="0" y="0"/>
+          <a:ext cx="0" cy="0"/>
+          <a:chOff x="0" y="0"/>
+          <a:chExt cx="0" cy="0"/>
+        </a:xfrm>
+      </p:grpSpPr>
+      <p:sp>
+        <p:nvSpPr>
+          <p:cNvPr id="6" name="Titre 5"/>
+          <p:cNvSpPr>
+            <a:spLocks noGrp="1"/>
+          </p:cNvSpPr>
+          <p:nvPr>
+            <p:ph type="title"/>
+          </p:nvPr>
+        </p:nvSpPr>
+        <p:spPr/>
+        <p:txBody>
+          <a:bodyPr/>
+          <a:lstStyle/>
+          <a:p>
+            <a:r>
+              <a:rPr lang="fr-FR" dirty="0" smtClean="0"/>
+              <a:t>Démonstration</a:t>
+            </a:r>
+            <a:endParaRPr lang="fr-FR" dirty="0"/>
+          </a:p>
+        </p:txBody>
+      </p:sp>
+      <p:sp>
+        <p:nvSpPr>
+          <p:cNvPr id="4" name="Espace réservé du pied de page 3"/>
+          <p:cNvSpPr>
+            <a:spLocks noGrp="1"/>
+          </p:cNvSpPr>
+          <p:nvPr>
+            <p:ph type="ftr" sz="quarter" idx="11"/>
+          </p:nvPr>
+        </p:nvSpPr>
+        <p:spPr/>
+        <p:txBody>
+          <a:bodyPr/>
+          <a:lstStyle/>
+          <a:p>
+            <a:r>
+              <a:rPr lang="fr-FR" smtClean="0"/>
+              <a:t>M1 MIAGE  - 2010/2011</a:t>
+            </a:r>
+          </a:p>
+          <a:p>
+            <a:r>
+              <a:rPr lang="fr-FR" smtClean="0"/>
+              <a:t>Université de Nice Sophia Antipolis</a:t>
+            </a:r>
+            <a:endParaRPr lang="fr-BE" dirty="0"/>
+          </a:p>
+        </p:txBody>
+      </p:sp>
+      <p:sp>
+        <p:nvSpPr>
+          <p:cNvPr id="5" name="Espace réservé du numéro de diapositive 4"/>
+          <p:cNvSpPr>
+            <a:spLocks noGrp="1"/>
+          </p:cNvSpPr>
+          <p:nvPr>
+            <p:ph type="sldNum" sz="quarter" idx="12"/>
+          </p:nvPr>
+        </p:nvSpPr>
+        <p:spPr/>
+        <p:txBody>
+          <a:bodyPr/>
+          <a:lstStyle/>
+          <a:p>
+            <a:fld id="{CF4668DC-857F-487D-BFFA-8C0CA5037977}" type="slidenum">
+              <a:rPr lang="fr-BE" smtClean="0"/>
+              <a:pPr/>
+              <a:t>18</a:t>
+            </a:fld>
+            <a:r>
+              <a:rPr lang="fr-BE" smtClean="0"/>
+              <a:t> sur ?</a:t>
+            </a:r>
+            <a:endParaRPr lang="fr-BE" dirty="0"/>
+          </a:p>
+        </p:txBody>
+      </p:sp>
+      <p:sp>
+        <p:nvSpPr>
+          <p:cNvPr id="8" name="Espace réservé du contenu 7"/>
+          <p:cNvSpPr>
+            <a:spLocks noGrp="1"/>
+          </p:cNvSpPr>
+          <p:nvPr>
+            <p:ph sz="quarter" idx="15"/>
+          </p:nvPr>
+        </p:nvSpPr>
+        <p:spPr/>
+        <p:txBody>
+          <a:bodyPr>
+            <a:normAutofit/>
+          </a:bodyPr>
+          <a:lstStyle/>
+          <a:p>
+            <a:pPr marL="457200" indent="-457200">
+              <a:buFont typeface="+mj-lt"/>
+              <a:buAutoNum type="arabicPeriod"/>
+            </a:pPr>
+            <a:r>
+              <a:rPr lang="fr-FR" sz="1400" dirty="0" smtClean="0">
+                <a:solidFill>
+                  <a:srgbClr val="A4CA39"/>
+                </a:solidFill>
+                <a:latin typeface="Cambria" pitchFamily="18" charset="0"/>
+              </a:rPr>
+              <a:t>Introduction</a:t>
+            </a:r>
+          </a:p>
+          <a:p>
+            <a:pPr marL="457200" indent="-457200">
+              <a:buFont typeface="+mj-lt"/>
+              <a:buAutoNum type="arabicPeriod"/>
+            </a:pPr>
+            <a:endParaRPr lang="fr-FR" sz="1400" dirty="0" smtClean="0">
+              <a:solidFill>
+                <a:srgbClr val="D8FBC1"/>
+              </a:solidFill>
+              <a:latin typeface="Cambria" pitchFamily="18" charset="0"/>
+            </a:endParaRPr>
+          </a:p>
+          <a:p>
+            <a:pPr marL="457200" indent="-457200">
+              <a:buFont typeface="+mj-lt"/>
+              <a:buAutoNum type="arabicPeriod"/>
+            </a:pPr>
+            <a:r>
+              <a:rPr lang="fr-FR" sz="1400" dirty="0" smtClean="0">
+                <a:solidFill>
+                  <a:srgbClr val="A4CA39"/>
+                </a:solidFill>
+                <a:latin typeface="Cambria" pitchFamily="18" charset="0"/>
+              </a:rPr>
+              <a:t>Déroulement du projet</a:t>
+            </a:r>
+          </a:p>
+          <a:p>
+            <a:pPr marL="457200" indent="-457200">
+              <a:buFont typeface="+mj-lt"/>
+              <a:buAutoNum type="arabicPeriod"/>
+            </a:pPr>
+            <a:endParaRPr lang="fr-FR" sz="1400" dirty="0" smtClean="0">
+              <a:solidFill>
+                <a:srgbClr val="A4CA39"/>
+              </a:solidFill>
+              <a:latin typeface="Cambria" pitchFamily="18" charset="0"/>
+            </a:endParaRPr>
+          </a:p>
+          <a:p>
+            <a:pPr marL="457200" indent="-457200">
+              <a:buFont typeface="+mj-lt"/>
+              <a:buAutoNum type="arabicPeriod"/>
+            </a:pPr>
+            <a:r>
+              <a:rPr lang="fr-FR" sz="1400" dirty="0" smtClean="0">
+                <a:solidFill>
+                  <a:srgbClr val="A4CA39"/>
+                </a:solidFill>
+                <a:latin typeface="Cambria" pitchFamily="18" charset="0"/>
+              </a:rPr>
+              <a:t>Outils et méthodologies </a:t>
+            </a:r>
+            <a:r>
+              <a:rPr lang="fr-FR" sz="1400" dirty="0" smtClean="0">
+                <a:solidFill>
+                  <a:srgbClr val="A4CA39"/>
+                </a:solidFill>
+                <a:latin typeface="Cambria" pitchFamily="18" charset="0"/>
+              </a:rPr>
+              <a:t>utilisés</a:t>
+            </a:r>
+          </a:p>
+          <a:p>
+            <a:pPr marL="457200" indent="-457200">
+              <a:buFont typeface="+mj-lt"/>
+              <a:buAutoNum type="arabicPeriod"/>
+            </a:pPr>
+            <a:endParaRPr lang="fr-FR" sz="1400" dirty="0" smtClean="0">
+              <a:solidFill>
+                <a:srgbClr val="D8FBC1"/>
+              </a:solidFill>
+              <a:latin typeface="Cambria" pitchFamily="18" charset="0"/>
+            </a:endParaRPr>
+          </a:p>
+          <a:p>
+            <a:pPr marL="457200" indent="-457200">
+              <a:buFont typeface="+mj-lt"/>
+              <a:buAutoNum type="arabicPeriod"/>
+            </a:pPr>
+            <a:r>
+              <a:rPr lang="fr-FR" sz="1400" dirty="0" smtClean="0">
+                <a:solidFill>
+                  <a:srgbClr val="A4CA39"/>
+                </a:solidFill>
+                <a:latin typeface="Cambria" pitchFamily="18" charset="0"/>
+              </a:rPr>
+              <a:t>Interface </a:t>
+            </a:r>
+            <a:r>
+              <a:rPr lang="fr-FR" sz="1400" dirty="0" smtClean="0">
+                <a:solidFill>
+                  <a:srgbClr val="A4CA39"/>
+                </a:solidFill>
+                <a:latin typeface="Cambria" pitchFamily="18" charset="0"/>
+              </a:rPr>
+              <a:t>graphique</a:t>
+            </a:r>
+            <a:endParaRPr lang="fr-FR" sz="1400" dirty="0" smtClean="0">
+              <a:solidFill>
+                <a:srgbClr val="A4CA39"/>
+              </a:solidFill>
+              <a:latin typeface="Cambria" pitchFamily="18" charset="0"/>
+            </a:endParaRPr>
+          </a:p>
+          <a:p>
+            <a:pPr marL="457200" indent="-457200">
+              <a:buFont typeface="+mj-lt"/>
+              <a:buAutoNum type="arabicPeriod"/>
+            </a:pPr>
+            <a:endParaRPr lang="fr-FR" sz="1400" dirty="0" smtClean="0">
+              <a:solidFill>
+                <a:srgbClr val="A4CA39"/>
+              </a:solidFill>
+              <a:latin typeface="Cambria" pitchFamily="18" charset="0"/>
+            </a:endParaRPr>
+          </a:p>
+          <a:p>
+            <a:pPr marL="457200" indent="-457200">
+              <a:buFont typeface="+mj-lt"/>
+              <a:buAutoNum type="arabicPeriod"/>
+            </a:pPr>
+            <a:r>
+              <a:rPr lang="fr-FR" sz="1400" dirty="0" smtClean="0">
+                <a:solidFill>
+                  <a:srgbClr val="A4CA39"/>
+                </a:solidFill>
+                <a:latin typeface="Cambria" pitchFamily="18" charset="0"/>
+              </a:rPr>
+              <a:t>Fonctionnalités</a:t>
+            </a:r>
+          </a:p>
+          <a:p>
+            <a:pPr marL="457200" indent="-457200">
+              <a:buFont typeface="+mj-lt"/>
+              <a:buAutoNum type="arabicPeriod"/>
+            </a:pPr>
+            <a:endParaRPr lang="fr-FR" sz="1400" dirty="0" smtClean="0">
+              <a:solidFill>
+                <a:srgbClr val="A4CA39"/>
+              </a:solidFill>
+              <a:latin typeface="Cambria" pitchFamily="18" charset="0"/>
+            </a:endParaRPr>
+          </a:p>
+          <a:p>
+            <a:pPr marL="457200" indent="-457200">
+              <a:buFont typeface="+mj-lt"/>
+              <a:buAutoNum type="arabicPeriod"/>
+            </a:pPr>
+            <a:r>
+              <a:rPr lang="fr-FR" sz="1400" dirty="0" smtClean="0">
+                <a:solidFill>
+                  <a:srgbClr val="D8FBC1"/>
+                </a:solidFill>
+                <a:latin typeface="Cambria" pitchFamily="18" charset="0"/>
+              </a:rPr>
+              <a:t>Démonstration</a:t>
+            </a:r>
+          </a:p>
+          <a:p>
+            <a:pPr marL="457200" indent="-457200">
+              <a:buFont typeface="+mj-lt"/>
+              <a:buAutoNum type="arabicPeriod"/>
+            </a:pPr>
+            <a:endParaRPr lang="fr-FR" sz="1400" dirty="0" smtClean="0">
+              <a:solidFill>
+                <a:srgbClr val="A4CA39"/>
+              </a:solidFill>
+              <a:latin typeface="Cambria" pitchFamily="18" charset="0"/>
+            </a:endParaRPr>
+          </a:p>
+          <a:p>
+            <a:pPr marL="457200" indent="-457200">
+              <a:buFont typeface="+mj-lt"/>
+              <a:buAutoNum type="arabicPeriod"/>
+            </a:pPr>
+            <a:r>
+              <a:rPr lang="fr-FR" sz="1400" dirty="0" smtClean="0">
+                <a:solidFill>
+                  <a:srgbClr val="A4CA39"/>
+                </a:solidFill>
+                <a:latin typeface="Cambria" pitchFamily="18" charset="0"/>
+              </a:rPr>
+              <a:t>Conclusion</a:t>
+            </a:r>
+          </a:p>
+          <a:p>
+            <a:endParaRPr lang="fr-FR" dirty="0"/>
+          </a:p>
+        </p:txBody>
+      </p:sp>
+      <p:sp>
+        <p:nvSpPr>
+          <p:cNvPr id="14" name="Ellipse 13"/>
+          <p:cNvSpPr/>
+          <p:nvPr/>
+        </p:nvSpPr>
+        <p:spPr>
+          <a:xfrm>
+            <a:off x="3203848" y="2564904"/>
+            <a:ext cx="792088" cy="792088"/>
+          </a:xfrm>
+          <a:prstGeom prst="ellipse">
+            <a:avLst/>
+          </a:prstGeom>
+          <a:solidFill>
+            <a:srgbClr val="D8FBC1"/>
+          </a:solidFill>
+          <a:ln>
+            <a:noFill/>
+          </a:ln>
+        </p:spPr>
+        <p:style>
+          <a:lnRef idx="2">
+            <a:schemeClr val="accent1">
+              <a:shade val="50000"/>
+            </a:schemeClr>
+          </a:lnRef>
+          <a:fillRef idx="1">
+            <a:schemeClr val="accent1"/>
+          </a:fillRef>
+          <a:effectRef idx="0">
+            <a:schemeClr val="accent1"/>
+          </a:effectRef>
+          <a:fontRef idx="minor">
+            <a:schemeClr val="lt1"/>
+          </a:fontRef>
+        </p:style>
+        <p:txBody>
+          <a:bodyPr rtlCol="0" anchor="ctr"/>
+          <a:lstStyle/>
+          <a:p>
+            <a:pPr algn="ctr"/>
+            <a:endParaRPr lang="fr-FR"/>
+          </a:p>
+        </p:txBody>
+      </p:sp>
+      <p:sp>
+        <p:nvSpPr>
+          <p:cNvPr id="17" name="Ellipse 16"/>
+          <p:cNvSpPr/>
+          <p:nvPr/>
+        </p:nvSpPr>
+        <p:spPr>
+          <a:xfrm>
+            <a:off x="4211960" y="2564904"/>
+            <a:ext cx="792088" cy="792088"/>
+          </a:xfrm>
+          <a:prstGeom prst="ellipse">
+            <a:avLst/>
+          </a:prstGeom>
+          <a:solidFill>
+            <a:srgbClr val="D8FBC1"/>
+          </a:solidFill>
+          <a:ln>
+            <a:noFill/>
+          </a:ln>
+        </p:spPr>
+        <p:style>
+          <a:lnRef idx="2">
+            <a:schemeClr val="accent1">
+              <a:shade val="50000"/>
+            </a:schemeClr>
+          </a:lnRef>
+          <a:fillRef idx="1">
+            <a:schemeClr val="accent1"/>
+          </a:fillRef>
+          <a:effectRef idx="0">
+            <a:schemeClr val="accent1"/>
+          </a:effectRef>
+          <a:fontRef idx="minor">
+            <a:schemeClr val="lt1"/>
+          </a:fontRef>
+        </p:style>
+        <p:txBody>
+          <a:bodyPr rtlCol="0" anchor="ctr"/>
+          <a:lstStyle/>
+          <a:p>
+            <a:pPr algn="ctr"/>
+            <a:endParaRPr lang="fr-FR"/>
+          </a:p>
+        </p:txBody>
+      </p:sp>
+      <p:sp>
+        <p:nvSpPr>
+          <p:cNvPr id="18" name="Ellipse 17"/>
+          <p:cNvSpPr/>
+          <p:nvPr/>
+        </p:nvSpPr>
+        <p:spPr>
+          <a:xfrm>
+            <a:off x="5220072" y="2564904"/>
+            <a:ext cx="792088" cy="792088"/>
+          </a:xfrm>
+          <a:prstGeom prst="ellipse">
+            <a:avLst/>
+          </a:prstGeom>
+          <a:solidFill>
+            <a:srgbClr val="D8FBC1"/>
+          </a:solidFill>
+          <a:ln>
+            <a:noFill/>
+          </a:ln>
+        </p:spPr>
+        <p:style>
+          <a:lnRef idx="2">
+            <a:schemeClr val="accent1">
+              <a:shade val="50000"/>
+            </a:schemeClr>
+          </a:lnRef>
+          <a:fillRef idx="1">
+            <a:schemeClr val="accent1"/>
+          </a:fillRef>
+          <a:effectRef idx="0">
+            <a:schemeClr val="accent1"/>
+          </a:effectRef>
+          <a:fontRef idx="minor">
+            <a:schemeClr val="lt1"/>
+          </a:fontRef>
+        </p:style>
+        <p:txBody>
+          <a:bodyPr rtlCol="0" anchor="ctr"/>
+          <a:lstStyle/>
+          <a:p>
+            <a:pPr algn="ctr"/>
+            <a:endParaRPr lang="fr-FR"/>
+          </a:p>
+        </p:txBody>
+      </p:sp>
+    </p:spTree>
+  </p:cSld>
+  <p:clrMapOvr>
+    <a:masterClrMapping/>
+  </p:clrMapOvr>
+  <p:transition>
+    <p:fade/>
+  </p:transition>
+  <p:timing>
+    <p:tnLst>
+      <p:par>
+        <p:cTn id="1" dur="indefinite" restart="never" nodeType="tmRoot"/>
+      </p:par>
+    </p:tnLst>
+  </p:timing>
+</p:sld>
+</file>
+
+<file path=ppt/slides/slide19.xml><?xml version="1.0" encoding="utf-8"?>
+<p:sld xmlns:a="http://schemas.openxmlformats.org/drawingml/2006/main" xmlns:r="http://schemas.openxmlformats.org/officeDocument/2006/relationships" xmlns:p="http://schemas.openxmlformats.org/presentationml/2006/main">
+  <p:cSld>
+    <p:spTree>
+      <p:nvGrpSpPr>
+        <p:cNvPr id="1" name=""/>
+        <p:cNvGrpSpPr/>
+        <p:nvPr/>
+      </p:nvGrpSpPr>
+      <p:grpSpPr>
+        <a:xfrm>
+          <a:off x="0" y="0"/>
+          <a:ext cx="0" cy="0"/>
+          <a:chOff x="0" y="0"/>
+          <a:chExt cx="0" cy="0"/>
+        </a:xfrm>
+      </p:grpSpPr>
+      <p:sp>
+        <p:nvSpPr>
+          <p:cNvPr id="6" name="Titre 5"/>
+          <p:cNvSpPr>
+            <a:spLocks noGrp="1"/>
+          </p:cNvSpPr>
+          <p:nvPr>
+            <p:ph type="title"/>
+          </p:nvPr>
+        </p:nvSpPr>
+        <p:spPr/>
+        <p:txBody>
+          <a:bodyPr/>
+          <a:lstStyle/>
+          <a:p>
+            <a:r>
+              <a:rPr lang="fr-FR" dirty="0" smtClean="0"/>
+              <a:t>Conclusion</a:t>
+            </a:r>
+            <a:endParaRPr lang="fr-FR" dirty="0"/>
+          </a:p>
+        </p:txBody>
+      </p:sp>
+      <p:sp>
+        <p:nvSpPr>
+          <p:cNvPr id="4" name="Espace réservé du pied de page 3"/>
+          <p:cNvSpPr>
+            <a:spLocks noGrp="1"/>
+          </p:cNvSpPr>
+          <p:nvPr>
+            <p:ph type="ftr" sz="quarter" idx="11"/>
+          </p:nvPr>
+        </p:nvSpPr>
+        <p:spPr/>
+        <p:txBody>
+          <a:bodyPr/>
+          <a:lstStyle/>
+          <a:p>
+            <a:r>
+              <a:rPr lang="fr-FR" smtClean="0"/>
+              <a:t>M1 MIAGE  - 2010/2011</a:t>
+            </a:r>
+          </a:p>
+          <a:p>
+            <a:r>
+              <a:rPr lang="fr-FR" smtClean="0"/>
+              <a:t>Université de Nice Sophia Antipolis</a:t>
+            </a:r>
+            <a:endParaRPr lang="fr-BE" dirty="0"/>
+          </a:p>
+        </p:txBody>
+      </p:sp>
+      <p:sp>
+        <p:nvSpPr>
+          <p:cNvPr id="5" name="Espace réservé du numéro de diapositive 4"/>
+          <p:cNvSpPr>
+            <a:spLocks noGrp="1"/>
+          </p:cNvSpPr>
+          <p:nvPr>
+            <p:ph type="sldNum" sz="quarter" idx="12"/>
+          </p:nvPr>
+        </p:nvSpPr>
+        <p:spPr/>
+        <p:txBody>
+          <a:bodyPr/>
+          <a:lstStyle/>
+          <a:p>
+            <a:fld id="{CF4668DC-857F-487D-BFFA-8C0CA5037977}" type="slidenum">
+              <a:rPr lang="fr-BE" smtClean="0"/>
+              <a:pPr/>
+              <a:t>19</a:t>
+            </a:fld>
+            <a:r>
+              <a:rPr lang="fr-BE" smtClean="0"/>
+              <a:t> sur ?</a:t>
+            </a:r>
+            <a:endParaRPr lang="fr-BE" dirty="0"/>
+          </a:p>
+        </p:txBody>
+      </p:sp>
+      <p:sp>
+        <p:nvSpPr>
+          <p:cNvPr id="7" name="Espace réservé du contenu 6"/>
+          <p:cNvSpPr>
+            <a:spLocks noGrp="1"/>
+          </p:cNvSpPr>
+          <p:nvPr>
+            <p:ph sz="quarter" idx="14"/>
+          </p:nvPr>
+        </p:nvSpPr>
+        <p:spPr/>
+        <p:txBody>
+          <a:bodyPr>
+            <a:normAutofit/>
+          </a:bodyPr>
+          <a:lstStyle/>
+          <a:p>
+            <a:pPr>
+              <a:buFont typeface="Wingdings" pitchFamily="2" charset="2"/>
+              <a:buChar char="Ø"/>
+            </a:pPr>
+            <a:r>
+              <a:rPr lang="fr-FR" sz="2800" dirty="0" smtClean="0">
+                <a:solidFill>
+                  <a:schemeClr val="tx2">
+                    <a:lumMod val="75000"/>
+                  </a:schemeClr>
+                </a:solidFill>
+              </a:rPr>
+              <a:t>Les connaissances et compétences acquises</a:t>
+            </a:r>
+          </a:p>
+          <a:p>
+            <a:pPr lvl="1">
+              <a:buFont typeface="Arial" pitchFamily="34" charset="0"/>
+              <a:buChar char="•"/>
+            </a:pPr>
+            <a:r>
+              <a:rPr lang="fr-FR" sz="2400" dirty="0" smtClean="0">
+                <a:solidFill>
+                  <a:schemeClr val="tx2">
+                    <a:lumMod val="75000"/>
+                  </a:schemeClr>
+                </a:solidFill>
+              </a:rPr>
+              <a:t>Développement d’une application </a:t>
+            </a:r>
+            <a:r>
+              <a:rPr lang="fr-FR" sz="2400" dirty="0" err="1" smtClean="0">
+                <a:solidFill>
+                  <a:schemeClr val="tx2">
+                    <a:lumMod val="75000"/>
+                  </a:schemeClr>
+                </a:solidFill>
+              </a:rPr>
+              <a:t>Android</a:t>
+            </a:r>
+            <a:endParaRPr lang="fr-FR" sz="2400" dirty="0" smtClean="0">
+              <a:solidFill>
+                <a:schemeClr val="tx2">
+                  <a:lumMod val="75000"/>
+                </a:schemeClr>
+              </a:solidFill>
+            </a:endParaRPr>
+          </a:p>
+          <a:p>
+            <a:pPr lvl="1">
+              <a:buFont typeface="Arial" pitchFamily="34" charset="0"/>
+              <a:buChar char="•"/>
+            </a:pPr>
+            <a:r>
+              <a:rPr lang="fr-FR" sz="2400" dirty="0" smtClean="0">
+                <a:solidFill>
+                  <a:schemeClr val="tx2">
+                    <a:lumMod val="75000"/>
+                  </a:schemeClr>
+                </a:solidFill>
+              </a:rPr>
+              <a:t>Découverte du plugin ADT</a:t>
+            </a:r>
+          </a:p>
+          <a:p>
+            <a:pPr lvl="1">
+              <a:buFont typeface="Arial" pitchFamily="34" charset="0"/>
+              <a:buChar char="•"/>
+            </a:pPr>
+            <a:r>
+              <a:rPr lang="fr-FR" sz="2400" dirty="0" smtClean="0">
+                <a:solidFill>
+                  <a:schemeClr val="tx2">
+                    <a:lumMod val="75000"/>
+                  </a:schemeClr>
+                </a:solidFill>
+              </a:rPr>
+              <a:t>La création d’interface graphique en XML</a:t>
+            </a:r>
+          </a:p>
+          <a:p>
+            <a:pPr lvl="1">
+              <a:buFont typeface="Arial" pitchFamily="34" charset="0"/>
+              <a:buChar char="•"/>
+            </a:pPr>
+            <a:r>
+              <a:rPr lang="fr-FR" sz="2400" dirty="0" smtClean="0">
+                <a:solidFill>
+                  <a:schemeClr val="tx2">
+                    <a:lumMod val="75000"/>
+                  </a:schemeClr>
+                </a:solidFill>
+              </a:rPr>
+              <a:t>Des concepts sur les signaux audio</a:t>
+            </a:r>
+          </a:p>
+          <a:p>
+            <a:pPr lvl="1">
+              <a:buFont typeface="Arial" pitchFamily="34" charset="0"/>
+              <a:buChar char="•"/>
+            </a:pPr>
+            <a:r>
+              <a:rPr lang="fr-FR" sz="2400" dirty="0" smtClean="0">
+                <a:solidFill>
+                  <a:schemeClr val="tx2">
+                    <a:lumMod val="75000"/>
+                  </a:schemeClr>
+                </a:solidFill>
+              </a:rPr>
+              <a:t>La découverte de nouvelles API</a:t>
+            </a:r>
+          </a:p>
+          <a:p>
+            <a:pPr lvl="1">
+              <a:buFont typeface="Arial" pitchFamily="34" charset="0"/>
+              <a:buChar char="•"/>
+            </a:pPr>
+            <a:r>
+              <a:rPr lang="fr-FR" sz="2400" dirty="0" smtClean="0">
+                <a:solidFill>
+                  <a:schemeClr val="tx2">
+                    <a:lumMod val="75000"/>
+                  </a:schemeClr>
+                </a:solidFill>
+              </a:rPr>
+              <a:t>Les métadonnées dans </a:t>
+            </a:r>
+            <a:r>
+              <a:rPr lang="fr-FR" sz="2400" smtClean="0">
+                <a:solidFill>
+                  <a:schemeClr val="tx2">
+                    <a:lumMod val="75000"/>
+                  </a:schemeClr>
+                </a:solidFill>
+              </a:rPr>
+              <a:t>un fichier audio</a:t>
+            </a:r>
+            <a:endParaRPr lang="fr-FR" sz="2400" dirty="0">
+              <a:solidFill>
+                <a:schemeClr val="tx2">
+                  <a:lumMod val="75000"/>
+                </a:schemeClr>
+              </a:solidFill>
+            </a:endParaRPr>
+          </a:p>
+        </p:txBody>
+      </p:sp>
+      <p:sp>
+        <p:nvSpPr>
+          <p:cNvPr id="8" name="Espace réservé du contenu 7"/>
+          <p:cNvSpPr>
+            <a:spLocks noGrp="1"/>
+          </p:cNvSpPr>
+          <p:nvPr>
+            <p:ph sz="quarter" idx="15"/>
+          </p:nvPr>
+        </p:nvSpPr>
+        <p:spPr/>
+        <p:txBody>
+          <a:bodyPr>
+            <a:normAutofit/>
+          </a:bodyPr>
+          <a:lstStyle/>
+          <a:p>
+            <a:pPr marL="457200" indent="-457200">
+              <a:buFont typeface="+mj-lt"/>
+              <a:buAutoNum type="arabicPeriod"/>
+            </a:pPr>
+            <a:r>
+              <a:rPr lang="fr-FR" sz="1400" dirty="0" smtClean="0">
+                <a:solidFill>
+                  <a:srgbClr val="A4CA39"/>
+                </a:solidFill>
+                <a:latin typeface="Cambria" pitchFamily="18" charset="0"/>
+              </a:rPr>
+              <a:t>Introduction</a:t>
+            </a:r>
+          </a:p>
+          <a:p>
+            <a:pPr marL="457200" indent="-457200">
+              <a:buFont typeface="+mj-lt"/>
+              <a:buAutoNum type="arabicPeriod"/>
+            </a:pPr>
+            <a:endParaRPr lang="fr-FR" sz="1400" dirty="0" smtClean="0">
+              <a:solidFill>
+                <a:srgbClr val="D8FBC1"/>
+              </a:solidFill>
+              <a:latin typeface="Cambria" pitchFamily="18" charset="0"/>
+            </a:endParaRPr>
+          </a:p>
+          <a:p>
+            <a:pPr marL="457200" indent="-457200">
+              <a:buFont typeface="+mj-lt"/>
+              <a:buAutoNum type="arabicPeriod"/>
+            </a:pPr>
+            <a:r>
+              <a:rPr lang="fr-FR" sz="1400" dirty="0" smtClean="0">
+                <a:solidFill>
+                  <a:srgbClr val="A4CA39"/>
+                </a:solidFill>
+                <a:latin typeface="Cambria" pitchFamily="18" charset="0"/>
+              </a:rPr>
+              <a:t>Déroulement du projet</a:t>
+            </a:r>
+          </a:p>
+          <a:p>
+            <a:pPr marL="457200" indent="-457200">
+              <a:buFont typeface="+mj-lt"/>
+              <a:buAutoNum type="arabicPeriod"/>
+            </a:pPr>
+            <a:endParaRPr lang="fr-FR" sz="1400" dirty="0" smtClean="0">
+              <a:solidFill>
+                <a:srgbClr val="A4CA39"/>
+              </a:solidFill>
+              <a:latin typeface="Cambria" pitchFamily="18" charset="0"/>
+            </a:endParaRPr>
+          </a:p>
+          <a:p>
+            <a:pPr marL="457200" indent="-457200">
+              <a:buFont typeface="+mj-lt"/>
+              <a:buAutoNum type="arabicPeriod"/>
+            </a:pPr>
+            <a:r>
+              <a:rPr lang="fr-FR" sz="1400" dirty="0" smtClean="0">
+                <a:solidFill>
+                  <a:srgbClr val="A4CA39"/>
+                </a:solidFill>
+                <a:latin typeface="Cambria" pitchFamily="18" charset="0"/>
+              </a:rPr>
+              <a:t>Outils et méthodologies </a:t>
+            </a:r>
+            <a:r>
+              <a:rPr lang="fr-FR" sz="1400" dirty="0" smtClean="0">
+                <a:solidFill>
+                  <a:srgbClr val="A4CA39"/>
+                </a:solidFill>
+                <a:latin typeface="Cambria" pitchFamily="18" charset="0"/>
+              </a:rPr>
+              <a:t>utilisés</a:t>
+            </a:r>
+          </a:p>
+          <a:p>
+            <a:pPr marL="457200" indent="-457200">
+              <a:buFont typeface="+mj-lt"/>
+              <a:buAutoNum type="arabicPeriod"/>
+            </a:pPr>
+            <a:endParaRPr lang="fr-FR" sz="1400" dirty="0" smtClean="0">
+              <a:solidFill>
+                <a:srgbClr val="D8FBC1"/>
+              </a:solidFill>
+              <a:latin typeface="Cambria" pitchFamily="18" charset="0"/>
+            </a:endParaRPr>
+          </a:p>
+          <a:p>
+            <a:pPr marL="457200" indent="-457200">
+              <a:buFont typeface="+mj-lt"/>
+              <a:buAutoNum type="arabicPeriod"/>
+            </a:pPr>
+            <a:r>
+              <a:rPr lang="fr-FR" sz="1400" dirty="0" smtClean="0">
+                <a:solidFill>
+                  <a:srgbClr val="A4CA39"/>
+                </a:solidFill>
+                <a:latin typeface="Cambria" pitchFamily="18" charset="0"/>
+              </a:rPr>
+              <a:t>Interface </a:t>
+            </a:r>
+            <a:r>
+              <a:rPr lang="fr-FR" sz="1400" dirty="0" smtClean="0">
+                <a:solidFill>
+                  <a:srgbClr val="A4CA39"/>
+                </a:solidFill>
+                <a:latin typeface="Cambria" pitchFamily="18" charset="0"/>
+              </a:rPr>
+              <a:t>graphique</a:t>
+            </a:r>
+            <a:endParaRPr lang="fr-FR" sz="1400" dirty="0" smtClean="0">
+              <a:solidFill>
+                <a:srgbClr val="A4CA39"/>
+              </a:solidFill>
+              <a:latin typeface="Cambria" pitchFamily="18" charset="0"/>
+            </a:endParaRPr>
+          </a:p>
+          <a:p>
+            <a:pPr marL="457200" indent="-457200">
+              <a:buFont typeface="+mj-lt"/>
+              <a:buAutoNum type="arabicPeriod"/>
+            </a:pPr>
+            <a:endParaRPr lang="fr-FR" sz="1400" dirty="0" smtClean="0">
+              <a:solidFill>
+                <a:srgbClr val="A4CA39"/>
+              </a:solidFill>
+              <a:latin typeface="Cambria" pitchFamily="18" charset="0"/>
+            </a:endParaRPr>
+          </a:p>
+          <a:p>
+            <a:pPr marL="457200" indent="-457200">
+              <a:buFont typeface="+mj-lt"/>
+              <a:buAutoNum type="arabicPeriod"/>
+            </a:pPr>
+            <a:r>
+              <a:rPr lang="fr-FR" sz="1400" dirty="0" smtClean="0">
+                <a:solidFill>
+                  <a:srgbClr val="A4CA39"/>
+                </a:solidFill>
+                <a:latin typeface="Cambria" pitchFamily="18" charset="0"/>
+              </a:rPr>
+              <a:t>Fonctionnalités</a:t>
+            </a:r>
+          </a:p>
+          <a:p>
+            <a:pPr marL="457200" indent="-457200">
+              <a:buFont typeface="+mj-lt"/>
+              <a:buAutoNum type="arabicPeriod"/>
+            </a:pPr>
+            <a:endParaRPr lang="fr-FR" sz="1400" dirty="0" smtClean="0">
+              <a:solidFill>
+                <a:srgbClr val="A4CA39"/>
+              </a:solidFill>
+              <a:latin typeface="Cambria" pitchFamily="18" charset="0"/>
+            </a:endParaRPr>
+          </a:p>
+          <a:p>
+            <a:pPr marL="457200" indent="-457200">
+              <a:buFont typeface="+mj-lt"/>
+              <a:buAutoNum type="arabicPeriod"/>
+            </a:pPr>
+            <a:r>
+              <a:rPr lang="fr-FR" sz="1400" dirty="0" smtClean="0">
+                <a:solidFill>
+                  <a:srgbClr val="A4CA39"/>
+                </a:solidFill>
+                <a:latin typeface="Cambria" pitchFamily="18" charset="0"/>
+              </a:rPr>
+              <a:t>Démonstration</a:t>
+            </a:r>
+          </a:p>
+          <a:p>
+            <a:pPr marL="457200" indent="-457200">
+              <a:buFont typeface="+mj-lt"/>
+              <a:buAutoNum type="arabicPeriod"/>
+            </a:pPr>
+            <a:endParaRPr lang="fr-FR" sz="1400" dirty="0" smtClean="0">
+              <a:solidFill>
+                <a:srgbClr val="A4CA39"/>
+              </a:solidFill>
+              <a:latin typeface="Cambria" pitchFamily="18" charset="0"/>
+            </a:endParaRPr>
+          </a:p>
+          <a:p>
+            <a:pPr marL="457200" indent="-457200">
+              <a:buFont typeface="+mj-lt"/>
+              <a:buAutoNum type="arabicPeriod"/>
+            </a:pPr>
+            <a:r>
+              <a:rPr lang="fr-FR" sz="1400" dirty="0" smtClean="0">
+                <a:solidFill>
+                  <a:srgbClr val="D8FBC1"/>
+                </a:solidFill>
+                <a:latin typeface="Cambria" pitchFamily="18" charset="0"/>
+              </a:rPr>
+              <a:t>Conclusion</a:t>
+            </a:r>
+          </a:p>
+          <a:p>
+            <a:endParaRPr lang="fr-FR" dirty="0"/>
+          </a:p>
+        </p:txBody>
+      </p:sp>
+    </p:spTree>
+  </p:cSld>
+  <p:clrMapOvr>
+    <a:masterClrMapping/>
+  </p:clrMapOvr>
+  <p:transition>
+    <p:fade/>
+  </p:transition>
+  <p:timing>
+    <p:tnLst>
+      <p:par>
+        <p:cTn id="1" dur="indefinite" restart="never" nodeType="tmRoot"/>
+      </p:par>
+    </p:tnLst>
+  </p:timing>
+</p:sld>
+</file>
+
+<file path=ppt/slides/slide2.xml><?xml version="1.0" encoding="utf-8"?>
+<p:sld xmlns:a="http://schemas.openxmlformats.org/drawingml/2006/main" xmlns:r="http://schemas.openxmlformats.org/officeDocument/2006/relationships" xmlns:p="http://schemas.openxmlformats.org/presentationml/2006/main">
+  <p:cSld>
+    <p:spTree>
+      <p:nvGrpSpPr>
+        <p:cNvPr id="1" name=""/>
+        <p:cNvGrpSpPr/>
+        <p:nvPr/>
+      </p:nvGrpSpPr>
+      <p:grpSpPr>
+        <a:xfrm>
+          <a:off x="0" y="0"/>
+          <a:ext cx="0" cy="0"/>
+          <a:chOff x="0" y="0"/>
+          <a:chExt cx="0" cy="0"/>
+        </a:xfrm>
+      </p:grpSpPr>
+      <p:sp>
+        <p:nvSpPr>
+          <p:cNvPr id="2" name="Titre 1"/>
+          <p:cNvSpPr>
+            <a:spLocks noGrp="1"/>
+          </p:cNvSpPr>
+          <p:nvPr>
+            <p:ph type="ctrTitle"/>
+          </p:nvPr>
+        </p:nvSpPr>
+        <p:spPr/>
+        <p:txBody>
+          <a:bodyPr/>
+          <a:lstStyle/>
+          <a:p>
+            <a:r>
+              <a:rPr lang="fr-FR" dirty="0" smtClean="0">
+                <a:solidFill>
+                  <a:srgbClr val="A4CA39"/>
+                </a:solidFill>
+              </a:rPr>
+              <a:t>Plan</a:t>
+            </a:r>
+            <a:endParaRPr lang="fr-FR" dirty="0">
+              <a:solidFill>
+                <a:srgbClr val="A4CA39"/>
+              </a:solidFill>
+            </a:endParaRPr>
+          </a:p>
+        </p:txBody>
+      </p:sp>
+      <p:sp>
+        <p:nvSpPr>
+          <p:cNvPr id="3" name="Sous-titre 2"/>
+          <p:cNvSpPr>
+            <a:spLocks noGrp="1"/>
+          </p:cNvSpPr>
+          <p:nvPr>
+            <p:ph type="subTitle" idx="1"/>
+          </p:nvPr>
+        </p:nvSpPr>
+        <p:spPr>
+          <a:xfrm>
+            <a:off x="683568" y="1052736"/>
+            <a:ext cx="7776864" cy="5040560"/>
+          </a:xfrm>
+        </p:spPr>
+        <p:txBody>
+          <a:bodyPr>
+            <a:normAutofit fontScale="47500" lnSpcReduction="20000"/>
+          </a:bodyPr>
+          <a:lstStyle/>
+          <a:p>
+            <a:pPr marL="514350" indent="-514350" algn="l">
+              <a:buFont typeface="+mj-lt"/>
+              <a:buAutoNum type="arabicPeriod"/>
+            </a:pPr>
+            <a:r>
+              <a:rPr lang="fr-FR" sz="3400" dirty="0" smtClean="0">
+                <a:solidFill>
+                  <a:srgbClr val="A4CA39"/>
+                </a:solidFill>
+              </a:rPr>
+              <a:t>Introduction</a:t>
+            </a:r>
+          </a:p>
+          <a:p>
+            <a:pPr marL="971550" lvl="1" indent="-514350" algn="l">
+              <a:buFont typeface="Wingdings" pitchFamily="2" charset="2"/>
+              <a:buChar char="Ø"/>
+            </a:pPr>
+            <a:r>
+              <a:rPr lang="fr-FR" sz="2900" dirty="0" smtClean="0">
+                <a:solidFill>
+                  <a:srgbClr val="D8FBC1"/>
+                </a:solidFill>
+                <a:latin typeface="Cambria" pitchFamily="18" charset="0"/>
+              </a:rPr>
+              <a:t>Objectif du projet</a:t>
+            </a:r>
+          </a:p>
+          <a:p>
+            <a:pPr marL="971550" lvl="1" indent="-514350" algn="l">
+              <a:buFont typeface="Wingdings" pitchFamily="2" charset="2"/>
+              <a:buChar char="Ø"/>
+            </a:pPr>
+            <a:r>
+              <a:rPr lang="fr-FR" sz="2900" dirty="0" smtClean="0">
+                <a:solidFill>
+                  <a:srgbClr val="D8FBC1"/>
+                </a:solidFill>
+                <a:latin typeface="Cambria" pitchFamily="18" charset="0"/>
+              </a:rPr>
+              <a:t>Présentation d’</a:t>
+            </a:r>
+            <a:r>
+              <a:rPr lang="fr-FR" sz="2900" dirty="0" err="1" smtClean="0">
+                <a:solidFill>
+                  <a:srgbClr val="D8FBC1"/>
+                </a:solidFill>
+                <a:latin typeface="Cambria" pitchFamily="18" charset="0"/>
+              </a:rPr>
+              <a:t>Android</a:t>
+            </a:r>
+            <a:endParaRPr lang="fr-FR" sz="2900" dirty="0" smtClean="0">
+              <a:solidFill>
+                <a:srgbClr val="D8FBC1"/>
+              </a:solidFill>
+              <a:latin typeface="Cambria" pitchFamily="18" charset="0"/>
+            </a:endParaRPr>
+          </a:p>
+          <a:p>
+            <a:pPr marL="514350" indent="-514350" algn="l">
+              <a:buFont typeface="+mj-lt"/>
+              <a:buAutoNum type="arabicPeriod"/>
+            </a:pPr>
+            <a:r>
+              <a:rPr lang="fr-FR" sz="3400" dirty="0" smtClean="0">
+                <a:solidFill>
+                  <a:srgbClr val="A4CA39"/>
+                </a:solidFill>
+              </a:rPr>
+              <a:t>Déroulement du projet</a:t>
+            </a:r>
+          </a:p>
+          <a:p>
+            <a:pPr marL="971550" lvl="1" indent="-514350" algn="l">
+              <a:buFont typeface="Wingdings" pitchFamily="2" charset="2"/>
+              <a:buChar char="Ø"/>
+            </a:pPr>
+            <a:r>
+              <a:rPr lang="fr-FR" sz="2900" dirty="0" smtClean="0">
+                <a:solidFill>
+                  <a:srgbClr val="D8FBC1"/>
+                </a:solidFill>
+                <a:latin typeface="Cambria" pitchFamily="18" charset="0"/>
+              </a:rPr>
+              <a:t>Diagramme de Gantt prévisionnel</a:t>
+            </a:r>
+          </a:p>
+          <a:p>
+            <a:pPr marL="971550" lvl="1" indent="-514350" algn="l">
+              <a:buFont typeface="Wingdings" pitchFamily="2" charset="2"/>
+              <a:buChar char="Ø"/>
+            </a:pPr>
+            <a:r>
+              <a:rPr lang="fr-FR" sz="2900" dirty="0" smtClean="0">
+                <a:solidFill>
+                  <a:srgbClr val="D8FBC1"/>
+                </a:solidFill>
+                <a:latin typeface="Cambria" pitchFamily="18" charset="0"/>
+              </a:rPr>
+              <a:t>Tout au long du projet</a:t>
+            </a:r>
+          </a:p>
+          <a:p>
+            <a:pPr marL="971550" lvl="1" indent="-514350" algn="l">
+              <a:buFont typeface="Wingdings" pitchFamily="2" charset="2"/>
+              <a:buChar char="Ø"/>
+            </a:pPr>
+            <a:r>
+              <a:rPr lang="fr-FR" sz="2900" dirty="0" smtClean="0">
+                <a:solidFill>
+                  <a:srgbClr val="D8FBC1"/>
+                </a:solidFill>
+                <a:latin typeface="Cambria" pitchFamily="18" charset="0"/>
+              </a:rPr>
+              <a:t>Diagramme de Gantt effectif</a:t>
+            </a:r>
+          </a:p>
+          <a:p>
+            <a:pPr marL="514350" indent="-514350" algn="l">
+              <a:buFont typeface="+mj-lt"/>
+              <a:buAutoNum type="arabicPeriod"/>
+            </a:pPr>
+            <a:r>
+              <a:rPr lang="fr-FR" sz="3400" dirty="0" smtClean="0">
+                <a:solidFill>
+                  <a:srgbClr val="A4CA39"/>
+                </a:solidFill>
+              </a:rPr>
+              <a:t>Outils et méthodologies </a:t>
+            </a:r>
+            <a:r>
+              <a:rPr lang="fr-FR" sz="3400" dirty="0" smtClean="0">
+                <a:solidFill>
+                  <a:srgbClr val="A4CA39"/>
+                </a:solidFill>
+              </a:rPr>
+              <a:t>utilisés</a:t>
+            </a:r>
+          </a:p>
+          <a:p>
+            <a:pPr marL="514350" indent="-514350" algn="l">
+              <a:buFont typeface="+mj-lt"/>
+              <a:buAutoNum type="arabicPeriod"/>
+            </a:pPr>
+            <a:r>
+              <a:rPr lang="fr-FR" sz="3400" dirty="0" smtClean="0">
+                <a:solidFill>
+                  <a:srgbClr val="A4CA39"/>
+                </a:solidFill>
+              </a:rPr>
+              <a:t>Interface graphique</a:t>
+            </a:r>
+          </a:p>
+          <a:p>
+            <a:pPr marL="971550" lvl="1" indent="-514350" algn="l">
+              <a:buFont typeface="Wingdings" pitchFamily="2" charset="2"/>
+              <a:buChar char="Ø"/>
+            </a:pPr>
+            <a:r>
+              <a:rPr lang="fr-FR" sz="2900" dirty="0" smtClean="0">
+                <a:solidFill>
+                  <a:srgbClr val="D8FBC1"/>
+                </a:solidFill>
+                <a:latin typeface="Cambria" pitchFamily="18" charset="0"/>
+              </a:rPr>
+              <a:t>Les besoins</a:t>
+            </a:r>
+          </a:p>
+          <a:p>
+            <a:pPr marL="971550" lvl="1" indent="-514350" algn="l">
+              <a:buFont typeface="Wingdings" pitchFamily="2" charset="2"/>
+              <a:buChar char="Ø"/>
+            </a:pPr>
+            <a:r>
+              <a:rPr lang="fr-FR" sz="2900" dirty="0" smtClean="0">
+                <a:solidFill>
+                  <a:srgbClr val="D8FBC1"/>
+                </a:solidFill>
+                <a:latin typeface="Cambria" pitchFamily="18" charset="0"/>
+              </a:rPr>
+              <a:t>Conception sous Eclipse</a:t>
+            </a:r>
+          </a:p>
+          <a:p>
+            <a:pPr marL="971550" lvl="1" indent="-514350" algn="l">
+              <a:buFont typeface="Wingdings" pitchFamily="2" charset="2"/>
+              <a:buChar char="Ø"/>
+            </a:pPr>
+            <a:r>
+              <a:rPr lang="fr-FR" sz="2900" dirty="0" smtClean="0">
+                <a:solidFill>
+                  <a:srgbClr val="D8FBC1"/>
+                </a:solidFill>
+                <a:latin typeface="Cambria" pitchFamily="18" charset="0"/>
+              </a:rPr>
+              <a:t>Orientation du téléphone</a:t>
+            </a:r>
+          </a:p>
+          <a:p>
+            <a:pPr marL="971550" lvl="1" indent="-514350" algn="l">
+              <a:buFont typeface="Wingdings" pitchFamily="2" charset="2"/>
+              <a:buChar char="Ø"/>
+            </a:pPr>
+            <a:r>
+              <a:rPr lang="fr-FR" sz="2900" dirty="0" smtClean="0">
+                <a:solidFill>
+                  <a:srgbClr val="D8FBC1"/>
+                </a:solidFill>
+                <a:latin typeface="Cambria" pitchFamily="18" charset="0"/>
+              </a:rPr>
+              <a:t>Les écrans</a:t>
+            </a:r>
+            <a:endParaRPr lang="fr-FR" sz="2900" dirty="0" smtClean="0">
+              <a:solidFill>
+                <a:srgbClr val="D8FBC1"/>
+              </a:solidFill>
+              <a:latin typeface="Cambria" pitchFamily="18" charset="0"/>
+            </a:endParaRPr>
+          </a:p>
+          <a:p>
+            <a:pPr marL="514350" indent="-514350" algn="l">
+              <a:buFont typeface="+mj-lt"/>
+              <a:buAutoNum type="arabicPeriod"/>
+            </a:pPr>
+            <a:r>
+              <a:rPr lang="fr-FR" sz="3400" dirty="0" smtClean="0">
+                <a:solidFill>
+                  <a:srgbClr val="A4CA39"/>
+                </a:solidFill>
+              </a:rPr>
+              <a:t>Fonctionnalités</a:t>
+            </a:r>
+          </a:p>
+          <a:p>
+            <a:pPr marL="971550" lvl="1" indent="-514350" algn="l">
+              <a:buFont typeface="Wingdings" pitchFamily="2" charset="2"/>
+              <a:buChar char="Ø"/>
+            </a:pPr>
+            <a:r>
+              <a:rPr lang="fr-FR" sz="2900" dirty="0" smtClean="0">
+                <a:solidFill>
+                  <a:srgbClr val="D8FBC1"/>
+                </a:solidFill>
+                <a:latin typeface="Cambria" pitchFamily="18" charset="0"/>
+              </a:rPr>
+              <a:t>Le tri des fichiers audio</a:t>
+            </a:r>
+          </a:p>
+          <a:p>
+            <a:pPr marL="971550" lvl="1" indent="-514350" algn="l">
+              <a:buFont typeface="Wingdings" pitchFamily="2" charset="2"/>
+              <a:buChar char="Ø"/>
+            </a:pPr>
+            <a:r>
+              <a:rPr lang="fr-FR" sz="2900" dirty="0" smtClean="0">
+                <a:solidFill>
+                  <a:srgbClr val="D8FBC1"/>
+                </a:solidFill>
+                <a:latin typeface="Cambria" pitchFamily="18" charset="0"/>
+              </a:rPr>
+              <a:t>La « </a:t>
+            </a:r>
+            <a:r>
+              <a:rPr lang="fr-FR" sz="2900" dirty="0" err="1" smtClean="0">
+                <a:solidFill>
+                  <a:srgbClr val="D8FBC1"/>
+                </a:solidFill>
+                <a:latin typeface="Cambria" pitchFamily="18" charset="0"/>
+              </a:rPr>
+              <a:t>loop</a:t>
+            </a:r>
+            <a:r>
+              <a:rPr lang="fr-FR" sz="2900" dirty="0" smtClean="0">
+                <a:solidFill>
+                  <a:srgbClr val="D8FBC1"/>
+                </a:solidFill>
+                <a:latin typeface="Cambria" pitchFamily="18" charset="0"/>
+              </a:rPr>
+              <a:t>  »</a:t>
+            </a:r>
+          </a:p>
+          <a:p>
+            <a:pPr marL="971550" lvl="1" indent="-514350" algn="l">
+              <a:buFont typeface="Wingdings" pitchFamily="2" charset="2"/>
+              <a:buChar char="Ø"/>
+            </a:pPr>
+            <a:r>
+              <a:rPr lang="fr-FR" sz="2900" dirty="0" smtClean="0">
+                <a:solidFill>
+                  <a:srgbClr val="D8FBC1"/>
+                </a:solidFill>
+                <a:latin typeface="Cambria" pitchFamily="18" charset="0"/>
+              </a:rPr>
+              <a:t>L’ « </a:t>
+            </a:r>
+            <a:r>
+              <a:rPr lang="fr-FR" sz="2900" dirty="0" err="1" smtClean="0">
+                <a:solidFill>
+                  <a:srgbClr val="D8FBC1"/>
+                </a:solidFill>
+                <a:latin typeface="Cambria" pitchFamily="18" charset="0"/>
+              </a:rPr>
+              <a:t>equalizer</a:t>
+            </a:r>
+            <a:r>
+              <a:rPr lang="fr-FR" sz="2900" dirty="0" smtClean="0">
+                <a:solidFill>
+                  <a:srgbClr val="D8FBC1"/>
+                </a:solidFill>
+                <a:latin typeface="Cambria" pitchFamily="18" charset="0"/>
+              </a:rPr>
+              <a:t> »</a:t>
+            </a:r>
+          </a:p>
+          <a:p>
+            <a:pPr marL="971550" lvl="1" indent="-514350" algn="l">
+              <a:buFont typeface="Wingdings" pitchFamily="2" charset="2"/>
+              <a:buChar char="Ø"/>
+            </a:pPr>
+            <a:r>
+              <a:rPr lang="fr-FR" sz="2900" dirty="0" smtClean="0">
+                <a:solidFill>
+                  <a:srgbClr val="D8FBC1"/>
+                </a:solidFill>
+                <a:latin typeface="Cambria" pitchFamily="18" charset="0"/>
+              </a:rPr>
+              <a:t>Les « lyrics »</a:t>
+            </a:r>
+          </a:p>
+          <a:p>
+            <a:pPr marL="514350" indent="-514350" algn="l">
+              <a:buFont typeface="+mj-lt"/>
+              <a:buAutoNum type="arabicPeriod"/>
+            </a:pPr>
+            <a:r>
+              <a:rPr lang="fr-FR" sz="3400" dirty="0" smtClean="0">
+                <a:solidFill>
+                  <a:srgbClr val="A4CA39"/>
+                </a:solidFill>
+              </a:rPr>
+              <a:t>Démonstration</a:t>
+            </a:r>
+          </a:p>
+          <a:p>
+            <a:pPr marL="514350" indent="-514350" algn="l">
+              <a:buFont typeface="+mj-lt"/>
+              <a:buAutoNum type="arabicPeriod"/>
+            </a:pPr>
+            <a:r>
+              <a:rPr lang="fr-FR" sz="3400" dirty="0" smtClean="0">
+                <a:solidFill>
+                  <a:srgbClr val="A4CA39"/>
+                </a:solidFill>
+              </a:rPr>
+              <a:t>Conclusion</a:t>
+            </a:r>
+          </a:p>
+          <a:p>
+            <a:pPr marL="971550" lvl="1" indent="-514350" algn="l">
+              <a:buFont typeface="Wingdings" pitchFamily="2" charset="2"/>
+              <a:buChar char="Ø"/>
+            </a:pPr>
+            <a:r>
+              <a:rPr lang="fr-FR" sz="2900" dirty="0" smtClean="0">
+                <a:solidFill>
+                  <a:srgbClr val="D8FBC1"/>
+                </a:solidFill>
+                <a:latin typeface="Cambria" pitchFamily="18" charset="0"/>
+              </a:rPr>
+              <a:t>Les connaissances et compétences acquises</a:t>
+            </a:r>
+          </a:p>
+          <a:p>
+            <a:pPr marL="971550" lvl="1" indent="-514350" algn="l">
+              <a:buFont typeface="Wingdings" pitchFamily="2" charset="2"/>
+              <a:buChar char="Ø"/>
+            </a:pPr>
+            <a:r>
+              <a:rPr lang="fr-FR" sz="2900" dirty="0" smtClean="0">
+                <a:solidFill>
+                  <a:srgbClr val="D8FBC1"/>
+                </a:solidFill>
+                <a:latin typeface="Cambria" pitchFamily="18" charset="0"/>
+              </a:rPr>
+              <a:t>Les évolutions possibles</a:t>
+            </a:r>
+          </a:p>
+          <a:p>
+            <a:pPr marL="514350" indent="-514350" algn="l">
+              <a:buFont typeface="+mj-lt"/>
+              <a:buAutoNum type="arabicPeriod"/>
+            </a:pPr>
+            <a:endParaRPr lang="fr-FR" dirty="0" smtClean="0"/>
+          </a:p>
+          <a:p>
+            <a:pPr marL="514350" indent="-514350" algn="l">
+              <a:buFont typeface="+mj-lt"/>
+              <a:buAutoNum type="arabicPeriod"/>
+            </a:pPr>
+            <a:endParaRPr lang="fr-FR" dirty="0" smtClean="0"/>
+          </a:p>
+          <a:p>
+            <a:pPr marL="971550" lvl="1" indent="-514350" algn="l">
+              <a:buFont typeface="Wingdings" pitchFamily="2" charset="2"/>
+              <a:buChar char="Ø"/>
+            </a:pPr>
+            <a:endParaRPr lang="fr-FR" dirty="0" smtClean="0"/>
+          </a:p>
+          <a:p>
+            <a:pPr marL="971550" lvl="1" indent="-514350" algn="l">
+              <a:buFont typeface="Wingdings" pitchFamily="2" charset="2"/>
+              <a:buChar char="Ø"/>
+            </a:pPr>
+            <a:endParaRPr lang="fr-FR" dirty="0" smtClean="0"/>
+          </a:p>
+        </p:txBody>
+      </p:sp>
+      <p:sp>
+        <p:nvSpPr>
+          <p:cNvPr id="4" name="Espace réservé du pied de page 3"/>
+          <p:cNvSpPr>
+            <a:spLocks noGrp="1"/>
+          </p:cNvSpPr>
+          <p:nvPr>
+            <p:ph type="ftr" sz="quarter" idx="11"/>
+          </p:nvPr>
+        </p:nvSpPr>
+        <p:spPr/>
+        <p:txBody>
+          <a:bodyPr/>
+          <a:lstStyle/>
+          <a:p>
+            <a:r>
+              <a:rPr lang="fr-FR" smtClean="0"/>
+              <a:t>M1 MIAGE  - 2010/2011</a:t>
+            </a:r>
+          </a:p>
+          <a:p>
+            <a:r>
+              <a:rPr lang="fr-FR" smtClean="0"/>
+              <a:t>Université de Nice Sophia Antipolis</a:t>
+            </a:r>
+            <a:endParaRPr lang="fr-BE" dirty="0"/>
+          </a:p>
+        </p:txBody>
+      </p:sp>
+      <p:sp>
+        <p:nvSpPr>
+          <p:cNvPr id="5" name="Espace réservé du numéro de diapositive 4"/>
+          <p:cNvSpPr>
+            <a:spLocks noGrp="1"/>
+          </p:cNvSpPr>
+          <p:nvPr>
+            <p:ph type="sldNum" sz="quarter" idx="12"/>
+          </p:nvPr>
+        </p:nvSpPr>
+        <p:spPr/>
+        <p:txBody>
+          <a:bodyPr/>
+          <a:lstStyle/>
+          <a:p>
+            <a:fld id="{CF4668DC-857F-487D-BFFA-8C0CA5037977}" type="slidenum">
+              <a:rPr lang="fr-BE" smtClean="0"/>
+              <a:pPr/>
+              <a:t>2</a:t>
+            </a:fld>
+            <a:r>
+              <a:rPr lang="fr-BE" smtClean="0"/>
+              <a:t> sur ?</a:t>
+            </a:r>
+            <a:endParaRPr lang="fr-BE" dirty="0"/>
+          </a:p>
+        </p:txBody>
+      </p:sp>
+    </p:spTree>
+  </p:cSld>
+  <p:clrMapOvr>
+    <a:masterClrMapping/>
+  </p:clrMapOvr>
+  <p:transition>
+    <p:randomBar/>
+  </p:transition>
+  <p:timing>
+    <p:tnLst>
+      <p:par>
+        <p:cTn id="1" dur="indefinite" restart="never" nodeType="tmRoot"/>
+      </p:par>
+    </p:tnLst>
+  </p:timing>
+</p:sld>
+</file>
+
+<file path=ppt/slides/slide20.xml><?xml version="1.0" encoding="utf-8"?>
+<p:sld xmlns:a="http://schemas.openxmlformats.org/drawingml/2006/main" xmlns:r="http://schemas.openxmlformats.org/officeDocument/2006/relationships" xmlns:p="http://schemas.openxmlformats.org/presentationml/2006/main">
+  <p:cSld>
+    <p:spTree>
+      <p:nvGrpSpPr>
+        <p:cNvPr id="1" name=""/>
+        <p:cNvGrpSpPr/>
+        <p:nvPr/>
+      </p:nvGrpSpPr>
+      <p:grpSpPr>
+        <a:xfrm>
+          <a:off x="0" y="0"/>
+          <a:ext cx="0" cy="0"/>
+          <a:chOff x="0" y="0"/>
+          <a:chExt cx="0" cy="0"/>
+        </a:xfrm>
+      </p:grpSpPr>
+      <p:sp>
+        <p:nvSpPr>
+          <p:cNvPr id="6" name="Titre 5"/>
+          <p:cNvSpPr>
+            <a:spLocks noGrp="1"/>
+          </p:cNvSpPr>
+          <p:nvPr>
+            <p:ph type="title"/>
+          </p:nvPr>
+        </p:nvSpPr>
+        <p:spPr/>
+        <p:txBody>
+          <a:bodyPr/>
+          <a:lstStyle/>
+          <a:p>
+            <a:r>
+              <a:rPr lang="fr-FR" dirty="0" smtClean="0"/>
+              <a:t>Conclusion</a:t>
+            </a:r>
+            <a:endParaRPr lang="fr-FR" dirty="0"/>
+          </a:p>
+        </p:txBody>
+      </p:sp>
+      <p:sp>
+        <p:nvSpPr>
+          <p:cNvPr id="4" name="Espace réservé du pied de page 3"/>
+          <p:cNvSpPr>
+            <a:spLocks noGrp="1"/>
+          </p:cNvSpPr>
+          <p:nvPr>
+            <p:ph type="ftr" sz="quarter" idx="11"/>
+          </p:nvPr>
+        </p:nvSpPr>
+        <p:spPr/>
+        <p:txBody>
+          <a:bodyPr/>
+          <a:lstStyle/>
+          <a:p>
+            <a:r>
+              <a:rPr lang="fr-FR" smtClean="0"/>
+              <a:t>M1 MIAGE  - 2010/2011</a:t>
+            </a:r>
+          </a:p>
+          <a:p>
+            <a:r>
+              <a:rPr lang="fr-FR" smtClean="0"/>
+              <a:t>Université de Nice Sophia Antipolis</a:t>
+            </a:r>
+            <a:endParaRPr lang="fr-BE" dirty="0"/>
+          </a:p>
+        </p:txBody>
+      </p:sp>
+      <p:sp>
+        <p:nvSpPr>
+          <p:cNvPr id="5" name="Espace réservé du numéro de diapositive 4"/>
+          <p:cNvSpPr>
+            <a:spLocks noGrp="1"/>
+          </p:cNvSpPr>
+          <p:nvPr>
+            <p:ph type="sldNum" sz="quarter" idx="12"/>
+          </p:nvPr>
+        </p:nvSpPr>
+        <p:spPr/>
+        <p:txBody>
+          <a:bodyPr/>
+          <a:lstStyle/>
+          <a:p>
+            <a:fld id="{CF4668DC-857F-487D-BFFA-8C0CA5037977}" type="slidenum">
+              <a:rPr lang="fr-BE" smtClean="0"/>
+              <a:pPr/>
+              <a:t>20</a:t>
+            </a:fld>
+            <a:r>
+              <a:rPr lang="fr-BE" smtClean="0"/>
+              <a:t> sur ?</a:t>
+            </a:r>
+            <a:endParaRPr lang="fr-BE" dirty="0"/>
+          </a:p>
+        </p:txBody>
+      </p:sp>
+      <p:sp>
+        <p:nvSpPr>
+          <p:cNvPr id="7" name="Espace réservé du contenu 6"/>
+          <p:cNvSpPr>
+            <a:spLocks noGrp="1"/>
+          </p:cNvSpPr>
+          <p:nvPr>
+            <p:ph sz="quarter" idx="14"/>
+          </p:nvPr>
+        </p:nvSpPr>
+        <p:spPr/>
+        <p:txBody>
+          <a:bodyPr>
+            <a:normAutofit/>
+          </a:bodyPr>
+          <a:lstStyle/>
+          <a:p>
+            <a:pPr>
+              <a:buFont typeface="Wingdings" pitchFamily="2" charset="2"/>
+              <a:buChar char="Ø"/>
+            </a:pPr>
+            <a:r>
+              <a:rPr lang="fr-FR" dirty="0" smtClean="0">
+                <a:solidFill>
+                  <a:schemeClr val="tx2">
+                    <a:lumMod val="75000"/>
+                  </a:schemeClr>
+                </a:solidFill>
+              </a:rPr>
+              <a:t>Les évolutions possibles</a:t>
+            </a:r>
+          </a:p>
+          <a:p>
+            <a:pPr lvl="1">
+              <a:buFont typeface="Arial" pitchFamily="34" charset="0"/>
+              <a:buChar char="•"/>
+            </a:pPr>
+            <a:r>
+              <a:rPr lang="fr-FR" dirty="0" smtClean="0">
+                <a:solidFill>
+                  <a:schemeClr val="tx2">
+                    <a:lumMod val="75000"/>
+                  </a:schemeClr>
+                </a:solidFill>
+              </a:rPr>
+              <a:t>Mettre en place le time stretching</a:t>
+            </a:r>
+          </a:p>
+          <a:p>
+            <a:pPr lvl="1">
+              <a:buFont typeface="Arial" pitchFamily="34" charset="0"/>
+              <a:buChar char="•"/>
+            </a:pPr>
+            <a:r>
+              <a:rPr lang="fr-FR" dirty="0" smtClean="0">
+                <a:solidFill>
+                  <a:schemeClr val="tx2">
+                    <a:lumMod val="75000"/>
+                  </a:schemeClr>
+                </a:solidFill>
+              </a:rPr>
+              <a:t>Ajouter la possibilité de consulter les tablatures</a:t>
+            </a:r>
+          </a:p>
+          <a:p>
+            <a:pPr lvl="1">
+              <a:buFont typeface="Arial" pitchFamily="34" charset="0"/>
+              <a:buChar char="•"/>
+            </a:pPr>
+            <a:r>
+              <a:rPr lang="fr-FR" dirty="0" smtClean="0">
+                <a:solidFill>
+                  <a:schemeClr val="tx2">
+                    <a:lumMod val="75000"/>
+                  </a:schemeClr>
+                </a:solidFill>
+              </a:rPr>
+              <a:t>Inclure une recherche de musique par mot clé</a:t>
+            </a:r>
+          </a:p>
+          <a:p>
+            <a:pPr lvl="1">
+              <a:buFont typeface="Arial" pitchFamily="34" charset="0"/>
+              <a:buChar char="•"/>
+            </a:pPr>
+            <a:r>
+              <a:rPr lang="fr-FR" dirty="0" smtClean="0">
+                <a:solidFill>
+                  <a:schemeClr val="tx2">
+                    <a:lumMod val="75000"/>
+                  </a:schemeClr>
+                </a:solidFill>
+              </a:rPr>
+              <a:t>Ajouter le paramétrage des répertoires de stockage</a:t>
+            </a:r>
+          </a:p>
+          <a:p>
+            <a:pPr lvl="1">
+              <a:buFont typeface="Arial" pitchFamily="34" charset="0"/>
+              <a:buChar char="•"/>
+            </a:pPr>
+            <a:r>
+              <a:rPr lang="fr-FR" dirty="0" smtClean="0">
+                <a:solidFill>
+                  <a:schemeClr val="tx2">
+                    <a:lumMod val="75000"/>
+                  </a:schemeClr>
+                </a:solidFill>
+              </a:rPr>
+              <a:t>Afficher la pochette des albums</a:t>
+            </a:r>
+            <a:endParaRPr lang="fr-FR" dirty="0">
+              <a:solidFill>
+                <a:schemeClr val="tx2">
+                  <a:lumMod val="75000"/>
+                </a:schemeClr>
+              </a:solidFill>
+            </a:endParaRPr>
+          </a:p>
+        </p:txBody>
+      </p:sp>
+      <p:sp>
+        <p:nvSpPr>
+          <p:cNvPr id="8" name="Espace réservé du contenu 7"/>
+          <p:cNvSpPr>
+            <a:spLocks noGrp="1"/>
+          </p:cNvSpPr>
+          <p:nvPr>
+            <p:ph sz="quarter" idx="15"/>
+          </p:nvPr>
+        </p:nvSpPr>
+        <p:spPr/>
+        <p:txBody>
+          <a:bodyPr>
+            <a:normAutofit/>
+          </a:bodyPr>
+          <a:lstStyle/>
+          <a:p>
+            <a:pPr marL="457200" indent="-457200">
+              <a:buFont typeface="+mj-lt"/>
+              <a:buAutoNum type="arabicPeriod"/>
+            </a:pPr>
+            <a:r>
+              <a:rPr lang="fr-FR" sz="1400" dirty="0" smtClean="0">
+                <a:solidFill>
+                  <a:srgbClr val="A4CA39"/>
+                </a:solidFill>
+                <a:latin typeface="Cambria" pitchFamily="18" charset="0"/>
+              </a:rPr>
+              <a:t>Introduction</a:t>
+            </a:r>
+          </a:p>
+          <a:p>
+            <a:pPr marL="457200" indent="-457200">
+              <a:buFont typeface="+mj-lt"/>
+              <a:buAutoNum type="arabicPeriod"/>
+            </a:pPr>
+            <a:endParaRPr lang="fr-FR" sz="1400" dirty="0" smtClean="0">
+              <a:solidFill>
+                <a:srgbClr val="D8FBC1"/>
+              </a:solidFill>
+              <a:latin typeface="Cambria" pitchFamily="18" charset="0"/>
+            </a:endParaRPr>
+          </a:p>
+          <a:p>
+            <a:pPr marL="457200" indent="-457200">
+              <a:buFont typeface="+mj-lt"/>
+              <a:buAutoNum type="arabicPeriod"/>
+            </a:pPr>
+            <a:r>
+              <a:rPr lang="fr-FR" sz="1400" dirty="0" smtClean="0">
+                <a:solidFill>
+                  <a:srgbClr val="A4CA39"/>
+                </a:solidFill>
+                <a:latin typeface="Cambria" pitchFamily="18" charset="0"/>
+              </a:rPr>
+              <a:t>Déroulement du projet</a:t>
+            </a:r>
+          </a:p>
+          <a:p>
+            <a:pPr marL="457200" indent="-457200">
+              <a:buFont typeface="+mj-lt"/>
+              <a:buAutoNum type="arabicPeriod"/>
+            </a:pPr>
+            <a:endParaRPr lang="fr-FR" sz="1400" dirty="0" smtClean="0">
+              <a:solidFill>
+                <a:srgbClr val="A4CA39"/>
+              </a:solidFill>
+              <a:latin typeface="Cambria" pitchFamily="18" charset="0"/>
+            </a:endParaRPr>
+          </a:p>
+          <a:p>
+            <a:pPr marL="457200" indent="-457200">
+              <a:buFont typeface="+mj-lt"/>
+              <a:buAutoNum type="arabicPeriod"/>
+            </a:pPr>
+            <a:r>
+              <a:rPr lang="fr-FR" sz="1400" dirty="0" smtClean="0">
+                <a:solidFill>
+                  <a:srgbClr val="A4CA39"/>
+                </a:solidFill>
+                <a:latin typeface="Cambria" pitchFamily="18" charset="0"/>
+              </a:rPr>
+              <a:t>Outils et méthodologies </a:t>
+            </a:r>
+            <a:r>
+              <a:rPr lang="fr-FR" sz="1400" dirty="0" smtClean="0">
+                <a:solidFill>
+                  <a:srgbClr val="A4CA39"/>
+                </a:solidFill>
+                <a:latin typeface="Cambria" pitchFamily="18" charset="0"/>
+              </a:rPr>
+              <a:t>utilisés</a:t>
+            </a:r>
+          </a:p>
+          <a:p>
+            <a:pPr marL="457200" indent="-457200">
+              <a:buFont typeface="+mj-lt"/>
+              <a:buAutoNum type="arabicPeriod"/>
+            </a:pPr>
+            <a:endParaRPr lang="fr-FR" sz="1400" dirty="0" smtClean="0">
+              <a:solidFill>
+                <a:srgbClr val="D8FBC1"/>
+              </a:solidFill>
+              <a:latin typeface="Cambria" pitchFamily="18" charset="0"/>
+            </a:endParaRPr>
+          </a:p>
+          <a:p>
+            <a:pPr marL="457200" indent="-457200">
+              <a:buFont typeface="+mj-lt"/>
+              <a:buAutoNum type="arabicPeriod"/>
+            </a:pPr>
+            <a:r>
+              <a:rPr lang="fr-FR" sz="1400" dirty="0" smtClean="0">
+                <a:solidFill>
+                  <a:srgbClr val="A4CA39"/>
+                </a:solidFill>
+                <a:latin typeface="Cambria" pitchFamily="18" charset="0"/>
+              </a:rPr>
+              <a:t>Interface </a:t>
+            </a:r>
+            <a:r>
+              <a:rPr lang="fr-FR" sz="1400" dirty="0" smtClean="0">
+                <a:solidFill>
+                  <a:srgbClr val="A4CA39"/>
+                </a:solidFill>
+                <a:latin typeface="Cambria" pitchFamily="18" charset="0"/>
+              </a:rPr>
+              <a:t>graphique</a:t>
+            </a:r>
+            <a:endParaRPr lang="fr-FR" sz="1400" dirty="0" smtClean="0">
+              <a:solidFill>
+                <a:srgbClr val="A4CA39"/>
+              </a:solidFill>
+              <a:latin typeface="Cambria" pitchFamily="18" charset="0"/>
+            </a:endParaRPr>
+          </a:p>
+          <a:p>
+            <a:pPr marL="457200" indent="-457200">
+              <a:buFont typeface="+mj-lt"/>
+              <a:buAutoNum type="arabicPeriod"/>
+            </a:pPr>
+            <a:endParaRPr lang="fr-FR" sz="1400" dirty="0" smtClean="0">
+              <a:solidFill>
+                <a:srgbClr val="A4CA39"/>
+              </a:solidFill>
+              <a:latin typeface="Cambria" pitchFamily="18" charset="0"/>
+            </a:endParaRPr>
+          </a:p>
+          <a:p>
+            <a:pPr marL="457200" indent="-457200">
+              <a:buFont typeface="+mj-lt"/>
+              <a:buAutoNum type="arabicPeriod"/>
+            </a:pPr>
+            <a:r>
+              <a:rPr lang="fr-FR" sz="1400" dirty="0" smtClean="0">
+                <a:solidFill>
+                  <a:srgbClr val="A4CA39"/>
+                </a:solidFill>
+                <a:latin typeface="Cambria" pitchFamily="18" charset="0"/>
+              </a:rPr>
+              <a:t>Fonctionnalités</a:t>
+            </a:r>
+          </a:p>
+          <a:p>
+            <a:pPr marL="457200" indent="-457200">
+              <a:buFont typeface="+mj-lt"/>
+              <a:buAutoNum type="arabicPeriod"/>
+            </a:pPr>
+            <a:endParaRPr lang="fr-FR" sz="1400" dirty="0" smtClean="0">
+              <a:solidFill>
+                <a:srgbClr val="A4CA39"/>
+              </a:solidFill>
+              <a:latin typeface="Cambria" pitchFamily="18" charset="0"/>
+            </a:endParaRPr>
+          </a:p>
+          <a:p>
+            <a:pPr marL="457200" indent="-457200">
+              <a:buFont typeface="+mj-lt"/>
+              <a:buAutoNum type="arabicPeriod"/>
+            </a:pPr>
+            <a:r>
+              <a:rPr lang="fr-FR" sz="1400" dirty="0" smtClean="0">
+                <a:solidFill>
+                  <a:srgbClr val="A4CA39"/>
+                </a:solidFill>
+                <a:latin typeface="Cambria" pitchFamily="18" charset="0"/>
+              </a:rPr>
+              <a:t>Démonstration</a:t>
+            </a:r>
+          </a:p>
+          <a:p>
+            <a:pPr marL="457200" indent="-457200">
+              <a:buFont typeface="+mj-lt"/>
+              <a:buAutoNum type="arabicPeriod"/>
+            </a:pPr>
+            <a:endParaRPr lang="fr-FR" sz="1400" dirty="0" smtClean="0">
+              <a:solidFill>
+                <a:srgbClr val="A4CA39"/>
+              </a:solidFill>
+              <a:latin typeface="Cambria" pitchFamily="18" charset="0"/>
+            </a:endParaRPr>
+          </a:p>
+          <a:p>
+            <a:pPr marL="457200" indent="-457200">
+              <a:buFont typeface="+mj-lt"/>
+              <a:buAutoNum type="arabicPeriod"/>
+            </a:pPr>
+            <a:r>
+              <a:rPr lang="fr-FR" sz="1400" dirty="0" smtClean="0">
+                <a:solidFill>
+                  <a:srgbClr val="D8FBC1"/>
+                </a:solidFill>
+                <a:latin typeface="Cambria" pitchFamily="18" charset="0"/>
+              </a:rPr>
+              <a:t>Conclusion</a:t>
+            </a:r>
+          </a:p>
+          <a:p>
+            <a:endParaRPr lang="fr-FR" dirty="0"/>
+          </a:p>
+        </p:txBody>
+      </p:sp>
+    </p:spTree>
+  </p:cSld>
+  <p:clrMapOvr>
+    <a:masterClrMapping/>
+  </p:clrMapOvr>
+  <p:transition>
+    <p:fade/>
+  </p:transition>
+  <p:timing>
+    <p:tnLst>
+      <p:par>
+        <p:cTn id="1" dur="indefinite" restart="never" nodeType="tmRoot"/>
+      </p:par>
+    </p:tnLst>
+  </p:timing>
+</p:sld>
+</file>
+
+<file path=ppt/slides/slide21.xml><?xml version="1.0" encoding="utf-8"?>
+<p:sld xmlns:a="http://schemas.openxmlformats.org/drawingml/2006/main" xmlns:r="http://schemas.openxmlformats.org/officeDocument/2006/relationships" xmlns:p="http://schemas.openxmlformats.org/presentationml/2006/main">
+  <p:cSld>
+    <p:spTree>
+      <p:nvGrpSpPr>
+        <p:cNvPr id="1" name=""/>
+        <p:cNvGrpSpPr/>
+        <p:nvPr/>
+      </p:nvGrpSpPr>
+      <p:grpSpPr>
+        <a:xfrm>
+          <a:off x="0" y="0"/>
+          <a:ext cx="0" cy="0"/>
+          <a:chOff x="0" y="0"/>
+          <a:chExt cx="0" cy="0"/>
+        </a:xfrm>
+      </p:grpSpPr>
+      <p:sp>
+        <p:nvSpPr>
+          <p:cNvPr id="6" name="Titre 5"/>
+          <p:cNvSpPr>
+            <a:spLocks noGrp="1"/>
+          </p:cNvSpPr>
+          <p:nvPr>
+            <p:ph type="ctrTitle"/>
+          </p:nvPr>
+        </p:nvSpPr>
+        <p:spPr/>
+        <p:txBody>
+          <a:bodyPr/>
+          <a:lstStyle/>
+          <a:p>
+            <a:r>
+              <a:rPr lang="fr-FR" dirty="0" smtClean="0">
+                <a:solidFill>
+                  <a:srgbClr val="A4CA39"/>
+                </a:solidFill>
+              </a:rPr>
+              <a:t>Merci de votre attention…</a:t>
+            </a:r>
+            <a:endParaRPr lang="fr-FR" dirty="0">
+              <a:solidFill>
+                <a:srgbClr val="A4CA39"/>
+              </a:solidFill>
+            </a:endParaRPr>
+          </a:p>
+        </p:txBody>
+      </p:sp>
+      <p:sp>
+        <p:nvSpPr>
+          <p:cNvPr id="4" name="Espace réservé du pied de page 3"/>
+          <p:cNvSpPr>
+            <a:spLocks noGrp="1"/>
+          </p:cNvSpPr>
+          <p:nvPr>
+            <p:ph type="ftr" sz="quarter" idx="11"/>
+          </p:nvPr>
+        </p:nvSpPr>
+        <p:spPr/>
+        <p:txBody>
+          <a:bodyPr/>
+          <a:lstStyle/>
+          <a:p>
+            <a:r>
+              <a:rPr lang="fr-FR" smtClean="0"/>
+              <a:t>M1 MIAGE  - 2010/2011</a:t>
+            </a:r>
+          </a:p>
+          <a:p>
+            <a:r>
+              <a:rPr lang="fr-FR" smtClean="0"/>
+              <a:t>Université de Nice Sophia Antipolis</a:t>
+            </a:r>
+            <a:endParaRPr lang="fr-BE" dirty="0"/>
+          </a:p>
+        </p:txBody>
+      </p:sp>
+      <p:sp>
+        <p:nvSpPr>
+          <p:cNvPr id="5" name="Espace réservé du numéro de diapositive 4"/>
+          <p:cNvSpPr>
+            <a:spLocks noGrp="1"/>
+          </p:cNvSpPr>
+          <p:nvPr>
+            <p:ph type="sldNum" sz="quarter" idx="12"/>
+          </p:nvPr>
+        </p:nvSpPr>
+        <p:spPr/>
+        <p:txBody>
+          <a:bodyPr/>
+          <a:lstStyle/>
+          <a:p>
+            <a:fld id="{CF4668DC-857F-487D-BFFA-8C0CA5037977}" type="slidenum">
+              <a:rPr lang="fr-BE" smtClean="0"/>
+              <a:pPr/>
+              <a:t>21</a:t>
             </a:fld>
             <a:r>
               <a:rPr lang="fr-BE" smtClean="0"/>
@@ -6771,495 +10368,6 @@
 </p:sld>
 </file>
 
-<file path=ppt/slides/slide2.xml><?xml version="1.0" encoding="utf-8"?>
-<p:sld xmlns:a="http://schemas.openxmlformats.org/drawingml/2006/main" xmlns:r="http://schemas.openxmlformats.org/officeDocument/2006/relationships" xmlns:p="http://schemas.openxmlformats.org/presentationml/2006/main">
-  <p:cSld>
-    <p:spTree>
-      <p:nvGrpSpPr>
-        <p:cNvPr id="1" name=""/>
-        <p:cNvGrpSpPr/>
-        <p:nvPr/>
-      </p:nvGrpSpPr>
-      <p:grpSpPr>
-        <a:xfrm>
-          <a:off x="0" y="0"/>
-          <a:ext cx="0" cy="0"/>
-          <a:chOff x="0" y="0"/>
-          <a:chExt cx="0" cy="0"/>
-        </a:xfrm>
-      </p:grpSpPr>
-      <p:sp>
-        <p:nvSpPr>
-          <p:cNvPr id="2" name="Titre 1"/>
-          <p:cNvSpPr>
-            <a:spLocks noGrp="1"/>
-          </p:cNvSpPr>
-          <p:nvPr>
-            <p:ph type="ctrTitle"/>
-          </p:nvPr>
-        </p:nvSpPr>
-        <p:spPr/>
-        <p:txBody>
-          <a:bodyPr/>
-          <a:lstStyle/>
-          <a:p>
-            <a:r>
-              <a:rPr lang="fr-FR" dirty="0" smtClean="0">
-                <a:solidFill>
-                  <a:srgbClr val="A4CA39"/>
-                </a:solidFill>
-              </a:rPr>
-              <a:t>Plan</a:t>
-            </a:r>
-            <a:endParaRPr lang="fr-FR" dirty="0">
-              <a:solidFill>
-                <a:srgbClr val="A4CA39"/>
-              </a:solidFill>
-            </a:endParaRPr>
-          </a:p>
-        </p:txBody>
-      </p:sp>
-      <p:sp>
-        <p:nvSpPr>
-          <p:cNvPr id="3" name="Sous-titre 2"/>
-          <p:cNvSpPr>
-            <a:spLocks noGrp="1"/>
-          </p:cNvSpPr>
-          <p:nvPr>
-            <p:ph type="subTitle" idx="1"/>
-          </p:nvPr>
-        </p:nvSpPr>
-        <p:spPr>
-          <a:xfrm>
-            <a:off x="683568" y="1196752"/>
-            <a:ext cx="7776864" cy="4896544"/>
-          </a:xfrm>
-        </p:spPr>
-        <p:txBody>
-          <a:bodyPr>
-            <a:normAutofit fontScale="70000" lnSpcReduction="20000"/>
-          </a:bodyPr>
-          <a:lstStyle/>
-          <a:p>
-            <a:pPr marL="514350" indent="-514350" algn="l">
-              <a:buFont typeface="+mj-lt"/>
-              <a:buAutoNum type="arabicPeriod"/>
-            </a:pPr>
-            <a:r>
-              <a:rPr lang="fr-FR" sz="3000" dirty="0" smtClean="0">
-                <a:solidFill>
-                  <a:srgbClr val="A4CA39"/>
-                </a:solidFill>
-              </a:rPr>
-              <a:t>Introduction</a:t>
-            </a:r>
-          </a:p>
-          <a:p>
-            <a:pPr marL="971550" lvl="1" indent="-514350" algn="l">
-              <a:buFont typeface="Wingdings" pitchFamily="2" charset="2"/>
-              <a:buChar char="Ø"/>
-            </a:pPr>
-            <a:r>
-              <a:rPr lang="fr-FR" sz="2400" dirty="0" smtClean="0">
-                <a:solidFill>
-                  <a:srgbClr val="D8FBC1"/>
-                </a:solidFill>
-                <a:latin typeface="Cambria" pitchFamily="18" charset="0"/>
-              </a:rPr>
-              <a:t>Objectif du projet</a:t>
-            </a:r>
-          </a:p>
-          <a:p>
-            <a:pPr marL="971550" lvl="1" indent="-514350" algn="l">
-              <a:buFont typeface="Wingdings" pitchFamily="2" charset="2"/>
-              <a:buChar char="Ø"/>
-            </a:pPr>
-            <a:r>
-              <a:rPr lang="fr-FR" sz="2400" dirty="0" smtClean="0">
-                <a:solidFill>
-                  <a:srgbClr val="D8FBC1"/>
-                </a:solidFill>
-                <a:latin typeface="Cambria" pitchFamily="18" charset="0"/>
-              </a:rPr>
-              <a:t>Présentation d’</a:t>
-            </a:r>
-            <a:r>
-              <a:rPr lang="fr-FR" sz="2400" dirty="0" err="1" smtClean="0">
-                <a:solidFill>
-                  <a:srgbClr val="D8FBC1"/>
-                </a:solidFill>
-                <a:latin typeface="Cambria" pitchFamily="18" charset="0"/>
-              </a:rPr>
-              <a:t>Android</a:t>
-            </a:r>
-            <a:endParaRPr lang="fr-FR" sz="2400" dirty="0" smtClean="0">
-              <a:solidFill>
-                <a:srgbClr val="D8FBC1"/>
-              </a:solidFill>
-              <a:latin typeface="Cambria" pitchFamily="18" charset="0"/>
-            </a:endParaRPr>
-          </a:p>
-          <a:p>
-            <a:pPr marL="514350" indent="-514350" algn="l">
-              <a:buFont typeface="+mj-lt"/>
-              <a:buAutoNum type="arabicPeriod"/>
-            </a:pPr>
-            <a:r>
-              <a:rPr lang="fr-FR" sz="3000" dirty="0" smtClean="0">
-                <a:solidFill>
-                  <a:srgbClr val="A4CA39"/>
-                </a:solidFill>
-              </a:rPr>
-              <a:t>Déroulement du projet</a:t>
-            </a:r>
-          </a:p>
-          <a:p>
-            <a:pPr marL="971550" lvl="1" indent="-514350" algn="l">
-              <a:buFont typeface="Wingdings" pitchFamily="2" charset="2"/>
-              <a:buChar char="Ø"/>
-            </a:pPr>
-            <a:r>
-              <a:rPr lang="fr-FR" sz="2400" dirty="0" smtClean="0">
-                <a:solidFill>
-                  <a:srgbClr val="D8FBC1"/>
-                </a:solidFill>
-                <a:latin typeface="Cambria" pitchFamily="18" charset="0"/>
-              </a:rPr>
-              <a:t>Diagramme de Gantt </a:t>
-            </a:r>
-            <a:r>
-              <a:rPr lang="fr-FR" sz="2400" dirty="0" smtClean="0">
-                <a:solidFill>
-                  <a:srgbClr val="D8FBC1"/>
-                </a:solidFill>
-                <a:latin typeface="Cambria" pitchFamily="18" charset="0"/>
-              </a:rPr>
-              <a:t>prévisionnel</a:t>
-            </a:r>
-          </a:p>
-          <a:p>
-            <a:pPr marL="971550" lvl="1" indent="-514350" algn="l">
-              <a:buFont typeface="Wingdings" pitchFamily="2" charset="2"/>
-              <a:buChar char="Ø"/>
-            </a:pPr>
-            <a:r>
-              <a:rPr lang="fr-FR" sz="2400" dirty="0" smtClean="0">
-                <a:solidFill>
-                  <a:srgbClr val="D8FBC1"/>
-                </a:solidFill>
-                <a:latin typeface="Cambria" pitchFamily="18" charset="0"/>
-              </a:rPr>
-              <a:t>Tout au long du projet</a:t>
-            </a:r>
-            <a:endParaRPr lang="fr-FR" sz="2400" dirty="0" smtClean="0">
-              <a:solidFill>
-                <a:srgbClr val="D8FBC1"/>
-              </a:solidFill>
-              <a:latin typeface="Cambria" pitchFamily="18" charset="0"/>
-            </a:endParaRPr>
-          </a:p>
-          <a:p>
-            <a:pPr marL="971550" lvl="1" indent="-514350" algn="l">
-              <a:buFont typeface="Wingdings" pitchFamily="2" charset="2"/>
-              <a:buChar char="Ø"/>
-            </a:pPr>
-            <a:r>
-              <a:rPr lang="fr-FR" sz="2400" dirty="0" smtClean="0">
-                <a:solidFill>
-                  <a:srgbClr val="D8FBC1"/>
-                </a:solidFill>
-                <a:latin typeface="Cambria" pitchFamily="18" charset="0"/>
-              </a:rPr>
-              <a:t>Diagramme de Gantt effectif</a:t>
-            </a:r>
-          </a:p>
-          <a:p>
-            <a:pPr marL="514350" indent="-514350" algn="l">
-              <a:buFont typeface="+mj-lt"/>
-              <a:buAutoNum type="arabicPeriod"/>
-            </a:pPr>
-            <a:r>
-              <a:rPr lang="fr-FR" sz="3000" dirty="0" smtClean="0">
-                <a:solidFill>
-                  <a:srgbClr val="A4CA39"/>
-                </a:solidFill>
-              </a:rPr>
-              <a:t>Outils et méthodologies utilisés</a:t>
-            </a:r>
-          </a:p>
-          <a:p>
-            <a:pPr marL="514350" indent="-514350" algn="l">
-              <a:buFont typeface="+mj-lt"/>
-              <a:buAutoNum type="arabicPeriod"/>
-            </a:pPr>
-            <a:r>
-              <a:rPr lang="fr-FR" sz="3000" dirty="0" smtClean="0">
-                <a:solidFill>
-                  <a:srgbClr val="A4CA39"/>
-                </a:solidFill>
-              </a:rPr>
-              <a:t>Fonctionnalités</a:t>
-            </a:r>
-          </a:p>
-          <a:p>
-            <a:pPr marL="971550" lvl="1" indent="-514350" algn="l">
-              <a:buFont typeface="Wingdings" pitchFamily="2" charset="2"/>
-              <a:buChar char="Ø"/>
-            </a:pPr>
-            <a:r>
-              <a:rPr lang="fr-FR" sz="2400" dirty="0" smtClean="0">
-                <a:solidFill>
-                  <a:srgbClr val="D8FBC1"/>
-                </a:solidFill>
-                <a:latin typeface="Cambria" pitchFamily="18" charset="0"/>
-              </a:rPr>
-              <a:t>Le tri des fichiers audio</a:t>
-            </a:r>
-          </a:p>
-          <a:p>
-            <a:pPr marL="971550" lvl="1" indent="-514350" algn="l">
-              <a:buFont typeface="Wingdings" pitchFamily="2" charset="2"/>
-              <a:buChar char="Ø"/>
-            </a:pPr>
-            <a:r>
-              <a:rPr lang="fr-FR" sz="2400" dirty="0" smtClean="0">
-                <a:solidFill>
-                  <a:srgbClr val="D8FBC1"/>
-                </a:solidFill>
-                <a:latin typeface="Cambria" pitchFamily="18" charset="0"/>
-              </a:rPr>
-              <a:t>La « </a:t>
-            </a:r>
-            <a:r>
-              <a:rPr lang="fr-FR" sz="2400" dirty="0" err="1" smtClean="0">
-                <a:solidFill>
-                  <a:srgbClr val="D8FBC1"/>
-                </a:solidFill>
-                <a:latin typeface="Cambria" pitchFamily="18" charset="0"/>
-              </a:rPr>
-              <a:t>loop</a:t>
-            </a:r>
-            <a:r>
-              <a:rPr lang="fr-FR" sz="2400" dirty="0" smtClean="0">
-                <a:solidFill>
-                  <a:srgbClr val="D8FBC1"/>
-                </a:solidFill>
-                <a:latin typeface="Cambria" pitchFamily="18" charset="0"/>
-              </a:rPr>
-              <a:t>  »</a:t>
-            </a:r>
-          </a:p>
-          <a:p>
-            <a:pPr marL="971550" lvl="1" indent="-514350" algn="l">
-              <a:buFont typeface="Wingdings" pitchFamily="2" charset="2"/>
-              <a:buChar char="Ø"/>
-            </a:pPr>
-            <a:r>
-              <a:rPr lang="fr-FR" sz="2400" dirty="0" smtClean="0">
-                <a:solidFill>
-                  <a:srgbClr val="D8FBC1"/>
-                </a:solidFill>
-                <a:latin typeface="Cambria" pitchFamily="18" charset="0"/>
-              </a:rPr>
-              <a:t>L’ « </a:t>
-            </a:r>
-            <a:r>
-              <a:rPr lang="fr-FR" sz="2400" dirty="0" err="1" smtClean="0">
-                <a:solidFill>
-                  <a:srgbClr val="D8FBC1"/>
-                </a:solidFill>
-                <a:latin typeface="Cambria" pitchFamily="18" charset="0"/>
-              </a:rPr>
-              <a:t>equalizer</a:t>
-            </a:r>
-            <a:r>
-              <a:rPr lang="fr-FR" sz="2400" dirty="0" smtClean="0">
-                <a:solidFill>
-                  <a:srgbClr val="D8FBC1"/>
-                </a:solidFill>
-                <a:latin typeface="Cambria" pitchFamily="18" charset="0"/>
-              </a:rPr>
-              <a:t> »</a:t>
-            </a:r>
-          </a:p>
-          <a:p>
-            <a:pPr marL="971550" lvl="1" indent="-514350" algn="l">
-              <a:buFont typeface="Wingdings" pitchFamily="2" charset="2"/>
-              <a:buChar char="Ø"/>
-            </a:pPr>
-            <a:r>
-              <a:rPr lang="fr-FR" sz="2400" dirty="0" smtClean="0">
-                <a:solidFill>
-                  <a:srgbClr val="D8FBC1"/>
-                </a:solidFill>
-                <a:latin typeface="Cambria" pitchFamily="18" charset="0"/>
-              </a:rPr>
-              <a:t>Les « lyrics »</a:t>
-            </a:r>
-          </a:p>
-          <a:p>
-            <a:pPr marL="514350" indent="-514350" algn="l">
-              <a:buFont typeface="+mj-lt"/>
-              <a:buAutoNum type="arabicPeriod"/>
-            </a:pPr>
-            <a:r>
-              <a:rPr lang="fr-FR" dirty="0" smtClean="0">
-                <a:solidFill>
-                  <a:srgbClr val="A4CA39"/>
-                </a:solidFill>
-              </a:rPr>
-              <a:t>Démonstration</a:t>
-            </a:r>
-          </a:p>
-          <a:p>
-            <a:pPr marL="514350" indent="-514350" algn="l">
-              <a:buFont typeface="+mj-lt"/>
-              <a:buAutoNum type="arabicPeriod"/>
-            </a:pPr>
-            <a:r>
-              <a:rPr lang="fr-FR" sz="3000" dirty="0" smtClean="0">
-                <a:solidFill>
-                  <a:srgbClr val="A4CA39"/>
-                </a:solidFill>
-              </a:rPr>
-              <a:t>Conclusion</a:t>
-            </a:r>
-          </a:p>
-          <a:p>
-            <a:pPr marL="971550" lvl="1" indent="-514350" algn="l">
-              <a:buFont typeface="Wingdings" pitchFamily="2" charset="2"/>
-              <a:buChar char="Ø"/>
-            </a:pPr>
-            <a:r>
-              <a:rPr lang="fr-FR" sz="2400" dirty="0" smtClean="0">
-                <a:solidFill>
-                  <a:srgbClr val="D8FBC1"/>
-                </a:solidFill>
-                <a:latin typeface="Cambria" pitchFamily="18" charset="0"/>
-              </a:rPr>
-              <a:t>Les connaissances et compétences acquises</a:t>
-            </a:r>
-          </a:p>
-          <a:p>
-            <a:pPr marL="971550" lvl="1" indent="-514350" algn="l">
-              <a:buFont typeface="Wingdings" pitchFamily="2" charset="2"/>
-              <a:buChar char="Ø"/>
-            </a:pPr>
-            <a:r>
-              <a:rPr lang="fr-FR" sz="2400" dirty="0" smtClean="0">
-                <a:solidFill>
-                  <a:srgbClr val="D8FBC1"/>
-                </a:solidFill>
-                <a:latin typeface="Cambria" pitchFamily="18" charset="0"/>
-              </a:rPr>
-              <a:t>Les évolutions possibles</a:t>
-            </a:r>
-          </a:p>
-          <a:p>
-            <a:pPr marL="514350" indent="-514350" algn="l">
-              <a:buFont typeface="+mj-lt"/>
-              <a:buAutoNum type="arabicPeriod"/>
-            </a:pPr>
-            <a:endParaRPr lang="fr-FR" dirty="0" smtClean="0"/>
-          </a:p>
-          <a:p>
-            <a:pPr marL="514350" indent="-514350" algn="l">
-              <a:buFont typeface="+mj-lt"/>
-              <a:buAutoNum type="arabicPeriod"/>
-            </a:pPr>
-            <a:endParaRPr lang="fr-FR" dirty="0" smtClean="0"/>
-          </a:p>
-          <a:p>
-            <a:pPr marL="971550" lvl="1" indent="-514350" algn="l">
-              <a:buFont typeface="Wingdings" pitchFamily="2" charset="2"/>
-              <a:buChar char="Ø"/>
-            </a:pPr>
-            <a:endParaRPr lang="fr-FR" dirty="0" smtClean="0"/>
-          </a:p>
-          <a:p>
-            <a:pPr marL="971550" lvl="1" indent="-514350" algn="l">
-              <a:buFont typeface="Wingdings" pitchFamily="2" charset="2"/>
-              <a:buChar char="Ø"/>
-            </a:pPr>
-            <a:endParaRPr lang="fr-FR" dirty="0" smtClean="0"/>
-          </a:p>
-        </p:txBody>
-      </p:sp>
-      <p:sp>
-        <p:nvSpPr>
-          <p:cNvPr id="4" name="Espace réservé du pied de page 3"/>
-          <p:cNvSpPr>
-            <a:spLocks noGrp="1"/>
-          </p:cNvSpPr>
-          <p:nvPr>
-            <p:ph type="ftr" sz="quarter" idx="11"/>
-          </p:nvPr>
-        </p:nvSpPr>
-        <p:spPr/>
-        <p:txBody>
-          <a:bodyPr/>
-          <a:lstStyle/>
-          <a:p>
-            <a:r>
-              <a:rPr lang="fr-FR" smtClean="0"/>
-              <a:t>M1 MIAGE  - 2010/2011</a:t>
-            </a:r>
-          </a:p>
-          <a:p>
-            <a:r>
-              <a:rPr lang="fr-FR" smtClean="0"/>
-              <a:t>Université de Nice Sophia Antipolis</a:t>
-            </a:r>
-            <a:endParaRPr lang="fr-BE" dirty="0"/>
-          </a:p>
-        </p:txBody>
-      </p:sp>
-      <p:sp>
-        <p:nvSpPr>
-          <p:cNvPr id="5" name="Espace réservé du numéro de diapositive 4"/>
-          <p:cNvSpPr>
-            <a:spLocks noGrp="1"/>
-          </p:cNvSpPr>
-          <p:nvPr>
-            <p:ph type="sldNum" sz="quarter" idx="12"/>
-          </p:nvPr>
-        </p:nvSpPr>
-        <p:spPr/>
-        <p:txBody>
-          <a:bodyPr/>
-          <a:lstStyle/>
-          <a:p>
-            <a:fld id="{CF4668DC-857F-487D-BFFA-8C0CA5037977}" type="slidenum">
-              <a:rPr lang="fr-BE" smtClean="0"/>
-              <a:pPr/>
-              <a:t>2</a:t>
-            </a:fld>
-            <a:r>
-              <a:rPr lang="fr-BE" smtClean="0"/>
-              <a:t> sur ?</a:t>
-            </a:r>
-            <a:endParaRPr lang="fr-BE" dirty="0"/>
-          </a:p>
-        </p:txBody>
-      </p:sp>
-    </p:spTree>
-  </p:cSld>
-  <p:clrMapOvr>
-    <a:masterClrMapping/>
-  </p:clrMapOvr>
-  <p:transition>
-    <p:randomBar/>
-  </p:transition>
-  <p:timing>
-    <p:tnLst>
-      <p:par>
-        <p:cTn id="1" dur="indefinite" restart="never" nodeType="tmRoot"/>
-      </p:par>
-    </p:tnLst>
-  </p:timing>
-</p:sld>
-</file>
-
 <file path=ppt/slides/slide3.xml><?xml version="1.0" encoding="utf-8"?>
 <p:sld xmlns:a="http://schemas.openxmlformats.org/drawingml/2006/main" xmlns:r="http://schemas.openxmlformats.org/officeDocument/2006/relationships" xmlns:p="http://schemas.openxmlformats.org/presentationml/2006/main">
   <p:cSld>
@@ -7384,17 +10492,7 @@
                   </a:schemeClr>
                 </a:solidFill>
               </a:rPr>
-              <a:t>Objectifs du </a:t>
-            </a:r>
-            <a:r>
-              <a:rPr lang="fr-FR" dirty="0" smtClean="0">
-                <a:solidFill>
-                  <a:schemeClr val="tx2">
-                    <a:lumMod val="75000"/>
-                  </a:schemeClr>
-                </a:solidFill>
-              </a:rPr>
-              <a:t>projet</a:t>
+              <a:t>Objectifs du projet</a:t>
             </a:r>
           </a:p>
           <a:p>
@@ -7474,13 +10572,6 @@
               </a:rPr>
               <a:t>Boucler sur un morceau</a:t>
             </a:r>
-            <a:endParaRPr lang="fr-FR" dirty="0" smtClean="0">
-              <a:solidFill>
-                <a:schemeClr val="tx2">
-                  <a:lumMod val="75000"/>
-                </a:schemeClr>
-              </a:solidFill>
-            </a:endParaRPr>
           </a:p>
           <a:p>
             <a:pPr marL="1314450" lvl="2" indent="-514350"/>
@@ -7521,27 +10612,7 @@
                   </a:schemeClr>
                 </a:solidFill>
               </a:rPr>
-              <a:t>Application </a:t>
-            </a:r>
-            <a:r>
-              <a:rPr lang="fr-FR" dirty="0" smtClean="0">
-                <a:solidFill>
-                  <a:schemeClr val="tx2">
-                    <a:lumMod val="75000"/>
-                  </a:schemeClr>
-                </a:solidFill>
-              </a:rPr>
-              <a:t>e</a:t>
-            </a:r>
-            <a:r>
-              <a:rPr lang="fr-FR" dirty="0" smtClean="0">
-                <a:solidFill>
-                  <a:schemeClr val="tx2">
-                    <a:lumMod val="75000"/>
-                  </a:schemeClr>
-                </a:solidFill>
-              </a:rPr>
-              <a:t>rgonomique</a:t>
+              <a:t>Application ergonomique</a:t>
             </a:r>
           </a:p>
           <a:p>
@@ -7638,8 +10709,59 @@
                 </a:solidFill>
                 <a:latin typeface="Cambria" pitchFamily="18" charset="0"/>
               </a:rPr>
-              <a:t>Outils et méthodologies utilisés</a:t>
-            </a:r>
+              <a:t>Outils et méthodologies </a:t>
+            </a:r>
+            <a:r>
+              <a:rPr lang="fr-FR" sz="1400" dirty="0" smtClean="0">
+                <a:solidFill>
+                  <a:srgbClr val="A4CA39"/>
+                </a:solidFill>
+                <a:latin typeface="Cambria" pitchFamily="18" charset="0"/>
+              </a:rPr>
+              <a:t>utilisés</a:t>
+            </a:r>
+          </a:p>
+          <a:p>
+            <a:pPr marL="457200" indent="-457200">
+              <a:buFont typeface="+mj-lt"/>
+              <a:buAutoNum type="arabicPeriod"/>
+            </a:pPr>
+            <a:endParaRPr lang="fr-FR" sz="1400" dirty="0" smtClean="0">
+              <a:solidFill>
+                <a:srgbClr val="D8FBC1"/>
+              </a:solidFill>
+              <a:latin typeface="Cambria" pitchFamily="18" charset="0"/>
+            </a:endParaRPr>
+          </a:p>
+          <a:p>
+            <a:pPr marL="457200" indent="-457200">
+              <a:buFont typeface="+mj-lt"/>
+              <a:buAutoNum type="arabicPeriod"/>
+            </a:pPr>
+            <a:r>
+              <a:rPr lang="fr-FR" sz="1400" dirty="0" smtClean="0">
+                <a:solidFill>
+                  <a:srgbClr val="A4CA39"/>
+                </a:solidFill>
+                <a:latin typeface="Cambria" pitchFamily="18" charset="0"/>
+              </a:rPr>
+              <a:t>Interface </a:t>
+            </a:r>
+            <a:r>
+              <a:rPr lang="fr-FR" sz="1400" dirty="0" smtClean="0">
+                <a:solidFill>
+                  <a:srgbClr val="A4CA39"/>
+                </a:solidFill>
+                <a:latin typeface="Cambria" pitchFamily="18" charset="0"/>
+              </a:rPr>
+              <a:t>graphique</a:t>
+            </a:r>
+            <a:endParaRPr lang="fr-FR" sz="1400" dirty="0" smtClean="0">
+              <a:solidFill>
+                <a:srgbClr val="A4CA39"/>
+              </a:solidFill>
+              <a:latin typeface="Cambria" pitchFamily="18" charset="0"/>
+            </a:endParaRPr>
           </a:p>
           <a:p>
             <a:pPr marL="457200" indent="-457200">
@@ -7869,17 +10991,7 @@
                   </a:schemeClr>
                 </a:solidFill>
               </a:rPr>
-              <a:t>Présentation </a:t>
-            </a:r>
-            <a:r>
-              <a:rPr lang="fr-FR" dirty="0" smtClean="0">
-                <a:solidFill>
-                  <a:schemeClr val="tx2">
-                    <a:lumMod val="75000"/>
-                  </a:schemeClr>
-                </a:solidFill>
-              </a:rPr>
-              <a:t>d’</a:t>
+              <a:t>Présentation d’</a:t>
             </a:r>
             <a:r>
               <a:rPr lang="fr-FR" dirty="0" err="1" smtClean="0">
@@ -7928,17 +11040,7 @@
                   </a:schemeClr>
                 </a:solidFill>
               </a:rPr>
-              <a:t>Conceptric</a:t>
-            </a:r>
-            <a:r>
-              <a:rPr lang="fr-FR" dirty="0" smtClean="0">
-                <a:solidFill>
-                  <a:schemeClr val="tx2">
-                    <a:lumMod val="75000"/>
-                  </a:schemeClr>
-                </a:solidFill>
-              </a:rPr>
-              <a:t>e du système d’exploitation homonyme</a:t>
+              <a:t>Conceptrice du système d’exploitation homonyme</a:t>
             </a:r>
           </a:p>
           <a:p>
@@ -8103,8 +11205,59 @@
                 </a:solidFill>
                 <a:latin typeface="Cambria" pitchFamily="18" charset="0"/>
               </a:rPr>
-              <a:t>Outils et méthodologies utilisés</a:t>
-            </a:r>
+              <a:t>Outils et méthodologies </a:t>
+            </a:r>
+            <a:r>
+              <a:rPr lang="fr-FR" sz="1400" dirty="0" smtClean="0">
+                <a:solidFill>
+                  <a:srgbClr val="A4CA39"/>
+                </a:solidFill>
+                <a:latin typeface="Cambria" pitchFamily="18" charset="0"/>
+              </a:rPr>
+              <a:t>utilisés</a:t>
+            </a:r>
+          </a:p>
+          <a:p>
+            <a:pPr marL="457200" indent="-457200">
+              <a:buFont typeface="+mj-lt"/>
+              <a:buAutoNum type="arabicPeriod"/>
+            </a:pPr>
+            <a:endParaRPr lang="fr-FR" sz="1400" dirty="0" smtClean="0">
+              <a:solidFill>
+                <a:srgbClr val="D8FBC1"/>
+              </a:solidFill>
+              <a:latin typeface="Cambria" pitchFamily="18" charset="0"/>
+            </a:endParaRPr>
+          </a:p>
+          <a:p>
+            <a:pPr marL="457200" indent="-457200">
+              <a:buFont typeface="+mj-lt"/>
+              <a:buAutoNum type="arabicPeriod"/>
+            </a:pPr>
+            <a:r>
+              <a:rPr lang="fr-FR" sz="1400" dirty="0" smtClean="0">
+                <a:solidFill>
+                  <a:srgbClr val="A4CA39"/>
+                </a:solidFill>
+                <a:latin typeface="Cambria" pitchFamily="18" charset="0"/>
+              </a:rPr>
+              <a:t>Interface </a:t>
+            </a:r>
+            <a:r>
+              <a:rPr lang="fr-FR" sz="1400" dirty="0" smtClean="0">
+                <a:solidFill>
+                  <a:srgbClr val="A4CA39"/>
+                </a:solidFill>
+                <a:latin typeface="Cambria" pitchFamily="18" charset="0"/>
+              </a:rPr>
+              <a:t>graphique</a:t>
+            </a:r>
+            <a:endParaRPr lang="fr-FR" sz="1400" dirty="0" smtClean="0">
+              <a:solidFill>
+                <a:srgbClr val="A4CA39"/>
+              </a:solidFill>
+              <a:latin typeface="Cambria" pitchFamily="18" charset="0"/>
+            </a:endParaRPr>
           </a:p>
           <a:p>
             <a:pPr marL="457200" indent="-457200">
@@ -8452,8 +11605,59 @@
                 </a:solidFill>
                 <a:latin typeface="Cambria" pitchFamily="18" charset="0"/>
               </a:rPr>
-              <a:t>Outils et méthodologies utilisés</a:t>
-            </a:r>
+              <a:t>Outils et méthodologies </a:t>
+            </a:r>
+            <a:r>
+              <a:rPr lang="fr-FR" sz="1400" dirty="0" smtClean="0">
+                <a:solidFill>
+                  <a:srgbClr val="A4CA39"/>
+                </a:solidFill>
+                <a:latin typeface="Cambria" pitchFamily="18" charset="0"/>
+              </a:rPr>
+              <a:t>utilisés</a:t>
+            </a:r>
+          </a:p>
+          <a:p>
+            <a:pPr marL="457200" indent="-457200">
+              <a:buFont typeface="+mj-lt"/>
+              <a:buAutoNum type="arabicPeriod"/>
+            </a:pPr>
+            <a:endParaRPr lang="fr-FR" sz="1400" dirty="0" smtClean="0">
+              <a:solidFill>
+                <a:srgbClr val="D8FBC1"/>
+              </a:solidFill>
+              <a:latin typeface="Cambria" pitchFamily="18" charset="0"/>
+            </a:endParaRPr>
+          </a:p>
+          <a:p>
+            <a:pPr marL="457200" indent="-457200">
+              <a:buFont typeface="+mj-lt"/>
+              <a:buAutoNum type="arabicPeriod"/>
+            </a:pPr>
+            <a:r>
+              <a:rPr lang="fr-FR" sz="1400" dirty="0" smtClean="0">
+                <a:solidFill>
+                  <a:srgbClr val="A4CA39"/>
+                </a:solidFill>
+                <a:latin typeface="Cambria" pitchFamily="18" charset="0"/>
+              </a:rPr>
+              <a:t>Interface </a:t>
+            </a:r>
+            <a:r>
+              <a:rPr lang="fr-FR" sz="1400" dirty="0" smtClean="0">
+                <a:solidFill>
+                  <a:srgbClr val="A4CA39"/>
+                </a:solidFill>
+                <a:latin typeface="Cambria" pitchFamily="18" charset="0"/>
+              </a:rPr>
+              <a:t>graphique</a:t>
+            </a:r>
+            <a:endParaRPr lang="fr-FR" sz="1400" dirty="0" smtClean="0">
+              <a:solidFill>
+                <a:srgbClr val="A4CA39"/>
+              </a:solidFill>
+              <a:latin typeface="Cambria" pitchFamily="18" charset="0"/>
+            </a:endParaRPr>
           </a:p>
           <a:p>
             <a:pPr marL="457200" indent="-457200">
@@ -8891,8 +12095,59 @@
                 </a:solidFill>
                 <a:latin typeface="Cambria" pitchFamily="18" charset="0"/>
               </a:rPr>
-              <a:t>Outils et méthodologies utilisés</a:t>
-            </a:r>
+              <a:t>Outils et méthodologies </a:t>
+            </a:r>
+            <a:r>
+              <a:rPr lang="fr-FR" sz="1400" dirty="0" smtClean="0">
+                <a:solidFill>
+                  <a:srgbClr val="A4CA39"/>
+                </a:solidFill>
+                <a:latin typeface="Cambria" pitchFamily="18" charset="0"/>
+              </a:rPr>
+              <a:t>utilisés</a:t>
+            </a:r>
+          </a:p>
+          <a:p>
+            <a:pPr marL="457200" indent="-457200">
+              <a:buFont typeface="+mj-lt"/>
+              <a:buAutoNum type="arabicPeriod"/>
+            </a:pPr>
+            <a:endParaRPr lang="fr-FR" sz="1400" dirty="0" smtClean="0">
+              <a:solidFill>
+                <a:srgbClr val="D8FBC1"/>
+              </a:solidFill>
+              <a:latin typeface="Cambria" pitchFamily="18" charset="0"/>
+            </a:endParaRPr>
+          </a:p>
+          <a:p>
+            <a:pPr marL="457200" indent="-457200">
+              <a:buFont typeface="+mj-lt"/>
+              <a:buAutoNum type="arabicPeriod"/>
+            </a:pPr>
+            <a:r>
+              <a:rPr lang="fr-FR" sz="1400" dirty="0" smtClean="0">
+                <a:solidFill>
+                  <a:srgbClr val="A4CA39"/>
+                </a:solidFill>
+                <a:latin typeface="Cambria" pitchFamily="18" charset="0"/>
+              </a:rPr>
+              <a:t>Interface </a:t>
+            </a:r>
+            <a:r>
+              <a:rPr lang="fr-FR" sz="1400" dirty="0" smtClean="0">
+                <a:solidFill>
+                  <a:srgbClr val="A4CA39"/>
+                </a:solidFill>
+                <a:latin typeface="Cambria" pitchFamily="18" charset="0"/>
+              </a:rPr>
+              <a:t>graphique</a:t>
+            </a:r>
+            <a:endParaRPr lang="fr-FR" sz="1400" dirty="0" smtClean="0">
+              <a:solidFill>
+                <a:srgbClr val="A4CA39"/>
+              </a:solidFill>
+              <a:latin typeface="Cambria" pitchFamily="18" charset="0"/>
+            </a:endParaRPr>
           </a:p>
           <a:p>
             <a:pPr marL="457200" indent="-457200">
@@ -9216,8 +12471,59 @@
                 </a:solidFill>
                 <a:latin typeface="Cambria" pitchFamily="18" charset="0"/>
               </a:rPr>
-              <a:t>Outils et méthodologies utilisés</a:t>
-            </a:r>
+              <a:t>Outils et méthodologies </a:t>
+            </a:r>
+            <a:r>
+              <a:rPr lang="fr-FR" sz="1400" dirty="0" smtClean="0">
+                <a:solidFill>
+                  <a:srgbClr val="A4CA39"/>
+                </a:solidFill>
+                <a:latin typeface="Cambria" pitchFamily="18" charset="0"/>
+              </a:rPr>
+              <a:t>utilisés</a:t>
+            </a:r>
+          </a:p>
+          <a:p>
+            <a:pPr marL="457200" indent="-457200">
+              <a:buFont typeface="+mj-lt"/>
+              <a:buAutoNum type="arabicPeriod"/>
+            </a:pPr>
+            <a:endParaRPr lang="fr-FR" sz="1400" dirty="0" smtClean="0">
+              <a:solidFill>
+                <a:srgbClr val="D8FBC1"/>
+              </a:solidFill>
+              <a:latin typeface="Cambria" pitchFamily="18" charset="0"/>
+            </a:endParaRPr>
+          </a:p>
+          <a:p>
+            <a:pPr marL="457200" indent="-457200">
+              <a:buFont typeface="+mj-lt"/>
+              <a:buAutoNum type="arabicPeriod"/>
+            </a:pPr>
+            <a:r>
+              <a:rPr lang="fr-FR" sz="1400" dirty="0" smtClean="0">
+                <a:solidFill>
+                  <a:srgbClr val="A4CA39"/>
+                </a:solidFill>
+                <a:latin typeface="Cambria" pitchFamily="18" charset="0"/>
+              </a:rPr>
+              <a:t>Interface </a:t>
+            </a:r>
+            <a:r>
+              <a:rPr lang="fr-FR" sz="1400" dirty="0" smtClean="0">
+                <a:solidFill>
+                  <a:srgbClr val="A4CA39"/>
+                </a:solidFill>
+                <a:latin typeface="Cambria" pitchFamily="18" charset="0"/>
+              </a:rPr>
+              <a:t>graphique</a:t>
+            </a:r>
+            <a:endParaRPr lang="fr-FR" sz="1400" dirty="0" smtClean="0">
+              <a:solidFill>
+                <a:srgbClr val="A4CA39"/>
+              </a:solidFill>
+              <a:latin typeface="Cambria" pitchFamily="18" charset="0"/>
+            </a:endParaRPr>
           </a:p>
           <a:p>
             <a:pPr marL="457200" indent="-457200">
@@ -9539,17 +12845,7 @@
                   </a:schemeClr>
                 </a:solidFill>
               </a:rPr>
-              <a:t> Tools (ADT) pour </a:t>
-            </a:r>
-            <a:r>
-              <a:rPr lang="fr-FR" dirty="0" smtClean="0">
-                <a:solidFill>
-                  <a:schemeClr val="tx2">
-                    <a:lumMod val="75000"/>
-                  </a:schemeClr>
-                </a:solidFill>
-              </a:rPr>
-              <a:t>Eclipse</a:t>
+              <a:t> Tools (ADT) pour Eclipse</a:t>
             </a:r>
           </a:p>
           <a:p>
@@ -9565,27 +12861,7 @@
                   </a:schemeClr>
                 </a:solidFill>
               </a:rPr>
-              <a:t>Gestionnaire de version </a:t>
-            </a:r>
-            <a:r>
-              <a:rPr lang="fr-FR" dirty="0" smtClean="0">
-                <a:solidFill>
-                  <a:schemeClr val="tx2">
-                    <a:lumMod val="75000"/>
-                  </a:schemeClr>
-                </a:solidFill>
-              </a:rPr>
-              <a:t>: </a:t>
-            </a:r>
-            <a:r>
-              <a:rPr lang="fr-FR" dirty="0" smtClean="0">
-                <a:solidFill>
-                  <a:schemeClr val="tx2">
-                    <a:lumMod val="75000"/>
-                  </a:schemeClr>
-                </a:solidFill>
-              </a:rPr>
-              <a:t>Subversion</a:t>
+              <a:t>Gestionnaire de version : Subversion</a:t>
             </a:r>
           </a:p>
           <a:p>
@@ -9647,13 +12923,6 @@
               </a:rPr>
               <a:t>Méthode AGILE</a:t>
             </a:r>
-            <a:endParaRPr lang="fr-FR" dirty="0" smtClean="0">
-              <a:solidFill>
-                <a:schemeClr val="tx2">
-                  <a:lumMod val="75000"/>
-                </a:schemeClr>
-              </a:solidFill>
-            </a:endParaRPr>
           </a:p>
           <a:p>
             <a:endParaRPr lang="fr-FR" dirty="0" smtClean="0">
@@ -9748,8 +13017,65 @@
                 </a:solidFill>
                 <a:latin typeface="Cambria" pitchFamily="18" charset="0"/>
               </a:rPr>
-              <a:t>Outils et méthodologies utilisés</a:t>
-            </a:r>
+              <a:t>Outils et méthodologies </a:t>
+            </a:r>
+            <a:r>
+              <a:rPr lang="fr-FR" sz="1400" dirty="0" smtClean="0">
+                <a:solidFill>
+                  <a:srgbClr val="D8FBC1"/>
+                </a:solidFill>
+                <a:latin typeface="Cambria" pitchFamily="18" charset="0"/>
+              </a:rPr>
+              <a:t>utilisés</a:t>
+            </a:r>
+            <a:endParaRPr lang="fr-FR" sz="1400" dirty="0" smtClean="0">
+              <a:solidFill>
+                <a:srgbClr val="A4CA39"/>
+              </a:solidFill>
+              <a:latin typeface="Cambria" pitchFamily="18" charset="0"/>
+            </a:endParaRPr>
+          </a:p>
+          <a:p>
+            <a:pPr marL="457200" indent="-457200">
+              <a:buFont typeface="+mj-lt"/>
+              <a:buAutoNum type="arabicPeriod"/>
+            </a:pPr>
+            <a:endParaRPr lang="fr-FR" sz="1400" dirty="0" smtClean="0">
+              <a:solidFill>
+                <a:srgbClr val="D8FBC1"/>
+              </a:solidFill>
+              <a:latin typeface="Cambria" pitchFamily="18" charset="0"/>
+            </a:endParaRPr>
+          </a:p>
+          <a:p>
+            <a:pPr marL="457200" indent="-457200">
+              <a:buFont typeface="+mj-lt"/>
+              <a:buAutoNum type="arabicPeriod"/>
+            </a:pPr>
+            <a:r>
+              <a:rPr lang="fr-FR" sz="1400" dirty="0" smtClean="0">
+                <a:solidFill>
+                  <a:srgbClr val="A4CA39"/>
+                </a:solidFill>
+                <a:latin typeface="Cambria" pitchFamily="18" charset="0"/>
+              </a:rPr>
+              <a:t>Interface </a:t>
+            </a:r>
+            <a:r>
+              <a:rPr lang="fr-FR" sz="1400" dirty="0" smtClean="0">
+                <a:solidFill>
+                  <a:srgbClr val="A4CA39"/>
+                </a:solidFill>
+                <a:latin typeface="Cambria" pitchFamily="18" charset="0"/>
+              </a:rPr>
+              <a:t>graphique</a:t>
+            </a:r>
+            <a:endParaRPr lang="fr-FR" sz="1400" dirty="0" smtClean="0">
+              <a:solidFill>
+                <a:srgbClr val="D8FBC1"/>
+              </a:solidFill>
+              <a:latin typeface="Cambria" pitchFamily="18" charset="0"/>
+            </a:endParaRPr>
           </a:p>
           <a:p>
             <a:pPr marL="457200" indent="-457200">
@@ -9874,7 +13200,7 @@
       </p:grpSpPr>
       <p:sp>
         <p:nvSpPr>
-          <p:cNvPr id="6" name="Titre 5"/>
+          <p:cNvPr id="2" name="Titre 1"/>
           <p:cNvSpPr>
             <a:spLocks noGrp="1"/>
           </p:cNvSpPr>
@@ -9889,7 +13215,11 @@
           <a:p>
             <a:r>
               <a:rPr lang="fr-FR" dirty="0" smtClean="0"/>
-              <a:t>Fonctionnalités</a:t>
+              <a:t>I</a:t>
+            </a:r>
+            <a:r>
+              <a:rPr lang="fr-FR" dirty="0" smtClean="0"/>
+              <a:t>nterface graphique</a:t>
             </a:r>
             <a:endParaRPr lang="fr-FR" dirty="0"/>
           </a:p>
@@ -9897,7 +13227,7 @@
       </p:sp>
       <p:sp>
         <p:nvSpPr>
-          <p:cNvPr id="4" name="Espace réservé du pied de page 3"/>
+          <p:cNvPr id="3" name="Espace réservé du pied de page 2"/>
           <p:cNvSpPr>
             <a:spLocks noGrp="1"/>
           </p:cNvSpPr>
@@ -9926,7 +13256,7 @@
       </p:sp>
       <p:sp>
         <p:nvSpPr>
-          <p:cNvPr id="5" name="Espace réservé du numéro de diapositive 4"/>
+          <p:cNvPr id="4" name="Espace réservé du numéro de diapositive 3"/>
           <p:cNvSpPr>
             <a:spLocks noGrp="1"/>
           </p:cNvSpPr>
@@ -9954,7 +13284,7 @@
       </p:sp>
       <p:sp>
         <p:nvSpPr>
-          <p:cNvPr id="7" name="Espace réservé du contenu 6"/>
+          <p:cNvPr id="5" name="Espace réservé du contenu 4"/>
           <p:cNvSpPr>
             <a:spLocks noGrp="1"/>
           </p:cNvSpPr>
@@ -9979,17 +13309,7 @@
                   </a:schemeClr>
                 </a:solidFill>
               </a:rPr>
-              <a:t>Le tri des fichiers </a:t>
-            </a:r>
-            <a:r>
-              <a:rPr lang="fr-FR" dirty="0" smtClean="0">
-                <a:solidFill>
-                  <a:schemeClr val="tx2">
-                    <a:lumMod val="75000"/>
-                  </a:schemeClr>
-                </a:solidFill>
-              </a:rPr>
-              <a:t>audio</a:t>
+              <a:t> Les besoins</a:t>
             </a:r>
           </a:p>
           <a:p>
@@ -10005,59 +13325,7 @@
                   </a:schemeClr>
                 </a:solidFill>
               </a:rPr>
-              <a:t>Plusieurs options :</a:t>
-            </a:r>
-          </a:p>
-          <a:p>
-            <a:pPr lvl="2"/>
-            <a:r>
-              <a:rPr lang="fr-FR" dirty="0" smtClean="0">
-                <a:solidFill>
-                  <a:schemeClr val="tx2">
-                    <a:lumMod val="75000"/>
-                  </a:schemeClr>
-                </a:solidFill>
-              </a:rPr>
-              <a:t>Toutes les chansons</a:t>
-            </a:r>
-          </a:p>
-          <a:p>
-            <a:pPr lvl="2"/>
-            <a:r>
-              <a:rPr lang="fr-FR" dirty="0" smtClean="0">
-                <a:solidFill>
-                  <a:schemeClr val="tx2">
-                    <a:lumMod val="75000"/>
-                  </a:schemeClr>
-                </a:solidFill>
-              </a:rPr>
-              <a:t>Par auteur</a:t>
-            </a:r>
-          </a:p>
-          <a:p>
-            <a:pPr lvl="2"/>
-            <a:r>
-              <a:rPr lang="fr-FR" dirty="0" smtClean="0">
-                <a:solidFill>
-                  <a:schemeClr val="tx2">
-                    <a:lumMod val="75000"/>
-                  </a:schemeClr>
-                </a:solidFill>
-              </a:rPr>
-              <a:t>Par album</a:t>
-            </a:r>
-          </a:p>
-          <a:p>
-            <a:pPr lvl="2"/>
-            <a:r>
-              <a:rPr lang="fr-FR" dirty="0" smtClean="0">
-                <a:solidFill>
-                  <a:schemeClr val="tx2">
-                    <a:lumMod val="75000"/>
-                  </a:schemeClr>
-                </a:solidFill>
-              </a:rPr>
-              <a:t>Par genre</a:t>
+              <a:t>Ergonomique</a:t>
             </a:r>
           </a:p>
           <a:p>
@@ -10073,7 +13341,7 @@
                   </a:schemeClr>
                 </a:solidFill>
               </a:rPr>
-              <a:t>Utilisation des métadonnées</a:t>
+              <a:t>Intuitive</a:t>
             </a:r>
           </a:p>
           <a:p>
@@ -10089,18 +13357,27 @@
                   </a:schemeClr>
                 </a:solidFill>
               </a:rPr>
-              <a:t>Gestion des données inconnues avec le mot clé « </a:t>
-            </a:r>
-            <a:r>
-              <a:rPr lang="fr-FR" dirty="0" err="1" smtClean="0">
+              <a:t>Fluide</a:t>
+            </a:r>
+          </a:p>
+          <a:p>
+            <a:pPr lvl="1">
+              <a:buFont typeface="Arial" pitchFamily="34" charset="0"/>
+              <a:buChar char="•"/>
+            </a:pPr>
+            <a:r>
+              <a:rPr lang="fr-FR" dirty="0" smtClean="0">
                 <a:solidFill>
                   <a:schemeClr val="tx2">
                     <a:lumMod val="75000"/>
                   </a:schemeClr>
                 </a:solidFill>
               </a:rPr>
-              <a:t>Unknown</a:t>
-            </a:r>
+              <a:t>Déclencheur pour les fonctionnalités :</a:t>
+            </a:r>
+          </a:p>
+          <a:p>
+            <a:pPr lvl="2"/>
             <a:r>
               <a:rPr lang="fr-FR" dirty="0" smtClean="0">
                 <a:solidFill>
@@ -10109,7 +13386,30 @@
                   </a:schemeClr>
                 </a:solidFill>
               </a:rPr>
-              <a:t> »</a:t>
+              <a:t>de bases d’un lecteur audio ;</a:t>
+            </a:r>
+          </a:p>
+          <a:p>
+            <a:pPr lvl="2"/>
+            <a:r>
+              <a:rPr lang="fr-FR" dirty="0" smtClean="0">
+                <a:solidFill>
+                  <a:schemeClr val="tx2">
+                    <a:lumMod val="75000"/>
+                  </a:schemeClr>
+                </a:solidFill>
+              </a:rPr>
+              <a:t>p</a:t>
+            </a:r>
+            <a:r>
+              <a:rPr lang="fr-FR" dirty="0" smtClean="0">
+                <a:solidFill>
+                  <a:schemeClr val="tx2">
+                    <a:lumMod val="75000"/>
+                  </a:schemeClr>
+                </a:solidFill>
+              </a:rPr>
+              <a:t>rofessionnelles pour les musiciens.</a:t>
             </a:r>
             <a:endParaRPr lang="fr-FR" dirty="0">
               <a:solidFill>
@@ -10123,7 +13423,7 @@
       </p:sp>
       <p:sp>
         <p:nvSpPr>
-          <p:cNvPr id="8" name="Espace réservé du contenu 7"/>
+          <p:cNvPr id="6" name="Espace réservé du contenu 5"/>
           <p:cNvSpPr>
             <a:spLocks noGrp="1"/>
           </p:cNvSpPr>
@@ -10203,7 +13503,16 @@
                 </a:solidFill>
                 <a:latin typeface="Cambria" pitchFamily="18" charset="0"/>
               </a:rPr>
-              <a:t>Outils et méthodologies utilisés</a:t>
+              <a:t>Outils et méthodologies </a:t>
+            </a:r>
+            <a:r>
+              <a:rPr lang="fr-FR" sz="1400" dirty="0" smtClean="0">
+                <a:solidFill>
+                  <a:srgbClr val="A4CA39"/>
+                </a:solidFill>
+                <a:latin typeface="Cambria" pitchFamily="18" charset="0"/>
+              </a:rPr>
+              <a:t>utilisés</a:t>
             </a:r>
           </a:p>
           <a:p>
@@ -10213,6 +13522,39 @@
             </a:pPr>
             <a:endParaRPr lang="fr-FR" sz="1400" dirty="0" smtClean="0">
               <a:solidFill>
+                <a:srgbClr val="D8FBC1"/>
+              </a:solidFill>
+              <a:latin typeface="Cambria" pitchFamily="18" charset="0"/>
+            </a:endParaRPr>
+          </a:p>
+          <a:p>
+            <a:pPr marL="457200" indent="-457200">
+              <a:buFont typeface="+mj-lt"/>
+              <a:buAutoNum type="arabicPeriod"/>
+            </a:pPr>
+            <a:r>
+              <a:rPr lang="fr-FR" sz="1400" dirty="0" smtClean="0">
+                <a:solidFill>
+                  <a:srgbClr val="D8FBC1"/>
+                </a:solidFill>
+                <a:latin typeface="Cambria" pitchFamily="18" charset="0"/>
+              </a:rPr>
+              <a:t>Interface graphique</a:t>
+            </a:r>
+            <a:endParaRPr lang="fr-FR" sz="1400" dirty="0" smtClean="0">
+              <a:solidFill>
+                <a:srgbClr val="D8FBC1"/>
+              </a:solidFill>
+              <a:latin typeface="Cambria" pitchFamily="18" charset="0"/>
+            </a:endParaRPr>
+          </a:p>
+          <a:p>
+            <a:pPr marL="457200" indent="-457200">
+              <a:buFont typeface="+mj-lt"/>
+              <a:buAutoNum type="arabicPeriod"/>
+            </a:pPr>
+            <a:endParaRPr lang="fr-FR" sz="1400" dirty="0" smtClean="0">
+              <a:solidFill>
                 <a:srgbClr val="A4CA39"/>
               </a:solidFill>
               <a:latin typeface="Cambria" pitchFamily="18" charset="0"/>
@@ -10226,12 +13568,18 @@
             <a:r>
               <a:rPr lang="fr-FR" sz="1400" dirty="0" smtClean="0">
                 <a:solidFill>
-                  <a:srgbClr val="D8FBC1"/>
+                  <a:srgbClr val="A4CA39"/>
                 </a:solidFill>
                 <a:latin typeface="Cambria" pitchFamily="18" charset="0"/>
               </a:rPr>
               <a:t>Fonctionnalités</a:t>
             </a:r>
+          </a:p>
+          <a:p>
+            <a:pPr marL="457200" indent="-457200">
+              <a:buFont typeface="+mj-lt"/>
+              <a:buAutoNum type="arabicPeriod"/>
+            </a:pPr>
             <a:endParaRPr lang="fr-FR" sz="1400" dirty="0" smtClean="0">
               <a:solidFill>
                 <a:srgbClr val="A4CA39"/>
@@ -10244,6 +13592,21 @@
               <a:buFont typeface="+mj-lt"/>
               <a:buAutoNum type="arabicPeriod"/>
             </a:pPr>
+            <a:r>
+              <a:rPr lang="fr-FR" sz="1400" dirty="0" smtClean="0">
+                <a:solidFill>
+                  <a:srgbClr val="A4CA39"/>
+                </a:solidFill>
+                <a:latin typeface="Cambria" pitchFamily="18" charset="0"/>
+              </a:rPr>
+              <a:t>Démonstration</a:t>
+            </a:r>
+          </a:p>
+          <a:p>
+            <a:pPr marL="457200" indent="-457200">
+              <a:buFont typeface="+mj-lt"/>
+              <a:buAutoNum type="arabicPeriod"/>
+            </a:pPr>
             <a:endParaRPr lang="fr-FR" sz="1400" dirty="0" smtClean="0">
               <a:solidFill>
                 <a:srgbClr val="A4CA39"/>
@@ -10263,44 +13626,11 @@
                 </a:solidFill>
                 <a:latin typeface="Cambria" pitchFamily="18" charset="0"/>
               </a:rPr>
-              <a:t>Démonstration</a:t>
-            </a:r>
-            <a:endParaRPr lang="fr-FR" sz="1400" dirty="0" smtClean="0">
-              <a:solidFill>
-                <a:srgbClr val="D8FBC1"/>
-              </a:solidFill>
-              <a:latin typeface="Cambria" pitchFamily="18" charset="0"/>
-            </a:endParaRPr>
-          </a:p>
-          <a:p>
-            <a:pPr marL="457200" indent="-457200">
-              <a:buFont typeface="+mj-lt"/>
-              <a:buAutoNum type="arabicPeriod"/>
-            </a:pPr>
-            <a:endParaRPr lang="fr-FR" sz="1400" dirty="0" smtClean="0">
-              <a:solidFill>
-                <a:srgbClr val="A4CA39"/>
-              </a:solidFill>
-              <a:latin typeface="Cambria" pitchFamily="18" charset="0"/>
-            </a:endParaRPr>
-          </a:p>
-          <a:p>
-            <a:pPr marL="457200" indent="-457200">
-              <a:buFont typeface="+mj-lt"/>
-              <a:buAutoNum type="arabicPeriod"/>
-            </a:pPr>
-            <a:r>
-              <a:rPr lang="fr-FR" sz="1400" dirty="0" smtClean="0">
-                <a:solidFill>
-                  <a:srgbClr val="A4CA39"/>
-                </a:solidFill>
-                <a:latin typeface="Cambria" pitchFamily="18" charset="0"/>
-              </a:rPr>
               <a:t>Conclusion</a:t>
             </a:r>
           </a:p>
           <a:p>
-            <a:endParaRPr lang="fr-FR" dirty="0"/>
+            <a:endParaRPr lang="fr-FR" sz="1400" dirty="0"/>
           </a:p>
         </p:txBody>
       </p:sp>

--- a/trunk/AAP/docs/Presentation.pptx
+++ b/trunk/AAP/docs/Presentation.pptx
@@ -382,6 +382,11 @@
         </p:txBody>
       </p:sp>
     </p:spTree>
+    <p:extLst>
+      <p:ext uri="{BB962C8B-B14F-4D97-AF65-F5344CB8AC3E}">
+        <p14:creationId xmlns:p14="http://schemas.microsoft.com/office/powerpoint/2010/main" val="2884352748"/>
+      </p:ext>
+    </p:extLst>
   </p:cSld>
   <p:clrMap bg1="lt1" tx1="dk1" bg2="lt2" tx2="dk2" accent1="accent1" accent2="accent2" accent3="accent3" accent4="accent4" accent5="accent5" accent6="accent6" hlink="hlink" folHlink="folHlink"/>
   <p:notesStyle>
@@ -4311,11 +4316,7 @@
           <a:p>
             <a:r>
               <a:rPr lang="fr-FR" dirty="0" smtClean="0"/>
-              <a:t>I</a:t>
-            </a:r>
-            <a:r>
-              <a:rPr lang="fr-FR" dirty="0" smtClean="0"/>
-              <a:t>nterface graphique</a:t>
+              <a:t>Interface graphique</a:t>
             </a:r>
             <a:endParaRPr lang="fr-FR" dirty="0"/>
           </a:p>
@@ -4570,50 +4571,35 @@
                 </a:solidFill>
                 <a:latin typeface="Cambria" pitchFamily="18" charset="0"/>
               </a:rPr>
-              <a:t>Outils et méthodologies </a:t>
-            </a:r>
+              <a:t>Outils et méthodologies utilisés</a:t>
+            </a:r>
+          </a:p>
+          <a:p>
+            <a:pPr marL="457200" indent="-457200">
+              <a:buFont typeface="+mj-lt"/>
+              <a:buAutoNum type="arabicPeriod"/>
+            </a:pPr>
+            <a:endParaRPr lang="fr-FR" sz="1400" dirty="0" smtClean="0">
+              <a:solidFill>
+                <a:srgbClr val="D8FBC1"/>
+              </a:solidFill>
+              <a:latin typeface="Cambria" pitchFamily="18" charset="0"/>
+            </a:endParaRPr>
+          </a:p>
+          <a:p>
+            <a:pPr marL="457200" indent="-457200">
+              <a:buFont typeface="+mj-lt"/>
+              <a:buAutoNum type="arabicPeriod"/>
+            </a:pPr>
             <a:r>
               <a:rPr lang="fr-FR" sz="1400" dirty="0" smtClean="0">
                 <a:solidFill>
-                  <a:srgbClr val="A4CA39"/>
-                </a:solidFill>
-                <a:latin typeface="Cambria" pitchFamily="18" charset="0"/>
-              </a:rPr>
-              <a:t>utilisés</a:t>
-            </a:r>
-          </a:p>
-          <a:p>
-            <a:pPr marL="457200" indent="-457200">
-              <a:buFont typeface="+mj-lt"/>
-              <a:buAutoNum type="arabicPeriod"/>
-            </a:pPr>
-            <a:endParaRPr lang="fr-FR" sz="1400" dirty="0" smtClean="0">
-              <a:solidFill>
-                <a:srgbClr val="D8FBC1"/>
-              </a:solidFill>
-              <a:latin typeface="Cambria" pitchFamily="18" charset="0"/>
-            </a:endParaRPr>
-          </a:p>
-          <a:p>
-            <a:pPr marL="457200" indent="-457200">
-              <a:buFont typeface="+mj-lt"/>
-              <a:buAutoNum type="arabicPeriod"/>
-            </a:pPr>
-            <a:r>
-              <a:rPr lang="fr-FR" sz="1400" dirty="0" smtClean="0">
-                <a:solidFill>
                   <a:srgbClr val="D8FBC1"/>
                 </a:solidFill>
                 <a:latin typeface="Cambria" pitchFamily="18" charset="0"/>
               </a:rPr>
               <a:t>Interface graphique</a:t>
             </a:r>
-            <a:endParaRPr lang="fr-FR" sz="1400" dirty="0" smtClean="0">
-              <a:solidFill>
-                <a:srgbClr val="D8FBC1"/>
-              </a:solidFill>
-              <a:latin typeface="Cambria" pitchFamily="18" charset="0"/>
-            </a:endParaRPr>
           </a:p>
           <a:p>
             <a:pPr marL="457200" indent="-457200">
@@ -4777,11 +4763,7 @@
           <a:p>
             <a:r>
               <a:rPr lang="fr-FR" dirty="0" smtClean="0"/>
-              <a:t>I</a:t>
-            </a:r>
-            <a:r>
-              <a:rPr lang="fr-FR" dirty="0" smtClean="0"/>
-              <a:t>nterface graphique</a:t>
+              <a:t>Interface graphique</a:t>
             </a:r>
             <a:endParaRPr lang="fr-FR" dirty="0"/>
           </a:p>
@@ -5155,50 +5137,35 @@
                 </a:solidFill>
                 <a:latin typeface="Cambria" pitchFamily="18" charset="0"/>
               </a:rPr>
-              <a:t>Outils et méthodologies </a:t>
-            </a:r>
+              <a:t>Outils et méthodologies utilisés</a:t>
+            </a:r>
+          </a:p>
+          <a:p>
+            <a:pPr marL="457200" indent="-457200">
+              <a:buFont typeface="+mj-lt"/>
+              <a:buAutoNum type="arabicPeriod"/>
+            </a:pPr>
+            <a:endParaRPr lang="fr-FR" sz="1400" dirty="0" smtClean="0">
+              <a:solidFill>
+                <a:srgbClr val="D8FBC1"/>
+              </a:solidFill>
+              <a:latin typeface="Cambria" pitchFamily="18" charset="0"/>
+            </a:endParaRPr>
+          </a:p>
+          <a:p>
+            <a:pPr marL="457200" indent="-457200">
+              <a:buFont typeface="+mj-lt"/>
+              <a:buAutoNum type="arabicPeriod"/>
+            </a:pPr>
             <a:r>
               <a:rPr lang="fr-FR" sz="1400" dirty="0" smtClean="0">
                 <a:solidFill>
-                  <a:srgbClr val="A4CA39"/>
-                </a:solidFill>
-                <a:latin typeface="Cambria" pitchFamily="18" charset="0"/>
-              </a:rPr>
-              <a:t>utilisés</a:t>
-            </a:r>
-          </a:p>
-          <a:p>
-            <a:pPr marL="457200" indent="-457200">
-              <a:buFont typeface="+mj-lt"/>
-              <a:buAutoNum type="arabicPeriod"/>
-            </a:pPr>
-            <a:endParaRPr lang="fr-FR" sz="1400" dirty="0" smtClean="0">
-              <a:solidFill>
-                <a:srgbClr val="D8FBC1"/>
-              </a:solidFill>
-              <a:latin typeface="Cambria" pitchFamily="18" charset="0"/>
-            </a:endParaRPr>
-          </a:p>
-          <a:p>
-            <a:pPr marL="457200" indent="-457200">
-              <a:buFont typeface="+mj-lt"/>
-              <a:buAutoNum type="arabicPeriod"/>
-            </a:pPr>
-            <a:r>
-              <a:rPr lang="fr-FR" sz="1400" dirty="0" smtClean="0">
-                <a:solidFill>
                   <a:srgbClr val="D8FBC1"/>
                 </a:solidFill>
                 <a:latin typeface="Cambria" pitchFamily="18" charset="0"/>
               </a:rPr>
               <a:t>Interface graphique</a:t>
             </a:r>
-            <a:endParaRPr lang="fr-FR" sz="1400" dirty="0" smtClean="0">
-              <a:solidFill>
-                <a:srgbClr val="D8FBC1"/>
-              </a:solidFill>
-              <a:latin typeface="Cambria" pitchFamily="18" charset="0"/>
-            </a:endParaRPr>
           </a:p>
           <a:p>
             <a:pPr marL="457200" indent="-457200">
@@ -5338,11 +5305,7 @@
           <a:p>
             <a:r>
               <a:rPr lang="fr-FR" dirty="0" smtClean="0"/>
-              <a:t>I</a:t>
-            </a:r>
-            <a:r>
-              <a:rPr lang="fr-FR" dirty="0" smtClean="0"/>
-              <a:t>nterface graphique</a:t>
+              <a:t>Interface graphique</a:t>
             </a:r>
             <a:endParaRPr lang="fr-FR" dirty="0"/>
           </a:p>
@@ -5519,50 +5482,35 @@
                 </a:solidFill>
                 <a:latin typeface="Cambria" pitchFamily="18" charset="0"/>
               </a:rPr>
-              <a:t>Outils et méthodologies </a:t>
-            </a:r>
+              <a:t>Outils et méthodologies utilisés</a:t>
+            </a:r>
+          </a:p>
+          <a:p>
+            <a:pPr marL="457200" indent="-457200">
+              <a:buFont typeface="+mj-lt"/>
+              <a:buAutoNum type="arabicPeriod"/>
+            </a:pPr>
+            <a:endParaRPr lang="fr-FR" sz="1400" dirty="0" smtClean="0">
+              <a:solidFill>
+                <a:srgbClr val="D8FBC1"/>
+              </a:solidFill>
+              <a:latin typeface="Cambria" pitchFamily="18" charset="0"/>
+            </a:endParaRPr>
+          </a:p>
+          <a:p>
+            <a:pPr marL="457200" indent="-457200">
+              <a:buFont typeface="+mj-lt"/>
+              <a:buAutoNum type="arabicPeriod"/>
+            </a:pPr>
             <a:r>
               <a:rPr lang="fr-FR" sz="1400" dirty="0" smtClean="0">
                 <a:solidFill>
-                  <a:srgbClr val="A4CA39"/>
-                </a:solidFill>
-                <a:latin typeface="Cambria" pitchFamily="18" charset="0"/>
-              </a:rPr>
-              <a:t>utilisés</a:t>
-            </a:r>
-          </a:p>
-          <a:p>
-            <a:pPr marL="457200" indent="-457200">
-              <a:buFont typeface="+mj-lt"/>
-              <a:buAutoNum type="arabicPeriod"/>
-            </a:pPr>
-            <a:endParaRPr lang="fr-FR" sz="1400" dirty="0" smtClean="0">
-              <a:solidFill>
-                <a:srgbClr val="D8FBC1"/>
-              </a:solidFill>
-              <a:latin typeface="Cambria" pitchFamily="18" charset="0"/>
-            </a:endParaRPr>
-          </a:p>
-          <a:p>
-            <a:pPr marL="457200" indent="-457200">
-              <a:buFont typeface="+mj-lt"/>
-              <a:buAutoNum type="arabicPeriod"/>
-            </a:pPr>
-            <a:r>
-              <a:rPr lang="fr-FR" sz="1400" dirty="0" smtClean="0">
-                <a:solidFill>
                   <a:srgbClr val="D8FBC1"/>
                 </a:solidFill>
                 <a:latin typeface="Cambria" pitchFamily="18" charset="0"/>
               </a:rPr>
               <a:t>Interface graphique</a:t>
             </a:r>
-            <a:endParaRPr lang="fr-FR" sz="1400" dirty="0" smtClean="0">
-              <a:solidFill>
-                <a:srgbClr val="D8FBC1"/>
-              </a:solidFill>
-              <a:latin typeface="Cambria" pitchFamily="18" charset="0"/>
-            </a:endParaRPr>
           </a:p>
           <a:p>
             <a:pPr marL="457200" indent="-457200">
@@ -6140,8 +6088,26 @@
                 </a:solidFill>
                 <a:latin typeface="Cambria" pitchFamily="18" charset="0"/>
               </a:rPr>
-              <a:t>Outils et méthodologies </a:t>
-            </a:r>
+              <a:t>Outils et méthodologies utilisés</a:t>
+            </a:r>
+          </a:p>
+          <a:p>
+            <a:pPr marL="457200" indent="-457200">
+              <a:buFont typeface="+mj-lt"/>
+              <a:buAutoNum type="arabicPeriod"/>
+            </a:pPr>
+            <a:endParaRPr lang="fr-FR" sz="1400" dirty="0" smtClean="0">
+              <a:solidFill>
+                <a:srgbClr val="D8FBC1"/>
+              </a:solidFill>
+              <a:latin typeface="Cambria" pitchFamily="18" charset="0"/>
+            </a:endParaRPr>
+          </a:p>
+          <a:p>
+            <a:pPr marL="457200" indent="-457200">
+              <a:buFont typeface="+mj-lt"/>
+              <a:buAutoNum type="arabicPeriod"/>
+            </a:pPr>
             <a:r>
               <a:rPr lang="fr-FR" sz="1400" dirty="0" smtClean="0">
                 <a:solidFill>
@@ -6149,50 +6115,8 @@
                 </a:solidFill>
                 <a:latin typeface="Cambria" pitchFamily="18" charset="0"/>
               </a:rPr>
-              <a:t>utilisés</a:t>
-            </a:r>
-          </a:p>
-          <a:p>
-            <a:pPr marL="457200" indent="-457200">
-              <a:buFont typeface="+mj-lt"/>
-              <a:buAutoNum type="arabicPeriod"/>
-            </a:pPr>
-            <a:endParaRPr lang="fr-FR" sz="1400" dirty="0" smtClean="0">
-              <a:solidFill>
-                <a:srgbClr val="D8FBC1"/>
-              </a:solidFill>
-              <a:latin typeface="Cambria" pitchFamily="18" charset="0"/>
-            </a:endParaRPr>
-          </a:p>
-          <a:p>
-            <a:pPr marL="457200" indent="-457200">
-              <a:buFont typeface="+mj-lt"/>
-              <a:buAutoNum type="arabicPeriod"/>
-            </a:pPr>
-            <a:r>
-              <a:rPr lang="fr-FR" sz="1400" dirty="0" smtClean="0">
-                <a:solidFill>
-                  <a:srgbClr val="A4CA39"/>
-                </a:solidFill>
-                <a:latin typeface="Cambria" pitchFamily="18" charset="0"/>
-              </a:rPr>
-              <a:t>Interface </a:t>
-            </a:r>
-            <a:r>
-              <a:rPr lang="fr-FR" sz="1400" dirty="0" smtClean="0">
-                <a:solidFill>
-                  <a:srgbClr val="A4CA39"/>
-                </a:solidFill>
-                <a:latin typeface="Cambria" pitchFamily="18" charset="0"/>
-              </a:rPr>
-              <a:t>graphique</a:t>
-            </a:r>
-            <a:endParaRPr lang="fr-FR" sz="1400" dirty="0" smtClean="0">
-              <a:solidFill>
-                <a:srgbClr val="A4CA39"/>
-              </a:solidFill>
-              <a:latin typeface="Cambria" pitchFamily="18" charset="0"/>
-            </a:endParaRPr>
+              <a:t>Interface graphique</a:t>
+            </a:r>
           </a:p>
           <a:p>
             <a:pPr marL="457200" indent="-457200">
@@ -6454,17 +6378,7 @@
                   </a:schemeClr>
                 </a:solidFill>
               </a:rPr>
-              <a:t> </a:t>
-            </a:r>
-            <a:r>
-              <a:rPr lang="fr-FR" dirty="0" smtClean="0">
-                <a:solidFill>
-                  <a:schemeClr val="tx2">
-                    <a:lumMod val="75000"/>
-                  </a:schemeClr>
-                </a:solidFill>
-              </a:rPr>
-              <a:t>»</a:t>
+              <a:t> »</a:t>
             </a:r>
           </a:p>
           <a:p>
@@ -6728,8 +6642,26 @@
                 </a:solidFill>
                 <a:latin typeface="Cambria" pitchFamily="18" charset="0"/>
               </a:rPr>
-              <a:t>Outils et méthodologies </a:t>
-            </a:r>
+              <a:t>Outils et méthodologies utilisés</a:t>
+            </a:r>
+          </a:p>
+          <a:p>
+            <a:pPr marL="457200" indent="-457200">
+              <a:buFont typeface="+mj-lt"/>
+              <a:buAutoNum type="arabicPeriod"/>
+            </a:pPr>
+            <a:endParaRPr lang="fr-FR" sz="1400" dirty="0" smtClean="0">
+              <a:solidFill>
+                <a:srgbClr val="D8FBC1"/>
+              </a:solidFill>
+              <a:latin typeface="Cambria" pitchFamily="18" charset="0"/>
+            </a:endParaRPr>
+          </a:p>
+          <a:p>
+            <a:pPr marL="457200" indent="-457200">
+              <a:buFont typeface="+mj-lt"/>
+              <a:buAutoNum type="arabicPeriod"/>
+            </a:pPr>
             <a:r>
               <a:rPr lang="fr-FR" sz="1400" dirty="0" smtClean="0">
                 <a:solidFill>
@@ -6737,50 +6669,8 @@
                 </a:solidFill>
                 <a:latin typeface="Cambria" pitchFamily="18" charset="0"/>
               </a:rPr>
-              <a:t>utilisés</a:t>
-            </a:r>
-          </a:p>
-          <a:p>
-            <a:pPr marL="457200" indent="-457200">
-              <a:buFont typeface="+mj-lt"/>
-              <a:buAutoNum type="arabicPeriod"/>
-            </a:pPr>
-            <a:endParaRPr lang="fr-FR" sz="1400" dirty="0" smtClean="0">
-              <a:solidFill>
-                <a:srgbClr val="D8FBC1"/>
-              </a:solidFill>
-              <a:latin typeface="Cambria" pitchFamily="18" charset="0"/>
-            </a:endParaRPr>
-          </a:p>
-          <a:p>
-            <a:pPr marL="457200" indent="-457200">
-              <a:buFont typeface="+mj-lt"/>
-              <a:buAutoNum type="arabicPeriod"/>
-            </a:pPr>
-            <a:r>
-              <a:rPr lang="fr-FR" sz="1400" dirty="0" smtClean="0">
-                <a:solidFill>
-                  <a:srgbClr val="A4CA39"/>
-                </a:solidFill>
-                <a:latin typeface="Cambria" pitchFamily="18" charset="0"/>
-              </a:rPr>
-              <a:t>Interface </a:t>
-            </a:r>
-            <a:r>
-              <a:rPr lang="fr-FR" sz="1400" dirty="0" smtClean="0">
-                <a:solidFill>
-                  <a:srgbClr val="A4CA39"/>
-                </a:solidFill>
-                <a:latin typeface="Cambria" pitchFamily="18" charset="0"/>
-              </a:rPr>
-              <a:t>graphique</a:t>
-            </a:r>
-            <a:endParaRPr lang="fr-FR" sz="1400" dirty="0" smtClean="0">
-              <a:solidFill>
-                <a:srgbClr val="A4CA39"/>
-              </a:solidFill>
-              <a:latin typeface="Cambria" pitchFamily="18" charset="0"/>
-            </a:endParaRPr>
+              <a:t>Interface graphique</a:t>
+            </a:r>
           </a:p>
           <a:p>
             <a:pPr marL="457200" indent="-457200">
@@ -7042,17 +6932,7 @@
                   </a:schemeClr>
                 </a:solidFill>
               </a:rPr>
-              <a:t> </a:t>
-            </a:r>
-            <a:r>
-              <a:rPr lang="fr-FR" dirty="0" smtClean="0">
-                <a:solidFill>
-                  <a:schemeClr val="tx2">
-                    <a:lumMod val="75000"/>
-                  </a:schemeClr>
-                </a:solidFill>
-              </a:rPr>
-              <a:t>» (suite)</a:t>
+              <a:t> » (suite)</a:t>
             </a:r>
             <a:endParaRPr lang="fr-FR" dirty="0">
               <a:solidFill>
@@ -7146,8 +7026,26 @@
                 </a:solidFill>
                 <a:latin typeface="Cambria" pitchFamily="18" charset="0"/>
               </a:rPr>
-              <a:t>Outils et méthodologies </a:t>
-            </a:r>
+              <a:t>Outils et méthodologies utilisés</a:t>
+            </a:r>
+          </a:p>
+          <a:p>
+            <a:pPr marL="457200" indent="-457200">
+              <a:buFont typeface="+mj-lt"/>
+              <a:buAutoNum type="arabicPeriod"/>
+            </a:pPr>
+            <a:endParaRPr lang="fr-FR" sz="1400" dirty="0" smtClean="0">
+              <a:solidFill>
+                <a:srgbClr val="D8FBC1"/>
+              </a:solidFill>
+              <a:latin typeface="Cambria" pitchFamily="18" charset="0"/>
+            </a:endParaRPr>
+          </a:p>
+          <a:p>
+            <a:pPr marL="457200" indent="-457200">
+              <a:buFont typeface="+mj-lt"/>
+              <a:buAutoNum type="arabicPeriod"/>
+            </a:pPr>
             <a:r>
               <a:rPr lang="fr-FR" sz="1400" dirty="0" smtClean="0">
                 <a:solidFill>
@@ -7155,50 +7053,8 @@
                 </a:solidFill>
                 <a:latin typeface="Cambria" pitchFamily="18" charset="0"/>
               </a:rPr>
-              <a:t>utilisés</a:t>
-            </a:r>
-          </a:p>
-          <a:p>
-            <a:pPr marL="457200" indent="-457200">
-              <a:buFont typeface="+mj-lt"/>
-              <a:buAutoNum type="arabicPeriod"/>
-            </a:pPr>
-            <a:endParaRPr lang="fr-FR" sz="1400" dirty="0" smtClean="0">
-              <a:solidFill>
-                <a:srgbClr val="D8FBC1"/>
-              </a:solidFill>
-              <a:latin typeface="Cambria" pitchFamily="18" charset="0"/>
-            </a:endParaRPr>
-          </a:p>
-          <a:p>
-            <a:pPr marL="457200" indent="-457200">
-              <a:buFont typeface="+mj-lt"/>
-              <a:buAutoNum type="arabicPeriod"/>
-            </a:pPr>
-            <a:r>
-              <a:rPr lang="fr-FR" sz="1400" dirty="0" smtClean="0">
-                <a:solidFill>
-                  <a:srgbClr val="A4CA39"/>
-                </a:solidFill>
-                <a:latin typeface="Cambria" pitchFamily="18" charset="0"/>
-              </a:rPr>
-              <a:t>Interface </a:t>
-            </a:r>
-            <a:r>
-              <a:rPr lang="fr-FR" sz="1400" dirty="0" smtClean="0">
-                <a:solidFill>
-                  <a:srgbClr val="A4CA39"/>
-                </a:solidFill>
-                <a:latin typeface="Cambria" pitchFamily="18" charset="0"/>
-              </a:rPr>
-              <a:t>graphique</a:t>
-            </a:r>
-            <a:endParaRPr lang="fr-FR" sz="1400" dirty="0" smtClean="0">
-              <a:solidFill>
-                <a:srgbClr val="A4CA39"/>
-              </a:solidFill>
-              <a:latin typeface="Cambria" pitchFamily="18" charset="0"/>
-            </a:endParaRPr>
+              <a:t>Interface graphique</a:t>
+            </a:r>
           </a:p>
           <a:p>
             <a:pPr marL="457200" indent="-457200">
@@ -7573,8 +7429,72 @@
                   </a:schemeClr>
                 </a:solidFill>
               </a:rPr>
-              <a:t> »</a:t>
-            </a:r>
+              <a:t> </a:t>
+            </a:r>
+            <a:r>
+              <a:rPr lang="fr-FR" dirty="0" smtClean="0">
+                <a:solidFill>
+                  <a:schemeClr val="tx2">
+                    <a:lumMod val="75000"/>
+                  </a:schemeClr>
+                </a:solidFill>
+              </a:rPr>
+              <a:t>»</a:t>
+            </a:r>
+          </a:p>
+          <a:p>
+            <a:pPr lvl="1">
+              <a:buFont typeface="Arial" pitchFamily="34" charset="0"/>
+              <a:buChar char="•"/>
+            </a:pPr>
+            <a:r>
+              <a:rPr lang="fr-FR" sz="2400" dirty="0" smtClean="0">
+                <a:solidFill>
+                  <a:schemeClr val="tx2">
+                    <a:lumMod val="75000"/>
+                  </a:schemeClr>
+                </a:solidFill>
+              </a:rPr>
+              <a:t>Changement de la fréquence d’un son</a:t>
+            </a:r>
+          </a:p>
+          <a:p>
+            <a:pPr lvl="1">
+              <a:buFont typeface="Arial" pitchFamily="34" charset="0"/>
+              <a:buChar char="•"/>
+            </a:pPr>
+            <a:r>
+              <a:rPr lang="fr-FR" sz="2400" dirty="0" smtClean="0">
+                <a:solidFill>
+                  <a:schemeClr val="tx2">
+                    <a:lumMod val="75000"/>
+                  </a:schemeClr>
+                </a:solidFill>
+              </a:rPr>
+              <a:t>Utilisation de la classe </a:t>
+            </a:r>
+            <a:r>
+              <a:rPr lang="fr-FR" sz="2400" dirty="0" err="1" smtClean="0">
+                <a:solidFill>
+                  <a:schemeClr val="tx2">
+                    <a:lumMod val="75000"/>
+                  </a:schemeClr>
+                </a:solidFill>
+              </a:rPr>
+              <a:t>Equalizer</a:t>
+            </a:r>
+            <a:endParaRPr lang="fr-FR" sz="2400" dirty="0">
+              <a:solidFill>
+                <a:schemeClr val="tx2">
+                  <a:lumMod val="75000"/>
+                </a:schemeClr>
+              </a:solidFill>
+            </a:endParaRPr>
+          </a:p>
+          <a:p>
+            <a:pPr marL="457200" lvl="1" indent="0">
+              <a:buNone/>
+            </a:pPr>
             <a:endParaRPr lang="fr-FR" dirty="0">
               <a:solidFill>
                 <a:schemeClr val="tx2">
@@ -7667,8 +7587,26 @@
                 </a:solidFill>
                 <a:latin typeface="Cambria" pitchFamily="18" charset="0"/>
               </a:rPr>
-              <a:t>Outils et méthodologies </a:t>
-            </a:r>
+              <a:t>Outils et méthodologies utilisés</a:t>
+            </a:r>
+          </a:p>
+          <a:p>
+            <a:pPr marL="457200" indent="-457200">
+              <a:buFont typeface="+mj-lt"/>
+              <a:buAutoNum type="arabicPeriod"/>
+            </a:pPr>
+            <a:endParaRPr lang="fr-FR" sz="1400" dirty="0" smtClean="0">
+              <a:solidFill>
+                <a:srgbClr val="D8FBC1"/>
+              </a:solidFill>
+              <a:latin typeface="Cambria" pitchFamily="18" charset="0"/>
+            </a:endParaRPr>
+          </a:p>
+          <a:p>
+            <a:pPr marL="457200" indent="-457200">
+              <a:buFont typeface="+mj-lt"/>
+              <a:buAutoNum type="arabicPeriod"/>
+            </a:pPr>
             <a:r>
               <a:rPr lang="fr-FR" sz="1400" dirty="0" smtClean="0">
                 <a:solidFill>
@@ -7676,7 +7614,7 @@
                 </a:solidFill>
                 <a:latin typeface="Cambria" pitchFamily="18" charset="0"/>
               </a:rPr>
-              <a:t>utilisés</a:t>
+              <a:t>Interface graphique</a:t>
             </a:r>
           </a:p>
           <a:p>
@@ -7686,6 +7624,60 @@
             </a:pPr>
             <a:endParaRPr lang="fr-FR" sz="1400" dirty="0" smtClean="0">
               <a:solidFill>
+                <a:srgbClr val="A4CA39"/>
+              </a:solidFill>
+              <a:latin typeface="Cambria" pitchFamily="18" charset="0"/>
+            </a:endParaRPr>
+          </a:p>
+          <a:p>
+            <a:pPr marL="457200" indent="-457200">
+              <a:buFont typeface="+mj-lt"/>
+              <a:buAutoNum type="arabicPeriod"/>
+            </a:pPr>
+            <a:r>
+              <a:rPr lang="fr-FR" sz="1400" dirty="0" smtClean="0">
+                <a:solidFill>
+                  <a:srgbClr val="D8FBC1"/>
+                </a:solidFill>
+                <a:latin typeface="Cambria" pitchFamily="18" charset="0"/>
+              </a:rPr>
+              <a:t>Fonctionnalités</a:t>
+            </a:r>
+            <a:endParaRPr lang="fr-FR" sz="1400" dirty="0" smtClean="0">
+              <a:solidFill>
+                <a:srgbClr val="A4CA39"/>
+              </a:solidFill>
+              <a:latin typeface="Cambria" pitchFamily="18" charset="0"/>
+            </a:endParaRPr>
+          </a:p>
+          <a:p>
+            <a:pPr marL="457200" indent="-457200">
+              <a:buFont typeface="+mj-lt"/>
+              <a:buAutoNum type="arabicPeriod"/>
+            </a:pPr>
+            <a:endParaRPr lang="fr-FR" sz="1400" dirty="0" smtClean="0">
+              <a:solidFill>
+                <a:srgbClr val="A4CA39"/>
+              </a:solidFill>
+              <a:latin typeface="Cambria" pitchFamily="18" charset="0"/>
+            </a:endParaRPr>
+          </a:p>
+          <a:p>
+            <a:pPr marL="457200" indent="-457200">
+              <a:buFont typeface="+mj-lt"/>
+              <a:buAutoNum type="arabicPeriod"/>
+            </a:pPr>
+            <a:r>
+              <a:rPr lang="fr-FR" sz="1400" dirty="0" smtClean="0">
+                <a:solidFill>
+                  <a:srgbClr val="A4CA39"/>
+                </a:solidFill>
+                <a:latin typeface="Cambria" pitchFamily="18" charset="0"/>
+              </a:rPr>
+              <a:t>Démonstration</a:t>
+            </a:r>
+            <a:endParaRPr lang="fr-FR" sz="1400" dirty="0" smtClean="0">
+              <a:solidFill>
                 <a:srgbClr val="D8FBC1"/>
               </a:solidFill>
               <a:latin typeface="Cambria" pitchFamily="18" charset="0"/>
@@ -7696,6 +7688,18 @@
               <a:buFont typeface="+mj-lt"/>
               <a:buAutoNum type="arabicPeriod"/>
             </a:pPr>
+            <a:endParaRPr lang="fr-FR" sz="1400" dirty="0" smtClean="0">
+              <a:solidFill>
+                <a:srgbClr val="A4CA39"/>
+              </a:solidFill>
+              <a:latin typeface="Cambria" pitchFamily="18" charset="0"/>
+            </a:endParaRPr>
+          </a:p>
+          <a:p>
+            <a:pPr marL="457200" indent="-457200">
+              <a:buFont typeface="+mj-lt"/>
+              <a:buAutoNum type="arabicPeriod"/>
+            </a:pPr>
             <a:r>
               <a:rPr lang="fr-FR" sz="1400" dirty="0" smtClean="0">
                 <a:solidFill>
@@ -7703,114 +7707,6 @@
                 </a:solidFill>
                 <a:latin typeface="Cambria" pitchFamily="18" charset="0"/>
               </a:rPr>
-              <a:t>Interface </a:t>
-            </a:r>
-            <a:r>
-              <a:rPr lang="fr-FR" sz="1400" dirty="0" smtClean="0">
-                <a:solidFill>
-                  <a:srgbClr val="A4CA39"/>
-                </a:solidFill>
-                <a:latin typeface="Cambria" pitchFamily="18" charset="0"/>
-              </a:rPr>
-              <a:t>graphique</a:t>
-            </a:r>
-            <a:endParaRPr lang="fr-FR" sz="1400" dirty="0" smtClean="0">
-              <a:solidFill>
-                <a:srgbClr val="A4CA39"/>
-              </a:solidFill>
-              <a:latin typeface="Cambria" pitchFamily="18" charset="0"/>
-            </a:endParaRPr>
-          </a:p>
-          <a:p>
-            <a:pPr marL="457200" indent="-457200">
-              <a:buFont typeface="+mj-lt"/>
-              <a:buAutoNum type="arabicPeriod"/>
-            </a:pPr>
-            <a:endParaRPr lang="fr-FR" sz="1400" dirty="0" smtClean="0">
-              <a:solidFill>
-                <a:srgbClr val="A4CA39"/>
-              </a:solidFill>
-              <a:latin typeface="Cambria" pitchFamily="18" charset="0"/>
-            </a:endParaRPr>
-          </a:p>
-          <a:p>
-            <a:pPr marL="457200" indent="-457200">
-              <a:buFont typeface="+mj-lt"/>
-              <a:buAutoNum type="arabicPeriod"/>
-            </a:pPr>
-            <a:r>
-              <a:rPr lang="fr-FR" sz="1400" dirty="0" smtClean="0">
-                <a:solidFill>
-                  <a:srgbClr val="D8FBC1"/>
-                </a:solidFill>
-                <a:latin typeface="Cambria" pitchFamily="18" charset="0"/>
-              </a:rPr>
-              <a:t>Fonctionnalités</a:t>
-            </a:r>
-            <a:endParaRPr lang="fr-FR" sz="1400" dirty="0" smtClean="0">
-              <a:solidFill>
-                <a:srgbClr val="A4CA39"/>
-              </a:solidFill>
-              <a:latin typeface="Cambria" pitchFamily="18" charset="0"/>
-            </a:endParaRPr>
-          </a:p>
-          <a:p>
-            <a:pPr marL="457200" indent="-457200">
-              <a:buFont typeface="+mj-lt"/>
-              <a:buAutoNum type="arabicPeriod"/>
-            </a:pPr>
-            <a:endParaRPr lang="fr-FR" sz="1400" dirty="0" smtClean="0">
-              <a:solidFill>
-                <a:srgbClr val="A4CA39"/>
-              </a:solidFill>
-              <a:latin typeface="Cambria" pitchFamily="18" charset="0"/>
-            </a:endParaRPr>
-          </a:p>
-          <a:p>
-            <a:pPr marL="457200" indent="-457200">
-              <a:buFont typeface="+mj-lt"/>
-              <a:buAutoNum type="arabicPeriod"/>
-            </a:pPr>
-            <a:r>
-              <a:rPr lang="fr-FR" sz="1400" dirty="0" smtClean="0">
-                <a:solidFill>
-                  <a:srgbClr val="A4CA39"/>
-                </a:solidFill>
-                <a:latin typeface="Cambria" pitchFamily="18" charset="0"/>
-              </a:rPr>
-              <a:t>Démonstration</a:t>
-            </a:r>
-            <a:endParaRPr lang="fr-FR" sz="1400" dirty="0" smtClean="0">
-              <a:solidFill>
-                <a:srgbClr val="D8FBC1"/>
-              </a:solidFill>
-              <a:latin typeface="Cambria" pitchFamily="18" charset="0"/>
-            </a:endParaRPr>
-          </a:p>
-          <a:p>
-            <a:pPr marL="457200" indent="-457200">
-              <a:buFont typeface="+mj-lt"/>
-              <a:buAutoNum type="arabicPeriod"/>
-            </a:pPr>
-            <a:endParaRPr lang="fr-FR" sz="1400" dirty="0" smtClean="0">
-              <a:solidFill>
-                <a:srgbClr val="A4CA39"/>
-              </a:solidFill>
-              <a:latin typeface="Cambria" pitchFamily="18" charset="0"/>
-            </a:endParaRPr>
-          </a:p>
-          <a:p>
-            <a:pPr marL="457200" indent="-457200">
-              <a:buFont typeface="+mj-lt"/>
-              <a:buAutoNum type="arabicPeriod"/>
-            </a:pPr>
-            <a:r>
-              <a:rPr lang="fr-FR" sz="1400" dirty="0" smtClean="0">
-                <a:solidFill>
-                  <a:srgbClr val="A4CA39"/>
-                </a:solidFill>
-                <a:latin typeface="Cambria" pitchFamily="18" charset="0"/>
-              </a:rPr>
               <a:t>Conclusion</a:t>
             </a:r>
           </a:p>
@@ -7819,6 +7715,47 @@
           </a:p>
         </p:txBody>
       </p:sp>
+      <p:pic>
+        <p:nvPicPr>
+          <p:cNvPr id="1026" name="Picture 2" descr="C:\Users\Mousztomania\Documents\Workspace\AAP\android-advanced-player\AAP\docs\images\gui\5.PNG"/>
+          <p:cNvPicPr>
+            <a:picLocks noChangeAspect="1" noChangeArrowheads="1"/>
+          </p:cNvPicPr>
+          <p:nvPr/>
+        </p:nvPicPr>
+        <p:blipFill>
+          <a:blip r:embed="rId2">
+            <a:extLst>
+              <a:ext uri="{28A0092B-C50C-407E-A947-70E740481C1C}">
+                <a14:useLocalDpi xmlns:a14="http://schemas.microsoft.com/office/drawing/2010/main" val="0"/>
+              </a:ext>
+            </a:extLst>
+          </a:blip>
+          <a:srcRect/>
+          <a:stretch>
+            <a:fillRect/>
+          </a:stretch>
+        </p:blipFill>
+        <p:spPr bwMode="auto">
+          <a:xfrm>
+            <a:off x="4160745" y="2385068"/>
+            <a:ext cx="2283463" cy="3348187"/>
+          </a:xfrm>
+          <a:prstGeom prst="rect">
+            <a:avLst/>
+          </a:prstGeom>
+          <a:noFill/>
+          <a:extLst>
+            <a:ext uri="{909E8E84-426E-40DD-AFC4-6F175D3DCCD1}">
+              <a14:hiddenFill xmlns:a14="http://schemas.microsoft.com/office/drawing/2010/main">
+                <a:solidFill>
+                  <a:srgbClr val="FFFFFF"/>
+                </a:solidFill>
+              </a14:hiddenFill>
+            </a:ext>
+          </a:extLst>
+        </p:spPr>
+      </p:pic>
     </p:spTree>
   </p:cSld>
   <p:clrMapOvr>
@@ -7961,7 +7898,141 @@
                   </a:schemeClr>
                 </a:solidFill>
               </a:rPr>
-              <a:t>Les « lyrics »</a:t>
+              <a:t>Les « lyrics </a:t>
+            </a:r>
+            <a:r>
+              <a:rPr lang="fr-FR" dirty="0" smtClean="0">
+                <a:solidFill>
+                  <a:schemeClr val="tx2">
+                    <a:lumMod val="75000"/>
+                  </a:schemeClr>
+                </a:solidFill>
+              </a:rPr>
+              <a:t>»</a:t>
+            </a:r>
+          </a:p>
+          <a:p>
+            <a:pPr lvl="1">
+              <a:buFont typeface="Arial" pitchFamily="34" charset="0"/>
+              <a:buChar char="•"/>
+            </a:pPr>
+            <a:r>
+              <a:rPr lang="fr-FR" sz="2400" dirty="0" smtClean="0">
+                <a:solidFill>
+                  <a:schemeClr val="tx2">
+                    <a:lumMod val="75000"/>
+                  </a:schemeClr>
+                </a:solidFill>
+              </a:rPr>
+              <a:t>Recherche de paroles</a:t>
+            </a:r>
+            <a:endParaRPr lang="fr-FR" sz="2400" dirty="0">
+              <a:solidFill>
+                <a:schemeClr val="tx2">
+                  <a:lumMod val="75000"/>
+                </a:schemeClr>
+              </a:solidFill>
+            </a:endParaRPr>
+          </a:p>
+          <a:p>
+            <a:pPr lvl="1">
+              <a:buFont typeface="Arial" pitchFamily="34" charset="0"/>
+              <a:buChar char="•"/>
+            </a:pPr>
+            <a:r>
+              <a:rPr lang="fr-FR" sz="2400" dirty="0" smtClean="0">
+                <a:solidFill>
+                  <a:schemeClr val="tx2">
+                    <a:lumMod val="75000"/>
+                  </a:schemeClr>
+                </a:solidFill>
+              </a:rPr>
+              <a:t>Utilisation du site </a:t>
+            </a:r>
+            <a:r>
+              <a:rPr lang="fr-FR" sz="2400" dirty="0" err="1" smtClean="0">
+                <a:solidFill>
+                  <a:schemeClr val="tx2">
+                    <a:lumMod val="75000"/>
+                  </a:schemeClr>
+                </a:solidFill>
+              </a:rPr>
+              <a:t>LyricsWiki</a:t>
+            </a:r>
+            <a:r>
+              <a:rPr lang="fr-FR" sz="2400" dirty="0" smtClean="0">
+                <a:solidFill>
+                  <a:schemeClr val="tx2">
+                    <a:lumMod val="75000"/>
+                  </a:schemeClr>
+                </a:solidFill>
+              </a:rPr>
+              <a:t> et de </a:t>
+            </a:r>
+            <a:r>
+              <a:rPr lang="fr-FR" sz="2400" smtClean="0">
+                <a:solidFill>
+                  <a:schemeClr val="tx2">
+                    <a:lumMod val="75000"/>
+                  </a:schemeClr>
+                </a:solidFill>
+              </a:rPr>
+              <a:t>son API</a:t>
+            </a:r>
+            <a:endParaRPr lang="fr-FR" sz="2400" dirty="0" smtClean="0">
+              <a:solidFill>
+                <a:schemeClr val="tx2">
+                  <a:lumMod val="75000"/>
+                </a:schemeClr>
+              </a:solidFill>
+            </a:endParaRPr>
+          </a:p>
+          <a:p>
+            <a:pPr lvl="1">
+              <a:buFont typeface="Arial" pitchFamily="34" charset="0"/>
+              <a:buChar char="•"/>
+            </a:pPr>
+            <a:r>
+              <a:rPr lang="fr-FR" sz="2400" dirty="0" smtClean="0">
+                <a:solidFill>
+                  <a:schemeClr val="tx2">
+                    <a:lumMod val="75000"/>
+                  </a:schemeClr>
+                </a:solidFill>
+              </a:rPr>
+              <a:t>Traitement de données sous les formats XML et HTML</a:t>
+            </a:r>
+          </a:p>
+          <a:p>
+            <a:pPr lvl="1">
+              <a:buFont typeface="Arial" pitchFamily="34" charset="0"/>
+              <a:buChar char="•"/>
+            </a:pPr>
+            <a:r>
+              <a:rPr lang="fr-FR" sz="2400" dirty="0" smtClean="0">
+                <a:solidFill>
+                  <a:schemeClr val="tx2">
+                    <a:lumMod val="75000"/>
+                  </a:schemeClr>
+                </a:solidFill>
+              </a:rPr>
+              <a:t>Intégration dans l’interface</a:t>
+            </a:r>
+          </a:p>
+          <a:p>
+            <a:pPr lvl="1">
+              <a:buFont typeface="Arial" pitchFamily="34" charset="0"/>
+              <a:buChar char="•"/>
+            </a:pPr>
+            <a:r>
+              <a:rPr lang="fr-FR" sz="2400" dirty="0" smtClean="0">
+                <a:solidFill>
+                  <a:schemeClr val="tx2">
+                    <a:lumMod val="75000"/>
+                  </a:schemeClr>
+                </a:solidFill>
+              </a:rPr>
+              <a:t>Facilité d’utilisation</a:t>
             </a:r>
             <a:endParaRPr lang="fr-FR" dirty="0">
               <a:solidFill>
@@ -8055,8 +8126,26 @@
                 </a:solidFill>
                 <a:latin typeface="Cambria" pitchFamily="18" charset="0"/>
               </a:rPr>
-              <a:t>Outils et méthodologies </a:t>
-            </a:r>
+              <a:t>Outils et méthodologies utilisés</a:t>
+            </a:r>
+          </a:p>
+          <a:p>
+            <a:pPr marL="457200" indent="-457200">
+              <a:buFont typeface="+mj-lt"/>
+              <a:buAutoNum type="arabicPeriod"/>
+            </a:pPr>
+            <a:endParaRPr lang="fr-FR" sz="1400" dirty="0" smtClean="0">
+              <a:solidFill>
+                <a:srgbClr val="D8FBC1"/>
+              </a:solidFill>
+              <a:latin typeface="Cambria" pitchFamily="18" charset="0"/>
+            </a:endParaRPr>
+          </a:p>
+          <a:p>
+            <a:pPr marL="457200" indent="-457200">
+              <a:buFont typeface="+mj-lt"/>
+              <a:buAutoNum type="arabicPeriod"/>
+            </a:pPr>
             <a:r>
               <a:rPr lang="fr-FR" sz="1400" dirty="0" smtClean="0">
                 <a:solidFill>
@@ -8064,50 +8153,8 @@
                 </a:solidFill>
                 <a:latin typeface="Cambria" pitchFamily="18" charset="0"/>
               </a:rPr>
-              <a:t>utilisés</a:t>
-            </a:r>
-          </a:p>
-          <a:p>
-            <a:pPr marL="457200" indent="-457200">
-              <a:buFont typeface="+mj-lt"/>
-              <a:buAutoNum type="arabicPeriod"/>
-            </a:pPr>
-            <a:endParaRPr lang="fr-FR" sz="1400" dirty="0" smtClean="0">
-              <a:solidFill>
-                <a:srgbClr val="D8FBC1"/>
-              </a:solidFill>
-              <a:latin typeface="Cambria" pitchFamily="18" charset="0"/>
-            </a:endParaRPr>
-          </a:p>
-          <a:p>
-            <a:pPr marL="457200" indent="-457200">
-              <a:buFont typeface="+mj-lt"/>
-              <a:buAutoNum type="arabicPeriod"/>
-            </a:pPr>
-            <a:r>
-              <a:rPr lang="fr-FR" sz="1400" dirty="0" smtClean="0">
-                <a:solidFill>
-                  <a:srgbClr val="A4CA39"/>
-                </a:solidFill>
-                <a:latin typeface="Cambria" pitchFamily="18" charset="0"/>
-              </a:rPr>
-              <a:t>Interface </a:t>
-            </a:r>
-            <a:r>
-              <a:rPr lang="fr-FR" sz="1400" dirty="0" smtClean="0">
-                <a:solidFill>
-                  <a:srgbClr val="A4CA39"/>
-                </a:solidFill>
-                <a:latin typeface="Cambria" pitchFamily="18" charset="0"/>
-              </a:rPr>
-              <a:t>graphique</a:t>
-            </a:r>
-            <a:endParaRPr lang="fr-FR" sz="1400" dirty="0" smtClean="0">
-              <a:solidFill>
-                <a:srgbClr val="A4CA39"/>
-              </a:solidFill>
-              <a:latin typeface="Cambria" pitchFamily="18" charset="0"/>
-            </a:endParaRPr>
+              <a:t>Interface graphique</a:t>
+            </a:r>
           </a:p>
           <a:p>
             <a:pPr marL="457200" indent="-457200">
@@ -8404,8 +8451,26 @@
                 </a:solidFill>
                 <a:latin typeface="Cambria" pitchFamily="18" charset="0"/>
               </a:rPr>
-              <a:t>Outils et méthodologies </a:t>
-            </a:r>
+              <a:t>Outils et méthodologies utilisés</a:t>
+            </a:r>
+          </a:p>
+          <a:p>
+            <a:pPr marL="457200" indent="-457200">
+              <a:buFont typeface="+mj-lt"/>
+              <a:buAutoNum type="arabicPeriod"/>
+            </a:pPr>
+            <a:endParaRPr lang="fr-FR" sz="1400" dirty="0" smtClean="0">
+              <a:solidFill>
+                <a:srgbClr val="D8FBC1"/>
+              </a:solidFill>
+              <a:latin typeface="Cambria" pitchFamily="18" charset="0"/>
+            </a:endParaRPr>
+          </a:p>
+          <a:p>
+            <a:pPr marL="457200" indent="-457200">
+              <a:buFont typeface="+mj-lt"/>
+              <a:buAutoNum type="arabicPeriod"/>
+            </a:pPr>
             <a:r>
               <a:rPr lang="fr-FR" sz="1400" dirty="0" smtClean="0">
                 <a:solidFill>
@@ -8413,50 +8478,8 @@
                 </a:solidFill>
                 <a:latin typeface="Cambria" pitchFamily="18" charset="0"/>
               </a:rPr>
-              <a:t>utilisés</a:t>
-            </a:r>
-          </a:p>
-          <a:p>
-            <a:pPr marL="457200" indent="-457200">
-              <a:buFont typeface="+mj-lt"/>
-              <a:buAutoNum type="arabicPeriod"/>
-            </a:pPr>
-            <a:endParaRPr lang="fr-FR" sz="1400" dirty="0" smtClean="0">
-              <a:solidFill>
-                <a:srgbClr val="D8FBC1"/>
-              </a:solidFill>
-              <a:latin typeface="Cambria" pitchFamily="18" charset="0"/>
-            </a:endParaRPr>
-          </a:p>
-          <a:p>
-            <a:pPr marL="457200" indent="-457200">
-              <a:buFont typeface="+mj-lt"/>
-              <a:buAutoNum type="arabicPeriod"/>
-            </a:pPr>
-            <a:r>
-              <a:rPr lang="fr-FR" sz="1400" dirty="0" smtClean="0">
-                <a:solidFill>
-                  <a:srgbClr val="A4CA39"/>
-                </a:solidFill>
-                <a:latin typeface="Cambria" pitchFamily="18" charset="0"/>
-              </a:rPr>
-              <a:t>Interface </a:t>
-            </a:r>
-            <a:r>
-              <a:rPr lang="fr-FR" sz="1400" dirty="0" smtClean="0">
-                <a:solidFill>
-                  <a:srgbClr val="A4CA39"/>
-                </a:solidFill>
-                <a:latin typeface="Cambria" pitchFamily="18" charset="0"/>
-              </a:rPr>
-              <a:t>graphique</a:t>
-            </a:r>
-            <a:endParaRPr lang="fr-FR" sz="1400" dirty="0" smtClean="0">
-              <a:solidFill>
-                <a:srgbClr val="A4CA39"/>
-              </a:solidFill>
-              <a:latin typeface="Cambria" pitchFamily="18" charset="0"/>
-            </a:endParaRPr>
+              <a:t>Interface graphique</a:t>
+            </a:r>
           </a:p>
           <a:p>
             <a:pPr marL="457200" indent="-457200">
@@ -8939,17 +8962,7 @@
                   </a:schemeClr>
                 </a:solidFill>
               </a:rPr>
-              <a:t>Les métadonnées dans </a:t>
-            </a:r>
-            <a:r>
-              <a:rPr lang="fr-FR" sz="2400" smtClean="0">
-                <a:solidFill>
-                  <a:schemeClr val="tx2">
-                    <a:lumMod val="75000"/>
-                  </a:schemeClr>
-                </a:solidFill>
-              </a:rPr>
-              <a:t>un fichier audio</a:t>
+              <a:t>Les métadonnées dans un fichier audio</a:t>
             </a:r>
             <a:endParaRPr lang="fr-FR" sz="2400" dirty="0">
               <a:solidFill>
@@ -9043,8 +9056,26 @@
                 </a:solidFill>
                 <a:latin typeface="Cambria" pitchFamily="18" charset="0"/>
               </a:rPr>
-              <a:t>Outils et méthodologies </a:t>
-            </a:r>
+              <a:t>Outils et méthodologies utilisés</a:t>
+            </a:r>
+          </a:p>
+          <a:p>
+            <a:pPr marL="457200" indent="-457200">
+              <a:buFont typeface="+mj-lt"/>
+              <a:buAutoNum type="arabicPeriod"/>
+            </a:pPr>
+            <a:endParaRPr lang="fr-FR" sz="1400" dirty="0" smtClean="0">
+              <a:solidFill>
+                <a:srgbClr val="D8FBC1"/>
+              </a:solidFill>
+              <a:latin typeface="Cambria" pitchFamily="18" charset="0"/>
+            </a:endParaRPr>
+          </a:p>
+          <a:p>
+            <a:pPr marL="457200" indent="-457200">
+              <a:buFont typeface="+mj-lt"/>
+              <a:buAutoNum type="arabicPeriod"/>
+            </a:pPr>
             <a:r>
               <a:rPr lang="fr-FR" sz="1400" dirty="0" smtClean="0">
                 <a:solidFill>
@@ -9052,50 +9083,8 @@
                 </a:solidFill>
                 <a:latin typeface="Cambria" pitchFamily="18" charset="0"/>
               </a:rPr>
-              <a:t>utilisés</a:t>
-            </a:r>
-          </a:p>
-          <a:p>
-            <a:pPr marL="457200" indent="-457200">
-              <a:buFont typeface="+mj-lt"/>
-              <a:buAutoNum type="arabicPeriod"/>
-            </a:pPr>
-            <a:endParaRPr lang="fr-FR" sz="1400" dirty="0" smtClean="0">
-              <a:solidFill>
-                <a:srgbClr val="D8FBC1"/>
-              </a:solidFill>
-              <a:latin typeface="Cambria" pitchFamily="18" charset="0"/>
-            </a:endParaRPr>
-          </a:p>
-          <a:p>
-            <a:pPr marL="457200" indent="-457200">
-              <a:buFont typeface="+mj-lt"/>
-              <a:buAutoNum type="arabicPeriod"/>
-            </a:pPr>
-            <a:r>
-              <a:rPr lang="fr-FR" sz="1400" dirty="0" smtClean="0">
-                <a:solidFill>
-                  <a:srgbClr val="A4CA39"/>
-                </a:solidFill>
-                <a:latin typeface="Cambria" pitchFamily="18" charset="0"/>
-              </a:rPr>
-              <a:t>Interface </a:t>
-            </a:r>
-            <a:r>
-              <a:rPr lang="fr-FR" sz="1400" dirty="0" smtClean="0">
-                <a:solidFill>
-                  <a:srgbClr val="A4CA39"/>
-                </a:solidFill>
-                <a:latin typeface="Cambria" pitchFamily="18" charset="0"/>
-              </a:rPr>
-              <a:t>graphique</a:t>
-            </a:r>
-            <a:endParaRPr lang="fr-FR" sz="1400" dirty="0" smtClean="0">
-              <a:solidFill>
-                <a:srgbClr val="A4CA39"/>
-              </a:solidFill>
-              <a:latin typeface="Cambria" pitchFamily="18" charset="0"/>
-            </a:endParaRPr>
+              <a:t>Interface graphique</a:t>
+            </a:r>
           </a:p>
           <a:p>
             <a:pPr marL="457200" indent="-457200">
@@ -9399,15 +9388,7 @@
                   <a:srgbClr val="A4CA39"/>
                 </a:solidFill>
               </a:rPr>
-              <a:t>Outils et méthodologies </a:t>
-            </a:r>
-            <a:r>
-              <a:rPr lang="fr-FR" sz="3400" dirty="0" smtClean="0">
-                <a:solidFill>
-                  <a:srgbClr val="A4CA39"/>
-                </a:solidFill>
-              </a:rPr>
-              <a:t>utilisés</a:t>
+              <a:t>Outils et méthodologies utilisés</a:t>
             </a:r>
           </a:p>
           <a:p>
@@ -9483,12 +9464,6 @@
               </a:rPr>
               <a:t>Les écrans</a:t>
             </a:r>
-            <a:endParaRPr lang="fr-FR" sz="2900" dirty="0" smtClean="0">
-              <a:solidFill>
-                <a:srgbClr val="D8FBC1"/>
-              </a:solidFill>
-              <a:latin typeface="Cambria" pitchFamily="18" charset="0"/>
-            </a:endParaRPr>
           </a:p>
           <a:p>
             <a:pPr marL="514350" indent="-514350" algn="l">
@@ -10063,8 +10038,26 @@
                 </a:solidFill>
                 <a:latin typeface="Cambria" pitchFamily="18" charset="0"/>
               </a:rPr>
-              <a:t>Outils et méthodologies </a:t>
-            </a:r>
+              <a:t>Outils et méthodologies utilisés</a:t>
+            </a:r>
+          </a:p>
+          <a:p>
+            <a:pPr marL="457200" indent="-457200">
+              <a:buFont typeface="+mj-lt"/>
+              <a:buAutoNum type="arabicPeriod"/>
+            </a:pPr>
+            <a:endParaRPr lang="fr-FR" sz="1400" dirty="0" smtClean="0">
+              <a:solidFill>
+                <a:srgbClr val="D8FBC1"/>
+              </a:solidFill>
+              <a:latin typeface="Cambria" pitchFamily="18" charset="0"/>
+            </a:endParaRPr>
+          </a:p>
+          <a:p>
+            <a:pPr marL="457200" indent="-457200">
+              <a:buFont typeface="+mj-lt"/>
+              <a:buAutoNum type="arabicPeriod"/>
+            </a:pPr>
             <a:r>
               <a:rPr lang="fr-FR" sz="1400" dirty="0" smtClean="0">
                 <a:solidFill>
@@ -10072,50 +10065,8 @@
                 </a:solidFill>
                 <a:latin typeface="Cambria" pitchFamily="18" charset="0"/>
               </a:rPr>
-              <a:t>utilisés</a:t>
-            </a:r>
-          </a:p>
-          <a:p>
-            <a:pPr marL="457200" indent="-457200">
-              <a:buFont typeface="+mj-lt"/>
-              <a:buAutoNum type="arabicPeriod"/>
-            </a:pPr>
-            <a:endParaRPr lang="fr-FR" sz="1400" dirty="0" smtClean="0">
-              <a:solidFill>
-                <a:srgbClr val="D8FBC1"/>
-              </a:solidFill>
-              <a:latin typeface="Cambria" pitchFamily="18" charset="0"/>
-            </a:endParaRPr>
-          </a:p>
-          <a:p>
-            <a:pPr marL="457200" indent="-457200">
-              <a:buFont typeface="+mj-lt"/>
-              <a:buAutoNum type="arabicPeriod"/>
-            </a:pPr>
-            <a:r>
-              <a:rPr lang="fr-FR" sz="1400" dirty="0" smtClean="0">
-                <a:solidFill>
-                  <a:srgbClr val="A4CA39"/>
-                </a:solidFill>
-                <a:latin typeface="Cambria" pitchFamily="18" charset="0"/>
-              </a:rPr>
-              <a:t>Interface </a:t>
-            </a:r>
-            <a:r>
-              <a:rPr lang="fr-FR" sz="1400" dirty="0" smtClean="0">
-                <a:solidFill>
-                  <a:srgbClr val="A4CA39"/>
-                </a:solidFill>
-                <a:latin typeface="Cambria" pitchFamily="18" charset="0"/>
-              </a:rPr>
-              <a:t>graphique</a:t>
-            </a:r>
-            <a:endParaRPr lang="fr-FR" sz="1400" dirty="0" smtClean="0">
-              <a:solidFill>
-                <a:srgbClr val="A4CA39"/>
-              </a:solidFill>
-              <a:latin typeface="Cambria" pitchFamily="18" charset="0"/>
-            </a:endParaRPr>
+              <a:t>Interface graphique</a:t>
+            </a:r>
           </a:p>
           <a:p>
             <a:pPr marL="457200" indent="-457200">
@@ -10709,8 +10660,26 @@
                 </a:solidFill>
                 <a:latin typeface="Cambria" pitchFamily="18" charset="0"/>
               </a:rPr>
-              <a:t>Outils et méthodologies </a:t>
-            </a:r>
+              <a:t>Outils et méthodologies utilisés</a:t>
+            </a:r>
+          </a:p>
+          <a:p>
+            <a:pPr marL="457200" indent="-457200">
+              <a:buFont typeface="+mj-lt"/>
+              <a:buAutoNum type="arabicPeriod"/>
+            </a:pPr>
+            <a:endParaRPr lang="fr-FR" sz="1400" dirty="0" smtClean="0">
+              <a:solidFill>
+                <a:srgbClr val="D8FBC1"/>
+              </a:solidFill>
+              <a:latin typeface="Cambria" pitchFamily="18" charset="0"/>
+            </a:endParaRPr>
+          </a:p>
+          <a:p>
+            <a:pPr marL="457200" indent="-457200">
+              <a:buFont typeface="+mj-lt"/>
+              <a:buAutoNum type="arabicPeriod"/>
+            </a:pPr>
             <a:r>
               <a:rPr lang="fr-FR" sz="1400" dirty="0" smtClean="0">
                 <a:solidFill>
@@ -10718,50 +10687,8 @@
                 </a:solidFill>
                 <a:latin typeface="Cambria" pitchFamily="18" charset="0"/>
               </a:rPr>
-              <a:t>utilisés</a:t>
-            </a:r>
-          </a:p>
-          <a:p>
-            <a:pPr marL="457200" indent="-457200">
-              <a:buFont typeface="+mj-lt"/>
-              <a:buAutoNum type="arabicPeriod"/>
-            </a:pPr>
-            <a:endParaRPr lang="fr-FR" sz="1400" dirty="0" smtClean="0">
-              <a:solidFill>
-                <a:srgbClr val="D8FBC1"/>
-              </a:solidFill>
-              <a:latin typeface="Cambria" pitchFamily="18" charset="0"/>
-            </a:endParaRPr>
-          </a:p>
-          <a:p>
-            <a:pPr marL="457200" indent="-457200">
-              <a:buFont typeface="+mj-lt"/>
-              <a:buAutoNum type="arabicPeriod"/>
-            </a:pPr>
-            <a:r>
-              <a:rPr lang="fr-FR" sz="1400" dirty="0" smtClean="0">
-                <a:solidFill>
-                  <a:srgbClr val="A4CA39"/>
-                </a:solidFill>
-                <a:latin typeface="Cambria" pitchFamily="18" charset="0"/>
-              </a:rPr>
-              <a:t>Interface </a:t>
-            </a:r>
-            <a:r>
-              <a:rPr lang="fr-FR" sz="1400" dirty="0" smtClean="0">
-                <a:solidFill>
-                  <a:srgbClr val="A4CA39"/>
-                </a:solidFill>
-                <a:latin typeface="Cambria" pitchFamily="18" charset="0"/>
-              </a:rPr>
-              <a:t>graphique</a:t>
-            </a:r>
-            <a:endParaRPr lang="fr-FR" sz="1400" dirty="0" smtClean="0">
-              <a:solidFill>
-                <a:srgbClr val="A4CA39"/>
-              </a:solidFill>
-              <a:latin typeface="Cambria" pitchFamily="18" charset="0"/>
-            </a:endParaRPr>
+              <a:t>Interface graphique</a:t>
+            </a:r>
           </a:p>
           <a:p>
             <a:pPr marL="457200" indent="-457200">
@@ -11205,8 +11132,26 @@
                 </a:solidFill>
                 <a:latin typeface="Cambria" pitchFamily="18" charset="0"/>
               </a:rPr>
-              <a:t>Outils et méthodologies </a:t>
-            </a:r>
+              <a:t>Outils et méthodologies utilisés</a:t>
+            </a:r>
+          </a:p>
+          <a:p>
+            <a:pPr marL="457200" indent="-457200">
+              <a:buFont typeface="+mj-lt"/>
+              <a:buAutoNum type="arabicPeriod"/>
+            </a:pPr>
+            <a:endParaRPr lang="fr-FR" sz="1400" dirty="0" smtClean="0">
+              <a:solidFill>
+                <a:srgbClr val="D8FBC1"/>
+              </a:solidFill>
+              <a:latin typeface="Cambria" pitchFamily="18" charset="0"/>
+            </a:endParaRPr>
+          </a:p>
+          <a:p>
+            <a:pPr marL="457200" indent="-457200">
+              <a:buFont typeface="+mj-lt"/>
+              <a:buAutoNum type="arabicPeriod"/>
+            </a:pPr>
             <a:r>
               <a:rPr lang="fr-FR" sz="1400" dirty="0" smtClean="0">
                 <a:solidFill>
@@ -11214,50 +11159,8 @@
                 </a:solidFill>
                 <a:latin typeface="Cambria" pitchFamily="18" charset="0"/>
               </a:rPr>
-              <a:t>utilisés</a:t>
-            </a:r>
-          </a:p>
-          <a:p>
-            <a:pPr marL="457200" indent="-457200">
-              <a:buFont typeface="+mj-lt"/>
-              <a:buAutoNum type="arabicPeriod"/>
-            </a:pPr>
-            <a:endParaRPr lang="fr-FR" sz="1400" dirty="0" smtClean="0">
-              <a:solidFill>
-                <a:srgbClr val="D8FBC1"/>
-              </a:solidFill>
-              <a:latin typeface="Cambria" pitchFamily="18" charset="0"/>
-            </a:endParaRPr>
-          </a:p>
-          <a:p>
-            <a:pPr marL="457200" indent="-457200">
-              <a:buFont typeface="+mj-lt"/>
-              <a:buAutoNum type="arabicPeriod"/>
-            </a:pPr>
-            <a:r>
-              <a:rPr lang="fr-FR" sz="1400" dirty="0" smtClean="0">
-                <a:solidFill>
-                  <a:srgbClr val="A4CA39"/>
-                </a:solidFill>
-                <a:latin typeface="Cambria" pitchFamily="18" charset="0"/>
-              </a:rPr>
-              <a:t>Interface </a:t>
-            </a:r>
-            <a:r>
-              <a:rPr lang="fr-FR" sz="1400" dirty="0" smtClean="0">
-                <a:solidFill>
-                  <a:srgbClr val="A4CA39"/>
-                </a:solidFill>
-                <a:latin typeface="Cambria" pitchFamily="18" charset="0"/>
-              </a:rPr>
-              <a:t>graphique</a:t>
-            </a:r>
-            <a:endParaRPr lang="fr-FR" sz="1400" dirty="0" smtClean="0">
-              <a:solidFill>
-                <a:srgbClr val="A4CA39"/>
-              </a:solidFill>
-              <a:latin typeface="Cambria" pitchFamily="18" charset="0"/>
-            </a:endParaRPr>
+              <a:t>Interface graphique</a:t>
+            </a:r>
           </a:p>
           <a:p>
             <a:pPr marL="457200" indent="-457200">
@@ -11605,8 +11508,26 @@
                 </a:solidFill>
                 <a:latin typeface="Cambria" pitchFamily="18" charset="0"/>
               </a:rPr>
-              <a:t>Outils et méthodologies </a:t>
-            </a:r>
+              <a:t>Outils et méthodologies utilisés</a:t>
+            </a:r>
+          </a:p>
+          <a:p>
+            <a:pPr marL="457200" indent="-457200">
+              <a:buFont typeface="+mj-lt"/>
+              <a:buAutoNum type="arabicPeriod"/>
+            </a:pPr>
+            <a:endParaRPr lang="fr-FR" sz="1400" dirty="0" smtClean="0">
+              <a:solidFill>
+                <a:srgbClr val="D8FBC1"/>
+              </a:solidFill>
+              <a:latin typeface="Cambria" pitchFamily="18" charset="0"/>
+            </a:endParaRPr>
+          </a:p>
+          <a:p>
+            <a:pPr marL="457200" indent="-457200">
+              <a:buFont typeface="+mj-lt"/>
+              <a:buAutoNum type="arabicPeriod"/>
+            </a:pPr>
             <a:r>
               <a:rPr lang="fr-FR" sz="1400" dirty="0" smtClean="0">
                 <a:solidFill>
@@ -11614,50 +11535,8 @@
                 </a:solidFill>
                 <a:latin typeface="Cambria" pitchFamily="18" charset="0"/>
               </a:rPr>
-              <a:t>utilisés</a:t>
-            </a:r>
-          </a:p>
-          <a:p>
-            <a:pPr marL="457200" indent="-457200">
-              <a:buFont typeface="+mj-lt"/>
-              <a:buAutoNum type="arabicPeriod"/>
-            </a:pPr>
-            <a:endParaRPr lang="fr-FR" sz="1400" dirty="0" smtClean="0">
-              <a:solidFill>
-                <a:srgbClr val="D8FBC1"/>
-              </a:solidFill>
-              <a:latin typeface="Cambria" pitchFamily="18" charset="0"/>
-            </a:endParaRPr>
-          </a:p>
-          <a:p>
-            <a:pPr marL="457200" indent="-457200">
-              <a:buFont typeface="+mj-lt"/>
-              <a:buAutoNum type="arabicPeriod"/>
-            </a:pPr>
-            <a:r>
-              <a:rPr lang="fr-FR" sz="1400" dirty="0" smtClean="0">
-                <a:solidFill>
-                  <a:srgbClr val="A4CA39"/>
-                </a:solidFill>
-                <a:latin typeface="Cambria" pitchFamily="18" charset="0"/>
-              </a:rPr>
-              <a:t>Interface </a:t>
-            </a:r>
-            <a:r>
-              <a:rPr lang="fr-FR" sz="1400" dirty="0" smtClean="0">
-                <a:solidFill>
-                  <a:srgbClr val="A4CA39"/>
-                </a:solidFill>
-                <a:latin typeface="Cambria" pitchFamily="18" charset="0"/>
-              </a:rPr>
-              <a:t>graphique</a:t>
-            </a:r>
-            <a:endParaRPr lang="fr-FR" sz="1400" dirty="0" smtClean="0">
-              <a:solidFill>
-                <a:srgbClr val="A4CA39"/>
-              </a:solidFill>
-              <a:latin typeface="Cambria" pitchFamily="18" charset="0"/>
-            </a:endParaRPr>
+              <a:t>Interface graphique</a:t>
+            </a:r>
           </a:p>
           <a:p>
             <a:pPr marL="457200" indent="-457200">
@@ -12095,8 +11974,26 @@
                 </a:solidFill>
                 <a:latin typeface="Cambria" pitchFamily="18" charset="0"/>
               </a:rPr>
-              <a:t>Outils et méthodologies </a:t>
-            </a:r>
+              <a:t>Outils et méthodologies utilisés</a:t>
+            </a:r>
+          </a:p>
+          <a:p>
+            <a:pPr marL="457200" indent="-457200">
+              <a:buFont typeface="+mj-lt"/>
+              <a:buAutoNum type="arabicPeriod"/>
+            </a:pPr>
+            <a:endParaRPr lang="fr-FR" sz="1400" dirty="0" smtClean="0">
+              <a:solidFill>
+                <a:srgbClr val="D8FBC1"/>
+              </a:solidFill>
+              <a:latin typeface="Cambria" pitchFamily="18" charset="0"/>
+            </a:endParaRPr>
+          </a:p>
+          <a:p>
+            <a:pPr marL="457200" indent="-457200">
+              <a:buFont typeface="+mj-lt"/>
+              <a:buAutoNum type="arabicPeriod"/>
+            </a:pPr>
             <a:r>
               <a:rPr lang="fr-FR" sz="1400" dirty="0" smtClean="0">
                 <a:solidFill>
@@ -12104,50 +12001,8 @@
                 </a:solidFill>
                 <a:latin typeface="Cambria" pitchFamily="18" charset="0"/>
               </a:rPr>
-              <a:t>utilisés</a:t>
-            </a:r>
-          </a:p>
-          <a:p>
-            <a:pPr marL="457200" indent="-457200">
-              <a:buFont typeface="+mj-lt"/>
-              <a:buAutoNum type="arabicPeriod"/>
-            </a:pPr>
-            <a:endParaRPr lang="fr-FR" sz="1400" dirty="0" smtClean="0">
-              <a:solidFill>
-                <a:srgbClr val="D8FBC1"/>
-              </a:solidFill>
-              <a:latin typeface="Cambria" pitchFamily="18" charset="0"/>
-            </a:endParaRPr>
-          </a:p>
-          <a:p>
-            <a:pPr marL="457200" indent="-457200">
-              <a:buFont typeface="+mj-lt"/>
-              <a:buAutoNum type="arabicPeriod"/>
-            </a:pPr>
-            <a:r>
-              <a:rPr lang="fr-FR" sz="1400" dirty="0" smtClean="0">
-                <a:solidFill>
-                  <a:srgbClr val="A4CA39"/>
-                </a:solidFill>
-                <a:latin typeface="Cambria" pitchFamily="18" charset="0"/>
-              </a:rPr>
-              <a:t>Interface </a:t>
-            </a:r>
-            <a:r>
-              <a:rPr lang="fr-FR" sz="1400" dirty="0" smtClean="0">
-                <a:solidFill>
-                  <a:srgbClr val="A4CA39"/>
-                </a:solidFill>
-                <a:latin typeface="Cambria" pitchFamily="18" charset="0"/>
-              </a:rPr>
-              <a:t>graphique</a:t>
-            </a:r>
-            <a:endParaRPr lang="fr-FR" sz="1400" dirty="0" smtClean="0">
-              <a:solidFill>
-                <a:srgbClr val="A4CA39"/>
-              </a:solidFill>
-              <a:latin typeface="Cambria" pitchFamily="18" charset="0"/>
-            </a:endParaRPr>
+              <a:t>Interface graphique</a:t>
+            </a:r>
           </a:p>
           <a:p>
             <a:pPr marL="457200" indent="-457200">
@@ -12471,8 +12326,26 @@
                 </a:solidFill>
                 <a:latin typeface="Cambria" pitchFamily="18" charset="0"/>
               </a:rPr>
-              <a:t>Outils et méthodologies </a:t>
-            </a:r>
+              <a:t>Outils et méthodologies utilisés</a:t>
+            </a:r>
+          </a:p>
+          <a:p>
+            <a:pPr marL="457200" indent="-457200">
+              <a:buFont typeface="+mj-lt"/>
+              <a:buAutoNum type="arabicPeriod"/>
+            </a:pPr>
+            <a:endParaRPr lang="fr-FR" sz="1400" dirty="0" smtClean="0">
+              <a:solidFill>
+                <a:srgbClr val="D8FBC1"/>
+              </a:solidFill>
+              <a:latin typeface="Cambria" pitchFamily="18" charset="0"/>
+            </a:endParaRPr>
+          </a:p>
+          <a:p>
+            <a:pPr marL="457200" indent="-457200">
+              <a:buFont typeface="+mj-lt"/>
+              <a:buAutoNum type="arabicPeriod"/>
+            </a:pPr>
             <a:r>
               <a:rPr lang="fr-FR" sz="1400" dirty="0" smtClean="0">
                 <a:solidFill>
@@ -12480,50 +12353,8 @@
                 </a:solidFill>
                 <a:latin typeface="Cambria" pitchFamily="18" charset="0"/>
               </a:rPr>
-              <a:t>utilisés</a:t>
-            </a:r>
-          </a:p>
-          <a:p>
-            <a:pPr marL="457200" indent="-457200">
-              <a:buFont typeface="+mj-lt"/>
-              <a:buAutoNum type="arabicPeriod"/>
-            </a:pPr>
-            <a:endParaRPr lang="fr-FR" sz="1400" dirty="0" smtClean="0">
-              <a:solidFill>
-                <a:srgbClr val="D8FBC1"/>
-              </a:solidFill>
-              <a:latin typeface="Cambria" pitchFamily="18" charset="0"/>
-            </a:endParaRPr>
-          </a:p>
-          <a:p>
-            <a:pPr marL="457200" indent="-457200">
-              <a:buFont typeface="+mj-lt"/>
-              <a:buAutoNum type="arabicPeriod"/>
-            </a:pPr>
-            <a:r>
-              <a:rPr lang="fr-FR" sz="1400" dirty="0" smtClean="0">
-                <a:solidFill>
-                  <a:srgbClr val="A4CA39"/>
-                </a:solidFill>
-                <a:latin typeface="Cambria" pitchFamily="18" charset="0"/>
-              </a:rPr>
-              <a:t>Interface </a:t>
-            </a:r>
-            <a:r>
-              <a:rPr lang="fr-FR" sz="1400" dirty="0" smtClean="0">
-                <a:solidFill>
-                  <a:srgbClr val="A4CA39"/>
-                </a:solidFill>
-                <a:latin typeface="Cambria" pitchFamily="18" charset="0"/>
-              </a:rPr>
-              <a:t>graphique</a:t>
-            </a:r>
-            <a:endParaRPr lang="fr-FR" sz="1400" dirty="0" smtClean="0">
-              <a:solidFill>
-                <a:srgbClr val="A4CA39"/>
-              </a:solidFill>
-              <a:latin typeface="Cambria" pitchFamily="18" charset="0"/>
-            </a:endParaRPr>
+              <a:t>Interface graphique</a:t>
+            </a:r>
           </a:p>
           <a:p>
             <a:pPr marL="457200" indent="-457200">
@@ -13017,58 +12848,40 @@
                 </a:solidFill>
                 <a:latin typeface="Cambria" pitchFamily="18" charset="0"/>
               </a:rPr>
-              <a:t>Outils et méthodologies </a:t>
-            </a:r>
+              <a:t>Outils et méthodologies utilisés</a:t>
+            </a:r>
+            <a:endParaRPr lang="fr-FR" sz="1400" dirty="0" smtClean="0">
+              <a:solidFill>
+                <a:srgbClr val="A4CA39"/>
+              </a:solidFill>
+              <a:latin typeface="Cambria" pitchFamily="18" charset="0"/>
+            </a:endParaRPr>
+          </a:p>
+          <a:p>
+            <a:pPr marL="457200" indent="-457200">
+              <a:buFont typeface="+mj-lt"/>
+              <a:buAutoNum type="arabicPeriod"/>
+            </a:pPr>
+            <a:endParaRPr lang="fr-FR" sz="1400" dirty="0" smtClean="0">
+              <a:solidFill>
+                <a:srgbClr val="D8FBC1"/>
+              </a:solidFill>
+              <a:latin typeface="Cambria" pitchFamily="18" charset="0"/>
+            </a:endParaRPr>
+          </a:p>
+          <a:p>
+            <a:pPr marL="457200" indent="-457200">
+              <a:buFont typeface="+mj-lt"/>
+              <a:buAutoNum type="arabicPeriod"/>
+            </a:pPr>
             <a:r>
               <a:rPr lang="fr-FR" sz="1400" dirty="0" smtClean="0">
                 <a:solidFill>
-                  <a:srgbClr val="D8FBC1"/>
-                </a:solidFill>
-                <a:latin typeface="Cambria" pitchFamily="18" charset="0"/>
-              </a:rPr>
-              <a:t>utilisés</a:t>
-            </a:r>
-            <a:endParaRPr lang="fr-FR" sz="1400" dirty="0" smtClean="0">
-              <a:solidFill>
-                <a:srgbClr val="A4CA39"/>
-              </a:solidFill>
-              <a:latin typeface="Cambria" pitchFamily="18" charset="0"/>
-            </a:endParaRPr>
-          </a:p>
-          <a:p>
-            <a:pPr marL="457200" indent="-457200">
-              <a:buFont typeface="+mj-lt"/>
-              <a:buAutoNum type="arabicPeriod"/>
-            </a:pPr>
-            <a:endParaRPr lang="fr-FR" sz="1400" dirty="0" smtClean="0">
-              <a:solidFill>
-                <a:srgbClr val="D8FBC1"/>
-              </a:solidFill>
-              <a:latin typeface="Cambria" pitchFamily="18" charset="0"/>
-            </a:endParaRPr>
-          </a:p>
-          <a:p>
-            <a:pPr marL="457200" indent="-457200">
-              <a:buFont typeface="+mj-lt"/>
-              <a:buAutoNum type="arabicPeriod"/>
-            </a:pPr>
-            <a:r>
-              <a:rPr lang="fr-FR" sz="1400" dirty="0" smtClean="0">
-                <a:solidFill>
                   <a:srgbClr val="A4CA39"/>
                 </a:solidFill>
                 <a:latin typeface="Cambria" pitchFamily="18" charset="0"/>
               </a:rPr>
-              <a:t>Interface </a:t>
-            </a:r>
-            <a:r>
-              <a:rPr lang="fr-FR" sz="1400" dirty="0" smtClean="0">
-                <a:solidFill>
-                  <a:srgbClr val="A4CA39"/>
-                </a:solidFill>
-                <a:latin typeface="Cambria" pitchFamily="18" charset="0"/>
-              </a:rPr>
-              <a:t>graphique</a:t>
+              <a:t>Interface graphique</a:t>
             </a:r>
             <a:endParaRPr lang="fr-FR" sz="1400" dirty="0" smtClean="0">
               <a:solidFill>
@@ -13215,11 +13028,7 @@
           <a:p>
             <a:r>
               <a:rPr lang="fr-FR" dirty="0" smtClean="0"/>
-              <a:t>I</a:t>
-            </a:r>
-            <a:r>
-              <a:rPr lang="fr-FR" dirty="0" smtClean="0"/>
-              <a:t>nterface graphique</a:t>
+              <a:t>Interface graphique</a:t>
             </a:r>
             <a:endParaRPr lang="fr-FR" dirty="0"/>
           </a:p>
@@ -13399,17 +13208,7 @@
                   </a:schemeClr>
                 </a:solidFill>
               </a:rPr>
-              <a:t>p</a:t>
-            </a:r>
-            <a:r>
-              <a:rPr lang="fr-FR" dirty="0" smtClean="0">
-                <a:solidFill>
-                  <a:schemeClr val="tx2">
-                    <a:lumMod val="75000"/>
-                  </a:schemeClr>
-                </a:solidFill>
-              </a:rPr>
-              <a:t>rofessionnelles pour les musiciens.</a:t>
+              <a:t>professionnelles pour les musiciens.</a:t>
             </a:r>
             <a:endParaRPr lang="fr-FR" dirty="0">
               <a:solidFill>
@@ -13503,50 +13302,35 @@
                 </a:solidFill>
                 <a:latin typeface="Cambria" pitchFamily="18" charset="0"/>
               </a:rPr>
-              <a:t>Outils et méthodologies </a:t>
-            </a:r>
+              <a:t>Outils et méthodologies utilisés</a:t>
+            </a:r>
+          </a:p>
+          <a:p>
+            <a:pPr marL="457200" indent="-457200">
+              <a:buFont typeface="+mj-lt"/>
+              <a:buAutoNum type="arabicPeriod"/>
+            </a:pPr>
+            <a:endParaRPr lang="fr-FR" sz="1400" dirty="0" smtClean="0">
+              <a:solidFill>
+                <a:srgbClr val="D8FBC1"/>
+              </a:solidFill>
+              <a:latin typeface="Cambria" pitchFamily="18" charset="0"/>
+            </a:endParaRPr>
+          </a:p>
+          <a:p>
+            <a:pPr marL="457200" indent="-457200">
+              <a:buFont typeface="+mj-lt"/>
+              <a:buAutoNum type="arabicPeriod"/>
+            </a:pPr>
             <a:r>
               <a:rPr lang="fr-FR" sz="1400" dirty="0" smtClean="0">
                 <a:solidFill>
-                  <a:srgbClr val="A4CA39"/>
-                </a:solidFill>
-                <a:latin typeface="Cambria" pitchFamily="18" charset="0"/>
-              </a:rPr>
-              <a:t>utilisés</a:t>
-            </a:r>
-          </a:p>
-          <a:p>
-            <a:pPr marL="457200" indent="-457200">
-              <a:buFont typeface="+mj-lt"/>
-              <a:buAutoNum type="arabicPeriod"/>
-            </a:pPr>
-            <a:endParaRPr lang="fr-FR" sz="1400" dirty="0" smtClean="0">
-              <a:solidFill>
-                <a:srgbClr val="D8FBC1"/>
-              </a:solidFill>
-              <a:latin typeface="Cambria" pitchFamily="18" charset="0"/>
-            </a:endParaRPr>
-          </a:p>
-          <a:p>
-            <a:pPr marL="457200" indent="-457200">
-              <a:buFont typeface="+mj-lt"/>
-              <a:buAutoNum type="arabicPeriod"/>
-            </a:pPr>
-            <a:r>
-              <a:rPr lang="fr-FR" sz="1400" dirty="0" smtClean="0">
-                <a:solidFill>
                   <a:srgbClr val="D8FBC1"/>
                 </a:solidFill>
                 <a:latin typeface="Cambria" pitchFamily="18" charset="0"/>
               </a:rPr>
               <a:t>Interface graphique</a:t>
             </a:r>
-            <a:endParaRPr lang="fr-FR" sz="1400" dirty="0" smtClean="0">
-              <a:solidFill>
-                <a:srgbClr val="D8FBC1"/>
-              </a:solidFill>
-              <a:latin typeface="Cambria" pitchFamily="18" charset="0"/>
-            </a:endParaRPr>
           </a:p>
           <a:p>
             <a:pPr marL="457200" indent="-457200">

--- a/trunk/AAP/docs/Presentation.pptx
+++ b/trunk/AAP/docs/Presentation.pptx
@@ -7,6 +7,9 @@
   <p:notesMasterIdLst>
     <p:notesMasterId r:id="rId23"/>
   </p:notesMasterIdLst>
+  <p:handoutMasterIdLst>
+    <p:handoutMasterId r:id="rId24"/>
+  </p:handoutMasterIdLst>
   <p:sldIdLst>
     <p:sldId id="256" r:id="rId2"/>
     <p:sldId id="257" r:id="rId3"/>
@@ -130,6 +133,166 @@
 </p:presentation>
 </file>
 
+<file path=ppt/handoutMasters/handoutMaster1.xml><?xml version="1.0" encoding="utf-8"?>
+<p:handoutMaster xmlns:a="http://schemas.openxmlformats.org/drawingml/2006/main" xmlns:r="http://schemas.openxmlformats.org/officeDocument/2006/relationships" xmlns:p="http://schemas.openxmlformats.org/presentationml/2006/main">
+  <p:cSld>
+    <p:bg>
+      <p:bgRef idx="1001">
+        <a:schemeClr val="bg1"/>
+      </p:bgRef>
+    </p:bg>
+    <p:spTree>
+      <p:nvGrpSpPr>
+        <p:cNvPr id="1" name=""/>
+        <p:cNvGrpSpPr/>
+        <p:nvPr/>
+      </p:nvGrpSpPr>
+      <p:grpSpPr>
+        <a:xfrm>
+          <a:off x="0" y="0"/>
+          <a:ext cx="0" cy="0"/>
+          <a:chOff x="0" y="0"/>
+          <a:chExt cx="0" cy="0"/>
+        </a:xfrm>
+      </p:grpSpPr>
+      <p:sp>
+        <p:nvSpPr>
+          <p:cNvPr id="2" name="Espace réservé de l'en-tête 1"/>
+          <p:cNvSpPr>
+            <a:spLocks noGrp="1"/>
+          </p:cNvSpPr>
+          <p:nvPr>
+            <p:ph type="hdr" sz="quarter"/>
+          </p:nvPr>
+        </p:nvSpPr>
+        <p:spPr>
+          <a:xfrm>
+            <a:off x="0" y="0"/>
+            <a:ext cx="2971800" cy="457200"/>
+          </a:xfrm>
+          <a:prstGeom prst="rect">
+            <a:avLst/>
+          </a:prstGeom>
+        </p:spPr>
+        <p:txBody>
+          <a:bodyPr vert="horz" lIns="91440" tIns="45720" rIns="91440" bIns="45720" rtlCol="0"/>
+          <a:lstStyle>
+            <a:lvl1pPr algn="l">
+              <a:defRPr sz="1200"/>
+            </a:lvl1pPr>
+          </a:lstStyle>
+          <a:p>
+            <a:endParaRPr lang="fr-FR"/>
+          </a:p>
+        </p:txBody>
+      </p:sp>
+      <p:sp>
+        <p:nvSpPr>
+          <p:cNvPr id="3" name="Espace réservé de la date 2"/>
+          <p:cNvSpPr>
+            <a:spLocks noGrp="1"/>
+          </p:cNvSpPr>
+          <p:nvPr>
+            <p:ph type="dt" sz="quarter" idx="1"/>
+          </p:nvPr>
+        </p:nvSpPr>
+        <p:spPr>
+          <a:xfrm>
+            <a:off x="3884613" y="0"/>
+            <a:ext cx="2971800" cy="457200"/>
+          </a:xfrm>
+          <a:prstGeom prst="rect">
+            <a:avLst/>
+          </a:prstGeom>
+        </p:spPr>
+        <p:txBody>
+          <a:bodyPr vert="horz" lIns="91440" tIns="45720" rIns="91440" bIns="45720" rtlCol="0"/>
+          <a:lstStyle>
+            <a:lvl1pPr algn="r">
+              <a:defRPr sz="1200"/>
+            </a:lvl1pPr>
+          </a:lstStyle>
+          <a:p>
+            <a:fld id="{678F24D5-C480-446D-B22C-7F566331EF41}" type="datetimeFigureOut">
+              <a:rPr lang="fr-FR" smtClean="0"/>
+              <a:t>01/06/2011</a:t>
+            </a:fld>
+            <a:endParaRPr lang="fr-FR"/>
+          </a:p>
+        </p:txBody>
+      </p:sp>
+      <p:sp>
+        <p:nvSpPr>
+          <p:cNvPr id="4" name="Espace réservé du pied de page 3"/>
+          <p:cNvSpPr>
+            <a:spLocks noGrp="1"/>
+          </p:cNvSpPr>
+          <p:nvPr>
+            <p:ph type="ftr" sz="quarter" idx="2"/>
+          </p:nvPr>
+        </p:nvSpPr>
+        <p:spPr>
+          <a:xfrm>
+            <a:off x="0" y="8685213"/>
+            <a:ext cx="2971800" cy="457200"/>
+          </a:xfrm>
+          <a:prstGeom prst="rect">
+            <a:avLst/>
+          </a:prstGeom>
+        </p:spPr>
+        <p:txBody>
+          <a:bodyPr vert="horz" lIns="91440" tIns="45720" rIns="91440" bIns="45720" rtlCol="0" anchor="b"/>
+          <a:lstStyle>
+            <a:lvl1pPr algn="l">
+              <a:defRPr sz="1200"/>
+            </a:lvl1pPr>
+          </a:lstStyle>
+          <a:p>
+            <a:endParaRPr lang="fr-FR"/>
+          </a:p>
+        </p:txBody>
+      </p:sp>
+      <p:sp>
+        <p:nvSpPr>
+          <p:cNvPr id="5" name="Espace réservé du numéro de diapositive 4"/>
+          <p:cNvSpPr>
+            <a:spLocks noGrp="1"/>
+          </p:cNvSpPr>
+          <p:nvPr>
+            <p:ph type="sldNum" sz="quarter" idx="3"/>
+          </p:nvPr>
+        </p:nvSpPr>
+        <p:spPr>
+          <a:xfrm>
+            <a:off x="3884613" y="8685213"/>
+            <a:ext cx="2971800" cy="457200"/>
+          </a:xfrm>
+          <a:prstGeom prst="rect">
+            <a:avLst/>
+          </a:prstGeom>
+        </p:spPr>
+        <p:txBody>
+          <a:bodyPr vert="horz" lIns="91440" tIns="45720" rIns="91440" bIns="45720" rtlCol="0" anchor="b"/>
+          <a:lstStyle>
+            <a:lvl1pPr algn="r">
+              <a:defRPr sz="1200"/>
+            </a:lvl1pPr>
+          </a:lstStyle>
+          <a:p>
+            <a:fld id="{89D2BD42-B79F-43F3-A49D-57ED4F980C67}" type="slidenum">
+              <a:rPr lang="fr-FR" smtClean="0"/>
+              <a:t>‹N°›</a:t>
+            </a:fld>
+            <a:endParaRPr lang="fr-FR"/>
+          </a:p>
+        </p:txBody>
+      </p:sp>
+    </p:spTree>
+  </p:cSld>
+  <p:clrMap bg1="lt1" tx1="dk1" bg2="lt2" tx2="dk2" accent1="accent1" accent2="accent2" accent3="accent3" accent4="accent4" accent5="accent5" accent6="accent6" hlink="hlink" folHlink="folHlink"/>
+</p:handoutMaster>
+</file>
+
 <file path=ppt/notesMasters/notesMaster1.xml><?xml version="1.0" encoding="utf-8"?>
 <p:notesMaster xmlns:a="http://schemas.openxmlformats.org/drawingml/2006/main" xmlns:r="http://schemas.openxmlformats.org/officeDocument/2006/relationships" xmlns:p="http://schemas.openxmlformats.org/presentationml/2006/main">
   <p:cSld>
@@ -384,7 +547,7 @@
     </p:spTree>
     <p:extLst>
       <p:ext uri="{BB962C8B-B14F-4D97-AF65-F5344CB8AC3E}">
-        <p14:creationId xmlns:p14="http://schemas.microsoft.com/office/powerpoint/2010/main" val="2884352748"/>
+        <p14:creationId xmlns:p14="http://schemas.microsoft.com/office/powerpoint/2010/main" xmlns="" val="2884352748"/>
       </p:ext>
     </p:extLst>
   </p:cSld>
@@ -737,7 +900,11 @@
               <a:pPr/>
               <a:t>‹N°›</a:t>
             </a:fld>
-            <a:endParaRPr lang="fr-BE"/>
+            <a:r>
+              <a:rPr lang="fr-BE" dirty="0" smtClean="0"/>
+              <a:t> sur 21</a:t>
+            </a:r>
+            <a:endParaRPr lang="fr-BE" dirty="0"/>
           </a:p>
         </p:txBody>
       </p:sp>
@@ -1626,7 +1793,7 @@
             </a:fld>
             <a:r>
               <a:rPr lang="fr-BE" dirty="0" smtClean="0"/>
-              <a:t> sur ?</a:t>
+              <a:t> sur 21</a:t>
             </a:r>
             <a:endParaRPr lang="fr-BE" dirty="0"/>
           </a:p>
@@ -1790,7 +1957,7 @@
             </a:fld>
             <a:r>
               <a:rPr lang="fr-BE" dirty="0" smtClean="0"/>
-              <a:t> sur ?</a:t>
+              <a:t> sur 21</a:t>
             </a:r>
             <a:endParaRPr lang="fr-BE" dirty="0"/>
           </a:p>
@@ -3783,7 +3950,11 @@
               <a:pPr/>
               <a:t>‹N°›</a:t>
             </a:fld>
-            <a:endParaRPr lang="fr-BE"/>
+            <a:r>
+              <a:rPr lang="fr-BE" dirty="0" smtClean="0"/>
+              <a:t> sur 21</a:t>
+            </a:r>
+            <a:endParaRPr lang="fr-BE" dirty="0"/>
           </a:p>
         </p:txBody>
       </p:sp>
@@ -4372,8 +4543,12 @@
               <a:t>10</a:t>
             </a:fld>
             <a:r>
-              <a:rPr lang="fr-BE" smtClean="0"/>
-              <a:t> sur ?</a:t>
+              <a:rPr lang="fr-BE" dirty="0" smtClean="0"/>
+              <a:t> sur </a:t>
+            </a:r>
+            <a:r>
+              <a:rPr lang="fr-BE" dirty="0" smtClean="0"/>
+              <a:t>21</a:t>
             </a:r>
             <a:endParaRPr lang="fr-BE" dirty="0"/>
           </a:p>
@@ -4819,8 +4994,12 @@
               <a:t>11</a:t>
             </a:fld>
             <a:r>
-              <a:rPr lang="fr-BE" smtClean="0"/>
-              <a:t> sur ?</a:t>
+              <a:rPr lang="fr-BE" dirty="0" smtClean="0"/>
+              <a:t> sur </a:t>
+            </a:r>
+            <a:r>
+              <a:rPr lang="fr-BE" dirty="0" smtClean="0"/>
+              <a:t>21</a:t>
             </a:r>
             <a:endParaRPr lang="fr-BE" dirty="0"/>
           </a:p>
@@ -5361,8 +5540,12 @@
               <a:t>12</a:t>
             </a:fld>
             <a:r>
-              <a:rPr lang="fr-BE" smtClean="0"/>
-              <a:t> sur ?</a:t>
+              <a:rPr lang="fr-BE" dirty="0" smtClean="0"/>
+              <a:t> sur </a:t>
+            </a:r>
+            <a:r>
+              <a:rPr lang="fr-BE" dirty="0" smtClean="0"/>
+              <a:t>21</a:t>
             </a:r>
             <a:endParaRPr lang="fr-BE" dirty="0"/>
           </a:p>
@@ -5840,8 +6023,12 @@
               <a:t>13</a:t>
             </a:fld>
             <a:r>
-              <a:rPr lang="fr-BE" smtClean="0"/>
-              <a:t> sur ?</a:t>
+              <a:rPr lang="fr-BE" dirty="0" smtClean="0"/>
+              <a:t> sur </a:t>
+            </a:r>
+            <a:r>
+              <a:rPr lang="fr-BE" dirty="0" smtClean="0"/>
+              <a:t>21</a:t>
             </a:r>
             <a:endParaRPr lang="fr-BE" dirty="0"/>
           </a:p>
@@ -6324,8 +6511,12 @@
               <a:t>14</a:t>
             </a:fld>
             <a:r>
-              <a:rPr lang="fr-BE" smtClean="0"/>
-              <a:t> sur ?</a:t>
+              <a:rPr lang="fr-BE" dirty="0" smtClean="0"/>
+              <a:t> sur </a:t>
+            </a:r>
+            <a:r>
+              <a:rPr lang="fr-BE" dirty="0" smtClean="0"/>
+              <a:t>21</a:t>
             </a:r>
             <a:endParaRPr lang="fr-BE" dirty="0"/>
           </a:p>
@@ -6878,8 +7069,12 @@
               <a:t>15</a:t>
             </a:fld>
             <a:r>
-              <a:rPr lang="fr-BE" smtClean="0"/>
-              <a:t> sur ?</a:t>
+              <a:rPr lang="fr-BE" dirty="0" smtClean="0"/>
+              <a:t> sur </a:t>
+            </a:r>
+            <a:r>
+              <a:rPr lang="fr-BE" dirty="0" smtClean="0"/>
+              <a:t>21</a:t>
             </a:r>
             <a:endParaRPr lang="fr-BE" dirty="0"/>
           </a:p>
@@ -7375,8 +7570,12 @@
               <a:t>16</a:t>
             </a:fld>
             <a:r>
-              <a:rPr lang="fr-BE" smtClean="0"/>
-              <a:t> sur ?</a:t>
+              <a:rPr lang="fr-BE" dirty="0" smtClean="0"/>
+              <a:t> sur </a:t>
+            </a:r>
+            <a:r>
+              <a:rPr lang="fr-BE" dirty="0" smtClean="0"/>
+              <a:t>21</a:t>
             </a:r>
             <a:endParaRPr lang="fr-BE" dirty="0"/>
           </a:p>
@@ -7429,17 +7628,7 @@
                   </a:schemeClr>
                 </a:solidFill>
               </a:rPr>
-              <a:t> </a:t>
-            </a:r>
-            <a:r>
-              <a:rPr lang="fr-FR" dirty="0" smtClean="0">
-                <a:solidFill>
-                  <a:schemeClr val="tx2">
-                    <a:lumMod val="75000"/>
-                  </a:schemeClr>
-                </a:solidFill>
-              </a:rPr>
-              <a:t>»</a:t>
+              <a:t> »</a:t>
             </a:r>
           </a:p>
           <a:p>
@@ -7724,10 +7913,10 @@
           <p:nvPr/>
         </p:nvPicPr>
         <p:blipFill>
-          <a:blip r:embed="rId2">
+          <a:blip r:embed="rId2" cstate="print">
             <a:extLst>
               <a:ext uri="{28A0092B-C50C-407E-A947-70E740481C1C}">
-                <a14:useLocalDpi xmlns:a14="http://schemas.microsoft.com/office/drawing/2010/main" val="0"/>
+                <a14:useLocalDpi xmlns:a14="http://schemas.microsoft.com/office/drawing/2010/main" xmlns="" val="0"/>
               </a:ext>
             </a:extLst>
           </a:blip>
@@ -7747,7 +7936,7 @@
           <a:noFill/>
           <a:extLst>
             <a:ext uri="{909E8E84-426E-40DD-AFC4-6F175D3DCCD1}">
-              <a14:hiddenFill xmlns:a14="http://schemas.microsoft.com/office/drawing/2010/main">
+              <a14:hiddenFill xmlns:a14="http://schemas.microsoft.com/office/drawing/2010/main" xmlns="">
                 <a:solidFill>
                   <a:srgbClr val="FFFFFF"/>
                 </a:solidFill>
@@ -7864,8 +8053,12 @@
               <a:t>17</a:t>
             </a:fld>
             <a:r>
-              <a:rPr lang="fr-BE" smtClean="0"/>
-              <a:t> sur ?</a:t>
+              <a:rPr lang="fr-BE" dirty="0" smtClean="0"/>
+              <a:t> sur </a:t>
+            </a:r>
+            <a:r>
+              <a:rPr lang="fr-BE" dirty="0" smtClean="0"/>
+              <a:t>21</a:t>
             </a:r>
             <a:endParaRPr lang="fr-BE" dirty="0"/>
           </a:p>
@@ -7898,17 +8091,7 @@
                   </a:schemeClr>
                 </a:solidFill>
               </a:rPr>
-              <a:t>Les « lyrics </a:t>
-            </a:r>
-            <a:r>
-              <a:rPr lang="fr-FR" dirty="0" smtClean="0">
-                <a:solidFill>
-                  <a:schemeClr val="tx2">
-                    <a:lumMod val="75000"/>
-                  </a:schemeClr>
-                </a:solidFill>
-              </a:rPr>
-              <a:t>»</a:t>
+              <a:t>Les « lyrics »</a:t>
             </a:r>
           </a:p>
           <a:p>
@@ -8362,8 +8545,12 @@
               <a:t>18</a:t>
             </a:fld>
             <a:r>
-              <a:rPr lang="fr-BE" smtClean="0"/>
-              <a:t> sur ?</a:t>
+              <a:rPr lang="fr-BE" dirty="0" smtClean="0"/>
+              <a:t> sur </a:t>
+            </a:r>
+            <a:r>
+              <a:rPr lang="fr-BE" dirty="0" smtClean="0"/>
+              <a:t>21</a:t>
             </a:r>
             <a:endParaRPr lang="fr-BE" dirty="0"/>
           </a:p>
@@ -8813,8 +9000,12 @@
               <a:t>19</a:t>
             </a:fld>
             <a:r>
-              <a:rPr lang="fr-BE" smtClean="0"/>
-              <a:t> sur ?</a:t>
+              <a:rPr lang="fr-BE" dirty="0" smtClean="0"/>
+              <a:t> sur </a:t>
+            </a:r>
+            <a:r>
+              <a:rPr lang="fr-BE" dirty="0" smtClean="0"/>
+              <a:t>21</a:t>
             </a:r>
             <a:endParaRPr lang="fr-BE" dirty="0"/>
           </a:p>
@@ -9713,8 +9904,12 @@
               <a:t>2</a:t>
             </a:fld>
             <a:r>
-              <a:rPr lang="fr-BE" smtClean="0"/>
-              <a:t> sur ?</a:t>
+              <a:rPr lang="fr-BE" dirty="0" smtClean="0"/>
+              <a:t> sur </a:t>
+            </a:r>
+            <a:r>
+              <a:rPr lang="fr-BE" dirty="0" smtClean="0"/>
+              <a:t>21</a:t>
             </a:r>
             <a:endParaRPr lang="fr-BE" dirty="0"/>
           </a:p>
@@ -9828,8 +10023,12 @@
               <a:t>20</a:t>
             </a:fld>
             <a:r>
-              <a:rPr lang="fr-BE" smtClean="0"/>
-              <a:t> sur ?</a:t>
+              <a:rPr lang="fr-BE" dirty="0" smtClean="0"/>
+              <a:t> sur </a:t>
+            </a:r>
+            <a:r>
+              <a:rPr lang="fr-BE" dirty="0" smtClean="0"/>
+              <a:t>21</a:t>
             </a:r>
             <a:endParaRPr lang="fr-BE" dirty="0"/>
           </a:p>
@@ -10270,8 +10469,12 @@
               <a:t>21</a:t>
             </a:fld>
             <a:r>
-              <a:rPr lang="fr-BE" smtClean="0"/>
-              <a:t> sur ?</a:t>
+              <a:rPr lang="fr-BE" dirty="0" smtClean="0"/>
+              <a:t> sur </a:t>
+            </a:r>
+            <a:r>
+              <a:rPr lang="fr-BE" dirty="0" smtClean="0"/>
+              <a:t>21</a:t>
             </a:r>
             <a:endParaRPr lang="fr-BE" dirty="0"/>
           </a:p>
@@ -10409,8 +10612,12 @@
               <a:t>3</a:t>
             </a:fld>
             <a:r>
-              <a:rPr lang="fr-BE" smtClean="0"/>
-              <a:t> sur ?</a:t>
+              <a:rPr lang="fr-BE" dirty="0" smtClean="0"/>
+              <a:t> sur </a:t>
+            </a:r>
+            <a:r>
+              <a:rPr lang="fr-BE" dirty="0" smtClean="0"/>
+              <a:t>21</a:t>
             </a:r>
             <a:endParaRPr lang="fr-BE" dirty="0"/>
           </a:p>
@@ -10884,8 +11091,12 @@
               <a:t>4</a:t>
             </a:fld>
             <a:r>
-              <a:rPr lang="fr-BE" smtClean="0"/>
-              <a:t> sur ?</a:t>
+              <a:rPr lang="fr-BE" dirty="0" smtClean="0"/>
+              <a:t> sur </a:t>
+            </a:r>
+            <a:r>
+              <a:rPr lang="fr-BE" dirty="0" smtClean="0"/>
+              <a:t>21</a:t>
             </a:r>
             <a:endParaRPr lang="fr-BE" dirty="0"/>
           </a:p>
@@ -11380,8 +11591,12 @@
               <a:t>5</a:t>
             </a:fld>
             <a:r>
-              <a:rPr lang="fr-BE" smtClean="0"/>
-              <a:t> sur ?</a:t>
+              <a:rPr lang="fr-BE" dirty="0" smtClean="0"/>
+              <a:t> sur </a:t>
+            </a:r>
+            <a:r>
+              <a:rPr lang="fr-BE" dirty="0" smtClean="0"/>
+              <a:t>21</a:t>
             </a:r>
             <a:endParaRPr lang="fr-BE" dirty="0"/>
           </a:p>
@@ -11756,8 +11971,12 @@
               <a:t>6</a:t>
             </a:fld>
             <a:r>
-              <a:rPr lang="fr-BE" smtClean="0"/>
-              <a:t> sur ?</a:t>
+              <a:rPr lang="fr-BE" dirty="0" smtClean="0"/>
+              <a:t> sur </a:t>
+            </a:r>
+            <a:r>
+              <a:rPr lang="fr-BE" dirty="0" smtClean="0"/>
+              <a:t>21</a:t>
             </a:r>
             <a:endParaRPr lang="fr-BE" dirty="0"/>
           </a:p>
@@ -12198,8 +12417,12 @@
               <a:t>7</a:t>
             </a:fld>
             <a:r>
-              <a:rPr lang="fr-BE" smtClean="0"/>
-              <a:t> sur ?</a:t>
+              <a:rPr lang="fr-BE" dirty="0" smtClean="0"/>
+              <a:t> sur </a:t>
+            </a:r>
+            <a:r>
+              <a:rPr lang="fr-BE" dirty="0" smtClean="0"/>
+              <a:t>21</a:t>
             </a:r>
             <a:endParaRPr lang="fr-BE" dirty="0"/>
           </a:p>
@@ -12574,8 +12797,12 @@
               <a:t>8</a:t>
             </a:fld>
             <a:r>
-              <a:rPr lang="fr-BE" smtClean="0"/>
-              <a:t> sur ?</a:t>
+              <a:rPr lang="fr-BE" dirty="0" smtClean="0"/>
+              <a:t> sur </a:t>
+            </a:r>
+            <a:r>
+              <a:rPr lang="fr-BE" dirty="0" smtClean="0"/>
+              <a:t>21</a:t>
             </a:r>
             <a:endParaRPr lang="fr-BE" dirty="0"/>
           </a:p>
@@ -13084,8 +13311,12 @@
               <a:t>9</a:t>
             </a:fld>
             <a:r>
-              <a:rPr lang="fr-BE" smtClean="0"/>
-              <a:t> sur ?</a:t>
+              <a:rPr lang="fr-BE" dirty="0" smtClean="0"/>
+              <a:t> sur </a:t>
+            </a:r>
+            <a:r>
+              <a:rPr lang="fr-BE" dirty="0" smtClean="0"/>
+              <a:t>21</a:t>
             </a:r>
             <a:endParaRPr lang="fr-BE" dirty="0"/>
           </a:p>
@@ -14000,4 +14231,287 @@
   <a:objectDefaults/>
   <a:extraClrSchemeLst/>
 </a:theme>
+</file>
+
+<file path=ppt/theme/theme3.xml><?xml version="1.0" encoding="utf-8"?>
+<a:theme xmlns:a="http://schemas.openxmlformats.org/drawingml/2006/main" name="Thème Office">
+  <a:themeElements>
+    <a:clrScheme name="Office">
+      <a:dk1>
+        <a:sysClr val="windowText" lastClr="000000"/>
+      </a:dk1>
+      <a:lt1>
+        <a:sysClr val="window" lastClr="FFFFFF"/>
+      </a:lt1>
+      <a:dk2>
+        <a:srgbClr val="1F497D"/>
+      </a:dk2>
+      <a:lt2>
+        <a:srgbClr val="EEECE1"/>
+      </a:lt2>
+      <a:accent1>
+        <a:srgbClr val="4F81BD"/>
+      </a:accent1>
+      <a:accent2>
+        <a:srgbClr val="C0504D"/>
+      </a:accent2>
+      <a:accent3>
+        <a:srgbClr val="9BBB59"/>
+      </a:accent3>
+      <a:accent4>
+        <a:srgbClr val="8064A2"/>
+      </a:accent4>
+      <a:accent5>
+        <a:srgbClr val="4BACC6"/>
+      </a:accent5>
+      <a:accent6>
+        <a:srgbClr val="F79646"/>
+      </a:accent6>
+      <a:hlink>
+        <a:srgbClr val="0000FF"/>
+      </a:hlink>
+      <a:folHlink>
+        <a:srgbClr val="800080"/>
+      </a:folHlink>
+    </a:clrScheme>
+    <a:fontScheme name="Office">
+      <a:majorFont>
+        <a:latin typeface="Calibri"/>
+        <a:ea typeface=""/>
+        <a:cs typeface=""/>
+        <a:font script="Jpan" typeface="ＭＳ Ｐゴシック"/>
+        <a:font script="Hang" typeface="맑은 고딕"/>
+        <a:font script="Hans" typeface="宋体"/>
+        <a:font script="Hant" typeface="新細明體"/>
+        <a:font script="Arab" typeface="Times New Roman"/>
+        <a:font script="Hebr" typeface="Times New Roman"/>
+        <a:font script="Thai" typeface="Angsana New"/>
+        <a:font script="Ethi" typeface="Nyala"/>
+        <a:font script="Beng" typeface="Vrinda"/>
+        <a:font script="Gujr" typeface="Shruti"/>
+        <a:font script="Khmr" typeface="MoolBoran"/>
+        <a:font script="Knda" typeface="Tunga"/>
+        <a:font script="Guru" typeface="Raavi"/>
+        <a:font script="Cans" typeface="Euphemia"/>
+        <a:font script="Cher" typeface="Plantagenet Cherokee"/>
+        <a:font script="Yiii" typeface="Microsoft Yi Baiti"/>
+        <a:font script="Tibt" typeface="Microsoft Himalaya"/>
+        <a:font script="Thaa" typeface="MV Boli"/>
+        <a:font script="Deva" typeface="Mangal"/>
+        <a:font script="Telu" typeface="Gautami"/>
+        <a:font script="Taml" typeface="Latha"/>
+        <a:font script="Syrc" typeface="Estrangelo Edessa"/>
+        <a:font script="Orya" typeface="Kalinga"/>
+        <a:font script="Mlym" typeface="Kartika"/>
+        <a:font script="Laoo" typeface="DokChampa"/>
+        <a:font script="Sinh" typeface="Iskoola Pota"/>
+        <a:font script="Mong" typeface="Mongolian Baiti"/>
+        <a:font script="Viet" typeface="Times New Roman"/>
+        <a:font script="Uigh" typeface="Microsoft Uighur"/>
+      </a:majorFont>
+      <a:minorFont>
+        <a:latin typeface="Calibri"/>
+        <a:ea typeface=""/>
+        <a:cs typeface=""/>
+        <a:font script="Jpan" typeface="ＭＳ Ｐゴシック"/>
+        <a:font script="Hang" typeface="맑은 고딕"/>
+        <a:font script="Hans" typeface="宋体"/>
+        <a:font script="Hant" typeface="新細明體"/>
+        <a:font script="Arab" typeface="Arial"/>
+        <a:font script="Hebr" typeface="Arial"/>
+        <a:font script="Thai" typeface="Cordia New"/>
+        <a:font script="Ethi" typeface="Nyala"/>
+        <a:font script="Beng" typeface="Vrinda"/>
+        <a:font script="Gujr" typeface="Shruti"/>
+        <a:font script="Khmr" typeface="DaunPenh"/>
+        <a:font script="Knda" typeface="Tunga"/>
+        <a:font script="Guru" typeface="Raavi"/>
+        <a:font script="Cans" typeface="Euphemia"/>
+        <a:font script="Cher" typeface="Plantagenet Cherokee"/>
+        <a:font script="Yiii" typeface="Microsoft Yi Baiti"/>
+        <a:font script="Tibt" typeface="Microsoft Himalaya"/>
+        <a:font script="Thaa" typeface="MV Boli"/>
+        <a:font script="Deva" typeface="Mangal"/>
+        <a:font script="Telu" typeface="Gautami"/>
+        <a:font script="Taml" typeface="Latha"/>
+        <a:font script="Syrc" typeface="Estrangelo Edessa"/>
+        <a:font script="Orya" typeface="Kalinga"/>
+        <a:font script="Mlym" typeface="Kartika"/>
+        <a:font script="Laoo" typeface="DokChampa"/>
+        <a:font script="Sinh" typeface="Iskoola Pota"/>
+        <a:font script="Mong" typeface="Mongolian Baiti"/>
+        <a:font script="Viet" typeface="Arial"/>
+        <a:font script="Uigh" typeface="Microsoft Uighur"/>
+      </a:minorFont>
+    </a:fontScheme>
+    <a:fmtScheme name="Office">
+      <a:fillStyleLst>
+        <a:solidFill>
+          <a:schemeClr val="phClr"/>
+        </a:solidFill>
+        <a:gradFill rotWithShape="1">
+          <a:gsLst>
+            <a:gs pos="0">
+              <a:schemeClr val="phClr">
+                <a:tint val="50000"/>
+                <a:satMod val="300000"/>
+              </a:schemeClr>
+            </a:gs>
+            <a:gs pos="35000">
+              <a:schemeClr val="phClr">
+                <a:tint val="37000"/>
+                <a:satMod val="300000"/>
+              </a:schemeClr>
+            </a:gs>
+            <a:gs pos="100000">
+              <a:schemeClr val="phClr">
+                <a:tint val="15000"/>
+                <a:satMod val="350000"/>
+              </a:schemeClr>
+            </a:gs>
+          </a:gsLst>
+          <a:lin ang="16200000" scaled="1"/>
+        </a:gradFill>
+        <a:gradFill rotWithShape="1">
+          <a:gsLst>
+            <a:gs pos="0">
+              <a:schemeClr val="phClr">
+                <a:shade val="51000"/>
+                <a:satMod val="130000"/>
+              </a:schemeClr>
+            </a:gs>
+            <a:gs pos="80000">
+              <a:schemeClr val="phClr">
+                <a:shade val="93000"/>
+                <a:satMod val="130000"/>
+              </a:schemeClr>
+            </a:gs>
+            <a:gs pos="100000">
+              <a:schemeClr val="phClr">
+                <a:shade val="94000"/>
+                <a:satMod val="135000"/>
+              </a:schemeClr>
+            </a:gs>
+          </a:gsLst>
+          <a:lin ang="16200000" scaled="0"/>
+        </a:gradFill>
+      </a:fillStyleLst>
+      <a:lnStyleLst>
+        <a:ln w="9525" cap="flat" cmpd="sng" algn="ctr">
+          <a:solidFill>
+            <a:schemeClr val="phClr">
+              <a:shade val="95000"/>
+              <a:satMod val="105000"/>
+            </a:schemeClr>
+          </a:solidFill>
+          <a:prstDash val="solid"/>
+        </a:ln>
+        <a:ln w="25400" cap="flat" cmpd="sng" algn="ctr">
+          <a:solidFill>
+            <a:schemeClr val="phClr"/>
+          </a:solidFill>
+          <a:prstDash val="solid"/>
+        </a:ln>
+        <a:ln w="38100" cap="flat" cmpd="sng" algn="ctr">
+          <a:solidFill>
+            <a:schemeClr val="phClr"/>
+          </a:solidFill>
+          <a:prstDash val="solid"/>
+        </a:ln>
+      </a:lnStyleLst>
+      <a:effectStyleLst>
+        <a:effectStyle>
+          <a:effectLst>
+            <a:outerShdw blurRad="40000" dist="20000" dir="5400000" rotWithShape="0">
+              <a:srgbClr val="000000">
+                <a:alpha val="38000"/>
+              </a:srgbClr>
+            </a:outerShdw>
+          </a:effectLst>
+        </a:effectStyle>
+        <a:effectStyle>
+          <a:effectLst>
+            <a:outerShdw blurRad="40000" dist="23000" dir="5400000" rotWithShape="0">
+              <a:srgbClr val="000000">
+                <a:alpha val="35000"/>
+              </a:srgbClr>
+            </a:outerShdw>
+          </a:effectLst>
+        </a:effectStyle>
+        <a:effectStyle>
+          <a:effectLst>
+            <a:outerShdw blurRad="40000" dist="23000" dir="5400000" rotWithShape="0">
+              <a:srgbClr val="000000">
+                <a:alpha val="35000"/>
+              </a:srgbClr>
+            </a:outerShdw>
+          </a:effectLst>
+          <a:scene3d>
+            <a:camera prst="orthographicFront">
+              <a:rot lat="0" lon="0" rev="0"/>
+            </a:camera>
+            <a:lightRig rig="threePt" dir="t">
+              <a:rot lat="0" lon="0" rev="1200000"/>
+            </a:lightRig>
+          </a:scene3d>
+          <a:sp3d>
+            <a:bevelT w="63500" h="25400"/>
+          </a:sp3d>
+        </a:effectStyle>
+      </a:effectStyleLst>
+      <a:bgFillStyleLst>
+        <a:solidFill>
+          <a:schemeClr val="phClr"/>
+        </a:solidFill>
+        <a:gradFill rotWithShape="1">
+          <a:gsLst>
+            <a:gs pos="0">
+              <a:schemeClr val="phClr">
+                <a:tint val="40000"/>
+                <a:satMod val="350000"/>
+              </a:schemeClr>
+            </a:gs>
+            <a:gs pos="40000">
+              <a:schemeClr val="phClr">
+                <a:tint val="45000"/>
+                <a:shade val="99000"/>
+                <a:satMod val="350000"/>
+              </a:schemeClr>
+            </a:gs>
+            <a:gs pos="100000">
+              <a:schemeClr val="phClr">
+                <a:shade val="20000"/>
+                <a:satMod val="255000"/>
+              </a:schemeClr>
+            </a:gs>
+          </a:gsLst>
+          <a:path path="circle">
+            <a:fillToRect l="50000" t="-80000" r="50000" b="180000"/>
+          </a:path>
+        </a:gradFill>
+        <a:gradFill rotWithShape="1">
+          <a:gsLst>
+            <a:gs pos="0">
+              <a:schemeClr val="phClr">
+                <a:tint val="80000"/>
+                <a:satMod val="300000"/>
+              </a:schemeClr>
+            </a:gs>
+            <a:gs pos="100000">
+              <a:schemeClr val="phClr">
+                <a:shade val="30000"/>
+                <a:satMod val="200000"/>
+              </a:schemeClr>
+            </a:gs>
+          </a:gsLst>
+          <a:path path="circle">
+            <a:fillToRect l="50000" t="50000" r="50000" b="50000"/>
+          </a:path>
+        </a:gradFill>
+      </a:bgFillStyleLst>
+    </a:fmtScheme>
+  </a:themeElements>
+  <a:objectDefaults/>
+  <a:extraClrSchemeLst/>
+</a:theme>
 </file>
--- a/trunk/AAP/docs/Presentation.pptx
+++ b/trunk/AAP/docs/Presentation.pptx
@@ -215,7 +215,8 @@
           <a:p>
             <a:fld id="{678F24D5-C480-446D-B22C-7F566331EF41}" type="datetimeFigureOut">
               <a:rPr lang="fr-FR" smtClean="0"/>
-              <a:t>01/06/2011</a:t>
+              <a:pPr/>
+              <a:t>02/06/2011</a:t>
             </a:fld>
             <a:endParaRPr lang="fr-FR"/>
           </a:p>
@@ -281,6 +282,7 @@
           <a:p>
             <a:fld id="{89D2BD42-B79F-43F3-A49D-57ED4F980C67}" type="slidenum">
               <a:rPr lang="fr-FR" smtClean="0"/>
+              <a:pPr/>
               <a:t>‹N°›</a:t>
             </a:fld>
             <a:endParaRPr lang="fr-FR"/>
@@ -376,7 +378,7 @@
             <a:fld id="{9F7A5740-AB0E-48E6-BCE9-09FA638B6FD3}" type="datetimeFigureOut">
               <a:rPr lang="fr-FR" smtClean="0"/>
               <a:pPr/>
-              <a:t>01/06/2011</a:t>
+              <a:t>02/06/2011</a:t>
             </a:fld>
             <a:endParaRPr lang="fr-FR"/>
           </a:p>
@@ -547,7 +549,7 @@
     </p:spTree>
     <p:extLst>
       <p:ext uri="{BB962C8B-B14F-4D97-AF65-F5344CB8AC3E}">
-        <p14:creationId xmlns:p14="http://schemas.microsoft.com/office/powerpoint/2010/main" xmlns="" val="2884352748"/>
+        <p14:creationId xmlns="" xmlns:p14="http://schemas.microsoft.com/office/powerpoint/2010/main" val="2884352748"/>
       </p:ext>
     </p:extLst>
   </p:cSld>
@@ -851,7 +853,7 @@
             <a:fld id="{DF9D4494-96E0-4406-9347-E80FE7704387}" type="datetime1">
               <a:rPr lang="fr-FR" smtClean="0"/>
               <a:pPr/>
-              <a:t>01/06/2011</a:t>
+              <a:t>02/06/2011</a:t>
             </a:fld>
             <a:endParaRPr lang="fr-BE"/>
           </a:p>
@@ -1112,7 +1114,7 @@
             <a:fld id="{A89CA437-F84A-4BDD-8C20-46077FA11AD7}" type="datetime1">
               <a:rPr lang="fr-FR" smtClean="0"/>
               <a:pPr/>
-              <a:t>01/06/2011</a:t>
+              <a:t>02/06/2011</a:t>
             </a:fld>
             <a:endParaRPr lang="fr-BE"/>
           </a:p>
@@ -1283,7 +1285,7 @@
             <a:fld id="{24135A20-DC24-4C20-9F62-FD3DD13F2969}" type="datetime1">
               <a:rPr lang="fr-FR" smtClean="0"/>
               <a:pPr/>
-              <a:t>01/06/2011</a:t>
+              <a:t>02/06/2011</a:t>
             </a:fld>
             <a:endParaRPr lang="fr-BE"/>
           </a:p>
@@ -1464,7 +1466,7 @@
             <a:fld id="{C74C95C5-D393-4D2F-A12B-633BD3C7E534}" type="datetime1">
               <a:rPr lang="fr-FR" smtClean="0"/>
               <a:pPr/>
-              <a:t>01/06/2011</a:t>
+              <a:t>02/06/2011</a:t>
             </a:fld>
             <a:endParaRPr lang="fr-BE"/>
           </a:p>
@@ -2446,7 +2448,7 @@
             <a:fld id="{9DEFE777-74D9-46A9-AF63-ECD7CA5CB743}" type="datetime1">
               <a:rPr lang="fr-FR" smtClean="0"/>
               <a:pPr/>
-              <a:t>01/06/2011</a:t>
+              <a:t>02/06/2011</a:t>
             </a:fld>
             <a:endParaRPr lang="fr-BE"/>
           </a:p>
@@ -2735,7 +2737,7 @@
             <a:fld id="{9ACF5AB4-72D0-4411-8F4F-4D9D79E948BF}" type="datetime1">
               <a:rPr lang="fr-FR" smtClean="0"/>
               <a:pPr/>
-              <a:t>01/06/2011</a:t>
+              <a:t>02/06/2011</a:t>
             </a:fld>
             <a:endParaRPr lang="fr-BE"/>
           </a:p>
@@ -3158,7 +3160,7 @@
             <a:fld id="{D2811741-81B4-41E5-A5E9-7992F4B62001}" type="datetime1">
               <a:rPr lang="fr-FR" smtClean="0"/>
               <a:pPr/>
-              <a:t>01/06/2011</a:t>
+              <a:t>02/06/2011</a:t>
             </a:fld>
             <a:endParaRPr lang="fr-BE"/>
           </a:p>
@@ -3277,7 +3279,7 @@
             <a:fld id="{FA06DA9A-0216-4D5C-BA8D-BFCD89B87CAB}" type="datetime1">
               <a:rPr lang="fr-FR" smtClean="0"/>
               <a:pPr/>
-              <a:t>01/06/2011</a:t>
+              <a:t>02/06/2011</a:t>
             </a:fld>
             <a:endParaRPr lang="fr-BE"/>
           </a:p>
@@ -3373,7 +3375,7 @@
             <a:fld id="{3EDB268D-CAC0-4A46-8E29-E987593C3F48}" type="datetime1">
               <a:rPr lang="fr-FR" smtClean="0"/>
               <a:pPr/>
-              <a:t>01/06/2011</a:t>
+              <a:t>02/06/2011</a:t>
             </a:fld>
             <a:endParaRPr lang="fr-BE"/>
           </a:p>
@@ -3651,7 +3653,7 @@
             <a:fld id="{5B09ACAE-89F7-4AA2-AF12-DFB25BECD9F8}" type="datetime1">
               <a:rPr lang="fr-FR" smtClean="0"/>
               <a:pPr/>
-              <a:t>01/06/2011</a:t>
+              <a:t>02/06/2011</a:t>
             </a:fld>
             <a:endParaRPr lang="fr-BE"/>
           </a:p>
@@ -3865,7 +3867,7 @@
             <a:fld id="{C2D67580-B034-40FA-BDF9-08E33D7DD05F}" type="datetime1">
               <a:rPr lang="fr-FR" smtClean="0"/>
               <a:pPr/>
-              <a:t>01/06/2011</a:t>
+              <a:t>02/06/2011</a:t>
             </a:fld>
             <a:endParaRPr lang="fr-BE"/>
           </a:p>
@@ -4544,11 +4546,7 @@
             </a:fld>
             <a:r>
               <a:rPr lang="fr-BE" dirty="0" smtClean="0"/>
-              <a:t> sur </a:t>
-            </a:r>
-            <a:r>
-              <a:rPr lang="fr-BE" dirty="0" smtClean="0"/>
-              <a:t>21</a:t>
+              <a:t> sur 21</a:t>
             </a:r>
             <a:endParaRPr lang="fr-BE" dirty="0"/>
           </a:p>
@@ -4995,11 +4993,7 @@
             </a:fld>
             <a:r>
               <a:rPr lang="fr-BE" dirty="0" smtClean="0"/>
-              <a:t> sur </a:t>
-            </a:r>
-            <a:r>
-              <a:rPr lang="fr-BE" dirty="0" smtClean="0"/>
-              <a:t>21</a:t>
+              <a:t> sur 21</a:t>
             </a:r>
             <a:endParaRPr lang="fr-BE" dirty="0"/>
           </a:p>
@@ -5541,11 +5535,7 @@
             </a:fld>
             <a:r>
               <a:rPr lang="fr-BE" dirty="0" smtClean="0"/>
-              <a:t> sur </a:t>
-            </a:r>
-            <a:r>
-              <a:rPr lang="fr-BE" dirty="0" smtClean="0"/>
-              <a:t>21</a:t>
+              <a:t> sur 21</a:t>
             </a:r>
             <a:endParaRPr lang="fr-BE" dirty="0"/>
           </a:p>
@@ -5883,8 +5873,8 @@
         </p:blipFill>
         <p:spPr>
           <a:xfrm>
-            <a:off x="2123728" y="1916832"/>
-            <a:ext cx="2606040" cy="3840480"/>
+            <a:off x="2123728" y="1922664"/>
+            <a:ext cx="2606040" cy="3828815"/>
           </a:xfrm>
           <a:prstGeom prst="rect">
             <a:avLst/>
@@ -5907,8 +5897,8 @@
         </p:blipFill>
         <p:spPr>
           <a:xfrm>
-            <a:off x="5018092" y="2564904"/>
-            <a:ext cx="3802380" cy="2598420"/>
+            <a:off x="5018092" y="2571305"/>
+            <a:ext cx="3802380" cy="2585618"/>
           </a:xfrm>
           <a:prstGeom prst="rect">
             <a:avLst/>
@@ -6024,11 +6014,7 @@
             </a:fld>
             <a:r>
               <a:rPr lang="fr-BE" dirty="0" smtClean="0"/>
-              <a:t> sur </a:t>
-            </a:r>
-            <a:r>
-              <a:rPr lang="fr-BE" dirty="0" smtClean="0"/>
-              <a:t>21</a:t>
+              <a:t> sur 21</a:t>
             </a:r>
             <a:endParaRPr lang="fr-BE" dirty="0"/>
           </a:p>
@@ -6512,11 +6498,7 @@
             </a:fld>
             <a:r>
               <a:rPr lang="fr-BE" dirty="0" smtClean="0"/>
-              <a:t> sur </a:t>
-            </a:r>
-            <a:r>
-              <a:rPr lang="fr-BE" dirty="0" smtClean="0"/>
-              <a:t>21</a:t>
+              <a:t> sur 21</a:t>
             </a:r>
             <a:endParaRPr lang="fr-BE" dirty="0"/>
           </a:p>
@@ -7070,11 +7052,7 @@
             </a:fld>
             <a:r>
               <a:rPr lang="fr-BE" dirty="0" smtClean="0"/>
-              <a:t> sur </a:t>
-            </a:r>
-            <a:r>
-              <a:rPr lang="fr-BE" dirty="0" smtClean="0"/>
-              <a:t>21</a:t>
+              <a:t> sur 21</a:t>
             </a:r>
             <a:endParaRPr lang="fr-BE" dirty="0"/>
           </a:p>
@@ -7571,11 +7549,7 @@
             </a:fld>
             <a:r>
               <a:rPr lang="fr-BE" dirty="0" smtClean="0"/>
-              <a:t> sur </a:t>
-            </a:r>
-            <a:r>
-              <a:rPr lang="fr-BE" dirty="0" smtClean="0"/>
-              <a:t>21</a:t>
+              <a:t> sur 21</a:t>
             </a:r>
             <a:endParaRPr lang="fr-BE" dirty="0"/>
           </a:p>
@@ -7916,7 +7890,7 @@
           <a:blip r:embed="rId2" cstate="print">
             <a:extLst>
               <a:ext uri="{28A0092B-C50C-407E-A947-70E740481C1C}">
-                <a14:useLocalDpi xmlns:a14="http://schemas.microsoft.com/office/drawing/2010/main" xmlns="" val="0"/>
+                <a14:useLocalDpi xmlns="" xmlns:a14="http://schemas.microsoft.com/office/drawing/2010/main" val="0"/>
               </a:ext>
             </a:extLst>
           </a:blip>
@@ -7936,7 +7910,7 @@
           <a:noFill/>
           <a:extLst>
             <a:ext uri="{909E8E84-426E-40DD-AFC4-6F175D3DCCD1}">
-              <a14:hiddenFill xmlns:a14="http://schemas.microsoft.com/office/drawing/2010/main" xmlns="">
+              <a14:hiddenFill xmlns="" xmlns:a14="http://schemas.microsoft.com/office/drawing/2010/main">
                 <a:solidFill>
                   <a:srgbClr val="FFFFFF"/>
                 </a:solidFill>
@@ -8054,11 +8028,7 @@
             </a:fld>
             <a:r>
               <a:rPr lang="fr-BE" dirty="0" smtClean="0"/>
-              <a:t> sur </a:t>
-            </a:r>
-            <a:r>
-              <a:rPr lang="fr-BE" dirty="0" smtClean="0"/>
-              <a:t>21</a:t>
+              <a:t> sur 21</a:t>
             </a:r>
             <a:endParaRPr lang="fr-BE" dirty="0"/>
           </a:p>
@@ -8546,11 +8516,7 @@
             </a:fld>
             <a:r>
               <a:rPr lang="fr-BE" dirty="0" smtClean="0"/>
-              <a:t> sur </a:t>
-            </a:r>
-            <a:r>
-              <a:rPr lang="fr-BE" dirty="0" smtClean="0"/>
-              <a:t>21</a:t>
+              <a:t> sur 21</a:t>
             </a:r>
             <a:endParaRPr lang="fr-BE" dirty="0"/>
           </a:p>
@@ -9001,11 +8967,7 @@
             </a:fld>
             <a:r>
               <a:rPr lang="fr-BE" dirty="0" smtClean="0"/>
-              <a:t> sur </a:t>
-            </a:r>
-            <a:r>
-              <a:rPr lang="fr-BE" dirty="0" smtClean="0"/>
-              <a:t>21</a:t>
+              <a:t> sur 21</a:t>
             </a:r>
             <a:endParaRPr lang="fr-BE" dirty="0"/>
           </a:p>
@@ -9905,11 +9867,7 @@
             </a:fld>
             <a:r>
               <a:rPr lang="fr-BE" dirty="0" smtClean="0"/>
-              <a:t> sur </a:t>
-            </a:r>
-            <a:r>
-              <a:rPr lang="fr-BE" dirty="0" smtClean="0"/>
-              <a:t>21</a:t>
+              <a:t> sur 21</a:t>
             </a:r>
             <a:endParaRPr lang="fr-BE" dirty="0"/>
           </a:p>
@@ -10024,11 +9982,7 @@
             </a:fld>
             <a:r>
               <a:rPr lang="fr-BE" dirty="0" smtClean="0"/>
-              <a:t> sur </a:t>
-            </a:r>
-            <a:r>
-              <a:rPr lang="fr-BE" dirty="0" smtClean="0"/>
-              <a:t>21</a:t>
+              <a:t> sur 21</a:t>
             </a:r>
             <a:endParaRPr lang="fr-BE" dirty="0"/>
           </a:p>
@@ -10470,11 +10424,7 @@
             </a:fld>
             <a:r>
               <a:rPr lang="fr-BE" dirty="0" smtClean="0"/>
-              <a:t> sur </a:t>
-            </a:r>
-            <a:r>
-              <a:rPr lang="fr-BE" dirty="0" smtClean="0"/>
-              <a:t>21</a:t>
+              <a:t> sur 21</a:t>
             </a:r>
             <a:endParaRPr lang="fr-BE" dirty="0"/>
           </a:p>
@@ -10613,11 +10563,7 @@
             </a:fld>
             <a:r>
               <a:rPr lang="fr-BE" dirty="0" smtClean="0"/>
-              <a:t> sur </a:t>
-            </a:r>
-            <a:r>
-              <a:rPr lang="fr-BE" dirty="0" smtClean="0"/>
-              <a:t>21</a:t>
+              <a:t> sur 21</a:t>
             </a:r>
             <a:endParaRPr lang="fr-BE" dirty="0"/>
           </a:p>
@@ -11092,11 +11038,7 @@
             </a:fld>
             <a:r>
               <a:rPr lang="fr-BE" dirty="0" smtClean="0"/>
-              <a:t> sur </a:t>
-            </a:r>
-            <a:r>
-              <a:rPr lang="fr-BE" dirty="0" smtClean="0"/>
-              <a:t>21</a:t>
+              <a:t> sur 21</a:t>
             </a:r>
             <a:endParaRPr lang="fr-BE" dirty="0"/>
           </a:p>
@@ -11592,11 +11534,7 @@
             </a:fld>
             <a:r>
               <a:rPr lang="fr-BE" dirty="0" smtClean="0"/>
-              <a:t> sur </a:t>
-            </a:r>
-            <a:r>
-              <a:rPr lang="fr-BE" dirty="0" smtClean="0"/>
-              <a:t>21</a:t>
+              <a:t> sur 21</a:t>
             </a:r>
             <a:endParaRPr lang="fr-BE" dirty="0"/>
           </a:p>
@@ -11972,11 +11910,7 @@
             </a:fld>
             <a:r>
               <a:rPr lang="fr-BE" dirty="0" smtClean="0"/>
-              <a:t> sur </a:t>
-            </a:r>
-            <a:r>
-              <a:rPr lang="fr-BE" dirty="0" smtClean="0"/>
-              <a:t>21</a:t>
+              <a:t> sur 21</a:t>
             </a:r>
             <a:endParaRPr lang="fr-BE" dirty="0"/>
           </a:p>
@@ -12418,11 +12352,7 @@
             </a:fld>
             <a:r>
               <a:rPr lang="fr-BE" dirty="0" smtClean="0"/>
-              <a:t> sur </a:t>
-            </a:r>
-            <a:r>
-              <a:rPr lang="fr-BE" dirty="0" smtClean="0"/>
-              <a:t>21</a:t>
+              <a:t> sur 21</a:t>
             </a:r>
             <a:endParaRPr lang="fr-BE" dirty="0"/>
           </a:p>
@@ -12798,11 +12728,7 @@
             </a:fld>
             <a:r>
               <a:rPr lang="fr-BE" dirty="0" smtClean="0"/>
-              <a:t> sur </a:t>
-            </a:r>
-            <a:r>
-              <a:rPr lang="fr-BE" dirty="0" smtClean="0"/>
-              <a:t>21</a:t>
+              <a:t> sur 21</a:t>
             </a:r>
             <a:endParaRPr lang="fr-BE" dirty="0"/>
           </a:p>
@@ -13312,11 +13238,7 @@
             </a:fld>
             <a:r>
               <a:rPr lang="fr-BE" dirty="0" smtClean="0"/>
-              <a:t> sur </a:t>
-            </a:r>
-            <a:r>
-              <a:rPr lang="fr-BE" dirty="0" smtClean="0"/>
-              <a:t>21</a:t>
+              <a:t> sur 21</a:t>
             </a:r>
             <a:endParaRPr lang="fr-BE" dirty="0"/>
           </a:p>

--- a/trunk/AAP/docs/Presentation.pptx
+++ b/trunk/AAP/docs/Presentation.pptx
@@ -212,7 +212,7 @@
             <a:fld id="{678F24D5-C480-446D-B22C-7F566331EF41}" type="datetimeFigureOut">
               <a:rPr lang="fr-FR" smtClean="0"/>
               <a:pPr/>
-              <a:t>03/06/2011</a:t>
+              <a:t>04/06/2011</a:t>
             </a:fld>
             <a:endParaRPr lang="fr-FR"/>
           </a:p>
@@ -374,7 +374,7 @@
             <a:fld id="{9F7A5740-AB0E-48E6-BCE9-09FA638B6FD3}" type="datetimeFigureOut">
               <a:rPr lang="fr-FR" smtClean="0"/>
               <a:pPr/>
-              <a:t>03/06/2011</a:t>
+              <a:t>04/06/2011</a:t>
             </a:fld>
             <a:endParaRPr lang="fr-FR"/>
           </a:p>
@@ -545,7 +545,7 @@
     </p:spTree>
     <p:extLst>
       <p:ext uri="{BB962C8B-B14F-4D97-AF65-F5344CB8AC3E}">
-        <p14:creationId xmlns:p14="http://schemas.microsoft.com/office/powerpoint/2010/main" xmlns="" val="2884352748"/>
+        <p14:creationId xmlns="" xmlns:p14="http://schemas.microsoft.com/office/powerpoint/2010/main" val="2884352748"/>
       </p:ext>
     </p:extLst>
   </p:cSld>
@@ -1170,7 +1170,7 @@
             <a:fld id="{DF9D4494-96E0-4406-9347-E80FE7704387}" type="datetime1">
               <a:rPr lang="fr-FR" smtClean="0"/>
               <a:pPr/>
-              <a:t>03/06/2011</a:t>
+              <a:t>04/06/2011</a:t>
             </a:fld>
             <a:endParaRPr lang="fr-BE"/>
           </a:p>
@@ -1431,7 +1431,7 @@
             <a:fld id="{A89CA437-F84A-4BDD-8C20-46077FA11AD7}" type="datetime1">
               <a:rPr lang="fr-FR" smtClean="0"/>
               <a:pPr/>
-              <a:t>03/06/2011</a:t>
+              <a:t>04/06/2011</a:t>
             </a:fld>
             <a:endParaRPr lang="fr-BE"/>
           </a:p>
@@ -1602,7 +1602,7 @@
             <a:fld id="{24135A20-DC24-4C20-9F62-FD3DD13F2969}" type="datetime1">
               <a:rPr lang="fr-FR" smtClean="0"/>
               <a:pPr/>
-              <a:t>03/06/2011</a:t>
+              <a:t>04/06/2011</a:t>
             </a:fld>
             <a:endParaRPr lang="fr-BE"/>
           </a:p>
@@ -1783,7 +1783,7 @@
             <a:fld id="{C74C95C5-D393-4D2F-A12B-633BD3C7E534}" type="datetime1">
               <a:rPr lang="fr-FR" smtClean="0"/>
               <a:pPr/>
-              <a:t>03/06/2011</a:t>
+              <a:t>04/06/2011</a:t>
             </a:fld>
             <a:endParaRPr lang="fr-BE"/>
           </a:p>
@@ -2785,7 +2785,7 @@
             <a:fld id="{9DEFE777-74D9-46A9-AF63-ECD7CA5CB743}" type="datetime1">
               <a:rPr lang="fr-FR" smtClean="0"/>
               <a:pPr/>
-              <a:t>03/06/2011</a:t>
+              <a:t>04/06/2011</a:t>
             </a:fld>
             <a:endParaRPr lang="fr-BE"/>
           </a:p>
@@ -3074,7 +3074,7 @@
             <a:fld id="{9ACF5AB4-72D0-4411-8F4F-4D9D79E948BF}" type="datetime1">
               <a:rPr lang="fr-FR" smtClean="0"/>
               <a:pPr/>
-              <a:t>03/06/2011</a:t>
+              <a:t>04/06/2011</a:t>
             </a:fld>
             <a:endParaRPr lang="fr-BE"/>
           </a:p>
@@ -3497,7 +3497,7 @@
             <a:fld id="{D2811741-81B4-41E5-A5E9-7992F4B62001}" type="datetime1">
               <a:rPr lang="fr-FR" smtClean="0"/>
               <a:pPr/>
-              <a:t>03/06/2011</a:t>
+              <a:t>04/06/2011</a:t>
             </a:fld>
             <a:endParaRPr lang="fr-BE"/>
           </a:p>
@@ -3616,7 +3616,7 @@
             <a:fld id="{FA06DA9A-0216-4D5C-BA8D-BFCD89B87CAB}" type="datetime1">
               <a:rPr lang="fr-FR" smtClean="0"/>
               <a:pPr/>
-              <a:t>03/06/2011</a:t>
+              <a:t>04/06/2011</a:t>
             </a:fld>
             <a:endParaRPr lang="fr-BE"/>
           </a:p>
@@ -3712,7 +3712,7 @@
             <a:fld id="{3EDB268D-CAC0-4A46-8E29-E987593C3F48}" type="datetime1">
               <a:rPr lang="fr-FR" smtClean="0"/>
               <a:pPr/>
-              <a:t>03/06/2011</a:t>
+              <a:t>04/06/2011</a:t>
             </a:fld>
             <a:endParaRPr lang="fr-BE"/>
           </a:p>
@@ -3990,7 +3990,7 @@
             <a:fld id="{5B09ACAE-89F7-4AA2-AF12-DFB25BECD9F8}" type="datetime1">
               <a:rPr lang="fr-FR" smtClean="0"/>
               <a:pPr/>
-              <a:t>03/06/2011</a:t>
+              <a:t>04/06/2011</a:t>
             </a:fld>
             <a:endParaRPr lang="fr-BE"/>
           </a:p>
@@ -4213,7 +4213,7 @@
             <a:fld id="{C2D67580-B034-40FA-BDF9-08E33D7DD05F}" type="datetime1">
               <a:rPr lang="fr-FR" smtClean="0"/>
               <a:pPr/>
-              <a:t>03/06/2011</a:t>
+              <a:t>04/06/2011</a:t>
             </a:fld>
             <a:endParaRPr lang="fr-BE"/>
           </a:p>
@@ -5016,17 +5016,7 @@
                   </a:schemeClr>
                 </a:solidFill>
               </a:rPr>
-              <a:t>Plusieurs </a:t>
-            </a:r>
-            <a:r>
-              <a:rPr lang="fr-FR" dirty="0" smtClean="0">
-                <a:solidFill>
-                  <a:schemeClr val="tx2">
-                    <a:lumMod val="75000"/>
-                  </a:schemeClr>
-                </a:solidFill>
-              </a:rPr>
-              <a:t>options</a:t>
+              <a:t>Plusieurs options</a:t>
             </a:r>
           </a:p>
           <a:p>
@@ -5107,35 +5097,8 @@
                   </a:schemeClr>
                 </a:solidFill>
               </a:rPr>
-              <a:t>Utilisation </a:t>
-            </a:r>
-            <a:r>
-              <a:rPr lang="fr-FR" dirty="0" smtClean="0">
-                <a:solidFill>
-                  <a:schemeClr val="tx2">
-                    <a:lumMod val="75000"/>
-                  </a:schemeClr>
-                </a:solidFill>
-              </a:rPr>
-              <a:t>des </a:t>
-            </a:r>
-            <a:r>
-              <a:rPr lang="fr-FR" dirty="0" smtClean="0">
-                <a:solidFill>
-                  <a:schemeClr val="tx2">
-                    <a:lumMod val="75000"/>
-                  </a:schemeClr>
-                </a:solidFill>
-              </a:rPr>
-              <a:t>métadonnées (ID3 actuellement en version 2 : ID3v2)</a:t>
-            </a:r>
-            <a:endParaRPr lang="fr-FR" dirty="0" smtClean="0">
-              <a:solidFill>
-                <a:schemeClr val="tx2">
-                  <a:lumMod val="75000"/>
-                </a:schemeClr>
-              </a:solidFill>
-            </a:endParaRPr>
+              <a:t>Utilisation des métadonnées (ID3 actuellement en version 2 : ID3v2)</a:t>
+            </a:r>
           </a:p>
           <a:p>
             <a:pPr lvl="1">
@@ -5243,18 +5206,7 @@
                 </a:solidFill>
                 <a:latin typeface="Cambria" pitchFamily="18" charset="0"/>
               </a:rPr>
-              <a:t>Outils </a:t>
-            </a:r>
-            <a:r>
-              <a:rPr lang="fr-FR" sz="1400" dirty="0" smtClean="0">
-                <a:solidFill>
-                  <a:schemeClr val="tx2">
-                    <a:lumMod val="75000"/>
-                  </a:schemeClr>
-                </a:solidFill>
-                <a:latin typeface="Cambria" pitchFamily="18" charset="0"/>
-              </a:rPr>
-              <a:t>et méthodologies utilisés</a:t>
+              <a:t>Outils et méthodologies utilisés</a:t>
             </a:r>
           </a:p>
           <a:p>
@@ -5350,14 +5302,6 @@
               </a:rPr>
               <a:t>Conclusion</a:t>
             </a:r>
-            <a:endParaRPr lang="fr-FR" sz="1400" dirty="0" smtClean="0">
-              <a:solidFill>
-                <a:schemeClr val="tx2">
-                  <a:lumMod val="75000"/>
-                </a:schemeClr>
-              </a:solidFill>
-              <a:latin typeface="Cambria" pitchFamily="18" charset="0"/>
-            </a:endParaRPr>
           </a:p>
           <a:p>
             <a:endParaRPr lang="fr-FR" dirty="0">
@@ -5811,18 +5755,7 @@
                 </a:solidFill>
                 <a:latin typeface="Cambria" pitchFamily="18" charset="0"/>
               </a:rPr>
-              <a:t>Outils </a:t>
-            </a:r>
-            <a:r>
-              <a:rPr lang="fr-FR" sz="1400" dirty="0" smtClean="0">
-                <a:solidFill>
-                  <a:schemeClr val="tx2">
-                    <a:lumMod val="75000"/>
-                  </a:schemeClr>
-                </a:solidFill>
-                <a:latin typeface="Cambria" pitchFamily="18" charset="0"/>
-              </a:rPr>
-              <a:t>et méthodologies utilisés</a:t>
+              <a:t>Outils et méthodologies utilisés</a:t>
             </a:r>
           </a:p>
           <a:p>
@@ -5918,14 +5851,6 @@
               </a:rPr>
               <a:t>Conclusion</a:t>
             </a:r>
-            <a:endParaRPr lang="fr-FR" sz="1400" dirty="0" smtClean="0">
-              <a:solidFill>
-                <a:schemeClr val="tx2">
-                  <a:lumMod val="75000"/>
-                </a:schemeClr>
-              </a:solidFill>
-              <a:latin typeface="Cambria" pitchFamily="18" charset="0"/>
-            </a:endParaRPr>
           </a:p>
           <a:p>
             <a:endParaRPr lang="fr-FR" dirty="0">
@@ -6185,18 +6110,7 @@
                 </a:solidFill>
                 <a:latin typeface="Cambria" pitchFamily="18" charset="0"/>
               </a:rPr>
-              <a:t>Outils </a:t>
-            </a:r>
-            <a:r>
-              <a:rPr lang="fr-FR" sz="1400" dirty="0" smtClean="0">
-                <a:solidFill>
-                  <a:schemeClr val="tx2">
-                    <a:lumMod val="75000"/>
-                  </a:schemeClr>
-                </a:solidFill>
-                <a:latin typeface="Cambria" pitchFamily="18" charset="0"/>
-              </a:rPr>
-              <a:t>et méthodologies utilisés</a:t>
+              <a:t>Outils et méthodologies utilisés</a:t>
             </a:r>
           </a:p>
           <a:p>
@@ -6292,14 +6206,6 @@
               </a:rPr>
               <a:t>Conclusion</a:t>
             </a:r>
-            <a:endParaRPr lang="fr-FR" sz="1400" dirty="0" smtClean="0">
-              <a:solidFill>
-                <a:schemeClr val="tx2">
-                  <a:lumMod val="75000"/>
-                </a:schemeClr>
-              </a:solidFill>
-              <a:latin typeface="Cambria" pitchFamily="18" charset="0"/>
-            </a:endParaRPr>
           </a:p>
           <a:p>
             <a:endParaRPr lang="fr-FR" dirty="0">
@@ -6726,18 +6632,7 @@
                 </a:solidFill>
                 <a:latin typeface="Cambria" pitchFamily="18" charset="0"/>
               </a:rPr>
-              <a:t>Outils </a:t>
-            </a:r>
-            <a:r>
-              <a:rPr lang="fr-FR" sz="1400" dirty="0" smtClean="0">
-                <a:solidFill>
-                  <a:schemeClr val="tx2">
-                    <a:lumMod val="75000"/>
-                  </a:schemeClr>
-                </a:solidFill>
-                <a:latin typeface="Cambria" pitchFamily="18" charset="0"/>
-              </a:rPr>
-              <a:t>et méthodologies utilisés</a:t>
+              <a:t>Outils et méthodologies utilisés</a:t>
             </a:r>
           </a:p>
           <a:p>
@@ -6833,14 +6728,6 @@
               </a:rPr>
               <a:t>Conclusion</a:t>
             </a:r>
-            <a:endParaRPr lang="fr-FR" sz="1400" dirty="0" smtClean="0">
-              <a:solidFill>
-                <a:schemeClr val="tx2">
-                  <a:lumMod val="75000"/>
-                </a:schemeClr>
-              </a:solidFill>
-              <a:latin typeface="Cambria" pitchFamily="18" charset="0"/>
-            </a:endParaRPr>
           </a:p>
           <a:p>
             <a:endParaRPr lang="fr-FR" dirty="0">
@@ -6865,7 +6752,7 @@
           <a:blip r:embed="rId2" cstate="print">
             <a:extLst>
               <a:ext uri="{28A0092B-C50C-407E-A947-70E740481C1C}">
-                <a14:useLocalDpi xmlns:a14="http://schemas.microsoft.com/office/drawing/2010/main" xmlns="" val="0"/>
+                <a14:useLocalDpi xmlns="" xmlns:a14="http://schemas.microsoft.com/office/drawing/2010/main" val="0"/>
               </a:ext>
             </a:extLst>
           </a:blip>
@@ -6885,7 +6772,7 @@
           <a:noFill/>
           <a:extLst>
             <a:ext uri="{909E8E84-426E-40DD-AFC4-6F175D3DCCD1}">
-              <a14:hiddenFill xmlns:a14="http://schemas.microsoft.com/office/drawing/2010/main" xmlns="">
+              <a14:hiddenFill xmlns="" xmlns:a14="http://schemas.microsoft.com/office/drawing/2010/main">
                 <a:solidFill>
                   <a:srgbClr val="FFFFFF"/>
                 </a:solidFill>
@@ -7048,25 +6935,8 @@
                   </a:schemeClr>
                 </a:solidFill>
               </a:rPr>
-              <a:t>Les « lyrics </a:t>
-            </a:r>
-            <a:r>
-              <a:rPr lang="fr-FR" dirty="0" smtClean="0">
-                <a:solidFill>
-                  <a:schemeClr val="tx2">
-                    <a:lumMod val="75000"/>
-                  </a:schemeClr>
-                </a:solidFill>
-              </a:rPr>
-              <a:t>»</a:t>
-            </a:r>
-            <a:endParaRPr lang="fr-FR" dirty="0" smtClean="0">
-              <a:solidFill>
-                <a:schemeClr val="tx2">
-                  <a:lumMod val="75000"/>
-                </a:schemeClr>
-              </a:solidFill>
-            </a:endParaRPr>
+              <a:t>Les « lyrics »</a:t>
+            </a:r>
           </a:p>
           <a:p>
             <a:pPr lvl="1">
@@ -7081,17 +6951,7 @@
                   </a:schemeClr>
                 </a:solidFill>
               </a:rPr>
-              <a:t>Recherche de </a:t>
-            </a:r>
-            <a:r>
-              <a:rPr lang="fr-FR" sz="2400" dirty="0" smtClean="0">
-                <a:solidFill>
-                  <a:schemeClr val="tx2">
-                    <a:lumMod val="75000"/>
-                  </a:schemeClr>
-                </a:solidFill>
-              </a:rPr>
-              <a:t>paroles de chanson</a:t>
+              <a:t>Recherche de paroles de chanson</a:t>
             </a:r>
             <a:endParaRPr lang="fr-FR" sz="2400" dirty="0">
               <a:solidFill>
@@ -7150,17 +7010,7 @@
                   </a:schemeClr>
                 </a:solidFill>
               </a:rPr>
-              <a:t>Traitement de données sous les formats XML et </a:t>
-            </a:r>
-            <a:r>
-              <a:rPr lang="fr-FR" sz="2400" dirty="0" smtClean="0">
-                <a:solidFill>
-                  <a:schemeClr val="tx2">
-                    <a:lumMod val="75000"/>
-                  </a:schemeClr>
-                </a:solidFill>
-              </a:rPr>
-              <a:t>HTML</a:t>
+              <a:t>Traitement de données sous les formats XML et HTML</a:t>
             </a:r>
           </a:p>
         </p:txBody>
@@ -7226,18 +7076,7 @@
                 </a:solidFill>
                 <a:latin typeface="Cambria" pitchFamily="18" charset="0"/>
               </a:rPr>
-              <a:t>Outils </a:t>
-            </a:r>
-            <a:r>
-              <a:rPr lang="fr-FR" sz="1400" dirty="0" smtClean="0">
-                <a:solidFill>
-                  <a:schemeClr val="tx2">
-                    <a:lumMod val="75000"/>
-                  </a:schemeClr>
-                </a:solidFill>
-                <a:latin typeface="Cambria" pitchFamily="18" charset="0"/>
-              </a:rPr>
-              <a:t>et méthodologies utilisés</a:t>
+              <a:t>Outils et méthodologies utilisés</a:t>
             </a:r>
           </a:p>
           <a:p>
@@ -7333,14 +7172,6 @@
               </a:rPr>
               <a:t>Conclusion</a:t>
             </a:r>
-            <a:endParaRPr lang="fr-FR" sz="1400" dirty="0" smtClean="0">
-              <a:solidFill>
-                <a:schemeClr val="tx2">
-                  <a:lumMod val="75000"/>
-                </a:schemeClr>
-              </a:solidFill>
-              <a:latin typeface="Cambria" pitchFamily="18" charset="0"/>
-            </a:endParaRPr>
           </a:p>
           <a:p>
             <a:endParaRPr lang="fr-FR" dirty="0">
@@ -8210,18 +8041,7 @@
                 </a:solidFill>
                 <a:latin typeface="Cambria" pitchFamily="18" charset="0"/>
               </a:rPr>
-              <a:t>Outils </a:t>
-            </a:r>
-            <a:r>
-              <a:rPr lang="fr-FR" sz="1400" dirty="0" smtClean="0">
-                <a:solidFill>
-                  <a:schemeClr val="tx2">
-                    <a:lumMod val="75000"/>
-                  </a:schemeClr>
-                </a:solidFill>
-                <a:latin typeface="Cambria" pitchFamily="18" charset="0"/>
-              </a:rPr>
-              <a:t>et méthodologies utilisés</a:t>
+              <a:t>Outils et méthodologies utilisés</a:t>
             </a:r>
           </a:p>
           <a:p>
@@ -8317,15 +8137,6 @@
               </a:rPr>
               <a:t>Conclusion</a:t>
             </a:r>
-            <a:endParaRPr lang="fr-FR" sz="1400" dirty="0" smtClean="0">
-              <a:solidFill>
-                <a:schemeClr val="tx2">
-                  <a:lumMod val="60000"/>
-                  <a:lumOff val="40000"/>
-                </a:schemeClr>
-              </a:solidFill>
-              <a:latin typeface="Cambria" pitchFamily="18" charset="0"/>
-            </a:endParaRPr>
           </a:p>
           <a:p>
             <a:endParaRPr lang="fr-FR" dirty="0">
@@ -8647,18 +8458,7 @@
                 </a:solidFill>
                 <a:latin typeface="Cambria" pitchFamily="18" charset="0"/>
               </a:rPr>
-              <a:t>Outils </a:t>
-            </a:r>
-            <a:r>
-              <a:rPr lang="fr-FR" sz="1400" dirty="0" smtClean="0">
-                <a:solidFill>
-                  <a:schemeClr val="tx2">
-                    <a:lumMod val="75000"/>
-                  </a:schemeClr>
-                </a:solidFill>
-                <a:latin typeface="Cambria" pitchFamily="18" charset="0"/>
-              </a:rPr>
-              <a:t>et méthodologies utilisés</a:t>
+              <a:t>Outils et méthodologies utilisés</a:t>
             </a:r>
           </a:p>
           <a:p>
@@ -8754,15 +8554,6 @@
               </a:rPr>
               <a:t>Conclusion</a:t>
             </a:r>
-            <a:endParaRPr lang="fr-FR" sz="1400" dirty="0" smtClean="0">
-              <a:solidFill>
-                <a:schemeClr val="tx2">
-                  <a:lumMod val="60000"/>
-                  <a:lumOff val="40000"/>
-                </a:schemeClr>
-              </a:solidFill>
-              <a:latin typeface="Cambria" pitchFamily="18" charset="0"/>
-            </a:endParaRPr>
           </a:p>
           <a:p>
             <a:endParaRPr lang="fr-FR" dirty="0">
@@ -9067,11 +8858,7 @@
             </a:pPr>
             <a:r>
               <a:rPr lang="fr-FR" sz="3400" dirty="0" smtClean="0"/>
-              <a:t>Outils </a:t>
-            </a:r>
-            <a:r>
-              <a:rPr lang="fr-FR" sz="3400" dirty="0" smtClean="0"/>
-              <a:t>et méthodologies utilisés</a:t>
+              <a:t>Outils et méthodologies utilisés</a:t>
             </a:r>
           </a:p>
           <a:p>
@@ -9295,7 +9082,6 @@
               <a:rPr lang="fr-FR" sz="3400" dirty="0" smtClean="0"/>
               <a:t>Conclusion</a:t>
             </a:r>
-            <a:endParaRPr lang="fr-FR" sz="3400" dirty="0" smtClean="0"/>
           </a:p>
           <a:p>
             <a:pPr marL="971550" lvl="1" indent="-514350" algn="l">
@@ -9574,17 +9360,7 @@
                   </a:schemeClr>
                 </a:solidFill>
               </a:rPr>
-              <a:t>Objectifs du </a:t>
-            </a:r>
-            <a:r>
-              <a:rPr lang="fr-FR" dirty="0" smtClean="0">
-                <a:solidFill>
-                  <a:schemeClr val="tx2">
-                    <a:lumMod val="75000"/>
-                  </a:schemeClr>
-                </a:solidFill>
-              </a:rPr>
-              <a:t>projet</a:t>
+              <a:t>Objectifs du projet</a:t>
             </a:r>
           </a:p>
           <a:p>
@@ -9744,18 +9520,7 @@
                 </a:solidFill>
                 <a:latin typeface="Cambria" pitchFamily="18" charset="0"/>
               </a:rPr>
-              <a:t>Outils </a:t>
-            </a:r>
-            <a:r>
-              <a:rPr lang="fr-FR" sz="1400" dirty="0" smtClean="0">
-                <a:solidFill>
-                  <a:schemeClr val="tx2">
-                    <a:lumMod val="75000"/>
-                  </a:schemeClr>
-                </a:solidFill>
-                <a:latin typeface="Cambria" pitchFamily="18" charset="0"/>
-              </a:rPr>
-              <a:t>et méthodologies utilisés</a:t>
+              <a:t>Outils et méthodologies utilisés</a:t>
             </a:r>
           </a:p>
           <a:p>
@@ -9876,7 +9641,7 @@
         </p:blipFill>
         <p:spPr>
           <a:xfrm>
-            <a:off x="9468544" y="2708920"/>
+            <a:off x="8028384" y="1268760"/>
             <a:ext cx="304800" cy="304800"/>
           </a:xfrm>
           <a:prstGeom prst="rect">
@@ -11657,7 +11422,7 @@
               </p:nextCondLst>
             </p:seq>
             <p:audio>
-              <p:cMediaNode>
+              <p:cMediaNode showWhenStopped="0">
                 <p:cTn id="84" fill="hold" display="0">
                   <p:stCondLst>
                     <p:cond delay="indefinite"/>
@@ -11881,17 +11646,7 @@
                   </a:schemeClr>
                 </a:solidFill>
               </a:rPr>
-              <a:t>Sortie </a:t>
-            </a:r>
-            <a:r>
-              <a:rPr lang="fr-FR" dirty="0" smtClean="0">
-                <a:solidFill>
-                  <a:schemeClr val="tx2">
-                    <a:lumMod val="75000"/>
-                  </a:schemeClr>
-                </a:solidFill>
-              </a:rPr>
-              <a:t>annoncée officiellement fin 2007</a:t>
+              <a:t>Sortie annoncée officiellement fin 2007</a:t>
             </a:r>
           </a:p>
           <a:p>
@@ -11907,17 +11662,7 @@
                   </a:schemeClr>
                 </a:solidFill>
               </a:rPr>
-              <a:t>Un </a:t>
-            </a:r>
-            <a:r>
-              <a:rPr lang="fr-FR" dirty="0" smtClean="0">
-                <a:solidFill>
-                  <a:schemeClr val="tx2">
-                    <a:lumMod val="75000"/>
-                  </a:schemeClr>
-                </a:solidFill>
-              </a:rPr>
-              <a:t>logo : </a:t>
+              <a:t>Un logo : </a:t>
             </a:r>
             <a:r>
               <a:rPr lang="fr-FR" dirty="0" err="1" smtClean="0">
@@ -12024,18 +11769,7 @@
                 </a:solidFill>
                 <a:latin typeface="Cambria" pitchFamily="18" charset="0"/>
               </a:rPr>
-              <a:t>Outils </a:t>
-            </a:r>
-            <a:r>
-              <a:rPr lang="fr-FR" sz="1400" dirty="0" smtClean="0">
-                <a:solidFill>
-                  <a:schemeClr val="tx2">
-                    <a:lumMod val="75000"/>
-                  </a:schemeClr>
-                </a:solidFill>
-                <a:latin typeface="Cambria" pitchFamily="18" charset="0"/>
-              </a:rPr>
-              <a:t>et méthodologies utilisés</a:t>
+              <a:t>Outils et méthodologies utilisés</a:t>
             </a:r>
           </a:p>
           <a:p>
@@ -12130,14 +11864,6 @@
               </a:rPr>
               <a:t>Conclusion</a:t>
             </a:r>
-            <a:endParaRPr lang="fr-FR" sz="1400" dirty="0" smtClean="0">
-              <a:solidFill>
-                <a:schemeClr val="tx2">
-                  <a:lumMod val="75000"/>
-                </a:schemeClr>
-              </a:solidFill>
-              <a:latin typeface="Cambria" pitchFamily="18" charset="0"/>
-            </a:endParaRPr>
           </a:p>
           <a:p>
             <a:endParaRPr lang="fr-FR" dirty="0"/>
@@ -12153,7 +11879,7 @@
           <p:nvPr/>
         </p:nvPicPr>
         <p:blipFill>
-          <a:blip r:embed="rId2" cstate="print"/>
+          <a:blip r:embed="rId3" cstate="print"/>
           <a:stretch>
             <a:fillRect/>
           </a:stretch>
@@ -12177,7 +11903,7 @@
           <p:nvPr/>
         </p:nvPicPr>
         <p:blipFill>
-          <a:blip r:embed="rId3" cstate="print"/>
+          <a:blip r:embed="rId4" cstate="print"/>
           <a:stretch>
             <a:fillRect/>
           </a:stretch>
@@ -12201,7 +11927,7 @@
           <p:nvPr/>
         </p:nvPicPr>
         <p:blipFill>
-          <a:blip r:embed="rId4" cstate="print"/>
+          <a:blip r:embed="rId5" cstate="print"/>
           <a:stretch>
             <a:fillRect/>
           </a:stretch>
@@ -12225,7 +11951,7 @@
           <p:nvPr/>
         </p:nvPicPr>
         <p:blipFill>
-          <a:blip r:embed="rId5" cstate="print"/>
+          <a:blip r:embed="rId6" cstate="print"/>
           <a:stretch>
             <a:fillRect/>
           </a:stretch>
@@ -12249,7 +11975,7 @@
           <p:nvPr/>
         </p:nvPicPr>
         <p:blipFill>
-          <a:blip r:embed="rId6" cstate="print"/>
+          <a:blip r:embed="rId7" cstate="print"/>
           <a:stretch>
             <a:fillRect/>
           </a:stretch>
@@ -12273,7 +11999,7 @@
           <p:nvPr/>
         </p:nvPicPr>
         <p:blipFill>
-          <a:blip r:embed="rId7" cstate="print"/>
+          <a:blip r:embed="rId8" cstate="print"/>
           <a:stretch>
             <a:fillRect/>
           </a:stretch>
@@ -12282,6 +12008,34 @@
           <a:xfrm>
             <a:off x="1763688" y="845626"/>
             <a:ext cx="7380312" cy="5138591"/>
+          </a:xfrm>
+          <a:prstGeom prst="rect">
+            <a:avLst/>
+          </a:prstGeom>
+        </p:spPr>
+      </p:pic>
+      <p:pic>
+        <p:nvPicPr>
+          <p:cNvPr id="15" name="bugdroid_invaders.mp3">
+            <a:hlinkClick r:id="" action="ppaction://media"/>
+          </p:cNvPr>
+          <p:cNvPicPr>
+            <a:picLocks noRot="1" noChangeAspect="1"/>
+          </p:cNvPicPr>
+          <p:nvPr>
+            <a:audioFile r:link="rId1"/>
+          </p:nvPr>
+        </p:nvPicPr>
+        <p:blipFill>
+          <a:blip r:embed="rId9" cstate="print"/>
+          <a:stretch>
+            <a:fillRect/>
+          </a:stretch>
+        </p:blipFill>
+        <p:spPr>
+          <a:xfrm>
+            <a:off x="4419600" y="3276600"/>
+            <a:ext cx="304800" cy="304800"/>
           </a:xfrm>
           <a:prstGeom prst="rect">
             <a:avLst/>
@@ -12994,14 +12748,31 @@
                             </p:stCondLst>
                             <p:childTnLst>
                               <p:par>
-                                <p:cTn id="46" presetID="9" presetClass="entr" presetSubtype="0" fill="hold" nodeType="clickEffect">
+                                <p:cTn id="46" presetID="1" presetClass="mediacall" presetSubtype="0" fill="hold" nodeType="clickEffect">
                                   <p:stCondLst>
                                     <p:cond delay="0"/>
                                   </p:stCondLst>
                                   <p:childTnLst>
+                                    <p:cmd type="call" cmd="playFrom(0.0)">
+                                      <p:cBhvr>
+                                        <p:cTn id="47" dur="8887" fill="hold"/>
+                                        <p:tgtEl>
+                                          <p:spTgt spid="15"/>
+                                        </p:tgtEl>
+                                      </p:cBhvr>
+                                    </p:cmd>
+                                  </p:childTnLst>
+                                </p:cTn>
+                              </p:par>
+                              <p:par>
+                                <p:cTn id="48" presetID="9" presetClass="entr" presetSubtype="0" fill="hold" nodeType="withEffect">
+                                  <p:stCondLst>
+                                    <p:cond delay="1000"/>
+                                  </p:stCondLst>
+                                  <p:childTnLst>
                                     <p:set>
                                       <p:cBhvr>
-                                        <p:cTn id="47" dur="1" fill="hold">
+                                        <p:cTn id="49" dur="1" fill="hold">
                                           <p:stCondLst>
                                             <p:cond delay="0"/>
                                           </p:stCondLst>
@@ -13019,7 +12790,7 @@
                                     </p:set>
                                     <p:animEffect transition="in" filter="dissolve">
                                       <p:cBhvr>
-                                        <p:cTn id="48" dur="3000"/>
+                                        <p:cTn id="50" dur="5000"/>
                                         <p:tgtEl>
                                           <p:spTgt spid="14"/>
                                         </p:tgtEl>
@@ -13051,6 +12822,35 @@
                 </p:cond>
               </p:nextCondLst>
             </p:seq>
+            <p:audio>
+              <p:cMediaNode showWhenStopped="0">
+                <p:cTn id="51" fill="hold" display="0">
+                  <p:stCondLst>
+                    <p:cond delay="indefinite"/>
+                  </p:stCondLst>
+                  <p:endCondLst>
+                    <p:cond evt="onNext" delay="0">
+                      <p:tgtEl>
+                        <p:sldTgt/>
+                      </p:tgtEl>
+                    </p:cond>
+                    <p:cond evt="onPrev" delay="0">
+                      <p:tgtEl>
+                        <p:sldTgt/>
+                      </p:tgtEl>
+                    </p:cond>
+                    <p:cond evt="onStopAudio" delay="0">
+                      <p:tgtEl>
+                        <p:sldTgt/>
+                      </p:tgtEl>
+                    </p:cond>
+                  </p:endCondLst>
+                </p:cTn>
+                <p:tgtEl>
+                  <p:spTgt spid="15"/>
+                </p:tgtEl>
+              </p:cMediaNode>
+            </p:audio>
           </p:childTnLst>
         </p:cTn>
       </p:par>
@@ -13224,27 +13024,7 @@
                   </a:schemeClr>
                 </a:solidFill>
               </a:rPr>
-              <a:t>Prises </a:t>
-            </a:r>
-            <a:r>
-              <a:rPr lang="fr-FR" dirty="0" smtClean="0">
-                <a:solidFill>
-                  <a:schemeClr val="tx2">
-                    <a:lumMod val="75000"/>
-                  </a:schemeClr>
-                </a:solidFill>
-              </a:rPr>
-              <a:t>de décision en </a:t>
-            </a:r>
-            <a:r>
-              <a:rPr lang="fr-FR" dirty="0" smtClean="0">
-                <a:solidFill>
-                  <a:schemeClr val="tx2">
-                    <a:lumMod val="75000"/>
-                  </a:schemeClr>
-                </a:solidFill>
-              </a:rPr>
-              <a:t>groupe</a:t>
+              <a:t>Prises de décision en groupe</a:t>
             </a:r>
           </a:p>
         </p:txBody>
@@ -13311,19 +13091,7 @@
                 </a:solidFill>
                 <a:latin typeface="Cambria" pitchFamily="18" charset="0"/>
               </a:rPr>
-              <a:t>Outils </a:t>
-            </a:r>
-            <a:r>
-              <a:rPr lang="fr-FR" sz="1400" dirty="0" smtClean="0">
-                <a:solidFill>
-                  <a:schemeClr val="tx2">
-                    <a:lumMod val="60000"/>
-                    <a:lumOff val="40000"/>
-                  </a:schemeClr>
-                </a:solidFill>
-                <a:latin typeface="Cambria" pitchFamily="18" charset="0"/>
-              </a:rPr>
-              <a:t>et méthodologies utilisés</a:t>
+              <a:t>Outils et méthodologies utilisés</a:t>
             </a:r>
           </a:p>
           <a:p>
@@ -13418,14 +13186,6 @@
               </a:rPr>
               <a:t>Conclusion</a:t>
             </a:r>
-            <a:endParaRPr lang="fr-FR" sz="1400" dirty="0" smtClean="0">
-              <a:solidFill>
-                <a:schemeClr val="tx2">
-                  <a:lumMod val="75000"/>
-                </a:schemeClr>
-              </a:solidFill>
-              <a:latin typeface="Cambria" pitchFamily="18" charset="0"/>
-            </a:endParaRPr>
           </a:p>
           <a:p>
             <a:endParaRPr lang="fr-FR" dirty="0"/>
@@ -13893,18 +13653,7 @@
                 </a:solidFill>
                 <a:latin typeface="Cambria" pitchFamily="18" charset="0"/>
               </a:rPr>
-              <a:t>Outils </a:t>
-            </a:r>
-            <a:r>
-              <a:rPr lang="fr-FR" sz="1400" dirty="0" smtClean="0">
-                <a:solidFill>
-                  <a:schemeClr val="tx2">
-                    <a:lumMod val="75000"/>
-                  </a:schemeClr>
-                </a:solidFill>
-                <a:latin typeface="Cambria" pitchFamily="18" charset="0"/>
-              </a:rPr>
-              <a:t>et méthodologies utilisés</a:t>
+              <a:t>Outils et méthodologies utilisés</a:t>
             </a:r>
           </a:p>
           <a:p>
@@ -14000,14 +13749,6 @@
               </a:rPr>
               <a:t>Conclusion</a:t>
             </a:r>
-            <a:endParaRPr lang="fr-FR" sz="1400" dirty="0" smtClean="0">
-              <a:solidFill>
-                <a:schemeClr val="tx2">
-                  <a:lumMod val="75000"/>
-                </a:schemeClr>
-              </a:solidFill>
-              <a:latin typeface="Cambria" pitchFamily="18" charset="0"/>
-            </a:endParaRPr>
           </a:p>
           <a:p>
             <a:endParaRPr lang="fr-FR" sz="1400" dirty="0"/>
@@ -14312,18 +14053,7 @@
                 </a:solidFill>
                 <a:latin typeface="Cambria" pitchFamily="18" charset="0"/>
               </a:rPr>
-              <a:t>Outils </a:t>
-            </a:r>
-            <a:r>
-              <a:rPr lang="fr-FR" sz="1400" dirty="0" smtClean="0">
-                <a:solidFill>
-                  <a:schemeClr val="tx2">
-                    <a:lumMod val="75000"/>
-                  </a:schemeClr>
-                </a:solidFill>
-                <a:latin typeface="Cambria" pitchFamily="18" charset="0"/>
-              </a:rPr>
-              <a:t>et méthodologies utilisés</a:t>
+              <a:t>Outils et méthodologies utilisés</a:t>
             </a:r>
           </a:p>
           <a:p>
@@ -14419,14 +14149,6 @@
               </a:rPr>
               <a:t>Conclusion</a:t>
             </a:r>
-            <a:endParaRPr lang="fr-FR" sz="1400" dirty="0" smtClean="0">
-              <a:solidFill>
-                <a:schemeClr val="tx2">
-                  <a:lumMod val="75000"/>
-                </a:schemeClr>
-              </a:solidFill>
-              <a:latin typeface="Cambria" pitchFamily="18" charset="0"/>
-            </a:endParaRPr>
           </a:p>
           <a:p>
             <a:endParaRPr lang="fr-FR" sz="1400" dirty="0">
@@ -14880,18 +14602,7 @@
                 </a:solidFill>
                 <a:latin typeface="Cambria" pitchFamily="18" charset="0"/>
               </a:rPr>
-              <a:t>Outils </a:t>
-            </a:r>
-            <a:r>
-              <a:rPr lang="fr-FR" sz="1400" dirty="0" smtClean="0">
-                <a:solidFill>
-                  <a:schemeClr val="tx2">
-                    <a:lumMod val="75000"/>
-                  </a:schemeClr>
-                </a:solidFill>
-                <a:latin typeface="Cambria" pitchFamily="18" charset="0"/>
-              </a:rPr>
-              <a:t>et méthodologies utilisés</a:t>
+              <a:t>Outils et méthodologies utilisés</a:t>
             </a:r>
           </a:p>
           <a:p>
@@ -14987,14 +14698,6 @@
               </a:rPr>
               <a:t>Conclusion</a:t>
             </a:r>
-            <a:endParaRPr lang="fr-FR" sz="1400" dirty="0" smtClean="0">
-              <a:solidFill>
-                <a:schemeClr val="tx2">
-                  <a:lumMod val="75000"/>
-                </a:schemeClr>
-              </a:solidFill>
-              <a:latin typeface="Cambria" pitchFamily="18" charset="0"/>
-            </a:endParaRPr>
           </a:p>
           <a:p>
             <a:endParaRPr lang="fr-FR" sz="1400" dirty="0">
@@ -15227,18 +14930,7 @@
                 </a:solidFill>
                 <a:latin typeface="Cambria" pitchFamily="18" charset="0"/>
               </a:rPr>
-              <a:t>Outils </a:t>
-            </a:r>
-            <a:r>
-              <a:rPr lang="fr-FR" sz="1400" dirty="0" smtClean="0">
-                <a:solidFill>
-                  <a:schemeClr val="tx2">
-                    <a:lumMod val="75000"/>
-                  </a:schemeClr>
-                </a:solidFill>
-                <a:latin typeface="Cambria" pitchFamily="18" charset="0"/>
-              </a:rPr>
-              <a:t>et méthodologies utilisés</a:t>
+              <a:t>Outils et méthodologies utilisés</a:t>
             </a:r>
           </a:p>
           <a:p>
@@ -15334,14 +15026,6 @@
               </a:rPr>
               <a:t>Conclusion</a:t>
             </a:r>
-            <a:endParaRPr lang="fr-FR" sz="1400" dirty="0" smtClean="0">
-              <a:solidFill>
-                <a:schemeClr val="tx2">
-                  <a:lumMod val="75000"/>
-                </a:schemeClr>
-              </a:solidFill>
-              <a:latin typeface="Cambria" pitchFamily="18" charset="0"/>
-            </a:endParaRPr>
           </a:p>
           <a:p>
             <a:endParaRPr lang="fr-FR" sz="1400" dirty="0">

--- a/trunk/AAP/docs/Presentation.pptx
+++ b/trunk/AAP/docs/Presentation.pptx
@@ -212,7 +212,7 @@
             <a:fld id="{678F24D5-C480-446D-B22C-7F566331EF41}" type="datetimeFigureOut">
               <a:rPr lang="fr-FR" smtClean="0"/>
               <a:pPr/>
-              <a:t>04/06/2011</a:t>
+              <a:t>05/06/2011</a:t>
             </a:fld>
             <a:endParaRPr lang="fr-FR"/>
           </a:p>
@@ -374,7 +374,7 @@
             <a:fld id="{9F7A5740-AB0E-48E6-BCE9-09FA638B6FD3}" type="datetimeFigureOut">
               <a:rPr lang="fr-FR" smtClean="0"/>
               <a:pPr/>
-              <a:t>04/06/2011</a:t>
+              <a:t>05/06/2011</a:t>
             </a:fld>
             <a:endParaRPr lang="fr-FR"/>
           </a:p>
@@ -545,7 +545,7 @@
     </p:spTree>
     <p:extLst>
       <p:ext uri="{BB962C8B-B14F-4D97-AF65-F5344CB8AC3E}">
-        <p14:creationId xmlns="" xmlns:p14="http://schemas.microsoft.com/office/powerpoint/2010/main" val="2884352748"/>
+        <p14:creationId xmlns:p14="http://schemas.microsoft.com/office/powerpoint/2010/main" xmlns="" val="2884352748"/>
       </p:ext>
     </p:extLst>
   </p:cSld>
@@ -1170,7 +1170,7 @@
             <a:fld id="{DF9D4494-96E0-4406-9347-E80FE7704387}" type="datetime1">
               <a:rPr lang="fr-FR" smtClean="0"/>
               <a:pPr/>
-              <a:t>04/06/2011</a:t>
+              <a:t>05/06/2011</a:t>
             </a:fld>
             <a:endParaRPr lang="fr-BE"/>
           </a:p>
@@ -1431,7 +1431,7 @@
             <a:fld id="{A89CA437-F84A-4BDD-8C20-46077FA11AD7}" type="datetime1">
               <a:rPr lang="fr-FR" smtClean="0"/>
               <a:pPr/>
-              <a:t>04/06/2011</a:t>
+              <a:t>05/06/2011</a:t>
             </a:fld>
             <a:endParaRPr lang="fr-BE"/>
           </a:p>
@@ -1602,7 +1602,7 @@
             <a:fld id="{24135A20-DC24-4C20-9F62-FD3DD13F2969}" type="datetime1">
               <a:rPr lang="fr-FR" smtClean="0"/>
               <a:pPr/>
-              <a:t>04/06/2011</a:t>
+              <a:t>05/06/2011</a:t>
             </a:fld>
             <a:endParaRPr lang="fr-BE"/>
           </a:p>
@@ -1783,7 +1783,7 @@
             <a:fld id="{C74C95C5-D393-4D2F-A12B-633BD3C7E534}" type="datetime1">
               <a:rPr lang="fr-FR" smtClean="0"/>
               <a:pPr/>
-              <a:t>04/06/2011</a:t>
+              <a:t>05/06/2011</a:t>
             </a:fld>
             <a:endParaRPr lang="fr-BE"/>
           </a:p>
@@ -2785,7 +2785,7 @@
             <a:fld id="{9DEFE777-74D9-46A9-AF63-ECD7CA5CB743}" type="datetime1">
               <a:rPr lang="fr-FR" smtClean="0"/>
               <a:pPr/>
-              <a:t>04/06/2011</a:t>
+              <a:t>05/06/2011</a:t>
             </a:fld>
             <a:endParaRPr lang="fr-BE"/>
           </a:p>
@@ -3074,7 +3074,7 @@
             <a:fld id="{9ACF5AB4-72D0-4411-8F4F-4D9D79E948BF}" type="datetime1">
               <a:rPr lang="fr-FR" smtClean="0"/>
               <a:pPr/>
-              <a:t>04/06/2011</a:t>
+              <a:t>05/06/2011</a:t>
             </a:fld>
             <a:endParaRPr lang="fr-BE"/>
           </a:p>
@@ -3497,7 +3497,7 @@
             <a:fld id="{D2811741-81B4-41E5-A5E9-7992F4B62001}" type="datetime1">
               <a:rPr lang="fr-FR" smtClean="0"/>
               <a:pPr/>
-              <a:t>04/06/2011</a:t>
+              <a:t>05/06/2011</a:t>
             </a:fld>
             <a:endParaRPr lang="fr-BE"/>
           </a:p>
@@ -3616,7 +3616,7 @@
             <a:fld id="{FA06DA9A-0216-4D5C-BA8D-BFCD89B87CAB}" type="datetime1">
               <a:rPr lang="fr-FR" smtClean="0"/>
               <a:pPr/>
-              <a:t>04/06/2011</a:t>
+              <a:t>05/06/2011</a:t>
             </a:fld>
             <a:endParaRPr lang="fr-BE"/>
           </a:p>
@@ -3712,7 +3712,7 @@
             <a:fld id="{3EDB268D-CAC0-4A46-8E29-E987593C3F48}" type="datetime1">
               <a:rPr lang="fr-FR" smtClean="0"/>
               <a:pPr/>
-              <a:t>04/06/2011</a:t>
+              <a:t>05/06/2011</a:t>
             </a:fld>
             <a:endParaRPr lang="fr-BE"/>
           </a:p>
@@ -3990,7 +3990,7 @@
             <a:fld id="{5B09ACAE-89F7-4AA2-AF12-DFB25BECD9F8}" type="datetime1">
               <a:rPr lang="fr-FR" smtClean="0"/>
               <a:pPr/>
-              <a:t>04/06/2011</a:t>
+              <a:t>05/06/2011</a:t>
             </a:fld>
             <a:endParaRPr lang="fr-BE"/>
           </a:p>
@@ -4213,7 +4213,7 @@
             <a:fld id="{C2D67580-B034-40FA-BDF9-08E33D7DD05F}" type="datetime1">
               <a:rPr lang="fr-FR" smtClean="0"/>
               <a:pPr/>
-              <a:t>04/06/2011</a:t>
+              <a:t>05/06/2011</a:t>
             </a:fld>
             <a:endParaRPr lang="fr-BE"/>
           </a:p>
@@ -6752,7 +6752,7 @@
           <a:blip r:embed="rId2" cstate="print">
             <a:extLst>
               <a:ext uri="{28A0092B-C50C-407E-A947-70E740481C1C}">
-                <a14:useLocalDpi xmlns="" xmlns:a14="http://schemas.microsoft.com/office/drawing/2010/main" val="0"/>
+                <a14:useLocalDpi xmlns:a14="http://schemas.microsoft.com/office/drawing/2010/main" xmlns="" val="0"/>
               </a:ext>
             </a:extLst>
           </a:blip>
@@ -6772,7 +6772,7 @@
           <a:noFill/>
           <a:extLst>
             <a:ext uri="{909E8E84-426E-40DD-AFC4-6F175D3DCCD1}">
-              <a14:hiddenFill xmlns="" xmlns:a14="http://schemas.microsoft.com/office/drawing/2010/main">
+              <a14:hiddenFill xmlns:a14="http://schemas.microsoft.com/office/drawing/2010/main" xmlns="">
                 <a:solidFill>
                   <a:srgbClr val="FFFFFF"/>
                 </a:solidFill>
@@ -10792,7 +10792,7 @@
                               <p:par>
                                 <p:cTn id="56" presetID="39" presetClass="exit" presetSubtype="0" decel="100000" fill="hold" nodeType="withEffect">
                                   <p:stCondLst>
-                                    <p:cond delay="26400"/>
+                                    <p:cond delay="26000"/>
                                   </p:stCondLst>
                                   <p:childTnLst>
                                     <p:anim calcmode="lin" valueType="num">
@@ -10926,7 +10926,7 @@
                               <p:par>
                                 <p:cTn id="62" presetID="39" presetClass="exit" presetSubtype="0" decel="100000" fill="hold" nodeType="withEffect">
                                   <p:stCondLst>
-                                    <p:cond delay="26400"/>
+                                    <p:cond delay="26000"/>
                                   </p:stCondLst>
                                   <p:childTnLst>
                                     <p:anim calcmode="lin" valueType="num">
@@ -11060,7 +11060,7 @@
                               <p:par>
                                 <p:cTn id="68" presetID="39" presetClass="exit" presetSubtype="0" decel="100000" fill="hold" nodeType="withEffect">
                                   <p:stCondLst>
-                                    <p:cond delay="26400"/>
+                                    <p:cond delay="26000"/>
                                   </p:stCondLst>
                                   <p:childTnLst>
                                     <p:anim calcmode="lin" valueType="num">
@@ -11194,7 +11194,7 @@
                               <p:par>
                                 <p:cTn id="74" presetID="39" presetClass="exit" presetSubtype="0" decel="100000" fill="hold" nodeType="withEffect">
                                   <p:stCondLst>
-                                    <p:cond delay="26400"/>
+                                    <p:cond delay="26000"/>
                                   </p:stCondLst>
                                   <p:childTnLst>
                                     <p:anim calcmode="lin" valueType="num">
@@ -11351,7 +11351,7 @@
                                     </p:set>
                                     <p:anim calcmode="lin" valueType="num">
                                       <p:cBhvr additive="base">
-                                        <p:cTn id="82" dur="1000" fill="hold"/>
+                                        <p:cTn id="82" dur="500" fill="hold"/>
                                         <p:tgtEl>
                                           <p:spTgt spid="22"/>
                                         </p:tgtEl>
@@ -11374,7 +11374,7 @@
                                     </p:anim>
                                     <p:anim calcmode="lin" valueType="num">
                                       <p:cBhvr additive="base">
-                                        <p:cTn id="83" dur="1000" fill="hold"/>
+                                        <p:cTn id="83" dur="500" fill="hold"/>
                                         <p:tgtEl>
                                           <p:spTgt spid="22"/>
                                         </p:tgtEl>

--- a/trunk/AAP/docs/Presentation.pptx
+++ b/trunk/AAP/docs/Presentation.pptx
@@ -5,10 +5,10 @@
     <p:sldMasterId id="2147483648" r:id="rId1"/>
   </p:sldMasterIdLst>
   <p:notesMasterIdLst>
-    <p:notesMasterId r:id="rId19"/>
+    <p:notesMasterId r:id="rId18"/>
   </p:notesMasterIdLst>
   <p:handoutMasterIdLst>
-    <p:handoutMasterId r:id="rId20"/>
+    <p:handoutMasterId r:id="rId19"/>
   </p:handoutMasterIdLst>
   <p:sldIdLst>
     <p:sldId id="256" r:id="rId2"/>
@@ -19,15 +19,14 @@
     <p:sldId id="273" r:id="rId7"/>
     <p:sldId id="274" r:id="rId8"/>
     <p:sldId id="275" r:id="rId9"/>
-    <p:sldId id="276" r:id="rId10"/>
-    <p:sldId id="263" r:id="rId11"/>
-    <p:sldId id="267" r:id="rId12"/>
-    <p:sldId id="277" r:id="rId13"/>
-    <p:sldId id="268" r:id="rId14"/>
-    <p:sldId id="269" r:id="rId15"/>
-    <p:sldId id="271" r:id="rId16"/>
-    <p:sldId id="270" r:id="rId17"/>
-    <p:sldId id="259" r:id="rId18"/>
+    <p:sldId id="263" r:id="rId10"/>
+    <p:sldId id="267" r:id="rId11"/>
+    <p:sldId id="277" r:id="rId12"/>
+    <p:sldId id="268" r:id="rId13"/>
+    <p:sldId id="269" r:id="rId14"/>
+    <p:sldId id="271" r:id="rId15"/>
+    <p:sldId id="270" r:id="rId16"/>
+    <p:sldId id="259" r:id="rId17"/>
   </p:sldIdLst>
   <p:sldSz cx="9144000" cy="6858000" type="screen4x3"/>
   <p:notesSz cx="6858000" cy="9144000"/>
@@ -545,7 +544,7 @@
     </p:spTree>
     <p:extLst>
       <p:ext uri="{BB962C8B-B14F-4D97-AF65-F5344CB8AC3E}">
-        <p14:creationId xmlns:p14="http://schemas.microsoft.com/office/powerpoint/2010/main" xmlns="" val="2884352748"/>
+        <p14:creationId xmlns="" xmlns:p14="http://schemas.microsoft.com/office/powerpoint/2010/main" val="2884352748"/>
       </p:ext>
     </p:extLst>
   </p:cSld>
@@ -4983,9 +4982,7 @@
         </p:nvSpPr>
         <p:spPr/>
         <p:txBody>
-          <a:bodyPr>
-            <a:normAutofit fontScale="92500" lnSpcReduction="10000"/>
-          </a:bodyPr>
+          <a:bodyPr/>
           <a:lstStyle/>
           <a:p>
             <a:pPr>
@@ -5000,7 +4997,27 @@
                   </a:schemeClr>
                 </a:solidFill>
               </a:rPr>
-              <a:t>Le tri des fichiers audio</a:t>
+              <a:t>La « </a:t>
+            </a:r>
+            <a:r>
+              <a:rPr lang="fr-FR" dirty="0" err="1" smtClean="0">
+                <a:solidFill>
+                  <a:schemeClr val="tx2">
+                    <a:lumMod val="75000"/>
+                  </a:schemeClr>
+                </a:solidFill>
+              </a:rPr>
+              <a:t>loop</a:t>
+            </a:r>
+            <a:r>
+              <a:rPr lang="fr-FR" dirty="0" smtClean="0">
+                <a:solidFill>
+                  <a:schemeClr val="tx2">
+                    <a:lumMod val="75000"/>
+                  </a:schemeClr>
+                </a:solidFill>
+              </a:rPr>
+              <a:t> »</a:t>
             </a:r>
           </a:p>
           <a:p>
@@ -5016,7 +5033,27 @@
                   </a:schemeClr>
                 </a:solidFill>
               </a:rPr>
-              <a:t>Plusieurs options</a:t>
+              <a:t>Activer / désactiver le mode « </a:t>
+            </a:r>
+            <a:r>
+              <a:rPr lang="fr-FR" dirty="0" err="1" smtClean="0">
+                <a:solidFill>
+                  <a:schemeClr val="tx2">
+                    <a:lumMod val="75000"/>
+                  </a:schemeClr>
+                </a:solidFill>
+              </a:rPr>
+              <a:t>loop</a:t>
+            </a:r>
+            <a:r>
+              <a:rPr lang="fr-FR" dirty="0" smtClean="0">
+                <a:solidFill>
+                  <a:schemeClr val="tx2">
+                    <a:lumMod val="75000"/>
+                  </a:schemeClr>
+                </a:solidFill>
+              </a:rPr>
+              <a:t> »</a:t>
             </a:r>
           </a:p>
           <a:p>
@@ -5024,71 +5061,124 @@
               <a:buFont typeface="Arial" pitchFamily="34" charset="0"/>
               <a:buChar char="•"/>
             </a:pPr>
-            <a:endParaRPr lang="fr-FR" dirty="0" smtClean="0"/>
+            <a:r>
+              <a:rPr lang="fr-FR" dirty="0" smtClean="0">
+                <a:solidFill>
+                  <a:schemeClr val="tx2">
+                    <a:lumMod val="75000"/>
+                  </a:schemeClr>
+                </a:solidFill>
+              </a:rPr>
+              <a:t>Paramétrage début / fin d’une « </a:t>
+            </a:r>
+            <a:r>
+              <a:rPr lang="fr-FR" dirty="0" err="1" smtClean="0">
+                <a:solidFill>
+                  <a:schemeClr val="tx2">
+                    <a:lumMod val="75000"/>
+                  </a:schemeClr>
+                </a:solidFill>
+              </a:rPr>
+              <a:t>loop</a:t>
+            </a:r>
+            <a:r>
+              <a:rPr lang="fr-FR" dirty="0" smtClean="0">
+                <a:solidFill>
+                  <a:schemeClr val="tx2">
+                    <a:lumMod val="75000"/>
+                  </a:schemeClr>
+                </a:solidFill>
+              </a:rPr>
+              <a:t> »</a:t>
+            </a:r>
           </a:p>
           <a:p>
             <a:pPr lvl="1">
               <a:buFont typeface="Arial" pitchFamily="34" charset="0"/>
               <a:buChar char="•"/>
             </a:pPr>
-            <a:endParaRPr lang="fr-FR" dirty="0" smtClean="0">
-              <a:solidFill>
-                <a:schemeClr val="tx2">
-                  <a:lumMod val="75000"/>
-                </a:schemeClr>
-              </a:solidFill>
-            </a:endParaRPr>
+            <a:r>
+              <a:rPr lang="fr-FR" dirty="0" smtClean="0">
+                <a:solidFill>
+                  <a:schemeClr val="tx2">
+                    <a:lumMod val="75000"/>
+                  </a:schemeClr>
+                </a:solidFill>
+              </a:rPr>
+              <a:t>Repère temporel pendant la lecture :</a:t>
+            </a:r>
+          </a:p>
+          <a:p>
+            <a:pPr lvl="2"/>
+            <a:r>
+              <a:rPr lang="fr-FR" i="1" dirty="0" err="1" smtClean="0">
+                <a:solidFill>
+                  <a:schemeClr val="tx2">
+                    <a:lumMod val="75000"/>
+                  </a:schemeClr>
+                </a:solidFill>
+              </a:rPr>
+              <a:t>currentPosition</a:t>
+            </a:r>
+            <a:r>
+              <a:rPr lang="fr-FR" i="1" dirty="0" smtClean="0">
+                <a:solidFill>
+                  <a:schemeClr val="tx2">
+                    <a:lumMod val="75000"/>
+                  </a:schemeClr>
+                </a:solidFill>
+              </a:rPr>
+              <a:t>()</a:t>
+            </a:r>
+          </a:p>
+          <a:p>
+            <a:pPr lvl="2"/>
+            <a:r>
+              <a:rPr lang="fr-FR" i="1" dirty="0" err="1" smtClean="0">
+                <a:solidFill>
+                  <a:schemeClr val="tx2">
+                    <a:lumMod val="75000"/>
+                  </a:schemeClr>
+                </a:solidFill>
+              </a:rPr>
+              <a:t>seekTo</a:t>
+            </a:r>
+            <a:r>
+              <a:rPr lang="fr-FR" i="1" dirty="0" smtClean="0">
+                <a:solidFill>
+                  <a:schemeClr val="tx2">
+                    <a:lumMod val="75000"/>
+                  </a:schemeClr>
+                </a:solidFill>
+              </a:rPr>
+              <a:t>(</a:t>
+            </a:r>
+            <a:r>
+              <a:rPr lang="fr-FR" i="1" dirty="0" err="1" smtClean="0">
+                <a:solidFill>
+                  <a:schemeClr val="tx2">
+                    <a:lumMod val="75000"/>
+                  </a:schemeClr>
+                </a:solidFill>
+              </a:rPr>
+              <a:t>int</a:t>
+            </a:r>
+            <a:r>
+              <a:rPr lang="fr-FR" i="1" dirty="0" smtClean="0">
+                <a:solidFill>
+                  <a:schemeClr val="tx2">
+                    <a:lumMod val="75000"/>
+                  </a:schemeClr>
+                </a:solidFill>
+              </a:rPr>
+              <a:t> m)</a:t>
+            </a:r>
           </a:p>
           <a:p>
             <a:pPr lvl="1">
               <a:buFont typeface="Arial" pitchFamily="34" charset="0"/>
               <a:buChar char="•"/>
             </a:pPr>
-            <a:endParaRPr lang="fr-FR" dirty="0" smtClean="0"/>
-          </a:p>
-          <a:p>
-            <a:pPr lvl="1">
-              <a:buFont typeface="Arial" pitchFamily="34" charset="0"/>
-              <a:buChar char="•"/>
-            </a:pPr>
-            <a:endParaRPr lang="fr-FR" dirty="0" smtClean="0">
-              <a:solidFill>
-                <a:schemeClr val="tx2">
-                  <a:lumMod val="75000"/>
-                </a:schemeClr>
-              </a:solidFill>
-            </a:endParaRPr>
-          </a:p>
-          <a:p>
-            <a:pPr lvl="1">
-              <a:buNone/>
-            </a:pPr>
-            <a:endParaRPr lang="fr-FR" dirty="0" smtClean="0">
-              <a:solidFill>
-                <a:schemeClr val="tx2">
-                  <a:lumMod val="75000"/>
-                </a:schemeClr>
-              </a:solidFill>
-            </a:endParaRPr>
-          </a:p>
-          <a:p>
-            <a:pPr lvl="1">
-              <a:buFont typeface="Arial" pitchFamily="34" charset="0"/>
-              <a:buChar char="•"/>
-            </a:pPr>
-            <a:endParaRPr lang="fr-FR" dirty="0" smtClean="0">
-              <a:solidFill>
-                <a:schemeClr val="tx2">
-                  <a:lumMod val="75000"/>
-                </a:schemeClr>
-              </a:solidFill>
-            </a:endParaRPr>
-          </a:p>
-          <a:p>
-            <a:pPr lvl="1">
-              <a:buFont typeface="Arial" pitchFamily="34" charset="0"/>
-              <a:buChar char="•"/>
-            </a:pPr>
             <a:r>
               <a:rPr lang="fr-FR" dirty="0" smtClean="0">
                 <a:solidFill>
@@ -5097,43 +5187,7 @@
                   </a:schemeClr>
                 </a:solidFill>
               </a:rPr>
-              <a:t>Utilisation des métadonnées (ID3 actuellement en version 2 : ID3v2)</a:t>
-            </a:r>
-          </a:p>
-          <a:p>
-            <a:pPr lvl="1">
-              <a:buFont typeface="Arial" pitchFamily="34" charset="0"/>
-              <a:buChar char="•"/>
-            </a:pPr>
-            <a:r>
-              <a:rPr lang="fr-FR" dirty="0" smtClean="0">
-                <a:solidFill>
-                  <a:schemeClr val="tx2">
-                    <a:lumMod val="75000"/>
-                  </a:schemeClr>
-                </a:solidFill>
-              </a:rPr>
-              <a:t>Gestion des données inconnues avec le mot clé « </a:t>
-            </a:r>
-            <a:r>
-              <a:rPr lang="fr-FR" dirty="0" err="1" smtClean="0">
-                <a:solidFill>
-                  <a:schemeClr val="tx2">
-                    <a:lumMod val="75000"/>
-                  </a:schemeClr>
-                </a:solidFill>
-              </a:rPr>
-              <a:t>Unknown</a:t>
-            </a:r>
-            <a:r>
-              <a:rPr lang="fr-FR" dirty="0" smtClean="0">
-                <a:solidFill>
-                  <a:schemeClr val="tx2">
-                    <a:lumMod val="75000"/>
-                  </a:schemeClr>
-                </a:solidFill>
-              </a:rPr>
-              <a:t> »</a:t>
+              <a:t>Sauvegarde / chargement des paramètres d’une boucle</a:t>
             </a:r>
             <a:endParaRPr lang="fr-FR" dirty="0">
               <a:solidFill>
@@ -5314,30 +5368,6 @@
           </a:p>
         </p:txBody>
       </p:sp>
-      <p:pic>
-        <p:nvPicPr>
-          <p:cNvPr id="17" name="Image 16" descr="listeLecture-anim.gif"/>
-          <p:cNvPicPr>
-            <a:picLocks noChangeAspect="1"/>
-          </p:cNvPicPr>
-          <p:nvPr/>
-        </p:nvPicPr>
-        <p:blipFill>
-          <a:blip r:embed="rId2" cstate="print"/>
-          <a:stretch>
-            <a:fillRect/>
-          </a:stretch>
-        </p:blipFill>
-        <p:spPr>
-          <a:xfrm>
-            <a:off x="3419872" y="1844824"/>
-            <a:ext cx="3708114" cy="2446015"/>
-          </a:xfrm>
-          <a:prstGeom prst="rect">
-            <a:avLst/>
-          </a:prstGeom>
-        </p:spPr>
-      </p:pic>
     </p:spTree>
   </p:cSld>
   <p:clrMapOvr>
@@ -5456,531 +5486,6 @@
               <a:rPr lang="fr-BE" smtClean="0"/>
               <a:pPr/>
               <a:t>11</a:t>
-            </a:fld>
-            <a:r>
-              <a:rPr lang="fr-BE" dirty="0" smtClean="0"/>
-              <a:t> sur 21</a:t>
-            </a:r>
-            <a:endParaRPr lang="fr-BE" dirty="0"/>
-          </a:p>
-        </p:txBody>
-      </p:sp>
-      <p:sp>
-        <p:nvSpPr>
-          <p:cNvPr id="7" name="Espace réservé du contenu 6"/>
-          <p:cNvSpPr>
-            <a:spLocks noGrp="1"/>
-          </p:cNvSpPr>
-          <p:nvPr>
-            <p:ph sz="quarter" idx="14"/>
-          </p:nvPr>
-        </p:nvSpPr>
-        <p:spPr/>
-        <p:txBody>
-          <a:bodyPr/>
-          <a:lstStyle/>
-          <a:p>
-            <a:pPr>
-              <a:buFont typeface="Wingdings" pitchFamily="2" charset="2"/>
-              <a:buChar char="Ø"/>
-            </a:pPr>
-            <a:r>
-              <a:rPr lang="fr-FR" dirty="0" smtClean="0">
-                <a:solidFill>
-                  <a:schemeClr val="tx2">
-                    <a:lumMod val="75000"/>
-                  </a:schemeClr>
-                </a:solidFill>
-              </a:rPr>
-              <a:t>La « </a:t>
-            </a:r>
-            <a:r>
-              <a:rPr lang="fr-FR" dirty="0" err="1" smtClean="0">
-                <a:solidFill>
-                  <a:schemeClr val="tx2">
-                    <a:lumMod val="75000"/>
-                  </a:schemeClr>
-                </a:solidFill>
-              </a:rPr>
-              <a:t>loop</a:t>
-            </a:r>
-            <a:r>
-              <a:rPr lang="fr-FR" dirty="0" smtClean="0">
-                <a:solidFill>
-                  <a:schemeClr val="tx2">
-                    <a:lumMod val="75000"/>
-                  </a:schemeClr>
-                </a:solidFill>
-              </a:rPr>
-              <a:t> »</a:t>
-            </a:r>
-          </a:p>
-          <a:p>
-            <a:pPr lvl="1">
-              <a:buFont typeface="Arial" pitchFamily="34" charset="0"/>
-              <a:buChar char="•"/>
-            </a:pPr>
-            <a:r>
-              <a:rPr lang="fr-FR" dirty="0" smtClean="0">
-                <a:solidFill>
-                  <a:schemeClr val="tx2">
-                    <a:lumMod val="75000"/>
-                  </a:schemeClr>
-                </a:solidFill>
-              </a:rPr>
-              <a:t>Activer / désactiver le mode « </a:t>
-            </a:r>
-            <a:r>
-              <a:rPr lang="fr-FR" dirty="0" err="1" smtClean="0">
-                <a:solidFill>
-                  <a:schemeClr val="tx2">
-                    <a:lumMod val="75000"/>
-                  </a:schemeClr>
-                </a:solidFill>
-              </a:rPr>
-              <a:t>loop</a:t>
-            </a:r>
-            <a:r>
-              <a:rPr lang="fr-FR" dirty="0" smtClean="0">
-                <a:solidFill>
-                  <a:schemeClr val="tx2">
-                    <a:lumMod val="75000"/>
-                  </a:schemeClr>
-                </a:solidFill>
-              </a:rPr>
-              <a:t> »</a:t>
-            </a:r>
-          </a:p>
-          <a:p>
-            <a:pPr lvl="1">
-              <a:buFont typeface="Arial" pitchFamily="34" charset="0"/>
-              <a:buChar char="•"/>
-            </a:pPr>
-            <a:r>
-              <a:rPr lang="fr-FR" dirty="0" smtClean="0">
-                <a:solidFill>
-                  <a:schemeClr val="tx2">
-                    <a:lumMod val="75000"/>
-                  </a:schemeClr>
-                </a:solidFill>
-              </a:rPr>
-              <a:t>Paramétrage début / fin d’une « </a:t>
-            </a:r>
-            <a:r>
-              <a:rPr lang="fr-FR" dirty="0" err="1" smtClean="0">
-                <a:solidFill>
-                  <a:schemeClr val="tx2">
-                    <a:lumMod val="75000"/>
-                  </a:schemeClr>
-                </a:solidFill>
-              </a:rPr>
-              <a:t>loop</a:t>
-            </a:r>
-            <a:r>
-              <a:rPr lang="fr-FR" dirty="0" smtClean="0">
-                <a:solidFill>
-                  <a:schemeClr val="tx2">
-                    <a:lumMod val="75000"/>
-                  </a:schemeClr>
-                </a:solidFill>
-              </a:rPr>
-              <a:t> »</a:t>
-            </a:r>
-          </a:p>
-          <a:p>
-            <a:pPr lvl="1">
-              <a:buFont typeface="Arial" pitchFamily="34" charset="0"/>
-              <a:buChar char="•"/>
-            </a:pPr>
-            <a:r>
-              <a:rPr lang="fr-FR" dirty="0" smtClean="0">
-                <a:solidFill>
-                  <a:schemeClr val="tx2">
-                    <a:lumMod val="75000"/>
-                  </a:schemeClr>
-                </a:solidFill>
-              </a:rPr>
-              <a:t>Repère temporel pendant la lecture :</a:t>
-            </a:r>
-          </a:p>
-          <a:p>
-            <a:pPr lvl="2"/>
-            <a:r>
-              <a:rPr lang="fr-FR" i="1" dirty="0" err="1" smtClean="0">
-                <a:solidFill>
-                  <a:schemeClr val="tx2">
-                    <a:lumMod val="75000"/>
-                  </a:schemeClr>
-                </a:solidFill>
-              </a:rPr>
-              <a:t>currentPosition</a:t>
-            </a:r>
-            <a:r>
-              <a:rPr lang="fr-FR" i="1" dirty="0" smtClean="0">
-                <a:solidFill>
-                  <a:schemeClr val="tx2">
-                    <a:lumMod val="75000"/>
-                  </a:schemeClr>
-                </a:solidFill>
-              </a:rPr>
-              <a:t>()</a:t>
-            </a:r>
-          </a:p>
-          <a:p>
-            <a:pPr lvl="2"/>
-            <a:r>
-              <a:rPr lang="fr-FR" i="1" dirty="0" err="1" smtClean="0">
-                <a:solidFill>
-                  <a:schemeClr val="tx2">
-                    <a:lumMod val="75000"/>
-                  </a:schemeClr>
-                </a:solidFill>
-              </a:rPr>
-              <a:t>seekTo</a:t>
-            </a:r>
-            <a:r>
-              <a:rPr lang="fr-FR" i="1" dirty="0" smtClean="0">
-                <a:solidFill>
-                  <a:schemeClr val="tx2">
-                    <a:lumMod val="75000"/>
-                  </a:schemeClr>
-                </a:solidFill>
-              </a:rPr>
-              <a:t>(</a:t>
-            </a:r>
-            <a:r>
-              <a:rPr lang="fr-FR" i="1" dirty="0" err="1" smtClean="0">
-                <a:solidFill>
-                  <a:schemeClr val="tx2">
-                    <a:lumMod val="75000"/>
-                  </a:schemeClr>
-                </a:solidFill>
-              </a:rPr>
-              <a:t>int</a:t>
-            </a:r>
-            <a:r>
-              <a:rPr lang="fr-FR" i="1" dirty="0" smtClean="0">
-                <a:solidFill>
-                  <a:schemeClr val="tx2">
-                    <a:lumMod val="75000"/>
-                  </a:schemeClr>
-                </a:solidFill>
-              </a:rPr>
-              <a:t> m)</a:t>
-            </a:r>
-          </a:p>
-          <a:p>
-            <a:pPr lvl="1">
-              <a:buFont typeface="Arial" pitchFamily="34" charset="0"/>
-              <a:buChar char="•"/>
-            </a:pPr>
-            <a:r>
-              <a:rPr lang="fr-FR" dirty="0" smtClean="0">
-                <a:solidFill>
-                  <a:schemeClr val="tx2">
-                    <a:lumMod val="75000"/>
-                  </a:schemeClr>
-                </a:solidFill>
-              </a:rPr>
-              <a:t>Sauvegarde / chargement des paramètres d’une boucle</a:t>
-            </a:r>
-            <a:endParaRPr lang="fr-FR" dirty="0">
-              <a:solidFill>
-                <a:schemeClr val="tx2">
-                  <a:lumMod val="75000"/>
-                </a:schemeClr>
-              </a:solidFill>
-            </a:endParaRPr>
-          </a:p>
-        </p:txBody>
-      </p:sp>
-      <p:sp>
-        <p:nvSpPr>
-          <p:cNvPr id="8" name="Espace réservé du contenu 7"/>
-          <p:cNvSpPr>
-            <a:spLocks noGrp="1"/>
-          </p:cNvSpPr>
-          <p:nvPr>
-            <p:ph sz="quarter" idx="15"/>
-          </p:nvPr>
-        </p:nvSpPr>
-        <p:spPr/>
-        <p:txBody>
-          <a:bodyPr>
-            <a:normAutofit/>
-          </a:bodyPr>
-          <a:lstStyle/>
-          <a:p>
-            <a:pPr marL="457200" indent="-457200">
-              <a:buFont typeface="+mj-lt"/>
-              <a:buAutoNum type="arabicPeriod"/>
-            </a:pPr>
-            <a:r>
-              <a:rPr lang="fr-FR" sz="1400" dirty="0" smtClean="0">
-                <a:solidFill>
-                  <a:schemeClr val="tx2">
-                    <a:lumMod val="75000"/>
-                  </a:schemeClr>
-                </a:solidFill>
-                <a:latin typeface="Cambria" pitchFamily="18" charset="0"/>
-              </a:rPr>
-              <a:t>Introduction</a:t>
-            </a:r>
-          </a:p>
-          <a:p>
-            <a:pPr marL="457200" indent="-457200">
-              <a:buFont typeface="+mj-lt"/>
-              <a:buAutoNum type="arabicPeriod"/>
-            </a:pPr>
-            <a:endParaRPr lang="fr-FR" sz="1400" dirty="0" smtClean="0">
-              <a:solidFill>
-                <a:schemeClr val="tx2">
-                  <a:lumMod val="75000"/>
-                </a:schemeClr>
-              </a:solidFill>
-              <a:latin typeface="Cambria" pitchFamily="18" charset="0"/>
-            </a:endParaRPr>
-          </a:p>
-          <a:p>
-            <a:pPr marL="457200" indent="-457200">
-              <a:buFont typeface="+mj-lt"/>
-              <a:buAutoNum type="arabicPeriod"/>
-            </a:pPr>
-            <a:r>
-              <a:rPr lang="fr-FR" sz="1400" dirty="0" smtClean="0">
-                <a:solidFill>
-                  <a:schemeClr val="tx2">
-                    <a:lumMod val="75000"/>
-                  </a:schemeClr>
-                </a:solidFill>
-                <a:latin typeface="Cambria" pitchFamily="18" charset="0"/>
-              </a:rPr>
-              <a:t>Outils et méthodologies utilisés</a:t>
-            </a:r>
-          </a:p>
-          <a:p>
-            <a:pPr marL="457200" indent="-457200">
-              <a:buFont typeface="+mj-lt"/>
-              <a:buAutoNum type="arabicPeriod"/>
-            </a:pPr>
-            <a:endParaRPr lang="fr-FR" sz="1400" dirty="0" smtClean="0">
-              <a:solidFill>
-                <a:schemeClr val="tx2">
-                  <a:lumMod val="75000"/>
-                </a:schemeClr>
-              </a:solidFill>
-              <a:latin typeface="Cambria" pitchFamily="18" charset="0"/>
-            </a:endParaRPr>
-          </a:p>
-          <a:p>
-            <a:pPr marL="457200" indent="-457200">
-              <a:buFont typeface="+mj-lt"/>
-              <a:buAutoNum type="arabicPeriod"/>
-            </a:pPr>
-            <a:r>
-              <a:rPr lang="fr-FR" sz="1400" dirty="0" smtClean="0">
-                <a:solidFill>
-                  <a:schemeClr val="tx2">
-                    <a:lumMod val="75000"/>
-                  </a:schemeClr>
-                </a:solidFill>
-                <a:latin typeface="Cambria" pitchFamily="18" charset="0"/>
-              </a:rPr>
-              <a:t>Interface graphique</a:t>
-            </a:r>
-          </a:p>
-          <a:p>
-            <a:pPr marL="457200" indent="-457200">
-              <a:buFont typeface="+mj-lt"/>
-              <a:buAutoNum type="arabicPeriod"/>
-            </a:pPr>
-            <a:endParaRPr lang="fr-FR" sz="1400" dirty="0" smtClean="0">
-              <a:solidFill>
-                <a:schemeClr val="tx2">
-                  <a:lumMod val="75000"/>
-                </a:schemeClr>
-              </a:solidFill>
-              <a:latin typeface="Cambria" pitchFamily="18" charset="0"/>
-            </a:endParaRPr>
-          </a:p>
-          <a:p>
-            <a:pPr marL="457200" indent="-457200">
-              <a:buFont typeface="+mj-lt"/>
-              <a:buAutoNum type="arabicPeriod"/>
-            </a:pPr>
-            <a:r>
-              <a:rPr lang="fr-FR" sz="1400" dirty="0" smtClean="0">
-                <a:solidFill>
-                  <a:schemeClr val="tx2">
-                    <a:lumMod val="60000"/>
-                    <a:lumOff val="40000"/>
-                  </a:schemeClr>
-                </a:solidFill>
-                <a:latin typeface="Cambria" pitchFamily="18" charset="0"/>
-              </a:rPr>
-              <a:t>Fonctionnalités</a:t>
-            </a:r>
-          </a:p>
-          <a:p>
-            <a:pPr marL="457200" indent="-457200">
-              <a:buFont typeface="+mj-lt"/>
-              <a:buAutoNum type="arabicPeriod"/>
-            </a:pPr>
-            <a:endParaRPr lang="fr-FR" sz="1400" dirty="0" smtClean="0">
-              <a:solidFill>
-                <a:schemeClr val="tx2">
-                  <a:lumMod val="75000"/>
-                </a:schemeClr>
-              </a:solidFill>
-              <a:latin typeface="Cambria" pitchFamily="18" charset="0"/>
-            </a:endParaRPr>
-          </a:p>
-          <a:p>
-            <a:pPr marL="457200" indent="-457200">
-              <a:buFont typeface="+mj-lt"/>
-              <a:buAutoNum type="arabicPeriod"/>
-            </a:pPr>
-            <a:r>
-              <a:rPr lang="fr-FR" sz="1400" dirty="0" smtClean="0">
-                <a:solidFill>
-                  <a:schemeClr val="tx2">
-                    <a:lumMod val="75000"/>
-                  </a:schemeClr>
-                </a:solidFill>
-                <a:latin typeface="Cambria" pitchFamily="18" charset="0"/>
-              </a:rPr>
-              <a:t>Conclusion</a:t>
-            </a:r>
-          </a:p>
-          <a:p>
-            <a:endParaRPr lang="fr-FR" dirty="0">
-              <a:solidFill>
-                <a:schemeClr val="tx2">
-                  <a:lumMod val="75000"/>
-                </a:schemeClr>
-              </a:solidFill>
-            </a:endParaRPr>
-          </a:p>
-        </p:txBody>
-      </p:sp>
-    </p:spTree>
-  </p:cSld>
-  <p:clrMapOvr>
-    <a:masterClrMapping/>
-  </p:clrMapOvr>
-  <p:transition>
-    <p:fade/>
-  </p:transition>
-  <p:timing>
-    <p:tnLst>
-      <p:par>
-        <p:cTn id="1" dur="indefinite" restart="never" nodeType="tmRoot"/>
-      </p:par>
-    </p:tnLst>
-  </p:timing>
-</p:sld>
-</file>
-
-<file path=ppt/slides/slide12.xml><?xml version="1.0" encoding="utf-8"?>
-<p:sld xmlns:a="http://schemas.openxmlformats.org/drawingml/2006/main" xmlns:r="http://schemas.openxmlformats.org/officeDocument/2006/relationships" xmlns:p="http://schemas.openxmlformats.org/presentationml/2006/main">
-  <p:cSld>
-    <p:spTree>
-      <p:nvGrpSpPr>
-        <p:cNvPr id="1" name=""/>
-        <p:cNvGrpSpPr/>
-        <p:nvPr/>
-      </p:nvGrpSpPr>
-      <p:grpSpPr>
-        <a:xfrm>
-          <a:off x="0" y="0"/>
-          <a:ext cx="0" cy="0"/>
-          <a:chOff x="0" y="0"/>
-          <a:chExt cx="0" cy="0"/>
-        </a:xfrm>
-      </p:grpSpPr>
-      <p:sp>
-        <p:nvSpPr>
-          <p:cNvPr id="6" name="Titre 5"/>
-          <p:cNvSpPr>
-            <a:spLocks noGrp="1"/>
-          </p:cNvSpPr>
-          <p:nvPr>
-            <p:ph type="title"/>
-          </p:nvPr>
-        </p:nvSpPr>
-        <p:spPr/>
-        <p:txBody>
-          <a:bodyPr/>
-          <a:lstStyle/>
-          <a:p>
-            <a:r>
-              <a:rPr lang="fr-FR" dirty="0" smtClean="0">
-                <a:solidFill>
-                  <a:schemeClr val="tx2">
-                    <a:lumMod val="50000"/>
-                  </a:schemeClr>
-                </a:solidFill>
-              </a:rPr>
-              <a:t>Fonctionnalités</a:t>
-            </a:r>
-            <a:endParaRPr lang="fr-FR" dirty="0">
-              <a:solidFill>
-                <a:schemeClr val="tx2">
-                  <a:lumMod val="50000"/>
-                </a:schemeClr>
-              </a:solidFill>
-            </a:endParaRPr>
-          </a:p>
-        </p:txBody>
-      </p:sp>
-      <p:sp>
-        <p:nvSpPr>
-          <p:cNvPr id="4" name="Espace réservé du pied de page 3"/>
-          <p:cNvSpPr>
-            <a:spLocks noGrp="1"/>
-          </p:cNvSpPr>
-          <p:nvPr>
-            <p:ph type="ftr" sz="quarter" idx="11"/>
-          </p:nvPr>
-        </p:nvSpPr>
-        <p:spPr/>
-        <p:txBody>
-          <a:bodyPr/>
-          <a:lstStyle/>
-          <a:p>
-            <a:r>
-              <a:rPr lang="fr-FR" smtClean="0"/>
-              <a:t>M1 MIAGE  - 2010/2011</a:t>
-            </a:r>
-          </a:p>
-          <a:p>
-            <a:r>
-              <a:rPr lang="fr-FR" smtClean="0"/>
-              <a:t>Université de Nice Sophia Antipolis</a:t>
-            </a:r>
-            <a:endParaRPr lang="fr-BE" dirty="0"/>
-          </a:p>
-        </p:txBody>
-      </p:sp>
-      <p:sp>
-        <p:nvSpPr>
-          <p:cNvPr id="5" name="Espace réservé du numéro de diapositive 4"/>
-          <p:cNvSpPr>
-            <a:spLocks noGrp="1"/>
-          </p:cNvSpPr>
-          <p:nvPr>
-            <p:ph type="sldNum" sz="quarter" idx="12"/>
-          </p:nvPr>
-        </p:nvSpPr>
-        <p:spPr/>
-        <p:txBody>
-          <a:bodyPr/>
-          <a:lstStyle/>
-          <a:p>
-            <a:fld id="{CF4668DC-857F-487D-BFFA-8C0CA5037977}" type="slidenum">
-              <a:rPr lang="fr-BE" smtClean="0"/>
-              <a:pPr/>
-              <a:t>12</a:t>
             </a:fld>
             <a:r>
               <a:rPr lang="fr-BE" dirty="0" smtClean="0"/>
@@ -6349,6 +5854,456 @@
 </p:sld>
 </file>
 
+<file path=ppt/slides/slide12.xml><?xml version="1.0" encoding="utf-8"?>
+<p:sld xmlns:a="http://schemas.openxmlformats.org/drawingml/2006/main" xmlns:r="http://schemas.openxmlformats.org/officeDocument/2006/relationships" xmlns:p="http://schemas.openxmlformats.org/presentationml/2006/main">
+  <p:cSld>
+    <p:spTree>
+      <p:nvGrpSpPr>
+        <p:cNvPr id="1" name=""/>
+        <p:cNvGrpSpPr/>
+        <p:nvPr/>
+      </p:nvGrpSpPr>
+      <p:grpSpPr>
+        <a:xfrm>
+          <a:off x="0" y="0"/>
+          <a:ext cx="0" cy="0"/>
+          <a:chOff x="0" y="0"/>
+          <a:chExt cx="0" cy="0"/>
+        </a:xfrm>
+      </p:grpSpPr>
+      <p:sp>
+        <p:nvSpPr>
+          <p:cNvPr id="6" name="Titre 5"/>
+          <p:cNvSpPr>
+            <a:spLocks noGrp="1"/>
+          </p:cNvSpPr>
+          <p:nvPr>
+            <p:ph type="title"/>
+          </p:nvPr>
+        </p:nvSpPr>
+        <p:spPr/>
+        <p:txBody>
+          <a:bodyPr/>
+          <a:lstStyle/>
+          <a:p>
+            <a:r>
+              <a:rPr lang="fr-FR" dirty="0" smtClean="0">
+                <a:solidFill>
+                  <a:schemeClr val="tx2">
+                    <a:lumMod val="50000"/>
+                  </a:schemeClr>
+                </a:solidFill>
+              </a:rPr>
+              <a:t>Fonctionnalités</a:t>
+            </a:r>
+            <a:endParaRPr lang="fr-FR" dirty="0">
+              <a:solidFill>
+                <a:schemeClr val="tx2">
+                  <a:lumMod val="50000"/>
+                </a:schemeClr>
+              </a:solidFill>
+            </a:endParaRPr>
+          </a:p>
+        </p:txBody>
+      </p:sp>
+      <p:sp>
+        <p:nvSpPr>
+          <p:cNvPr id="4" name="Espace réservé du pied de page 3"/>
+          <p:cNvSpPr>
+            <a:spLocks noGrp="1"/>
+          </p:cNvSpPr>
+          <p:nvPr>
+            <p:ph type="ftr" sz="quarter" idx="11"/>
+          </p:nvPr>
+        </p:nvSpPr>
+        <p:spPr/>
+        <p:txBody>
+          <a:bodyPr/>
+          <a:lstStyle/>
+          <a:p>
+            <a:r>
+              <a:rPr lang="fr-FR" smtClean="0"/>
+              <a:t>M1 MIAGE  - 2010/2011</a:t>
+            </a:r>
+          </a:p>
+          <a:p>
+            <a:r>
+              <a:rPr lang="fr-FR" smtClean="0"/>
+              <a:t>Université de Nice Sophia Antipolis</a:t>
+            </a:r>
+            <a:endParaRPr lang="fr-BE" dirty="0"/>
+          </a:p>
+        </p:txBody>
+      </p:sp>
+      <p:sp>
+        <p:nvSpPr>
+          <p:cNvPr id="5" name="Espace réservé du numéro de diapositive 4"/>
+          <p:cNvSpPr>
+            <a:spLocks noGrp="1"/>
+          </p:cNvSpPr>
+          <p:nvPr>
+            <p:ph type="sldNum" sz="quarter" idx="12"/>
+          </p:nvPr>
+        </p:nvSpPr>
+        <p:spPr/>
+        <p:txBody>
+          <a:bodyPr/>
+          <a:lstStyle/>
+          <a:p>
+            <a:fld id="{CF4668DC-857F-487D-BFFA-8C0CA5037977}" type="slidenum">
+              <a:rPr lang="fr-BE" smtClean="0"/>
+              <a:pPr/>
+              <a:t>12</a:t>
+            </a:fld>
+            <a:r>
+              <a:rPr lang="fr-BE" dirty="0" smtClean="0"/>
+              <a:t> sur 21</a:t>
+            </a:r>
+            <a:endParaRPr lang="fr-BE" dirty="0"/>
+          </a:p>
+        </p:txBody>
+      </p:sp>
+      <p:sp>
+        <p:nvSpPr>
+          <p:cNvPr id="7" name="Espace réservé du contenu 6"/>
+          <p:cNvSpPr>
+            <a:spLocks noGrp="1"/>
+          </p:cNvSpPr>
+          <p:nvPr>
+            <p:ph sz="quarter" idx="14"/>
+          </p:nvPr>
+        </p:nvSpPr>
+        <p:spPr/>
+        <p:txBody>
+          <a:bodyPr/>
+          <a:lstStyle/>
+          <a:p>
+            <a:pPr>
+              <a:buFont typeface="Wingdings" pitchFamily="2" charset="2"/>
+              <a:buChar char="Ø"/>
+            </a:pPr>
+            <a:r>
+              <a:rPr lang="fr-FR" dirty="0" smtClean="0">
+                <a:solidFill>
+                  <a:schemeClr val="tx2">
+                    <a:lumMod val="75000"/>
+                  </a:schemeClr>
+                </a:solidFill>
+              </a:rPr>
+              <a:t>L’ « </a:t>
+            </a:r>
+            <a:r>
+              <a:rPr lang="fr-FR" dirty="0" err="1" smtClean="0">
+                <a:solidFill>
+                  <a:schemeClr val="tx2">
+                    <a:lumMod val="75000"/>
+                  </a:schemeClr>
+                </a:solidFill>
+              </a:rPr>
+              <a:t>equalizer</a:t>
+            </a:r>
+            <a:r>
+              <a:rPr lang="fr-FR" dirty="0" smtClean="0">
+                <a:solidFill>
+                  <a:schemeClr val="tx2">
+                    <a:lumMod val="75000"/>
+                  </a:schemeClr>
+                </a:solidFill>
+              </a:rPr>
+              <a:t> »</a:t>
+            </a:r>
+          </a:p>
+          <a:p>
+            <a:pPr lvl="1">
+              <a:buFont typeface="Arial" pitchFamily="34" charset="0"/>
+              <a:buChar char="•"/>
+            </a:pPr>
+            <a:r>
+              <a:rPr lang="fr-FR" sz="2400" dirty="0" smtClean="0">
+                <a:solidFill>
+                  <a:schemeClr val="tx2">
+                    <a:lumMod val="75000"/>
+                  </a:schemeClr>
+                </a:solidFill>
+              </a:rPr>
+              <a:t>Changement de la fréquence d’un son</a:t>
+            </a:r>
+          </a:p>
+          <a:p>
+            <a:pPr lvl="1">
+              <a:buFont typeface="Arial" pitchFamily="34" charset="0"/>
+              <a:buChar char="•"/>
+            </a:pPr>
+            <a:r>
+              <a:rPr lang="fr-FR" sz="2400" dirty="0" smtClean="0">
+                <a:solidFill>
+                  <a:schemeClr val="tx2">
+                    <a:lumMod val="75000"/>
+                  </a:schemeClr>
+                </a:solidFill>
+              </a:rPr>
+              <a:t>Utilisation de la classe </a:t>
+            </a:r>
+            <a:r>
+              <a:rPr lang="fr-FR" sz="2400" dirty="0" err="1" smtClean="0">
+                <a:solidFill>
+                  <a:schemeClr val="tx2">
+                    <a:lumMod val="75000"/>
+                  </a:schemeClr>
+                </a:solidFill>
+              </a:rPr>
+              <a:t>Equalizer</a:t>
+            </a:r>
+            <a:endParaRPr lang="fr-FR" sz="2400" dirty="0">
+              <a:solidFill>
+                <a:schemeClr val="tx2">
+                  <a:lumMod val="75000"/>
+                </a:schemeClr>
+              </a:solidFill>
+            </a:endParaRPr>
+          </a:p>
+          <a:p>
+            <a:pPr marL="457200" lvl="1" indent="0">
+              <a:buNone/>
+            </a:pPr>
+            <a:endParaRPr lang="fr-FR" dirty="0">
+              <a:solidFill>
+                <a:schemeClr val="tx2">
+                  <a:lumMod val="75000"/>
+                </a:schemeClr>
+              </a:solidFill>
+            </a:endParaRPr>
+          </a:p>
+        </p:txBody>
+      </p:sp>
+      <p:sp>
+        <p:nvSpPr>
+          <p:cNvPr id="8" name="Espace réservé du contenu 7"/>
+          <p:cNvSpPr>
+            <a:spLocks noGrp="1"/>
+          </p:cNvSpPr>
+          <p:nvPr>
+            <p:ph sz="quarter" idx="15"/>
+          </p:nvPr>
+        </p:nvSpPr>
+        <p:spPr/>
+        <p:txBody>
+          <a:bodyPr>
+            <a:normAutofit/>
+          </a:bodyPr>
+          <a:lstStyle/>
+          <a:p>
+            <a:pPr marL="457200" indent="-457200">
+              <a:buFont typeface="+mj-lt"/>
+              <a:buAutoNum type="arabicPeriod"/>
+            </a:pPr>
+            <a:r>
+              <a:rPr lang="fr-FR" sz="1400" dirty="0" smtClean="0">
+                <a:solidFill>
+                  <a:schemeClr val="tx2">
+                    <a:lumMod val="75000"/>
+                  </a:schemeClr>
+                </a:solidFill>
+                <a:latin typeface="Cambria" pitchFamily="18" charset="0"/>
+              </a:rPr>
+              <a:t>Introduction</a:t>
+            </a:r>
+          </a:p>
+          <a:p>
+            <a:pPr marL="457200" indent="-457200">
+              <a:buFont typeface="+mj-lt"/>
+              <a:buAutoNum type="arabicPeriod"/>
+            </a:pPr>
+            <a:endParaRPr lang="fr-FR" sz="1400" dirty="0" smtClean="0">
+              <a:solidFill>
+                <a:schemeClr val="tx2">
+                  <a:lumMod val="75000"/>
+                </a:schemeClr>
+              </a:solidFill>
+              <a:latin typeface="Cambria" pitchFamily="18" charset="0"/>
+            </a:endParaRPr>
+          </a:p>
+          <a:p>
+            <a:pPr marL="457200" indent="-457200">
+              <a:buFont typeface="+mj-lt"/>
+              <a:buAutoNum type="arabicPeriod"/>
+            </a:pPr>
+            <a:r>
+              <a:rPr lang="fr-FR" sz="1400" dirty="0" smtClean="0">
+                <a:solidFill>
+                  <a:schemeClr val="tx2">
+                    <a:lumMod val="75000"/>
+                  </a:schemeClr>
+                </a:solidFill>
+                <a:latin typeface="Cambria" pitchFamily="18" charset="0"/>
+              </a:rPr>
+              <a:t>Outils et méthodologies utilisés</a:t>
+            </a:r>
+          </a:p>
+          <a:p>
+            <a:pPr marL="457200" indent="-457200">
+              <a:buFont typeface="+mj-lt"/>
+              <a:buAutoNum type="arabicPeriod"/>
+            </a:pPr>
+            <a:endParaRPr lang="fr-FR" sz="1400" dirty="0" smtClean="0">
+              <a:solidFill>
+                <a:schemeClr val="tx2">
+                  <a:lumMod val="75000"/>
+                </a:schemeClr>
+              </a:solidFill>
+              <a:latin typeface="Cambria" pitchFamily="18" charset="0"/>
+            </a:endParaRPr>
+          </a:p>
+          <a:p>
+            <a:pPr marL="457200" indent="-457200">
+              <a:buFont typeface="+mj-lt"/>
+              <a:buAutoNum type="arabicPeriod"/>
+            </a:pPr>
+            <a:r>
+              <a:rPr lang="fr-FR" sz="1400" dirty="0" smtClean="0">
+                <a:solidFill>
+                  <a:schemeClr val="tx2">
+                    <a:lumMod val="75000"/>
+                  </a:schemeClr>
+                </a:solidFill>
+                <a:latin typeface="Cambria" pitchFamily="18" charset="0"/>
+              </a:rPr>
+              <a:t>Interface graphique</a:t>
+            </a:r>
+          </a:p>
+          <a:p>
+            <a:pPr marL="457200" indent="-457200">
+              <a:buFont typeface="+mj-lt"/>
+              <a:buAutoNum type="arabicPeriod"/>
+            </a:pPr>
+            <a:endParaRPr lang="fr-FR" sz="1400" dirty="0" smtClean="0">
+              <a:solidFill>
+                <a:schemeClr val="tx2">
+                  <a:lumMod val="75000"/>
+                </a:schemeClr>
+              </a:solidFill>
+              <a:latin typeface="Cambria" pitchFamily="18" charset="0"/>
+            </a:endParaRPr>
+          </a:p>
+          <a:p>
+            <a:pPr marL="457200" indent="-457200">
+              <a:buFont typeface="+mj-lt"/>
+              <a:buAutoNum type="arabicPeriod"/>
+            </a:pPr>
+            <a:r>
+              <a:rPr lang="fr-FR" sz="1400" dirty="0" smtClean="0">
+                <a:solidFill>
+                  <a:schemeClr val="tx2">
+                    <a:lumMod val="60000"/>
+                    <a:lumOff val="40000"/>
+                  </a:schemeClr>
+                </a:solidFill>
+                <a:latin typeface="Cambria" pitchFamily="18" charset="0"/>
+              </a:rPr>
+              <a:t>Fonctionnalités</a:t>
+            </a:r>
+          </a:p>
+          <a:p>
+            <a:pPr marL="457200" indent="-457200">
+              <a:buFont typeface="+mj-lt"/>
+              <a:buAutoNum type="arabicPeriod"/>
+            </a:pPr>
+            <a:endParaRPr lang="fr-FR" sz="1400" dirty="0" smtClean="0">
+              <a:solidFill>
+                <a:schemeClr val="tx2">
+                  <a:lumMod val="75000"/>
+                </a:schemeClr>
+              </a:solidFill>
+              <a:latin typeface="Cambria" pitchFamily="18" charset="0"/>
+            </a:endParaRPr>
+          </a:p>
+          <a:p>
+            <a:pPr marL="457200" indent="-457200">
+              <a:buFont typeface="+mj-lt"/>
+              <a:buAutoNum type="arabicPeriod"/>
+            </a:pPr>
+            <a:r>
+              <a:rPr lang="fr-FR" sz="1400" dirty="0" smtClean="0">
+                <a:solidFill>
+                  <a:schemeClr val="tx2">
+                    <a:lumMod val="75000"/>
+                  </a:schemeClr>
+                </a:solidFill>
+                <a:latin typeface="Cambria" pitchFamily="18" charset="0"/>
+              </a:rPr>
+              <a:t>Conclusion</a:t>
+            </a:r>
+          </a:p>
+          <a:p>
+            <a:endParaRPr lang="fr-FR" dirty="0">
+              <a:solidFill>
+                <a:schemeClr val="tx2">
+                  <a:lumMod val="75000"/>
+                </a:schemeClr>
+              </a:solidFill>
+            </a:endParaRPr>
+          </a:p>
+        </p:txBody>
+      </p:sp>
+      <p:pic>
+        <p:nvPicPr>
+          <p:cNvPr id="1026" name="Picture 2" descr="C:\Users\Mousztomania\Documents\Workspace\AAP\android-advanced-player\AAP\docs\images\gui\5.PNG"/>
+          <p:cNvPicPr>
+            <a:picLocks noChangeAspect="1" noChangeArrowheads="1"/>
+          </p:cNvPicPr>
+          <p:nvPr/>
+        </p:nvPicPr>
+        <p:blipFill>
+          <a:blip r:embed="rId2" cstate="print">
+            <a:extLst>
+              <a:ext uri="{28A0092B-C50C-407E-A947-70E740481C1C}">
+                <a14:useLocalDpi xmlns="" xmlns:a14="http://schemas.microsoft.com/office/drawing/2010/main" val="0"/>
+              </a:ext>
+            </a:extLst>
+          </a:blip>
+          <a:srcRect/>
+          <a:stretch>
+            <a:fillRect/>
+          </a:stretch>
+        </p:blipFill>
+        <p:spPr bwMode="auto">
+          <a:xfrm>
+            <a:off x="4160745" y="2385068"/>
+            <a:ext cx="2283463" cy="3348187"/>
+          </a:xfrm>
+          <a:prstGeom prst="rect">
+            <a:avLst/>
+          </a:prstGeom>
+          <a:noFill/>
+          <a:extLst>
+            <a:ext uri="{909E8E84-426E-40DD-AFC4-6F175D3DCCD1}">
+              <a14:hiddenFill xmlns="" xmlns:a14="http://schemas.microsoft.com/office/drawing/2010/main">
+                <a:solidFill>
+                  <a:srgbClr val="FFFFFF"/>
+                </a:solidFill>
+              </a14:hiddenFill>
+            </a:ext>
+          </a:extLst>
+        </p:spPr>
+      </p:pic>
+    </p:spTree>
+  </p:cSld>
+  <p:clrMapOvr>
+    <a:masterClrMapping/>
+  </p:clrMapOvr>
+  <p:transition>
+    <p:fade/>
+  </p:transition>
+  <p:timing>
+    <p:tnLst>
+      <p:par>
+        <p:cTn id="1" dur="indefinite" restart="never" nodeType="tmRoot"/>
+      </p:par>
+    </p:tnLst>
+  </p:timing>
+</p:sld>
+</file>
+
 <file path=ppt/slides/slide13.xml><?xml version="1.0" encoding="utf-8"?>
 <p:sld xmlns:a="http://schemas.openxmlformats.org/drawingml/2006/main" xmlns:r="http://schemas.openxmlformats.org/officeDocument/2006/relationships" xmlns:p="http://schemas.openxmlformats.org/presentationml/2006/main">
   <p:cSld>
@@ -6449,456 +6404,6 @@
               <a:rPr lang="fr-BE" smtClean="0"/>
               <a:pPr/>
               <a:t>13</a:t>
-            </a:fld>
-            <a:r>
-              <a:rPr lang="fr-BE" dirty="0" smtClean="0"/>
-              <a:t> sur 21</a:t>
-            </a:r>
-            <a:endParaRPr lang="fr-BE" dirty="0"/>
-          </a:p>
-        </p:txBody>
-      </p:sp>
-      <p:sp>
-        <p:nvSpPr>
-          <p:cNvPr id="7" name="Espace réservé du contenu 6"/>
-          <p:cNvSpPr>
-            <a:spLocks noGrp="1"/>
-          </p:cNvSpPr>
-          <p:nvPr>
-            <p:ph sz="quarter" idx="14"/>
-          </p:nvPr>
-        </p:nvSpPr>
-        <p:spPr/>
-        <p:txBody>
-          <a:bodyPr/>
-          <a:lstStyle/>
-          <a:p>
-            <a:pPr>
-              <a:buFont typeface="Wingdings" pitchFamily="2" charset="2"/>
-              <a:buChar char="Ø"/>
-            </a:pPr>
-            <a:r>
-              <a:rPr lang="fr-FR" dirty="0" smtClean="0">
-                <a:solidFill>
-                  <a:schemeClr val="tx2">
-                    <a:lumMod val="75000"/>
-                  </a:schemeClr>
-                </a:solidFill>
-              </a:rPr>
-              <a:t>L’ « </a:t>
-            </a:r>
-            <a:r>
-              <a:rPr lang="fr-FR" dirty="0" err="1" smtClean="0">
-                <a:solidFill>
-                  <a:schemeClr val="tx2">
-                    <a:lumMod val="75000"/>
-                  </a:schemeClr>
-                </a:solidFill>
-              </a:rPr>
-              <a:t>equalizer</a:t>
-            </a:r>
-            <a:r>
-              <a:rPr lang="fr-FR" dirty="0" smtClean="0">
-                <a:solidFill>
-                  <a:schemeClr val="tx2">
-                    <a:lumMod val="75000"/>
-                  </a:schemeClr>
-                </a:solidFill>
-              </a:rPr>
-              <a:t> »</a:t>
-            </a:r>
-          </a:p>
-          <a:p>
-            <a:pPr lvl="1">
-              <a:buFont typeface="Arial" pitchFamily="34" charset="0"/>
-              <a:buChar char="•"/>
-            </a:pPr>
-            <a:r>
-              <a:rPr lang="fr-FR" sz="2400" dirty="0" smtClean="0">
-                <a:solidFill>
-                  <a:schemeClr val="tx2">
-                    <a:lumMod val="75000"/>
-                  </a:schemeClr>
-                </a:solidFill>
-              </a:rPr>
-              <a:t>Changement de la fréquence d’un son</a:t>
-            </a:r>
-          </a:p>
-          <a:p>
-            <a:pPr lvl="1">
-              <a:buFont typeface="Arial" pitchFamily="34" charset="0"/>
-              <a:buChar char="•"/>
-            </a:pPr>
-            <a:r>
-              <a:rPr lang="fr-FR" sz="2400" dirty="0" smtClean="0">
-                <a:solidFill>
-                  <a:schemeClr val="tx2">
-                    <a:lumMod val="75000"/>
-                  </a:schemeClr>
-                </a:solidFill>
-              </a:rPr>
-              <a:t>Utilisation de la classe </a:t>
-            </a:r>
-            <a:r>
-              <a:rPr lang="fr-FR" sz="2400" dirty="0" err="1" smtClean="0">
-                <a:solidFill>
-                  <a:schemeClr val="tx2">
-                    <a:lumMod val="75000"/>
-                  </a:schemeClr>
-                </a:solidFill>
-              </a:rPr>
-              <a:t>Equalizer</a:t>
-            </a:r>
-            <a:endParaRPr lang="fr-FR" sz="2400" dirty="0">
-              <a:solidFill>
-                <a:schemeClr val="tx2">
-                  <a:lumMod val="75000"/>
-                </a:schemeClr>
-              </a:solidFill>
-            </a:endParaRPr>
-          </a:p>
-          <a:p>
-            <a:pPr marL="457200" lvl="1" indent="0">
-              <a:buNone/>
-            </a:pPr>
-            <a:endParaRPr lang="fr-FR" dirty="0">
-              <a:solidFill>
-                <a:schemeClr val="tx2">
-                  <a:lumMod val="75000"/>
-                </a:schemeClr>
-              </a:solidFill>
-            </a:endParaRPr>
-          </a:p>
-        </p:txBody>
-      </p:sp>
-      <p:sp>
-        <p:nvSpPr>
-          <p:cNvPr id="8" name="Espace réservé du contenu 7"/>
-          <p:cNvSpPr>
-            <a:spLocks noGrp="1"/>
-          </p:cNvSpPr>
-          <p:nvPr>
-            <p:ph sz="quarter" idx="15"/>
-          </p:nvPr>
-        </p:nvSpPr>
-        <p:spPr/>
-        <p:txBody>
-          <a:bodyPr>
-            <a:normAutofit/>
-          </a:bodyPr>
-          <a:lstStyle/>
-          <a:p>
-            <a:pPr marL="457200" indent="-457200">
-              <a:buFont typeface="+mj-lt"/>
-              <a:buAutoNum type="arabicPeriod"/>
-            </a:pPr>
-            <a:r>
-              <a:rPr lang="fr-FR" sz="1400" dirty="0" smtClean="0">
-                <a:solidFill>
-                  <a:schemeClr val="tx2">
-                    <a:lumMod val="75000"/>
-                  </a:schemeClr>
-                </a:solidFill>
-                <a:latin typeface="Cambria" pitchFamily="18" charset="0"/>
-              </a:rPr>
-              <a:t>Introduction</a:t>
-            </a:r>
-          </a:p>
-          <a:p>
-            <a:pPr marL="457200" indent="-457200">
-              <a:buFont typeface="+mj-lt"/>
-              <a:buAutoNum type="arabicPeriod"/>
-            </a:pPr>
-            <a:endParaRPr lang="fr-FR" sz="1400" dirty="0" smtClean="0">
-              <a:solidFill>
-                <a:schemeClr val="tx2">
-                  <a:lumMod val="75000"/>
-                </a:schemeClr>
-              </a:solidFill>
-              <a:latin typeface="Cambria" pitchFamily="18" charset="0"/>
-            </a:endParaRPr>
-          </a:p>
-          <a:p>
-            <a:pPr marL="457200" indent="-457200">
-              <a:buFont typeface="+mj-lt"/>
-              <a:buAutoNum type="arabicPeriod"/>
-            </a:pPr>
-            <a:r>
-              <a:rPr lang="fr-FR" sz="1400" dirty="0" smtClean="0">
-                <a:solidFill>
-                  <a:schemeClr val="tx2">
-                    <a:lumMod val="75000"/>
-                  </a:schemeClr>
-                </a:solidFill>
-                <a:latin typeface="Cambria" pitchFamily="18" charset="0"/>
-              </a:rPr>
-              <a:t>Outils et méthodologies utilisés</a:t>
-            </a:r>
-          </a:p>
-          <a:p>
-            <a:pPr marL="457200" indent="-457200">
-              <a:buFont typeface="+mj-lt"/>
-              <a:buAutoNum type="arabicPeriod"/>
-            </a:pPr>
-            <a:endParaRPr lang="fr-FR" sz="1400" dirty="0" smtClean="0">
-              <a:solidFill>
-                <a:schemeClr val="tx2">
-                  <a:lumMod val="75000"/>
-                </a:schemeClr>
-              </a:solidFill>
-              <a:latin typeface="Cambria" pitchFamily="18" charset="0"/>
-            </a:endParaRPr>
-          </a:p>
-          <a:p>
-            <a:pPr marL="457200" indent="-457200">
-              <a:buFont typeface="+mj-lt"/>
-              <a:buAutoNum type="arabicPeriod"/>
-            </a:pPr>
-            <a:r>
-              <a:rPr lang="fr-FR" sz="1400" dirty="0" smtClean="0">
-                <a:solidFill>
-                  <a:schemeClr val="tx2">
-                    <a:lumMod val="75000"/>
-                  </a:schemeClr>
-                </a:solidFill>
-                <a:latin typeface="Cambria" pitchFamily="18" charset="0"/>
-              </a:rPr>
-              <a:t>Interface graphique</a:t>
-            </a:r>
-          </a:p>
-          <a:p>
-            <a:pPr marL="457200" indent="-457200">
-              <a:buFont typeface="+mj-lt"/>
-              <a:buAutoNum type="arabicPeriod"/>
-            </a:pPr>
-            <a:endParaRPr lang="fr-FR" sz="1400" dirty="0" smtClean="0">
-              <a:solidFill>
-                <a:schemeClr val="tx2">
-                  <a:lumMod val="75000"/>
-                </a:schemeClr>
-              </a:solidFill>
-              <a:latin typeface="Cambria" pitchFamily="18" charset="0"/>
-            </a:endParaRPr>
-          </a:p>
-          <a:p>
-            <a:pPr marL="457200" indent="-457200">
-              <a:buFont typeface="+mj-lt"/>
-              <a:buAutoNum type="arabicPeriod"/>
-            </a:pPr>
-            <a:r>
-              <a:rPr lang="fr-FR" sz="1400" dirty="0" smtClean="0">
-                <a:solidFill>
-                  <a:schemeClr val="tx2">
-                    <a:lumMod val="60000"/>
-                    <a:lumOff val="40000"/>
-                  </a:schemeClr>
-                </a:solidFill>
-                <a:latin typeface="Cambria" pitchFamily="18" charset="0"/>
-              </a:rPr>
-              <a:t>Fonctionnalités</a:t>
-            </a:r>
-          </a:p>
-          <a:p>
-            <a:pPr marL="457200" indent="-457200">
-              <a:buFont typeface="+mj-lt"/>
-              <a:buAutoNum type="arabicPeriod"/>
-            </a:pPr>
-            <a:endParaRPr lang="fr-FR" sz="1400" dirty="0" smtClean="0">
-              <a:solidFill>
-                <a:schemeClr val="tx2">
-                  <a:lumMod val="75000"/>
-                </a:schemeClr>
-              </a:solidFill>
-              <a:latin typeface="Cambria" pitchFamily="18" charset="0"/>
-            </a:endParaRPr>
-          </a:p>
-          <a:p>
-            <a:pPr marL="457200" indent="-457200">
-              <a:buFont typeface="+mj-lt"/>
-              <a:buAutoNum type="arabicPeriod"/>
-            </a:pPr>
-            <a:r>
-              <a:rPr lang="fr-FR" sz="1400" dirty="0" smtClean="0">
-                <a:solidFill>
-                  <a:schemeClr val="tx2">
-                    <a:lumMod val="75000"/>
-                  </a:schemeClr>
-                </a:solidFill>
-                <a:latin typeface="Cambria" pitchFamily="18" charset="0"/>
-              </a:rPr>
-              <a:t>Conclusion</a:t>
-            </a:r>
-          </a:p>
-          <a:p>
-            <a:endParaRPr lang="fr-FR" dirty="0">
-              <a:solidFill>
-                <a:schemeClr val="tx2">
-                  <a:lumMod val="75000"/>
-                </a:schemeClr>
-              </a:solidFill>
-            </a:endParaRPr>
-          </a:p>
-        </p:txBody>
-      </p:sp>
-      <p:pic>
-        <p:nvPicPr>
-          <p:cNvPr id="1026" name="Picture 2" descr="C:\Users\Mousztomania\Documents\Workspace\AAP\android-advanced-player\AAP\docs\images\gui\5.PNG"/>
-          <p:cNvPicPr>
-            <a:picLocks noChangeAspect="1" noChangeArrowheads="1"/>
-          </p:cNvPicPr>
-          <p:nvPr/>
-        </p:nvPicPr>
-        <p:blipFill>
-          <a:blip r:embed="rId2" cstate="print">
-            <a:extLst>
-              <a:ext uri="{28A0092B-C50C-407E-A947-70E740481C1C}">
-                <a14:useLocalDpi xmlns:a14="http://schemas.microsoft.com/office/drawing/2010/main" xmlns="" val="0"/>
-              </a:ext>
-            </a:extLst>
-          </a:blip>
-          <a:srcRect/>
-          <a:stretch>
-            <a:fillRect/>
-          </a:stretch>
-        </p:blipFill>
-        <p:spPr bwMode="auto">
-          <a:xfrm>
-            <a:off x="4160745" y="2385068"/>
-            <a:ext cx="2283463" cy="3348187"/>
-          </a:xfrm>
-          <a:prstGeom prst="rect">
-            <a:avLst/>
-          </a:prstGeom>
-          <a:noFill/>
-          <a:extLst>
-            <a:ext uri="{909E8E84-426E-40DD-AFC4-6F175D3DCCD1}">
-              <a14:hiddenFill xmlns:a14="http://schemas.microsoft.com/office/drawing/2010/main" xmlns="">
-                <a:solidFill>
-                  <a:srgbClr val="FFFFFF"/>
-                </a:solidFill>
-              </a14:hiddenFill>
-            </a:ext>
-          </a:extLst>
-        </p:spPr>
-      </p:pic>
-    </p:spTree>
-  </p:cSld>
-  <p:clrMapOvr>
-    <a:masterClrMapping/>
-  </p:clrMapOvr>
-  <p:transition>
-    <p:fade/>
-  </p:transition>
-  <p:timing>
-    <p:tnLst>
-      <p:par>
-        <p:cTn id="1" dur="indefinite" restart="never" nodeType="tmRoot"/>
-      </p:par>
-    </p:tnLst>
-  </p:timing>
-</p:sld>
-</file>
-
-<file path=ppt/slides/slide14.xml><?xml version="1.0" encoding="utf-8"?>
-<p:sld xmlns:a="http://schemas.openxmlformats.org/drawingml/2006/main" xmlns:r="http://schemas.openxmlformats.org/officeDocument/2006/relationships" xmlns:p="http://schemas.openxmlformats.org/presentationml/2006/main">
-  <p:cSld>
-    <p:spTree>
-      <p:nvGrpSpPr>
-        <p:cNvPr id="1" name=""/>
-        <p:cNvGrpSpPr/>
-        <p:nvPr/>
-      </p:nvGrpSpPr>
-      <p:grpSpPr>
-        <a:xfrm>
-          <a:off x="0" y="0"/>
-          <a:ext cx="0" cy="0"/>
-          <a:chOff x="0" y="0"/>
-          <a:chExt cx="0" cy="0"/>
-        </a:xfrm>
-      </p:grpSpPr>
-      <p:sp>
-        <p:nvSpPr>
-          <p:cNvPr id="6" name="Titre 5"/>
-          <p:cNvSpPr>
-            <a:spLocks noGrp="1"/>
-          </p:cNvSpPr>
-          <p:nvPr>
-            <p:ph type="title"/>
-          </p:nvPr>
-        </p:nvSpPr>
-        <p:spPr/>
-        <p:txBody>
-          <a:bodyPr/>
-          <a:lstStyle/>
-          <a:p>
-            <a:r>
-              <a:rPr lang="fr-FR" dirty="0" smtClean="0">
-                <a:solidFill>
-                  <a:schemeClr val="tx2">
-                    <a:lumMod val="50000"/>
-                  </a:schemeClr>
-                </a:solidFill>
-              </a:rPr>
-              <a:t>Fonctionnalités</a:t>
-            </a:r>
-            <a:endParaRPr lang="fr-FR" dirty="0">
-              <a:solidFill>
-                <a:schemeClr val="tx2">
-                  <a:lumMod val="50000"/>
-                </a:schemeClr>
-              </a:solidFill>
-            </a:endParaRPr>
-          </a:p>
-        </p:txBody>
-      </p:sp>
-      <p:sp>
-        <p:nvSpPr>
-          <p:cNvPr id="4" name="Espace réservé du pied de page 3"/>
-          <p:cNvSpPr>
-            <a:spLocks noGrp="1"/>
-          </p:cNvSpPr>
-          <p:nvPr>
-            <p:ph type="ftr" sz="quarter" idx="11"/>
-          </p:nvPr>
-        </p:nvSpPr>
-        <p:spPr/>
-        <p:txBody>
-          <a:bodyPr/>
-          <a:lstStyle/>
-          <a:p>
-            <a:r>
-              <a:rPr lang="fr-FR" smtClean="0"/>
-              <a:t>M1 MIAGE  - 2010/2011</a:t>
-            </a:r>
-          </a:p>
-          <a:p>
-            <a:r>
-              <a:rPr lang="fr-FR" smtClean="0"/>
-              <a:t>Université de Nice Sophia Antipolis</a:t>
-            </a:r>
-            <a:endParaRPr lang="fr-BE" dirty="0"/>
-          </a:p>
-        </p:txBody>
-      </p:sp>
-      <p:sp>
-        <p:nvSpPr>
-          <p:cNvPr id="5" name="Espace réservé du numéro de diapositive 4"/>
-          <p:cNvSpPr>
-            <a:spLocks noGrp="1"/>
-          </p:cNvSpPr>
-          <p:nvPr>
-            <p:ph type="sldNum" sz="quarter" idx="12"/>
-          </p:nvPr>
-        </p:nvSpPr>
-        <p:spPr/>
-        <p:txBody>
-          <a:bodyPr/>
-          <a:lstStyle/>
-          <a:p>
-            <a:fld id="{CF4668DC-857F-487D-BFFA-8C0CA5037977}" type="slidenum">
-              <a:rPr lang="fr-BE" smtClean="0"/>
-              <a:pPr/>
-              <a:t>14</a:t>
             </a:fld>
             <a:r>
               <a:rPr lang="fr-BE" dirty="0" smtClean="0"/>
@@ -7717,6 +7222,456 @@
 </p:sld>
 </file>
 
+<file path=ppt/slides/slide14.xml><?xml version="1.0" encoding="utf-8"?>
+<p:sld xmlns:a="http://schemas.openxmlformats.org/drawingml/2006/main" xmlns:r="http://schemas.openxmlformats.org/officeDocument/2006/relationships" xmlns:p="http://schemas.openxmlformats.org/presentationml/2006/main">
+  <p:cSld>
+    <p:spTree>
+      <p:nvGrpSpPr>
+        <p:cNvPr id="1" name=""/>
+        <p:cNvGrpSpPr/>
+        <p:nvPr/>
+      </p:nvGrpSpPr>
+      <p:grpSpPr>
+        <a:xfrm>
+          <a:off x="0" y="0"/>
+          <a:ext cx="0" cy="0"/>
+          <a:chOff x="0" y="0"/>
+          <a:chExt cx="0" cy="0"/>
+        </a:xfrm>
+      </p:grpSpPr>
+      <p:sp>
+        <p:nvSpPr>
+          <p:cNvPr id="6" name="Titre 5"/>
+          <p:cNvSpPr>
+            <a:spLocks noGrp="1"/>
+          </p:cNvSpPr>
+          <p:nvPr>
+            <p:ph type="title"/>
+          </p:nvPr>
+        </p:nvSpPr>
+        <p:spPr/>
+        <p:txBody>
+          <a:bodyPr/>
+          <a:lstStyle/>
+          <a:p>
+            <a:r>
+              <a:rPr lang="fr-FR" dirty="0" smtClean="0">
+                <a:solidFill>
+                  <a:schemeClr val="tx2">
+                    <a:lumMod val="50000"/>
+                  </a:schemeClr>
+                </a:solidFill>
+              </a:rPr>
+              <a:t>Conclusion</a:t>
+            </a:r>
+            <a:endParaRPr lang="fr-FR" dirty="0">
+              <a:solidFill>
+                <a:schemeClr val="tx2">
+                  <a:lumMod val="50000"/>
+                </a:schemeClr>
+              </a:solidFill>
+            </a:endParaRPr>
+          </a:p>
+        </p:txBody>
+      </p:sp>
+      <p:sp>
+        <p:nvSpPr>
+          <p:cNvPr id="4" name="Espace réservé du pied de page 3"/>
+          <p:cNvSpPr>
+            <a:spLocks noGrp="1"/>
+          </p:cNvSpPr>
+          <p:nvPr>
+            <p:ph type="ftr" sz="quarter" idx="11"/>
+          </p:nvPr>
+        </p:nvSpPr>
+        <p:spPr/>
+        <p:txBody>
+          <a:bodyPr/>
+          <a:lstStyle/>
+          <a:p>
+            <a:r>
+              <a:rPr lang="fr-FR" smtClean="0"/>
+              <a:t>M1 MIAGE  - 2010/2011</a:t>
+            </a:r>
+          </a:p>
+          <a:p>
+            <a:r>
+              <a:rPr lang="fr-FR" smtClean="0"/>
+              <a:t>Université de Nice Sophia Antipolis</a:t>
+            </a:r>
+            <a:endParaRPr lang="fr-BE" dirty="0"/>
+          </a:p>
+        </p:txBody>
+      </p:sp>
+      <p:sp>
+        <p:nvSpPr>
+          <p:cNvPr id="5" name="Espace réservé du numéro de diapositive 4"/>
+          <p:cNvSpPr>
+            <a:spLocks noGrp="1"/>
+          </p:cNvSpPr>
+          <p:nvPr>
+            <p:ph type="sldNum" sz="quarter" idx="12"/>
+          </p:nvPr>
+        </p:nvSpPr>
+        <p:spPr/>
+        <p:txBody>
+          <a:bodyPr/>
+          <a:lstStyle/>
+          <a:p>
+            <a:fld id="{CF4668DC-857F-487D-BFFA-8C0CA5037977}" type="slidenum">
+              <a:rPr lang="fr-BE" smtClean="0"/>
+              <a:pPr/>
+              <a:t>14</a:t>
+            </a:fld>
+            <a:r>
+              <a:rPr lang="fr-BE" dirty="0" smtClean="0"/>
+              <a:t> sur 21</a:t>
+            </a:r>
+            <a:endParaRPr lang="fr-BE" dirty="0"/>
+          </a:p>
+        </p:txBody>
+      </p:sp>
+      <p:sp>
+        <p:nvSpPr>
+          <p:cNvPr id="7" name="Espace réservé du contenu 6"/>
+          <p:cNvSpPr>
+            <a:spLocks noGrp="1"/>
+          </p:cNvSpPr>
+          <p:nvPr>
+            <p:ph sz="quarter" idx="14"/>
+          </p:nvPr>
+        </p:nvSpPr>
+        <p:spPr/>
+        <p:txBody>
+          <a:bodyPr>
+            <a:normAutofit/>
+          </a:bodyPr>
+          <a:lstStyle/>
+          <a:p>
+            <a:pPr>
+              <a:buFont typeface="Wingdings" pitchFamily="2" charset="2"/>
+              <a:buChar char="Ø"/>
+            </a:pPr>
+            <a:r>
+              <a:rPr lang="fr-FR" sz="2800" dirty="0" smtClean="0">
+                <a:solidFill>
+                  <a:schemeClr val="tx2">
+                    <a:lumMod val="75000"/>
+                  </a:schemeClr>
+                </a:solidFill>
+              </a:rPr>
+              <a:t>Les connaissances et compétences acquises</a:t>
+            </a:r>
+          </a:p>
+          <a:p>
+            <a:pPr lvl="1">
+              <a:buFont typeface="Arial" pitchFamily="34" charset="0"/>
+              <a:buChar char="•"/>
+            </a:pPr>
+            <a:r>
+              <a:rPr lang="fr-FR" sz="2400" dirty="0" smtClean="0">
+                <a:solidFill>
+                  <a:schemeClr val="tx2">
+                    <a:lumMod val="75000"/>
+                  </a:schemeClr>
+                </a:solidFill>
+              </a:rPr>
+              <a:t>Développement d’une application </a:t>
+            </a:r>
+            <a:r>
+              <a:rPr lang="fr-FR" sz="2400" dirty="0" err="1" smtClean="0">
+                <a:solidFill>
+                  <a:schemeClr val="tx2">
+                    <a:lumMod val="75000"/>
+                  </a:schemeClr>
+                </a:solidFill>
+              </a:rPr>
+              <a:t>Android</a:t>
+            </a:r>
+            <a:endParaRPr lang="fr-FR" sz="2400" dirty="0" smtClean="0">
+              <a:solidFill>
+                <a:schemeClr val="tx2">
+                  <a:lumMod val="75000"/>
+                </a:schemeClr>
+              </a:solidFill>
+            </a:endParaRPr>
+          </a:p>
+          <a:p>
+            <a:pPr lvl="1">
+              <a:buFont typeface="Arial" pitchFamily="34" charset="0"/>
+              <a:buChar char="•"/>
+            </a:pPr>
+            <a:r>
+              <a:rPr lang="fr-FR" sz="2400" dirty="0" smtClean="0">
+                <a:solidFill>
+                  <a:schemeClr val="tx2">
+                    <a:lumMod val="75000"/>
+                  </a:schemeClr>
+                </a:solidFill>
+              </a:rPr>
+              <a:t>Découverte du plugin ADT</a:t>
+            </a:r>
+          </a:p>
+          <a:p>
+            <a:pPr lvl="1">
+              <a:buFont typeface="Arial" pitchFamily="34" charset="0"/>
+              <a:buChar char="•"/>
+            </a:pPr>
+            <a:r>
+              <a:rPr lang="fr-FR" sz="2400" dirty="0" smtClean="0">
+                <a:solidFill>
+                  <a:schemeClr val="tx2">
+                    <a:lumMod val="75000"/>
+                  </a:schemeClr>
+                </a:solidFill>
+              </a:rPr>
+              <a:t>La création d’interface graphique en XML</a:t>
+            </a:r>
+          </a:p>
+          <a:p>
+            <a:pPr lvl="1">
+              <a:buFont typeface="Arial" pitchFamily="34" charset="0"/>
+              <a:buChar char="•"/>
+            </a:pPr>
+            <a:r>
+              <a:rPr lang="fr-FR" sz="2400" dirty="0" smtClean="0">
+                <a:solidFill>
+                  <a:schemeClr val="tx2">
+                    <a:lumMod val="75000"/>
+                  </a:schemeClr>
+                </a:solidFill>
+              </a:rPr>
+              <a:t>Des concepts sur les signaux audio</a:t>
+            </a:r>
+          </a:p>
+          <a:p>
+            <a:pPr lvl="1">
+              <a:buFont typeface="Arial" pitchFamily="34" charset="0"/>
+              <a:buChar char="•"/>
+            </a:pPr>
+            <a:r>
+              <a:rPr lang="fr-FR" sz="2400" dirty="0" smtClean="0">
+                <a:solidFill>
+                  <a:schemeClr val="tx2">
+                    <a:lumMod val="75000"/>
+                  </a:schemeClr>
+                </a:solidFill>
+              </a:rPr>
+              <a:t>La découverte de nouvelles API</a:t>
+            </a:r>
+          </a:p>
+          <a:p>
+            <a:pPr lvl="1">
+              <a:buFont typeface="Arial" pitchFamily="34" charset="0"/>
+              <a:buChar char="•"/>
+            </a:pPr>
+            <a:r>
+              <a:rPr lang="fr-FR" sz="2400" dirty="0" smtClean="0">
+                <a:solidFill>
+                  <a:schemeClr val="tx2">
+                    <a:lumMod val="75000"/>
+                  </a:schemeClr>
+                </a:solidFill>
+              </a:rPr>
+              <a:t>Les métadonnées dans un fichier audio</a:t>
+            </a:r>
+            <a:endParaRPr lang="fr-FR" sz="2400" dirty="0">
+              <a:solidFill>
+                <a:schemeClr val="tx2">
+                  <a:lumMod val="75000"/>
+                </a:schemeClr>
+              </a:solidFill>
+            </a:endParaRPr>
+          </a:p>
+        </p:txBody>
+      </p:sp>
+      <p:sp>
+        <p:nvSpPr>
+          <p:cNvPr id="8" name="Espace réservé du contenu 7"/>
+          <p:cNvSpPr>
+            <a:spLocks noGrp="1"/>
+          </p:cNvSpPr>
+          <p:nvPr>
+            <p:ph sz="quarter" idx="15"/>
+          </p:nvPr>
+        </p:nvSpPr>
+        <p:spPr/>
+        <p:txBody>
+          <a:bodyPr>
+            <a:normAutofit/>
+          </a:bodyPr>
+          <a:lstStyle/>
+          <a:p>
+            <a:pPr marL="457200" indent="-457200">
+              <a:buFont typeface="+mj-lt"/>
+              <a:buAutoNum type="arabicPeriod"/>
+            </a:pPr>
+            <a:r>
+              <a:rPr lang="fr-FR" sz="1400" dirty="0" smtClean="0">
+                <a:solidFill>
+                  <a:schemeClr val="tx2">
+                    <a:lumMod val="75000"/>
+                  </a:schemeClr>
+                </a:solidFill>
+                <a:latin typeface="Cambria" pitchFamily="18" charset="0"/>
+              </a:rPr>
+              <a:t>Introduction</a:t>
+            </a:r>
+          </a:p>
+          <a:p>
+            <a:pPr marL="457200" indent="-457200">
+              <a:buFont typeface="+mj-lt"/>
+              <a:buAutoNum type="arabicPeriod"/>
+            </a:pPr>
+            <a:endParaRPr lang="fr-FR" sz="1400" dirty="0" smtClean="0">
+              <a:solidFill>
+                <a:schemeClr val="tx2">
+                  <a:lumMod val="75000"/>
+                </a:schemeClr>
+              </a:solidFill>
+              <a:latin typeface="Cambria" pitchFamily="18" charset="0"/>
+            </a:endParaRPr>
+          </a:p>
+          <a:p>
+            <a:pPr marL="457200" indent="-457200">
+              <a:buFont typeface="+mj-lt"/>
+              <a:buAutoNum type="arabicPeriod"/>
+            </a:pPr>
+            <a:r>
+              <a:rPr lang="fr-FR" sz="1400" dirty="0" smtClean="0">
+                <a:solidFill>
+                  <a:schemeClr val="tx2">
+                    <a:lumMod val="75000"/>
+                  </a:schemeClr>
+                </a:solidFill>
+                <a:latin typeface="Cambria" pitchFamily="18" charset="0"/>
+              </a:rPr>
+              <a:t>Outils et méthodologies utilisés</a:t>
+            </a:r>
+          </a:p>
+          <a:p>
+            <a:pPr marL="457200" indent="-457200">
+              <a:buFont typeface="+mj-lt"/>
+              <a:buAutoNum type="arabicPeriod"/>
+            </a:pPr>
+            <a:endParaRPr lang="fr-FR" sz="1400" dirty="0" smtClean="0">
+              <a:solidFill>
+                <a:schemeClr val="tx2">
+                  <a:lumMod val="75000"/>
+                </a:schemeClr>
+              </a:solidFill>
+              <a:latin typeface="Cambria" pitchFamily="18" charset="0"/>
+            </a:endParaRPr>
+          </a:p>
+          <a:p>
+            <a:pPr marL="457200" indent="-457200">
+              <a:buFont typeface="+mj-lt"/>
+              <a:buAutoNum type="arabicPeriod"/>
+            </a:pPr>
+            <a:r>
+              <a:rPr lang="fr-FR" sz="1400" dirty="0" smtClean="0">
+                <a:solidFill>
+                  <a:schemeClr val="tx2">
+                    <a:lumMod val="75000"/>
+                  </a:schemeClr>
+                </a:solidFill>
+                <a:latin typeface="Cambria" pitchFamily="18" charset="0"/>
+              </a:rPr>
+              <a:t>Interface graphique</a:t>
+            </a:r>
+          </a:p>
+          <a:p>
+            <a:pPr marL="457200" indent="-457200">
+              <a:buFont typeface="+mj-lt"/>
+              <a:buAutoNum type="arabicPeriod"/>
+            </a:pPr>
+            <a:endParaRPr lang="fr-FR" sz="1400" dirty="0" smtClean="0">
+              <a:solidFill>
+                <a:schemeClr val="tx2">
+                  <a:lumMod val="75000"/>
+                </a:schemeClr>
+              </a:solidFill>
+              <a:latin typeface="Cambria" pitchFamily="18" charset="0"/>
+            </a:endParaRPr>
+          </a:p>
+          <a:p>
+            <a:pPr marL="457200" indent="-457200">
+              <a:buFont typeface="+mj-lt"/>
+              <a:buAutoNum type="arabicPeriod"/>
+            </a:pPr>
+            <a:r>
+              <a:rPr lang="fr-FR" sz="1400" dirty="0" smtClean="0">
+                <a:solidFill>
+                  <a:schemeClr val="tx2">
+                    <a:lumMod val="75000"/>
+                  </a:schemeClr>
+                </a:solidFill>
+                <a:latin typeface="Cambria" pitchFamily="18" charset="0"/>
+              </a:rPr>
+              <a:t>Fonctionnalités</a:t>
+            </a:r>
+          </a:p>
+          <a:p>
+            <a:pPr marL="457200" indent="-457200">
+              <a:buFont typeface="+mj-lt"/>
+              <a:buAutoNum type="arabicPeriod"/>
+            </a:pPr>
+            <a:endParaRPr lang="fr-FR" sz="1400" dirty="0" smtClean="0">
+              <a:solidFill>
+                <a:schemeClr val="tx2">
+                  <a:lumMod val="75000"/>
+                </a:schemeClr>
+              </a:solidFill>
+              <a:latin typeface="Cambria" pitchFamily="18" charset="0"/>
+            </a:endParaRPr>
+          </a:p>
+          <a:p>
+            <a:pPr marL="457200" indent="-457200">
+              <a:buFont typeface="+mj-lt"/>
+              <a:buAutoNum type="arabicPeriod"/>
+            </a:pPr>
+            <a:r>
+              <a:rPr lang="fr-FR" sz="1400" dirty="0" smtClean="0">
+                <a:solidFill>
+                  <a:schemeClr val="tx2">
+                    <a:lumMod val="60000"/>
+                    <a:lumOff val="40000"/>
+                  </a:schemeClr>
+                </a:solidFill>
+                <a:latin typeface="Cambria" pitchFamily="18" charset="0"/>
+              </a:rPr>
+              <a:t>Conclusion</a:t>
+            </a:r>
+          </a:p>
+          <a:p>
+            <a:endParaRPr lang="fr-FR" dirty="0">
+              <a:solidFill>
+                <a:schemeClr val="tx2">
+                  <a:lumMod val="75000"/>
+                </a:schemeClr>
+              </a:solidFill>
+            </a:endParaRPr>
+          </a:p>
+        </p:txBody>
+      </p:sp>
+    </p:spTree>
+  </p:cSld>
+  <p:clrMapOvr>
+    <a:masterClrMapping/>
+  </p:clrMapOvr>
+  <p:transition>
+    <p:fade/>
+  </p:transition>
+  <p:timing>
+    <p:tnLst>
+      <p:par>
+        <p:cTn id="1" dur="indefinite" restart="never" nodeType="tmRoot"/>
+      </p:par>
+    </p:tnLst>
+  </p:timing>
+</p:sld>
+</file>
+
 <file path=ppt/slides/slide15.xml><?xml version="1.0" encoding="utf-8"?>
 <p:sld xmlns:a="http://schemas.openxmlformats.org/drawingml/2006/main" xmlns:r="http://schemas.openxmlformats.org/officeDocument/2006/relationships" xmlns:p="http://schemas.openxmlformats.org/presentationml/2006/main">
   <p:cSld>
@@ -7848,14 +7803,14 @@
               <a:buChar char="Ø"/>
             </a:pPr>
             <a:r>
-              <a:rPr lang="fr-FR" sz="2800" dirty="0" smtClean="0">
+              <a:rPr lang="fr-FR" dirty="0" smtClean="0">
                 <a:solidFill>
                   <a:schemeClr val="tx2">
                     <a:lumMod val="75000"/>
                   </a:schemeClr>
                 </a:solidFill>
               </a:rPr>
-              <a:t>Les connaissances et compétences acquises</a:t>
+              <a:t>Les évolutions possibles</a:t>
             </a:r>
           </a:p>
           <a:p>
@@ -7864,32 +7819,15 @@
               <a:buChar char="•"/>
             </a:pPr>
             <a:r>
-              <a:rPr lang="fr-FR" sz="2400" dirty="0" smtClean="0">
+              <a:rPr lang="fr-FR" dirty="0" smtClean="0">
                 <a:solidFill>
                   <a:schemeClr val="tx2">
                     <a:lumMod val="75000"/>
                   </a:schemeClr>
                 </a:solidFill>
               </a:rPr>
-              <a:t>Développement d’une application </a:t>
-            </a:r>
-            <a:r>
-              <a:rPr lang="fr-FR" sz="2400" dirty="0" err="1" smtClean="0">
-                <a:solidFill>
-                  <a:schemeClr val="tx2">
-                    <a:lumMod val="75000"/>
-                  </a:schemeClr>
-                </a:solidFill>
-              </a:rPr>
-              <a:t>Android</a:t>
-            </a:r>
-            <a:endParaRPr lang="fr-FR" sz="2400" dirty="0" smtClean="0">
-              <a:solidFill>
-                <a:schemeClr val="tx2">
-                  <a:lumMod val="75000"/>
-                </a:schemeClr>
-              </a:solidFill>
-            </a:endParaRPr>
+              <a:t>Mettre en place le time stretching</a:t>
+            </a:r>
           </a:p>
           <a:p>
             <a:pPr lvl="1">
@@ -7897,14 +7835,14 @@
               <a:buChar char="•"/>
             </a:pPr>
             <a:r>
-              <a:rPr lang="fr-FR" sz="2400" dirty="0" smtClean="0">
+              <a:rPr lang="fr-FR" dirty="0" smtClean="0">
                 <a:solidFill>
                   <a:schemeClr val="tx2">
                     <a:lumMod val="75000"/>
                   </a:schemeClr>
                 </a:solidFill>
               </a:rPr>
-              <a:t>Découverte du plugin ADT</a:t>
+              <a:t>Ajouter la possibilité de consulter les tablatures</a:t>
             </a:r>
           </a:p>
           <a:p>
@@ -7913,14 +7851,14 @@
               <a:buChar char="•"/>
             </a:pPr>
             <a:r>
-              <a:rPr lang="fr-FR" sz="2400" dirty="0" smtClean="0">
+              <a:rPr lang="fr-FR" dirty="0" smtClean="0">
                 <a:solidFill>
                   <a:schemeClr val="tx2">
                     <a:lumMod val="75000"/>
                   </a:schemeClr>
                 </a:solidFill>
               </a:rPr>
-              <a:t>La création d’interface graphique en XML</a:t>
+              <a:t>Inclure une recherche de musique par mot clé</a:t>
             </a:r>
           </a:p>
           <a:p>
@@ -7929,14 +7867,14 @@
               <a:buChar char="•"/>
             </a:pPr>
             <a:r>
-              <a:rPr lang="fr-FR" sz="2400" dirty="0" smtClean="0">
+              <a:rPr lang="fr-FR" dirty="0" smtClean="0">
                 <a:solidFill>
                   <a:schemeClr val="tx2">
                     <a:lumMod val="75000"/>
                   </a:schemeClr>
                 </a:solidFill>
               </a:rPr>
-              <a:t>Des concepts sur les signaux audio</a:t>
+              <a:t>Ajouter le paramétrage des répertoires de stockage</a:t>
             </a:r>
           </a:p>
           <a:p>
@@ -7945,32 +7883,16 @@
               <a:buChar char="•"/>
             </a:pPr>
             <a:r>
-              <a:rPr lang="fr-FR" sz="2400" dirty="0" smtClean="0">
+              <a:rPr lang="fr-FR" dirty="0" smtClean="0">
                 <a:solidFill>
                   <a:schemeClr val="tx2">
                     <a:lumMod val="75000"/>
                   </a:schemeClr>
                 </a:solidFill>
               </a:rPr>
-              <a:t>La découverte de nouvelles API</a:t>
-            </a:r>
-          </a:p>
-          <a:p>
-            <a:pPr lvl="1">
-              <a:buFont typeface="Arial" pitchFamily="34" charset="0"/>
-              <a:buChar char="•"/>
-            </a:pPr>
-            <a:r>
-              <a:rPr lang="fr-FR" sz="2400" dirty="0" smtClean="0">
-                <a:solidFill>
-                  <a:schemeClr val="tx2">
-                    <a:lumMod val="75000"/>
-                  </a:schemeClr>
-                </a:solidFill>
-              </a:rPr>
-              <a:t>Les métadonnées dans un fichier audio</a:t>
-            </a:r>
-            <a:endParaRPr lang="fr-FR" sz="2400" dirty="0">
+              <a:t>Afficher la pochette des albums</a:t>
+            </a:r>
+            <a:endParaRPr lang="fr-FR" dirty="0">
               <a:solidFill>
                 <a:schemeClr val="tx2">
                   <a:lumMod val="75000"/>
@@ -8191,7 +8113,7 @@
             <a:spLocks noGrp="1"/>
           </p:cNvSpPr>
           <p:nvPr>
-            <p:ph type="title"/>
+            <p:ph type="ctrTitle"/>
           </p:nvPr>
         </p:nvSpPr>
         <p:spPr/>
@@ -8200,22 +8122,10 @@
           <a:lstStyle/>
           <a:p>
             <a:r>
-              <a:rPr lang="fr-FR" dirty="0" smtClean="0">
-                <a:solidFill>
-                  <a:schemeClr val="tx2">
-                    <a:lumMod val="50000"/>
-                  </a:schemeClr>
-                </a:solidFill>
-              </a:rPr>
-              <a:t>Conclusion</a:t>
-            </a:r>
-            <a:endParaRPr lang="fr-FR" dirty="0">
-              <a:solidFill>
-                <a:schemeClr val="tx2">
-                  <a:lumMod val="50000"/>
-                </a:schemeClr>
-              </a:solidFill>
-            </a:endParaRPr>
+              <a:rPr lang="fr-FR" dirty="0" smtClean="0"/>
+              <a:t>Merci de votre attention…</a:t>
+            </a:r>
+            <a:endParaRPr lang="fr-FR" dirty="0"/>
           </a:p>
         </p:txBody>
       </p:sp>
@@ -8267,411 +8177,6 @@
               <a:rPr lang="fr-BE" smtClean="0"/>
               <a:pPr/>
               <a:t>16</a:t>
-            </a:fld>
-            <a:r>
-              <a:rPr lang="fr-BE" dirty="0" smtClean="0"/>
-              <a:t> sur 21</a:t>
-            </a:r>
-            <a:endParaRPr lang="fr-BE" dirty="0"/>
-          </a:p>
-        </p:txBody>
-      </p:sp>
-      <p:sp>
-        <p:nvSpPr>
-          <p:cNvPr id="7" name="Espace réservé du contenu 6"/>
-          <p:cNvSpPr>
-            <a:spLocks noGrp="1"/>
-          </p:cNvSpPr>
-          <p:nvPr>
-            <p:ph sz="quarter" idx="14"/>
-          </p:nvPr>
-        </p:nvSpPr>
-        <p:spPr/>
-        <p:txBody>
-          <a:bodyPr>
-            <a:normAutofit/>
-          </a:bodyPr>
-          <a:lstStyle/>
-          <a:p>
-            <a:pPr>
-              <a:buFont typeface="Wingdings" pitchFamily="2" charset="2"/>
-              <a:buChar char="Ø"/>
-            </a:pPr>
-            <a:r>
-              <a:rPr lang="fr-FR" dirty="0" smtClean="0">
-                <a:solidFill>
-                  <a:schemeClr val="tx2">
-                    <a:lumMod val="75000"/>
-                  </a:schemeClr>
-                </a:solidFill>
-              </a:rPr>
-              <a:t>Les évolutions possibles</a:t>
-            </a:r>
-          </a:p>
-          <a:p>
-            <a:pPr lvl="1">
-              <a:buFont typeface="Arial" pitchFamily="34" charset="0"/>
-              <a:buChar char="•"/>
-            </a:pPr>
-            <a:r>
-              <a:rPr lang="fr-FR" dirty="0" smtClean="0">
-                <a:solidFill>
-                  <a:schemeClr val="tx2">
-                    <a:lumMod val="75000"/>
-                  </a:schemeClr>
-                </a:solidFill>
-              </a:rPr>
-              <a:t>Mettre en place le time stretching</a:t>
-            </a:r>
-          </a:p>
-          <a:p>
-            <a:pPr lvl="1">
-              <a:buFont typeface="Arial" pitchFamily="34" charset="0"/>
-              <a:buChar char="•"/>
-            </a:pPr>
-            <a:r>
-              <a:rPr lang="fr-FR" dirty="0" smtClean="0">
-                <a:solidFill>
-                  <a:schemeClr val="tx2">
-                    <a:lumMod val="75000"/>
-                  </a:schemeClr>
-                </a:solidFill>
-              </a:rPr>
-              <a:t>Ajouter la possibilité de consulter les tablatures</a:t>
-            </a:r>
-          </a:p>
-          <a:p>
-            <a:pPr lvl="1">
-              <a:buFont typeface="Arial" pitchFamily="34" charset="0"/>
-              <a:buChar char="•"/>
-            </a:pPr>
-            <a:r>
-              <a:rPr lang="fr-FR" dirty="0" smtClean="0">
-                <a:solidFill>
-                  <a:schemeClr val="tx2">
-                    <a:lumMod val="75000"/>
-                  </a:schemeClr>
-                </a:solidFill>
-              </a:rPr>
-              <a:t>Inclure une recherche de musique par mot clé</a:t>
-            </a:r>
-          </a:p>
-          <a:p>
-            <a:pPr lvl="1">
-              <a:buFont typeface="Arial" pitchFamily="34" charset="0"/>
-              <a:buChar char="•"/>
-            </a:pPr>
-            <a:r>
-              <a:rPr lang="fr-FR" dirty="0" smtClean="0">
-                <a:solidFill>
-                  <a:schemeClr val="tx2">
-                    <a:lumMod val="75000"/>
-                  </a:schemeClr>
-                </a:solidFill>
-              </a:rPr>
-              <a:t>Ajouter le paramétrage des répertoires de stockage</a:t>
-            </a:r>
-          </a:p>
-          <a:p>
-            <a:pPr lvl="1">
-              <a:buFont typeface="Arial" pitchFamily="34" charset="0"/>
-              <a:buChar char="•"/>
-            </a:pPr>
-            <a:r>
-              <a:rPr lang="fr-FR" dirty="0" smtClean="0">
-                <a:solidFill>
-                  <a:schemeClr val="tx2">
-                    <a:lumMod val="75000"/>
-                  </a:schemeClr>
-                </a:solidFill>
-              </a:rPr>
-              <a:t>Afficher la pochette des albums</a:t>
-            </a:r>
-            <a:endParaRPr lang="fr-FR" dirty="0">
-              <a:solidFill>
-                <a:schemeClr val="tx2">
-                  <a:lumMod val="75000"/>
-                </a:schemeClr>
-              </a:solidFill>
-            </a:endParaRPr>
-          </a:p>
-        </p:txBody>
-      </p:sp>
-      <p:sp>
-        <p:nvSpPr>
-          <p:cNvPr id="8" name="Espace réservé du contenu 7"/>
-          <p:cNvSpPr>
-            <a:spLocks noGrp="1"/>
-          </p:cNvSpPr>
-          <p:nvPr>
-            <p:ph sz="quarter" idx="15"/>
-          </p:nvPr>
-        </p:nvSpPr>
-        <p:spPr/>
-        <p:txBody>
-          <a:bodyPr>
-            <a:normAutofit/>
-          </a:bodyPr>
-          <a:lstStyle/>
-          <a:p>
-            <a:pPr marL="457200" indent="-457200">
-              <a:buFont typeface="+mj-lt"/>
-              <a:buAutoNum type="arabicPeriod"/>
-            </a:pPr>
-            <a:r>
-              <a:rPr lang="fr-FR" sz="1400" dirty="0" smtClean="0">
-                <a:solidFill>
-                  <a:schemeClr val="tx2">
-                    <a:lumMod val="75000"/>
-                  </a:schemeClr>
-                </a:solidFill>
-                <a:latin typeface="Cambria" pitchFamily="18" charset="0"/>
-              </a:rPr>
-              <a:t>Introduction</a:t>
-            </a:r>
-          </a:p>
-          <a:p>
-            <a:pPr marL="457200" indent="-457200">
-              <a:buFont typeface="+mj-lt"/>
-              <a:buAutoNum type="arabicPeriod"/>
-            </a:pPr>
-            <a:endParaRPr lang="fr-FR" sz="1400" dirty="0" smtClean="0">
-              <a:solidFill>
-                <a:schemeClr val="tx2">
-                  <a:lumMod val="75000"/>
-                </a:schemeClr>
-              </a:solidFill>
-              <a:latin typeface="Cambria" pitchFamily="18" charset="0"/>
-            </a:endParaRPr>
-          </a:p>
-          <a:p>
-            <a:pPr marL="457200" indent="-457200">
-              <a:buFont typeface="+mj-lt"/>
-              <a:buAutoNum type="arabicPeriod"/>
-            </a:pPr>
-            <a:r>
-              <a:rPr lang="fr-FR" sz="1400" dirty="0" smtClean="0">
-                <a:solidFill>
-                  <a:schemeClr val="tx2">
-                    <a:lumMod val="75000"/>
-                  </a:schemeClr>
-                </a:solidFill>
-                <a:latin typeface="Cambria" pitchFamily="18" charset="0"/>
-              </a:rPr>
-              <a:t>Outils et méthodologies utilisés</a:t>
-            </a:r>
-          </a:p>
-          <a:p>
-            <a:pPr marL="457200" indent="-457200">
-              <a:buFont typeface="+mj-lt"/>
-              <a:buAutoNum type="arabicPeriod"/>
-            </a:pPr>
-            <a:endParaRPr lang="fr-FR" sz="1400" dirty="0" smtClean="0">
-              <a:solidFill>
-                <a:schemeClr val="tx2">
-                  <a:lumMod val="75000"/>
-                </a:schemeClr>
-              </a:solidFill>
-              <a:latin typeface="Cambria" pitchFamily="18" charset="0"/>
-            </a:endParaRPr>
-          </a:p>
-          <a:p>
-            <a:pPr marL="457200" indent="-457200">
-              <a:buFont typeface="+mj-lt"/>
-              <a:buAutoNum type="arabicPeriod"/>
-            </a:pPr>
-            <a:r>
-              <a:rPr lang="fr-FR" sz="1400" dirty="0" smtClean="0">
-                <a:solidFill>
-                  <a:schemeClr val="tx2">
-                    <a:lumMod val="75000"/>
-                  </a:schemeClr>
-                </a:solidFill>
-                <a:latin typeface="Cambria" pitchFamily="18" charset="0"/>
-              </a:rPr>
-              <a:t>Interface graphique</a:t>
-            </a:r>
-          </a:p>
-          <a:p>
-            <a:pPr marL="457200" indent="-457200">
-              <a:buFont typeface="+mj-lt"/>
-              <a:buAutoNum type="arabicPeriod"/>
-            </a:pPr>
-            <a:endParaRPr lang="fr-FR" sz="1400" dirty="0" smtClean="0">
-              <a:solidFill>
-                <a:schemeClr val="tx2">
-                  <a:lumMod val="75000"/>
-                </a:schemeClr>
-              </a:solidFill>
-              <a:latin typeface="Cambria" pitchFamily="18" charset="0"/>
-            </a:endParaRPr>
-          </a:p>
-          <a:p>
-            <a:pPr marL="457200" indent="-457200">
-              <a:buFont typeface="+mj-lt"/>
-              <a:buAutoNum type="arabicPeriod"/>
-            </a:pPr>
-            <a:r>
-              <a:rPr lang="fr-FR" sz="1400" dirty="0" smtClean="0">
-                <a:solidFill>
-                  <a:schemeClr val="tx2">
-                    <a:lumMod val="75000"/>
-                  </a:schemeClr>
-                </a:solidFill>
-                <a:latin typeface="Cambria" pitchFamily="18" charset="0"/>
-              </a:rPr>
-              <a:t>Fonctionnalités</a:t>
-            </a:r>
-          </a:p>
-          <a:p>
-            <a:pPr marL="457200" indent="-457200">
-              <a:buFont typeface="+mj-lt"/>
-              <a:buAutoNum type="arabicPeriod"/>
-            </a:pPr>
-            <a:endParaRPr lang="fr-FR" sz="1400" dirty="0" smtClean="0">
-              <a:solidFill>
-                <a:schemeClr val="tx2">
-                  <a:lumMod val="75000"/>
-                </a:schemeClr>
-              </a:solidFill>
-              <a:latin typeface="Cambria" pitchFamily="18" charset="0"/>
-            </a:endParaRPr>
-          </a:p>
-          <a:p>
-            <a:pPr marL="457200" indent="-457200">
-              <a:buFont typeface="+mj-lt"/>
-              <a:buAutoNum type="arabicPeriod"/>
-            </a:pPr>
-            <a:r>
-              <a:rPr lang="fr-FR" sz="1400" dirty="0" smtClean="0">
-                <a:solidFill>
-                  <a:schemeClr val="tx2">
-                    <a:lumMod val="60000"/>
-                    <a:lumOff val="40000"/>
-                  </a:schemeClr>
-                </a:solidFill>
-                <a:latin typeface="Cambria" pitchFamily="18" charset="0"/>
-              </a:rPr>
-              <a:t>Conclusion</a:t>
-            </a:r>
-          </a:p>
-          <a:p>
-            <a:endParaRPr lang="fr-FR" dirty="0">
-              <a:solidFill>
-                <a:schemeClr val="tx2">
-                  <a:lumMod val="75000"/>
-                </a:schemeClr>
-              </a:solidFill>
-            </a:endParaRPr>
-          </a:p>
-        </p:txBody>
-      </p:sp>
-    </p:spTree>
-  </p:cSld>
-  <p:clrMapOvr>
-    <a:masterClrMapping/>
-  </p:clrMapOvr>
-  <p:transition>
-    <p:fade/>
-  </p:transition>
-  <p:timing>
-    <p:tnLst>
-      <p:par>
-        <p:cTn id="1" dur="indefinite" restart="never" nodeType="tmRoot"/>
-      </p:par>
-    </p:tnLst>
-  </p:timing>
-</p:sld>
-</file>
-
-<file path=ppt/slides/slide17.xml><?xml version="1.0" encoding="utf-8"?>
-<p:sld xmlns:a="http://schemas.openxmlformats.org/drawingml/2006/main" xmlns:r="http://schemas.openxmlformats.org/officeDocument/2006/relationships" xmlns:p="http://schemas.openxmlformats.org/presentationml/2006/main">
-  <p:cSld>
-    <p:spTree>
-      <p:nvGrpSpPr>
-        <p:cNvPr id="1" name=""/>
-        <p:cNvGrpSpPr/>
-        <p:nvPr/>
-      </p:nvGrpSpPr>
-      <p:grpSpPr>
-        <a:xfrm>
-          <a:off x="0" y="0"/>
-          <a:ext cx="0" cy="0"/>
-          <a:chOff x="0" y="0"/>
-          <a:chExt cx="0" cy="0"/>
-        </a:xfrm>
-      </p:grpSpPr>
-      <p:sp>
-        <p:nvSpPr>
-          <p:cNvPr id="6" name="Titre 5"/>
-          <p:cNvSpPr>
-            <a:spLocks noGrp="1"/>
-          </p:cNvSpPr>
-          <p:nvPr>
-            <p:ph type="ctrTitle"/>
-          </p:nvPr>
-        </p:nvSpPr>
-        <p:spPr/>
-        <p:txBody>
-          <a:bodyPr/>
-          <a:lstStyle/>
-          <a:p>
-            <a:r>
-              <a:rPr lang="fr-FR" dirty="0" smtClean="0"/>
-              <a:t>Merci de votre attention…</a:t>
-            </a:r>
-            <a:endParaRPr lang="fr-FR" dirty="0"/>
-          </a:p>
-        </p:txBody>
-      </p:sp>
-      <p:sp>
-        <p:nvSpPr>
-          <p:cNvPr id="4" name="Espace réservé du pied de page 3"/>
-          <p:cNvSpPr>
-            <a:spLocks noGrp="1"/>
-          </p:cNvSpPr>
-          <p:nvPr>
-            <p:ph type="ftr" sz="quarter" idx="11"/>
-          </p:nvPr>
-        </p:nvSpPr>
-        <p:spPr/>
-        <p:txBody>
-          <a:bodyPr/>
-          <a:lstStyle/>
-          <a:p>
-            <a:r>
-              <a:rPr lang="fr-FR" smtClean="0"/>
-              <a:t>M1 MIAGE  - 2010/2011</a:t>
-            </a:r>
-          </a:p>
-          <a:p>
-            <a:r>
-              <a:rPr lang="fr-FR" smtClean="0"/>
-              <a:t>Université de Nice Sophia Antipolis</a:t>
-            </a:r>
-            <a:endParaRPr lang="fr-BE" dirty="0"/>
-          </a:p>
-        </p:txBody>
-      </p:sp>
-      <p:sp>
-        <p:nvSpPr>
-          <p:cNvPr id="5" name="Espace réservé du numéro de diapositive 4"/>
-          <p:cNvSpPr>
-            <a:spLocks noGrp="1"/>
-          </p:cNvSpPr>
-          <p:nvPr>
-            <p:ph type="sldNum" sz="quarter" idx="12"/>
-          </p:nvPr>
-        </p:nvSpPr>
-        <p:spPr/>
-        <p:txBody>
-          <a:bodyPr/>
-          <a:lstStyle/>
-          <a:p>
-            <a:fld id="{CF4668DC-857F-487D-BFFA-8C0CA5037977}" type="slidenum">
-              <a:rPr lang="fr-BE" smtClean="0"/>
-              <a:pPr/>
-              <a:t>17</a:t>
             </a:fld>
             <a:r>
               <a:rPr lang="fr-BE" dirty="0" smtClean="0"/>
@@ -13490,14 +12995,8 @@
                   </a:schemeClr>
                 </a:solidFill>
               </a:rPr>
-              <a:t> Les besoins</a:t>
-            </a:r>
-          </a:p>
-          <a:p>
-            <a:pPr lvl="1">
-              <a:buFont typeface="Arial" pitchFamily="34" charset="0"/>
-              <a:buChar char="•"/>
-            </a:pPr>
+              <a:t> Les </a:t>
+            </a:r>
             <a:r>
               <a:rPr lang="fr-FR" dirty="0" smtClean="0">
                 <a:solidFill>
@@ -13506,83 +13005,14 @@
                   </a:schemeClr>
                 </a:solidFill>
               </a:rPr>
-              <a:t>Ergonomique</a:t>
-            </a:r>
-          </a:p>
-          <a:p>
-            <a:pPr lvl="1">
-              <a:buFont typeface="Arial" pitchFamily="34" charset="0"/>
-              <a:buChar char="•"/>
-            </a:pPr>
-            <a:r>
-              <a:rPr lang="fr-FR" dirty="0" smtClean="0">
-                <a:solidFill>
-                  <a:schemeClr val="tx2">
-                    <a:lumMod val="75000"/>
-                  </a:schemeClr>
-                </a:solidFill>
-              </a:rPr>
-              <a:t>Intuitive</a:t>
-            </a:r>
-          </a:p>
-          <a:p>
-            <a:pPr lvl="1">
-              <a:buFont typeface="Arial" pitchFamily="34" charset="0"/>
-              <a:buChar char="•"/>
-            </a:pPr>
-            <a:r>
-              <a:rPr lang="fr-FR" dirty="0" smtClean="0">
-                <a:solidFill>
-                  <a:schemeClr val="tx2">
-                    <a:lumMod val="75000"/>
-                  </a:schemeClr>
-                </a:solidFill>
-              </a:rPr>
-              <a:t>Fluide</a:t>
-            </a:r>
-          </a:p>
-          <a:p>
-            <a:pPr lvl="1">
-              <a:buFont typeface="Arial" pitchFamily="34" charset="0"/>
-              <a:buChar char="•"/>
-            </a:pPr>
-            <a:r>
-              <a:rPr lang="fr-FR" dirty="0" smtClean="0">
-                <a:solidFill>
-                  <a:schemeClr val="tx2">
-                    <a:lumMod val="75000"/>
-                  </a:schemeClr>
-                </a:solidFill>
-              </a:rPr>
-              <a:t>Déclencheur pour les fonctionnalités :</a:t>
-            </a:r>
-          </a:p>
-          <a:p>
-            <a:pPr lvl="2"/>
-            <a:r>
-              <a:rPr lang="fr-FR" dirty="0" smtClean="0">
-                <a:solidFill>
-                  <a:schemeClr val="tx2">
-                    <a:lumMod val="75000"/>
-                  </a:schemeClr>
-                </a:solidFill>
-              </a:rPr>
-              <a:t>de bases d’un lecteur audio ;</a:t>
-            </a:r>
-          </a:p>
-          <a:p>
-            <a:pPr lvl="2"/>
-            <a:r>
-              <a:rPr lang="fr-FR" dirty="0" smtClean="0">
-                <a:solidFill>
-                  <a:schemeClr val="tx2">
-                    <a:lumMod val="75000"/>
-                  </a:schemeClr>
-                </a:solidFill>
-              </a:rPr>
-              <a:t>professionnelles pour les musiciens.</a:t>
-            </a:r>
-            <a:endParaRPr lang="fr-FR" dirty="0">
+              <a:t>besoins</a:t>
+            </a:r>
+          </a:p>
+          <a:p>
+            <a:pPr>
+              <a:buNone/>
+            </a:pPr>
+            <a:endParaRPr lang="fr-FR" sz="1200" dirty="0" smtClean="0">
               <a:solidFill>
                 <a:schemeClr val="tx2">
                   <a:lumMod val="75000"/>
@@ -13755,6 +13185,30 @@
           </a:p>
         </p:txBody>
       </p:sp>
+      <p:pic>
+        <p:nvPicPr>
+          <p:cNvPr id="7" name="Image 6" descr="diapo1.gif"/>
+          <p:cNvPicPr>
+            <a:picLocks noChangeAspect="1"/>
+          </p:cNvPicPr>
+          <p:nvPr/>
+        </p:nvPicPr>
+        <p:blipFill>
+          <a:blip r:embed="rId2" cstate="print"/>
+          <a:stretch>
+            <a:fillRect/>
+          </a:stretch>
+        </p:blipFill>
+        <p:spPr>
+          <a:xfrm>
+            <a:off x="3635896" y="1484784"/>
+            <a:ext cx="3024336" cy="4481848"/>
+          </a:xfrm>
+          <a:prstGeom prst="rect">
+            <a:avLst/>
+          </a:prstGeom>
+        </p:spPr>
+      </p:pic>
     </p:spTree>
   </p:cSld>
   <p:clrMapOvr>
@@ -13766,7 +13220,159 @@
   <p:timing>
     <p:tnLst>
       <p:par>
-        <p:cTn id="1" dur="indefinite" restart="never" nodeType="tmRoot"/>
+        <p:cTn id="1" dur="indefinite" restart="never" nodeType="tmRoot">
+          <p:childTnLst>
+            <p:seq concurrent="1" nextAc="seek">
+              <p:cTn id="2" dur="indefinite" nodeType="mainSeq">
+                <p:childTnLst>
+                  <p:par>
+                    <p:cTn id="3" fill="hold">
+                      <p:stCondLst>
+                        <p:cond delay="indefinite"/>
+                        <p:cond evt="onBegin" delay="0">
+                          <p:tn val="2"/>
+                        </p:cond>
+                      </p:stCondLst>
+                      <p:childTnLst>
+                        <p:par>
+                          <p:cTn id="4" fill="hold">
+                            <p:stCondLst>
+                              <p:cond delay="0"/>
+                            </p:stCondLst>
+                            <p:childTnLst>
+                              <p:par>
+                                <p:cTn id="5" presetID="37" presetClass="entr" presetSubtype="0" fill="hold" nodeType="withEffect">
+                                  <p:stCondLst>
+                                    <p:cond delay="0"/>
+                                  </p:stCondLst>
+                                  <p:childTnLst>
+                                    <p:set>
+                                      <p:cBhvr>
+                                        <p:cTn id="6" dur="1" fill="hold">
+                                          <p:stCondLst>
+                                            <p:cond delay="0"/>
+                                          </p:stCondLst>
+                                        </p:cTn>
+                                        <p:tgtEl>
+                                          <p:spTgt spid="7"/>
+                                        </p:tgtEl>
+                                        <p:attrNameLst>
+                                          <p:attrName>style.visibility</p:attrName>
+                                        </p:attrNameLst>
+                                      </p:cBhvr>
+                                      <p:to>
+                                        <p:strVal val="visible"/>
+                                      </p:to>
+                                    </p:set>
+                                    <p:animEffect transition="in" filter="fade">
+                                      <p:cBhvr>
+                                        <p:cTn id="7" dur="1000"/>
+                                        <p:tgtEl>
+                                          <p:spTgt spid="7"/>
+                                        </p:tgtEl>
+                                      </p:cBhvr>
+                                    </p:animEffect>
+                                    <p:anim calcmode="lin" valueType="num">
+                                      <p:cBhvr>
+                                        <p:cTn id="8" dur="1000" fill="hold"/>
+                                        <p:tgtEl>
+                                          <p:spTgt spid="7"/>
+                                        </p:tgtEl>
+                                        <p:attrNameLst>
+                                          <p:attrName>ppt_x</p:attrName>
+                                        </p:attrNameLst>
+                                      </p:cBhvr>
+                                      <p:tavLst>
+                                        <p:tav tm="0">
+                                          <p:val>
+                                            <p:strVal val="#ppt_x"/>
+                                          </p:val>
+                                        </p:tav>
+                                        <p:tav tm="100000">
+                                          <p:val>
+                                            <p:strVal val="#ppt_x"/>
+                                          </p:val>
+                                        </p:tav>
+                                      </p:tavLst>
+                                    </p:anim>
+                                    <p:anim calcmode="lin" valueType="num">
+                                      <p:cBhvr>
+                                        <p:cTn id="9" dur="900" decel="100000" fill="hold"/>
+                                        <p:tgtEl>
+                                          <p:spTgt spid="7"/>
+                                        </p:tgtEl>
+                                        <p:attrNameLst>
+                                          <p:attrName>ppt_y</p:attrName>
+                                        </p:attrNameLst>
+                                      </p:cBhvr>
+                                      <p:tavLst>
+                                        <p:tav tm="0">
+                                          <p:val>
+                                            <p:strVal val="#ppt_y+1"/>
+                                          </p:val>
+                                        </p:tav>
+                                        <p:tav tm="100000">
+                                          <p:val>
+                                            <p:strVal val="#ppt_y-.03"/>
+                                          </p:val>
+                                        </p:tav>
+                                      </p:tavLst>
+                                    </p:anim>
+                                    <p:anim calcmode="lin" valueType="num">
+                                      <p:cBhvr>
+                                        <p:cTn id="10" dur="100" accel="100000" fill="hold">
+                                          <p:stCondLst>
+                                            <p:cond delay="900"/>
+                                          </p:stCondLst>
+                                        </p:cTn>
+                                        <p:tgtEl>
+                                          <p:spTgt spid="7"/>
+                                        </p:tgtEl>
+                                        <p:attrNameLst>
+                                          <p:attrName>ppt_y</p:attrName>
+                                        </p:attrNameLst>
+                                      </p:cBhvr>
+                                      <p:tavLst>
+                                        <p:tav tm="0">
+                                          <p:val>
+                                            <p:strVal val="#ppt_y-.03"/>
+                                          </p:val>
+                                        </p:tav>
+                                        <p:tav tm="100000">
+                                          <p:val>
+                                            <p:strVal val="#ppt_y"/>
+                                          </p:val>
+                                        </p:tav>
+                                      </p:tavLst>
+                                    </p:anim>
+                                  </p:childTnLst>
+                                </p:cTn>
+                              </p:par>
+                            </p:childTnLst>
+                          </p:cTn>
+                        </p:par>
+                      </p:childTnLst>
+                    </p:cTn>
+                  </p:par>
+                </p:childTnLst>
+              </p:cTn>
+              <p:prevCondLst>
+                <p:cond evt="onPrev" delay="0">
+                  <p:tgtEl>
+                    <p:sldTgt/>
+                  </p:tgtEl>
+                </p:cond>
+              </p:prevCondLst>
+              <p:nextCondLst>
+                <p:cond evt="onNext" delay="0">
+                  <p:tgtEl>
+                    <p:sldTgt/>
+                  </p:tgtEl>
+                </p:cond>
+              </p:nextCondLst>
+            </p:seq>
+          </p:childTnLst>
+        </p:cTn>
       </p:par>
     </p:tnLst>
   </p:timing>
@@ -13925,7 +13531,27 @@
                   </a:schemeClr>
                 </a:solidFill>
               </a:rPr>
-              <a:t>Fichiers XML</a:t>
+              <a:t>Ressources  </a:t>
+            </a:r>
+            <a:r>
+              <a:rPr lang="fr-FR" dirty="0" smtClean="0">
+                <a:solidFill>
+                  <a:schemeClr val="tx2">
+                    <a:lumMod val="75000"/>
+                  </a:schemeClr>
+                </a:solidFill>
+              </a:rPr>
+              <a:t>et le fichier </a:t>
+            </a:r>
+            <a:r>
+              <a:rPr lang="fr-FR" dirty="0" smtClean="0">
+                <a:solidFill>
+                  <a:schemeClr val="tx2">
+                    <a:lumMod val="75000"/>
+                  </a:schemeClr>
+                </a:solidFill>
+              </a:rPr>
+              <a:t>R.java</a:t>
             </a:r>
           </a:p>
           <a:p>
@@ -13941,14 +13567,8 @@
                   </a:schemeClr>
                 </a:solidFill>
               </a:rPr>
-              <a:t>Ressources  et le fichier R.java</a:t>
-            </a:r>
-          </a:p>
-          <a:p>
-            <a:pPr lvl="1">
-              <a:buFont typeface="Arial" pitchFamily="34" charset="0"/>
-              <a:buChar char="•"/>
-            </a:pPr>
+              <a:t>L’ensemble </a:t>
+            </a:r>
             <a:r>
               <a:rPr lang="fr-FR" dirty="0" smtClean="0">
                 <a:solidFill>
@@ -13957,7 +13577,7 @@
                   </a:schemeClr>
                 </a:solidFill>
               </a:rPr>
-              <a:t>L’ensemble des éléments graphiques hérite de la classe </a:t>
+              <a:t>des éléments graphiques hérite de la classe </a:t>
             </a:r>
             <a:r>
               <a:rPr lang="fr-FR" i="1" dirty="0" err="1" smtClean="0">
@@ -13969,13 +13589,23 @@
               </a:rPr>
               <a:t>View</a:t>
             </a:r>
-            <a:endParaRPr lang="fr-FR" dirty="0" smtClean="0">
+            <a:endParaRPr lang="fr-FR" i="1" dirty="0" smtClean="0">
               <a:solidFill>
                 <a:schemeClr val="tx2">
                   <a:lumMod val="75000"/>
                 </a:schemeClr>
               </a:solidFill>
             </a:endParaRPr>
+          </a:p>
+          <a:p>
+            <a:pPr lvl="1">
+              <a:buFont typeface="Arial" pitchFamily="34" charset="0"/>
+              <a:buChar char="•"/>
+            </a:pPr>
+            <a:r>
+              <a:rPr lang="fr-FR" dirty="0" smtClean="0"/>
+              <a:t>Fichiers XML</a:t>
+            </a:r>
           </a:p>
           <a:p>
             <a:pPr lvl="1">
@@ -14163,7 +13793,7 @@
       </p:sp>
       <p:pic>
         <p:nvPicPr>
-          <p:cNvPr id="7" name="Image 6" descr="viewgroup.PNG"/>
+          <p:cNvPr id="8" name="Image 7" descr="2.PNG"/>
           <p:cNvPicPr>
             <a:picLocks noChangeAspect="1"/>
           </p:cNvPicPr>
@@ -14177,8 +13807,176 @@
         </p:blipFill>
         <p:spPr>
           <a:xfrm>
-            <a:off x="3491880" y="3429000"/>
-            <a:ext cx="3504181" cy="2369815"/>
+            <a:off x="2267744" y="2060848"/>
+            <a:ext cx="2248339" cy="3888432"/>
+          </a:xfrm>
+          <a:prstGeom prst="rect">
+            <a:avLst/>
+          </a:prstGeom>
+        </p:spPr>
+      </p:pic>
+      <p:pic>
+        <p:nvPicPr>
+          <p:cNvPr id="9" name="Image 8" descr="3.PNG"/>
+          <p:cNvPicPr>
+            <a:picLocks noChangeAspect="1"/>
+          </p:cNvPicPr>
+          <p:nvPr/>
+        </p:nvPicPr>
+        <p:blipFill>
+          <a:blip r:embed="rId3" cstate="print"/>
+          <a:stretch>
+            <a:fillRect/>
+          </a:stretch>
+        </p:blipFill>
+        <p:spPr>
+          <a:xfrm>
+            <a:off x="4788024" y="2780928"/>
+            <a:ext cx="4032448" cy="2430626"/>
+          </a:xfrm>
+          <a:prstGeom prst="rect">
+            <a:avLst/>
+          </a:prstGeom>
+        </p:spPr>
+      </p:pic>
+      <p:pic>
+        <p:nvPicPr>
+          <p:cNvPr id="10" name="Image 9" descr="4.PNG"/>
+          <p:cNvPicPr>
+            <a:picLocks noChangeAspect="1"/>
+          </p:cNvPicPr>
+          <p:nvPr/>
+        </p:nvPicPr>
+        <p:blipFill>
+          <a:blip r:embed="rId4" cstate="print"/>
+          <a:stretch>
+            <a:fillRect/>
+          </a:stretch>
+        </p:blipFill>
+        <p:spPr>
+          <a:xfrm>
+            <a:off x="1619672" y="4221088"/>
+            <a:ext cx="3776067" cy="1484082"/>
+          </a:xfrm>
+          <a:prstGeom prst="rect">
+            <a:avLst/>
+          </a:prstGeom>
+        </p:spPr>
+      </p:pic>
+      <p:pic>
+        <p:nvPicPr>
+          <p:cNvPr id="11" name="Image 10" descr="5.PNG"/>
+          <p:cNvPicPr>
+            <a:picLocks noChangeAspect="1"/>
+          </p:cNvPicPr>
+          <p:nvPr/>
+        </p:nvPicPr>
+        <p:blipFill>
+          <a:blip r:embed="rId5" cstate="print"/>
+          <a:stretch>
+            <a:fillRect/>
+          </a:stretch>
+        </p:blipFill>
+        <p:spPr>
+          <a:xfrm>
+            <a:off x="5580112" y="4725144"/>
+            <a:ext cx="3305175" cy="714375"/>
+          </a:xfrm>
+          <a:prstGeom prst="rect">
+            <a:avLst/>
+          </a:prstGeom>
+        </p:spPr>
+      </p:pic>
+      <p:pic>
+        <p:nvPicPr>
+          <p:cNvPr id="7" name="Image 6" descr="viewgroup.PNG"/>
+          <p:cNvPicPr>
+            <a:picLocks noChangeAspect="1"/>
+          </p:cNvPicPr>
+          <p:nvPr/>
+        </p:nvPicPr>
+        <p:blipFill>
+          <a:blip r:embed="rId6" cstate="print"/>
+          <a:stretch>
+            <a:fillRect/>
+          </a:stretch>
+        </p:blipFill>
+        <p:spPr>
+          <a:xfrm>
+            <a:off x="3707904" y="3212976"/>
+            <a:ext cx="3456384" cy="2337491"/>
+          </a:xfrm>
+          <a:prstGeom prst="rect">
+            <a:avLst/>
+          </a:prstGeom>
+        </p:spPr>
+      </p:pic>
+      <p:pic>
+        <p:nvPicPr>
+          <p:cNvPr id="12" name="Image 11" descr="7.PNG"/>
+          <p:cNvPicPr>
+            <a:picLocks noChangeAspect="1"/>
+          </p:cNvPicPr>
+          <p:nvPr/>
+        </p:nvPicPr>
+        <p:blipFill>
+          <a:blip r:embed="rId7" cstate="print"/>
+          <a:stretch>
+            <a:fillRect/>
+          </a:stretch>
+        </p:blipFill>
+        <p:spPr>
+          <a:xfrm>
+            <a:off x="1619671" y="4221088"/>
+            <a:ext cx="3551745" cy="1800200"/>
+          </a:xfrm>
+          <a:prstGeom prst="rect">
+            <a:avLst/>
+          </a:prstGeom>
+        </p:spPr>
+      </p:pic>
+      <p:pic>
+        <p:nvPicPr>
+          <p:cNvPr id="13" name="Image 12" descr="8.PNG"/>
+          <p:cNvPicPr>
+            <a:picLocks noChangeAspect="1"/>
+          </p:cNvPicPr>
+          <p:nvPr/>
+        </p:nvPicPr>
+        <p:blipFill>
+          <a:blip r:embed="rId8" cstate="print"/>
+          <a:stretch>
+            <a:fillRect/>
+          </a:stretch>
+        </p:blipFill>
+        <p:spPr>
+          <a:xfrm>
+            <a:off x="5580112" y="4869160"/>
+            <a:ext cx="3240360" cy="577959"/>
+          </a:xfrm>
+          <a:prstGeom prst="rect">
+            <a:avLst/>
+          </a:prstGeom>
+        </p:spPr>
+      </p:pic>
+      <p:pic>
+        <p:nvPicPr>
+          <p:cNvPr id="14" name="Image 13" descr="6.PNG"/>
+          <p:cNvPicPr>
+            <a:picLocks noChangeAspect="1"/>
+          </p:cNvPicPr>
+          <p:nvPr/>
+        </p:nvPicPr>
+        <p:blipFill>
+          <a:blip r:embed="rId9" cstate="print"/>
+          <a:stretch>
+            <a:fillRect/>
+          </a:stretch>
+        </p:blipFill>
+        <p:spPr>
+          <a:xfrm>
+            <a:off x="2267744" y="1484784"/>
+            <a:ext cx="6038097" cy="4464496"/>
           </a:xfrm>
           <a:prstGeom prst="rect">
             <a:avLst/>
@@ -14196,7 +13994,1098 @@
   <p:timing>
     <p:tnLst>
       <p:par>
-        <p:cTn id="1" dur="indefinite" restart="never" nodeType="tmRoot"/>
+        <p:cTn id="1" dur="indefinite" restart="never" nodeType="tmRoot">
+          <p:childTnLst>
+            <p:seq concurrent="1" nextAc="seek">
+              <p:cTn id="2" dur="indefinite" nodeType="mainSeq">
+                <p:childTnLst>
+                  <p:par>
+                    <p:cTn id="3" fill="hold">
+                      <p:stCondLst>
+                        <p:cond delay="indefinite"/>
+                        <p:cond evt="onBegin" delay="0">
+                          <p:tn val="2"/>
+                        </p:cond>
+                      </p:stCondLst>
+                      <p:childTnLst>
+                        <p:par>
+                          <p:cTn id="4" fill="hold">
+                            <p:stCondLst>
+                              <p:cond delay="0"/>
+                            </p:stCondLst>
+                            <p:childTnLst>
+                              <p:par>
+                                <p:cTn id="5" presetID="37" presetClass="entr" presetSubtype="0" fill="hold" nodeType="withEffect">
+                                  <p:stCondLst>
+                                    <p:cond delay="0"/>
+                                  </p:stCondLst>
+                                  <p:childTnLst>
+                                    <p:set>
+                                      <p:cBhvr>
+                                        <p:cTn id="6" dur="1" fill="hold">
+                                          <p:stCondLst>
+                                            <p:cond delay="0"/>
+                                          </p:stCondLst>
+                                        </p:cTn>
+                                        <p:tgtEl>
+                                          <p:spTgt spid="8"/>
+                                        </p:tgtEl>
+                                        <p:attrNameLst>
+                                          <p:attrName>style.visibility</p:attrName>
+                                        </p:attrNameLst>
+                                      </p:cBhvr>
+                                      <p:to>
+                                        <p:strVal val="visible"/>
+                                      </p:to>
+                                    </p:set>
+                                    <p:animEffect transition="in" filter="fade">
+                                      <p:cBhvr>
+                                        <p:cTn id="7" dur="1000"/>
+                                        <p:tgtEl>
+                                          <p:spTgt spid="8"/>
+                                        </p:tgtEl>
+                                      </p:cBhvr>
+                                    </p:animEffect>
+                                    <p:anim calcmode="lin" valueType="num">
+                                      <p:cBhvr>
+                                        <p:cTn id="8" dur="1000" fill="hold"/>
+                                        <p:tgtEl>
+                                          <p:spTgt spid="8"/>
+                                        </p:tgtEl>
+                                        <p:attrNameLst>
+                                          <p:attrName>ppt_x</p:attrName>
+                                        </p:attrNameLst>
+                                      </p:cBhvr>
+                                      <p:tavLst>
+                                        <p:tav tm="0">
+                                          <p:val>
+                                            <p:strVal val="#ppt_x"/>
+                                          </p:val>
+                                        </p:tav>
+                                        <p:tav tm="100000">
+                                          <p:val>
+                                            <p:strVal val="#ppt_x"/>
+                                          </p:val>
+                                        </p:tav>
+                                      </p:tavLst>
+                                    </p:anim>
+                                    <p:anim calcmode="lin" valueType="num">
+                                      <p:cBhvr>
+                                        <p:cTn id="9" dur="900" decel="100000" fill="hold"/>
+                                        <p:tgtEl>
+                                          <p:spTgt spid="8"/>
+                                        </p:tgtEl>
+                                        <p:attrNameLst>
+                                          <p:attrName>ppt_y</p:attrName>
+                                        </p:attrNameLst>
+                                      </p:cBhvr>
+                                      <p:tavLst>
+                                        <p:tav tm="0">
+                                          <p:val>
+                                            <p:strVal val="#ppt_y+1"/>
+                                          </p:val>
+                                        </p:tav>
+                                        <p:tav tm="100000">
+                                          <p:val>
+                                            <p:strVal val="#ppt_y-.03"/>
+                                          </p:val>
+                                        </p:tav>
+                                      </p:tavLst>
+                                    </p:anim>
+                                    <p:anim calcmode="lin" valueType="num">
+                                      <p:cBhvr>
+                                        <p:cTn id="10" dur="100" accel="100000" fill="hold">
+                                          <p:stCondLst>
+                                            <p:cond delay="900"/>
+                                          </p:stCondLst>
+                                        </p:cTn>
+                                        <p:tgtEl>
+                                          <p:spTgt spid="8"/>
+                                        </p:tgtEl>
+                                        <p:attrNameLst>
+                                          <p:attrName>ppt_y</p:attrName>
+                                        </p:attrNameLst>
+                                      </p:cBhvr>
+                                      <p:tavLst>
+                                        <p:tav tm="0">
+                                          <p:val>
+                                            <p:strVal val="#ppt_y-.03"/>
+                                          </p:val>
+                                        </p:tav>
+                                        <p:tav tm="100000">
+                                          <p:val>
+                                            <p:strVal val="#ppt_y"/>
+                                          </p:val>
+                                        </p:tav>
+                                      </p:tavLst>
+                                    </p:anim>
+                                  </p:childTnLst>
+                                </p:cTn>
+                              </p:par>
+                              <p:par>
+                                <p:cTn id="11" presetID="37" presetClass="entr" presetSubtype="0" fill="hold" nodeType="withEffect">
+                                  <p:stCondLst>
+                                    <p:cond delay="0"/>
+                                  </p:stCondLst>
+                                  <p:childTnLst>
+                                    <p:set>
+                                      <p:cBhvr>
+                                        <p:cTn id="12" dur="1" fill="hold">
+                                          <p:stCondLst>
+                                            <p:cond delay="0"/>
+                                          </p:stCondLst>
+                                        </p:cTn>
+                                        <p:tgtEl>
+                                          <p:spTgt spid="9"/>
+                                        </p:tgtEl>
+                                        <p:attrNameLst>
+                                          <p:attrName>style.visibility</p:attrName>
+                                        </p:attrNameLst>
+                                      </p:cBhvr>
+                                      <p:to>
+                                        <p:strVal val="visible"/>
+                                      </p:to>
+                                    </p:set>
+                                    <p:animEffect transition="in" filter="fade">
+                                      <p:cBhvr>
+                                        <p:cTn id="13" dur="1000"/>
+                                        <p:tgtEl>
+                                          <p:spTgt spid="9"/>
+                                        </p:tgtEl>
+                                      </p:cBhvr>
+                                    </p:animEffect>
+                                    <p:anim calcmode="lin" valueType="num">
+                                      <p:cBhvr>
+                                        <p:cTn id="14" dur="1000" fill="hold"/>
+                                        <p:tgtEl>
+                                          <p:spTgt spid="9"/>
+                                        </p:tgtEl>
+                                        <p:attrNameLst>
+                                          <p:attrName>ppt_x</p:attrName>
+                                        </p:attrNameLst>
+                                      </p:cBhvr>
+                                      <p:tavLst>
+                                        <p:tav tm="0">
+                                          <p:val>
+                                            <p:strVal val="#ppt_x"/>
+                                          </p:val>
+                                        </p:tav>
+                                        <p:tav tm="100000">
+                                          <p:val>
+                                            <p:strVal val="#ppt_x"/>
+                                          </p:val>
+                                        </p:tav>
+                                      </p:tavLst>
+                                    </p:anim>
+                                    <p:anim calcmode="lin" valueType="num">
+                                      <p:cBhvr>
+                                        <p:cTn id="15" dur="900" decel="100000" fill="hold"/>
+                                        <p:tgtEl>
+                                          <p:spTgt spid="9"/>
+                                        </p:tgtEl>
+                                        <p:attrNameLst>
+                                          <p:attrName>ppt_y</p:attrName>
+                                        </p:attrNameLst>
+                                      </p:cBhvr>
+                                      <p:tavLst>
+                                        <p:tav tm="0">
+                                          <p:val>
+                                            <p:strVal val="#ppt_y+1"/>
+                                          </p:val>
+                                        </p:tav>
+                                        <p:tav tm="100000">
+                                          <p:val>
+                                            <p:strVal val="#ppt_y-.03"/>
+                                          </p:val>
+                                        </p:tav>
+                                      </p:tavLst>
+                                    </p:anim>
+                                    <p:anim calcmode="lin" valueType="num">
+                                      <p:cBhvr>
+                                        <p:cTn id="16" dur="100" accel="100000" fill="hold">
+                                          <p:stCondLst>
+                                            <p:cond delay="900"/>
+                                          </p:stCondLst>
+                                        </p:cTn>
+                                        <p:tgtEl>
+                                          <p:spTgt spid="9"/>
+                                        </p:tgtEl>
+                                        <p:attrNameLst>
+                                          <p:attrName>ppt_y</p:attrName>
+                                        </p:attrNameLst>
+                                      </p:cBhvr>
+                                      <p:tavLst>
+                                        <p:tav tm="0">
+                                          <p:val>
+                                            <p:strVal val="#ppt_y-.03"/>
+                                          </p:val>
+                                        </p:tav>
+                                        <p:tav tm="100000">
+                                          <p:val>
+                                            <p:strVal val="#ppt_y"/>
+                                          </p:val>
+                                        </p:tav>
+                                      </p:tavLst>
+                                    </p:anim>
+                                  </p:childTnLst>
+                                </p:cTn>
+                              </p:par>
+                            </p:childTnLst>
+                          </p:cTn>
+                        </p:par>
+                      </p:childTnLst>
+                    </p:cTn>
+                  </p:par>
+                  <p:par>
+                    <p:cTn id="17" fill="hold">
+                      <p:stCondLst>
+                        <p:cond delay="indefinite"/>
+                      </p:stCondLst>
+                      <p:childTnLst>
+                        <p:par>
+                          <p:cTn id="18" fill="hold">
+                            <p:stCondLst>
+                              <p:cond delay="0"/>
+                            </p:stCondLst>
+                            <p:childTnLst>
+                              <p:par>
+                                <p:cTn id="19" presetID="10" presetClass="entr" presetSubtype="0" fill="hold" nodeType="clickEffect">
+                                  <p:stCondLst>
+                                    <p:cond delay="0"/>
+                                  </p:stCondLst>
+                                  <p:childTnLst>
+                                    <p:set>
+                                      <p:cBhvr>
+                                        <p:cTn id="20" dur="1" fill="hold">
+                                          <p:stCondLst>
+                                            <p:cond delay="0"/>
+                                          </p:stCondLst>
+                                        </p:cTn>
+                                        <p:tgtEl>
+                                          <p:spTgt spid="5">
+                                            <p:txEl>
+                                              <p:pRg st="2" end="2"/>
+                                            </p:txEl>
+                                          </p:spTgt>
+                                        </p:tgtEl>
+                                        <p:attrNameLst>
+                                          <p:attrName>style.visibility</p:attrName>
+                                        </p:attrNameLst>
+                                      </p:cBhvr>
+                                      <p:to>
+                                        <p:strVal val="visible"/>
+                                      </p:to>
+                                    </p:set>
+                                    <p:animEffect transition="in" filter="fade">
+                                      <p:cBhvr>
+                                        <p:cTn id="21" dur="2000"/>
+                                        <p:tgtEl>
+                                          <p:spTgt spid="5">
+                                            <p:txEl>
+                                              <p:pRg st="2" end="2"/>
+                                            </p:txEl>
+                                          </p:spTgt>
+                                        </p:tgtEl>
+                                      </p:cBhvr>
+                                    </p:animEffect>
+                                  </p:childTnLst>
+                                </p:cTn>
+                              </p:par>
+                              <p:par>
+                                <p:cTn id="22" presetID="10" presetClass="entr" presetSubtype="0" fill="hold" nodeType="withEffect">
+                                  <p:stCondLst>
+                                    <p:cond delay="0"/>
+                                  </p:stCondLst>
+                                  <p:childTnLst>
+                                    <p:set>
+                                      <p:cBhvr>
+                                        <p:cTn id="23" dur="1" fill="hold">
+                                          <p:stCondLst>
+                                            <p:cond delay="0"/>
+                                          </p:stCondLst>
+                                        </p:cTn>
+                                        <p:tgtEl>
+                                          <p:spTgt spid="5">
+                                            <p:txEl>
+                                              <p:pRg st="3" end="3"/>
+                                            </p:txEl>
+                                          </p:spTgt>
+                                        </p:tgtEl>
+                                        <p:attrNameLst>
+                                          <p:attrName>style.visibility</p:attrName>
+                                        </p:attrNameLst>
+                                      </p:cBhvr>
+                                      <p:to>
+                                        <p:strVal val="visible"/>
+                                      </p:to>
+                                    </p:set>
+                                    <p:animEffect transition="in" filter="fade">
+                                      <p:cBhvr>
+                                        <p:cTn id="24" dur="2000"/>
+                                        <p:tgtEl>
+                                          <p:spTgt spid="5">
+                                            <p:txEl>
+                                              <p:pRg st="3" end="3"/>
+                                            </p:txEl>
+                                          </p:spTgt>
+                                        </p:tgtEl>
+                                      </p:cBhvr>
+                                    </p:animEffect>
+                                  </p:childTnLst>
+                                </p:cTn>
+                              </p:par>
+                              <p:par>
+                                <p:cTn id="25" presetID="10" presetClass="exit" presetSubtype="0" fill="hold" nodeType="withEffect">
+                                  <p:stCondLst>
+                                    <p:cond delay="0"/>
+                                  </p:stCondLst>
+                                  <p:childTnLst>
+                                    <p:animEffect transition="out" filter="fade">
+                                      <p:cBhvr>
+                                        <p:cTn id="26" dur="2000"/>
+                                        <p:tgtEl>
+                                          <p:spTgt spid="5">
+                                            <p:txEl>
+                                              <p:pRg st="1" end="1"/>
+                                            </p:txEl>
+                                          </p:spTgt>
+                                        </p:tgtEl>
+                                      </p:cBhvr>
+                                    </p:animEffect>
+                                    <p:set>
+                                      <p:cBhvr>
+                                        <p:cTn id="27" dur="1" fill="hold">
+                                          <p:stCondLst>
+                                            <p:cond delay="1999"/>
+                                          </p:stCondLst>
+                                        </p:cTn>
+                                        <p:tgtEl>
+                                          <p:spTgt spid="5">
+                                            <p:txEl>
+                                              <p:pRg st="1" end="1"/>
+                                            </p:txEl>
+                                          </p:spTgt>
+                                        </p:tgtEl>
+                                        <p:attrNameLst>
+                                          <p:attrName>style.visibility</p:attrName>
+                                        </p:attrNameLst>
+                                      </p:cBhvr>
+                                      <p:to>
+                                        <p:strVal val="hidden"/>
+                                      </p:to>
+                                    </p:set>
+                                  </p:childTnLst>
+                                </p:cTn>
+                              </p:par>
+                              <p:par>
+                                <p:cTn id="28" presetID="0" presetClass="path" presetSubtype="0" accel="50000" decel="50000" fill="hold" nodeType="withEffect">
+                                  <p:stCondLst>
+                                    <p:cond delay="0"/>
+                                  </p:stCondLst>
+                                  <p:childTnLst>
+                                    <p:animMotion origin="layout" path="M 0 0 L 0 -0.08402 " pathEditMode="relative" ptsTypes="AA">
+                                      <p:cBhvr>
+                                        <p:cTn id="29" dur="2000" fill="hold"/>
+                                        <p:tgtEl>
+                                          <p:spTgt spid="5">
+                                            <p:txEl>
+                                              <p:pRg st="2" end="2"/>
+                                            </p:txEl>
+                                          </p:spTgt>
+                                        </p:tgtEl>
+                                        <p:attrNameLst>
+                                          <p:attrName>ppt_x</p:attrName>
+                                          <p:attrName>ppt_y</p:attrName>
+                                        </p:attrNameLst>
+                                      </p:cBhvr>
+                                    </p:animMotion>
+                                  </p:childTnLst>
+                                </p:cTn>
+                              </p:par>
+                              <p:par>
+                                <p:cTn id="30" presetID="0" presetClass="path" presetSubtype="0" accel="50000" decel="50000" fill="hold" nodeType="withEffect">
+                                  <p:stCondLst>
+                                    <p:cond delay="0"/>
+                                  </p:stCondLst>
+                                  <p:childTnLst>
+                                    <p:animMotion origin="layout" path="M 0 0 L 0 -0.08402 " pathEditMode="relative" ptsTypes="AA">
+                                      <p:cBhvr>
+                                        <p:cTn id="31" dur="2000" fill="hold"/>
+                                        <p:tgtEl>
+                                          <p:spTgt spid="5">
+                                            <p:txEl>
+                                              <p:pRg st="3" end="3"/>
+                                            </p:txEl>
+                                          </p:spTgt>
+                                        </p:tgtEl>
+                                        <p:attrNameLst>
+                                          <p:attrName>ppt_x</p:attrName>
+                                          <p:attrName>ppt_y</p:attrName>
+                                        </p:attrNameLst>
+                                      </p:cBhvr>
+                                    </p:animMotion>
+                                  </p:childTnLst>
+                                </p:cTn>
+                              </p:par>
+                              <p:par>
+                                <p:cTn id="32" presetID="10" presetClass="exit" presetSubtype="0" fill="hold" nodeType="withEffect">
+                                  <p:stCondLst>
+                                    <p:cond delay="0"/>
+                                  </p:stCondLst>
+                                  <p:childTnLst>
+                                    <p:animEffect transition="out" filter="fade">
+                                      <p:cBhvr>
+                                        <p:cTn id="33" dur="2000"/>
+                                        <p:tgtEl>
+                                          <p:spTgt spid="8"/>
+                                        </p:tgtEl>
+                                      </p:cBhvr>
+                                    </p:animEffect>
+                                    <p:set>
+                                      <p:cBhvr>
+                                        <p:cTn id="34" dur="1" fill="hold">
+                                          <p:stCondLst>
+                                            <p:cond delay="1999"/>
+                                          </p:stCondLst>
+                                        </p:cTn>
+                                        <p:tgtEl>
+                                          <p:spTgt spid="8"/>
+                                        </p:tgtEl>
+                                        <p:attrNameLst>
+                                          <p:attrName>style.visibility</p:attrName>
+                                        </p:attrNameLst>
+                                      </p:cBhvr>
+                                      <p:to>
+                                        <p:strVal val="hidden"/>
+                                      </p:to>
+                                    </p:set>
+                                  </p:childTnLst>
+                                </p:cTn>
+                              </p:par>
+                              <p:par>
+                                <p:cTn id="35" presetID="10" presetClass="exit" presetSubtype="0" fill="hold" nodeType="withEffect">
+                                  <p:stCondLst>
+                                    <p:cond delay="0"/>
+                                  </p:stCondLst>
+                                  <p:childTnLst>
+                                    <p:animEffect transition="out" filter="fade">
+                                      <p:cBhvr>
+                                        <p:cTn id="36" dur="2000"/>
+                                        <p:tgtEl>
+                                          <p:spTgt spid="9"/>
+                                        </p:tgtEl>
+                                      </p:cBhvr>
+                                    </p:animEffect>
+                                    <p:set>
+                                      <p:cBhvr>
+                                        <p:cTn id="37" dur="1" fill="hold">
+                                          <p:stCondLst>
+                                            <p:cond delay="1999"/>
+                                          </p:stCondLst>
+                                        </p:cTn>
+                                        <p:tgtEl>
+                                          <p:spTgt spid="9"/>
+                                        </p:tgtEl>
+                                        <p:attrNameLst>
+                                          <p:attrName>style.visibility</p:attrName>
+                                        </p:attrNameLst>
+                                      </p:cBhvr>
+                                      <p:to>
+                                        <p:strVal val="hidden"/>
+                                      </p:to>
+                                    </p:set>
+                                  </p:childTnLst>
+                                </p:cTn>
+                              </p:par>
+                            </p:childTnLst>
+                          </p:cTn>
+                        </p:par>
+                        <p:par>
+                          <p:cTn id="38" fill="hold">
+                            <p:stCondLst>
+                              <p:cond delay="2000"/>
+                            </p:stCondLst>
+                            <p:childTnLst>
+                              <p:par>
+                                <p:cTn id="39" presetID="10" presetClass="entr" presetSubtype="0" fill="hold" nodeType="afterEffect">
+                                  <p:stCondLst>
+                                    <p:cond delay="0"/>
+                                  </p:stCondLst>
+                                  <p:childTnLst>
+                                    <p:set>
+                                      <p:cBhvr>
+                                        <p:cTn id="40" dur="1" fill="hold">
+                                          <p:stCondLst>
+                                            <p:cond delay="0"/>
+                                          </p:stCondLst>
+                                        </p:cTn>
+                                        <p:tgtEl>
+                                          <p:spTgt spid="7"/>
+                                        </p:tgtEl>
+                                        <p:attrNameLst>
+                                          <p:attrName>style.visibility</p:attrName>
+                                        </p:attrNameLst>
+                                      </p:cBhvr>
+                                      <p:to>
+                                        <p:strVal val="visible"/>
+                                      </p:to>
+                                    </p:set>
+                                    <p:animEffect transition="in" filter="fade">
+                                      <p:cBhvr>
+                                        <p:cTn id="41" dur="2000"/>
+                                        <p:tgtEl>
+                                          <p:spTgt spid="7"/>
+                                        </p:tgtEl>
+                                      </p:cBhvr>
+                                    </p:animEffect>
+                                  </p:childTnLst>
+                                </p:cTn>
+                              </p:par>
+                            </p:childTnLst>
+                          </p:cTn>
+                        </p:par>
+                      </p:childTnLst>
+                    </p:cTn>
+                  </p:par>
+                  <p:par>
+                    <p:cTn id="42" fill="hold">
+                      <p:stCondLst>
+                        <p:cond delay="indefinite"/>
+                      </p:stCondLst>
+                      <p:childTnLst>
+                        <p:par>
+                          <p:cTn id="43" fill="hold">
+                            <p:stCondLst>
+                              <p:cond delay="0"/>
+                            </p:stCondLst>
+                            <p:childTnLst>
+                              <p:par>
+                                <p:cTn id="44" presetID="0" presetClass="path" presetSubtype="0" accel="50000" decel="50000" fill="hold" nodeType="clickEffect">
+                                  <p:stCondLst>
+                                    <p:cond delay="0"/>
+                                  </p:stCondLst>
+                                  <p:childTnLst>
+                                    <p:animMotion origin="layout" path="M -4.72222E-6 2.96296E-6 L 0.18889 -0.19954 " pathEditMode="relative" ptsTypes="AA">
+                                      <p:cBhvr>
+                                        <p:cTn id="45" dur="2000" fill="hold"/>
+                                        <p:tgtEl>
+                                          <p:spTgt spid="7"/>
+                                        </p:tgtEl>
+                                        <p:attrNameLst>
+                                          <p:attrName>ppt_x</p:attrName>
+                                          <p:attrName>ppt_y</p:attrName>
+                                        </p:attrNameLst>
+                                      </p:cBhvr>
+                                    </p:animMotion>
+                                  </p:childTnLst>
+                                </p:cTn>
+                              </p:par>
+                            </p:childTnLst>
+                          </p:cTn>
+                        </p:par>
+                        <p:par>
+                          <p:cTn id="46" fill="hold">
+                            <p:stCondLst>
+                              <p:cond delay="2000"/>
+                            </p:stCondLst>
+                            <p:childTnLst>
+                              <p:par>
+                                <p:cTn id="47" presetID="10" presetClass="entr" presetSubtype="0" fill="hold" nodeType="afterEffect">
+                                  <p:stCondLst>
+                                    <p:cond delay="0"/>
+                                  </p:stCondLst>
+                                  <p:childTnLst>
+                                    <p:set>
+                                      <p:cBhvr>
+                                        <p:cTn id="48" dur="1" fill="hold">
+                                          <p:stCondLst>
+                                            <p:cond delay="0"/>
+                                          </p:stCondLst>
+                                        </p:cTn>
+                                        <p:tgtEl>
+                                          <p:spTgt spid="10"/>
+                                        </p:tgtEl>
+                                        <p:attrNameLst>
+                                          <p:attrName>style.visibility</p:attrName>
+                                        </p:attrNameLst>
+                                      </p:cBhvr>
+                                      <p:to>
+                                        <p:strVal val="visible"/>
+                                      </p:to>
+                                    </p:set>
+                                    <p:animEffect transition="in" filter="fade">
+                                      <p:cBhvr>
+                                        <p:cTn id="49" dur="2000"/>
+                                        <p:tgtEl>
+                                          <p:spTgt spid="10"/>
+                                        </p:tgtEl>
+                                      </p:cBhvr>
+                                    </p:animEffect>
+                                  </p:childTnLst>
+                                </p:cTn>
+                              </p:par>
+                              <p:par>
+                                <p:cTn id="50" presetID="10" presetClass="entr" presetSubtype="0" fill="hold" nodeType="withEffect">
+                                  <p:stCondLst>
+                                    <p:cond delay="0"/>
+                                  </p:stCondLst>
+                                  <p:childTnLst>
+                                    <p:set>
+                                      <p:cBhvr>
+                                        <p:cTn id="51" dur="1" fill="hold">
+                                          <p:stCondLst>
+                                            <p:cond delay="0"/>
+                                          </p:stCondLst>
+                                        </p:cTn>
+                                        <p:tgtEl>
+                                          <p:spTgt spid="11"/>
+                                        </p:tgtEl>
+                                        <p:attrNameLst>
+                                          <p:attrName>style.visibility</p:attrName>
+                                        </p:attrNameLst>
+                                      </p:cBhvr>
+                                      <p:to>
+                                        <p:strVal val="visible"/>
+                                      </p:to>
+                                    </p:set>
+                                    <p:animEffect transition="in" filter="fade">
+                                      <p:cBhvr>
+                                        <p:cTn id="52" dur="2000"/>
+                                        <p:tgtEl>
+                                          <p:spTgt spid="11"/>
+                                        </p:tgtEl>
+                                      </p:cBhvr>
+                                    </p:animEffect>
+                                  </p:childTnLst>
+                                </p:cTn>
+                              </p:par>
+                            </p:childTnLst>
+                          </p:cTn>
+                        </p:par>
+                      </p:childTnLst>
+                    </p:cTn>
+                  </p:par>
+                  <p:par>
+                    <p:cTn id="53" fill="hold">
+                      <p:stCondLst>
+                        <p:cond delay="indefinite"/>
+                      </p:stCondLst>
+                      <p:childTnLst>
+                        <p:par>
+                          <p:cTn id="54" fill="hold">
+                            <p:stCondLst>
+                              <p:cond delay="0"/>
+                            </p:stCondLst>
+                            <p:childTnLst>
+                              <p:par>
+                                <p:cTn id="55" presetID="10" presetClass="exit" presetSubtype="0" fill="hold" nodeType="clickEffect">
+                                  <p:stCondLst>
+                                    <p:cond delay="0"/>
+                                  </p:stCondLst>
+                                  <p:childTnLst>
+                                    <p:animEffect transition="out" filter="fade">
+                                      <p:cBhvr>
+                                        <p:cTn id="56" dur="2000"/>
+                                        <p:tgtEl>
+                                          <p:spTgt spid="10"/>
+                                        </p:tgtEl>
+                                      </p:cBhvr>
+                                    </p:animEffect>
+                                    <p:set>
+                                      <p:cBhvr>
+                                        <p:cTn id="57" dur="1" fill="hold">
+                                          <p:stCondLst>
+                                            <p:cond delay="1999"/>
+                                          </p:stCondLst>
+                                        </p:cTn>
+                                        <p:tgtEl>
+                                          <p:spTgt spid="10"/>
+                                        </p:tgtEl>
+                                        <p:attrNameLst>
+                                          <p:attrName>style.visibility</p:attrName>
+                                        </p:attrNameLst>
+                                      </p:cBhvr>
+                                      <p:to>
+                                        <p:strVal val="hidden"/>
+                                      </p:to>
+                                    </p:set>
+                                  </p:childTnLst>
+                                </p:cTn>
+                              </p:par>
+                              <p:par>
+                                <p:cTn id="58" presetID="10" presetClass="exit" presetSubtype="0" fill="hold" nodeType="withEffect">
+                                  <p:stCondLst>
+                                    <p:cond delay="0"/>
+                                  </p:stCondLst>
+                                  <p:childTnLst>
+                                    <p:animEffect transition="out" filter="fade">
+                                      <p:cBhvr>
+                                        <p:cTn id="59" dur="2000"/>
+                                        <p:tgtEl>
+                                          <p:spTgt spid="11"/>
+                                        </p:tgtEl>
+                                      </p:cBhvr>
+                                    </p:animEffect>
+                                    <p:set>
+                                      <p:cBhvr>
+                                        <p:cTn id="60" dur="1" fill="hold">
+                                          <p:stCondLst>
+                                            <p:cond delay="1999"/>
+                                          </p:stCondLst>
+                                        </p:cTn>
+                                        <p:tgtEl>
+                                          <p:spTgt spid="11"/>
+                                        </p:tgtEl>
+                                        <p:attrNameLst>
+                                          <p:attrName>style.visibility</p:attrName>
+                                        </p:attrNameLst>
+                                      </p:cBhvr>
+                                      <p:to>
+                                        <p:strVal val="hidden"/>
+                                      </p:to>
+                                    </p:set>
+                                  </p:childTnLst>
+                                </p:cTn>
+                              </p:par>
+                              <p:par>
+                                <p:cTn id="61" presetID="10" presetClass="entr" presetSubtype="0" fill="hold" nodeType="withEffect">
+                                  <p:stCondLst>
+                                    <p:cond delay="0"/>
+                                  </p:stCondLst>
+                                  <p:childTnLst>
+                                    <p:set>
+                                      <p:cBhvr>
+                                        <p:cTn id="62" dur="1" fill="hold">
+                                          <p:stCondLst>
+                                            <p:cond delay="0"/>
+                                          </p:stCondLst>
+                                        </p:cTn>
+                                        <p:tgtEl>
+                                          <p:spTgt spid="12"/>
+                                        </p:tgtEl>
+                                        <p:attrNameLst>
+                                          <p:attrName>style.visibility</p:attrName>
+                                        </p:attrNameLst>
+                                      </p:cBhvr>
+                                      <p:to>
+                                        <p:strVal val="visible"/>
+                                      </p:to>
+                                    </p:set>
+                                    <p:animEffect transition="in" filter="fade">
+                                      <p:cBhvr>
+                                        <p:cTn id="63" dur="2000"/>
+                                        <p:tgtEl>
+                                          <p:spTgt spid="12"/>
+                                        </p:tgtEl>
+                                      </p:cBhvr>
+                                    </p:animEffect>
+                                  </p:childTnLst>
+                                </p:cTn>
+                              </p:par>
+                              <p:par>
+                                <p:cTn id="64" presetID="10" presetClass="entr" presetSubtype="0" fill="hold" nodeType="withEffect">
+                                  <p:stCondLst>
+                                    <p:cond delay="0"/>
+                                  </p:stCondLst>
+                                  <p:childTnLst>
+                                    <p:set>
+                                      <p:cBhvr>
+                                        <p:cTn id="65" dur="1" fill="hold">
+                                          <p:stCondLst>
+                                            <p:cond delay="0"/>
+                                          </p:stCondLst>
+                                        </p:cTn>
+                                        <p:tgtEl>
+                                          <p:spTgt spid="13"/>
+                                        </p:tgtEl>
+                                        <p:attrNameLst>
+                                          <p:attrName>style.visibility</p:attrName>
+                                        </p:attrNameLst>
+                                      </p:cBhvr>
+                                      <p:to>
+                                        <p:strVal val="visible"/>
+                                      </p:to>
+                                    </p:set>
+                                    <p:animEffect transition="in" filter="fade">
+                                      <p:cBhvr>
+                                        <p:cTn id="66" dur="2000"/>
+                                        <p:tgtEl>
+                                          <p:spTgt spid="13"/>
+                                        </p:tgtEl>
+                                      </p:cBhvr>
+                                    </p:animEffect>
+                                  </p:childTnLst>
+                                </p:cTn>
+                              </p:par>
+                            </p:childTnLst>
+                          </p:cTn>
+                        </p:par>
+                      </p:childTnLst>
+                    </p:cTn>
+                  </p:par>
+                  <p:par>
+                    <p:cTn id="67" fill="hold">
+                      <p:stCondLst>
+                        <p:cond delay="indefinite"/>
+                      </p:stCondLst>
+                      <p:childTnLst>
+                        <p:par>
+                          <p:cTn id="68" fill="hold">
+                            <p:stCondLst>
+                              <p:cond delay="0"/>
+                            </p:stCondLst>
+                            <p:childTnLst>
+                              <p:par>
+                                <p:cTn id="69" presetID="10" presetClass="exit" presetSubtype="0" fill="hold" nodeType="clickEffect">
+                                  <p:stCondLst>
+                                    <p:cond delay="0"/>
+                                  </p:stCondLst>
+                                  <p:childTnLst>
+                                    <p:animEffect transition="out" filter="fade">
+                                      <p:cBhvr>
+                                        <p:cTn id="70" dur="2000"/>
+                                        <p:tgtEl>
+                                          <p:spTgt spid="12"/>
+                                        </p:tgtEl>
+                                      </p:cBhvr>
+                                    </p:animEffect>
+                                    <p:set>
+                                      <p:cBhvr>
+                                        <p:cTn id="71" dur="1" fill="hold">
+                                          <p:stCondLst>
+                                            <p:cond delay="1999"/>
+                                          </p:stCondLst>
+                                        </p:cTn>
+                                        <p:tgtEl>
+                                          <p:spTgt spid="12"/>
+                                        </p:tgtEl>
+                                        <p:attrNameLst>
+                                          <p:attrName>style.visibility</p:attrName>
+                                        </p:attrNameLst>
+                                      </p:cBhvr>
+                                      <p:to>
+                                        <p:strVal val="hidden"/>
+                                      </p:to>
+                                    </p:set>
+                                  </p:childTnLst>
+                                </p:cTn>
+                              </p:par>
+                              <p:par>
+                                <p:cTn id="72" presetID="10" presetClass="exit" presetSubtype="0" fill="hold" nodeType="withEffect">
+                                  <p:stCondLst>
+                                    <p:cond delay="0"/>
+                                  </p:stCondLst>
+                                  <p:childTnLst>
+                                    <p:animEffect transition="out" filter="fade">
+                                      <p:cBhvr>
+                                        <p:cTn id="73" dur="2000"/>
+                                        <p:tgtEl>
+                                          <p:spTgt spid="13"/>
+                                        </p:tgtEl>
+                                      </p:cBhvr>
+                                    </p:animEffect>
+                                    <p:set>
+                                      <p:cBhvr>
+                                        <p:cTn id="74" dur="1" fill="hold">
+                                          <p:stCondLst>
+                                            <p:cond delay="1999"/>
+                                          </p:stCondLst>
+                                        </p:cTn>
+                                        <p:tgtEl>
+                                          <p:spTgt spid="13"/>
+                                        </p:tgtEl>
+                                        <p:attrNameLst>
+                                          <p:attrName>style.visibility</p:attrName>
+                                        </p:attrNameLst>
+                                      </p:cBhvr>
+                                      <p:to>
+                                        <p:strVal val="hidden"/>
+                                      </p:to>
+                                    </p:set>
+                                  </p:childTnLst>
+                                </p:cTn>
+                              </p:par>
+                              <p:par>
+                                <p:cTn id="75" presetID="10" presetClass="exit" presetSubtype="0" fill="hold" nodeType="withEffect">
+                                  <p:stCondLst>
+                                    <p:cond delay="0"/>
+                                  </p:stCondLst>
+                                  <p:childTnLst>
+                                    <p:animEffect transition="out" filter="fade">
+                                      <p:cBhvr>
+                                        <p:cTn id="76" dur="2000"/>
+                                        <p:tgtEl>
+                                          <p:spTgt spid="5">
+                                            <p:txEl>
+                                              <p:pRg st="2" end="2"/>
+                                            </p:txEl>
+                                          </p:spTgt>
+                                        </p:tgtEl>
+                                      </p:cBhvr>
+                                    </p:animEffect>
+                                    <p:set>
+                                      <p:cBhvr>
+                                        <p:cTn id="77" dur="1" fill="hold">
+                                          <p:stCondLst>
+                                            <p:cond delay="1999"/>
+                                          </p:stCondLst>
+                                        </p:cTn>
+                                        <p:tgtEl>
+                                          <p:spTgt spid="5">
+                                            <p:txEl>
+                                              <p:pRg st="2" end="2"/>
+                                            </p:txEl>
+                                          </p:spTgt>
+                                        </p:tgtEl>
+                                        <p:attrNameLst>
+                                          <p:attrName>style.visibility</p:attrName>
+                                        </p:attrNameLst>
+                                      </p:cBhvr>
+                                      <p:to>
+                                        <p:strVal val="hidden"/>
+                                      </p:to>
+                                    </p:set>
+                                  </p:childTnLst>
+                                </p:cTn>
+                              </p:par>
+                              <p:par>
+                                <p:cTn id="78" presetID="10" presetClass="exit" presetSubtype="0" fill="hold" nodeType="withEffect">
+                                  <p:stCondLst>
+                                    <p:cond delay="0"/>
+                                  </p:stCondLst>
+                                  <p:childTnLst>
+                                    <p:animEffect transition="out" filter="fade">
+                                      <p:cBhvr>
+                                        <p:cTn id="79" dur="2000"/>
+                                        <p:tgtEl>
+                                          <p:spTgt spid="5">
+                                            <p:txEl>
+                                              <p:pRg st="3" end="3"/>
+                                            </p:txEl>
+                                          </p:spTgt>
+                                        </p:tgtEl>
+                                      </p:cBhvr>
+                                    </p:animEffect>
+                                    <p:set>
+                                      <p:cBhvr>
+                                        <p:cTn id="80" dur="1" fill="hold">
+                                          <p:stCondLst>
+                                            <p:cond delay="1999"/>
+                                          </p:stCondLst>
+                                        </p:cTn>
+                                        <p:tgtEl>
+                                          <p:spTgt spid="5">
+                                            <p:txEl>
+                                              <p:pRg st="3" end="3"/>
+                                            </p:txEl>
+                                          </p:spTgt>
+                                        </p:tgtEl>
+                                        <p:attrNameLst>
+                                          <p:attrName>style.visibility</p:attrName>
+                                        </p:attrNameLst>
+                                      </p:cBhvr>
+                                      <p:to>
+                                        <p:strVal val="hidden"/>
+                                      </p:to>
+                                    </p:set>
+                                  </p:childTnLst>
+                                </p:cTn>
+                              </p:par>
+                              <p:par>
+                                <p:cTn id="81" presetID="10" presetClass="exit" presetSubtype="0" fill="hold" nodeType="withEffect">
+                                  <p:stCondLst>
+                                    <p:cond delay="0"/>
+                                  </p:stCondLst>
+                                  <p:childTnLst>
+                                    <p:animEffect transition="out" filter="fade">
+                                      <p:cBhvr>
+                                        <p:cTn id="82" dur="2000"/>
+                                        <p:tgtEl>
+                                          <p:spTgt spid="7"/>
+                                        </p:tgtEl>
+                                      </p:cBhvr>
+                                    </p:animEffect>
+                                    <p:set>
+                                      <p:cBhvr>
+                                        <p:cTn id="83" dur="1" fill="hold">
+                                          <p:stCondLst>
+                                            <p:cond delay="1999"/>
+                                          </p:stCondLst>
+                                        </p:cTn>
+                                        <p:tgtEl>
+                                          <p:spTgt spid="7"/>
+                                        </p:tgtEl>
+                                        <p:attrNameLst>
+                                          <p:attrName>style.visibility</p:attrName>
+                                        </p:attrNameLst>
+                                      </p:cBhvr>
+                                      <p:to>
+                                        <p:strVal val="hidden"/>
+                                      </p:to>
+                                    </p:set>
+                                  </p:childTnLst>
+                                </p:cTn>
+                              </p:par>
+                              <p:par>
+                                <p:cTn id="84" presetID="10" presetClass="entr" presetSubtype="0" fill="hold" nodeType="withEffect">
+                                  <p:stCondLst>
+                                    <p:cond delay="0"/>
+                                  </p:stCondLst>
+                                  <p:childTnLst>
+                                    <p:set>
+                                      <p:cBhvr>
+                                        <p:cTn id="85" dur="1" fill="hold">
+                                          <p:stCondLst>
+                                            <p:cond delay="0"/>
+                                          </p:stCondLst>
+                                        </p:cTn>
+                                        <p:tgtEl>
+                                          <p:spTgt spid="14"/>
+                                        </p:tgtEl>
+                                        <p:attrNameLst>
+                                          <p:attrName>style.visibility</p:attrName>
+                                        </p:attrNameLst>
+                                      </p:cBhvr>
+                                      <p:to>
+                                        <p:strVal val="visible"/>
+                                      </p:to>
+                                    </p:set>
+                                    <p:animEffect transition="in" filter="fade">
+                                      <p:cBhvr>
+                                        <p:cTn id="86" dur="2000"/>
+                                        <p:tgtEl>
+                                          <p:spTgt spid="14"/>
+                                        </p:tgtEl>
+                                      </p:cBhvr>
+                                    </p:animEffect>
+                                  </p:childTnLst>
+                                </p:cTn>
+                              </p:par>
+                            </p:childTnLst>
+                          </p:cTn>
+                        </p:par>
+                      </p:childTnLst>
+                    </p:cTn>
+                  </p:par>
+                </p:childTnLst>
+              </p:cTn>
+              <p:prevCondLst>
+                <p:cond evt="onPrev" delay="0">
+                  <p:tgtEl>
+                    <p:sldTgt/>
+                  </p:tgtEl>
+                </p:cond>
+              </p:prevCondLst>
+              <p:nextCondLst>
+                <p:cond evt="onNext" delay="0">
+                  <p:tgtEl>
+                    <p:sldTgt/>
+                  </p:tgtEl>
+                </p:cond>
+              </p:nextCondLst>
+            </p:seq>
+          </p:childTnLst>
+        </p:cTn>
       </p:par>
     </p:tnLst>
   </p:timing>
@@ -14371,103 +15260,17 @@
                   </a:schemeClr>
                 </a:solidFill>
               </a:rPr>
-              <a:t>« </a:t>
-            </a:r>
-            <a:r>
-              <a:rPr lang="fr-FR" dirty="0" err="1" smtClean="0">
+              <a:t>Redémarrage </a:t>
+            </a:r>
+            <a:r>
+              <a:rPr lang="fr-FR" dirty="0" smtClean="0">
                 <a:solidFill>
                   <a:schemeClr val="tx2">
                     <a:lumMod val="75000"/>
                   </a:schemeClr>
                 </a:solidFill>
               </a:rPr>
-              <a:t>res</a:t>
-            </a:r>
-            <a:r>
-              <a:rPr lang="fr-FR" dirty="0" smtClean="0">
-                <a:solidFill>
-                  <a:schemeClr val="tx2">
-                    <a:lumMod val="75000"/>
-                  </a:schemeClr>
-                </a:solidFill>
-              </a:rPr>
-              <a:t>/</a:t>
-            </a:r>
-            <a:r>
-              <a:rPr lang="fr-FR" dirty="0" err="1" smtClean="0">
-                <a:solidFill>
-                  <a:schemeClr val="tx2">
-                    <a:lumMod val="75000"/>
-                  </a:schemeClr>
-                </a:solidFill>
-              </a:rPr>
-              <a:t>layout</a:t>
-            </a:r>
-            <a:r>
-              <a:rPr lang="fr-FR" dirty="0" smtClean="0">
-                <a:solidFill>
-                  <a:schemeClr val="tx2">
-                    <a:lumMod val="75000"/>
-                  </a:schemeClr>
-                </a:solidFill>
-              </a:rPr>
-              <a:t>-land » et « </a:t>
-            </a:r>
-            <a:r>
-              <a:rPr lang="fr-FR" dirty="0" err="1" smtClean="0">
-                <a:solidFill>
-                  <a:schemeClr val="tx2">
-                    <a:lumMod val="75000"/>
-                  </a:schemeClr>
-                </a:solidFill>
-              </a:rPr>
-              <a:t>res</a:t>
-            </a:r>
-            <a:r>
-              <a:rPr lang="fr-FR" dirty="0" smtClean="0">
-                <a:solidFill>
-                  <a:schemeClr val="tx2">
-                    <a:lumMod val="75000"/>
-                  </a:schemeClr>
-                </a:solidFill>
-              </a:rPr>
-              <a:t>/</a:t>
-            </a:r>
-            <a:r>
-              <a:rPr lang="fr-FR" dirty="0" err="1" smtClean="0">
-                <a:solidFill>
-                  <a:schemeClr val="tx2">
-                    <a:lumMod val="75000"/>
-                  </a:schemeClr>
-                </a:solidFill>
-              </a:rPr>
-              <a:t>layout</a:t>
-            </a:r>
-            <a:r>
-              <a:rPr lang="fr-FR" dirty="0" smtClean="0">
-                <a:solidFill>
-                  <a:schemeClr val="tx2">
-                    <a:lumMod val="75000"/>
-                  </a:schemeClr>
-                </a:solidFill>
-              </a:rPr>
-              <a:t>-port »</a:t>
-            </a:r>
-          </a:p>
-          <a:p>
-            <a:pPr lvl="1">
-              <a:buFont typeface="Arial" pitchFamily="34" charset="0"/>
-              <a:buChar char="•"/>
-            </a:pPr>
-            <a:r>
-              <a:rPr lang="fr-FR" dirty="0" smtClean="0">
-                <a:solidFill>
-                  <a:schemeClr val="tx2">
-                    <a:lumMod val="75000"/>
-                  </a:schemeClr>
-                </a:solidFill>
-              </a:rPr>
-              <a:t>Redémarrage de l’activité en cours</a:t>
+              <a:t>de l’activité en cours</a:t>
             </a:r>
           </a:p>
           <a:p>
@@ -14710,6 +15513,54 @@
           </a:p>
         </p:txBody>
       </p:sp>
+      <p:pic>
+        <p:nvPicPr>
+          <p:cNvPr id="7" name="Image 6" descr="p1.PNG"/>
+          <p:cNvPicPr>
+            <a:picLocks noChangeAspect="1"/>
+          </p:cNvPicPr>
+          <p:nvPr/>
+        </p:nvPicPr>
+        <p:blipFill>
+          <a:blip r:embed="rId2" cstate="print"/>
+          <a:stretch>
+            <a:fillRect/>
+          </a:stretch>
+        </p:blipFill>
+        <p:spPr>
+          <a:xfrm>
+            <a:off x="3663671" y="2060848"/>
+            <a:ext cx="2852545" cy="4248471"/>
+          </a:xfrm>
+          <a:prstGeom prst="rect">
+            <a:avLst/>
+          </a:prstGeom>
+        </p:spPr>
+      </p:pic>
+      <p:pic>
+        <p:nvPicPr>
+          <p:cNvPr id="8" name="Image 7" descr="l1.PNG"/>
+          <p:cNvPicPr>
+            <a:picLocks noChangeAspect="1"/>
+          </p:cNvPicPr>
+          <p:nvPr/>
+        </p:nvPicPr>
+        <p:blipFill>
+          <a:blip r:embed="rId3" cstate="print"/>
+          <a:stretch>
+            <a:fillRect/>
+          </a:stretch>
+        </p:blipFill>
+        <p:spPr>
+          <a:xfrm>
+            <a:off x="2987824" y="2708920"/>
+            <a:ext cx="4248472" cy="2808312"/>
+          </a:xfrm>
+          <a:prstGeom prst="rect">
+            <a:avLst/>
+          </a:prstGeom>
+        </p:spPr>
+      </p:pic>
     </p:spTree>
   </p:cSld>
   <p:clrMapOvr>
@@ -14721,7 +15572,650 @@
   <p:timing>
     <p:tnLst>
       <p:par>
-        <p:cTn id="1" dur="indefinite" restart="never" nodeType="tmRoot"/>
+        <p:cTn id="1" dur="indefinite" restart="never" nodeType="tmRoot">
+          <p:childTnLst>
+            <p:seq concurrent="1" nextAc="seek">
+              <p:cTn id="2" dur="indefinite" nodeType="mainSeq">
+                <p:childTnLst>
+                  <p:par>
+                    <p:cTn id="3" fill="hold">
+                      <p:stCondLst>
+                        <p:cond delay="indefinite"/>
+                        <p:cond evt="onBegin" delay="0">
+                          <p:tn val="2"/>
+                        </p:cond>
+                      </p:stCondLst>
+                      <p:childTnLst>
+                        <p:par>
+                          <p:cTn id="4" fill="hold">
+                            <p:stCondLst>
+                              <p:cond delay="0"/>
+                            </p:stCondLst>
+                            <p:childTnLst>
+                              <p:par>
+                                <p:cTn id="5" presetID="8" presetClass="emph" presetSubtype="0" accel="50000" fill="hold" nodeType="afterEffect">
+                                  <p:stCondLst>
+                                    <p:cond delay="2000"/>
+                                  </p:stCondLst>
+                                  <p:childTnLst>
+                                    <p:animRot by="5400000">
+                                      <p:cBhvr>
+                                        <p:cTn id="6" dur="1000" fill="hold"/>
+                                        <p:tgtEl>
+                                          <p:spTgt spid="7"/>
+                                        </p:tgtEl>
+                                        <p:attrNameLst>
+                                          <p:attrName>r</p:attrName>
+                                        </p:attrNameLst>
+                                      </p:cBhvr>
+                                    </p:animRot>
+                                  </p:childTnLst>
+                                </p:cTn>
+                              </p:par>
+                              <p:par>
+                                <p:cTn id="7" presetID="10" presetClass="exit" presetSubtype="0" fill="hold" nodeType="withEffect">
+                                  <p:stCondLst>
+                                    <p:cond delay="2000"/>
+                                  </p:stCondLst>
+                                  <p:childTnLst>
+                                    <p:animEffect transition="out" filter="fade">
+                                      <p:cBhvr>
+                                        <p:cTn id="8" dur="2000"/>
+                                        <p:tgtEl>
+                                          <p:spTgt spid="7"/>
+                                        </p:tgtEl>
+                                      </p:cBhvr>
+                                    </p:animEffect>
+                                    <p:set>
+                                      <p:cBhvr>
+                                        <p:cTn id="9" dur="1" fill="hold">
+                                          <p:stCondLst>
+                                            <p:cond delay="1999"/>
+                                          </p:stCondLst>
+                                        </p:cTn>
+                                        <p:tgtEl>
+                                          <p:spTgt spid="7"/>
+                                        </p:tgtEl>
+                                        <p:attrNameLst>
+                                          <p:attrName>style.visibility</p:attrName>
+                                        </p:attrNameLst>
+                                      </p:cBhvr>
+                                      <p:to>
+                                        <p:strVal val="hidden"/>
+                                      </p:to>
+                                    </p:set>
+                                  </p:childTnLst>
+                                </p:cTn>
+                              </p:par>
+                              <p:par>
+                                <p:cTn id="10" presetID="10" presetClass="entr" presetSubtype="0" fill="hold" nodeType="withEffect">
+                                  <p:stCondLst>
+                                    <p:cond delay="2000"/>
+                                  </p:stCondLst>
+                                  <p:childTnLst>
+                                    <p:set>
+                                      <p:cBhvr>
+                                        <p:cTn id="11" dur="1" fill="hold">
+                                          <p:stCondLst>
+                                            <p:cond delay="0"/>
+                                          </p:stCondLst>
+                                        </p:cTn>
+                                        <p:tgtEl>
+                                          <p:spTgt spid="8"/>
+                                        </p:tgtEl>
+                                        <p:attrNameLst>
+                                          <p:attrName>style.visibility</p:attrName>
+                                        </p:attrNameLst>
+                                      </p:cBhvr>
+                                      <p:to>
+                                        <p:strVal val="visible"/>
+                                      </p:to>
+                                    </p:set>
+                                    <p:animEffect transition="in" filter="fade">
+                                      <p:cBhvr>
+                                        <p:cTn id="12" dur="2000"/>
+                                        <p:tgtEl>
+                                          <p:spTgt spid="8"/>
+                                        </p:tgtEl>
+                                      </p:cBhvr>
+                                    </p:animEffect>
+                                  </p:childTnLst>
+                                </p:cTn>
+                              </p:par>
+                            </p:childTnLst>
+                          </p:cTn>
+                        </p:par>
+                        <p:par>
+                          <p:cTn id="13" fill="hold">
+                            <p:stCondLst>
+                              <p:cond delay="4000"/>
+                            </p:stCondLst>
+                            <p:childTnLst>
+                              <p:par>
+                                <p:cTn id="14" presetID="0" presetClass="path" presetSubtype="0" accel="50000" decel="50000" fill="hold" nodeType="afterEffect">
+                                  <p:stCondLst>
+                                    <p:cond delay="2000"/>
+                                  </p:stCondLst>
+                                  <p:childTnLst>
+                                    <p:animMotion origin="layout" path="M -3.05556E-6 -3.7037E-6 L 0.21267 -3.7037E-6 " pathEditMode="relative" ptsTypes="AA">
+                                      <p:cBhvr>
+                                        <p:cTn id="15" dur="2000" fill="hold"/>
+                                        <p:tgtEl>
+                                          <p:spTgt spid="8"/>
+                                        </p:tgtEl>
+                                        <p:attrNameLst>
+                                          <p:attrName>ppt_x</p:attrName>
+                                          <p:attrName>ppt_y</p:attrName>
+                                        </p:attrNameLst>
+                                      </p:cBhvr>
+                                    </p:animMotion>
+                                  </p:childTnLst>
+                                </p:cTn>
+                              </p:par>
+                              <p:par>
+                                <p:cTn id="16" presetID="8" presetClass="emph" presetSubtype="0" fill="hold" nodeType="withEffect">
+                                  <p:stCondLst>
+                                    <p:cond delay="2000"/>
+                                  </p:stCondLst>
+                                  <p:childTnLst>
+                                    <p:animRot by="-5400000">
+                                      <p:cBhvr>
+                                        <p:cTn id="17" dur="2000" fill="hold"/>
+                                        <p:tgtEl>
+                                          <p:spTgt spid="7"/>
+                                        </p:tgtEl>
+                                        <p:attrNameLst>
+                                          <p:attrName>r</p:attrName>
+                                        </p:attrNameLst>
+                                      </p:cBhvr>
+                                    </p:animRot>
+                                  </p:childTnLst>
+                                </p:cTn>
+                              </p:par>
+                              <p:par>
+                                <p:cTn id="18" presetID="10" presetClass="entr" presetSubtype="0" fill="hold" nodeType="withEffect">
+                                  <p:stCondLst>
+                                    <p:cond delay="2000"/>
+                                  </p:stCondLst>
+                                  <p:childTnLst>
+                                    <p:set>
+                                      <p:cBhvr>
+                                        <p:cTn id="19" dur="1" fill="hold">
+                                          <p:stCondLst>
+                                            <p:cond delay="0"/>
+                                          </p:stCondLst>
+                                        </p:cTn>
+                                        <p:tgtEl>
+                                          <p:spTgt spid="7"/>
+                                        </p:tgtEl>
+                                        <p:attrNameLst>
+                                          <p:attrName>style.visibility</p:attrName>
+                                        </p:attrNameLst>
+                                      </p:cBhvr>
+                                      <p:to>
+                                        <p:strVal val="visible"/>
+                                      </p:to>
+                                    </p:set>
+                                    <p:animEffect transition="in" filter="fade">
+                                      <p:cBhvr>
+                                        <p:cTn id="20" dur="2000"/>
+                                        <p:tgtEl>
+                                          <p:spTgt spid="7"/>
+                                        </p:tgtEl>
+                                      </p:cBhvr>
+                                    </p:animEffect>
+                                  </p:childTnLst>
+                                </p:cTn>
+                              </p:par>
+                              <p:par>
+                                <p:cTn id="21" presetID="0" presetClass="path" presetSubtype="0" accel="50000" decel="50000" fill="hold" nodeType="withEffect">
+                                  <p:stCondLst>
+                                    <p:cond delay="2000"/>
+                                  </p:stCondLst>
+                                  <p:childTnLst>
+                                    <p:animMotion origin="layout" path="M -3.61111E-6 -1.48148E-6 L -0.19687 -1.48148E-6 " pathEditMode="relative" ptsTypes="AA">
+                                      <p:cBhvr>
+                                        <p:cTn id="22" dur="2000" fill="hold"/>
+                                        <p:tgtEl>
+                                          <p:spTgt spid="7"/>
+                                        </p:tgtEl>
+                                        <p:attrNameLst>
+                                          <p:attrName>ppt_x</p:attrName>
+                                          <p:attrName>ppt_y</p:attrName>
+                                        </p:attrNameLst>
+                                      </p:cBhvr>
+                                    </p:animMotion>
+                                  </p:childTnLst>
+                                </p:cTn>
+                              </p:par>
+                            </p:childTnLst>
+                          </p:cTn>
+                        </p:par>
+                      </p:childTnLst>
+                    </p:cTn>
+                  </p:par>
+                  <p:par>
+                    <p:cTn id="23" fill="hold">
+                      <p:stCondLst>
+                        <p:cond delay="indefinite"/>
+                      </p:stCondLst>
+                      <p:childTnLst>
+                        <p:par>
+                          <p:cTn id="24" fill="hold">
+                            <p:stCondLst>
+                              <p:cond delay="0"/>
+                            </p:stCondLst>
+                            <p:childTnLst>
+                              <p:par>
+                                <p:cTn id="25" presetID="10" presetClass="entr" presetSubtype="0" fill="hold" nodeType="clickEffect">
+                                  <p:stCondLst>
+                                    <p:cond delay="0"/>
+                                  </p:stCondLst>
+                                  <p:childTnLst>
+                                    <p:set>
+                                      <p:cBhvr>
+                                        <p:cTn id="26" dur="1" fill="hold">
+                                          <p:stCondLst>
+                                            <p:cond delay="0"/>
+                                          </p:stCondLst>
+                                        </p:cTn>
+                                        <p:tgtEl>
+                                          <p:spTgt spid="5">
+                                            <p:txEl>
+                                              <p:pRg st="2" end="2"/>
+                                            </p:txEl>
+                                          </p:spTgt>
+                                        </p:tgtEl>
+                                        <p:attrNameLst>
+                                          <p:attrName>style.visibility</p:attrName>
+                                        </p:attrNameLst>
+                                      </p:cBhvr>
+                                      <p:to>
+                                        <p:strVal val="visible"/>
+                                      </p:to>
+                                    </p:set>
+                                    <p:animEffect transition="in" filter="fade">
+                                      <p:cBhvr>
+                                        <p:cTn id="27" dur="2000"/>
+                                        <p:tgtEl>
+                                          <p:spTgt spid="5">
+                                            <p:txEl>
+                                              <p:pRg st="2" end="2"/>
+                                            </p:txEl>
+                                          </p:spTgt>
+                                        </p:tgtEl>
+                                      </p:cBhvr>
+                                    </p:animEffect>
+                                  </p:childTnLst>
+                                </p:cTn>
+                              </p:par>
+                              <p:par>
+                                <p:cTn id="28" presetID="10" presetClass="entr" presetSubtype="0" fill="hold" nodeType="withEffect">
+                                  <p:stCondLst>
+                                    <p:cond delay="0"/>
+                                  </p:stCondLst>
+                                  <p:childTnLst>
+                                    <p:set>
+                                      <p:cBhvr>
+                                        <p:cTn id="29" dur="1" fill="hold">
+                                          <p:stCondLst>
+                                            <p:cond delay="0"/>
+                                          </p:stCondLst>
+                                        </p:cTn>
+                                        <p:tgtEl>
+                                          <p:spTgt spid="5">
+                                            <p:txEl>
+                                              <p:pRg st="3" end="3"/>
+                                            </p:txEl>
+                                          </p:spTgt>
+                                        </p:tgtEl>
+                                        <p:attrNameLst>
+                                          <p:attrName>style.visibility</p:attrName>
+                                        </p:attrNameLst>
+                                      </p:cBhvr>
+                                      <p:to>
+                                        <p:strVal val="visible"/>
+                                      </p:to>
+                                    </p:set>
+                                    <p:animEffect transition="in" filter="fade">
+                                      <p:cBhvr>
+                                        <p:cTn id="30" dur="2000"/>
+                                        <p:tgtEl>
+                                          <p:spTgt spid="5">
+                                            <p:txEl>
+                                              <p:pRg st="3" end="3"/>
+                                            </p:txEl>
+                                          </p:spTgt>
+                                        </p:tgtEl>
+                                      </p:cBhvr>
+                                    </p:animEffect>
+                                  </p:childTnLst>
+                                </p:cTn>
+                              </p:par>
+                              <p:par>
+                                <p:cTn id="31" presetID="10" presetClass="entr" presetSubtype="0" fill="hold" nodeType="withEffect">
+                                  <p:stCondLst>
+                                    <p:cond delay="0"/>
+                                  </p:stCondLst>
+                                  <p:childTnLst>
+                                    <p:set>
+                                      <p:cBhvr>
+                                        <p:cTn id="32" dur="1" fill="hold">
+                                          <p:stCondLst>
+                                            <p:cond delay="0"/>
+                                          </p:stCondLst>
+                                        </p:cTn>
+                                        <p:tgtEl>
+                                          <p:spTgt spid="5">
+                                            <p:txEl>
+                                              <p:pRg st="4" end="4"/>
+                                            </p:txEl>
+                                          </p:spTgt>
+                                        </p:tgtEl>
+                                        <p:attrNameLst>
+                                          <p:attrName>style.visibility</p:attrName>
+                                        </p:attrNameLst>
+                                      </p:cBhvr>
+                                      <p:to>
+                                        <p:strVal val="visible"/>
+                                      </p:to>
+                                    </p:set>
+                                    <p:animEffect transition="in" filter="fade">
+                                      <p:cBhvr>
+                                        <p:cTn id="33" dur="2000"/>
+                                        <p:tgtEl>
+                                          <p:spTgt spid="5">
+                                            <p:txEl>
+                                              <p:pRg st="4" end="4"/>
+                                            </p:txEl>
+                                          </p:spTgt>
+                                        </p:tgtEl>
+                                      </p:cBhvr>
+                                    </p:animEffect>
+                                  </p:childTnLst>
+                                </p:cTn>
+                              </p:par>
+                              <p:par>
+                                <p:cTn id="34" presetID="10" presetClass="entr" presetSubtype="0" fill="hold" nodeType="withEffect">
+                                  <p:stCondLst>
+                                    <p:cond delay="0"/>
+                                  </p:stCondLst>
+                                  <p:childTnLst>
+                                    <p:set>
+                                      <p:cBhvr>
+                                        <p:cTn id="35" dur="1" fill="hold">
+                                          <p:stCondLst>
+                                            <p:cond delay="0"/>
+                                          </p:stCondLst>
+                                        </p:cTn>
+                                        <p:tgtEl>
+                                          <p:spTgt spid="5">
+                                            <p:txEl>
+                                              <p:pRg st="5" end="5"/>
+                                            </p:txEl>
+                                          </p:spTgt>
+                                        </p:tgtEl>
+                                        <p:attrNameLst>
+                                          <p:attrName>style.visibility</p:attrName>
+                                        </p:attrNameLst>
+                                      </p:cBhvr>
+                                      <p:to>
+                                        <p:strVal val="visible"/>
+                                      </p:to>
+                                    </p:set>
+                                    <p:animEffect transition="in" filter="fade">
+                                      <p:cBhvr>
+                                        <p:cTn id="36" dur="2000"/>
+                                        <p:tgtEl>
+                                          <p:spTgt spid="5">
+                                            <p:txEl>
+                                              <p:pRg st="5" end="5"/>
+                                            </p:txEl>
+                                          </p:spTgt>
+                                        </p:tgtEl>
+                                      </p:cBhvr>
+                                    </p:animEffect>
+                                  </p:childTnLst>
+                                </p:cTn>
+                              </p:par>
+                              <p:par>
+                                <p:cTn id="37" presetID="10" presetClass="exit" presetSubtype="0" fill="hold" nodeType="withEffect">
+                                  <p:stCondLst>
+                                    <p:cond delay="0"/>
+                                  </p:stCondLst>
+                                  <p:childTnLst>
+                                    <p:animEffect transition="out" filter="fade">
+                                      <p:cBhvr>
+                                        <p:cTn id="38" dur="2000"/>
+                                        <p:tgtEl>
+                                          <p:spTgt spid="5">
+                                            <p:txEl>
+                                              <p:pRg st="1" end="1"/>
+                                            </p:txEl>
+                                          </p:spTgt>
+                                        </p:tgtEl>
+                                      </p:cBhvr>
+                                    </p:animEffect>
+                                    <p:set>
+                                      <p:cBhvr>
+                                        <p:cTn id="39" dur="1" fill="hold">
+                                          <p:stCondLst>
+                                            <p:cond delay="1999"/>
+                                          </p:stCondLst>
+                                        </p:cTn>
+                                        <p:tgtEl>
+                                          <p:spTgt spid="5">
+                                            <p:txEl>
+                                              <p:pRg st="1" end="1"/>
+                                            </p:txEl>
+                                          </p:spTgt>
+                                        </p:tgtEl>
+                                        <p:attrNameLst>
+                                          <p:attrName>style.visibility</p:attrName>
+                                        </p:attrNameLst>
+                                      </p:cBhvr>
+                                      <p:to>
+                                        <p:strVal val="hidden"/>
+                                      </p:to>
+                                    </p:set>
+                                  </p:childTnLst>
+                                </p:cTn>
+                              </p:par>
+                              <p:par>
+                                <p:cTn id="40" presetID="0" presetClass="path" presetSubtype="0" accel="50000" decel="50000" fill="hold" nodeType="withEffect">
+                                  <p:stCondLst>
+                                    <p:cond delay="0"/>
+                                  </p:stCondLst>
+                                  <p:childTnLst>
+                                    <p:animMotion origin="layout" path="M 0 0 L 0 -0.08402 " pathEditMode="relative" ptsTypes="AA">
+                                      <p:cBhvr>
+                                        <p:cTn id="41" dur="2000" fill="hold"/>
+                                        <p:tgtEl>
+                                          <p:spTgt spid="5">
+                                            <p:txEl>
+                                              <p:pRg st="2" end="2"/>
+                                            </p:txEl>
+                                          </p:spTgt>
+                                        </p:tgtEl>
+                                        <p:attrNameLst>
+                                          <p:attrName>ppt_x</p:attrName>
+                                          <p:attrName>ppt_y</p:attrName>
+                                        </p:attrNameLst>
+                                      </p:cBhvr>
+                                    </p:animMotion>
+                                  </p:childTnLst>
+                                </p:cTn>
+                              </p:par>
+                              <p:par>
+                                <p:cTn id="42" presetID="0" presetClass="path" presetSubtype="0" accel="50000" decel="50000" fill="hold" nodeType="withEffect">
+                                  <p:stCondLst>
+                                    <p:cond delay="0"/>
+                                  </p:stCondLst>
+                                  <p:childTnLst>
+                                    <p:animMotion origin="layout" path="M 0 0 L 0 -0.08402 " pathEditMode="relative" ptsTypes="AA">
+                                      <p:cBhvr>
+                                        <p:cTn id="43" dur="2000" fill="hold"/>
+                                        <p:tgtEl>
+                                          <p:spTgt spid="5">
+                                            <p:txEl>
+                                              <p:pRg st="3" end="3"/>
+                                            </p:txEl>
+                                          </p:spTgt>
+                                        </p:tgtEl>
+                                        <p:attrNameLst>
+                                          <p:attrName>ppt_x</p:attrName>
+                                          <p:attrName>ppt_y</p:attrName>
+                                        </p:attrNameLst>
+                                      </p:cBhvr>
+                                    </p:animMotion>
+                                  </p:childTnLst>
+                                </p:cTn>
+                              </p:par>
+                              <p:par>
+                                <p:cTn id="44" presetID="0" presetClass="path" presetSubtype="0" accel="50000" decel="50000" fill="hold" nodeType="withEffect">
+                                  <p:stCondLst>
+                                    <p:cond delay="0"/>
+                                  </p:stCondLst>
+                                  <p:childTnLst>
+                                    <p:animMotion origin="layout" path="M 0 0 L 0 -0.08402 " pathEditMode="relative" ptsTypes="AA">
+                                      <p:cBhvr>
+                                        <p:cTn id="45" dur="2000" fill="hold"/>
+                                        <p:tgtEl>
+                                          <p:spTgt spid="5">
+                                            <p:txEl>
+                                              <p:pRg st="4" end="4"/>
+                                            </p:txEl>
+                                          </p:spTgt>
+                                        </p:tgtEl>
+                                        <p:attrNameLst>
+                                          <p:attrName>ppt_x</p:attrName>
+                                          <p:attrName>ppt_y</p:attrName>
+                                        </p:attrNameLst>
+                                      </p:cBhvr>
+                                    </p:animMotion>
+                                  </p:childTnLst>
+                                </p:cTn>
+                              </p:par>
+                              <p:par>
+                                <p:cTn id="46" presetID="0" presetClass="path" presetSubtype="0" accel="50000" decel="50000" fill="hold" nodeType="withEffect">
+                                  <p:stCondLst>
+                                    <p:cond delay="0"/>
+                                  </p:stCondLst>
+                                  <p:childTnLst>
+                                    <p:animMotion origin="layout" path="M 0 0 L 0 -0.08402 " pathEditMode="relative" ptsTypes="AA">
+                                      <p:cBhvr>
+                                        <p:cTn id="47" dur="2000" fill="hold"/>
+                                        <p:tgtEl>
+                                          <p:spTgt spid="5">
+                                            <p:txEl>
+                                              <p:pRg st="5" end="5"/>
+                                            </p:txEl>
+                                          </p:spTgt>
+                                        </p:tgtEl>
+                                        <p:attrNameLst>
+                                          <p:attrName>ppt_x</p:attrName>
+                                          <p:attrName>ppt_y</p:attrName>
+                                        </p:attrNameLst>
+                                      </p:cBhvr>
+                                    </p:animMotion>
+                                  </p:childTnLst>
+                                </p:cTn>
+                              </p:par>
+                              <p:par>
+                                <p:cTn id="48" presetID="10" presetClass="exit" presetSubtype="0" fill="hold" nodeType="withEffect">
+                                  <p:stCondLst>
+                                    <p:cond delay="0"/>
+                                  </p:stCondLst>
+                                  <p:childTnLst>
+                                    <p:animEffect transition="out" filter="fade">
+                                      <p:cBhvr>
+                                        <p:cTn id="49" dur="2000"/>
+                                        <p:tgtEl>
+                                          <p:spTgt spid="8"/>
+                                        </p:tgtEl>
+                                      </p:cBhvr>
+                                    </p:animEffect>
+                                    <p:set>
+                                      <p:cBhvr>
+                                        <p:cTn id="50" dur="1" fill="hold">
+                                          <p:stCondLst>
+                                            <p:cond delay="1999"/>
+                                          </p:stCondLst>
+                                        </p:cTn>
+                                        <p:tgtEl>
+                                          <p:spTgt spid="8"/>
+                                        </p:tgtEl>
+                                        <p:attrNameLst>
+                                          <p:attrName>style.visibility</p:attrName>
+                                        </p:attrNameLst>
+                                      </p:cBhvr>
+                                      <p:to>
+                                        <p:strVal val="hidden"/>
+                                      </p:to>
+                                    </p:set>
+                                  </p:childTnLst>
+                                </p:cTn>
+                              </p:par>
+                              <p:par>
+                                <p:cTn id="51" presetID="10" presetClass="exit" presetSubtype="0" fill="hold" nodeType="withEffect">
+                                  <p:stCondLst>
+                                    <p:cond delay="0"/>
+                                  </p:stCondLst>
+                                  <p:childTnLst>
+                                    <p:animEffect transition="out" filter="fade">
+                                      <p:cBhvr>
+                                        <p:cTn id="52" dur="2000"/>
+                                        <p:tgtEl>
+                                          <p:spTgt spid="7"/>
+                                        </p:tgtEl>
+                                      </p:cBhvr>
+                                    </p:animEffect>
+                                    <p:set>
+                                      <p:cBhvr>
+                                        <p:cTn id="53" dur="1" fill="hold">
+                                          <p:stCondLst>
+                                            <p:cond delay="1999"/>
+                                          </p:stCondLst>
+                                        </p:cTn>
+                                        <p:tgtEl>
+                                          <p:spTgt spid="7"/>
+                                        </p:tgtEl>
+                                        <p:attrNameLst>
+                                          <p:attrName>style.visibility</p:attrName>
+                                        </p:attrNameLst>
+                                      </p:cBhvr>
+                                      <p:to>
+                                        <p:strVal val="hidden"/>
+                                      </p:to>
+                                    </p:set>
+                                  </p:childTnLst>
+                                </p:cTn>
+                              </p:par>
+                            </p:childTnLst>
+                          </p:cTn>
+                        </p:par>
+                      </p:childTnLst>
+                    </p:cTn>
+                  </p:par>
+                </p:childTnLst>
+              </p:cTn>
+              <p:prevCondLst>
+                <p:cond evt="onPrev" delay="0">
+                  <p:tgtEl>
+                    <p:sldTgt/>
+                  </p:tgtEl>
+                </p:cond>
+              </p:prevCondLst>
+              <p:nextCondLst>
+                <p:cond evt="onNext" delay="0">
+                  <p:tgtEl>
+                    <p:sldTgt/>
+                  </p:tgtEl>
+                </p:cond>
+              </p:nextCondLst>
+            </p:seq>
+          </p:childTnLst>
+        </p:cTn>
       </p:par>
     </p:tnLst>
   </p:timing>
@@ -14747,7 +16241,7 @@
       </p:grpSpPr>
       <p:sp>
         <p:nvSpPr>
-          <p:cNvPr id="2" name="Titre 1"/>
+          <p:cNvPr id="6" name="Titre 5"/>
           <p:cNvSpPr>
             <a:spLocks noGrp="1"/>
           </p:cNvSpPr>
@@ -14768,7 +16262,7 @@
                   </a:schemeClr>
                 </a:solidFill>
               </a:rPr>
-              <a:t>Interface graphique</a:t>
+              <a:t>Fonctionnalités</a:t>
             </a:r>
             <a:endParaRPr lang="fr-FR" dirty="0">
               <a:solidFill>
@@ -14782,7 +16276,7 @@
       </p:sp>
       <p:sp>
         <p:nvSpPr>
-          <p:cNvPr id="3" name="Espace réservé du pied de page 2"/>
+          <p:cNvPr id="4" name="Espace réservé du pied de page 3"/>
           <p:cNvSpPr>
             <a:spLocks noGrp="1"/>
           </p:cNvSpPr>
@@ -14811,7 +16305,7 @@
       </p:sp>
       <p:sp>
         <p:nvSpPr>
-          <p:cNvPr id="4" name="Espace réservé du numéro de diapositive 3"/>
+          <p:cNvPr id="5" name="Espace réservé du numéro de diapositive 4"/>
           <p:cNvSpPr>
             <a:spLocks noGrp="1"/>
           </p:cNvSpPr>
@@ -14839,7 +16333,7 @@
       </p:sp>
       <p:sp>
         <p:nvSpPr>
-          <p:cNvPr id="5" name="Espace réservé du contenu 4"/>
+          <p:cNvPr id="7" name="Espace réservé du contenu 6"/>
           <p:cNvSpPr>
             <a:spLocks noGrp="1"/>
           </p:cNvSpPr>
@@ -14849,7 +16343,9 @@
         </p:nvSpPr>
         <p:spPr/>
         <p:txBody>
-          <a:bodyPr/>
+          <a:bodyPr>
+            <a:normAutofit fontScale="92500" lnSpcReduction="10000"/>
+          </a:bodyPr>
           <a:lstStyle/>
           <a:p>
             <a:pPr>
@@ -14864,14 +16360,154 @@
                   </a:schemeClr>
                 </a:solidFill>
               </a:rPr>
-              <a:t> Les écrans</a:t>
-            </a:r>
+              <a:t>Le tri des fichiers audio</a:t>
+            </a:r>
+          </a:p>
+          <a:p>
+            <a:pPr lvl="1">
+              <a:buFont typeface="Arial" pitchFamily="34" charset="0"/>
+              <a:buChar char="•"/>
+            </a:pPr>
+            <a:r>
+              <a:rPr lang="fr-FR" dirty="0" smtClean="0">
+                <a:solidFill>
+                  <a:schemeClr val="tx2">
+                    <a:lumMod val="75000"/>
+                  </a:schemeClr>
+                </a:solidFill>
+              </a:rPr>
+              <a:t>Plusieurs options</a:t>
+            </a:r>
+          </a:p>
+          <a:p>
+            <a:pPr lvl="1">
+              <a:buFont typeface="Arial" pitchFamily="34" charset="0"/>
+              <a:buChar char="•"/>
+            </a:pPr>
+            <a:endParaRPr lang="fr-FR" dirty="0" smtClean="0"/>
+          </a:p>
+          <a:p>
+            <a:pPr lvl="1">
+              <a:buFont typeface="Arial" pitchFamily="34" charset="0"/>
+              <a:buChar char="•"/>
+            </a:pPr>
+            <a:endParaRPr lang="fr-FR" dirty="0" smtClean="0">
+              <a:solidFill>
+                <a:schemeClr val="tx2">
+                  <a:lumMod val="75000"/>
+                </a:schemeClr>
+              </a:solidFill>
+            </a:endParaRPr>
+          </a:p>
+          <a:p>
+            <a:pPr lvl="1">
+              <a:buFont typeface="Arial" pitchFamily="34" charset="0"/>
+              <a:buChar char="•"/>
+            </a:pPr>
+            <a:endParaRPr lang="fr-FR" dirty="0" smtClean="0"/>
+          </a:p>
+          <a:p>
+            <a:pPr lvl="1">
+              <a:buFont typeface="Arial" pitchFamily="34" charset="0"/>
+              <a:buChar char="•"/>
+            </a:pPr>
+            <a:endParaRPr lang="fr-FR" dirty="0" smtClean="0">
+              <a:solidFill>
+                <a:schemeClr val="tx2">
+                  <a:lumMod val="75000"/>
+                </a:schemeClr>
+              </a:solidFill>
+            </a:endParaRPr>
+          </a:p>
+          <a:p>
+            <a:pPr lvl="1">
+              <a:buNone/>
+            </a:pPr>
+            <a:endParaRPr lang="fr-FR" dirty="0" smtClean="0">
+              <a:solidFill>
+                <a:schemeClr val="tx2">
+                  <a:lumMod val="75000"/>
+                </a:schemeClr>
+              </a:solidFill>
+            </a:endParaRPr>
+          </a:p>
+          <a:p>
+            <a:pPr lvl="1">
+              <a:buFont typeface="Arial" pitchFamily="34" charset="0"/>
+              <a:buChar char="•"/>
+            </a:pPr>
+            <a:endParaRPr lang="fr-FR" dirty="0" smtClean="0">
+              <a:solidFill>
+                <a:schemeClr val="tx2">
+                  <a:lumMod val="75000"/>
+                </a:schemeClr>
+              </a:solidFill>
+            </a:endParaRPr>
+          </a:p>
+          <a:p>
+            <a:pPr lvl="1">
+              <a:buFont typeface="Arial" pitchFamily="34" charset="0"/>
+              <a:buChar char="•"/>
+            </a:pPr>
+            <a:r>
+              <a:rPr lang="fr-FR" dirty="0" smtClean="0">
+                <a:solidFill>
+                  <a:schemeClr val="tx2">
+                    <a:lumMod val="75000"/>
+                  </a:schemeClr>
+                </a:solidFill>
+              </a:rPr>
+              <a:t>Utilisation des métadonnées (ID3 actuellement en version 2 : ID3v2)</a:t>
+            </a:r>
+          </a:p>
+          <a:p>
+            <a:pPr lvl="1">
+              <a:buFont typeface="Arial" pitchFamily="34" charset="0"/>
+              <a:buChar char="•"/>
+            </a:pPr>
+            <a:r>
+              <a:rPr lang="fr-FR" dirty="0" smtClean="0">
+                <a:solidFill>
+                  <a:schemeClr val="tx2">
+                    <a:lumMod val="75000"/>
+                  </a:schemeClr>
+                </a:solidFill>
+              </a:rPr>
+              <a:t>Gestion des données inconnues avec le mot clé « </a:t>
+            </a:r>
+            <a:r>
+              <a:rPr lang="fr-FR" dirty="0" err="1" smtClean="0">
+                <a:solidFill>
+                  <a:schemeClr val="tx2">
+                    <a:lumMod val="75000"/>
+                  </a:schemeClr>
+                </a:solidFill>
+              </a:rPr>
+              <a:t>Unknown</a:t>
+            </a:r>
+            <a:r>
+              <a:rPr lang="fr-FR" dirty="0" smtClean="0">
+                <a:solidFill>
+                  <a:schemeClr val="tx2">
+                    <a:lumMod val="75000"/>
+                  </a:schemeClr>
+                </a:solidFill>
+              </a:rPr>
+              <a:t> »</a:t>
+            </a:r>
+            <a:endParaRPr lang="fr-FR" dirty="0">
+              <a:solidFill>
+                <a:schemeClr val="tx2">
+                  <a:lumMod val="75000"/>
+                </a:schemeClr>
+              </a:solidFill>
+            </a:endParaRPr>
           </a:p>
         </p:txBody>
       </p:sp>
       <p:sp>
         <p:nvSpPr>
-          <p:cNvPr id="6" name="Espace réservé du contenu 5"/>
+          <p:cNvPr id="8" name="Espace réservé du contenu 7"/>
           <p:cNvSpPr>
             <a:spLocks noGrp="1"/>
           </p:cNvSpPr>
@@ -14956,8 +16592,7 @@
               <a:rPr lang="fr-FR" sz="1400" dirty="0" smtClean="0">
                 <a:solidFill>
                   <a:schemeClr val="tx2">
-                    <a:lumMod val="60000"/>
-                    <a:lumOff val="40000"/>
+                    <a:lumMod val="75000"/>
                   </a:schemeClr>
                 </a:solidFill>
                 <a:latin typeface="Cambria" pitchFamily="18" charset="0"/>
@@ -14988,7 +16623,8 @@
               <a:rPr lang="fr-FR" sz="1400" dirty="0" smtClean="0">
                 <a:solidFill>
                   <a:schemeClr val="tx2">
-                    <a:lumMod val="75000"/>
+                    <a:lumMod val="60000"/>
+                    <a:lumOff val="40000"/>
                   </a:schemeClr>
                 </a:solidFill>
                 <a:latin typeface="Cambria" pitchFamily="18" charset="0"/>
@@ -15028,7 +16664,7 @@
             </a:r>
           </a:p>
           <a:p>
-            <a:endParaRPr lang="fr-FR" sz="1400" dirty="0">
+            <a:endParaRPr lang="fr-FR" dirty="0">
               <a:solidFill>
                 <a:schemeClr val="tx2">
                   <a:lumMod val="75000"/>
@@ -15038,95 +16674,9 @@
           </a:p>
         </p:txBody>
       </p:sp>
-      <p:graphicFrame>
-        <p:nvGraphicFramePr>
-          <p:cNvPr id="9" name="Tableau 8"/>
-          <p:cNvGraphicFramePr>
-            <a:graphicFrameLocks noGrp="1"/>
-          </p:cNvGraphicFramePr>
-          <p:nvPr/>
-        </p:nvGraphicFramePr>
-        <p:xfrm>
-          <a:off x="1907704" y="1545992"/>
-          <a:ext cx="7056784" cy="370840"/>
-        </p:xfrm>
-        <a:graphic>
-          <a:graphicData uri="http://schemas.openxmlformats.org/drawingml/2006/table">
-            <a:tbl>
-              <a:tblPr firstRow="1" bandRow="1">
-                <a:tableStyleId>{2D5ABB26-0587-4C30-8999-92F81FD0307C}</a:tableStyleId>
-              </a:tblPr>
-              <a:tblGrid>
-                <a:gridCol w="3029462"/>
-                <a:gridCol w="4027322"/>
-              </a:tblGrid>
-              <a:tr h="370840">
-                <a:tc>
-                  <a:txBody>
-                    <a:bodyPr/>
-                    <a:lstStyle/>
-                    <a:p>
-                      <a:pPr algn="ctr"/>
-                      <a:r>
-                        <a:rPr lang="fr-FR" dirty="0" smtClean="0">
-                          <a:solidFill>
-                            <a:schemeClr val="tx2">
-                              <a:lumMod val="75000"/>
-                            </a:schemeClr>
-                          </a:solidFill>
-                          <a:latin typeface="Cambria" pitchFamily="18" charset="0"/>
-                        </a:rPr>
-                        <a:t>Portrait</a:t>
-                      </a:r>
-                      <a:endParaRPr lang="fr-FR" dirty="0">
-                        <a:solidFill>
-                          <a:schemeClr val="tx2">
-                            <a:lumMod val="75000"/>
-                          </a:schemeClr>
-                        </a:solidFill>
-                        <a:latin typeface="Cambria" pitchFamily="18" charset="0"/>
-                      </a:endParaRPr>
-                    </a:p>
-                  </a:txBody>
-                  <a:tcPr/>
-                </a:tc>
-                <a:tc>
-                  <a:txBody>
-                    <a:bodyPr/>
-                    <a:lstStyle/>
-                    <a:p>
-                      <a:pPr algn="ctr"/>
-                      <a:r>
-                        <a:rPr lang="fr-FR" dirty="0" smtClean="0">
-                          <a:solidFill>
-                            <a:schemeClr val="tx2">
-                              <a:lumMod val="75000"/>
-                            </a:schemeClr>
-                          </a:solidFill>
-                          <a:latin typeface="Cambria" pitchFamily="18" charset="0"/>
-                        </a:rPr>
-                        <a:t>Paysage</a:t>
-                      </a:r>
-                      <a:endParaRPr lang="fr-FR" dirty="0">
-                        <a:solidFill>
-                          <a:schemeClr val="tx2">
-                            <a:lumMod val="75000"/>
-                          </a:schemeClr>
-                        </a:solidFill>
-                        <a:latin typeface="Cambria" pitchFamily="18" charset="0"/>
-                      </a:endParaRPr>
-                    </a:p>
-                  </a:txBody>
-                  <a:tcPr/>
-                </a:tc>
-              </a:tr>
-            </a:tbl>
-          </a:graphicData>
-        </a:graphic>
-      </p:graphicFrame>
       <p:pic>
         <p:nvPicPr>
-          <p:cNvPr id="10" name="Image 9" descr="img_presentation.PNG"/>
+          <p:cNvPr id="17" name="Image 16" descr="listeLecture-anim.gif"/>
           <p:cNvPicPr>
             <a:picLocks noChangeAspect="1"/>
           </p:cNvPicPr>
@@ -15140,32 +16690,8 @@
         </p:blipFill>
         <p:spPr>
           <a:xfrm>
-            <a:off x="2123728" y="1922664"/>
-            <a:ext cx="2606040" cy="3828815"/>
-          </a:xfrm>
-          <a:prstGeom prst="rect">
-            <a:avLst/>
-          </a:prstGeom>
-        </p:spPr>
-      </p:pic>
-      <p:pic>
-        <p:nvPicPr>
-          <p:cNvPr id="11" name="Image 10" descr="layout_paysage_2.PNG"/>
-          <p:cNvPicPr>
-            <a:picLocks noChangeAspect="1"/>
-          </p:cNvPicPr>
-          <p:nvPr/>
-        </p:nvPicPr>
-        <p:blipFill>
-          <a:blip r:embed="rId3" cstate="print"/>
-          <a:stretch>
-            <a:fillRect/>
-          </a:stretch>
-        </p:blipFill>
-        <p:spPr>
-          <a:xfrm>
-            <a:off x="5018092" y="2571305"/>
-            <a:ext cx="3802380" cy="2585618"/>
+            <a:off x="3419872" y="1844824"/>
+            <a:ext cx="3708114" cy="2446015"/>
           </a:xfrm>
           <a:prstGeom prst="rect">
             <a:avLst/>

--- a/trunk/AAP/docs/Presentation.pptx
+++ b/trunk/AAP/docs/Presentation.pptx
@@ -211,7 +211,7 @@
             <a:fld id="{678F24D5-C480-446D-B22C-7F566331EF41}" type="datetimeFigureOut">
               <a:rPr lang="fr-FR" smtClean="0"/>
               <a:pPr/>
-              <a:t>05/06/2011</a:t>
+              <a:t>06/06/2011</a:t>
             </a:fld>
             <a:endParaRPr lang="fr-FR"/>
           </a:p>
@@ -373,7 +373,7 @@
             <a:fld id="{9F7A5740-AB0E-48E6-BCE9-09FA638B6FD3}" type="datetimeFigureOut">
               <a:rPr lang="fr-FR" smtClean="0"/>
               <a:pPr/>
-              <a:t>05/06/2011</a:t>
+              <a:t>06/06/2011</a:t>
             </a:fld>
             <a:endParaRPr lang="fr-FR"/>
           </a:p>
@@ -544,7 +544,7 @@
     </p:spTree>
     <p:extLst>
       <p:ext uri="{BB962C8B-B14F-4D97-AF65-F5344CB8AC3E}">
-        <p14:creationId xmlns="" xmlns:p14="http://schemas.microsoft.com/office/powerpoint/2010/main" val="2884352748"/>
+        <p14:creationId xmlns:p14="http://schemas.microsoft.com/office/powerpoint/2010/main" xmlns="" val="2884352748"/>
       </p:ext>
     </p:extLst>
   </p:cSld>
@@ -975,6 +975,133 @@
 </p:notes>
 </file>
 
+<file path=ppt/notesSlides/notesSlide3.xml><?xml version="1.0" encoding="utf-8"?>
+<p:notes xmlns:a="http://schemas.openxmlformats.org/drawingml/2006/main" xmlns:r="http://schemas.openxmlformats.org/officeDocument/2006/relationships" xmlns:p="http://schemas.openxmlformats.org/presentationml/2006/main">
+  <p:cSld>
+    <p:spTree>
+      <p:nvGrpSpPr>
+        <p:cNvPr id="1" name=""/>
+        <p:cNvGrpSpPr/>
+        <p:nvPr/>
+      </p:nvGrpSpPr>
+      <p:grpSpPr>
+        <a:xfrm>
+          <a:off x="0" y="0"/>
+          <a:ext cx="0" cy="0"/>
+          <a:chOff x="0" y="0"/>
+          <a:chExt cx="0" cy="0"/>
+        </a:xfrm>
+      </p:grpSpPr>
+      <p:sp>
+        <p:nvSpPr>
+          <p:cNvPr id="2" name="Espace réservé de l'image des diapositives 1"/>
+          <p:cNvSpPr>
+            <a:spLocks noGrp="1" noRot="1" noChangeAspect="1"/>
+          </p:cNvSpPr>
+          <p:nvPr>
+            <p:ph type="sldImg"/>
+          </p:nvPr>
+        </p:nvSpPr>
+        <p:spPr/>
+      </p:sp>
+      <p:sp>
+        <p:nvSpPr>
+          <p:cNvPr id="3" name="Espace réservé des commentaires 2"/>
+          <p:cNvSpPr>
+            <a:spLocks noGrp="1"/>
+          </p:cNvSpPr>
+          <p:nvPr>
+            <p:ph type="body" idx="1"/>
+          </p:nvPr>
+        </p:nvSpPr>
+        <p:spPr/>
+        <p:txBody>
+          <a:bodyPr>
+            <a:normAutofit/>
+          </a:bodyPr>
+          <a:lstStyle/>
+          <a:p>
+            <a:r>
+              <a:rPr lang="fr-FR" dirty="0" smtClean="0"/>
+              <a:t>Time stretching : recherche + prise de contact avec la</a:t>
+            </a:r>
+            <a:r>
+              <a:rPr lang="fr-FR" baseline="0" dirty="0" smtClean="0"/>
+              <a:t> seule personne ayant développé cette fonctionnalité sur téléphone </a:t>
+            </a:r>
+            <a:r>
+              <a:rPr lang="fr-FR" baseline="0" dirty="0" err="1" smtClean="0"/>
+              <a:t>Android</a:t>
+            </a:r>
+            <a:r>
+              <a:rPr lang="fr-FR" baseline="0" dirty="0" smtClean="0"/>
+              <a:t> à l’heure actuelle, mais il commercialise son produit donc les sources sont indisponibles (il ne veut pas nous les donner et le reverse </a:t>
+            </a:r>
+            <a:r>
+              <a:rPr lang="fr-FR" baseline="0" dirty="0" err="1" smtClean="0"/>
+              <a:t>engeneering</a:t>
+            </a:r>
+            <a:r>
+              <a:rPr lang="fr-FR" baseline="0" dirty="0" smtClean="0"/>
+              <a:t> n’a pas fonctionné car le code est obscurci.</a:t>
+            </a:r>
+          </a:p>
+          <a:p>
+            <a:r>
+              <a:rPr lang="fr-FR" baseline="0" dirty="0" smtClean="0"/>
+              <a:t>Tablature : des </a:t>
+            </a:r>
+            <a:r>
+              <a:rPr lang="fr-FR" baseline="0" smtClean="0"/>
+              <a:t>APIs existent, </a:t>
+            </a:r>
+            <a:r>
+              <a:rPr lang="fr-FR" baseline="0" dirty="0" smtClean="0"/>
+              <a:t>mais ne sont pas adaptées pour les téléphones </a:t>
+            </a:r>
+            <a:r>
+              <a:rPr lang="fr-FR" baseline="0" dirty="0" err="1" smtClean="0"/>
+              <a:t>Android</a:t>
+            </a:r>
+            <a:endParaRPr lang="fr-FR" baseline="0" dirty="0" smtClean="0"/>
+          </a:p>
+          <a:p>
+            <a:endParaRPr lang="fr-FR" dirty="0"/>
+          </a:p>
+        </p:txBody>
+      </p:sp>
+      <p:sp>
+        <p:nvSpPr>
+          <p:cNvPr id="4" name="Espace réservé du numéro de diapositive 3"/>
+          <p:cNvSpPr>
+            <a:spLocks noGrp="1"/>
+          </p:cNvSpPr>
+          <p:nvPr>
+            <p:ph type="sldNum" sz="quarter" idx="10"/>
+          </p:nvPr>
+        </p:nvSpPr>
+        <p:spPr/>
+        <p:txBody>
+          <a:bodyPr/>
+          <a:lstStyle/>
+          <a:p>
+            <a:fld id="{B533835C-9221-4AF6-8BB4-343DB2540EFC}" type="slidenum">
+              <a:rPr lang="fr-FR" smtClean="0"/>
+              <a:pPr/>
+              <a:t>15</a:t>
+            </a:fld>
+            <a:endParaRPr lang="fr-FR"/>
+          </a:p>
+        </p:txBody>
+      </p:sp>
+    </p:spTree>
+  </p:cSld>
+  <p:clrMapOvr>
+    <a:masterClrMapping/>
+  </p:clrMapOvr>
+</p:notes>
+</file>
+
 <file path=ppt/slideLayouts/slideLayout1.xml><?xml version="1.0" encoding="utf-8"?>
 <p:sldLayout xmlns:a="http://schemas.openxmlformats.org/drawingml/2006/main" xmlns:r="http://schemas.openxmlformats.org/officeDocument/2006/relationships" xmlns:p="http://schemas.openxmlformats.org/presentationml/2006/main" type="title" preserve="1">
   <p:cSld name="Diapositive de titre">
@@ -1169,7 +1296,7 @@
             <a:fld id="{DF9D4494-96E0-4406-9347-E80FE7704387}" type="datetime1">
               <a:rPr lang="fr-FR" smtClean="0"/>
               <a:pPr/>
-              <a:t>05/06/2011</a:t>
+              <a:t>06/06/2011</a:t>
             </a:fld>
             <a:endParaRPr lang="fr-BE"/>
           </a:p>
@@ -1430,7 +1557,7 @@
             <a:fld id="{A89CA437-F84A-4BDD-8C20-46077FA11AD7}" type="datetime1">
               <a:rPr lang="fr-FR" smtClean="0"/>
               <a:pPr/>
-              <a:t>05/06/2011</a:t>
+              <a:t>06/06/2011</a:t>
             </a:fld>
             <a:endParaRPr lang="fr-BE"/>
           </a:p>
@@ -1601,7 +1728,7 @@
             <a:fld id="{24135A20-DC24-4C20-9F62-FD3DD13F2969}" type="datetime1">
               <a:rPr lang="fr-FR" smtClean="0"/>
               <a:pPr/>
-              <a:t>05/06/2011</a:t>
+              <a:t>06/06/2011</a:t>
             </a:fld>
             <a:endParaRPr lang="fr-BE"/>
           </a:p>
@@ -1782,7 +1909,7 @@
             <a:fld id="{C74C95C5-D393-4D2F-A12B-633BD3C7E534}" type="datetime1">
               <a:rPr lang="fr-FR" smtClean="0"/>
               <a:pPr/>
-              <a:t>05/06/2011</a:t>
+              <a:t>06/06/2011</a:t>
             </a:fld>
             <a:endParaRPr lang="fr-BE"/>
           </a:p>
@@ -2784,7 +2911,7 @@
             <a:fld id="{9DEFE777-74D9-46A9-AF63-ECD7CA5CB743}" type="datetime1">
               <a:rPr lang="fr-FR" smtClean="0"/>
               <a:pPr/>
-              <a:t>05/06/2011</a:t>
+              <a:t>06/06/2011</a:t>
             </a:fld>
             <a:endParaRPr lang="fr-BE"/>
           </a:p>
@@ -3073,7 +3200,7 @@
             <a:fld id="{9ACF5AB4-72D0-4411-8F4F-4D9D79E948BF}" type="datetime1">
               <a:rPr lang="fr-FR" smtClean="0"/>
               <a:pPr/>
-              <a:t>05/06/2011</a:t>
+              <a:t>06/06/2011</a:t>
             </a:fld>
             <a:endParaRPr lang="fr-BE"/>
           </a:p>
@@ -3496,7 +3623,7 @@
             <a:fld id="{D2811741-81B4-41E5-A5E9-7992F4B62001}" type="datetime1">
               <a:rPr lang="fr-FR" smtClean="0"/>
               <a:pPr/>
-              <a:t>05/06/2011</a:t>
+              <a:t>06/06/2011</a:t>
             </a:fld>
             <a:endParaRPr lang="fr-BE"/>
           </a:p>
@@ -3615,7 +3742,7 @@
             <a:fld id="{FA06DA9A-0216-4D5C-BA8D-BFCD89B87CAB}" type="datetime1">
               <a:rPr lang="fr-FR" smtClean="0"/>
               <a:pPr/>
-              <a:t>05/06/2011</a:t>
+              <a:t>06/06/2011</a:t>
             </a:fld>
             <a:endParaRPr lang="fr-BE"/>
           </a:p>
@@ -3711,7 +3838,7 @@
             <a:fld id="{3EDB268D-CAC0-4A46-8E29-E987593C3F48}" type="datetime1">
               <a:rPr lang="fr-FR" smtClean="0"/>
               <a:pPr/>
-              <a:t>05/06/2011</a:t>
+              <a:t>06/06/2011</a:t>
             </a:fld>
             <a:endParaRPr lang="fr-BE"/>
           </a:p>
@@ -3989,7 +4116,7 @@
             <a:fld id="{5B09ACAE-89F7-4AA2-AF12-DFB25BECD9F8}" type="datetime1">
               <a:rPr lang="fr-FR" smtClean="0"/>
               <a:pPr/>
-              <a:t>05/06/2011</a:t>
+              <a:t>06/06/2011</a:t>
             </a:fld>
             <a:endParaRPr lang="fr-BE"/>
           </a:p>
@@ -4212,7 +4339,7 @@
             <a:fld id="{C2D67580-B034-40FA-BDF9-08E33D7DD05F}" type="datetime1">
               <a:rPr lang="fr-FR" smtClean="0"/>
               <a:pPr/>
-              <a:t>05/06/2011</a:t>
+              <a:t>06/06/2011</a:t>
             </a:fld>
             <a:endParaRPr lang="fr-BE"/>
           </a:p>
@@ -4848,7 +4975,7 @@
   <p:clrMapOvr>
     <a:masterClrMapping/>
   </p:clrMapOvr>
-  <p:transition>
+  <p:transition advTm="24524">
     <p:randomBar/>
   </p:transition>
   <p:timing>
@@ -5373,7 +5500,7 @@
   <p:clrMapOvr>
     <a:masterClrMapping/>
   </p:clrMapOvr>
-  <p:transition>
+  <p:transition advTm="42666">
     <p:fade/>
   </p:transition>
   <p:timing>
@@ -5841,7 +5968,7 @@
   <p:clrMapOvr>
     <a:masterClrMapping/>
   </p:clrMapOvr>
-  <p:transition>
+  <p:transition advTm="27113">
     <p:fade/>
   </p:transition>
   <p:timing>
@@ -6257,7 +6384,7 @@
           <a:blip r:embed="rId2" cstate="print">
             <a:extLst>
               <a:ext uri="{28A0092B-C50C-407E-A947-70E740481C1C}">
-                <a14:useLocalDpi xmlns="" xmlns:a14="http://schemas.microsoft.com/office/drawing/2010/main" val="0"/>
+                <a14:useLocalDpi xmlns:a14="http://schemas.microsoft.com/office/drawing/2010/main" xmlns="" val="0"/>
               </a:ext>
             </a:extLst>
           </a:blip>
@@ -6277,7 +6404,7 @@
           <a:noFill/>
           <a:extLst>
             <a:ext uri="{909E8E84-426E-40DD-AFC4-6F175D3DCCD1}">
-              <a14:hiddenFill xmlns="" xmlns:a14="http://schemas.microsoft.com/office/drawing/2010/main">
+              <a14:hiddenFill xmlns:a14="http://schemas.microsoft.com/office/drawing/2010/main" xmlns="">
                 <a:solidFill>
                   <a:srgbClr val="FFFFFF"/>
                 </a:solidFill>
@@ -6291,7 +6418,7 @@
   <p:clrMapOvr>
     <a:masterClrMapping/>
   </p:clrMapOvr>
-  <p:transition>
+  <p:transition advTm="28705">
     <p:fade/>
   </p:transition>
   <p:timing>
@@ -6790,7 +6917,7 @@
   <p:clrMapOvr>
     <a:masterClrMapping/>
   </p:clrMapOvr>
-  <p:transition>
+  <p:transition advTm="56301">
     <p:fade/>
   </p:transition>
   <p:timing>
@@ -7659,7 +7786,7 @@
   <p:clrMapOvr>
     <a:masterClrMapping/>
   </p:clrMapOvr>
-  <p:transition>
+  <p:transition advTm="16">
     <p:fade/>
   </p:transition>
   <p:timing>
@@ -7794,7 +7921,7 @@
         <p:spPr/>
         <p:txBody>
           <a:bodyPr>
-            <a:normAutofit/>
+            <a:normAutofit lnSpcReduction="10000"/>
           </a:bodyPr>
           <a:lstStyle/>
           <a:p>
@@ -7890,7 +8017,27 @@
                   </a:schemeClr>
                 </a:solidFill>
               </a:rPr>
-              <a:t>Afficher la pochette des albums</a:t>
+              <a:t>Afficher la pochette des </a:t>
+            </a:r>
+            <a:r>
+              <a:rPr lang="fr-FR" dirty="0" smtClean="0">
+                <a:solidFill>
+                  <a:schemeClr val="tx2">
+                    <a:lumMod val="75000"/>
+                  </a:schemeClr>
+                </a:solidFill>
+              </a:rPr>
+              <a:t>albums</a:t>
+            </a:r>
+          </a:p>
+          <a:p>
+            <a:pPr lvl="1">
+              <a:buFont typeface="Arial" pitchFamily="34" charset="0"/>
+              <a:buChar char="•"/>
+            </a:pPr>
+            <a:r>
+              <a:rPr lang="fr-FR" dirty="0" smtClean="0"/>
+              <a:t>Insérer des tags ID3 aux enregistrements audio</a:t>
             </a:r>
             <a:endParaRPr lang="fr-FR" dirty="0">
               <a:solidFill>
@@ -8076,7 +8223,7 @@
   <p:clrMapOvr>
     <a:masterClrMapping/>
   </p:clrMapOvr>
-  <p:transition>
+  <p:transition advTm="16">
     <p:fade/>
   </p:transition>
   <p:timing>
@@ -8215,7 +8362,7 @@
   <p:clrMapOvr>
     <a:masterClrMapping/>
   </p:clrMapOvr>
-  <p:transition>
+  <p:transition advTm="7816">
     <p:randomBar/>
   </p:transition>
   <p:timing>
@@ -8427,14 +8574,8 @@
                 </a:solidFill>
                 <a:latin typeface="Cambria" pitchFamily="18" charset="0"/>
               </a:rPr>
-              <a:t>Orientation du téléphone</a:t>
-            </a:r>
-          </a:p>
-          <a:p>
-            <a:pPr marL="971550" lvl="1" indent="-514350" algn="l">
-              <a:buFont typeface="Wingdings" pitchFamily="2" charset="2"/>
-              <a:buChar char="Ø"/>
-            </a:pPr>
+              <a:t>Orientation du </a:t>
+            </a:r>
             <a:r>
               <a:rPr lang="fr-FR" sz="2900" dirty="0" smtClean="0">
                 <a:solidFill>
@@ -8445,8 +8586,17 @@
                 </a:solidFill>
                 <a:latin typeface="Cambria" pitchFamily="18" charset="0"/>
               </a:rPr>
-              <a:t>Les écrans</a:t>
-            </a:r>
+              <a:t>téléphone</a:t>
+            </a:r>
+            <a:endParaRPr lang="fr-FR" sz="2900" dirty="0" smtClean="0">
+              <a:solidFill>
+                <a:schemeClr val="tx2">
+                  <a:lumMod val="60000"/>
+                  <a:lumOff val="40000"/>
+                </a:schemeClr>
+              </a:solidFill>
+              <a:latin typeface="Cambria" pitchFamily="18" charset="0"/>
+            </a:endParaRPr>
           </a:p>
           <a:p>
             <a:pPr marL="514350" indent="-514350" algn="l">
@@ -8716,7 +8866,7 @@
   <p:clrMapOvr>
     <a:masterClrMapping/>
   </p:clrMapOvr>
-  <p:transition>
+  <p:transition advTm="17394">
     <p:randomBar/>
   </p:transition>
   <p:timing>
@@ -9135,11 +9285,11 @@
             <a:picLocks noRot="1" noChangeAspect="1"/>
           </p:cNvPicPr>
           <p:nvPr>
-            <a:audioFile r:link="rId1"/>
+            <a:audioFile r:link="rId2"/>
           </p:nvPr>
         </p:nvPicPr>
         <p:blipFill>
-          <a:blip r:embed="rId4" cstate="print"/>
+          <a:blip r:embed="rId6" cstate="print"/>
           <a:stretch>
             <a:fillRect/>
           </a:stretch>
@@ -9163,7 +9313,7 @@
           <p:nvPr/>
         </p:nvPicPr>
         <p:blipFill>
-          <a:blip r:embed="rId5" cstate="print"/>
+          <a:blip r:embed="rId7" cstate="print"/>
           <a:stretch>
             <a:fillRect/>
           </a:stretch>
@@ -9187,7 +9337,7 @@
           <p:nvPr/>
         </p:nvPicPr>
         <p:blipFill>
-          <a:blip r:embed="rId6" cstate="print"/>
+          <a:blip r:embed="rId8" cstate="print"/>
           <a:stretch>
             <a:fillRect/>
           </a:stretch>
@@ -9211,7 +9361,7 @@
           <p:nvPr/>
         </p:nvPicPr>
         <p:blipFill>
-          <a:blip r:embed="rId7" cstate="print"/>
+          <a:blip r:embed="rId9" cstate="print"/>
           <a:stretch>
             <a:fillRect/>
           </a:stretch>
@@ -9235,7 +9385,7 @@
           <p:nvPr/>
         </p:nvPicPr>
         <p:blipFill>
-          <a:blip r:embed="rId8" cstate="print"/>
+          <a:blip r:embed="rId10" cstate="print"/>
           <a:stretch>
             <a:fillRect/>
           </a:stretch>
@@ -9259,7 +9409,7 @@
           <p:nvPr/>
         </p:nvPicPr>
         <p:blipFill>
-          <a:blip r:embed="rId9" cstate="print"/>
+          <a:blip r:embed="rId11" cstate="print"/>
           <a:stretch>
             <a:fillRect/>
           </a:stretch>
@@ -9274,12 +9424,43 @@
           </a:prstGeom>
         </p:spPr>
       </p:pic>
+      <p:pic>
+        <p:nvPicPr>
+          <p:cNvPr id="13" name="demo_buffa.mp4">
+            <a:hlinkClick r:id="" action="ppaction://media"/>
+          </p:cNvPr>
+          <p:cNvPicPr>
+            <a:picLocks noRot="1" noChangeAspect="1"/>
+          </p:cNvPicPr>
+          <p:nvPr>
+            <a:videoFile r:link="rId3"/>
+          </p:nvPr>
+        </p:nvPicPr>
+        <p:blipFill>
+          <a:blip r:embed="rId12" cstate="print"/>
+          <a:stretch>
+            <a:fillRect/>
+          </a:stretch>
+        </p:blipFill>
+        <p:spPr>
+          <a:xfrm>
+            <a:off x="0" y="0"/>
+            <a:ext cx="9144000" cy="6858000"/>
+          </a:xfrm>
+          <a:prstGeom prst="rect">
+            <a:avLst/>
+          </a:prstGeom>
+        </p:spPr>
+      </p:pic>
     </p:spTree>
+    <p:custDataLst>
+      <p:tags r:id="rId1"/>
+    </p:custDataLst>
   </p:cSld>
   <p:clrMapOvr>
     <a:masterClrMapping/>
   </p:clrMapOvr>
-  <p:transition>
+  <p:transition advTm="236731">
     <p:randomBar/>
   </p:transition>
   <p:timing>
@@ -9303,92 +9484,42 @@
                             </p:stCondLst>
                             <p:childTnLst>
                               <p:par>
-                                <p:cTn id="5" presetID="2" presetClass="exit" presetSubtype="4" fill="hold" grpId="0" nodeType="clickEffect">
+                                <p:cTn id="5" presetID="2" presetClass="mediacall" presetSubtype="0" fill="hold" nodeType="clickEffect">
                                   <p:stCondLst>
                                     <p:cond delay="0"/>
                                   </p:stCondLst>
                                   <p:childTnLst>
-                                    <p:anim calcmode="lin" valueType="num">
-                                      <p:cBhvr additive="base">
-                                        <p:cTn id="6" dur="500"/>
-                                        <p:tgtEl>
-                                          <p:spTgt spid="7">
-                                            <p:txEl>
-                                              <p:pRg st="0" end="0"/>
-                                            </p:txEl>
-                                          </p:spTgt>
-                                        </p:tgtEl>
-                                        <p:attrNameLst>
-                                          <p:attrName>ppt_x</p:attrName>
-                                        </p:attrNameLst>
-                                      </p:cBhvr>
-                                      <p:tavLst>
-                                        <p:tav tm="0">
-                                          <p:val>
-                                            <p:strVal val="ppt_x"/>
-                                          </p:val>
-                                        </p:tav>
-                                        <p:tav tm="100000">
-                                          <p:val>
-                                            <p:strVal val="ppt_x"/>
-                                          </p:val>
-                                        </p:tav>
-                                      </p:tavLst>
-                                    </p:anim>
-                                    <p:anim calcmode="lin" valueType="num">
-                                      <p:cBhvr additive="base">
-                                        <p:cTn id="7" dur="500"/>
-                                        <p:tgtEl>
-                                          <p:spTgt spid="7">
-                                            <p:txEl>
-                                              <p:pRg st="0" end="0"/>
-                                            </p:txEl>
-                                          </p:spTgt>
-                                        </p:tgtEl>
-                                        <p:attrNameLst>
-                                          <p:attrName>ppt_y</p:attrName>
-                                        </p:attrNameLst>
-                                      </p:cBhvr>
-                                      <p:tavLst>
-                                        <p:tav tm="0">
-                                          <p:val>
-                                            <p:strVal val="ppt_y"/>
-                                          </p:val>
-                                        </p:tav>
-                                        <p:tav tm="100000">
-                                          <p:val>
-                                            <p:strVal val="1+ppt_h/2"/>
-                                          </p:val>
-                                        </p:tav>
-                                      </p:tavLst>
-                                    </p:anim>
-                                    <p:set>
+                                    <p:cmd type="call" cmd="togglePause">
                                       <p:cBhvr>
-                                        <p:cTn id="8" dur="1" fill="hold">
-                                          <p:stCondLst>
-                                            <p:cond delay="499"/>
-                                          </p:stCondLst>
-                                        </p:cTn>
-                                        <p:tgtEl>
-                                          <p:spTgt spid="7">
-                                            <p:txEl>
-                                              <p:pRg st="0" end="0"/>
-                                            </p:txEl>
-                                          </p:spTgt>
-                                        </p:tgtEl>
-                                        <p:attrNameLst>
-                                          <p:attrName>style.visibility</p:attrName>
-                                        </p:attrNameLst>
-                                      </p:cBhvr>
-                                      <p:to>
-                                        <p:strVal val="hidden"/>
-                                      </p:to>
-                                    </p:set>
+                                        <p:cTn id="6" dur="1" fill="hold"/>
+                                        <p:tgtEl>
+                                          <p:spTgt spid="13"/>
+                                        </p:tgtEl>
+                                      </p:cBhvr>
+                                    </p:cmd>
                                   </p:childTnLst>
                                 </p:cTn>
                               </p:par>
+                            </p:childTnLst>
+                          </p:cTn>
+                        </p:par>
+                      </p:childTnLst>
+                    </p:cTn>
+                  </p:par>
+                  <p:par>
+                    <p:cTn id="7" fill="hold">
+                      <p:stCondLst>
+                        <p:cond delay="indefinite"/>
+                      </p:stCondLst>
+                      <p:childTnLst>
+                        <p:par>
+                          <p:cTn id="8" fill="hold">
+                            <p:stCondLst>
+                              <p:cond delay="0"/>
+                            </p:stCondLst>
+                            <p:childTnLst>
                               <p:par>
-                                <p:cTn id="9" presetID="2" presetClass="exit" presetSubtype="4" fill="hold" grpId="0" nodeType="withEffect">
+                                <p:cTn id="9" presetID="2" presetClass="exit" presetSubtype="4" fill="hold" grpId="0" nodeType="clickEffect">
                                   <p:stCondLst>
                                     <p:cond delay="0"/>
                                   </p:stCondLst>
@@ -9399,7 +9530,7 @@
                                         <p:tgtEl>
                                           <p:spTgt spid="7">
                                             <p:txEl>
-                                              <p:pRg st="1" end="1"/>
+                                              <p:pRg st="0" end="0"/>
                                             </p:txEl>
                                           </p:spTgt>
                                         </p:tgtEl>
@@ -9426,7 +9557,7 @@
                                         <p:tgtEl>
                                           <p:spTgt spid="7">
                                             <p:txEl>
-                                              <p:pRg st="1" end="1"/>
+                                              <p:pRg st="0" end="0"/>
                                             </p:txEl>
                                           </p:spTgt>
                                         </p:tgtEl>
@@ -9457,7 +9588,7 @@
                                         <p:tgtEl>
                                           <p:spTgt spid="7">
                                             <p:txEl>
-                                              <p:pRg st="1" end="1"/>
+                                              <p:pRg st="0" end="0"/>
                                             </p:txEl>
                                           </p:spTgt>
                                         </p:tgtEl>
@@ -9484,7 +9615,7 @@
                                         <p:tgtEl>
                                           <p:spTgt spid="7">
                                             <p:txEl>
-                                              <p:pRg st="2" end="2"/>
+                                              <p:pRg st="1" end="1"/>
                                             </p:txEl>
                                           </p:spTgt>
                                         </p:tgtEl>
@@ -9511,7 +9642,7 @@
                                         <p:tgtEl>
                                           <p:spTgt spid="7">
                                             <p:txEl>
-                                              <p:pRg st="2" end="2"/>
+                                              <p:pRg st="1" end="1"/>
                                             </p:txEl>
                                           </p:spTgt>
                                         </p:tgtEl>
@@ -9542,7 +9673,7 @@
                                         <p:tgtEl>
                                           <p:spTgt spid="7">
                                             <p:txEl>
-                                              <p:pRg st="2" end="2"/>
+                                              <p:pRg st="1" end="1"/>
                                             </p:txEl>
                                           </p:spTgt>
                                         </p:tgtEl>
@@ -9569,7 +9700,7 @@
                                         <p:tgtEl>
                                           <p:spTgt spid="7">
                                             <p:txEl>
-                                              <p:pRg st="3" end="3"/>
+                                              <p:pRg st="2" end="2"/>
                                             </p:txEl>
                                           </p:spTgt>
                                         </p:tgtEl>
@@ -9596,7 +9727,7 @@
                                         <p:tgtEl>
                                           <p:spTgt spid="7">
                                             <p:txEl>
-                                              <p:pRg st="3" end="3"/>
+                                              <p:pRg st="2" end="2"/>
                                             </p:txEl>
                                           </p:spTgt>
                                         </p:tgtEl>
@@ -9627,7 +9758,7 @@
                                         <p:tgtEl>
                                           <p:spTgt spid="7">
                                             <p:txEl>
-                                              <p:pRg st="3" end="3"/>
+                                              <p:pRg st="2" end="2"/>
                                             </p:txEl>
                                           </p:spTgt>
                                         </p:tgtEl>
@@ -9654,7 +9785,7 @@
                                         <p:tgtEl>
                                           <p:spTgt spid="7">
                                             <p:txEl>
-                                              <p:pRg st="4" end="4"/>
+                                              <p:pRg st="3" end="3"/>
                                             </p:txEl>
                                           </p:spTgt>
                                         </p:tgtEl>
@@ -9681,7 +9812,7 @@
                                         <p:tgtEl>
                                           <p:spTgt spid="7">
                                             <p:txEl>
-                                              <p:pRg st="4" end="4"/>
+                                              <p:pRg st="3" end="3"/>
                                             </p:txEl>
                                           </p:spTgt>
                                         </p:tgtEl>
@@ -9712,7 +9843,7 @@
                                         <p:tgtEl>
                                           <p:spTgt spid="7">
                                             <p:txEl>
-                                              <p:pRg st="4" end="4"/>
+                                              <p:pRg st="3" end="3"/>
                                             </p:txEl>
                                           </p:spTgt>
                                         </p:tgtEl>
@@ -9739,7 +9870,7 @@
                                         <p:tgtEl>
                                           <p:spTgt spid="7">
                                             <p:txEl>
-                                              <p:pRg st="5" end="5"/>
+                                              <p:pRg st="4" end="4"/>
                                             </p:txEl>
                                           </p:spTgt>
                                         </p:tgtEl>
@@ -9766,7 +9897,7 @@
                                         <p:tgtEl>
                                           <p:spTgt spid="7">
                                             <p:txEl>
-                                              <p:pRg st="5" end="5"/>
+                                              <p:pRg st="4" end="4"/>
                                             </p:txEl>
                                           </p:spTgt>
                                         </p:tgtEl>
@@ -9797,7 +9928,7 @@
                                         <p:tgtEl>
                                           <p:spTgt spid="7">
                                             <p:txEl>
-                                              <p:pRg st="5" end="5"/>
+                                              <p:pRg st="4" end="4"/>
                                             </p:txEl>
                                           </p:spTgt>
                                         </p:tgtEl>
@@ -9824,7 +9955,7 @@
                                         <p:tgtEl>
                                           <p:spTgt spid="7">
                                             <p:txEl>
-                                              <p:pRg st="6" end="6"/>
+                                              <p:pRg st="5" end="5"/>
                                             </p:txEl>
                                           </p:spTgt>
                                         </p:tgtEl>
@@ -9851,7 +9982,7 @@
                                         <p:tgtEl>
                                           <p:spTgt spid="7">
                                             <p:txEl>
-                                              <p:pRg st="6" end="6"/>
+                                              <p:pRg st="5" end="5"/>
                                             </p:txEl>
                                           </p:spTgt>
                                         </p:tgtEl>
@@ -9882,7 +10013,7 @@
                                         <p:tgtEl>
                                           <p:spTgt spid="7">
                                             <p:txEl>
-                                              <p:pRg st="6" end="6"/>
+                                              <p:pRg st="5" end="5"/>
                                             </p:txEl>
                                           </p:spTgt>
                                         </p:tgtEl>
@@ -9908,7 +10039,9 @@
                                         <p:cTn id="34" dur="500"/>
                                         <p:tgtEl>
                                           <p:spTgt spid="7">
-                                            <p:bg/>
+                                            <p:txEl>
+                                              <p:pRg st="6" end="6"/>
+                                            </p:txEl>
                                           </p:spTgt>
                                         </p:tgtEl>
                                         <p:attrNameLst>
@@ -9933,7 +10066,9 @@
                                         <p:cTn id="35" dur="500"/>
                                         <p:tgtEl>
                                           <p:spTgt spid="7">
-                                            <p:bg/>
+                                            <p:txEl>
+                                              <p:pRg st="6" end="6"/>
+                                            </p:txEl>
                                           </p:spTgt>
                                         </p:tgtEl>
                                         <p:attrNameLst>
@@ -9962,6 +10097,87 @@
                                         </p:cTn>
                                         <p:tgtEl>
                                           <p:spTgt spid="7">
+                                            <p:txEl>
+                                              <p:pRg st="6" end="6"/>
+                                            </p:txEl>
+                                          </p:spTgt>
+                                        </p:tgtEl>
+                                        <p:attrNameLst>
+                                          <p:attrName>style.visibility</p:attrName>
+                                        </p:attrNameLst>
+                                      </p:cBhvr>
+                                      <p:to>
+                                        <p:strVal val="hidden"/>
+                                      </p:to>
+                                    </p:set>
+                                  </p:childTnLst>
+                                </p:cTn>
+                              </p:par>
+                              <p:par>
+                                <p:cTn id="37" presetID="2" presetClass="exit" presetSubtype="4" fill="hold" grpId="0" nodeType="withEffect">
+                                  <p:stCondLst>
+                                    <p:cond delay="0"/>
+                                  </p:stCondLst>
+                                  <p:childTnLst>
+                                    <p:anim calcmode="lin" valueType="num">
+                                      <p:cBhvr additive="base">
+                                        <p:cTn id="38" dur="500"/>
+                                        <p:tgtEl>
+                                          <p:spTgt spid="7">
+                                            <p:bg/>
+                                          </p:spTgt>
+                                        </p:tgtEl>
+                                        <p:attrNameLst>
+                                          <p:attrName>ppt_x</p:attrName>
+                                        </p:attrNameLst>
+                                      </p:cBhvr>
+                                      <p:tavLst>
+                                        <p:tav tm="0">
+                                          <p:val>
+                                            <p:strVal val="ppt_x"/>
+                                          </p:val>
+                                        </p:tav>
+                                        <p:tav tm="100000">
+                                          <p:val>
+                                            <p:strVal val="ppt_x"/>
+                                          </p:val>
+                                        </p:tav>
+                                      </p:tavLst>
+                                    </p:anim>
+                                    <p:anim calcmode="lin" valueType="num">
+                                      <p:cBhvr additive="base">
+                                        <p:cTn id="39" dur="500"/>
+                                        <p:tgtEl>
+                                          <p:spTgt spid="7">
+                                            <p:bg/>
+                                          </p:spTgt>
+                                        </p:tgtEl>
+                                        <p:attrNameLst>
+                                          <p:attrName>ppt_y</p:attrName>
+                                        </p:attrNameLst>
+                                      </p:cBhvr>
+                                      <p:tavLst>
+                                        <p:tav tm="0">
+                                          <p:val>
+                                            <p:strVal val="ppt_y"/>
+                                          </p:val>
+                                        </p:tav>
+                                        <p:tav tm="100000">
+                                          <p:val>
+                                            <p:strVal val="1+ppt_h/2"/>
+                                          </p:val>
+                                        </p:tav>
+                                      </p:tavLst>
+                                    </p:anim>
+                                    <p:set>
+                                      <p:cBhvr>
+                                        <p:cTn id="40" dur="1" fill="hold">
+                                          <p:stCondLst>
+                                            <p:cond delay="499"/>
+                                          </p:stCondLst>
+                                        </p:cTn>
+                                        <p:tgtEl>
+                                          <p:spTgt spid="7">
                                             <p:bg/>
                                           </p:spTgt>
                                         </p:tgtEl>
@@ -9980,105 +10196,32 @@
                           </p:cTn>
                         </p:par>
                         <p:par>
-                          <p:cTn id="37" fill="hold">
+                          <p:cTn id="41" fill="hold">
                             <p:stCondLst>
                               <p:cond delay="500"/>
                             </p:stCondLst>
                             <p:childTnLst>
                               <p:par>
-                                <p:cTn id="38" presetID="1" presetClass="mediacall" presetSubtype="0" fill="hold" nodeType="afterEffect">
+                                <p:cTn id="42" presetID="1" presetClass="mediacall" presetSubtype="0" fill="hold" nodeType="afterEffect">
                                   <p:stCondLst>
                                     <p:cond delay="0"/>
                                   </p:stCondLst>
                                   <p:childTnLst>
                                     <p:cmd type="call" cmd="playFrom(0.0)">
                                       <p:cBhvr>
-                                        <p:cTn id="39" dur="383083" fill="hold"/>
+                                        <p:cTn id="43" dur="383083" fill="hold"/>
                                         <p:tgtEl>
                                           <p:spTgt spid="14"/>
                                         </p:tgtEl>
                                       </p:cBhvr>
                                     </p:cmd>
-                                  </p:childTnLst>
-                                </p:cTn>
-                              </p:par>
-                              <p:par>
-                                <p:cTn id="40" presetID="2" presetClass="entr" presetSubtype="1" fill="hold" nodeType="withEffect">
-                                  <p:stCondLst>
-                                    <p:cond delay="0"/>
-                                  </p:stCondLst>
-                                  <p:childTnLst>
-                                    <p:set>
-                                      <p:cBhvr>
-                                        <p:cTn id="41" dur="1" fill="hold">
-                                          <p:stCondLst>
-                                            <p:cond delay="0"/>
-                                          </p:stCondLst>
-                                        </p:cTn>
-                                        <p:tgtEl>
-                                          <p:spTgt spid="18"/>
-                                        </p:tgtEl>
-                                        <p:attrNameLst>
-                                          <p:attrName>style.visibility</p:attrName>
-                                        </p:attrNameLst>
-                                      </p:cBhvr>
-                                      <p:to>
-                                        <p:strVal val="visible"/>
-                                      </p:to>
-                                    </p:set>
-                                    <p:anim calcmode="lin" valueType="num">
-                                      <p:cBhvr additive="base">
-                                        <p:cTn id="42" dur="5000" fill="hold"/>
-                                        <p:tgtEl>
-                                          <p:spTgt spid="18"/>
-                                        </p:tgtEl>
-                                        <p:attrNameLst>
-                                          <p:attrName>ppt_x</p:attrName>
-                                        </p:attrNameLst>
-                                      </p:cBhvr>
-                                      <p:tavLst>
-                                        <p:tav tm="0">
-                                          <p:val>
-                                            <p:strVal val="#ppt_x"/>
-                                          </p:val>
-                                        </p:tav>
-                                        <p:tav tm="100000">
-                                          <p:val>
-                                            <p:strVal val="#ppt_x"/>
-                                          </p:val>
-                                        </p:tav>
-                                      </p:tavLst>
-                                    </p:anim>
-                                    <p:anim calcmode="lin" valueType="num">
-                                      <p:cBhvr additive="base">
-                                        <p:cTn id="43" dur="5000" fill="hold"/>
-                                        <p:tgtEl>
-                                          <p:spTgt spid="18"/>
-                                        </p:tgtEl>
-                                        <p:attrNameLst>
-                                          <p:attrName>ppt_y</p:attrName>
-                                        </p:attrNameLst>
-                                      </p:cBhvr>
-                                      <p:tavLst>
-                                        <p:tav tm="0">
-                                          <p:val>
-                                            <p:strVal val="0-#ppt_h/2"/>
-                                          </p:val>
-                                        </p:tav>
-                                        <p:tav tm="100000">
-                                          <p:val>
-                                            <p:strVal val="#ppt_y"/>
-                                          </p:val>
-                                        </p:tav>
-                                      </p:tavLst>
-                                    </p:anim>
                                   </p:childTnLst>
                                 </p:cTn>
                               </p:par>
                               <p:par>
                                 <p:cTn id="44" presetID="2" presetClass="entr" presetSubtype="1" fill="hold" nodeType="withEffect">
                                   <p:stCondLst>
-                                    <p:cond delay="5000"/>
+                                    <p:cond delay="0"/>
                                   </p:stCondLst>
                                   <p:childTnLst>
                                     <p:set>
@@ -10089,7 +10232,7 @@
                                           </p:stCondLst>
                                         </p:cTn>
                                         <p:tgtEl>
-                                          <p:spTgt spid="19"/>
+                                          <p:spTgt spid="18"/>
                                         </p:tgtEl>
                                         <p:attrNameLst>
                                           <p:attrName>style.visibility</p:attrName>
@@ -10103,7 +10246,7 @@
                                       <p:cBhvr additive="base">
                                         <p:cTn id="46" dur="5000" fill="hold"/>
                                         <p:tgtEl>
-                                          <p:spTgt spid="19"/>
+                                          <p:spTgt spid="18"/>
                                         </p:tgtEl>
                                         <p:attrNameLst>
                                           <p:attrName>ppt_x</p:attrName>
@@ -10126,7 +10269,7 @@
                                       <p:cBhvr additive="base">
                                         <p:cTn id="47" dur="5000" fill="hold"/>
                                         <p:tgtEl>
-                                          <p:spTgt spid="19"/>
+                                          <p:spTgt spid="18"/>
                                         </p:tgtEl>
                                         <p:attrNameLst>
                                           <p:attrName>ppt_y</p:attrName>
@@ -10151,7 +10294,7 @@
                               <p:par>
                                 <p:cTn id="48" presetID="2" presetClass="entr" presetSubtype="1" fill="hold" nodeType="withEffect">
                                   <p:stCondLst>
-                                    <p:cond delay="10000"/>
+                                    <p:cond delay="5000"/>
                                   </p:stCondLst>
                                   <p:childTnLst>
                                     <p:set>
@@ -10162,7 +10305,7 @@
                                           </p:stCondLst>
                                         </p:cTn>
                                         <p:tgtEl>
-                                          <p:spTgt spid="20"/>
+                                          <p:spTgt spid="19"/>
                                         </p:tgtEl>
                                         <p:attrNameLst>
                                           <p:attrName>style.visibility</p:attrName>
@@ -10176,7 +10319,7 @@
                                       <p:cBhvr additive="base">
                                         <p:cTn id="50" dur="5000" fill="hold"/>
                                         <p:tgtEl>
-                                          <p:spTgt spid="20"/>
+                                          <p:spTgt spid="19"/>
                                         </p:tgtEl>
                                         <p:attrNameLst>
                                           <p:attrName>ppt_x</p:attrName>
@@ -10199,7 +10342,7 @@
                                       <p:cBhvr additive="base">
                                         <p:cTn id="51" dur="5000" fill="hold"/>
                                         <p:tgtEl>
-                                          <p:spTgt spid="20"/>
+                                          <p:spTgt spid="19"/>
                                         </p:tgtEl>
                                         <p:attrNameLst>
                                           <p:attrName>ppt_y</p:attrName>
@@ -10224,7 +10367,7 @@
                               <p:par>
                                 <p:cTn id="52" presetID="2" presetClass="entr" presetSubtype="1" fill="hold" nodeType="withEffect">
                                   <p:stCondLst>
-                                    <p:cond delay="15000"/>
+                                    <p:cond delay="10000"/>
                                   </p:stCondLst>
                                   <p:childTnLst>
                                     <p:set>
@@ -10235,7 +10378,7 @@
                                           </p:stCondLst>
                                         </p:cTn>
                                         <p:tgtEl>
-                                          <p:spTgt spid="21"/>
+                                          <p:spTgt spid="20"/>
                                         </p:tgtEl>
                                         <p:attrNameLst>
                                           <p:attrName>style.visibility</p:attrName>
@@ -10249,7 +10392,7 @@
                                       <p:cBhvr additive="base">
                                         <p:cTn id="54" dur="5000" fill="hold"/>
                                         <p:tgtEl>
-                                          <p:spTgt spid="21"/>
+                                          <p:spTgt spid="20"/>
                                         </p:tgtEl>
                                         <p:attrNameLst>
                                           <p:attrName>ppt_x</p:attrName>
@@ -10272,7 +10415,7 @@
                                       <p:cBhvr additive="base">
                                         <p:cTn id="55" dur="5000" fill="hold"/>
                                         <p:tgtEl>
-                                          <p:spTgt spid="21"/>
+                                          <p:spTgt spid="20"/>
                                         </p:tgtEl>
                                         <p:attrNameLst>
                                           <p:attrName>ppt_y</p:attrName>
@@ -10295,14 +10438,87 @@
                                 </p:cTn>
                               </p:par>
                               <p:par>
-                                <p:cTn id="56" presetID="39" presetClass="exit" presetSubtype="0" decel="100000" fill="hold" nodeType="withEffect">
+                                <p:cTn id="56" presetID="2" presetClass="entr" presetSubtype="1" fill="hold" nodeType="withEffect">
+                                  <p:stCondLst>
+                                    <p:cond delay="15000"/>
+                                  </p:stCondLst>
+                                  <p:childTnLst>
+                                    <p:set>
+                                      <p:cBhvr>
+                                        <p:cTn id="57" dur="1" fill="hold">
+                                          <p:stCondLst>
+                                            <p:cond delay="0"/>
+                                          </p:stCondLst>
+                                        </p:cTn>
+                                        <p:tgtEl>
+                                          <p:spTgt spid="21"/>
+                                        </p:tgtEl>
+                                        <p:attrNameLst>
+                                          <p:attrName>style.visibility</p:attrName>
+                                        </p:attrNameLst>
+                                      </p:cBhvr>
+                                      <p:to>
+                                        <p:strVal val="visible"/>
+                                      </p:to>
+                                    </p:set>
+                                    <p:anim calcmode="lin" valueType="num">
+                                      <p:cBhvr additive="base">
+                                        <p:cTn id="58" dur="5000" fill="hold"/>
+                                        <p:tgtEl>
+                                          <p:spTgt spid="21"/>
+                                        </p:tgtEl>
+                                        <p:attrNameLst>
+                                          <p:attrName>ppt_x</p:attrName>
+                                        </p:attrNameLst>
+                                      </p:cBhvr>
+                                      <p:tavLst>
+                                        <p:tav tm="0">
+                                          <p:val>
+                                            <p:strVal val="#ppt_x"/>
+                                          </p:val>
+                                        </p:tav>
+                                        <p:tav tm="100000">
+                                          <p:val>
+                                            <p:strVal val="#ppt_x"/>
+                                          </p:val>
+                                        </p:tav>
+                                      </p:tavLst>
+                                    </p:anim>
+                                    <p:anim calcmode="lin" valueType="num">
+                                      <p:cBhvr additive="base">
+                                        <p:cTn id="59" dur="5000" fill="hold"/>
+                                        <p:tgtEl>
+                                          <p:spTgt spid="21"/>
+                                        </p:tgtEl>
+                                        <p:attrNameLst>
+                                          <p:attrName>ppt_y</p:attrName>
+                                        </p:attrNameLst>
+                                      </p:cBhvr>
+                                      <p:tavLst>
+                                        <p:tav tm="0">
+                                          <p:val>
+                                            <p:strVal val="0-#ppt_h/2"/>
+                                          </p:val>
+                                        </p:tav>
+                                        <p:tav tm="100000">
+                                          <p:val>
+                                            <p:strVal val="#ppt_y"/>
+                                          </p:val>
+                                        </p:tav>
+                                      </p:tavLst>
+                                    </p:anim>
+                                  </p:childTnLst>
+                                </p:cTn>
+                              </p:par>
+                              <p:par>
+                                <p:cTn id="60" presetID="39" presetClass="exit" presetSubtype="0" decel="100000" fill="hold" nodeType="withEffect">
                                   <p:stCondLst>
                                     <p:cond delay="26000"/>
                                   </p:stCondLst>
                                   <p:childTnLst>
                                     <p:anim calcmode="lin" valueType="num">
                                       <p:cBhvr>
-                                        <p:cTn id="57" dur="500"/>
+                                        <p:cTn id="61" dur="500"/>
                                         <p:tgtEl>
                                           <p:spTgt spid="18"/>
                                         </p:tgtEl>
@@ -10330,7 +10546,7 @@
                                     </p:anim>
                                     <p:anim calcmode="lin" valueType="num">
                                       <p:cBhvr>
-                                        <p:cTn id="58" dur="500"/>
+                                        <p:cTn id="62" dur="500"/>
                                         <p:tgtEl>
                                           <p:spTgt spid="18"/>
                                         </p:tgtEl>
@@ -10358,7 +10574,7 @@
                                     </p:anim>
                                     <p:anim calcmode="lin" valueType="num">
                                       <p:cBhvr>
-                                        <p:cTn id="59" dur="500"/>
+                                        <p:cTn id="63" dur="500"/>
                                         <p:tgtEl>
                                           <p:spTgt spid="18"/>
                                         </p:tgtEl>
@@ -10386,7 +10602,7 @@
                                     </p:anim>
                                     <p:anim calcmode="lin" valueType="num">
                                       <p:cBhvr>
-                                        <p:cTn id="60" dur="500"/>
+                                        <p:cTn id="64" dur="500"/>
                                         <p:tgtEl>
                                           <p:spTgt spid="18"/>
                                         </p:tgtEl>
@@ -10409,7 +10625,7 @@
                                     </p:anim>
                                     <p:set>
                                       <p:cBhvr>
-                                        <p:cTn id="61" dur="1" fill="hold">
+                                        <p:cTn id="65" dur="1" fill="hold">
                                           <p:stCondLst>
                                             <p:cond delay="499"/>
                                           </p:stCondLst>
@@ -10429,14 +10645,14 @@
                                 </p:cTn>
                               </p:par>
                               <p:par>
-                                <p:cTn id="62" presetID="39" presetClass="exit" presetSubtype="0" decel="100000" fill="hold" nodeType="withEffect">
+                                <p:cTn id="66" presetID="39" presetClass="exit" presetSubtype="0" decel="100000" fill="hold" nodeType="withEffect">
                                   <p:stCondLst>
                                     <p:cond delay="26000"/>
                                   </p:stCondLst>
                                   <p:childTnLst>
                                     <p:anim calcmode="lin" valueType="num">
                                       <p:cBhvr>
-                                        <p:cTn id="63" dur="500"/>
+                                        <p:cTn id="67" dur="500"/>
                                         <p:tgtEl>
                                           <p:spTgt spid="19"/>
                                         </p:tgtEl>
@@ -10464,7 +10680,7 @@
                                     </p:anim>
                                     <p:anim calcmode="lin" valueType="num">
                                       <p:cBhvr>
-                                        <p:cTn id="64" dur="500"/>
+                                        <p:cTn id="68" dur="500"/>
                                         <p:tgtEl>
                                           <p:spTgt spid="19"/>
                                         </p:tgtEl>
@@ -10492,7 +10708,7 @@
                                     </p:anim>
                                     <p:anim calcmode="lin" valueType="num">
                                       <p:cBhvr>
-                                        <p:cTn id="65" dur="500"/>
+                                        <p:cTn id="69" dur="500"/>
                                         <p:tgtEl>
                                           <p:spTgt spid="19"/>
                                         </p:tgtEl>
@@ -10520,7 +10736,7 @@
                                     </p:anim>
                                     <p:anim calcmode="lin" valueType="num">
                                       <p:cBhvr>
-                                        <p:cTn id="66" dur="500"/>
+                                        <p:cTn id="70" dur="500"/>
                                         <p:tgtEl>
                                           <p:spTgt spid="19"/>
                                         </p:tgtEl>
@@ -10543,7 +10759,7 @@
                                     </p:anim>
                                     <p:set>
                                       <p:cBhvr>
-                                        <p:cTn id="67" dur="1" fill="hold">
+                                        <p:cTn id="71" dur="1" fill="hold">
                                           <p:stCondLst>
                                             <p:cond delay="499"/>
                                           </p:stCondLst>
@@ -10563,14 +10779,14 @@
                                 </p:cTn>
                               </p:par>
                               <p:par>
-                                <p:cTn id="68" presetID="39" presetClass="exit" presetSubtype="0" decel="100000" fill="hold" nodeType="withEffect">
+                                <p:cTn id="72" presetID="39" presetClass="exit" presetSubtype="0" decel="100000" fill="hold" nodeType="withEffect">
                                   <p:stCondLst>
                                     <p:cond delay="26000"/>
                                   </p:stCondLst>
                                   <p:childTnLst>
                                     <p:anim calcmode="lin" valueType="num">
                                       <p:cBhvr>
-                                        <p:cTn id="69" dur="500"/>
+                                        <p:cTn id="73" dur="500"/>
                                         <p:tgtEl>
                                           <p:spTgt spid="20"/>
                                         </p:tgtEl>
@@ -10598,7 +10814,7 @@
                                     </p:anim>
                                     <p:anim calcmode="lin" valueType="num">
                                       <p:cBhvr>
-                                        <p:cTn id="70" dur="500"/>
+                                        <p:cTn id="74" dur="500"/>
                                         <p:tgtEl>
                                           <p:spTgt spid="20"/>
                                         </p:tgtEl>
@@ -10626,7 +10842,7 @@
                                     </p:anim>
                                     <p:anim calcmode="lin" valueType="num">
                                       <p:cBhvr>
-                                        <p:cTn id="71" dur="500"/>
+                                        <p:cTn id="75" dur="500"/>
                                         <p:tgtEl>
                                           <p:spTgt spid="20"/>
                                         </p:tgtEl>
@@ -10654,7 +10870,7 @@
                                     </p:anim>
                                     <p:anim calcmode="lin" valueType="num">
                                       <p:cBhvr>
-                                        <p:cTn id="72" dur="500"/>
+                                        <p:cTn id="76" dur="500"/>
                                         <p:tgtEl>
                                           <p:spTgt spid="20"/>
                                         </p:tgtEl>
@@ -10677,7 +10893,7 @@
                                     </p:anim>
                                     <p:set>
                                       <p:cBhvr>
-                                        <p:cTn id="73" dur="1" fill="hold">
+                                        <p:cTn id="77" dur="1" fill="hold">
                                           <p:stCondLst>
                                             <p:cond delay="499"/>
                                           </p:stCondLst>
@@ -10697,14 +10913,14 @@
                                 </p:cTn>
                               </p:par>
                               <p:par>
-                                <p:cTn id="74" presetID="39" presetClass="exit" presetSubtype="0" decel="100000" fill="hold" nodeType="withEffect">
+                                <p:cTn id="78" presetID="39" presetClass="exit" presetSubtype="0" decel="100000" fill="hold" nodeType="withEffect">
                                   <p:stCondLst>
                                     <p:cond delay="26000"/>
                                   </p:stCondLst>
                                   <p:childTnLst>
                                     <p:anim calcmode="lin" valueType="num">
                                       <p:cBhvr>
-                                        <p:cTn id="75" dur="500"/>
+                                        <p:cTn id="79" dur="500"/>
                                         <p:tgtEl>
                                           <p:spTgt spid="21"/>
                                         </p:tgtEl>
@@ -10732,7 +10948,7 @@
                                     </p:anim>
                                     <p:anim calcmode="lin" valueType="num">
                                       <p:cBhvr>
-                                        <p:cTn id="76" dur="500"/>
+                                        <p:cTn id="80" dur="500"/>
                                         <p:tgtEl>
                                           <p:spTgt spid="21"/>
                                         </p:tgtEl>
@@ -10760,7 +10976,7 @@
                                     </p:anim>
                                     <p:anim calcmode="lin" valueType="num">
                                       <p:cBhvr>
-                                        <p:cTn id="77" dur="500"/>
+                                        <p:cTn id="81" dur="500"/>
                                         <p:tgtEl>
                                           <p:spTgt spid="21"/>
                                         </p:tgtEl>
@@ -10788,7 +11004,7 @@
                                     </p:anim>
                                     <p:anim calcmode="lin" valueType="num">
                                       <p:cBhvr>
-                                        <p:cTn id="78" dur="500"/>
+                                        <p:cTn id="82" dur="500"/>
                                         <p:tgtEl>
                                           <p:spTgt spid="21"/>
                                         </p:tgtEl>
@@ -10811,7 +11027,7 @@
                                     </p:anim>
                                     <p:set>
                                       <p:cBhvr>
-                                        <p:cTn id="79" dur="1" fill="hold">
+                                        <p:cTn id="83" dur="1" fill="hold">
                                           <p:stCondLst>
                                             <p:cond delay="499"/>
                                           </p:stCondLst>
@@ -10831,14 +11047,14 @@
                                 </p:cTn>
                               </p:par>
                               <p:par>
-                                <p:cTn id="80" presetID="2" presetClass="entr" presetSubtype="1" fill="hold" nodeType="withEffect">
+                                <p:cTn id="84" presetID="2" presetClass="entr" presetSubtype="1" fill="hold" nodeType="withEffect">
                                   <p:stCondLst>
                                     <p:cond delay="25900"/>
                                   </p:stCondLst>
                                   <p:childTnLst>
                                     <p:set>
                                       <p:cBhvr>
-                                        <p:cTn id="81" dur="1" fill="hold">
+                                        <p:cTn id="85" dur="1" fill="hold">
                                           <p:stCondLst>
                                             <p:cond delay="0"/>
                                           </p:stCondLst>
@@ -10856,7 +11072,7 @@
                                     </p:set>
                                     <p:anim calcmode="lin" valueType="num">
                                       <p:cBhvr additive="base">
-                                        <p:cTn id="82" dur="500" fill="hold"/>
+                                        <p:cTn id="86" dur="500" fill="hold"/>
                                         <p:tgtEl>
                                           <p:spTgt spid="22"/>
                                         </p:tgtEl>
@@ -10879,7 +11095,7 @@
                                     </p:anim>
                                     <p:anim calcmode="lin" valueType="num">
                                       <p:cBhvr additive="base">
-                                        <p:cTn id="83" dur="500" fill="hold"/>
+                                        <p:cTn id="87" dur="500" fill="hold"/>
                                         <p:tgtEl>
                                           <p:spTgt spid="22"/>
                                         </p:tgtEl>
@@ -10900,6 +11116,32 @@
                                         </p:tav>
                                       </p:tavLst>
                                     </p:anim>
+                                  </p:childTnLst>
+                                </p:cTn>
+                              </p:par>
+                            </p:childTnLst>
+                          </p:cTn>
+                        </p:par>
+                        <p:par>
+                          <p:cTn id="88" fill="hold">
+                            <p:stCondLst>
+                              <p:cond delay="398745"/>
+                            </p:stCondLst>
+                            <p:childTnLst>
+                              <p:par>
+                                <p:cTn id="89" presetID="1" presetClass="mediacall" presetSubtype="0" fill="hold" nodeType="afterEffect">
+                                  <p:stCondLst>
+                                    <p:cond delay="0"/>
+                                  </p:stCondLst>
+                                  <p:childTnLst>
+                                    <p:cmd type="call" cmd="playFrom(0.0)">
+                                      <p:cBhvr>
+                                        <p:cTn id="90" dur="154715" fill="hold"/>
+                                        <p:tgtEl>
+                                          <p:spTgt spid="13"/>
+                                        </p:tgtEl>
+                                      </p:cBhvr>
+                                    </p:cmd>
                                   </p:childTnLst>
                                 </p:cTn>
                               </p:par>
@@ -10928,7 +11170,7 @@
             </p:seq>
             <p:audio>
               <p:cMediaNode showWhenStopped="0">
-                <p:cTn id="84" fill="hold" display="0">
+                <p:cTn id="91" fill="hold" display="0">
                   <p:stCondLst>
                     <p:cond delay="indefinite"/>
                   </p:stCondLst>
@@ -10955,6 +11197,30 @@
                 </p:tgtEl>
               </p:cMediaNode>
             </p:audio>
+            <p:video fullScrn="1">
+              <p:cMediaNode showWhenStopped="0">
+                <p:cTn id="92" fill="hold" display="0">
+                  <p:stCondLst>
+                    <p:cond delay="indefinite"/>
+                  </p:stCondLst>
+                  <p:endCondLst>
+                    <p:cond evt="onNext" delay="0">
+                      <p:tgtEl>
+                        <p:sldTgt/>
+                      </p:tgtEl>
+                    </p:cond>
+                    <p:cond evt="onPrev" delay="0">
+                      <p:tgtEl>
+                        <p:sldTgt/>
+                      </p:tgtEl>
+                    </p:cond>
+                  </p:endCondLst>
+                </p:cTn>
+                <p:tgtEl>
+                  <p:spTgt spid="13"/>
+                </p:tgtEl>
+              </p:cMediaNode>
+            </p:video>
           </p:childTnLst>
         </p:cTn>
       </p:par>
@@ -11384,7 +11650,7 @@
           <p:nvPr/>
         </p:nvPicPr>
         <p:blipFill>
-          <a:blip r:embed="rId3" cstate="print"/>
+          <a:blip r:embed="rId4" cstate="print"/>
           <a:stretch>
             <a:fillRect/>
           </a:stretch>
@@ -11408,7 +11674,7 @@
           <p:nvPr/>
         </p:nvPicPr>
         <p:blipFill>
-          <a:blip r:embed="rId4" cstate="print"/>
+          <a:blip r:embed="rId5" cstate="print"/>
           <a:stretch>
             <a:fillRect/>
           </a:stretch>
@@ -11432,7 +11698,7 @@
           <p:nvPr/>
         </p:nvPicPr>
         <p:blipFill>
-          <a:blip r:embed="rId5" cstate="print"/>
+          <a:blip r:embed="rId6" cstate="print"/>
           <a:stretch>
             <a:fillRect/>
           </a:stretch>
@@ -11456,7 +11722,7 @@
           <p:nvPr/>
         </p:nvPicPr>
         <p:blipFill>
-          <a:blip r:embed="rId6" cstate="print"/>
+          <a:blip r:embed="rId7" cstate="print"/>
           <a:stretch>
             <a:fillRect/>
           </a:stretch>
@@ -11480,7 +11746,7 @@
           <p:nvPr/>
         </p:nvPicPr>
         <p:blipFill>
-          <a:blip r:embed="rId7" cstate="print"/>
+          <a:blip r:embed="rId8" cstate="print"/>
           <a:stretch>
             <a:fillRect/>
           </a:stretch>
@@ -11504,7 +11770,7 @@
           <p:nvPr/>
         </p:nvPicPr>
         <p:blipFill>
-          <a:blip r:embed="rId8" cstate="print"/>
+          <a:blip r:embed="rId9" cstate="print"/>
           <a:stretch>
             <a:fillRect/>
           </a:stretch>
@@ -11528,11 +11794,11 @@
             <a:picLocks noRot="1" noChangeAspect="1"/>
           </p:cNvPicPr>
           <p:nvPr>
-            <a:audioFile r:link="rId1"/>
+            <a:audioFile r:link="rId2"/>
           </p:nvPr>
         </p:nvPicPr>
         <p:blipFill>
-          <a:blip r:embed="rId9" cstate="print"/>
+          <a:blip r:embed="rId10" cstate="print"/>
           <a:stretch>
             <a:fillRect/>
           </a:stretch>
@@ -11548,11 +11814,14 @@
         </p:spPr>
       </p:pic>
     </p:spTree>
+    <p:custDataLst>
+      <p:tags r:id="rId1"/>
+    </p:custDataLst>
   </p:cSld>
   <p:clrMapOvr>
     <a:masterClrMapping/>
   </p:clrMapOvr>
-  <p:transition>
+  <p:transition advTm="102805">
     <p:fade/>
   </p:transition>
   <p:timing>
@@ -12846,7 +13115,7 @@
   <p:clrMapOvr>
     <a:masterClrMapping/>
   </p:clrMapOvr>
-  <p:transition>
+  <p:transition advTm="68235">
     <p:fade/>
   </p:transition>
   <p:timing>
@@ -12995,17 +13264,7 @@
                   </a:schemeClr>
                 </a:solidFill>
               </a:rPr>
-              <a:t> Les </a:t>
-            </a:r>
-            <a:r>
-              <a:rPr lang="fr-FR" dirty="0" smtClean="0">
-                <a:solidFill>
-                  <a:schemeClr val="tx2">
-                    <a:lumMod val="75000"/>
-                  </a:schemeClr>
-                </a:solidFill>
-              </a:rPr>
-              <a:t>besoins</a:t>
+              <a:t> Les besoins</a:t>
             </a:r>
           </a:p>
           <a:p>
@@ -13214,7 +13473,7 @@
   <p:clrMapOvr>
     <a:masterClrMapping/>
   </p:clrMapOvr>
-  <p:transition>
+  <p:transition advTm="39561">
     <p:fade/>
   </p:transition>
   <p:timing>
@@ -13531,27 +13790,7 @@
                   </a:schemeClr>
                 </a:solidFill>
               </a:rPr>
-              <a:t>Ressources  </a:t>
-            </a:r>
-            <a:r>
-              <a:rPr lang="fr-FR" dirty="0" smtClean="0">
-                <a:solidFill>
-                  <a:schemeClr val="tx2">
-                    <a:lumMod val="75000"/>
-                  </a:schemeClr>
-                </a:solidFill>
-              </a:rPr>
-              <a:t>et le fichier </a:t>
-            </a:r>
-            <a:r>
-              <a:rPr lang="fr-FR" dirty="0" smtClean="0">
-                <a:solidFill>
-                  <a:schemeClr val="tx2">
-                    <a:lumMod val="75000"/>
-                  </a:schemeClr>
-                </a:solidFill>
-              </a:rPr>
-              <a:t>R.java</a:t>
+              <a:t>Ressources  et le fichier R.java</a:t>
             </a:r>
           </a:p>
           <a:p>
@@ -13567,17 +13806,7 @@
                   </a:schemeClr>
                 </a:solidFill>
               </a:rPr>
-              <a:t>L’ensemble </a:t>
-            </a:r>
-            <a:r>
-              <a:rPr lang="fr-FR" dirty="0" smtClean="0">
-                <a:solidFill>
-                  <a:schemeClr val="tx2">
-                    <a:lumMod val="75000"/>
-                  </a:schemeClr>
-                </a:solidFill>
-              </a:rPr>
-              <a:t>des éléments graphiques hérite de la classe </a:t>
+              <a:t>L’ensemble des éléments graphiques hérite de la classe </a:t>
             </a:r>
             <a:r>
               <a:rPr lang="fr-FR" i="1" dirty="0" err="1" smtClean="0">
@@ -13800,7 +14029,7 @@
           <p:nvPr/>
         </p:nvPicPr>
         <p:blipFill>
-          <a:blip r:embed="rId2" cstate="print"/>
+          <a:blip r:embed="rId3" cstate="print"/>
           <a:stretch>
             <a:fillRect/>
           </a:stretch>
@@ -13824,7 +14053,7 @@
           <p:nvPr/>
         </p:nvPicPr>
         <p:blipFill>
-          <a:blip r:embed="rId3" cstate="print"/>
+          <a:blip r:embed="rId4" cstate="print"/>
           <a:stretch>
             <a:fillRect/>
           </a:stretch>
@@ -13848,7 +14077,7 @@
           <p:nvPr/>
         </p:nvPicPr>
         <p:blipFill>
-          <a:blip r:embed="rId4" cstate="print"/>
+          <a:blip r:embed="rId5" cstate="print"/>
           <a:stretch>
             <a:fillRect/>
           </a:stretch>
@@ -13872,7 +14101,7 @@
           <p:nvPr/>
         </p:nvPicPr>
         <p:blipFill>
-          <a:blip r:embed="rId5" cstate="print"/>
+          <a:blip r:embed="rId6" cstate="print"/>
           <a:stretch>
             <a:fillRect/>
           </a:stretch>
@@ -13896,7 +14125,7 @@
           <p:nvPr/>
         </p:nvPicPr>
         <p:blipFill>
-          <a:blip r:embed="rId6" cstate="print"/>
+          <a:blip r:embed="rId7" cstate="print"/>
           <a:stretch>
             <a:fillRect/>
           </a:stretch>
@@ -13920,7 +14149,7 @@
           <p:nvPr/>
         </p:nvPicPr>
         <p:blipFill>
-          <a:blip r:embed="rId7" cstate="print"/>
+          <a:blip r:embed="rId8" cstate="print"/>
           <a:stretch>
             <a:fillRect/>
           </a:stretch>
@@ -13944,7 +14173,7 @@
           <p:nvPr/>
         </p:nvPicPr>
         <p:blipFill>
-          <a:blip r:embed="rId8" cstate="print"/>
+          <a:blip r:embed="rId9" cstate="print"/>
           <a:stretch>
             <a:fillRect/>
           </a:stretch>
@@ -13968,7 +14197,7 @@
           <p:nvPr/>
         </p:nvPicPr>
         <p:blipFill>
-          <a:blip r:embed="rId9" cstate="print"/>
+          <a:blip r:embed="rId10" cstate="print"/>
           <a:stretch>
             <a:fillRect/>
           </a:stretch>
@@ -13984,11 +14213,14 @@
         </p:spPr>
       </p:pic>
     </p:spTree>
+    <p:custDataLst>
+      <p:tags r:id="rId1"/>
+    </p:custDataLst>
   </p:cSld>
   <p:clrMapOvr>
     <a:masterClrMapping/>
   </p:clrMapOvr>
-  <p:transition>
+  <p:transition advTm="96425">
     <p:fade/>
   </p:transition>
   <p:timing>
@@ -15260,17 +15492,7 @@
                   </a:schemeClr>
                 </a:solidFill>
               </a:rPr>
-              <a:t>Redémarrage </a:t>
-            </a:r>
-            <a:r>
-              <a:rPr lang="fr-FR" dirty="0" smtClean="0">
-                <a:solidFill>
-                  <a:schemeClr val="tx2">
-                    <a:lumMod val="75000"/>
-                  </a:schemeClr>
-                </a:solidFill>
-              </a:rPr>
-              <a:t>de l’activité en cours</a:t>
+              <a:t>Redémarrage de l’activité en cours</a:t>
             </a:r>
           </a:p>
           <a:p>
@@ -15522,7 +15744,7 @@
           <p:nvPr/>
         </p:nvPicPr>
         <p:blipFill>
-          <a:blip r:embed="rId2" cstate="print"/>
+          <a:blip r:embed="rId3" cstate="print"/>
           <a:stretch>
             <a:fillRect/>
           </a:stretch>
@@ -15546,7 +15768,7 @@
           <p:nvPr/>
         </p:nvPicPr>
         <p:blipFill>
-          <a:blip r:embed="rId3" cstate="print"/>
+          <a:blip r:embed="rId4" cstate="print"/>
           <a:stretch>
             <a:fillRect/>
           </a:stretch>
@@ -15562,11 +15784,14 @@
         </p:spPr>
       </p:pic>
     </p:spTree>
+    <p:custDataLst>
+      <p:tags r:id="rId1"/>
+    </p:custDataLst>
   </p:cSld>
   <p:clrMapOvr>
     <a:masterClrMapping/>
   </p:clrMapOvr>
-  <p:transition>
+  <p:transition advTm="66784">
     <p:fade/>
   </p:transition>
   <p:timing>
@@ -16703,7 +16928,7 @@
   <p:clrMapOvr>
     <a:masterClrMapping/>
   </p:clrMapOvr>
-  <p:transition>
+  <p:transition advTm="41231">
     <p:fade/>
   </p:transition>
   <p:timing>
@@ -16714,6 +16939,30 @@
     </p:tnLst>
   </p:timing>
 </p:sld>
+</file>
+
+<file path=ppt/tags/tag1.xml><?xml version="1.0" encoding="utf-8"?>
+<p:tagLst xmlns:a="http://schemas.openxmlformats.org/drawingml/2006/main" xmlns:r="http://schemas.openxmlformats.org/officeDocument/2006/relationships" xmlns:p="http://schemas.openxmlformats.org/presentationml/2006/main">
+  <p:tag name="TIMING" val="|9.3|182.8|38.4"/>
+</p:tagLst>
+</file>
+
+<file path=ppt/tags/tag2.xml><?xml version="1.0" encoding="utf-8"?>
+<p:tagLst xmlns:a="http://schemas.openxmlformats.org/drawingml/2006/main" xmlns:r="http://schemas.openxmlformats.org/officeDocument/2006/relationships" xmlns:p="http://schemas.openxmlformats.org/presentationml/2006/main">
+  <p:tag name="TIMING" val="|49.7|17|23.4"/>
+</p:tagLst>
+</file>
+
+<file path=ppt/tags/tag3.xml><?xml version="1.0" encoding="utf-8"?>
+<p:tagLst xmlns:a="http://schemas.openxmlformats.org/drawingml/2006/main" xmlns:r="http://schemas.openxmlformats.org/officeDocument/2006/relationships" xmlns:p="http://schemas.openxmlformats.org/presentationml/2006/main">
+  <p:tag name="TIMING" val="|37.3|15.6|18|6.6"/>
+</p:tagLst>
+</file>
+
+<file path=ppt/tags/tag4.xml><?xml version="1.0" encoding="utf-8"?>
+<p:tagLst xmlns:a="http://schemas.openxmlformats.org/drawingml/2006/main" xmlns:r="http://schemas.openxmlformats.org/officeDocument/2006/relationships" xmlns:p="http://schemas.openxmlformats.org/presentationml/2006/main">
+  <p:tag name="TIMING" val="|19.9"/>
+</p:tagLst>
 </file>
 
 <file path=ppt/theme/theme1.xml><?xml version="1.0" encoding="utf-8"?>

--- a/trunk/AAP/docs/Presentation.pptx
+++ b/trunk/AAP/docs/Presentation.pptx
@@ -544,7 +544,7 @@
     </p:spTree>
     <p:extLst>
       <p:ext uri="{BB962C8B-B14F-4D97-AF65-F5344CB8AC3E}">
-        <p14:creationId xmlns:p14="http://schemas.microsoft.com/office/powerpoint/2010/main" xmlns="" val="2884352748"/>
+        <p14:creationId xmlns="" xmlns:p14="http://schemas.microsoft.com/office/powerpoint/2010/main" val="2884352748"/>
       </p:ext>
     </p:extLst>
   </p:cSld>
@@ -6384,7 +6384,7 @@
           <a:blip r:embed="rId2" cstate="print">
             <a:extLst>
               <a:ext uri="{28A0092B-C50C-407E-A947-70E740481C1C}">
-                <a14:useLocalDpi xmlns:a14="http://schemas.microsoft.com/office/drawing/2010/main" xmlns="" val="0"/>
+                <a14:useLocalDpi xmlns="" xmlns:a14="http://schemas.microsoft.com/office/drawing/2010/main" val="0"/>
               </a:ext>
             </a:extLst>
           </a:blip>
@@ -6404,7 +6404,7 @@
           <a:noFill/>
           <a:extLst>
             <a:ext uri="{909E8E84-426E-40DD-AFC4-6F175D3DCCD1}">
-              <a14:hiddenFill xmlns:a14="http://schemas.microsoft.com/office/drawing/2010/main" xmlns="">
+              <a14:hiddenFill xmlns="" xmlns:a14="http://schemas.microsoft.com/office/drawing/2010/main">
                 <a:solidFill>
                   <a:srgbClr val="FFFFFF"/>
                 </a:solidFill>
@@ -8017,17 +8017,7 @@
                   </a:schemeClr>
                 </a:solidFill>
               </a:rPr>
-              <a:t>Afficher la pochette des </a:t>
-            </a:r>
-            <a:r>
-              <a:rPr lang="fr-FR" dirty="0" smtClean="0">
-                <a:solidFill>
-                  <a:schemeClr val="tx2">
-                    <a:lumMod val="75000"/>
-                  </a:schemeClr>
-                </a:solidFill>
-              </a:rPr>
-              <a:t>albums</a:t>
+              <a:t>Afficher la pochette des albums</a:t>
             </a:r>
           </a:p>
           <a:p>
@@ -8574,29 +8564,8 @@
                 </a:solidFill>
                 <a:latin typeface="Cambria" pitchFamily="18" charset="0"/>
               </a:rPr>
-              <a:t>Orientation du </a:t>
-            </a:r>
-            <a:r>
-              <a:rPr lang="fr-FR" sz="2900" dirty="0" smtClean="0">
-                <a:solidFill>
-                  <a:schemeClr val="tx2">
-                    <a:lumMod val="60000"/>
-                    <a:lumOff val="40000"/>
-                  </a:schemeClr>
-                </a:solidFill>
-                <a:latin typeface="Cambria" pitchFamily="18" charset="0"/>
-              </a:rPr>
-              <a:t>téléphone</a:t>
-            </a:r>
-            <a:endParaRPr lang="fr-FR" sz="2900" dirty="0" smtClean="0">
-              <a:solidFill>
-                <a:schemeClr val="tx2">
-                  <a:lumMod val="60000"/>
-                  <a:lumOff val="40000"/>
-                </a:schemeClr>
-              </a:solidFill>
-              <a:latin typeface="Cambria" pitchFamily="18" charset="0"/>
-            </a:endParaRPr>
+              <a:t>Orientation du téléphone</a:t>
+            </a:r>
           </a:p>
           <a:p>
             <a:pPr marL="514350" indent="-514350" algn="l">
@@ -13446,7 +13415,7 @@
       </p:sp>
       <p:pic>
         <p:nvPicPr>
-          <p:cNvPr id="7" name="Image 6" descr="diapo1.gif"/>
+          <p:cNvPr id="8" name="Image 7" descr="diapo.gif"/>
           <p:cNvPicPr>
             <a:picLocks noChangeAspect="1"/>
           </p:cNvPicPr>
@@ -13460,8 +13429,8 @@
         </p:blipFill>
         <p:spPr>
           <a:xfrm>
-            <a:off x="3635896" y="1484784"/>
-            <a:ext cx="3024336" cy="4481848"/>
+            <a:off x="3635896" y="1556792"/>
+            <a:ext cx="2818684" cy="4176464"/>
           </a:xfrm>
           <a:prstGeom prst="rect">
             <a:avLst/>
@@ -13513,7 +13482,7 @@
                                           </p:stCondLst>
                                         </p:cTn>
                                         <p:tgtEl>
-                                          <p:spTgt spid="7"/>
+                                          <p:spTgt spid="8"/>
                                         </p:tgtEl>
                                         <p:attrNameLst>
                                           <p:attrName>style.visibility</p:attrName>
@@ -13527,7 +13496,7 @@
                                       <p:cBhvr>
                                         <p:cTn id="7" dur="1000"/>
                                         <p:tgtEl>
-                                          <p:spTgt spid="7"/>
+                                          <p:spTgt spid="8"/>
                                         </p:tgtEl>
                                       </p:cBhvr>
                                     </p:animEffect>
@@ -13535,7 +13504,7 @@
                                       <p:cBhvr>
                                         <p:cTn id="8" dur="1000" fill="hold"/>
                                         <p:tgtEl>
-                                          <p:spTgt spid="7"/>
+                                          <p:spTgt spid="8"/>
                                         </p:tgtEl>
                                         <p:attrNameLst>
                                           <p:attrName>ppt_x</p:attrName>
@@ -13558,7 +13527,7 @@
                                       <p:cBhvr>
                                         <p:cTn id="9" dur="900" decel="100000" fill="hold"/>
                                         <p:tgtEl>
-                                          <p:spTgt spid="7"/>
+                                          <p:spTgt spid="8"/>
                                         </p:tgtEl>
                                         <p:attrNameLst>
                                           <p:attrName>ppt_y</p:attrName>
@@ -13585,7 +13554,7 @@
                                           </p:stCondLst>
                                         </p:cTn>
                                         <p:tgtEl>
-                                          <p:spTgt spid="7"/>
+                                          <p:spTgt spid="8"/>
                                         </p:tgtEl>
                                         <p:attrNameLst>
                                           <p:attrName>ppt_y</p:attrName>
@@ -14084,8 +14053,8 @@
         </p:blipFill>
         <p:spPr>
           <a:xfrm>
-            <a:off x="1619672" y="4221088"/>
-            <a:ext cx="3776067" cy="1484082"/>
+            <a:off x="1907704" y="4365104"/>
+            <a:ext cx="3560043" cy="1399180"/>
           </a:xfrm>
           <a:prstGeom prst="rect">
             <a:avLst/>
@@ -14108,7 +14077,7 @@
         </p:blipFill>
         <p:spPr>
           <a:xfrm>
-            <a:off x="5580112" y="4725144"/>
+            <a:off x="5731321" y="4725144"/>
             <a:ext cx="3305175" cy="714375"/>
           </a:xfrm>
           <a:prstGeom prst="rect">
@@ -14156,8 +14125,8 @@
         </p:blipFill>
         <p:spPr>
           <a:xfrm>
-            <a:off x="1619671" y="4221088"/>
-            <a:ext cx="3551745" cy="1800200"/>
+            <a:off x="1979712" y="4293096"/>
+            <a:ext cx="3240361" cy="1642375"/>
           </a:xfrm>
           <a:prstGeom prst="rect">
             <a:avLst/>
@@ -14180,7 +14149,7 @@
         </p:blipFill>
         <p:spPr>
           <a:xfrm>
-            <a:off x="5580112" y="4869160"/>
+            <a:off x="5796136" y="4869160"/>
             <a:ext cx="3240360" cy="577959"/>
           </a:xfrm>
           <a:prstGeom prst="rect">
@@ -14204,7 +14173,7 @@
         </p:blipFill>
         <p:spPr>
           <a:xfrm>
-            <a:off x="2267744" y="1484784"/>
+            <a:off x="2483768" y="1412776"/>
             <a:ext cx="6038097" cy="4464496"/>
           </a:xfrm>
           <a:prstGeom prst="rect">
@@ -15460,14 +15429,8 @@
                   </a:schemeClr>
                 </a:solidFill>
               </a:rPr>
-              <a:t> Orientation du téléphone</a:t>
-            </a:r>
-          </a:p>
-          <a:p>
-            <a:pPr lvl="1">
-              <a:buFont typeface="Arial" pitchFamily="34" charset="0"/>
-              <a:buChar char="•"/>
-            </a:pPr>
+              <a:t> Orientation du </a:t>
+            </a:r>
             <a:r>
               <a:rPr lang="fr-FR" dirty="0" smtClean="0">
                 <a:solidFill>
@@ -15476,87 +15439,9 @@
                   </a:schemeClr>
                 </a:solidFill>
               </a:rPr>
-              <a:t>Paysage et portrait</a:t>
-            </a:r>
-          </a:p>
-          <a:p>
-            <a:pPr lvl="1">
-              <a:buFont typeface="Arial" pitchFamily="34" charset="0"/>
-              <a:buChar char="•"/>
-            </a:pPr>
-            <a:r>
-              <a:rPr lang="fr-FR" dirty="0" smtClean="0">
-                <a:solidFill>
-                  <a:schemeClr val="tx2">
-                    <a:lumMod val="75000"/>
-                  </a:schemeClr>
-                </a:solidFill>
-              </a:rPr>
-              <a:t>Redémarrage de l’activité en cours</a:t>
-            </a:r>
-          </a:p>
-          <a:p>
-            <a:pPr lvl="1">
-              <a:buFont typeface="Arial" pitchFamily="34" charset="0"/>
-              <a:buChar char="•"/>
-            </a:pPr>
-            <a:r>
-              <a:rPr lang="fr-FR" dirty="0" smtClean="0">
-                <a:solidFill>
-                  <a:schemeClr val="tx2">
-                    <a:lumMod val="75000"/>
-                  </a:schemeClr>
-                </a:solidFill>
-              </a:rPr>
-              <a:t>Système de sauvegarde/restauration</a:t>
-            </a:r>
-          </a:p>
-          <a:p>
-            <a:pPr lvl="2"/>
-            <a:r>
-              <a:rPr lang="fr-FR" i="1" dirty="0" err="1" smtClean="0">
-                <a:solidFill>
-                  <a:schemeClr val="tx2">
-                    <a:lumMod val="75000"/>
-                  </a:schemeClr>
-                </a:solidFill>
-              </a:rPr>
-              <a:t>onRetainNonConfigurationInstance</a:t>
-            </a:r>
-            <a:r>
-              <a:rPr lang="fr-FR" i="1" dirty="0" smtClean="0">
-                <a:solidFill>
-                  <a:schemeClr val="tx2">
-                    <a:lumMod val="75000"/>
-                  </a:schemeClr>
-                </a:solidFill>
-              </a:rPr>
-              <a:t>()</a:t>
-            </a:r>
-          </a:p>
-          <a:p>
-            <a:pPr lvl="2"/>
-            <a:r>
-              <a:rPr lang="fr-FR" i="1" dirty="0" err="1" smtClean="0">
-                <a:solidFill>
-                  <a:schemeClr val="tx2">
-                    <a:lumMod val="75000"/>
-                  </a:schemeClr>
-                </a:solidFill>
-              </a:rPr>
-              <a:t>getLastNonConfigurationInstance</a:t>
-            </a:r>
-            <a:r>
-              <a:rPr lang="fr-FR" i="1" dirty="0" smtClean="0">
-                <a:solidFill>
-                  <a:schemeClr val="tx2">
-                    <a:lumMod val="75000"/>
-                  </a:schemeClr>
-                </a:solidFill>
-              </a:rPr>
-              <a:t>()</a:t>
-            </a:r>
-            <a:endParaRPr lang="fr-FR" i="1" dirty="0">
+              <a:t>téléphone</a:t>
+            </a:r>
+            <a:endParaRPr lang="fr-FR" dirty="0" smtClean="0">
               <a:solidFill>
                 <a:schemeClr val="tx2">
                   <a:lumMod val="75000"/>
@@ -15751,7 +15636,7 @@
         </p:blipFill>
         <p:spPr>
           <a:xfrm>
-            <a:off x="3663671" y="2060848"/>
+            <a:off x="3663671" y="1628800"/>
             <a:ext cx="2852545" cy="4248471"/>
           </a:xfrm>
           <a:prstGeom prst="rect">
@@ -15775,7 +15660,7 @@
         </p:blipFill>
         <p:spPr>
           <a:xfrm>
-            <a:off x="2987824" y="2708920"/>
+            <a:off x="2987824" y="2276872"/>
             <a:ext cx="4248472" cy="2808312"/>
           </a:xfrm>
           <a:prstGeom prst="rect">
@@ -15820,7 +15705,7 @@
                               <p:par>
                                 <p:cTn id="5" presetID="8" presetClass="emph" presetSubtype="0" accel="50000" fill="hold" nodeType="afterEffect">
                                   <p:stCondLst>
-                                    <p:cond delay="2000"/>
+                                    <p:cond delay="3000"/>
                                   </p:stCondLst>
                                   <p:childTnLst>
                                     <p:animRot by="5400000">
@@ -15840,7 +15725,7 @@
                               <p:par>
                                 <p:cTn id="7" presetID="10" presetClass="exit" presetSubtype="0" fill="hold" nodeType="withEffect">
                                   <p:stCondLst>
-                                    <p:cond delay="2000"/>
+                                    <p:cond delay="3000"/>
                                   </p:stCondLst>
                                   <p:childTnLst>
                                     <p:animEffect transition="out" filter="fade">
@@ -15875,7 +15760,7 @@
                               <p:par>
                                 <p:cTn id="10" presetID="10" presetClass="entr" presetSubtype="0" fill="hold" nodeType="withEffect">
                                   <p:stCondLst>
-                                    <p:cond delay="2000"/>
+                                    <p:cond delay="3000"/>
                                   </p:stCondLst>
                                   <p:childTnLst>
                                     <p:set>
@@ -15913,16 +15798,16 @@
                         <p:par>
                           <p:cTn id="13" fill="hold">
                             <p:stCondLst>
-                              <p:cond delay="4000"/>
+                              <p:cond delay="5000"/>
                             </p:stCondLst>
                             <p:childTnLst>
                               <p:par>
                                 <p:cTn id="14" presetID="0" presetClass="path" presetSubtype="0" accel="50000" decel="50000" fill="hold" nodeType="afterEffect">
                                   <p:stCondLst>
-                                    <p:cond delay="2000"/>
+                                    <p:cond delay="3000"/>
                                   </p:stCondLst>
                                   <p:childTnLst>
-                                    <p:animMotion origin="layout" path="M -3.05556E-6 -3.7037E-6 L 0.21267 -3.7037E-6 " pathEditMode="relative" ptsTypes="AA">
+                                    <p:animMotion origin="layout" path="M 2.22222E-6 2.96296E-6 L 0.20087 -0.0051 " pathEditMode="relative" rAng="0" ptsTypes="AA">
                                       <p:cBhvr>
                                         <p:cTn id="15" dur="2000" fill="hold"/>
                                         <p:tgtEl>
@@ -15933,6 +15818,7 @@
                                           <p:attrName>ppt_y</p:attrName>
                                         </p:attrNameLst>
                                       </p:cBhvr>
+                                      <p:rCtr x="100" y="-3"/>
                                     </p:animMotion>
                                   </p:childTnLst>
                                 </p:cTn>
@@ -15940,7 +15826,7 @@
                               <p:par>
                                 <p:cTn id="16" presetID="8" presetClass="emph" presetSubtype="0" fill="hold" nodeType="withEffect">
                                   <p:stCondLst>
-                                    <p:cond delay="2000"/>
+                                    <p:cond delay="3000"/>
                                   </p:stCondLst>
                                   <p:childTnLst>
                                     <p:animRot by="-5400000">
@@ -15960,7 +15846,7 @@
                               <p:par>
                                 <p:cTn id="18" presetID="10" presetClass="entr" presetSubtype="0" fill="hold" nodeType="withEffect">
                                   <p:stCondLst>
-                                    <p:cond delay="2000"/>
+                                    <p:cond delay="3000"/>
                                   </p:stCondLst>
                                   <p:childTnLst>
                                     <p:set>
@@ -15995,7 +15881,7 @@
                               <p:par>
                                 <p:cTn id="21" presetID="0" presetClass="path" presetSubtype="0" accel="50000" decel="50000" fill="hold" nodeType="withEffect">
                                   <p:stCondLst>
-                                    <p:cond delay="2000"/>
+                                    <p:cond delay="3000"/>
                                   </p:stCondLst>
                                   <p:childTnLst>
                                     <p:animMotion origin="layout" path="M -3.61111E-6 -1.48148E-6 L -0.19687 -1.48148E-6 " pathEditMode="relative" ptsTypes="AA">
@@ -16010,409 +15896,6 @@
                                         </p:attrNameLst>
                                       </p:cBhvr>
                                     </p:animMotion>
-                                  </p:childTnLst>
-                                </p:cTn>
-                              </p:par>
-                            </p:childTnLst>
-                          </p:cTn>
-                        </p:par>
-                      </p:childTnLst>
-                    </p:cTn>
-                  </p:par>
-                  <p:par>
-                    <p:cTn id="23" fill="hold">
-                      <p:stCondLst>
-                        <p:cond delay="indefinite"/>
-                      </p:stCondLst>
-                      <p:childTnLst>
-                        <p:par>
-                          <p:cTn id="24" fill="hold">
-                            <p:stCondLst>
-                              <p:cond delay="0"/>
-                            </p:stCondLst>
-                            <p:childTnLst>
-                              <p:par>
-                                <p:cTn id="25" presetID="10" presetClass="entr" presetSubtype="0" fill="hold" nodeType="clickEffect">
-                                  <p:stCondLst>
-                                    <p:cond delay="0"/>
-                                  </p:stCondLst>
-                                  <p:childTnLst>
-                                    <p:set>
-                                      <p:cBhvr>
-                                        <p:cTn id="26" dur="1" fill="hold">
-                                          <p:stCondLst>
-                                            <p:cond delay="0"/>
-                                          </p:stCondLst>
-                                        </p:cTn>
-                                        <p:tgtEl>
-                                          <p:spTgt spid="5">
-                                            <p:txEl>
-                                              <p:pRg st="2" end="2"/>
-                                            </p:txEl>
-                                          </p:spTgt>
-                                        </p:tgtEl>
-                                        <p:attrNameLst>
-                                          <p:attrName>style.visibility</p:attrName>
-                                        </p:attrNameLst>
-                                      </p:cBhvr>
-                                      <p:to>
-                                        <p:strVal val="visible"/>
-                                      </p:to>
-                                    </p:set>
-                                    <p:animEffect transition="in" filter="fade">
-                                      <p:cBhvr>
-                                        <p:cTn id="27" dur="2000"/>
-                                        <p:tgtEl>
-                                          <p:spTgt spid="5">
-                                            <p:txEl>
-                                              <p:pRg st="2" end="2"/>
-                                            </p:txEl>
-                                          </p:spTgt>
-                                        </p:tgtEl>
-                                      </p:cBhvr>
-                                    </p:animEffect>
-                                  </p:childTnLst>
-                                </p:cTn>
-                              </p:par>
-                              <p:par>
-                                <p:cTn id="28" presetID="10" presetClass="entr" presetSubtype="0" fill="hold" nodeType="withEffect">
-                                  <p:stCondLst>
-                                    <p:cond delay="0"/>
-                                  </p:stCondLst>
-                                  <p:childTnLst>
-                                    <p:set>
-                                      <p:cBhvr>
-                                        <p:cTn id="29" dur="1" fill="hold">
-                                          <p:stCondLst>
-                                            <p:cond delay="0"/>
-                                          </p:stCondLst>
-                                        </p:cTn>
-                                        <p:tgtEl>
-                                          <p:spTgt spid="5">
-                                            <p:txEl>
-                                              <p:pRg st="3" end="3"/>
-                                            </p:txEl>
-                                          </p:spTgt>
-                                        </p:tgtEl>
-                                        <p:attrNameLst>
-                                          <p:attrName>style.visibility</p:attrName>
-                                        </p:attrNameLst>
-                                      </p:cBhvr>
-                                      <p:to>
-                                        <p:strVal val="visible"/>
-                                      </p:to>
-                                    </p:set>
-                                    <p:animEffect transition="in" filter="fade">
-                                      <p:cBhvr>
-                                        <p:cTn id="30" dur="2000"/>
-                                        <p:tgtEl>
-                                          <p:spTgt spid="5">
-                                            <p:txEl>
-                                              <p:pRg st="3" end="3"/>
-                                            </p:txEl>
-                                          </p:spTgt>
-                                        </p:tgtEl>
-                                      </p:cBhvr>
-                                    </p:animEffect>
-                                  </p:childTnLst>
-                                </p:cTn>
-                              </p:par>
-                              <p:par>
-                                <p:cTn id="31" presetID="10" presetClass="entr" presetSubtype="0" fill="hold" nodeType="withEffect">
-                                  <p:stCondLst>
-                                    <p:cond delay="0"/>
-                                  </p:stCondLst>
-                                  <p:childTnLst>
-                                    <p:set>
-                                      <p:cBhvr>
-                                        <p:cTn id="32" dur="1" fill="hold">
-                                          <p:stCondLst>
-                                            <p:cond delay="0"/>
-                                          </p:stCondLst>
-                                        </p:cTn>
-                                        <p:tgtEl>
-                                          <p:spTgt spid="5">
-                                            <p:txEl>
-                                              <p:pRg st="4" end="4"/>
-                                            </p:txEl>
-                                          </p:spTgt>
-                                        </p:tgtEl>
-                                        <p:attrNameLst>
-                                          <p:attrName>style.visibility</p:attrName>
-                                        </p:attrNameLst>
-                                      </p:cBhvr>
-                                      <p:to>
-                                        <p:strVal val="visible"/>
-                                      </p:to>
-                                    </p:set>
-                                    <p:animEffect transition="in" filter="fade">
-                                      <p:cBhvr>
-                                        <p:cTn id="33" dur="2000"/>
-                                        <p:tgtEl>
-                                          <p:spTgt spid="5">
-                                            <p:txEl>
-                                              <p:pRg st="4" end="4"/>
-                                            </p:txEl>
-                                          </p:spTgt>
-                                        </p:tgtEl>
-                                      </p:cBhvr>
-                                    </p:animEffect>
-                                  </p:childTnLst>
-                                </p:cTn>
-                              </p:par>
-                              <p:par>
-                                <p:cTn id="34" presetID="10" presetClass="entr" presetSubtype="0" fill="hold" nodeType="withEffect">
-                                  <p:stCondLst>
-                                    <p:cond delay="0"/>
-                                  </p:stCondLst>
-                                  <p:childTnLst>
-                                    <p:set>
-                                      <p:cBhvr>
-                                        <p:cTn id="35" dur="1" fill="hold">
-                                          <p:stCondLst>
-                                            <p:cond delay="0"/>
-                                          </p:stCondLst>
-                                        </p:cTn>
-                                        <p:tgtEl>
-                                          <p:spTgt spid="5">
-                                            <p:txEl>
-                                              <p:pRg st="5" end="5"/>
-                                            </p:txEl>
-                                          </p:spTgt>
-                                        </p:tgtEl>
-                                        <p:attrNameLst>
-                                          <p:attrName>style.visibility</p:attrName>
-                                        </p:attrNameLst>
-                                      </p:cBhvr>
-                                      <p:to>
-                                        <p:strVal val="visible"/>
-                                      </p:to>
-                                    </p:set>
-                                    <p:animEffect transition="in" filter="fade">
-                                      <p:cBhvr>
-                                        <p:cTn id="36" dur="2000"/>
-                                        <p:tgtEl>
-                                          <p:spTgt spid="5">
-                                            <p:txEl>
-                                              <p:pRg st="5" end="5"/>
-                                            </p:txEl>
-                                          </p:spTgt>
-                                        </p:tgtEl>
-                                      </p:cBhvr>
-                                    </p:animEffect>
-                                  </p:childTnLst>
-                                </p:cTn>
-                              </p:par>
-                              <p:par>
-                                <p:cTn id="37" presetID="10" presetClass="exit" presetSubtype="0" fill="hold" nodeType="withEffect">
-                                  <p:stCondLst>
-                                    <p:cond delay="0"/>
-                                  </p:stCondLst>
-                                  <p:childTnLst>
-                                    <p:animEffect transition="out" filter="fade">
-                                      <p:cBhvr>
-                                        <p:cTn id="38" dur="2000"/>
-                                        <p:tgtEl>
-                                          <p:spTgt spid="5">
-                                            <p:txEl>
-                                              <p:pRg st="1" end="1"/>
-                                            </p:txEl>
-                                          </p:spTgt>
-                                        </p:tgtEl>
-                                      </p:cBhvr>
-                                    </p:animEffect>
-                                    <p:set>
-                                      <p:cBhvr>
-                                        <p:cTn id="39" dur="1" fill="hold">
-                                          <p:stCondLst>
-                                            <p:cond delay="1999"/>
-                                          </p:stCondLst>
-                                        </p:cTn>
-                                        <p:tgtEl>
-                                          <p:spTgt spid="5">
-                                            <p:txEl>
-                                              <p:pRg st="1" end="1"/>
-                                            </p:txEl>
-                                          </p:spTgt>
-                                        </p:tgtEl>
-                                        <p:attrNameLst>
-                                          <p:attrName>style.visibility</p:attrName>
-                                        </p:attrNameLst>
-                                      </p:cBhvr>
-                                      <p:to>
-                                        <p:strVal val="hidden"/>
-                                      </p:to>
-                                    </p:set>
-                                  </p:childTnLst>
-                                </p:cTn>
-                              </p:par>
-                              <p:par>
-                                <p:cTn id="40" presetID="0" presetClass="path" presetSubtype="0" accel="50000" decel="50000" fill="hold" nodeType="withEffect">
-                                  <p:stCondLst>
-                                    <p:cond delay="0"/>
-                                  </p:stCondLst>
-                                  <p:childTnLst>
-                                    <p:animMotion origin="layout" path="M 0 0 L 0 -0.08402 " pathEditMode="relative" ptsTypes="AA">
-                                      <p:cBhvr>
-                                        <p:cTn id="41" dur="2000" fill="hold"/>
-                                        <p:tgtEl>
-                                          <p:spTgt spid="5">
-                                            <p:txEl>
-                                              <p:pRg st="2" end="2"/>
-                                            </p:txEl>
-                                          </p:spTgt>
-                                        </p:tgtEl>
-                                        <p:attrNameLst>
-                                          <p:attrName>ppt_x</p:attrName>
-                                          <p:attrName>ppt_y</p:attrName>
-                                        </p:attrNameLst>
-                                      </p:cBhvr>
-                                    </p:animMotion>
-                                  </p:childTnLst>
-                                </p:cTn>
-                              </p:par>
-                              <p:par>
-                                <p:cTn id="42" presetID="0" presetClass="path" presetSubtype="0" accel="50000" decel="50000" fill="hold" nodeType="withEffect">
-                                  <p:stCondLst>
-                                    <p:cond delay="0"/>
-                                  </p:stCondLst>
-                                  <p:childTnLst>
-                                    <p:animMotion origin="layout" path="M 0 0 L 0 -0.08402 " pathEditMode="relative" ptsTypes="AA">
-                                      <p:cBhvr>
-                                        <p:cTn id="43" dur="2000" fill="hold"/>
-                                        <p:tgtEl>
-                                          <p:spTgt spid="5">
-                                            <p:txEl>
-                                              <p:pRg st="3" end="3"/>
-                                            </p:txEl>
-                                          </p:spTgt>
-                                        </p:tgtEl>
-                                        <p:attrNameLst>
-                                          <p:attrName>ppt_x</p:attrName>
-                                          <p:attrName>ppt_y</p:attrName>
-                                        </p:attrNameLst>
-                                      </p:cBhvr>
-                                    </p:animMotion>
-                                  </p:childTnLst>
-                                </p:cTn>
-                              </p:par>
-                              <p:par>
-                                <p:cTn id="44" presetID="0" presetClass="path" presetSubtype="0" accel="50000" decel="50000" fill="hold" nodeType="withEffect">
-                                  <p:stCondLst>
-                                    <p:cond delay="0"/>
-                                  </p:stCondLst>
-                                  <p:childTnLst>
-                                    <p:animMotion origin="layout" path="M 0 0 L 0 -0.08402 " pathEditMode="relative" ptsTypes="AA">
-                                      <p:cBhvr>
-                                        <p:cTn id="45" dur="2000" fill="hold"/>
-                                        <p:tgtEl>
-                                          <p:spTgt spid="5">
-                                            <p:txEl>
-                                              <p:pRg st="4" end="4"/>
-                                            </p:txEl>
-                                          </p:spTgt>
-                                        </p:tgtEl>
-                                        <p:attrNameLst>
-                                          <p:attrName>ppt_x</p:attrName>
-                                          <p:attrName>ppt_y</p:attrName>
-                                        </p:attrNameLst>
-                                      </p:cBhvr>
-                                    </p:animMotion>
-                                  </p:childTnLst>
-                                </p:cTn>
-                              </p:par>
-                              <p:par>
-                                <p:cTn id="46" presetID="0" presetClass="path" presetSubtype="0" accel="50000" decel="50000" fill="hold" nodeType="withEffect">
-                                  <p:stCondLst>
-                                    <p:cond delay="0"/>
-                                  </p:stCondLst>
-                                  <p:childTnLst>
-                                    <p:animMotion origin="layout" path="M 0 0 L 0 -0.08402 " pathEditMode="relative" ptsTypes="AA">
-                                      <p:cBhvr>
-                                        <p:cTn id="47" dur="2000" fill="hold"/>
-                                        <p:tgtEl>
-                                          <p:spTgt spid="5">
-                                            <p:txEl>
-                                              <p:pRg st="5" end="5"/>
-                                            </p:txEl>
-                                          </p:spTgt>
-                                        </p:tgtEl>
-                                        <p:attrNameLst>
-                                          <p:attrName>ppt_x</p:attrName>
-                                          <p:attrName>ppt_y</p:attrName>
-                                        </p:attrNameLst>
-                                      </p:cBhvr>
-                                    </p:animMotion>
-                                  </p:childTnLst>
-                                </p:cTn>
-                              </p:par>
-                              <p:par>
-                                <p:cTn id="48" presetID="10" presetClass="exit" presetSubtype="0" fill="hold" nodeType="withEffect">
-                                  <p:stCondLst>
-                                    <p:cond delay="0"/>
-                                  </p:stCondLst>
-                                  <p:childTnLst>
-                                    <p:animEffect transition="out" filter="fade">
-                                      <p:cBhvr>
-                                        <p:cTn id="49" dur="2000"/>
-                                        <p:tgtEl>
-                                          <p:spTgt spid="8"/>
-                                        </p:tgtEl>
-                                      </p:cBhvr>
-                                    </p:animEffect>
-                                    <p:set>
-                                      <p:cBhvr>
-                                        <p:cTn id="50" dur="1" fill="hold">
-                                          <p:stCondLst>
-                                            <p:cond delay="1999"/>
-                                          </p:stCondLst>
-                                        </p:cTn>
-                                        <p:tgtEl>
-                                          <p:spTgt spid="8"/>
-                                        </p:tgtEl>
-                                        <p:attrNameLst>
-                                          <p:attrName>style.visibility</p:attrName>
-                                        </p:attrNameLst>
-                                      </p:cBhvr>
-                                      <p:to>
-                                        <p:strVal val="hidden"/>
-                                      </p:to>
-                                    </p:set>
-                                  </p:childTnLst>
-                                </p:cTn>
-                              </p:par>
-                              <p:par>
-                                <p:cTn id="51" presetID="10" presetClass="exit" presetSubtype="0" fill="hold" nodeType="withEffect">
-                                  <p:stCondLst>
-                                    <p:cond delay="0"/>
-                                  </p:stCondLst>
-                                  <p:childTnLst>
-                                    <p:animEffect transition="out" filter="fade">
-                                      <p:cBhvr>
-                                        <p:cTn id="52" dur="2000"/>
-                                        <p:tgtEl>
-                                          <p:spTgt spid="7"/>
-                                        </p:tgtEl>
-                                      </p:cBhvr>
-                                    </p:animEffect>
-                                    <p:set>
-                                      <p:cBhvr>
-                                        <p:cTn id="53" dur="1" fill="hold">
-                                          <p:stCondLst>
-                                            <p:cond delay="1999"/>
-                                          </p:stCondLst>
-                                        </p:cTn>
-                                        <p:tgtEl>
-                                          <p:spTgt spid="7"/>
-                                        </p:tgtEl>
-                                        <p:attrNameLst>
-                                          <p:attrName>style.visibility</p:attrName>
-                                        </p:attrNameLst>
-                                      </p:cBhvr>
-                                      <p:to>
-                                        <p:strVal val="hidden"/>
-                                      </p:to>
-                                    </p:set>
                                   </p:childTnLst>
                                 </p:cTn>
                               </p:par>

--- a/trunk/AAP/docs/Presentation.pptx
+++ b/trunk/AAP/docs/Presentation.pptx
@@ -544,7 +544,7 @@
     </p:spTree>
     <p:extLst>
       <p:ext uri="{BB962C8B-B14F-4D97-AF65-F5344CB8AC3E}">
-        <p14:creationId xmlns="" xmlns:p14="http://schemas.microsoft.com/office/powerpoint/2010/main" val="2884352748"/>
+        <p14:creationId xmlns:p14="http://schemas.microsoft.com/office/powerpoint/2010/main" xmlns="" val="2884352748"/>
       </p:ext>
     </p:extLst>
   </p:cSld>
@@ -6384,7 +6384,7 @@
           <a:blip r:embed="rId2" cstate="print">
             <a:extLst>
               <a:ext uri="{28A0092B-C50C-407E-A947-70E740481C1C}">
-                <a14:useLocalDpi xmlns="" xmlns:a14="http://schemas.microsoft.com/office/drawing/2010/main" val="0"/>
+                <a14:useLocalDpi xmlns:a14="http://schemas.microsoft.com/office/drawing/2010/main" xmlns="" val="0"/>
               </a:ext>
             </a:extLst>
           </a:blip>
@@ -6404,7 +6404,7 @@
           <a:noFill/>
           <a:extLst>
             <a:ext uri="{909E8E84-426E-40DD-AFC4-6F175D3DCCD1}">
-              <a14:hiddenFill xmlns="" xmlns:a14="http://schemas.microsoft.com/office/drawing/2010/main">
+              <a14:hiddenFill xmlns:a14="http://schemas.microsoft.com/office/drawing/2010/main" xmlns="">
                 <a:solidFill>
                   <a:srgbClr val="FFFFFF"/>
                 </a:solidFill>
@@ -13442,7 +13442,7 @@
   <p:clrMapOvr>
     <a:masterClrMapping/>
   </p:clrMapOvr>
-  <p:transition advTm="39561">
+  <p:transition>
     <p:fade/>
   </p:transition>
   <p:timing>
@@ -14189,7 +14189,7 @@
   <p:clrMapOvr>
     <a:masterClrMapping/>
   </p:clrMapOvr>
-  <p:transition advTm="96425">
+  <p:transition>
     <p:fade/>
   </p:transition>
   <p:timing>
@@ -15429,25 +15429,8 @@
                   </a:schemeClr>
                 </a:solidFill>
               </a:rPr>
-              <a:t> Orientation du </a:t>
-            </a:r>
-            <a:r>
-              <a:rPr lang="fr-FR" dirty="0" smtClean="0">
-                <a:solidFill>
-                  <a:schemeClr val="tx2">
-                    <a:lumMod val="75000"/>
-                  </a:schemeClr>
-                </a:solidFill>
-              </a:rPr>
-              <a:t>téléphone</a:t>
-            </a:r>
-            <a:endParaRPr lang="fr-FR" dirty="0" smtClean="0">
-              <a:solidFill>
-                <a:schemeClr val="tx2">
-                  <a:lumMod val="75000"/>
-                </a:schemeClr>
-              </a:solidFill>
-            </a:endParaRPr>
+              <a:t> Orientation du téléphone</a:t>
+            </a:r>
           </a:p>
         </p:txBody>
       </p:sp>
@@ -15676,7 +15659,7 @@
   <p:clrMapOvr>
     <a:masterClrMapping/>
   </p:clrMapOvr>
-  <p:transition advTm="66784">
+  <p:transition>
     <p:fade/>
   </p:transition>
   <p:timing>

--- a/trunk/AAP/docs/Presentation.pptx
+++ b/trunk/AAP/docs/Presentation.pptx
@@ -285,6 +285,11 @@
         </p:txBody>
       </p:sp>
     </p:spTree>
+    <p:extLst>
+      <p:ext uri="{BB962C8B-B14F-4D97-AF65-F5344CB8AC3E}">
+        <p14:creationId xmlns:p14="http://schemas.microsoft.com/office/powerpoint/2010/main" val="2207784617"/>
+      </p:ext>
+    </p:extLst>
   </p:cSld>
   <p:clrMap bg1="lt1" tx1="dk1" bg2="lt2" tx2="dk2" accent1="accent1" accent2="accent2" accent3="accent3" accent4="accent4" accent5="accent5" accent6="accent6" hlink="hlink" folHlink="folHlink"/>
 </p:handoutMaster>
@@ -544,7 +549,7 @@
     </p:spTree>
     <p:extLst>
       <p:ext uri="{BB962C8B-B14F-4D97-AF65-F5344CB8AC3E}">
-        <p14:creationId xmlns:p14="http://schemas.microsoft.com/office/powerpoint/2010/main" xmlns="" val="2884352748"/>
+        <p14:creationId xmlns:p14="http://schemas.microsoft.com/office/powerpoint/2010/main" val="2884352748"/>
       </p:ext>
     </p:extLst>
   </p:cSld>
@@ -5495,6 +5500,156 @@
           </a:p>
         </p:txBody>
       </p:sp>
+      <p:pic>
+        <p:nvPicPr>
+          <p:cNvPr id="3" name="Image 2"/>
+          <p:cNvPicPr>
+            <a:picLocks noChangeAspect="1"/>
+          </p:cNvPicPr>
+          <p:nvPr/>
+        </p:nvPicPr>
+        <p:blipFill>
+          <a:blip r:embed="rId2">
+            <a:extLst>
+              <a:ext uri="{28A0092B-C50C-407E-A947-70E740481C1C}">
+                <a14:useLocalDpi xmlns:a14="http://schemas.microsoft.com/office/drawing/2010/main" val="0"/>
+              </a:ext>
+            </a:extLst>
+          </a:blip>
+          <a:stretch>
+            <a:fillRect/>
+          </a:stretch>
+        </p:blipFill>
+        <p:spPr>
+          <a:xfrm>
+            <a:off x="5868144" y="4486569"/>
+            <a:ext cx="1722514" cy="1322645"/>
+          </a:xfrm>
+          <a:prstGeom prst="rect">
+            <a:avLst/>
+          </a:prstGeom>
+        </p:spPr>
+      </p:pic>
+      <p:pic>
+        <p:nvPicPr>
+          <p:cNvPr id="11" name="Image 10"/>
+          <p:cNvPicPr>
+            <a:picLocks noChangeAspect="1"/>
+          </p:cNvPicPr>
+          <p:nvPr/>
+        </p:nvPicPr>
+        <p:blipFill>
+          <a:blip r:embed="rId3">
+            <a:extLst>
+              <a:ext uri="{28A0092B-C50C-407E-A947-70E740481C1C}">
+                <a14:useLocalDpi xmlns:a14="http://schemas.microsoft.com/office/drawing/2010/main" val="0"/>
+              </a:ext>
+            </a:extLst>
+          </a:blip>
+          <a:stretch>
+            <a:fillRect/>
+          </a:stretch>
+        </p:blipFill>
+        <p:spPr>
+          <a:xfrm>
+            <a:off x="5743145" y="4486569"/>
+            <a:ext cx="1972511" cy="1338689"/>
+          </a:xfrm>
+          <a:prstGeom prst="rect">
+            <a:avLst/>
+          </a:prstGeom>
+        </p:spPr>
+      </p:pic>
+      <p:pic>
+        <p:nvPicPr>
+          <p:cNvPr id="12" name="Image 11"/>
+          <p:cNvPicPr>
+            <a:picLocks noChangeAspect="1"/>
+          </p:cNvPicPr>
+          <p:nvPr/>
+        </p:nvPicPr>
+        <p:blipFill>
+          <a:blip r:embed="rId4">
+            <a:extLst>
+              <a:ext uri="{28A0092B-C50C-407E-A947-70E740481C1C}">
+                <a14:useLocalDpi xmlns:a14="http://schemas.microsoft.com/office/drawing/2010/main" val="0"/>
+              </a:ext>
+            </a:extLst>
+          </a:blip>
+          <a:stretch>
+            <a:fillRect/>
+          </a:stretch>
+        </p:blipFill>
+        <p:spPr>
+          <a:xfrm>
+            <a:off x="5770811" y="4470525"/>
+            <a:ext cx="1917180" cy="1338689"/>
+          </a:xfrm>
+          <a:prstGeom prst="rect">
+            <a:avLst/>
+          </a:prstGeom>
+        </p:spPr>
+      </p:pic>
+      <p:pic>
+        <p:nvPicPr>
+          <p:cNvPr id="13" name="Image 12"/>
+          <p:cNvPicPr>
+            <a:picLocks noChangeAspect="1"/>
+          </p:cNvPicPr>
+          <p:nvPr/>
+        </p:nvPicPr>
+        <p:blipFill>
+          <a:blip r:embed="rId5">
+            <a:extLst>
+              <a:ext uri="{28A0092B-C50C-407E-A947-70E740481C1C}">
+                <a14:useLocalDpi xmlns:a14="http://schemas.microsoft.com/office/drawing/2010/main" val="0"/>
+              </a:ext>
+            </a:extLst>
+          </a:blip>
+          <a:stretch>
+            <a:fillRect/>
+          </a:stretch>
+        </p:blipFill>
+        <p:spPr>
+          <a:xfrm>
+            <a:off x="7092280" y="4519063"/>
+            <a:ext cx="1465485" cy="1306195"/>
+          </a:xfrm>
+          <a:prstGeom prst="rect">
+            <a:avLst/>
+          </a:prstGeom>
+        </p:spPr>
+      </p:pic>
+      <p:pic>
+        <p:nvPicPr>
+          <p:cNvPr id="14" name="Image 13"/>
+          <p:cNvPicPr>
+            <a:picLocks noChangeAspect="1"/>
+          </p:cNvPicPr>
+          <p:nvPr/>
+        </p:nvPicPr>
+        <p:blipFill>
+          <a:blip r:embed="rId6">
+            <a:extLst>
+              <a:ext uri="{28A0092B-C50C-407E-A947-70E740481C1C}">
+                <a14:useLocalDpi xmlns:a14="http://schemas.microsoft.com/office/drawing/2010/main" val="0"/>
+              </a:ext>
+            </a:extLst>
+          </a:blip>
+          <a:stretch>
+            <a:fillRect/>
+          </a:stretch>
+        </p:blipFill>
+        <p:spPr>
+          <a:xfrm>
+            <a:off x="4862195" y="4293096"/>
+            <a:ext cx="1761900" cy="1991025"/>
+          </a:xfrm>
+          <a:prstGeom prst="rect">
+            <a:avLst/>
+          </a:prstGeom>
+        </p:spPr>
+      </p:pic>
     </p:spTree>
   </p:cSld>
   <p:clrMapOvr>
@@ -5506,7 +5661,686 @@
   <p:timing>
     <p:tnLst>
       <p:par>
-        <p:cTn id="1" dur="indefinite" restart="never" nodeType="tmRoot"/>
+        <p:cTn id="1" dur="indefinite" restart="never" nodeType="tmRoot">
+          <p:childTnLst>
+            <p:seq concurrent="1" nextAc="seek">
+              <p:cTn id="2" dur="indefinite" nodeType="mainSeq">
+                <p:childTnLst>
+                  <p:par>
+                    <p:cTn id="3" fill="hold">
+                      <p:stCondLst>
+                        <p:cond delay="indefinite"/>
+                      </p:stCondLst>
+                      <p:childTnLst>
+                        <p:par>
+                          <p:cTn id="4" fill="hold">
+                            <p:stCondLst>
+                              <p:cond delay="0"/>
+                            </p:stCondLst>
+                            <p:childTnLst>
+                              <p:par>
+                                <p:cTn id="5" presetID="2" presetClass="entr" presetSubtype="8" fill="hold" nodeType="clickEffect">
+                                  <p:stCondLst>
+                                    <p:cond delay="0"/>
+                                  </p:stCondLst>
+                                  <p:childTnLst>
+                                    <p:set>
+                                      <p:cBhvr>
+                                        <p:cTn id="6" dur="1" fill="hold">
+                                          <p:stCondLst>
+                                            <p:cond delay="0"/>
+                                          </p:stCondLst>
+                                        </p:cTn>
+                                        <p:tgtEl>
+                                          <p:spTgt spid="3"/>
+                                        </p:tgtEl>
+                                        <p:attrNameLst>
+                                          <p:attrName>style.visibility</p:attrName>
+                                        </p:attrNameLst>
+                                      </p:cBhvr>
+                                      <p:to>
+                                        <p:strVal val="visible"/>
+                                      </p:to>
+                                    </p:set>
+                                    <p:anim calcmode="lin" valueType="num">
+                                      <p:cBhvr additive="base">
+                                        <p:cTn id="7" dur="1000" fill="hold"/>
+                                        <p:tgtEl>
+                                          <p:spTgt spid="3"/>
+                                        </p:tgtEl>
+                                        <p:attrNameLst>
+                                          <p:attrName>ppt_x</p:attrName>
+                                        </p:attrNameLst>
+                                      </p:cBhvr>
+                                      <p:tavLst>
+                                        <p:tav tm="0">
+                                          <p:val>
+                                            <p:strVal val="0-#ppt_w/2"/>
+                                          </p:val>
+                                        </p:tav>
+                                        <p:tav tm="100000">
+                                          <p:val>
+                                            <p:strVal val="#ppt_x"/>
+                                          </p:val>
+                                        </p:tav>
+                                      </p:tavLst>
+                                    </p:anim>
+                                    <p:anim calcmode="lin" valueType="num">
+                                      <p:cBhvr additive="base">
+                                        <p:cTn id="8" dur="1000" fill="hold"/>
+                                        <p:tgtEl>
+                                          <p:spTgt spid="3"/>
+                                        </p:tgtEl>
+                                        <p:attrNameLst>
+                                          <p:attrName>ppt_y</p:attrName>
+                                        </p:attrNameLst>
+                                      </p:cBhvr>
+                                      <p:tavLst>
+                                        <p:tav tm="0">
+                                          <p:val>
+                                            <p:strVal val="#ppt_y"/>
+                                          </p:val>
+                                        </p:tav>
+                                        <p:tav tm="100000">
+                                          <p:val>
+                                            <p:strVal val="#ppt_y"/>
+                                          </p:val>
+                                        </p:tav>
+                                      </p:tavLst>
+                                    </p:anim>
+                                  </p:childTnLst>
+                                </p:cTn>
+                              </p:par>
+                            </p:childTnLst>
+                          </p:cTn>
+                        </p:par>
+                      </p:childTnLst>
+                    </p:cTn>
+                  </p:par>
+                  <p:par>
+                    <p:cTn id="9" fill="hold">
+                      <p:stCondLst>
+                        <p:cond delay="indefinite"/>
+                      </p:stCondLst>
+                      <p:childTnLst>
+                        <p:par>
+                          <p:cTn id="10" fill="hold">
+                            <p:stCondLst>
+                              <p:cond delay="0"/>
+                            </p:stCondLst>
+                            <p:childTnLst>
+                              <p:par>
+                                <p:cTn id="11" presetID="2" presetClass="exit" presetSubtype="2" fill="hold" nodeType="clickEffect">
+                                  <p:stCondLst>
+                                    <p:cond delay="0"/>
+                                  </p:stCondLst>
+                                  <p:childTnLst>
+                                    <p:anim calcmode="lin" valueType="num">
+                                      <p:cBhvr additive="base">
+                                        <p:cTn id="12" dur="500"/>
+                                        <p:tgtEl>
+                                          <p:spTgt spid="3"/>
+                                        </p:tgtEl>
+                                        <p:attrNameLst>
+                                          <p:attrName>ppt_x</p:attrName>
+                                        </p:attrNameLst>
+                                      </p:cBhvr>
+                                      <p:tavLst>
+                                        <p:tav tm="0">
+                                          <p:val>
+                                            <p:strVal val="ppt_x"/>
+                                          </p:val>
+                                        </p:tav>
+                                        <p:tav tm="100000">
+                                          <p:val>
+                                            <p:strVal val="1+ppt_w/2"/>
+                                          </p:val>
+                                        </p:tav>
+                                      </p:tavLst>
+                                    </p:anim>
+                                    <p:anim calcmode="lin" valueType="num">
+                                      <p:cBhvr additive="base">
+                                        <p:cTn id="13" dur="500"/>
+                                        <p:tgtEl>
+                                          <p:spTgt spid="3"/>
+                                        </p:tgtEl>
+                                        <p:attrNameLst>
+                                          <p:attrName>ppt_y</p:attrName>
+                                        </p:attrNameLst>
+                                      </p:cBhvr>
+                                      <p:tavLst>
+                                        <p:tav tm="0">
+                                          <p:val>
+                                            <p:strVal val="ppt_y"/>
+                                          </p:val>
+                                        </p:tav>
+                                        <p:tav tm="100000">
+                                          <p:val>
+                                            <p:strVal val="ppt_y"/>
+                                          </p:val>
+                                        </p:tav>
+                                      </p:tavLst>
+                                    </p:anim>
+                                    <p:set>
+                                      <p:cBhvr>
+                                        <p:cTn id="14" dur="1" fill="hold">
+                                          <p:stCondLst>
+                                            <p:cond delay="499"/>
+                                          </p:stCondLst>
+                                        </p:cTn>
+                                        <p:tgtEl>
+                                          <p:spTgt spid="3"/>
+                                        </p:tgtEl>
+                                        <p:attrNameLst>
+                                          <p:attrName>style.visibility</p:attrName>
+                                        </p:attrNameLst>
+                                      </p:cBhvr>
+                                      <p:to>
+                                        <p:strVal val="hidden"/>
+                                      </p:to>
+                                    </p:set>
+                                  </p:childTnLst>
+                                </p:cTn>
+                              </p:par>
+                              <p:par>
+                                <p:cTn id="15" presetID="2" presetClass="entr" presetSubtype="8" fill="hold" nodeType="withEffect">
+                                  <p:stCondLst>
+                                    <p:cond delay="0"/>
+                                  </p:stCondLst>
+                                  <p:childTnLst>
+                                    <p:set>
+                                      <p:cBhvr>
+                                        <p:cTn id="16" dur="1" fill="hold">
+                                          <p:stCondLst>
+                                            <p:cond delay="0"/>
+                                          </p:stCondLst>
+                                        </p:cTn>
+                                        <p:tgtEl>
+                                          <p:spTgt spid="11"/>
+                                        </p:tgtEl>
+                                        <p:attrNameLst>
+                                          <p:attrName>style.visibility</p:attrName>
+                                        </p:attrNameLst>
+                                      </p:cBhvr>
+                                      <p:to>
+                                        <p:strVal val="visible"/>
+                                      </p:to>
+                                    </p:set>
+                                    <p:anim calcmode="lin" valueType="num">
+                                      <p:cBhvr additive="base">
+                                        <p:cTn id="17" dur="1000" fill="hold"/>
+                                        <p:tgtEl>
+                                          <p:spTgt spid="11"/>
+                                        </p:tgtEl>
+                                        <p:attrNameLst>
+                                          <p:attrName>ppt_x</p:attrName>
+                                        </p:attrNameLst>
+                                      </p:cBhvr>
+                                      <p:tavLst>
+                                        <p:tav tm="0">
+                                          <p:val>
+                                            <p:strVal val="0-#ppt_w/2"/>
+                                          </p:val>
+                                        </p:tav>
+                                        <p:tav tm="100000">
+                                          <p:val>
+                                            <p:strVal val="#ppt_x"/>
+                                          </p:val>
+                                        </p:tav>
+                                      </p:tavLst>
+                                    </p:anim>
+                                    <p:anim calcmode="lin" valueType="num">
+                                      <p:cBhvr additive="base">
+                                        <p:cTn id="18" dur="1000" fill="hold"/>
+                                        <p:tgtEl>
+                                          <p:spTgt spid="11"/>
+                                        </p:tgtEl>
+                                        <p:attrNameLst>
+                                          <p:attrName>ppt_y</p:attrName>
+                                        </p:attrNameLst>
+                                      </p:cBhvr>
+                                      <p:tavLst>
+                                        <p:tav tm="0">
+                                          <p:val>
+                                            <p:strVal val="#ppt_y"/>
+                                          </p:val>
+                                        </p:tav>
+                                        <p:tav tm="100000">
+                                          <p:val>
+                                            <p:strVal val="#ppt_y"/>
+                                          </p:val>
+                                        </p:tav>
+                                      </p:tavLst>
+                                    </p:anim>
+                                  </p:childTnLst>
+                                </p:cTn>
+                              </p:par>
+                            </p:childTnLst>
+                          </p:cTn>
+                        </p:par>
+                      </p:childTnLst>
+                    </p:cTn>
+                  </p:par>
+                  <p:par>
+                    <p:cTn id="19" fill="hold">
+                      <p:stCondLst>
+                        <p:cond delay="indefinite"/>
+                      </p:stCondLst>
+                      <p:childTnLst>
+                        <p:par>
+                          <p:cTn id="20" fill="hold">
+                            <p:stCondLst>
+                              <p:cond delay="0"/>
+                            </p:stCondLst>
+                            <p:childTnLst>
+                              <p:par>
+                                <p:cTn id="21" presetID="2" presetClass="exit" presetSubtype="2" fill="hold" nodeType="clickEffect">
+                                  <p:stCondLst>
+                                    <p:cond delay="0"/>
+                                  </p:stCondLst>
+                                  <p:childTnLst>
+                                    <p:anim calcmode="lin" valueType="num">
+                                      <p:cBhvr additive="base">
+                                        <p:cTn id="22" dur="500"/>
+                                        <p:tgtEl>
+                                          <p:spTgt spid="11"/>
+                                        </p:tgtEl>
+                                        <p:attrNameLst>
+                                          <p:attrName>ppt_x</p:attrName>
+                                        </p:attrNameLst>
+                                      </p:cBhvr>
+                                      <p:tavLst>
+                                        <p:tav tm="0">
+                                          <p:val>
+                                            <p:strVal val="ppt_x"/>
+                                          </p:val>
+                                        </p:tav>
+                                        <p:tav tm="100000">
+                                          <p:val>
+                                            <p:strVal val="1+ppt_w/2"/>
+                                          </p:val>
+                                        </p:tav>
+                                      </p:tavLst>
+                                    </p:anim>
+                                    <p:anim calcmode="lin" valueType="num">
+                                      <p:cBhvr additive="base">
+                                        <p:cTn id="23" dur="500"/>
+                                        <p:tgtEl>
+                                          <p:spTgt spid="11"/>
+                                        </p:tgtEl>
+                                        <p:attrNameLst>
+                                          <p:attrName>ppt_y</p:attrName>
+                                        </p:attrNameLst>
+                                      </p:cBhvr>
+                                      <p:tavLst>
+                                        <p:tav tm="0">
+                                          <p:val>
+                                            <p:strVal val="ppt_y"/>
+                                          </p:val>
+                                        </p:tav>
+                                        <p:tav tm="100000">
+                                          <p:val>
+                                            <p:strVal val="ppt_y"/>
+                                          </p:val>
+                                        </p:tav>
+                                      </p:tavLst>
+                                    </p:anim>
+                                    <p:set>
+                                      <p:cBhvr>
+                                        <p:cTn id="24" dur="1" fill="hold">
+                                          <p:stCondLst>
+                                            <p:cond delay="499"/>
+                                          </p:stCondLst>
+                                        </p:cTn>
+                                        <p:tgtEl>
+                                          <p:spTgt spid="11"/>
+                                        </p:tgtEl>
+                                        <p:attrNameLst>
+                                          <p:attrName>style.visibility</p:attrName>
+                                        </p:attrNameLst>
+                                      </p:cBhvr>
+                                      <p:to>
+                                        <p:strVal val="hidden"/>
+                                      </p:to>
+                                    </p:set>
+                                  </p:childTnLst>
+                                </p:cTn>
+                              </p:par>
+                              <p:par>
+                                <p:cTn id="25" presetID="2" presetClass="entr" presetSubtype="8" fill="hold" nodeType="withEffect">
+                                  <p:stCondLst>
+                                    <p:cond delay="0"/>
+                                  </p:stCondLst>
+                                  <p:childTnLst>
+                                    <p:set>
+                                      <p:cBhvr>
+                                        <p:cTn id="26" dur="1" fill="hold">
+                                          <p:stCondLst>
+                                            <p:cond delay="0"/>
+                                          </p:stCondLst>
+                                        </p:cTn>
+                                        <p:tgtEl>
+                                          <p:spTgt spid="12"/>
+                                        </p:tgtEl>
+                                        <p:attrNameLst>
+                                          <p:attrName>style.visibility</p:attrName>
+                                        </p:attrNameLst>
+                                      </p:cBhvr>
+                                      <p:to>
+                                        <p:strVal val="visible"/>
+                                      </p:to>
+                                    </p:set>
+                                    <p:anim calcmode="lin" valueType="num">
+                                      <p:cBhvr additive="base">
+                                        <p:cTn id="27" dur="1000" fill="hold"/>
+                                        <p:tgtEl>
+                                          <p:spTgt spid="12"/>
+                                        </p:tgtEl>
+                                        <p:attrNameLst>
+                                          <p:attrName>ppt_x</p:attrName>
+                                        </p:attrNameLst>
+                                      </p:cBhvr>
+                                      <p:tavLst>
+                                        <p:tav tm="0">
+                                          <p:val>
+                                            <p:strVal val="0-#ppt_w/2"/>
+                                          </p:val>
+                                        </p:tav>
+                                        <p:tav tm="100000">
+                                          <p:val>
+                                            <p:strVal val="#ppt_x"/>
+                                          </p:val>
+                                        </p:tav>
+                                      </p:tavLst>
+                                    </p:anim>
+                                    <p:anim calcmode="lin" valueType="num">
+                                      <p:cBhvr additive="base">
+                                        <p:cTn id="28" dur="1000" fill="hold"/>
+                                        <p:tgtEl>
+                                          <p:spTgt spid="12"/>
+                                        </p:tgtEl>
+                                        <p:attrNameLst>
+                                          <p:attrName>ppt_y</p:attrName>
+                                        </p:attrNameLst>
+                                      </p:cBhvr>
+                                      <p:tavLst>
+                                        <p:tav tm="0">
+                                          <p:val>
+                                            <p:strVal val="#ppt_y"/>
+                                          </p:val>
+                                        </p:tav>
+                                        <p:tav tm="100000">
+                                          <p:val>
+                                            <p:strVal val="#ppt_y"/>
+                                          </p:val>
+                                        </p:tav>
+                                      </p:tavLst>
+                                    </p:anim>
+                                  </p:childTnLst>
+                                </p:cTn>
+                              </p:par>
+                            </p:childTnLst>
+                          </p:cTn>
+                        </p:par>
+                      </p:childTnLst>
+                    </p:cTn>
+                  </p:par>
+                  <p:par>
+                    <p:cTn id="29" fill="hold">
+                      <p:stCondLst>
+                        <p:cond delay="indefinite"/>
+                      </p:stCondLst>
+                      <p:childTnLst>
+                        <p:par>
+                          <p:cTn id="30" fill="hold">
+                            <p:stCondLst>
+                              <p:cond delay="0"/>
+                            </p:stCondLst>
+                            <p:childTnLst>
+                              <p:par>
+                                <p:cTn id="31" presetID="2" presetClass="exit" presetSubtype="2" fill="hold" nodeType="clickEffect">
+                                  <p:stCondLst>
+                                    <p:cond delay="0"/>
+                                  </p:stCondLst>
+                                  <p:childTnLst>
+                                    <p:anim calcmode="lin" valueType="num">
+                                      <p:cBhvr additive="base">
+                                        <p:cTn id="32" dur="500"/>
+                                        <p:tgtEl>
+                                          <p:spTgt spid="12"/>
+                                        </p:tgtEl>
+                                        <p:attrNameLst>
+                                          <p:attrName>ppt_x</p:attrName>
+                                        </p:attrNameLst>
+                                      </p:cBhvr>
+                                      <p:tavLst>
+                                        <p:tav tm="0">
+                                          <p:val>
+                                            <p:strVal val="ppt_x"/>
+                                          </p:val>
+                                        </p:tav>
+                                        <p:tav tm="100000">
+                                          <p:val>
+                                            <p:strVal val="1+ppt_w/2"/>
+                                          </p:val>
+                                        </p:tav>
+                                      </p:tavLst>
+                                    </p:anim>
+                                    <p:anim calcmode="lin" valueType="num">
+                                      <p:cBhvr additive="base">
+                                        <p:cTn id="33" dur="500"/>
+                                        <p:tgtEl>
+                                          <p:spTgt spid="12"/>
+                                        </p:tgtEl>
+                                        <p:attrNameLst>
+                                          <p:attrName>ppt_y</p:attrName>
+                                        </p:attrNameLst>
+                                      </p:cBhvr>
+                                      <p:tavLst>
+                                        <p:tav tm="0">
+                                          <p:val>
+                                            <p:strVal val="ppt_y"/>
+                                          </p:val>
+                                        </p:tav>
+                                        <p:tav tm="100000">
+                                          <p:val>
+                                            <p:strVal val="ppt_y"/>
+                                          </p:val>
+                                        </p:tav>
+                                      </p:tavLst>
+                                    </p:anim>
+                                    <p:set>
+                                      <p:cBhvr>
+                                        <p:cTn id="34" dur="1" fill="hold">
+                                          <p:stCondLst>
+                                            <p:cond delay="499"/>
+                                          </p:stCondLst>
+                                        </p:cTn>
+                                        <p:tgtEl>
+                                          <p:spTgt spid="12"/>
+                                        </p:tgtEl>
+                                        <p:attrNameLst>
+                                          <p:attrName>style.visibility</p:attrName>
+                                        </p:attrNameLst>
+                                      </p:cBhvr>
+                                      <p:to>
+                                        <p:strVal val="hidden"/>
+                                      </p:to>
+                                    </p:set>
+                                  </p:childTnLst>
+                                </p:cTn>
+                              </p:par>
+                              <p:par>
+                                <p:cTn id="35" presetID="2" presetClass="entr" presetSubtype="8" fill="hold" nodeType="withEffect">
+                                  <p:stCondLst>
+                                    <p:cond delay="0"/>
+                                  </p:stCondLst>
+                                  <p:childTnLst>
+                                    <p:set>
+                                      <p:cBhvr>
+                                        <p:cTn id="36" dur="1" fill="hold">
+                                          <p:stCondLst>
+                                            <p:cond delay="0"/>
+                                          </p:stCondLst>
+                                        </p:cTn>
+                                        <p:tgtEl>
+                                          <p:spTgt spid="13"/>
+                                        </p:tgtEl>
+                                        <p:attrNameLst>
+                                          <p:attrName>style.visibility</p:attrName>
+                                        </p:attrNameLst>
+                                      </p:cBhvr>
+                                      <p:to>
+                                        <p:strVal val="visible"/>
+                                      </p:to>
+                                    </p:set>
+                                    <p:anim calcmode="lin" valueType="num">
+                                      <p:cBhvr additive="base">
+                                        <p:cTn id="37" dur="1000" fill="hold"/>
+                                        <p:tgtEl>
+                                          <p:spTgt spid="13"/>
+                                        </p:tgtEl>
+                                        <p:attrNameLst>
+                                          <p:attrName>ppt_x</p:attrName>
+                                        </p:attrNameLst>
+                                      </p:cBhvr>
+                                      <p:tavLst>
+                                        <p:tav tm="0">
+                                          <p:val>
+                                            <p:strVal val="0-#ppt_w/2"/>
+                                          </p:val>
+                                        </p:tav>
+                                        <p:tav tm="100000">
+                                          <p:val>
+                                            <p:strVal val="#ppt_x"/>
+                                          </p:val>
+                                        </p:tav>
+                                      </p:tavLst>
+                                    </p:anim>
+                                    <p:anim calcmode="lin" valueType="num">
+                                      <p:cBhvr additive="base">
+                                        <p:cTn id="38" dur="1000" fill="hold"/>
+                                        <p:tgtEl>
+                                          <p:spTgt spid="13"/>
+                                        </p:tgtEl>
+                                        <p:attrNameLst>
+                                          <p:attrName>ppt_y</p:attrName>
+                                        </p:attrNameLst>
+                                      </p:cBhvr>
+                                      <p:tavLst>
+                                        <p:tav tm="0">
+                                          <p:val>
+                                            <p:strVal val="#ppt_y"/>
+                                          </p:val>
+                                        </p:tav>
+                                        <p:tav tm="100000">
+                                          <p:val>
+                                            <p:strVal val="#ppt_y"/>
+                                          </p:val>
+                                        </p:tav>
+                                      </p:tavLst>
+                                    </p:anim>
+                                  </p:childTnLst>
+                                </p:cTn>
+                              </p:par>
+                              <p:par>
+                                <p:cTn id="39" presetID="2" presetClass="entr" presetSubtype="8" fill="hold" nodeType="withEffect">
+                                  <p:stCondLst>
+                                    <p:cond delay="500"/>
+                                  </p:stCondLst>
+                                  <p:childTnLst>
+                                    <p:set>
+                                      <p:cBhvr>
+                                        <p:cTn id="40" dur="1" fill="hold">
+                                          <p:stCondLst>
+                                            <p:cond delay="0"/>
+                                          </p:stCondLst>
+                                        </p:cTn>
+                                        <p:tgtEl>
+                                          <p:spTgt spid="14"/>
+                                        </p:tgtEl>
+                                        <p:attrNameLst>
+                                          <p:attrName>style.visibility</p:attrName>
+                                        </p:attrNameLst>
+                                      </p:cBhvr>
+                                      <p:to>
+                                        <p:strVal val="visible"/>
+                                      </p:to>
+                                    </p:set>
+                                    <p:anim calcmode="lin" valueType="num">
+                                      <p:cBhvr additive="base">
+                                        <p:cTn id="41" dur="1000" fill="hold"/>
+                                        <p:tgtEl>
+                                          <p:spTgt spid="14"/>
+                                        </p:tgtEl>
+                                        <p:attrNameLst>
+                                          <p:attrName>ppt_x</p:attrName>
+                                        </p:attrNameLst>
+                                      </p:cBhvr>
+                                      <p:tavLst>
+                                        <p:tav tm="0">
+                                          <p:val>
+                                            <p:strVal val="0-#ppt_w/2"/>
+                                          </p:val>
+                                        </p:tav>
+                                        <p:tav tm="100000">
+                                          <p:val>
+                                            <p:strVal val="#ppt_x"/>
+                                          </p:val>
+                                        </p:tav>
+                                      </p:tavLst>
+                                    </p:anim>
+                                    <p:anim calcmode="lin" valueType="num">
+                                      <p:cBhvr additive="base">
+                                        <p:cTn id="42" dur="1000" fill="hold"/>
+                                        <p:tgtEl>
+                                          <p:spTgt spid="14"/>
+                                        </p:tgtEl>
+                                        <p:attrNameLst>
+                                          <p:attrName>ppt_y</p:attrName>
+                                        </p:attrNameLst>
+                                      </p:cBhvr>
+                                      <p:tavLst>
+                                        <p:tav tm="0">
+                                          <p:val>
+                                            <p:strVal val="#ppt_y"/>
+                                          </p:val>
+                                        </p:tav>
+                                        <p:tav tm="100000">
+                                          <p:val>
+                                            <p:strVal val="#ppt_y"/>
+                                          </p:val>
+                                        </p:tav>
+                                      </p:tavLst>
+                                    </p:anim>
+                                  </p:childTnLst>
+                                </p:cTn>
+                              </p:par>
+                            </p:childTnLst>
+                          </p:cTn>
+                        </p:par>
+                      </p:childTnLst>
+                    </p:cTn>
+                  </p:par>
+                </p:childTnLst>
+              </p:cTn>
+              <p:prevCondLst>
+                <p:cond evt="onPrev" delay="0">
+                  <p:tgtEl>
+                    <p:sldTgt/>
+                  </p:tgtEl>
+                </p:cond>
+              </p:prevCondLst>
+              <p:nextCondLst>
+                <p:cond evt="onNext" delay="0">
+                  <p:tgtEl>
+                    <p:sldTgt/>
+                  </p:tgtEl>
+                </p:cond>
+              </p:nextCondLst>
+            </p:seq>
+          </p:childTnLst>
+        </p:cTn>
       </p:par>
     </p:tnLst>
   </p:timing>
@@ -5850,30 +6684,6 @@
           </a:p>
         </p:txBody>
       </p:sp>
-      <p:pic>
-        <p:nvPicPr>
-          <p:cNvPr id="9" name="Image 8" descr="paramLoopXML.png"/>
-          <p:cNvPicPr>
-            <a:picLocks noChangeAspect="1"/>
-          </p:cNvPicPr>
-          <p:nvPr/>
-        </p:nvPicPr>
-        <p:blipFill>
-          <a:blip r:embed="rId2" cstate="print"/>
-          <a:stretch>
-            <a:fillRect/>
-          </a:stretch>
-        </p:blipFill>
-        <p:spPr>
-          <a:xfrm>
-            <a:off x="3635896" y="1844824"/>
-            <a:ext cx="3543795" cy="4067743"/>
-          </a:xfrm>
-          <a:prstGeom prst="rect">
-            <a:avLst/>
-          </a:prstGeom>
-        </p:spPr>
-      </p:pic>
       <p:graphicFrame>
         <p:nvGraphicFramePr>
           <p:cNvPr id="10" name="Tableau 9"/>
@@ -5963,6 +6773,109 @@
           </a:graphicData>
         </a:graphic>
       </p:graphicFrame>
+      <p:pic>
+        <p:nvPicPr>
+          <p:cNvPr id="2" name="Image 1"/>
+          <p:cNvPicPr>
+            <a:picLocks noChangeAspect="1"/>
+          </p:cNvPicPr>
+          <p:nvPr/>
+        </p:nvPicPr>
+        <p:blipFill>
+          <a:blip r:embed="rId2">
+            <a:extLst>
+              <a:ext uri="{28A0092B-C50C-407E-A947-70E740481C1C}">
+                <a14:useLocalDpi xmlns:a14="http://schemas.microsoft.com/office/drawing/2010/main" val="0"/>
+              </a:ext>
+            </a:extLst>
+          </a:blip>
+          <a:stretch>
+            <a:fillRect/>
+          </a:stretch>
+        </p:blipFill>
+        <p:spPr>
+          <a:xfrm>
+            <a:off x="2411760" y="1798504"/>
+            <a:ext cx="3015078" cy="4143672"/>
+          </a:xfrm>
+          <a:prstGeom prst="rect">
+            <a:avLst/>
+          </a:prstGeom>
+        </p:spPr>
+      </p:pic>
+      <p:sp>
+        <p:nvSpPr>
+          <p:cNvPr id="3" name="ZoneTexte 2"/>
+          <p:cNvSpPr txBox="1"/>
+          <p:nvPr/>
+        </p:nvSpPr>
+        <p:spPr>
+          <a:xfrm>
+            <a:off x="5652120" y="2746955"/>
+            <a:ext cx="3491880" cy="2246769"/>
+          </a:xfrm>
+          <a:prstGeom prst="rect">
+            <a:avLst/>
+          </a:prstGeom>
+          <a:noFill/>
+        </p:spPr>
+        <p:txBody>
+          <a:bodyPr wrap="square" rtlCol="0">
+            <a:spAutoFit/>
+          </a:bodyPr>
+          <a:lstStyle/>
+          <a:p>
+            <a:pPr marL="457200" indent="-457200">
+              <a:buFont typeface="Arial" pitchFamily="34" charset="0"/>
+              <a:buChar char="•"/>
+            </a:pPr>
+            <a:r>
+              <a:rPr lang="fr-FR" sz="2800" dirty="0" smtClean="0">
+                <a:solidFill>
+                  <a:schemeClr val="tx2">
+                    <a:lumMod val="75000"/>
+                  </a:schemeClr>
+                </a:solidFill>
+              </a:rPr>
+              <a:t>Permet l’échange </a:t>
+            </a:r>
+            <a:r>
+              <a:rPr lang="fr-FR" sz="2800" smtClean="0">
+                <a:solidFill>
+                  <a:schemeClr val="tx2">
+                    <a:lumMod val="75000"/>
+                  </a:schemeClr>
+                </a:solidFill>
+              </a:rPr>
+              <a:t>de boucles</a:t>
+            </a:r>
+            <a:endParaRPr lang="fr-FR" sz="2800" dirty="0" smtClean="0">
+              <a:solidFill>
+                <a:schemeClr val="tx2">
+                  <a:lumMod val="75000"/>
+                </a:schemeClr>
+              </a:solidFill>
+            </a:endParaRPr>
+          </a:p>
+          <a:p>
+            <a:pPr marL="457200" indent="-457200">
+              <a:buFont typeface="Arial" pitchFamily="34" charset="0"/>
+              <a:buChar char="•"/>
+            </a:pPr>
+            <a:r>
+              <a:rPr lang="fr-FR" sz="2800" dirty="0" smtClean="0">
+                <a:solidFill>
+                  <a:schemeClr val="tx2">
+                    <a:lumMod val="75000"/>
+                  </a:schemeClr>
+                </a:solidFill>
+              </a:rPr>
+              <a:t>Plusieurs boucles pour une seule chanson</a:t>
+            </a:r>
+            <a:endParaRPr lang="fr-FR" dirty="0"/>
+          </a:p>
+        </p:txBody>
+      </p:sp>
     </p:spTree>
   </p:cSld>
   <p:clrMapOvr>
@@ -5974,9 +6887,202 @@
   <p:timing>
     <p:tnLst>
       <p:par>
-        <p:cTn id="1" dur="indefinite" restart="never" nodeType="tmRoot"/>
+        <p:cTn id="1" dur="indefinite" restart="never" nodeType="tmRoot">
+          <p:childTnLst>
+            <p:seq concurrent="1" nextAc="seek">
+              <p:cTn id="2" dur="indefinite" nodeType="mainSeq">
+                <p:childTnLst>
+                  <p:par>
+                    <p:cTn id="3" fill="hold">
+                      <p:stCondLst>
+                        <p:cond delay="indefinite"/>
+                        <p:cond evt="onBegin" delay="0">
+                          <p:tn val="2"/>
+                        </p:cond>
+                      </p:stCondLst>
+                      <p:childTnLst>
+                        <p:par>
+                          <p:cTn id="4" fill="hold">
+                            <p:stCondLst>
+                              <p:cond delay="0"/>
+                            </p:stCondLst>
+                            <p:childTnLst>
+                              <p:par>
+                                <p:cTn id="5" presetID="2" presetClass="entr" presetSubtype="8" fill="hold" nodeType="withEffect">
+                                  <p:stCondLst>
+                                    <p:cond delay="0"/>
+                                  </p:stCondLst>
+                                  <p:childTnLst>
+                                    <p:set>
+                                      <p:cBhvr>
+                                        <p:cTn id="6" dur="1" fill="hold">
+                                          <p:stCondLst>
+                                            <p:cond delay="0"/>
+                                          </p:stCondLst>
+                                        </p:cTn>
+                                        <p:tgtEl>
+                                          <p:spTgt spid="2"/>
+                                        </p:tgtEl>
+                                        <p:attrNameLst>
+                                          <p:attrName>style.visibility</p:attrName>
+                                        </p:attrNameLst>
+                                      </p:cBhvr>
+                                      <p:to>
+                                        <p:strVal val="visible"/>
+                                      </p:to>
+                                    </p:set>
+                                    <p:anim calcmode="lin" valueType="num">
+                                      <p:cBhvr additive="base">
+                                        <p:cTn id="7" dur="1000" fill="hold"/>
+                                        <p:tgtEl>
+                                          <p:spTgt spid="2"/>
+                                        </p:tgtEl>
+                                        <p:attrNameLst>
+                                          <p:attrName>ppt_x</p:attrName>
+                                        </p:attrNameLst>
+                                      </p:cBhvr>
+                                      <p:tavLst>
+                                        <p:tav tm="0">
+                                          <p:val>
+                                            <p:strVal val="0-#ppt_w/2"/>
+                                          </p:val>
+                                        </p:tav>
+                                        <p:tav tm="100000">
+                                          <p:val>
+                                            <p:strVal val="#ppt_x"/>
+                                          </p:val>
+                                        </p:tav>
+                                      </p:tavLst>
+                                    </p:anim>
+                                    <p:anim calcmode="lin" valueType="num">
+                                      <p:cBhvr additive="base">
+                                        <p:cTn id="8" dur="1000" fill="hold"/>
+                                        <p:tgtEl>
+                                          <p:spTgt spid="2"/>
+                                        </p:tgtEl>
+                                        <p:attrNameLst>
+                                          <p:attrName>ppt_y</p:attrName>
+                                        </p:attrNameLst>
+                                      </p:cBhvr>
+                                      <p:tavLst>
+                                        <p:tav tm="0">
+                                          <p:val>
+                                            <p:strVal val="#ppt_y"/>
+                                          </p:val>
+                                        </p:tav>
+                                        <p:tav tm="100000">
+                                          <p:val>
+                                            <p:strVal val="#ppt_y"/>
+                                          </p:val>
+                                        </p:tav>
+                                      </p:tavLst>
+                                    </p:anim>
+                                  </p:childTnLst>
+                                </p:cTn>
+                              </p:par>
+                              <p:par>
+                                <p:cTn id="9" presetID="2" presetClass="entr" presetSubtype="2" fill="hold" grpId="0" nodeType="withEffect">
+                                  <p:stCondLst>
+                                    <p:cond delay="0"/>
+                                  </p:stCondLst>
+                                  <p:childTnLst>
+                                    <p:set>
+                                      <p:cBhvr>
+                                        <p:cTn id="10" dur="1" fill="hold">
+                                          <p:stCondLst>
+                                            <p:cond delay="0"/>
+                                          </p:stCondLst>
+                                        </p:cTn>
+                                        <p:tgtEl>
+                                          <p:spTgt spid="3"/>
+                                        </p:tgtEl>
+                                        <p:attrNameLst>
+                                          <p:attrName>style.visibility</p:attrName>
+                                        </p:attrNameLst>
+                                      </p:cBhvr>
+                                      <p:to>
+                                        <p:strVal val="visible"/>
+                                      </p:to>
+                                    </p:set>
+                                    <p:anim calcmode="lin" valueType="num">
+                                      <p:cBhvr additive="base">
+                                        <p:cTn id="11" dur="1000" fill="hold"/>
+                                        <p:tgtEl>
+                                          <p:spTgt spid="3"/>
+                                        </p:tgtEl>
+                                        <p:attrNameLst>
+                                          <p:attrName>ppt_x</p:attrName>
+                                        </p:attrNameLst>
+                                      </p:cBhvr>
+                                      <p:tavLst>
+                                        <p:tav tm="0">
+                                          <p:val>
+                                            <p:strVal val="1+#ppt_w/2"/>
+                                          </p:val>
+                                        </p:tav>
+                                        <p:tav tm="100000">
+                                          <p:val>
+                                            <p:strVal val="#ppt_x"/>
+                                          </p:val>
+                                        </p:tav>
+                                      </p:tavLst>
+                                    </p:anim>
+                                    <p:anim calcmode="lin" valueType="num">
+                                      <p:cBhvr additive="base">
+                                        <p:cTn id="12" dur="1000" fill="hold"/>
+                                        <p:tgtEl>
+                                          <p:spTgt spid="3"/>
+                                        </p:tgtEl>
+                                        <p:attrNameLst>
+                                          <p:attrName>ppt_y</p:attrName>
+                                        </p:attrNameLst>
+                                      </p:cBhvr>
+                                      <p:tavLst>
+                                        <p:tav tm="0">
+                                          <p:val>
+                                            <p:strVal val="#ppt_y"/>
+                                          </p:val>
+                                        </p:tav>
+                                        <p:tav tm="100000">
+                                          <p:val>
+                                            <p:strVal val="#ppt_y"/>
+                                          </p:val>
+                                        </p:tav>
+                                      </p:tavLst>
+                                    </p:anim>
+                                  </p:childTnLst>
+                                </p:cTn>
+                              </p:par>
+                            </p:childTnLst>
+                          </p:cTn>
+                        </p:par>
+                      </p:childTnLst>
+                    </p:cTn>
+                  </p:par>
+                </p:childTnLst>
+              </p:cTn>
+              <p:prevCondLst>
+                <p:cond evt="onPrev" delay="0">
+                  <p:tgtEl>
+                    <p:sldTgt/>
+                  </p:tgtEl>
+                </p:cond>
+              </p:prevCondLst>
+              <p:nextCondLst>
+                <p:cond evt="onNext" delay="0">
+                  <p:tgtEl>
+                    <p:sldTgt/>
+                  </p:tgtEl>
+                </p:cond>
+              </p:nextCondLst>
+            </p:seq>
+          </p:childTnLst>
+        </p:cTn>
       </p:par>
     </p:tnLst>
+    <p:bldLst>
+      <p:bldP spid="3" grpId="0"/>
+    </p:bldLst>
   </p:timing>
 </p:sld>
 </file>
@@ -6384,7 +7490,7 @@
           <a:blip r:embed="rId2" cstate="print">
             <a:extLst>
               <a:ext uri="{28A0092B-C50C-407E-A947-70E740481C1C}">
-                <a14:useLocalDpi xmlns:a14="http://schemas.microsoft.com/office/drawing/2010/main" xmlns="" val="0"/>
+                <a14:useLocalDpi xmlns:a14="http://schemas.microsoft.com/office/drawing/2010/main" val="0"/>
               </a:ext>
             </a:extLst>
           </a:blip>
@@ -6404,7 +7510,7 @@
           <a:noFill/>
           <a:extLst>
             <a:ext uri="{909E8E84-426E-40DD-AFC4-6F175D3DCCD1}">
-              <a14:hiddenFill xmlns:a14="http://schemas.microsoft.com/office/drawing/2010/main" xmlns="">
+              <a14:hiddenFill xmlns:a14="http://schemas.microsoft.com/office/drawing/2010/main">
                 <a:solidFill>
                   <a:srgbClr val="FFFFFF"/>
                 </a:solidFill>
@@ -15801,7 +16907,7 @@
                                           <p:attrName>ppt_y</p:attrName>
                                         </p:attrNameLst>
                                       </p:cBhvr>
-                                      <p:rCtr x="100" y="-3"/>
+                                      <p:rCtr x="10000" y="-300"/>
                                     </p:animMotion>
                                   </p:childTnLst>
                                 </p:cTn>

--- a/trunk/AAP/docs/Presentation.pptx
+++ b/trunk/AAP/docs/Presentation.pptx
@@ -287,7 +287,7 @@
     </p:spTree>
     <p:extLst>
       <p:ext uri="{BB962C8B-B14F-4D97-AF65-F5344CB8AC3E}">
-        <p14:creationId xmlns:p14="http://schemas.microsoft.com/office/powerpoint/2010/main" val="2207784617"/>
+        <p14:creationId xmlns:p14="http://schemas.microsoft.com/office/powerpoint/2010/main" xmlns="" val="2207784617"/>
       </p:ext>
     </p:extLst>
   </p:cSld>
@@ -549,7 +549,7 @@
     </p:spTree>
     <p:extLst>
       <p:ext uri="{BB962C8B-B14F-4D97-AF65-F5344CB8AC3E}">
-        <p14:creationId xmlns:p14="http://schemas.microsoft.com/office/powerpoint/2010/main" val="2884352748"/>
+        <p14:creationId xmlns:p14="http://schemas.microsoft.com/office/powerpoint/2010/main" xmlns="" val="2884352748"/>
       </p:ext>
     </p:extLst>
   </p:cSld>
@@ -5509,10 +5509,10 @@
           <p:nvPr/>
         </p:nvPicPr>
         <p:blipFill>
-          <a:blip r:embed="rId2">
+          <a:blip r:embed="rId2" cstate="print">
             <a:extLst>
               <a:ext uri="{28A0092B-C50C-407E-A947-70E740481C1C}">
-                <a14:useLocalDpi xmlns:a14="http://schemas.microsoft.com/office/drawing/2010/main" val="0"/>
+                <a14:useLocalDpi xmlns:a14="http://schemas.microsoft.com/office/drawing/2010/main" xmlns="" val="0"/>
               </a:ext>
             </a:extLst>
           </a:blip>
@@ -5539,10 +5539,10 @@
           <p:nvPr/>
         </p:nvPicPr>
         <p:blipFill>
-          <a:blip r:embed="rId3">
+          <a:blip r:embed="rId3" cstate="print">
             <a:extLst>
               <a:ext uri="{28A0092B-C50C-407E-A947-70E740481C1C}">
-                <a14:useLocalDpi xmlns:a14="http://schemas.microsoft.com/office/drawing/2010/main" val="0"/>
+                <a14:useLocalDpi xmlns:a14="http://schemas.microsoft.com/office/drawing/2010/main" xmlns="" val="0"/>
               </a:ext>
             </a:extLst>
           </a:blip>
@@ -5569,10 +5569,10 @@
           <p:nvPr/>
         </p:nvPicPr>
         <p:blipFill>
-          <a:blip r:embed="rId4">
+          <a:blip r:embed="rId4" cstate="print">
             <a:extLst>
               <a:ext uri="{28A0092B-C50C-407E-A947-70E740481C1C}">
-                <a14:useLocalDpi xmlns:a14="http://schemas.microsoft.com/office/drawing/2010/main" val="0"/>
+                <a14:useLocalDpi xmlns:a14="http://schemas.microsoft.com/office/drawing/2010/main" xmlns="" val="0"/>
               </a:ext>
             </a:extLst>
           </a:blip>
@@ -5599,10 +5599,10 @@
           <p:nvPr/>
         </p:nvPicPr>
         <p:blipFill>
-          <a:blip r:embed="rId5">
+          <a:blip r:embed="rId5" cstate="print">
             <a:extLst>
               <a:ext uri="{28A0092B-C50C-407E-A947-70E740481C1C}">
-                <a14:useLocalDpi xmlns:a14="http://schemas.microsoft.com/office/drawing/2010/main" val="0"/>
+                <a14:useLocalDpi xmlns:a14="http://schemas.microsoft.com/office/drawing/2010/main" xmlns="" val="0"/>
               </a:ext>
             </a:extLst>
           </a:blip>
@@ -5629,10 +5629,10 @@
           <p:nvPr/>
         </p:nvPicPr>
         <p:blipFill>
-          <a:blip r:embed="rId6">
+          <a:blip r:embed="rId6" cstate="print">
             <a:extLst>
               <a:ext uri="{28A0092B-C50C-407E-A947-70E740481C1C}">
-                <a14:useLocalDpi xmlns:a14="http://schemas.microsoft.com/office/drawing/2010/main" val="0"/>
+                <a14:useLocalDpi xmlns:a14="http://schemas.microsoft.com/office/drawing/2010/main" xmlns="" val="0"/>
               </a:ext>
             </a:extLst>
           </a:blip>
@@ -6782,10 +6782,10 @@
           <p:nvPr/>
         </p:nvPicPr>
         <p:blipFill>
-          <a:blip r:embed="rId2">
+          <a:blip r:embed="rId2" cstate="print">
             <a:extLst>
               <a:ext uri="{28A0092B-C50C-407E-A947-70E740481C1C}">
-                <a14:useLocalDpi xmlns:a14="http://schemas.microsoft.com/office/drawing/2010/main" val="0"/>
+                <a14:useLocalDpi xmlns:a14="http://schemas.microsoft.com/office/drawing/2010/main" xmlns="" val="0"/>
               </a:ext>
             </a:extLst>
           </a:blip>
@@ -7490,7 +7490,7 @@
           <a:blip r:embed="rId2" cstate="print">
             <a:extLst>
               <a:ext uri="{28A0092B-C50C-407E-A947-70E740481C1C}">
-                <a14:useLocalDpi xmlns:a14="http://schemas.microsoft.com/office/drawing/2010/main" val="0"/>
+                <a14:useLocalDpi xmlns:a14="http://schemas.microsoft.com/office/drawing/2010/main" xmlns="" val="0"/>
               </a:ext>
             </a:extLst>
           </a:blip>
@@ -7510,7 +7510,7 @@
           <a:noFill/>
           <a:extLst>
             <a:ext uri="{909E8E84-426E-40DD-AFC4-6F175D3DCCD1}">
-              <a14:hiddenFill xmlns:a14="http://schemas.microsoft.com/office/drawing/2010/main">
+              <a14:hiddenFill xmlns:a14="http://schemas.microsoft.com/office/drawing/2010/main" xmlns="">
                 <a:solidFill>
                   <a:srgbClr val="FFFFFF"/>
                 </a:solidFill>
@@ -16726,7 +16726,7 @@
         <p:spPr>
           <a:xfrm>
             <a:off x="3663671" y="1628800"/>
-            <a:ext cx="2852545" cy="4248471"/>
+            <a:ext cx="2852544" cy="4248471"/>
           </a:xfrm>
           <a:prstGeom prst="rect">
             <a:avLst/>

--- a/trunk/AAP/docs/Presentation.pptx
+++ b/trunk/AAP/docs/Presentation.pptx
@@ -287,7 +287,7 @@
     </p:spTree>
     <p:extLst>
       <p:ext uri="{BB962C8B-B14F-4D97-AF65-F5344CB8AC3E}">
-        <p14:creationId xmlns:p14="http://schemas.microsoft.com/office/powerpoint/2010/main" xmlns="" val="2207784617"/>
+        <p14:creationId xmlns:p14="http://schemas.microsoft.com/office/powerpoint/2010/main" val="2207784617"/>
       </p:ext>
     </p:extLst>
   </p:cSld>
@@ -549,7 +549,7 @@
     </p:spTree>
     <p:extLst>
       <p:ext uri="{BB962C8B-B14F-4D97-AF65-F5344CB8AC3E}">
-        <p14:creationId xmlns:p14="http://schemas.microsoft.com/office/powerpoint/2010/main" xmlns="" val="2884352748"/>
+        <p14:creationId xmlns:p14="http://schemas.microsoft.com/office/powerpoint/2010/main" val="2884352748"/>
       </p:ext>
     </p:extLst>
   </p:cSld>
@@ -5512,7 +5512,7 @@
           <a:blip r:embed="rId2" cstate="print">
             <a:extLst>
               <a:ext uri="{28A0092B-C50C-407E-A947-70E740481C1C}">
-                <a14:useLocalDpi xmlns:a14="http://schemas.microsoft.com/office/drawing/2010/main" xmlns="" val="0"/>
+                <a14:useLocalDpi xmlns:a14="http://schemas.microsoft.com/office/drawing/2010/main" val="0"/>
               </a:ext>
             </a:extLst>
           </a:blip>
@@ -5542,7 +5542,7 @@
           <a:blip r:embed="rId3" cstate="print">
             <a:extLst>
               <a:ext uri="{28A0092B-C50C-407E-A947-70E740481C1C}">
-                <a14:useLocalDpi xmlns:a14="http://schemas.microsoft.com/office/drawing/2010/main" xmlns="" val="0"/>
+                <a14:useLocalDpi xmlns:a14="http://schemas.microsoft.com/office/drawing/2010/main" val="0"/>
               </a:ext>
             </a:extLst>
           </a:blip>
@@ -5572,7 +5572,7 @@
           <a:blip r:embed="rId4" cstate="print">
             <a:extLst>
               <a:ext uri="{28A0092B-C50C-407E-A947-70E740481C1C}">
-                <a14:useLocalDpi xmlns:a14="http://schemas.microsoft.com/office/drawing/2010/main" xmlns="" val="0"/>
+                <a14:useLocalDpi xmlns:a14="http://schemas.microsoft.com/office/drawing/2010/main" val="0"/>
               </a:ext>
             </a:extLst>
           </a:blip>
@@ -5602,7 +5602,7 @@
           <a:blip r:embed="rId5" cstate="print">
             <a:extLst>
               <a:ext uri="{28A0092B-C50C-407E-A947-70E740481C1C}">
-                <a14:useLocalDpi xmlns:a14="http://schemas.microsoft.com/office/drawing/2010/main" xmlns="" val="0"/>
+                <a14:useLocalDpi xmlns:a14="http://schemas.microsoft.com/office/drawing/2010/main" val="0"/>
               </a:ext>
             </a:extLst>
           </a:blip>
@@ -5632,7 +5632,7 @@
           <a:blip r:embed="rId6" cstate="print">
             <a:extLst>
               <a:ext uri="{28A0092B-C50C-407E-A947-70E740481C1C}">
-                <a14:useLocalDpi xmlns:a14="http://schemas.microsoft.com/office/drawing/2010/main" xmlns="" val="0"/>
+                <a14:useLocalDpi xmlns:a14="http://schemas.microsoft.com/office/drawing/2010/main" val="0"/>
               </a:ext>
             </a:extLst>
           </a:blip>
@@ -5642,8 +5642,8 @@
         </p:blipFill>
         <p:spPr>
           <a:xfrm>
-            <a:off x="4862195" y="4293096"/>
-            <a:ext cx="1761900" cy="1991025"/>
+            <a:off x="4716016" y="4373149"/>
+            <a:ext cx="1529314" cy="1533440"/>
           </a:xfrm>
           <a:prstGeom prst="rect">
             <a:avLst/>
@@ -6785,7 +6785,7 @@
           <a:blip r:embed="rId2" cstate="print">
             <a:extLst>
               <a:ext uri="{28A0092B-C50C-407E-A947-70E740481C1C}">
-                <a14:useLocalDpi xmlns:a14="http://schemas.microsoft.com/office/drawing/2010/main" xmlns="" val="0"/>
+                <a14:useLocalDpi xmlns:a14="http://schemas.microsoft.com/office/drawing/2010/main" val="0"/>
               </a:ext>
             </a:extLst>
           </a:blip>
@@ -6837,25 +6837,28 @@
                   </a:schemeClr>
                 </a:solidFill>
               </a:rPr>
-              <a:t>Permet l’échange </a:t>
-            </a:r>
-            <a:r>
-              <a:rPr lang="fr-FR" sz="2800" smtClean="0">
+              <a:t>Permet </a:t>
+            </a:r>
+            <a:r>
+              <a:rPr lang="fr-FR" sz="2800" dirty="0" smtClean="0">
                 <a:solidFill>
                   <a:schemeClr val="tx2">
                     <a:lumMod val="75000"/>
                   </a:schemeClr>
                 </a:solidFill>
               </a:rPr>
+              <a:t>l’export </a:t>
+            </a:r>
+            <a:r>
+              <a:rPr lang="fr-FR" sz="2800" dirty="0" smtClean="0">
+                <a:solidFill>
+                  <a:schemeClr val="tx2">
+                    <a:lumMod val="75000"/>
+                  </a:schemeClr>
+                </a:solidFill>
+              </a:rPr>
               <a:t>de boucles</a:t>
             </a:r>
-            <a:endParaRPr lang="fr-FR" sz="2800" dirty="0" smtClean="0">
-              <a:solidFill>
-                <a:schemeClr val="tx2">
-                  <a:lumMod val="75000"/>
-                </a:schemeClr>
-              </a:solidFill>
-            </a:endParaRPr>
           </a:p>
           <a:p>
             <a:pPr marL="457200" indent="-457200">
@@ -7490,7 +7493,7 @@
           <a:blip r:embed="rId2" cstate="print">
             <a:extLst>
               <a:ext uri="{28A0092B-C50C-407E-A947-70E740481C1C}">
-                <a14:useLocalDpi xmlns:a14="http://schemas.microsoft.com/office/drawing/2010/main" xmlns="" val="0"/>
+                <a14:useLocalDpi xmlns:a14="http://schemas.microsoft.com/office/drawing/2010/main" val="0"/>
               </a:ext>
             </a:extLst>
           </a:blip>
@@ -7510,7 +7513,7 @@
           <a:noFill/>
           <a:extLst>
             <a:ext uri="{909E8E84-426E-40DD-AFC4-6F175D3DCCD1}">
-              <a14:hiddenFill xmlns:a14="http://schemas.microsoft.com/office/drawing/2010/main" xmlns="">
+              <a14:hiddenFill xmlns:a14="http://schemas.microsoft.com/office/drawing/2010/main">
                 <a:solidFill>
                   <a:srgbClr val="FFFFFF"/>
                 </a:solidFill>

--- a/trunk/AAP/docs/Presentation.pptx
+++ b/trunk/AAP/docs/Presentation.pptx
@@ -6773,36 +6773,6 @@
           </a:graphicData>
         </a:graphic>
       </p:graphicFrame>
-      <p:pic>
-        <p:nvPicPr>
-          <p:cNvPr id="2" name="Image 1"/>
-          <p:cNvPicPr>
-            <a:picLocks noChangeAspect="1"/>
-          </p:cNvPicPr>
-          <p:nvPr/>
-        </p:nvPicPr>
-        <p:blipFill>
-          <a:blip r:embed="rId2" cstate="print">
-            <a:extLst>
-              <a:ext uri="{28A0092B-C50C-407E-A947-70E740481C1C}">
-                <a14:useLocalDpi xmlns:a14="http://schemas.microsoft.com/office/drawing/2010/main" val="0"/>
-              </a:ext>
-            </a:extLst>
-          </a:blip>
-          <a:stretch>
-            <a:fillRect/>
-          </a:stretch>
-        </p:blipFill>
-        <p:spPr>
-          <a:xfrm>
-            <a:off x="2411760" y="1798504"/>
-            <a:ext cx="3015078" cy="4143672"/>
-          </a:xfrm>
-          <a:prstGeom prst="rect">
-            <a:avLst/>
-          </a:prstGeom>
-        </p:spPr>
-      </p:pic>
       <p:sp>
         <p:nvSpPr>
           <p:cNvPr id="3" name="ZoneTexte 2"/>
@@ -6879,6 +6849,36 @@
           </a:p>
         </p:txBody>
       </p:sp>
+      <p:pic>
+        <p:nvPicPr>
+          <p:cNvPr id="9" name="Image 8"/>
+          <p:cNvPicPr>
+            <a:picLocks noChangeAspect="1"/>
+          </p:cNvPicPr>
+          <p:nvPr/>
+        </p:nvPicPr>
+        <p:blipFill>
+          <a:blip r:embed="rId2">
+            <a:extLst>
+              <a:ext uri="{28A0092B-C50C-407E-A947-70E740481C1C}">
+                <a14:useLocalDpi xmlns:a14="http://schemas.microsoft.com/office/drawing/2010/main" val="0"/>
+              </a:ext>
+            </a:extLst>
+          </a:blip>
+          <a:stretch>
+            <a:fillRect/>
+          </a:stretch>
+        </p:blipFill>
+        <p:spPr>
+          <a:xfrm>
+            <a:off x="2411760" y="1823898"/>
+            <a:ext cx="3026726" cy="4092589"/>
+          </a:xfrm>
+          <a:prstGeom prst="rect">
+            <a:avLst/>
+          </a:prstGeom>
+        </p:spPr>
+      </p:pic>
     </p:spTree>
   </p:cSld>
   <p:clrMapOvr>
@@ -6911,7 +6911,7 @@
                             </p:stCondLst>
                             <p:childTnLst>
                               <p:par>
-                                <p:cTn id="5" presetID="2" presetClass="entr" presetSubtype="8" fill="hold" nodeType="withEffect">
+                                <p:cTn id="5" presetID="2" presetClass="entr" presetSubtype="2" fill="hold" grpId="0" nodeType="withEffect">
                                   <p:stCondLst>
                                     <p:cond delay="0"/>
                                   </p:stCondLst>
@@ -6924,7 +6924,7 @@
                                           </p:stCondLst>
                                         </p:cTn>
                                         <p:tgtEl>
-                                          <p:spTgt spid="2"/>
+                                          <p:spTgt spid="3"/>
                                         </p:tgtEl>
                                         <p:attrNameLst>
                                           <p:attrName>style.visibility</p:attrName>
@@ -6938,7 +6938,7 @@
                                       <p:cBhvr additive="base">
                                         <p:cTn id="7" dur="1000" fill="hold"/>
                                         <p:tgtEl>
-                                          <p:spTgt spid="2"/>
+                                          <p:spTgt spid="3"/>
                                         </p:tgtEl>
                                         <p:attrNameLst>
                                           <p:attrName>ppt_x</p:attrName>
@@ -6947,7 +6947,7 @@
                                       <p:tavLst>
                                         <p:tav tm="0">
                                           <p:val>
-                                            <p:strVal val="0-#ppt_w/2"/>
+                                            <p:strVal val="1+#ppt_w/2"/>
                                           </p:val>
                                         </p:tav>
                                         <p:tav tm="100000">
@@ -6961,7 +6961,7 @@
                                       <p:cBhvr additive="base">
                                         <p:cTn id="8" dur="1000" fill="hold"/>
                                         <p:tgtEl>
-                                          <p:spTgt spid="2"/>
+                                          <p:spTgt spid="3"/>
                                         </p:tgtEl>
                                         <p:attrNameLst>
                                           <p:attrName>ppt_y</p:attrName>
@@ -6984,7 +6984,7 @@
                                 </p:cTn>
                               </p:par>
                               <p:par>
-                                <p:cTn id="9" presetID="2" presetClass="entr" presetSubtype="2" fill="hold" grpId="0" nodeType="withEffect">
+                                <p:cTn id="9" presetID="2" presetClass="entr" presetSubtype="8" fill="hold" nodeType="withEffect">
                                   <p:stCondLst>
                                     <p:cond delay="0"/>
                                   </p:stCondLst>
@@ -6997,7 +6997,7 @@
                                           </p:stCondLst>
                                         </p:cTn>
                                         <p:tgtEl>
-                                          <p:spTgt spid="3"/>
+                                          <p:spTgt spid="9"/>
                                         </p:tgtEl>
                                         <p:attrNameLst>
                                           <p:attrName>style.visibility</p:attrName>
@@ -7011,7 +7011,7 @@
                                       <p:cBhvr additive="base">
                                         <p:cTn id="11" dur="1000" fill="hold"/>
                                         <p:tgtEl>
-                                          <p:spTgt spid="3"/>
+                                          <p:spTgt spid="9"/>
                                         </p:tgtEl>
                                         <p:attrNameLst>
                                           <p:attrName>ppt_x</p:attrName>
@@ -7020,7 +7020,7 @@
                                       <p:tavLst>
                                         <p:tav tm="0">
                                           <p:val>
-                                            <p:strVal val="1+#ppt_w/2"/>
+                                            <p:strVal val="0-#ppt_w/2"/>
                                           </p:val>
                                         </p:tav>
                                         <p:tav tm="100000">
@@ -7034,7 +7034,7 @@
                                       <p:cBhvr additive="base">
                                         <p:cTn id="12" dur="1000" fill="hold"/>
                                         <p:tgtEl>
-                                          <p:spTgt spid="3"/>
+                                          <p:spTgt spid="9"/>
                                         </p:tgtEl>
                                         <p:attrNameLst>
                                           <p:attrName>ppt_y</p:attrName>

--- a/trunk/AAP/docs/Presentation.pptx
+++ b/trunk/AAP/docs/Presentation.pptx
@@ -287,7 +287,7 @@
     </p:spTree>
     <p:extLst>
       <p:ext uri="{BB962C8B-B14F-4D97-AF65-F5344CB8AC3E}">
-        <p14:creationId xmlns:p14="http://schemas.microsoft.com/office/powerpoint/2010/main" val="2207784617"/>
+        <p14:creationId xmlns:p14="http://schemas.microsoft.com/office/powerpoint/2010/main" xmlns="" val="2207784617"/>
       </p:ext>
     </p:extLst>
   </p:cSld>
@@ -549,7 +549,7 @@
     </p:spTree>
     <p:extLst>
       <p:ext uri="{BB962C8B-B14F-4D97-AF65-F5344CB8AC3E}">
-        <p14:creationId xmlns:p14="http://schemas.microsoft.com/office/powerpoint/2010/main" val="2884352748"/>
+        <p14:creationId xmlns:p14="http://schemas.microsoft.com/office/powerpoint/2010/main" xmlns="" val="2884352748"/>
       </p:ext>
     </p:extLst>
   </p:cSld>
@@ -897,54 +897,23 @@
           </a:bodyPr>
           <a:lstStyle/>
           <a:p>
-            <a:pPr marL="0" marR="0" indent="0" algn="l" defTabSz="914400" rtl="0" eaLnBrk="1" fontAlgn="auto" latinLnBrk="0" hangingPunct="1">
-              <a:lnSpc>
-                <a:spcPct val="100000"/>
-              </a:lnSpc>
-              <a:spcBef>
-                <a:spcPts val="0"/>
-              </a:spcBef>
-              <a:spcAft>
-                <a:spcPts val="0"/>
-              </a:spcAft>
-              <a:buClrTx/>
-              <a:buSzTx/>
-              <a:buFontTx/>
-              <a:buNone/>
-              <a:tabLst/>
-              <a:defRPr/>
-            </a:pPr>
+            <a:r>
+              <a:rPr lang="fr-FR" dirty="0" smtClean="0"/>
+              <a:t>Au 1er trimestre 2011</a:t>
+            </a:r>
             <a:r>
               <a:rPr lang="fr-FR" baseline="0" dirty="0" smtClean="0"/>
-              <a:t>Parler de Google code et Google site.</a:t>
-            </a:r>
-            <a:endParaRPr lang="fr-FR" dirty="0" smtClean="0"/>
-          </a:p>
-          <a:p>
-            <a:r>
-              <a:rPr lang="fr-FR" dirty="0" smtClean="0"/>
-              <a:t>Parler des réunions hebdomadaires</a:t>
+              <a:t> : 35% de part de marché aux USA pour </a:t>
+            </a:r>
+            <a:r>
+              <a:rPr lang="fr-FR" baseline="0" dirty="0" err="1" smtClean="0"/>
+              <a:t>Android</a:t>
             </a:r>
             <a:r>
               <a:rPr lang="fr-FR" baseline="0" dirty="0" smtClean="0"/>
-              <a:t> et ponctuelles, des </a:t>
-            </a:r>
-            <a:r>
-              <a:rPr lang="fr-FR" baseline="0" dirty="0" err="1" smtClean="0"/>
-              <a:t>commits</a:t>
-            </a:r>
-            <a:r>
-              <a:rPr lang="fr-FR" baseline="0" dirty="0" smtClean="0"/>
-              <a:t> réguliers, et de la communication avec M. </a:t>
-            </a:r>
-            <a:r>
-              <a:rPr lang="fr-FR" baseline="0" dirty="0" err="1" smtClean="0"/>
-              <a:t>Buffa</a:t>
-            </a:r>
-            <a:r>
-              <a:rPr lang="fr-FR" baseline="0" dirty="0" smtClean="0"/>
-              <a:t>.</a:t>
-            </a:r>
+              <a:t>, il est le numéro 1 devant RIM, Apple et Microsoft.</a:t>
+            </a:r>
+            <a:endParaRPr lang="fr-FR" dirty="0"/>
           </a:p>
         </p:txBody>
       </p:sp>
@@ -966,7 +935,7 @@
             <a:fld id="{B533835C-9221-4AF6-8BB4-343DB2540EFC}" type="slidenum">
               <a:rPr lang="fr-FR" smtClean="0"/>
               <a:pPr/>
-              <a:t>5</a:t>
+              <a:t>4</a:t>
             </a:fld>
             <a:endParaRPr lang="fr-FR"/>
           </a:p>
@@ -1026,6 +995,135 @@
           </a:bodyPr>
           <a:lstStyle/>
           <a:p>
+            <a:pPr marL="0" marR="0" indent="0" algn="l" defTabSz="914400" rtl="0" eaLnBrk="1" fontAlgn="auto" latinLnBrk="0" hangingPunct="1">
+              <a:lnSpc>
+                <a:spcPct val="100000"/>
+              </a:lnSpc>
+              <a:spcBef>
+                <a:spcPts val="0"/>
+              </a:spcBef>
+              <a:spcAft>
+                <a:spcPts val="0"/>
+              </a:spcAft>
+              <a:buClrTx/>
+              <a:buSzTx/>
+              <a:buFontTx/>
+              <a:buNone/>
+              <a:tabLst/>
+              <a:defRPr/>
+            </a:pPr>
+            <a:r>
+              <a:rPr lang="fr-FR" baseline="0" dirty="0" smtClean="0"/>
+              <a:t>Parler de Google code et Google site.</a:t>
+            </a:r>
+            <a:endParaRPr lang="fr-FR" dirty="0" smtClean="0"/>
+          </a:p>
+          <a:p>
+            <a:r>
+              <a:rPr lang="fr-FR" dirty="0" smtClean="0"/>
+              <a:t>Parler des réunions hebdomadaires</a:t>
+            </a:r>
+            <a:r>
+              <a:rPr lang="fr-FR" baseline="0" dirty="0" smtClean="0"/>
+              <a:t> et ponctuelles, des </a:t>
+            </a:r>
+            <a:r>
+              <a:rPr lang="fr-FR" baseline="0" dirty="0" err="1" smtClean="0"/>
+              <a:t>commits</a:t>
+            </a:r>
+            <a:r>
+              <a:rPr lang="fr-FR" baseline="0" dirty="0" smtClean="0"/>
+              <a:t> réguliers, et de la communication avec M. </a:t>
+            </a:r>
+            <a:r>
+              <a:rPr lang="fr-FR" baseline="0" dirty="0" err="1" smtClean="0"/>
+              <a:t>Buffa</a:t>
+            </a:r>
+            <a:r>
+              <a:rPr lang="fr-FR" baseline="0" dirty="0" smtClean="0"/>
+              <a:t>.</a:t>
+            </a:r>
+          </a:p>
+        </p:txBody>
+      </p:sp>
+      <p:sp>
+        <p:nvSpPr>
+          <p:cNvPr id="4" name="Espace réservé du numéro de diapositive 3"/>
+          <p:cNvSpPr>
+            <a:spLocks noGrp="1"/>
+          </p:cNvSpPr>
+          <p:nvPr>
+            <p:ph type="sldNum" sz="quarter" idx="10"/>
+          </p:nvPr>
+        </p:nvSpPr>
+        <p:spPr/>
+        <p:txBody>
+          <a:bodyPr/>
+          <a:lstStyle/>
+          <a:p>
+            <a:fld id="{B533835C-9221-4AF6-8BB4-343DB2540EFC}" type="slidenum">
+              <a:rPr lang="fr-FR" smtClean="0"/>
+              <a:pPr/>
+              <a:t>5</a:t>
+            </a:fld>
+            <a:endParaRPr lang="fr-FR"/>
+          </a:p>
+        </p:txBody>
+      </p:sp>
+    </p:spTree>
+  </p:cSld>
+  <p:clrMapOvr>
+    <a:masterClrMapping/>
+  </p:clrMapOvr>
+</p:notes>
+</file>
+
+<file path=ppt/notesSlides/notesSlide4.xml><?xml version="1.0" encoding="utf-8"?>
+<p:notes xmlns:a="http://schemas.openxmlformats.org/drawingml/2006/main" xmlns:r="http://schemas.openxmlformats.org/officeDocument/2006/relationships" xmlns:p="http://schemas.openxmlformats.org/presentationml/2006/main">
+  <p:cSld>
+    <p:spTree>
+      <p:nvGrpSpPr>
+        <p:cNvPr id="1" name=""/>
+        <p:cNvGrpSpPr/>
+        <p:nvPr/>
+      </p:nvGrpSpPr>
+      <p:grpSpPr>
+        <a:xfrm>
+          <a:off x="0" y="0"/>
+          <a:ext cx="0" cy="0"/>
+          <a:chOff x="0" y="0"/>
+          <a:chExt cx="0" cy="0"/>
+        </a:xfrm>
+      </p:grpSpPr>
+      <p:sp>
+        <p:nvSpPr>
+          <p:cNvPr id="2" name="Espace réservé de l'image des diapositives 1"/>
+          <p:cNvSpPr>
+            <a:spLocks noGrp="1" noRot="1" noChangeAspect="1"/>
+          </p:cNvSpPr>
+          <p:nvPr>
+            <p:ph type="sldImg"/>
+          </p:nvPr>
+        </p:nvSpPr>
+        <p:spPr/>
+      </p:sp>
+      <p:sp>
+        <p:nvSpPr>
+          <p:cNvPr id="3" name="Espace réservé des commentaires 2"/>
+          <p:cNvSpPr>
+            <a:spLocks noGrp="1"/>
+          </p:cNvSpPr>
+          <p:nvPr>
+            <p:ph type="body" idx="1"/>
+          </p:nvPr>
+        </p:nvSpPr>
+        <p:spPr/>
+        <p:txBody>
+          <a:bodyPr>
+            <a:normAutofit/>
+          </a:bodyPr>
+          <a:lstStyle/>
+          <a:p>
             <a:r>
               <a:rPr lang="fr-FR" dirty="0" smtClean="0"/>
               <a:t>Time stretching : recherche + prise de contact avec la</a:t>
@@ -1054,19 +1152,49 @@
           <a:p>
             <a:r>
               <a:rPr lang="fr-FR" baseline="0" dirty="0" smtClean="0"/>
-              <a:t>Tablature : des </a:t>
-            </a:r>
-            <a:r>
-              <a:rPr lang="fr-FR" baseline="0" smtClean="0"/>
-              <a:t>APIs existent, </a:t>
-            </a:r>
-            <a:r>
-              <a:rPr lang="fr-FR" baseline="0" dirty="0" smtClean="0"/>
-              <a:t>mais ne sont pas adaptées pour les téléphones </a:t>
+              <a:t>Tablature : des APIs existent, mais ne sont pas adaptées pour les téléphones </a:t>
             </a:r>
             <a:r>
               <a:rPr lang="fr-FR" baseline="0" dirty="0" err="1" smtClean="0"/>
               <a:t>Android</a:t>
+            </a:r>
+            <a:endParaRPr lang="fr-FR" baseline="0" dirty="0" smtClean="0"/>
+          </a:p>
+          <a:p>
+            <a:r>
+              <a:rPr lang="fr-FR" baseline="0" dirty="0" smtClean="0"/>
+              <a:t>BD </a:t>
+            </a:r>
+            <a:r>
+              <a:rPr lang="fr-FR" baseline="0" dirty="0" err="1" smtClean="0"/>
+              <a:t>SQLite</a:t>
+            </a:r>
+            <a:r>
+              <a:rPr lang="fr-FR" baseline="0" dirty="0" smtClean="0"/>
+              <a:t> : on pourra de la sorte, intégrer la synchronisation les fichiers MP3, proposer un outil d’exportation des boucles </a:t>
+            </a:r>
+            <a:r>
+              <a:rPr lang="fr-FR" baseline="0" smtClean="0"/>
+              <a:t>de lecture</a:t>
+            </a:r>
+            <a:endParaRPr lang="fr-FR" baseline="0" dirty="0" smtClean="0"/>
+          </a:p>
+          <a:p>
+            <a:r>
+              <a:rPr lang="fr-FR" baseline="0" dirty="0" smtClean="0"/>
+              <a:t>À la fin, parler de la mise en vente sur </a:t>
+            </a:r>
+            <a:r>
+              <a:rPr lang="fr-FR" baseline="0" dirty="0" err="1" smtClean="0"/>
+              <a:t>Android</a:t>
+            </a:r>
+            <a:r>
+              <a:rPr lang="fr-FR" baseline="0" dirty="0" smtClean="0"/>
+              <a:t> </a:t>
+            </a:r>
+            <a:r>
+              <a:rPr lang="fr-FR" baseline="0" dirty="0" err="1" smtClean="0"/>
+              <a:t>Market</a:t>
             </a:r>
             <a:endParaRPr lang="fr-FR" baseline="0" dirty="0" smtClean="0"/>
           </a:p>
@@ -1366,6 +1494,13 @@
   <p:transition>
     <p:randomBar/>
   </p:transition>
+  <p:timing>
+    <p:tnLst>
+      <p:par>
+        <p:cTn id="1" dur="indefinite" restart="never" nodeType="tmRoot"/>
+      </p:par>
+    </p:tnLst>
+  </p:timing>
 </p:sldLayout>
 </file>
 
@@ -2236,7 +2371,7 @@
             </a:fld>
             <a:r>
               <a:rPr lang="fr-BE" dirty="0" smtClean="0"/>
-              <a:t> sur 21</a:t>
+              <a:t> sur 16</a:t>
             </a:r>
             <a:endParaRPr lang="fr-BE" dirty="0"/>
           </a:p>
@@ -2250,6 +2385,13 @@
   <p:transition>
     <p:randomBar/>
   </p:transition>
+  <p:timing>
+    <p:tnLst>
+      <p:par>
+        <p:cTn id="1" dur="indefinite" restart="never" nodeType="tmRoot"/>
+      </p:par>
+    </p:tnLst>
+  </p:timing>
 </p:sldLayout>
 </file>
 
@@ -2392,7 +2534,7 @@
             </a:fld>
             <a:r>
               <a:rPr lang="fr-BE" dirty="0" smtClean="0"/>
-              <a:t> sur 21</a:t>
+              <a:t> sur 16</a:t>
             </a:r>
             <a:endParaRPr lang="fr-BE" dirty="0"/>
           </a:p>
@@ -2727,6 +2869,13 @@
   <p:transition>
     <p:fade/>
   </p:transition>
+  <p:timing>
+    <p:tnLst>
+      <p:par>
+        <p:cTn id="1" dur="indefinite" restart="never" nodeType="tmRoot"/>
+      </p:par>
+    </p:tnLst>
+  </p:timing>
 </p:sldLayout>
 </file>
 
@@ -4431,7 +4580,7 @@
             </a:fld>
             <a:r>
               <a:rPr lang="fr-BE" dirty="0" smtClean="0"/>
-              <a:t> sur 21</a:t>
+              <a:t> sur 16</a:t>
             </a:r>
             <a:endParaRPr lang="fr-BE" dirty="0"/>
           </a:p>
@@ -4454,6 +4603,13 @@
     <p:sldLayoutId id="2147483658" r:id="rId11"/>
     <p:sldLayoutId id="2147483659" r:id="rId12"/>
   </p:sldLayoutIdLst>
+  <p:timing>
+    <p:tnLst>
+      <p:par>
+        <p:cTn id="1" dur="indefinite" restart="never" nodeType="tmRoot"/>
+      </p:par>
+    </p:tnLst>
+  </p:timing>
   <p:hf hdr="0" dt="0"/>
   <p:txStyles>
     <p:titleStyle>
@@ -4980,7 +5136,7 @@
   <p:clrMapOvr>
     <a:masterClrMapping/>
   </p:clrMapOvr>
-  <p:transition advTm="24524">
+  <p:transition>
     <p:randomBar/>
   </p:transition>
   <p:timing>
@@ -5096,7 +5252,11 @@
             </a:fld>
             <a:r>
               <a:rPr lang="fr-BE" dirty="0" smtClean="0"/>
-              <a:t> sur 21</a:t>
+              <a:t> sur </a:t>
+            </a:r>
+            <a:r>
+              <a:rPr lang="fr-BE" dirty="0" smtClean="0"/>
+              <a:t>16</a:t>
             </a:r>
             <a:endParaRPr lang="fr-BE" dirty="0"/>
           </a:p>
@@ -5512,7 +5672,7 @@
           <a:blip r:embed="rId2" cstate="print">
             <a:extLst>
               <a:ext uri="{28A0092B-C50C-407E-A947-70E740481C1C}">
-                <a14:useLocalDpi xmlns:a14="http://schemas.microsoft.com/office/drawing/2010/main" val="0"/>
+                <a14:useLocalDpi xmlns:a14="http://schemas.microsoft.com/office/drawing/2010/main" xmlns="" val="0"/>
               </a:ext>
             </a:extLst>
           </a:blip>
@@ -5542,7 +5702,7 @@
           <a:blip r:embed="rId3" cstate="print">
             <a:extLst>
               <a:ext uri="{28A0092B-C50C-407E-A947-70E740481C1C}">
-                <a14:useLocalDpi xmlns:a14="http://schemas.microsoft.com/office/drawing/2010/main" val="0"/>
+                <a14:useLocalDpi xmlns:a14="http://schemas.microsoft.com/office/drawing/2010/main" xmlns="" val="0"/>
               </a:ext>
             </a:extLst>
           </a:blip>
@@ -5572,7 +5732,7 @@
           <a:blip r:embed="rId4" cstate="print">
             <a:extLst>
               <a:ext uri="{28A0092B-C50C-407E-A947-70E740481C1C}">
-                <a14:useLocalDpi xmlns:a14="http://schemas.microsoft.com/office/drawing/2010/main" val="0"/>
+                <a14:useLocalDpi xmlns:a14="http://schemas.microsoft.com/office/drawing/2010/main" xmlns="" val="0"/>
               </a:ext>
             </a:extLst>
           </a:blip>
@@ -5602,7 +5762,7 @@
           <a:blip r:embed="rId5" cstate="print">
             <a:extLst>
               <a:ext uri="{28A0092B-C50C-407E-A947-70E740481C1C}">
-                <a14:useLocalDpi xmlns:a14="http://schemas.microsoft.com/office/drawing/2010/main" val="0"/>
+                <a14:useLocalDpi xmlns:a14="http://schemas.microsoft.com/office/drawing/2010/main" xmlns="" val="0"/>
               </a:ext>
             </a:extLst>
           </a:blip>
@@ -5632,7 +5792,7 @@
           <a:blip r:embed="rId6" cstate="print">
             <a:extLst>
               <a:ext uri="{28A0092B-C50C-407E-A947-70E740481C1C}">
-                <a14:useLocalDpi xmlns:a14="http://schemas.microsoft.com/office/drawing/2010/main" val="0"/>
+                <a14:useLocalDpi xmlns:a14="http://schemas.microsoft.com/office/drawing/2010/main" xmlns="" val="0"/>
               </a:ext>
             </a:extLst>
           </a:blip>
@@ -5655,7 +5815,7 @@
   <p:clrMapOvr>
     <a:masterClrMapping/>
   </p:clrMapOvr>
-  <p:transition advTm="42666">
+  <p:transition>
     <p:fade/>
   </p:transition>
   <p:timing>
@@ -6450,7 +6610,11 @@
             </a:fld>
             <a:r>
               <a:rPr lang="fr-BE" dirty="0" smtClean="0"/>
-              <a:t> sur 21</a:t>
+              <a:t> sur </a:t>
+            </a:r>
+            <a:r>
+              <a:rPr lang="fr-BE" dirty="0" smtClean="0"/>
+              <a:t>16</a:t>
             </a:r>
             <a:endParaRPr lang="fr-BE" dirty="0"/>
           </a:p>
@@ -6773,6 +6937,36 @@
           </a:graphicData>
         </a:graphic>
       </p:graphicFrame>
+      <p:pic>
+        <p:nvPicPr>
+          <p:cNvPr id="2" name="Image 1"/>
+          <p:cNvPicPr>
+            <a:picLocks noChangeAspect="1"/>
+          </p:cNvPicPr>
+          <p:nvPr/>
+        </p:nvPicPr>
+        <p:blipFill>
+          <a:blip r:embed="rId2" cstate="print">
+            <a:extLst>
+              <a:ext uri="{28A0092B-C50C-407E-A947-70E740481C1C}">
+                <a14:useLocalDpi xmlns:a14="http://schemas.microsoft.com/office/drawing/2010/main" xmlns="" val="0"/>
+              </a:ext>
+            </a:extLst>
+          </a:blip>
+          <a:stretch>
+            <a:fillRect/>
+          </a:stretch>
+        </p:blipFill>
+        <p:spPr>
+          <a:xfrm>
+            <a:off x="2411760" y="1798504"/>
+            <a:ext cx="3015078" cy="4143672"/>
+          </a:xfrm>
+          <a:prstGeom prst="rect">
+            <a:avLst/>
+          </a:prstGeom>
+        </p:spPr>
+      </p:pic>
       <p:sp>
         <p:nvSpPr>
           <p:cNvPr id="3" name="ZoneTexte 2"/>
@@ -6807,27 +7001,7 @@
                   </a:schemeClr>
                 </a:solidFill>
               </a:rPr>
-              <a:t>Permet </a:t>
-            </a:r>
-            <a:r>
-              <a:rPr lang="fr-FR" sz="2800" dirty="0" smtClean="0">
-                <a:solidFill>
-                  <a:schemeClr val="tx2">
-                    <a:lumMod val="75000"/>
-                  </a:schemeClr>
-                </a:solidFill>
-              </a:rPr>
-              <a:t>l’export </a:t>
-            </a:r>
-            <a:r>
-              <a:rPr lang="fr-FR" sz="2800" dirty="0" smtClean="0">
-                <a:solidFill>
-                  <a:schemeClr val="tx2">
-                    <a:lumMod val="75000"/>
-                  </a:schemeClr>
-                </a:solidFill>
-              </a:rPr>
-              <a:t>de boucles</a:t>
+              <a:t>Permet l’export de boucles</a:t>
             </a:r>
           </a:p>
           <a:p>
@@ -6849,42 +7023,12 @@
           </a:p>
         </p:txBody>
       </p:sp>
-      <p:pic>
-        <p:nvPicPr>
-          <p:cNvPr id="9" name="Image 8"/>
-          <p:cNvPicPr>
-            <a:picLocks noChangeAspect="1"/>
-          </p:cNvPicPr>
-          <p:nvPr/>
-        </p:nvPicPr>
-        <p:blipFill>
-          <a:blip r:embed="rId2">
-            <a:extLst>
-              <a:ext uri="{28A0092B-C50C-407E-A947-70E740481C1C}">
-                <a14:useLocalDpi xmlns:a14="http://schemas.microsoft.com/office/drawing/2010/main" val="0"/>
-              </a:ext>
-            </a:extLst>
-          </a:blip>
-          <a:stretch>
-            <a:fillRect/>
-          </a:stretch>
-        </p:blipFill>
-        <p:spPr>
-          <a:xfrm>
-            <a:off x="2411760" y="1823898"/>
-            <a:ext cx="3026726" cy="4092589"/>
-          </a:xfrm>
-          <a:prstGeom prst="rect">
-            <a:avLst/>
-          </a:prstGeom>
-        </p:spPr>
-      </p:pic>
     </p:spTree>
   </p:cSld>
   <p:clrMapOvr>
     <a:masterClrMapping/>
   </p:clrMapOvr>
-  <p:transition advTm="27113">
+  <p:transition>
     <p:fade/>
   </p:transition>
   <p:timing>
@@ -6911,7 +7055,7 @@
                             </p:stCondLst>
                             <p:childTnLst>
                               <p:par>
-                                <p:cTn id="5" presetID="2" presetClass="entr" presetSubtype="2" fill="hold" grpId="0" nodeType="withEffect">
+                                <p:cTn id="5" presetID="2" presetClass="entr" presetSubtype="8" fill="hold" nodeType="withEffect">
                                   <p:stCondLst>
                                     <p:cond delay="0"/>
                                   </p:stCondLst>
@@ -6924,7 +7068,7 @@
                                           </p:stCondLst>
                                         </p:cTn>
                                         <p:tgtEl>
-                                          <p:spTgt spid="3"/>
+                                          <p:spTgt spid="2"/>
                                         </p:tgtEl>
                                         <p:attrNameLst>
                                           <p:attrName>style.visibility</p:attrName>
@@ -6938,7 +7082,7 @@
                                       <p:cBhvr additive="base">
                                         <p:cTn id="7" dur="1000" fill="hold"/>
                                         <p:tgtEl>
-                                          <p:spTgt spid="3"/>
+                                          <p:spTgt spid="2"/>
                                         </p:tgtEl>
                                         <p:attrNameLst>
                                           <p:attrName>ppt_x</p:attrName>
@@ -6947,7 +7091,7 @@
                                       <p:tavLst>
                                         <p:tav tm="0">
                                           <p:val>
-                                            <p:strVal val="1+#ppt_w/2"/>
+                                            <p:strVal val="0-#ppt_w/2"/>
                                           </p:val>
                                         </p:tav>
                                         <p:tav tm="100000">
@@ -6961,7 +7105,7 @@
                                       <p:cBhvr additive="base">
                                         <p:cTn id="8" dur="1000" fill="hold"/>
                                         <p:tgtEl>
-                                          <p:spTgt spid="3"/>
+                                          <p:spTgt spid="2"/>
                                         </p:tgtEl>
                                         <p:attrNameLst>
                                           <p:attrName>ppt_y</p:attrName>
@@ -6984,7 +7128,7 @@
                                 </p:cTn>
                               </p:par>
                               <p:par>
-                                <p:cTn id="9" presetID="2" presetClass="entr" presetSubtype="8" fill="hold" nodeType="withEffect">
+                                <p:cTn id="9" presetID="2" presetClass="entr" presetSubtype="2" fill="hold" grpId="0" nodeType="withEffect">
                                   <p:stCondLst>
                                     <p:cond delay="0"/>
                                   </p:stCondLst>
@@ -6997,7 +7141,7 @@
                                           </p:stCondLst>
                                         </p:cTn>
                                         <p:tgtEl>
-                                          <p:spTgt spid="9"/>
+                                          <p:spTgt spid="3"/>
                                         </p:tgtEl>
                                         <p:attrNameLst>
                                           <p:attrName>style.visibility</p:attrName>
@@ -7011,7 +7155,7 @@
                                       <p:cBhvr additive="base">
                                         <p:cTn id="11" dur="1000" fill="hold"/>
                                         <p:tgtEl>
-                                          <p:spTgt spid="9"/>
+                                          <p:spTgt spid="3"/>
                                         </p:tgtEl>
                                         <p:attrNameLst>
                                           <p:attrName>ppt_x</p:attrName>
@@ -7020,7 +7164,7 @@
                                       <p:tavLst>
                                         <p:tav tm="0">
                                           <p:val>
-                                            <p:strVal val="0-#ppt_w/2"/>
+                                            <p:strVal val="1+#ppt_w/2"/>
                                           </p:val>
                                         </p:tav>
                                         <p:tav tm="100000">
@@ -7034,7 +7178,7 @@
                                       <p:cBhvr additive="base">
                                         <p:cTn id="12" dur="1000" fill="hold"/>
                                         <p:tgtEl>
-                                          <p:spTgt spid="9"/>
+                                          <p:spTgt spid="3"/>
                                         </p:tgtEl>
                                         <p:attrNameLst>
                                           <p:attrName>ppt_y</p:attrName>
@@ -7193,7 +7337,11 @@
             </a:fld>
             <a:r>
               <a:rPr lang="fr-BE" dirty="0" smtClean="0"/>
-              <a:t> sur 21</a:t>
+              <a:t> sur </a:t>
+            </a:r>
+            <a:r>
+              <a:rPr lang="fr-BE" dirty="0" smtClean="0"/>
+              <a:t>16</a:t>
             </a:r>
             <a:endParaRPr lang="fr-BE" dirty="0"/>
           </a:p>
@@ -7493,7 +7641,7 @@
           <a:blip r:embed="rId2" cstate="print">
             <a:extLst>
               <a:ext uri="{28A0092B-C50C-407E-A947-70E740481C1C}">
-                <a14:useLocalDpi xmlns:a14="http://schemas.microsoft.com/office/drawing/2010/main" val="0"/>
+                <a14:useLocalDpi xmlns:a14="http://schemas.microsoft.com/office/drawing/2010/main" xmlns="" val="0"/>
               </a:ext>
             </a:extLst>
           </a:blip>
@@ -7513,7 +7661,7 @@
           <a:noFill/>
           <a:extLst>
             <a:ext uri="{909E8E84-426E-40DD-AFC4-6F175D3DCCD1}">
-              <a14:hiddenFill xmlns:a14="http://schemas.microsoft.com/office/drawing/2010/main">
+              <a14:hiddenFill xmlns:a14="http://schemas.microsoft.com/office/drawing/2010/main" xmlns="">
                 <a:solidFill>
                   <a:srgbClr val="FFFFFF"/>
                 </a:solidFill>
@@ -7527,7 +7675,7 @@
   <p:clrMapOvr>
     <a:masterClrMapping/>
   </p:clrMapOvr>
-  <p:transition advTm="28705">
+  <p:transition>
     <p:fade/>
   </p:transition>
   <p:timing>
@@ -7643,7 +7791,11 @@
             </a:fld>
             <a:r>
               <a:rPr lang="fr-BE" dirty="0" smtClean="0"/>
-              <a:t> sur 21</a:t>
+              <a:t> sur </a:t>
+            </a:r>
+            <a:r>
+              <a:rPr lang="fr-BE" dirty="0" smtClean="0"/>
+              <a:t>16</a:t>
             </a:r>
             <a:endParaRPr lang="fr-BE" dirty="0"/>
           </a:p>
@@ -8026,7 +8178,7 @@
   <p:clrMapOvr>
     <a:masterClrMapping/>
   </p:clrMapOvr>
-  <p:transition advTm="56301">
+  <p:transition>
     <p:fade/>
   </p:transition>
   <p:timing>
@@ -8561,7 +8713,11 @@
             </a:fld>
             <a:r>
               <a:rPr lang="fr-BE" dirty="0" smtClean="0"/>
-              <a:t> sur 21</a:t>
+              <a:t> sur </a:t>
+            </a:r>
+            <a:r>
+              <a:rPr lang="fr-BE" dirty="0" smtClean="0"/>
+              <a:t>16</a:t>
             </a:r>
             <a:endParaRPr lang="fr-BE" dirty="0"/>
           </a:p>
@@ -8895,7 +9051,7 @@
   <p:clrMapOvr>
     <a:masterClrMapping/>
   </p:clrMapOvr>
-  <p:transition advTm="16">
+  <p:transition>
     <p:fade/>
   </p:transition>
   <p:timing>
@@ -9011,7 +9167,11 @@
             </a:fld>
             <a:r>
               <a:rPr lang="fr-BE" dirty="0" smtClean="0"/>
-              <a:t> sur 21</a:t>
+              <a:t> sur </a:t>
+            </a:r>
+            <a:r>
+              <a:rPr lang="fr-BE" dirty="0" smtClean="0"/>
+              <a:t>16</a:t>
             </a:r>
             <a:endParaRPr lang="fr-BE" dirty="0"/>
           </a:p>
@@ -9030,7 +9190,7 @@
         <p:spPr/>
         <p:txBody>
           <a:bodyPr>
-            <a:normAutofit lnSpcReduction="10000"/>
+            <a:normAutofit/>
           </a:bodyPr>
           <a:lstStyle/>
           <a:p>
@@ -9039,7 +9199,7 @@
               <a:buChar char="Ø"/>
             </a:pPr>
             <a:r>
-              <a:rPr lang="fr-FR" dirty="0" smtClean="0">
+              <a:rPr lang="fr-FR" sz="2800" dirty="0" smtClean="0">
                 <a:solidFill>
                   <a:schemeClr val="tx2">
                     <a:lumMod val="75000"/>
@@ -9055,7 +9215,7 @@
               <a:buChar char="•"/>
             </a:pPr>
             <a:r>
-              <a:rPr lang="fr-FR" dirty="0" smtClean="0">
+              <a:rPr lang="fr-FR" sz="2400" dirty="0" smtClean="0">
                 <a:solidFill>
                   <a:schemeClr val="tx2">
                     <a:lumMod val="75000"/>
@@ -9071,7 +9231,7 @@
               <a:buChar char="•"/>
             </a:pPr>
             <a:r>
-              <a:rPr lang="fr-FR" dirty="0" smtClean="0">
+              <a:rPr lang="fr-FR" sz="2400" dirty="0" smtClean="0">
                 <a:solidFill>
                   <a:schemeClr val="tx2">
                     <a:lumMod val="75000"/>
@@ -9087,7 +9247,7 @@
               <a:buChar char="•"/>
             </a:pPr>
             <a:r>
-              <a:rPr lang="fr-FR" dirty="0" smtClean="0">
+              <a:rPr lang="fr-FR" sz="2400" dirty="0" smtClean="0">
                 <a:solidFill>
                   <a:schemeClr val="tx2">
                     <a:lumMod val="75000"/>
@@ -9103,7 +9263,7 @@
               <a:buChar char="•"/>
             </a:pPr>
             <a:r>
-              <a:rPr lang="fr-FR" dirty="0" smtClean="0">
+              <a:rPr lang="fr-FR" sz="2400" dirty="0" smtClean="0">
                 <a:solidFill>
                   <a:schemeClr val="tx2">
                     <a:lumMod val="75000"/>
@@ -9119,7 +9279,7 @@
               <a:buChar char="•"/>
             </a:pPr>
             <a:r>
-              <a:rPr lang="fr-FR" dirty="0" smtClean="0">
+              <a:rPr lang="fr-FR" sz="2400" dirty="0" smtClean="0">
                 <a:solidFill>
                   <a:schemeClr val="tx2">
                     <a:lumMod val="75000"/>
@@ -9135,10 +9295,50 @@
               <a:buChar char="•"/>
             </a:pPr>
             <a:r>
-              <a:rPr lang="fr-FR" dirty="0" smtClean="0"/>
-              <a:t>Insérer des tags ID3 aux enregistrements audio</a:t>
-            </a:r>
-            <a:endParaRPr lang="fr-FR" dirty="0">
+              <a:rPr lang="fr-FR" sz="2400" dirty="0" smtClean="0"/>
+              <a:t>Insérer des tags ID3 aux enregistrements </a:t>
+            </a:r>
+            <a:r>
+              <a:rPr lang="fr-FR" sz="2400" dirty="0" smtClean="0"/>
+              <a:t>audio</a:t>
+            </a:r>
+          </a:p>
+          <a:p>
+            <a:pPr lvl="1">
+              <a:buFont typeface="Arial" pitchFamily="34" charset="0"/>
+              <a:buChar char="•"/>
+            </a:pPr>
+            <a:r>
+              <a:rPr lang="fr-FR" sz="2400" dirty="0" smtClean="0">
+                <a:solidFill>
+                  <a:schemeClr val="tx2">
+                    <a:lumMod val="75000"/>
+                  </a:schemeClr>
+                </a:solidFill>
+              </a:rPr>
+              <a:t>Utiliser la base de données intégrée </a:t>
+            </a:r>
+            <a:r>
+              <a:rPr lang="fr-FR" sz="2400" dirty="0" err="1" smtClean="0">
+                <a:solidFill>
+                  <a:schemeClr val="tx2">
+                    <a:lumMod val="75000"/>
+                  </a:schemeClr>
+                </a:solidFill>
+              </a:rPr>
+              <a:t>SQLite</a:t>
+            </a:r>
+            <a:r>
+              <a:rPr lang="fr-FR" sz="2400" dirty="0" smtClean="0">
+                <a:solidFill>
+                  <a:schemeClr val="tx2">
+                    <a:lumMod val="75000"/>
+                  </a:schemeClr>
+                </a:solidFill>
+              </a:rPr>
+              <a:t> pour stocker les données (boucles de lecture, liste des chansons, etc.)</a:t>
+            </a:r>
+            <a:endParaRPr lang="fr-FR" sz="2400" dirty="0">
               <a:solidFill>
                 <a:schemeClr val="tx2">
                   <a:lumMod val="75000"/>
@@ -9322,7 +9522,7 @@
   <p:clrMapOvr>
     <a:masterClrMapping/>
   </p:clrMapOvr>
-  <p:transition advTm="16">
+  <p:transition>
     <p:fade/>
   </p:transition>
   <p:timing>
@@ -9426,7 +9626,11 @@
             </a:fld>
             <a:r>
               <a:rPr lang="fr-BE" dirty="0" smtClean="0"/>
-              <a:t> sur 21</a:t>
+              <a:t> sur </a:t>
+            </a:r>
+            <a:r>
+              <a:rPr lang="fr-BE" dirty="0" smtClean="0"/>
+              <a:t>16</a:t>
             </a:r>
             <a:endParaRPr lang="fr-BE" dirty="0"/>
           </a:p>
@@ -9461,7 +9665,7 @@
   <p:clrMapOvr>
     <a:masterClrMapping/>
   </p:clrMapOvr>
-  <p:transition advTm="7816">
+  <p:transition>
     <p:randomBar/>
   </p:transition>
   <p:timing>
@@ -9921,7 +10125,12 @@
             <p:ph type="sldNum" sz="quarter" idx="12"/>
           </p:nvPr>
         </p:nvSpPr>
-        <p:spPr/>
+        <p:spPr>
+          <a:xfrm>
+            <a:off x="6974904" y="6381328"/>
+            <a:ext cx="2133600" cy="365125"/>
+          </a:xfrm>
+        </p:spPr>
         <p:txBody>
           <a:bodyPr/>
           <a:lstStyle/>
@@ -9933,7 +10142,11 @@
             </a:fld>
             <a:r>
               <a:rPr lang="fr-BE" dirty="0" smtClean="0"/>
-              <a:t> sur 21</a:t>
+              <a:t> sur </a:t>
+            </a:r>
+            <a:r>
+              <a:rPr lang="fr-BE" dirty="0" smtClean="0"/>
+              <a:t>16</a:t>
             </a:r>
             <a:endParaRPr lang="fr-BE" dirty="0"/>
           </a:p>
@@ -9944,7 +10157,7 @@
   <p:clrMapOvr>
     <a:masterClrMapping/>
   </p:clrMapOvr>
-  <p:transition advTm="17394">
+  <p:transition>
     <p:randomBar/>
   </p:transition>
   <p:timing>
@@ -9974,6 +10187,34 @@
           <a:chExt cx="0" cy="0"/>
         </a:xfrm>
       </p:grpSpPr>
+      <p:pic>
+        <p:nvPicPr>
+          <p:cNvPr id="13" name="demo_buffa.mp4">
+            <a:hlinkClick r:id="" action="ppaction://media"/>
+          </p:cNvPr>
+          <p:cNvPicPr>
+            <a:picLocks noRot="1" noChangeAspect="1"/>
+          </p:cNvPicPr>
+          <p:nvPr>
+            <a:videoFile r:link="rId2"/>
+          </p:nvPr>
+        </p:nvPicPr>
+        <p:blipFill>
+          <a:blip r:embed="rId6" cstate="print"/>
+          <a:stretch>
+            <a:fillRect/>
+          </a:stretch>
+        </p:blipFill>
+        <p:spPr>
+          <a:xfrm>
+            <a:off x="0" y="0"/>
+            <a:ext cx="9144000" cy="6858000"/>
+          </a:xfrm>
+          <a:prstGeom prst="rect">
+            <a:avLst/>
+          </a:prstGeom>
+        </p:spPr>
+      </p:pic>
       <p:sp>
         <p:nvSpPr>
           <p:cNvPr id="6" name="Titre 5"/>
@@ -10060,7 +10301,11 @@
             </a:fld>
             <a:r>
               <a:rPr lang="fr-BE" dirty="0" smtClean="0"/>
-              <a:t> sur 21</a:t>
+              <a:t> sur </a:t>
+            </a:r>
+            <a:r>
+              <a:rPr lang="fr-BE" dirty="0" smtClean="0"/>
+              <a:t>16</a:t>
             </a:r>
             <a:endParaRPr lang="fr-BE" dirty="0"/>
           </a:p>
@@ -10363,11 +10608,11 @@
             <a:picLocks noRot="1" noChangeAspect="1"/>
           </p:cNvPicPr>
           <p:nvPr>
-            <a:audioFile r:link="rId2"/>
+            <a:audioFile r:link="rId3"/>
           </p:nvPr>
         </p:nvPicPr>
         <p:blipFill>
-          <a:blip r:embed="rId6" cstate="print"/>
+          <a:blip r:embed="rId7" cstate="print"/>
           <a:stretch>
             <a:fillRect/>
           </a:stretch>
@@ -10391,7 +10636,7 @@
           <p:nvPr/>
         </p:nvPicPr>
         <p:blipFill>
-          <a:blip r:embed="rId7" cstate="print"/>
+          <a:blip r:embed="rId8" cstate="print"/>
           <a:stretch>
             <a:fillRect/>
           </a:stretch>
@@ -10415,7 +10660,7 @@
           <p:nvPr/>
         </p:nvPicPr>
         <p:blipFill>
-          <a:blip r:embed="rId8" cstate="print"/>
+          <a:blip r:embed="rId9" cstate="print"/>
           <a:stretch>
             <a:fillRect/>
           </a:stretch>
@@ -10439,7 +10684,7 @@
           <p:nvPr/>
         </p:nvPicPr>
         <p:blipFill>
-          <a:blip r:embed="rId9" cstate="print"/>
+          <a:blip r:embed="rId10" cstate="print"/>
           <a:stretch>
             <a:fillRect/>
           </a:stretch>
@@ -10463,7 +10708,7 @@
           <p:nvPr/>
         </p:nvPicPr>
         <p:blipFill>
-          <a:blip r:embed="rId10" cstate="print"/>
+          <a:blip r:embed="rId11" cstate="print"/>
           <a:stretch>
             <a:fillRect/>
           </a:stretch>
@@ -10487,34 +10732,6 @@
           <p:nvPr/>
         </p:nvPicPr>
         <p:blipFill>
-          <a:blip r:embed="rId11" cstate="print"/>
-          <a:stretch>
-            <a:fillRect/>
-          </a:stretch>
-        </p:blipFill>
-        <p:spPr>
-          <a:xfrm>
-            <a:off x="2905844" y="1414636"/>
-            <a:ext cx="4762500" cy="3238500"/>
-          </a:xfrm>
-          <a:prstGeom prst="rect">
-            <a:avLst/>
-          </a:prstGeom>
-        </p:spPr>
-      </p:pic>
-      <p:pic>
-        <p:nvPicPr>
-          <p:cNvPr id="13" name="demo_buffa.mp4">
-            <a:hlinkClick r:id="" action="ppaction://media"/>
-          </p:cNvPr>
-          <p:cNvPicPr>
-            <a:picLocks noRot="1" noChangeAspect="1"/>
-          </p:cNvPicPr>
-          <p:nvPr>
-            <a:videoFile r:link="rId3"/>
-          </p:nvPr>
-        </p:nvPicPr>
-        <p:blipFill>
           <a:blip r:embed="rId12" cstate="print"/>
           <a:stretch>
             <a:fillRect/>
@@ -10522,8 +10739,8 @@
         </p:blipFill>
         <p:spPr>
           <a:xfrm>
-            <a:off x="0" y="0"/>
-            <a:ext cx="9144000" cy="6858000"/>
+            <a:off x="2905844" y="1425707"/>
+            <a:ext cx="4762500" cy="3216357"/>
           </a:xfrm>
           <a:prstGeom prst="rect">
             <a:avLst/>
@@ -10538,7 +10755,7 @@
   <p:clrMapOvr>
     <a:masterClrMapping/>
   </p:clrMapOvr>
-  <p:transition advTm="236731">
+  <p:transition>
     <p:randomBar/>
   </p:transition>
   <p:timing>
@@ -12200,32 +12417,6 @@
                             </p:childTnLst>
                           </p:cTn>
                         </p:par>
-                        <p:par>
-                          <p:cTn id="88" fill="hold">
-                            <p:stCondLst>
-                              <p:cond delay="398745"/>
-                            </p:stCondLst>
-                            <p:childTnLst>
-                              <p:par>
-                                <p:cTn id="89" presetID="1" presetClass="mediacall" presetSubtype="0" fill="hold" nodeType="afterEffect">
-                                  <p:stCondLst>
-                                    <p:cond delay="0"/>
-                                  </p:stCondLst>
-                                  <p:childTnLst>
-                                    <p:cmd type="call" cmd="playFrom(0.0)">
-                                      <p:cBhvr>
-                                        <p:cTn id="90" dur="154715" fill="hold"/>
-                                        <p:tgtEl>
-                                          <p:spTgt spid="13"/>
-                                        </p:tgtEl>
-                                      </p:cBhvr>
-                                    </p:cmd>
-                                  </p:childTnLst>
-                                </p:cTn>
-                              </p:par>
-                            </p:childTnLst>
-                          </p:cTn>
-                        </p:par>
                       </p:childTnLst>
                     </p:cTn>
                   </p:par>
@@ -12248,7 +12439,7 @@
             </p:seq>
             <p:audio>
               <p:cMediaNode showWhenStopped="0">
-                <p:cTn id="91" fill="hold" display="0">
+                <p:cTn id="88" fill="hold" display="0">
                   <p:stCondLst>
                     <p:cond delay="indefinite"/>
                   </p:stCondLst>
@@ -12277,7 +12468,7 @@
             </p:audio>
             <p:video fullScrn="1">
               <p:cMediaNode showWhenStopped="0">
-                <p:cTn id="92" fill="hold" display="0">
+                <p:cTn id="89" fill="hold" display="0">
                   <p:stCondLst>
                     <p:cond delay="indefinite"/>
                   </p:stCondLst>
@@ -12413,7 +12604,11 @@
             </a:fld>
             <a:r>
               <a:rPr lang="fr-BE" dirty="0" smtClean="0"/>
-              <a:t> sur 21</a:t>
+              <a:t> sur </a:t>
+            </a:r>
+            <a:r>
+              <a:rPr lang="fr-BE" dirty="0" smtClean="0"/>
+              <a:t>16</a:t>
             </a:r>
             <a:endParaRPr lang="fr-BE" dirty="0"/>
           </a:p>
@@ -12728,7 +12923,7 @@
           <p:nvPr/>
         </p:nvPicPr>
         <p:blipFill>
-          <a:blip r:embed="rId4" cstate="print"/>
+          <a:blip r:embed="rId5" cstate="print"/>
           <a:stretch>
             <a:fillRect/>
           </a:stretch>
@@ -12752,7 +12947,7 @@
           <p:nvPr/>
         </p:nvPicPr>
         <p:blipFill>
-          <a:blip r:embed="rId5" cstate="print"/>
+          <a:blip r:embed="rId6" cstate="print"/>
           <a:stretch>
             <a:fillRect/>
           </a:stretch>
@@ -12776,7 +12971,7 @@
           <p:nvPr/>
         </p:nvPicPr>
         <p:blipFill>
-          <a:blip r:embed="rId6" cstate="print"/>
+          <a:blip r:embed="rId7" cstate="print"/>
           <a:stretch>
             <a:fillRect/>
           </a:stretch>
@@ -12800,7 +12995,7 @@
           <p:nvPr/>
         </p:nvPicPr>
         <p:blipFill>
-          <a:blip r:embed="rId7" cstate="print"/>
+          <a:blip r:embed="rId8" cstate="print"/>
           <a:stretch>
             <a:fillRect/>
           </a:stretch>
@@ -12824,7 +13019,7 @@
           <p:nvPr/>
         </p:nvPicPr>
         <p:blipFill>
-          <a:blip r:embed="rId8" cstate="print"/>
+          <a:blip r:embed="rId9" cstate="print"/>
           <a:stretch>
             <a:fillRect/>
           </a:stretch>
@@ -12848,7 +13043,7 @@
           <p:nvPr/>
         </p:nvPicPr>
         <p:blipFill>
-          <a:blip r:embed="rId9" cstate="print"/>
+          <a:blip r:embed="rId10" cstate="print"/>
           <a:stretch>
             <a:fillRect/>
           </a:stretch>
@@ -12876,7 +13071,7 @@
           </p:nvPr>
         </p:nvPicPr>
         <p:blipFill>
-          <a:blip r:embed="rId10" cstate="print"/>
+          <a:blip r:embed="rId11" cstate="print"/>
           <a:stretch>
             <a:fillRect/>
           </a:stretch>
@@ -12899,7 +13094,7 @@
   <p:clrMapOvr>
     <a:masterClrMapping/>
   </p:clrMapOvr>
-  <p:transition advTm="102805">
+  <p:transition>
     <p:fade/>
   </p:transition>
   <p:timing>
@@ -13817,7 +14012,11 @@
             </a:fld>
             <a:r>
               <a:rPr lang="fr-BE" dirty="0" smtClean="0"/>
-              <a:t> sur 21</a:t>
+              <a:t> sur </a:t>
+            </a:r>
+            <a:r>
+              <a:rPr lang="fr-BE" dirty="0" smtClean="0"/>
+              <a:t>16</a:t>
             </a:r>
             <a:endParaRPr lang="fr-BE" dirty="0"/>
           </a:p>
@@ -14193,7 +14392,7 @@
   <p:clrMapOvr>
     <a:masterClrMapping/>
   </p:clrMapOvr>
-  <p:transition advTm="68235">
+  <p:transition>
     <p:fade/>
   </p:transition>
   <p:timing>
@@ -14309,7 +14508,11 @@
             </a:fld>
             <a:r>
               <a:rPr lang="fr-BE" dirty="0" smtClean="0"/>
-              <a:t> sur 21</a:t>
+              <a:t> sur </a:t>
+            </a:r>
+            <a:r>
+              <a:rPr lang="fr-BE" dirty="0" smtClean="0"/>
+              <a:t>16</a:t>
             </a:r>
             <a:endParaRPr lang="fr-BE" dirty="0"/>
           </a:p>
@@ -14819,7 +15022,11 @@
             </a:fld>
             <a:r>
               <a:rPr lang="fr-BE" dirty="0" smtClean="0"/>
-              <a:t> sur 21</a:t>
+              <a:t> sur </a:t>
+            </a:r>
+            <a:r>
+              <a:rPr lang="fr-BE" dirty="0" smtClean="0"/>
+              <a:t>16</a:t>
             </a:r>
             <a:endParaRPr lang="fr-BE" dirty="0"/>
           </a:p>
@@ -16505,7 +16712,11 @@
             </a:fld>
             <a:r>
               <a:rPr lang="fr-BE" dirty="0" smtClean="0"/>
-              <a:t> sur 21</a:t>
+              <a:t> sur </a:t>
+            </a:r>
+            <a:r>
+              <a:rPr lang="fr-BE" dirty="0" smtClean="0"/>
+              <a:t>16</a:t>
             </a:r>
             <a:endParaRPr lang="fr-BE" dirty="0"/>
           </a:p>
@@ -17125,7 +17336,11 @@
             </a:fld>
             <a:r>
               <a:rPr lang="fr-BE" dirty="0" smtClean="0"/>
-              <a:t> sur 21</a:t>
+              <a:t> sur </a:t>
+            </a:r>
+            <a:r>
+              <a:rPr lang="fr-BE" dirty="0" smtClean="0"/>
+              <a:t>16</a:t>
             </a:r>
             <a:endParaRPr lang="fr-BE" dirty="0"/>
           </a:p>
@@ -17503,7 +17718,7 @@
   <p:clrMapOvr>
     <a:masterClrMapping/>
   </p:clrMapOvr>
-  <p:transition advTm="41231">
+  <p:transition>
     <p:fade/>
   </p:transition>
   <p:timing>

--- a/trunk/AAP/docs/Presentation.pptx
+++ b/trunk/AAP/docs/Presentation.pptx
@@ -287,7 +287,7 @@
     </p:spTree>
     <p:extLst>
       <p:ext uri="{BB962C8B-B14F-4D97-AF65-F5344CB8AC3E}">
-        <p14:creationId xmlns:p14="http://schemas.microsoft.com/office/powerpoint/2010/main" xmlns="" val="2207784617"/>
+        <p14:creationId xmlns:p14="http://schemas.microsoft.com/office/powerpoint/2010/main" val="2207784617"/>
       </p:ext>
     </p:extLst>
   </p:cSld>
@@ -549,7 +549,7 @@
     </p:spTree>
     <p:extLst>
       <p:ext uri="{BB962C8B-B14F-4D97-AF65-F5344CB8AC3E}">
-        <p14:creationId xmlns:p14="http://schemas.microsoft.com/office/powerpoint/2010/main" xmlns="" val="2884352748"/>
+        <p14:creationId xmlns:p14="http://schemas.microsoft.com/office/powerpoint/2010/main" val="2884352748"/>
       </p:ext>
     </p:extLst>
   </p:cSld>
@@ -5252,11 +5252,7 @@
             </a:fld>
             <a:r>
               <a:rPr lang="fr-BE" dirty="0" smtClean="0"/>
-              <a:t> sur </a:t>
-            </a:r>
-            <a:r>
-              <a:rPr lang="fr-BE" dirty="0" smtClean="0"/>
-              <a:t>16</a:t>
+              <a:t> sur 16</a:t>
             </a:r>
             <a:endParaRPr lang="fr-BE" dirty="0"/>
           </a:p>
@@ -5672,7 +5668,7 @@
           <a:blip r:embed="rId2" cstate="print">
             <a:extLst>
               <a:ext uri="{28A0092B-C50C-407E-A947-70E740481C1C}">
-                <a14:useLocalDpi xmlns:a14="http://schemas.microsoft.com/office/drawing/2010/main" xmlns="" val="0"/>
+                <a14:useLocalDpi xmlns:a14="http://schemas.microsoft.com/office/drawing/2010/main" val="0"/>
               </a:ext>
             </a:extLst>
           </a:blip>
@@ -5702,7 +5698,7 @@
           <a:blip r:embed="rId3" cstate="print">
             <a:extLst>
               <a:ext uri="{28A0092B-C50C-407E-A947-70E740481C1C}">
-                <a14:useLocalDpi xmlns:a14="http://schemas.microsoft.com/office/drawing/2010/main" xmlns="" val="0"/>
+                <a14:useLocalDpi xmlns:a14="http://schemas.microsoft.com/office/drawing/2010/main" val="0"/>
               </a:ext>
             </a:extLst>
           </a:blip>
@@ -5732,7 +5728,7 @@
           <a:blip r:embed="rId4" cstate="print">
             <a:extLst>
               <a:ext uri="{28A0092B-C50C-407E-A947-70E740481C1C}">
-                <a14:useLocalDpi xmlns:a14="http://schemas.microsoft.com/office/drawing/2010/main" xmlns="" val="0"/>
+                <a14:useLocalDpi xmlns:a14="http://schemas.microsoft.com/office/drawing/2010/main" val="0"/>
               </a:ext>
             </a:extLst>
           </a:blip>
@@ -5762,7 +5758,7 @@
           <a:blip r:embed="rId5" cstate="print">
             <a:extLst>
               <a:ext uri="{28A0092B-C50C-407E-A947-70E740481C1C}">
-                <a14:useLocalDpi xmlns:a14="http://schemas.microsoft.com/office/drawing/2010/main" xmlns="" val="0"/>
+                <a14:useLocalDpi xmlns:a14="http://schemas.microsoft.com/office/drawing/2010/main" val="0"/>
               </a:ext>
             </a:extLst>
           </a:blip>
@@ -5792,7 +5788,7 @@
           <a:blip r:embed="rId6" cstate="print">
             <a:extLst>
               <a:ext uri="{28A0092B-C50C-407E-A947-70E740481C1C}">
-                <a14:useLocalDpi xmlns:a14="http://schemas.microsoft.com/office/drawing/2010/main" xmlns="" val="0"/>
+                <a14:useLocalDpi xmlns:a14="http://schemas.microsoft.com/office/drawing/2010/main" val="0"/>
               </a:ext>
             </a:extLst>
           </a:blip>
@@ -6610,11 +6606,7 @@
             </a:fld>
             <a:r>
               <a:rPr lang="fr-BE" dirty="0" smtClean="0"/>
-              <a:t> sur </a:t>
-            </a:r>
-            <a:r>
-              <a:rPr lang="fr-BE" dirty="0" smtClean="0"/>
-              <a:t>16</a:t>
+              <a:t> sur 16</a:t>
             </a:r>
             <a:endParaRPr lang="fr-BE" dirty="0"/>
           </a:p>
@@ -6937,36 +6929,6 @@
           </a:graphicData>
         </a:graphic>
       </p:graphicFrame>
-      <p:pic>
-        <p:nvPicPr>
-          <p:cNvPr id="2" name="Image 1"/>
-          <p:cNvPicPr>
-            <a:picLocks noChangeAspect="1"/>
-          </p:cNvPicPr>
-          <p:nvPr/>
-        </p:nvPicPr>
-        <p:blipFill>
-          <a:blip r:embed="rId2" cstate="print">
-            <a:extLst>
-              <a:ext uri="{28A0092B-C50C-407E-A947-70E740481C1C}">
-                <a14:useLocalDpi xmlns:a14="http://schemas.microsoft.com/office/drawing/2010/main" xmlns="" val="0"/>
-              </a:ext>
-            </a:extLst>
-          </a:blip>
-          <a:stretch>
-            <a:fillRect/>
-          </a:stretch>
-        </p:blipFill>
-        <p:spPr>
-          <a:xfrm>
-            <a:off x="2411760" y="1798504"/>
-            <a:ext cx="3015078" cy="4143672"/>
-          </a:xfrm>
-          <a:prstGeom prst="rect">
-            <a:avLst/>
-          </a:prstGeom>
-        </p:spPr>
-      </p:pic>
       <p:sp>
         <p:nvSpPr>
           <p:cNvPr id="3" name="ZoneTexte 2"/>
@@ -7023,6 +6985,36 @@
           </a:p>
         </p:txBody>
       </p:sp>
+      <p:pic>
+        <p:nvPicPr>
+          <p:cNvPr id="9" name="Image 8"/>
+          <p:cNvPicPr>
+            <a:picLocks noChangeAspect="1"/>
+          </p:cNvPicPr>
+          <p:nvPr/>
+        </p:nvPicPr>
+        <p:blipFill>
+          <a:blip r:embed="rId2">
+            <a:extLst>
+              <a:ext uri="{28A0092B-C50C-407E-A947-70E740481C1C}">
+                <a14:useLocalDpi xmlns:a14="http://schemas.microsoft.com/office/drawing/2010/main" val="0"/>
+              </a:ext>
+            </a:extLst>
+          </a:blip>
+          <a:stretch>
+            <a:fillRect/>
+          </a:stretch>
+        </p:blipFill>
+        <p:spPr>
+          <a:xfrm>
+            <a:off x="2555776" y="1923026"/>
+            <a:ext cx="2880320" cy="3894626"/>
+          </a:xfrm>
+          <a:prstGeom prst="rect">
+            <a:avLst/>
+          </a:prstGeom>
+        </p:spPr>
+      </p:pic>
     </p:spTree>
   </p:cSld>
   <p:clrMapOvr>
@@ -7055,7 +7047,7 @@
                             </p:stCondLst>
                             <p:childTnLst>
                               <p:par>
-                                <p:cTn id="5" presetID="2" presetClass="entr" presetSubtype="8" fill="hold" nodeType="withEffect">
+                                <p:cTn id="5" presetID="2" presetClass="entr" presetSubtype="2" fill="hold" grpId="0" nodeType="withEffect">
                                   <p:stCondLst>
                                     <p:cond delay="0"/>
                                   </p:stCondLst>
@@ -7068,7 +7060,7 @@
                                           </p:stCondLst>
                                         </p:cTn>
                                         <p:tgtEl>
-                                          <p:spTgt spid="2"/>
+                                          <p:spTgt spid="3"/>
                                         </p:tgtEl>
                                         <p:attrNameLst>
                                           <p:attrName>style.visibility</p:attrName>
@@ -7082,7 +7074,7 @@
                                       <p:cBhvr additive="base">
                                         <p:cTn id="7" dur="1000" fill="hold"/>
                                         <p:tgtEl>
-                                          <p:spTgt spid="2"/>
+                                          <p:spTgt spid="3"/>
                                         </p:tgtEl>
                                         <p:attrNameLst>
                                           <p:attrName>ppt_x</p:attrName>
@@ -7091,7 +7083,7 @@
                                       <p:tavLst>
                                         <p:tav tm="0">
                                           <p:val>
-                                            <p:strVal val="0-#ppt_w/2"/>
+                                            <p:strVal val="1+#ppt_w/2"/>
                                           </p:val>
                                         </p:tav>
                                         <p:tav tm="100000">
@@ -7105,7 +7097,7 @@
                                       <p:cBhvr additive="base">
                                         <p:cTn id="8" dur="1000" fill="hold"/>
                                         <p:tgtEl>
-                                          <p:spTgt spid="2"/>
+                                          <p:spTgt spid="3"/>
                                         </p:tgtEl>
                                         <p:attrNameLst>
                                           <p:attrName>ppt_y</p:attrName>
@@ -7128,7 +7120,7 @@
                                 </p:cTn>
                               </p:par>
                               <p:par>
-                                <p:cTn id="9" presetID="2" presetClass="entr" presetSubtype="2" fill="hold" grpId="0" nodeType="withEffect">
+                                <p:cTn id="9" presetID="2" presetClass="entr" presetSubtype="8" fill="hold" nodeType="withEffect">
                                   <p:stCondLst>
                                     <p:cond delay="0"/>
                                   </p:stCondLst>
@@ -7141,7 +7133,7 @@
                                           </p:stCondLst>
                                         </p:cTn>
                                         <p:tgtEl>
-                                          <p:spTgt spid="3"/>
+                                          <p:spTgt spid="9"/>
                                         </p:tgtEl>
                                         <p:attrNameLst>
                                           <p:attrName>style.visibility</p:attrName>
@@ -7155,7 +7147,7 @@
                                       <p:cBhvr additive="base">
                                         <p:cTn id="11" dur="1000" fill="hold"/>
                                         <p:tgtEl>
-                                          <p:spTgt spid="3"/>
+                                          <p:spTgt spid="9"/>
                                         </p:tgtEl>
                                         <p:attrNameLst>
                                           <p:attrName>ppt_x</p:attrName>
@@ -7164,7 +7156,7 @@
                                       <p:tavLst>
                                         <p:tav tm="0">
                                           <p:val>
-                                            <p:strVal val="1+#ppt_w/2"/>
+                                            <p:strVal val="0-#ppt_w/2"/>
                                           </p:val>
                                         </p:tav>
                                         <p:tav tm="100000">
@@ -7178,7 +7170,7 @@
                                       <p:cBhvr additive="base">
                                         <p:cTn id="12" dur="1000" fill="hold"/>
                                         <p:tgtEl>
-                                          <p:spTgt spid="3"/>
+                                          <p:spTgt spid="9"/>
                                         </p:tgtEl>
                                         <p:attrNameLst>
                                           <p:attrName>ppt_y</p:attrName>
@@ -7337,11 +7329,7 @@
             </a:fld>
             <a:r>
               <a:rPr lang="fr-BE" dirty="0" smtClean="0"/>
-              <a:t> sur </a:t>
-            </a:r>
-            <a:r>
-              <a:rPr lang="fr-BE" dirty="0" smtClean="0"/>
-              <a:t>16</a:t>
+              <a:t> sur 16</a:t>
             </a:r>
             <a:endParaRPr lang="fr-BE" dirty="0"/>
           </a:p>
@@ -7641,7 +7629,7 @@
           <a:blip r:embed="rId2" cstate="print">
             <a:extLst>
               <a:ext uri="{28A0092B-C50C-407E-A947-70E740481C1C}">
-                <a14:useLocalDpi xmlns:a14="http://schemas.microsoft.com/office/drawing/2010/main" xmlns="" val="0"/>
+                <a14:useLocalDpi xmlns:a14="http://schemas.microsoft.com/office/drawing/2010/main" val="0"/>
               </a:ext>
             </a:extLst>
           </a:blip>
@@ -7661,7 +7649,7 @@
           <a:noFill/>
           <a:extLst>
             <a:ext uri="{909E8E84-426E-40DD-AFC4-6F175D3DCCD1}">
-              <a14:hiddenFill xmlns:a14="http://schemas.microsoft.com/office/drawing/2010/main" xmlns="">
+              <a14:hiddenFill xmlns:a14="http://schemas.microsoft.com/office/drawing/2010/main">
                 <a:solidFill>
                   <a:srgbClr val="FFFFFF"/>
                 </a:solidFill>
@@ -7791,11 +7779,7 @@
             </a:fld>
             <a:r>
               <a:rPr lang="fr-BE" dirty="0" smtClean="0"/>
-              <a:t> sur </a:t>
-            </a:r>
-            <a:r>
-              <a:rPr lang="fr-BE" dirty="0" smtClean="0"/>
-              <a:t>16</a:t>
+              <a:t> sur 16</a:t>
             </a:r>
             <a:endParaRPr lang="fr-BE" dirty="0"/>
           </a:p>
@@ -8713,11 +8697,7 @@
             </a:fld>
             <a:r>
               <a:rPr lang="fr-BE" dirty="0" smtClean="0"/>
-              <a:t> sur </a:t>
-            </a:r>
-            <a:r>
-              <a:rPr lang="fr-BE" dirty="0" smtClean="0"/>
-              <a:t>16</a:t>
+              <a:t> sur 16</a:t>
             </a:r>
             <a:endParaRPr lang="fr-BE" dirty="0"/>
           </a:p>
@@ -9167,11 +9147,7 @@
             </a:fld>
             <a:r>
               <a:rPr lang="fr-BE" dirty="0" smtClean="0"/>
-              <a:t> sur </a:t>
-            </a:r>
-            <a:r>
-              <a:rPr lang="fr-BE" dirty="0" smtClean="0"/>
-              <a:t>16</a:t>
+              <a:t> sur 16</a:t>
             </a:r>
             <a:endParaRPr lang="fr-BE" dirty="0"/>
           </a:p>
@@ -9296,11 +9272,7 @@
             </a:pPr>
             <a:r>
               <a:rPr lang="fr-FR" sz="2400" dirty="0" smtClean="0"/>
-              <a:t>Insérer des tags ID3 aux enregistrements </a:t>
-            </a:r>
-            <a:r>
-              <a:rPr lang="fr-FR" sz="2400" dirty="0" smtClean="0"/>
-              <a:t>audio</a:t>
+              <a:t>Insérer des tags ID3 aux enregistrements audio</a:t>
             </a:r>
           </a:p>
           <a:p>
@@ -9626,11 +9598,7 @@
             </a:fld>
             <a:r>
               <a:rPr lang="fr-BE" dirty="0" smtClean="0"/>
-              <a:t> sur </a:t>
-            </a:r>
-            <a:r>
-              <a:rPr lang="fr-BE" dirty="0" smtClean="0"/>
-              <a:t>16</a:t>
+              <a:t> sur 16</a:t>
             </a:r>
             <a:endParaRPr lang="fr-BE" dirty="0"/>
           </a:p>
@@ -10142,11 +10110,7 @@
             </a:fld>
             <a:r>
               <a:rPr lang="fr-BE" dirty="0" smtClean="0"/>
-              <a:t> sur </a:t>
-            </a:r>
-            <a:r>
-              <a:rPr lang="fr-BE" dirty="0" smtClean="0"/>
-              <a:t>16</a:t>
+              <a:t> sur 16</a:t>
             </a:r>
             <a:endParaRPr lang="fr-BE" dirty="0"/>
           </a:p>
@@ -10301,11 +10265,7 @@
             </a:fld>
             <a:r>
               <a:rPr lang="fr-BE" dirty="0" smtClean="0"/>
-              <a:t> sur </a:t>
-            </a:r>
-            <a:r>
-              <a:rPr lang="fr-BE" dirty="0" smtClean="0"/>
-              <a:t>16</a:t>
+              <a:t> sur 16</a:t>
             </a:r>
             <a:endParaRPr lang="fr-BE" dirty="0"/>
           </a:p>
@@ -12604,11 +12564,7 @@
             </a:fld>
             <a:r>
               <a:rPr lang="fr-BE" dirty="0" smtClean="0"/>
-              <a:t> sur </a:t>
-            </a:r>
-            <a:r>
-              <a:rPr lang="fr-BE" dirty="0" smtClean="0"/>
-              <a:t>16</a:t>
+              <a:t> sur 16</a:t>
             </a:r>
             <a:endParaRPr lang="fr-BE" dirty="0"/>
           </a:p>
@@ -14012,11 +13968,7 @@
             </a:fld>
             <a:r>
               <a:rPr lang="fr-BE" dirty="0" smtClean="0"/>
-              <a:t> sur </a:t>
-            </a:r>
-            <a:r>
-              <a:rPr lang="fr-BE" dirty="0" smtClean="0"/>
-              <a:t>16</a:t>
+              <a:t> sur 16</a:t>
             </a:r>
             <a:endParaRPr lang="fr-BE" dirty="0"/>
           </a:p>
@@ -14508,11 +14460,7 @@
             </a:fld>
             <a:r>
               <a:rPr lang="fr-BE" dirty="0" smtClean="0"/>
-              <a:t> sur </a:t>
-            </a:r>
-            <a:r>
-              <a:rPr lang="fr-BE" dirty="0" smtClean="0"/>
-              <a:t>16</a:t>
+              <a:t> sur 16</a:t>
             </a:r>
             <a:endParaRPr lang="fr-BE" dirty="0"/>
           </a:p>
@@ -15022,11 +14970,7 @@
             </a:fld>
             <a:r>
               <a:rPr lang="fr-BE" dirty="0" smtClean="0"/>
-              <a:t> sur </a:t>
-            </a:r>
-            <a:r>
-              <a:rPr lang="fr-BE" dirty="0" smtClean="0"/>
-              <a:t>16</a:t>
+              <a:t> sur 16</a:t>
             </a:r>
             <a:endParaRPr lang="fr-BE" dirty="0"/>
           </a:p>
@@ -16712,11 +16656,7 @@
             </a:fld>
             <a:r>
               <a:rPr lang="fr-BE" dirty="0" smtClean="0"/>
-              <a:t> sur </a:t>
-            </a:r>
-            <a:r>
-              <a:rPr lang="fr-BE" dirty="0" smtClean="0"/>
-              <a:t>16</a:t>
+              <a:t> sur 16</a:t>
             </a:r>
             <a:endParaRPr lang="fr-BE" dirty="0"/>
           </a:p>
@@ -17336,11 +17276,7 @@
             </a:fld>
             <a:r>
               <a:rPr lang="fr-BE" dirty="0" smtClean="0"/>
-              <a:t> sur </a:t>
-            </a:r>
-            <a:r>
-              <a:rPr lang="fr-BE" dirty="0" smtClean="0"/>
-              <a:t>16</a:t>
+              <a:t> sur 16</a:t>
             </a:r>
             <a:endParaRPr lang="fr-BE" dirty="0"/>
           </a:p>

--- a/trunk/AAP/docs/Presentation.pptx
+++ b/trunk/AAP/docs/Presentation.pptx
@@ -5,10 +5,10 @@
     <p:sldMasterId id="2147483648" r:id="rId1"/>
   </p:sldMasterIdLst>
   <p:notesMasterIdLst>
-    <p:notesMasterId r:id="rId18"/>
+    <p:notesMasterId r:id="rId19"/>
   </p:notesMasterIdLst>
   <p:handoutMasterIdLst>
-    <p:handoutMasterId r:id="rId19"/>
+    <p:handoutMasterId r:id="rId20"/>
   </p:handoutMasterIdLst>
   <p:sldIdLst>
     <p:sldId id="256" r:id="rId2"/>
@@ -24,9 +24,10 @@
     <p:sldId id="277" r:id="rId12"/>
     <p:sldId id="268" r:id="rId13"/>
     <p:sldId id="269" r:id="rId14"/>
-    <p:sldId id="271" r:id="rId15"/>
-    <p:sldId id="270" r:id="rId16"/>
-    <p:sldId id="259" r:id="rId17"/>
+    <p:sldId id="278" r:id="rId15"/>
+    <p:sldId id="271" r:id="rId16"/>
+    <p:sldId id="270" r:id="rId17"/>
+    <p:sldId id="259" r:id="rId18"/>
   </p:sldIdLst>
   <p:sldSz cx="9144000" cy="6858000" type="screen4x3"/>
   <p:notesSz cx="6858000" cy="9144000"/>
@@ -211,7 +212,7 @@
             <a:fld id="{678F24D5-C480-446D-B22C-7F566331EF41}" type="datetimeFigureOut">
               <a:rPr lang="fr-FR" smtClean="0"/>
               <a:pPr/>
-              <a:t>06/06/2011</a:t>
+              <a:t>07/06/2011</a:t>
             </a:fld>
             <a:endParaRPr lang="fr-FR"/>
           </a:p>
@@ -378,7 +379,7 @@
             <a:fld id="{9F7A5740-AB0E-48E6-BCE9-09FA638B6FD3}" type="datetimeFigureOut">
               <a:rPr lang="fr-FR" smtClean="0"/>
               <a:pPr/>
-              <a:t>06/06/2011</a:t>
+              <a:t>07/06/2011</a:t>
             </a:fld>
             <a:endParaRPr lang="fr-FR"/>
           </a:p>
@@ -1221,7 +1222,7 @@
             <a:fld id="{B533835C-9221-4AF6-8BB4-343DB2540EFC}" type="slidenum">
               <a:rPr lang="fr-FR" smtClean="0"/>
               <a:pPr/>
-              <a:t>15</a:t>
+              <a:t>16</a:t>
             </a:fld>
             <a:endParaRPr lang="fr-FR"/>
           </a:p>
@@ -1429,7 +1430,7 @@
             <a:fld id="{DF9D4494-96E0-4406-9347-E80FE7704387}" type="datetime1">
               <a:rPr lang="fr-FR" smtClean="0"/>
               <a:pPr/>
-              <a:t>06/06/2011</a:t>
+              <a:t>07/06/2011</a:t>
             </a:fld>
             <a:endParaRPr lang="fr-BE"/>
           </a:p>
@@ -1697,7 +1698,7 @@
             <a:fld id="{A89CA437-F84A-4BDD-8C20-46077FA11AD7}" type="datetime1">
               <a:rPr lang="fr-FR" smtClean="0"/>
               <a:pPr/>
-              <a:t>06/06/2011</a:t>
+              <a:t>07/06/2011</a:t>
             </a:fld>
             <a:endParaRPr lang="fr-BE"/>
           </a:p>
@@ -1868,7 +1869,7 @@
             <a:fld id="{24135A20-DC24-4C20-9F62-FD3DD13F2969}" type="datetime1">
               <a:rPr lang="fr-FR" smtClean="0"/>
               <a:pPr/>
-              <a:t>06/06/2011</a:t>
+              <a:t>07/06/2011</a:t>
             </a:fld>
             <a:endParaRPr lang="fr-BE"/>
           </a:p>
@@ -2049,7 +2050,7 @@
             <a:fld id="{C74C95C5-D393-4D2F-A12B-633BD3C7E534}" type="datetime1">
               <a:rPr lang="fr-FR" smtClean="0"/>
               <a:pPr/>
-              <a:t>06/06/2011</a:t>
+              <a:t>07/06/2011</a:t>
             </a:fld>
             <a:endParaRPr lang="fr-BE"/>
           </a:p>
@@ -3065,7 +3066,7 @@
             <a:fld id="{9DEFE777-74D9-46A9-AF63-ECD7CA5CB743}" type="datetime1">
               <a:rPr lang="fr-FR" smtClean="0"/>
               <a:pPr/>
-              <a:t>06/06/2011</a:t>
+              <a:t>07/06/2011</a:t>
             </a:fld>
             <a:endParaRPr lang="fr-BE"/>
           </a:p>
@@ -3354,7 +3355,7 @@
             <a:fld id="{9ACF5AB4-72D0-4411-8F4F-4D9D79E948BF}" type="datetime1">
               <a:rPr lang="fr-FR" smtClean="0"/>
               <a:pPr/>
-              <a:t>06/06/2011</a:t>
+              <a:t>07/06/2011</a:t>
             </a:fld>
             <a:endParaRPr lang="fr-BE"/>
           </a:p>
@@ -3777,7 +3778,7 @@
             <a:fld id="{D2811741-81B4-41E5-A5E9-7992F4B62001}" type="datetime1">
               <a:rPr lang="fr-FR" smtClean="0"/>
               <a:pPr/>
-              <a:t>06/06/2011</a:t>
+              <a:t>07/06/2011</a:t>
             </a:fld>
             <a:endParaRPr lang="fr-BE"/>
           </a:p>
@@ -3896,7 +3897,7 @@
             <a:fld id="{FA06DA9A-0216-4D5C-BA8D-BFCD89B87CAB}" type="datetime1">
               <a:rPr lang="fr-FR" smtClean="0"/>
               <a:pPr/>
-              <a:t>06/06/2011</a:t>
+              <a:t>07/06/2011</a:t>
             </a:fld>
             <a:endParaRPr lang="fr-BE"/>
           </a:p>
@@ -3992,7 +3993,7 @@
             <a:fld id="{3EDB268D-CAC0-4A46-8E29-E987593C3F48}" type="datetime1">
               <a:rPr lang="fr-FR" smtClean="0"/>
               <a:pPr/>
-              <a:t>06/06/2011</a:t>
+              <a:t>07/06/2011</a:t>
             </a:fld>
             <a:endParaRPr lang="fr-BE"/>
           </a:p>
@@ -4270,7 +4271,7 @@
             <a:fld id="{5B09ACAE-89F7-4AA2-AF12-DFB25BECD9F8}" type="datetime1">
               <a:rPr lang="fr-FR" smtClean="0"/>
               <a:pPr/>
-              <a:t>06/06/2011</a:t>
+              <a:t>07/06/2011</a:t>
             </a:fld>
             <a:endParaRPr lang="fr-BE"/>
           </a:p>
@@ -4493,7 +4494,7 @@
             <a:fld id="{C2D67580-B034-40FA-BDF9-08E33D7DD05F}" type="datetime1">
               <a:rPr lang="fr-FR" smtClean="0"/>
               <a:pPr/>
-              <a:t>06/06/2011</a:t>
+              <a:t>07/06/2011</a:t>
             </a:fld>
             <a:endParaRPr lang="fr-BE"/>
           </a:p>
@@ -5252,7 +5253,11 @@
             </a:fld>
             <a:r>
               <a:rPr lang="fr-BE" dirty="0" smtClean="0"/>
-              <a:t> sur 16</a:t>
+              <a:t> sur </a:t>
+            </a:r>
+            <a:r>
+              <a:rPr lang="fr-BE" dirty="0" smtClean="0"/>
+              <a:t>17</a:t>
             </a:r>
             <a:endParaRPr lang="fr-BE" dirty="0"/>
           </a:p>
@@ -6606,7 +6611,11 @@
             </a:fld>
             <a:r>
               <a:rPr lang="fr-BE" dirty="0" smtClean="0"/>
-              <a:t> sur 16</a:t>
+              <a:t> sur </a:t>
+            </a:r>
+            <a:r>
+              <a:rPr lang="fr-BE" dirty="0" smtClean="0"/>
+              <a:t>17</a:t>
             </a:r>
             <a:endParaRPr lang="fr-BE" dirty="0"/>
           </a:p>
@@ -6979,7 +6988,17 @@
                   </a:schemeClr>
                 </a:solidFill>
               </a:rPr>
-              <a:t>Plusieurs boucles pour une seule chanson</a:t>
+              <a:t>Plusieurs boucles pour une </a:t>
+            </a:r>
+            <a:r>
+              <a:rPr lang="fr-FR" sz="2800" dirty="0" smtClean="0">
+                <a:solidFill>
+                  <a:schemeClr val="tx2">
+                    <a:lumMod val="75000"/>
+                  </a:schemeClr>
+                </a:solidFill>
+              </a:rPr>
+              <a:t>même chanson</a:t>
             </a:r>
             <a:endParaRPr lang="fr-FR" dirty="0"/>
           </a:p>
@@ -7329,7 +7348,11 @@
             </a:fld>
             <a:r>
               <a:rPr lang="fr-BE" dirty="0" smtClean="0"/>
-              <a:t> sur 16</a:t>
+              <a:t> sur </a:t>
+            </a:r>
+            <a:r>
+              <a:rPr lang="fr-BE" dirty="0" smtClean="0"/>
+              <a:t>17</a:t>
             </a:r>
             <a:endParaRPr lang="fr-BE" dirty="0"/>
           </a:p>
@@ -7779,7 +7802,11 @@
             </a:fld>
             <a:r>
               <a:rPr lang="fr-BE" dirty="0" smtClean="0"/>
-              <a:t> sur 16</a:t>
+              <a:t> sur </a:t>
+            </a:r>
+            <a:r>
+              <a:rPr lang="fr-BE" dirty="0" smtClean="0"/>
+              <a:t>17</a:t>
             </a:r>
             <a:endParaRPr lang="fr-BE" dirty="0"/>
           </a:p>
@@ -8634,7 +8661,7 @@
                   </a:schemeClr>
                 </a:solidFill>
               </a:rPr>
-              <a:t>Conclusion</a:t>
+              <a:t>Fonctionnalités</a:t>
             </a:r>
             <a:endParaRPr lang="fr-FR" dirty="0">
               <a:solidFill>
@@ -8697,7 +8724,11 @@
             </a:fld>
             <a:r>
               <a:rPr lang="fr-BE" dirty="0" smtClean="0"/>
-              <a:t> sur 16</a:t>
+              <a:t> sur </a:t>
+            </a:r>
+            <a:r>
+              <a:rPr lang="fr-BE" dirty="0" smtClean="0"/>
+              <a:t>17</a:t>
             </a:r>
             <a:endParaRPr lang="fr-BE" dirty="0"/>
           </a:p>
@@ -8715,9 +8746,7 @@
         </p:nvSpPr>
         <p:spPr/>
         <p:txBody>
-          <a:bodyPr>
-            <a:normAutofit/>
-          </a:bodyPr>
+          <a:bodyPr/>
           <a:lstStyle/>
           <a:p>
             <a:pPr>
@@ -8725,14 +8754,14 @@
               <a:buChar char="Ø"/>
             </a:pPr>
             <a:r>
-              <a:rPr lang="fr-FR" sz="2800" dirty="0" smtClean="0">
+              <a:rPr lang="fr-FR" dirty="0" smtClean="0">
                 <a:solidFill>
                   <a:schemeClr val="tx2">
                     <a:lumMod val="75000"/>
                   </a:schemeClr>
                 </a:solidFill>
               </a:rPr>
-              <a:t>Les connaissances et compétences acquises</a:t>
+              <a:t>L’ enregistreur</a:t>
             </a:r>
           </a:p>
           <a:p>
@@ -8748,19 +8777,25 @@
                   </a:schemeClr>
                 </a:solidFill>
               </a:rPr>
-              <a:t>Développement d’une application </a:t>
-            </a:r>
-            <a:r>
-              <a:rPr lang="fr-FR" sz="2400" dirty="0" err="1" smtClean="0">
+              <a:t>Enregistrement audio grâce au microphone du téléphone</a:t>
+            </a:r>
+          </a:p>
+          <a:p>
+            <a:pPr lvl="1">
+              <a:buFont typeface="Arial" pitchFamily="34" charset="0"/>
+              <a:buChar char="•"/>
+            </a:pPr>
+            <a:r>
+              <a:rPr lang="fr-FR" sz="2400" dirty="0" smtClean="0">
                 <a:solidFill>
                   <a:schemeClr val="tx2">
                     <a:lumMod val="75000"/>
                   </a:schemeClr>
                 </a:solidFill>
               </a:rPr>
-              <a:t>Android</a:t>
-            </a:r>
-            <a:endParaRPr lang="fr-FR" sz="2400" dirty="0" smtClean="0">
+              <a:t>Disponible instantanément pour la lecture</a:t>
+            </a:r>
+            <a:endParaRPr lang="fr-FR" sz="2400" dirty="0">
               <a:solidFill>
                 <a:schemeClr val="tx2">
                   <a:lumMod val="75000"/>
@@ -8769,85 +8804,10 @@
             </a:endParaRPr>
           </a:p>
           <a:p>
-            <a:pPr lvl="1">
-              <a:buFont typeface="Arial" pitchFamily="34" charset="0"/>
-              <a:buChar char="•"/>
-            </a:pPr>
-            <a:r>
-              <a:rPr lang="fr-FR" sz="2400" dirty="0" smtClean="0">
-                <a:solidFill>
-                  <a:schemeClr val="tx2">
-                    <a:lumMod val="75000"/>
-                  </a:schemeClr>
-                </a:solidFill>
-              </a:rPr>
-              <a:t>Découverte du plugin ADT</a:t>
-            </a:r>
-          </a:p>
-          <a:p>
-            <a:pPr lvl="1">
-              <a:buFont typeface="Arial" pitchFamily="34" charset="0"/>
-              <a:buChar char="•"/>
-            </a:pPr>
-            <a:r>
-              <a:rPr lang="fr-FR" sz="2400" dirty="0" smtClean="0">
-                <a:solidFill>
-                  <a:schemeClr val="tx2">
-                    <a:lumMod val="75000"/>
-                  </a:schemeClr>
-                </a:solidFill>
-              </a:rPr>
-              <a:t>La création d’interface graphique en XML</a:t>
-            </a:r>
-          </a:p>
-          <a:p>
-            <a:pPr lvl="1">
-              <a:buFont typeface="Arial" pitchFamily="34" charset="0"/>
-              <a:buChar char="•"/>
-            </a:pPr>
-            <a:r>
-              <a:rPr lang="fr-FR" sz="2400" dirty="0" smtClean="0">
-                <a:solidFill>
-                  <a:schemeClr val="tx2">
-                    <a:lumMod val="75000"/>
-                  </a:schemeClr>
-                </a:solidFill>
-              </a:rPr>
-              <a:t>Des concepts sur les signaux audio</a:t>
-            </a:r>
-          </a:p>
-          <a:p>
-            <a:pPr lvl="1">
-              <a:buFont typeface="Arial" pitchFamily="34" charset="0"/>
-              <a:buChar char="•"/>
-            </a:pPr>
-            <a:r>
-              <a:rPr lang="fr-FR" sz="2400" dirty="0" smtClean="0">
-                <a:solidFill>
-                  <a:schemeClr val="tx2">
-                    <a:lumMod val="75000"/>
-                  </a:schemeClr>
-                </a:solidFill>
-              </a:rPr>
-              <a:t>La découverte de nouvelles API</a:t>
-            </a:r>
-          </a:p>
-          <a:p>
-            <a:pPr lvl="1">
-              <a:buFont typeface="Arial" pitchFamily="34" charset="0"/>
-              <a:buChar char="•"/>
-            </a:pPr>
-            <a:r>
-              <a:rPr lang="fr-FR" sz="2400" dirty="0" smtClean="0">
-                <a:solidFill>
-                  <a:schemeClr val="tx2">
-                    <a:lumMod val="75000"/>
-                  </a:schemeClr>
-                </a:solidFill>
-              </a:rPr>
-              <a:t>Les métadonnées dans un fichier audio</a:t>
-            </a:r>
-            <a:endParaRPr lang="fr-FR" sz="2400" dirty="0">
+            <a:pPr marL="457200" lvl="1" indent="0">
+              <a:buNone/>
+            </a:pPr>
+            <a:endParaRPr lang="fr-FR" dirty="0">
               <a:solidFill>
                 <a:schemeClr val="tx2">
                   <a:lumMod val="75000"/>
@@ -8975,7 +8935,8 @@
               <a:rPr lang="fr-FR" sz="1400" dirty="0" smtClean="0">
                 <a:solidFill>
                   <a:schemeClr val="tx2">
-                    <a:lumMod val="75000"/>
+                    <a:lumMod val="60000"/>
+                    <a:lumOff val="40000"/>
                   </a:schemeClr>
                 </a:solidFill>
                 <a:latin typeface="Cambria" pitchFamily="18" charset="0"/>
@@ -9006,8 +8967,7 @@
               <a:rPr lang="fr-FR" sz="1400" dirty="0" smtClean="0">
                 <a:solidFill>
                   <a:schemeClr val="tx2">
-                    <a:lumMod val="60000"/>
-                    <a:lumOff val="40000"/>
+                    <a:lumMod val="75000"/>
                   </a:schemeClr>
                 </a:solidFill>
                 <a:latin typeface="Cambria" pitchFamily="18" charset="0"/>
@@ -9026,18 +8986,290 @@
           </a:p>
         </p:txBody>
       </p:sp>
+      <p:pic>
+        <p:nvPicPr>
+          <p:cNvPr id="2" name="Image 1"/>
+          <p:cNvPicPr>
+            <a:picLocks noChangeAspect="1"/>
+          </p:cNvPicPr>
+          <p:nvPr/>
+        </p:nvPicPr>
+        <p:blipFill>
+          <a:blip r:embed="rId2">
+            <a:extLst>
+              <a:ext uri="{28A0092B-C50C-407E-A947-70E740481C1C}">
+                <a14:useLocalDpi xmlns:a14="http://schemas.microsoft.com/office/drawing/2010/main" val="0"/>
+              </a:ext>
+            </a:extLst>
+          </a:blip>
+          <a:stretch>
+            <a:fillRect/>
+          </a:stretch>
+        </p:blipFill>
+        <p:spPr>
+          <a:xfrm>
+            <a:off x="4211960" y="2764835"/>
+            <a:ext cx="2144256" cy="3161650"/>
+          </a:xfrm>
+          <a:prstGeom prst="rect">
+            <a:avLst/>
+          </a:prstGeom>
+        </p:spPr>
+      </p:pic>
+      <p:pic>
+        <p:nvPicPr>
+          <p:cNvPr id="3" name="Image 2"/>
+          <p:cNvPicPr>
+            <a:picLocks noChangeAspect="1"/>
+          </p:cNvPicPr>
+          <p:nvPr/>
+        </p:nvPicPr>
+        <p:blipFill>
+          <a:blip r:embed="rId3">
+            <a:extLst>
+              <a:ext uri="{28A0092B-C50C-407E-A947-70E740481C1C}">
+                <a14:useLocalDpi xmlns:a14="http://schemas.microsoft.com/office/drawing/2010/main" val="0"/>
+              </a:ext>
+            </a:extLst>
+          </a:blip>
+          <a:stretch>
+            <a:fillRect/>
+          </a:stretch>
+        </p:blipFill>
+        <p:spPr>
+          <a:xfrm>
+            <a:off x="5350951" y="2708920"/>
+            <a:ext cx="2141199" cy="3185525"/>
+          </a:xfrm>
+          <a:prstGeom prst="rect">
+            <a:avLst/>
+          </a:prstGeom>
+        </p:spPr>
+      </p:pic>
+      <p:pic>
+        <p:nvPicPr>
+          <p:cNvPr id="9" name="Image 8"/>
+          <p:cNvPicPr>
+            <a:picLocks noChangeAspect="1"/>
+          </p:cNvPicPr>
+          <p:nvPr/>
+        </p:nvPicPr>
+        <p:blipFill>
+          <a:blip r:embed="rId4">
+            <a:extLst>
+              <a:ext uri="{28A0092B-C50C-407E-A947-70E740481C1C}">
+                <a14:useLocalDpi xmlns:a14="http://schemas.microsoft.com/office/drawing/2010/main" val="0"/>
+              </a:ext>
+            </a:extLst>
+          </a:blip>
+          <a:stretch>
+            <a:fillRect/>
+          </a:stretch>
+        </p:blipFill>
+        <p:spPr>
+          <a:xfrm>
+            <a:off x="2987824" y="2708920"/>
+            <a:ext cx="2128062" cy="3165821"/>
+          </a:xfrm>
+          <a:prstGeom prst="rect">
+            <a:avLst/>
+          </a:prstGeom>
+        </p:spPr>
+      </p:pic>
     </p:spTree>
+    <p:extLst>
+      <p:ext uri="{BB962C8B-B14F-4D97-AF65-F5344CB8AC3E}">
+        <p14:creationId xmlns:p14="http://schemas.microsoft.com/office/powerpoint/2010/main" val="340762866"/>
+      </p:ext>
+    </p:extLst>
   </p:cSld>
   <p:clrMapOvr>
     <a:masterClrMapping/>
   </p:clrMapOvr>
-  <p:transition>
+  <p:transition advTm="28705">
     <p:fade/>
   </p:transition>
   <p:timing>
     <p:tnLst>
       <p:par>
-        <p:cTn id="1" dur="indefinite" restart="never" nodeType="tmRoot"/>
+        <p:cTn id="1" dur="indefinite" restart="never" nodeType="tmRoot">
+          <p:childTnLst>
+            <p:seq concurrent="1" nextAc="seek">
+              <p:cTn id="2" dur="indefinite" nodeType="mainSeq">
+                <p:childTnLst>
+                  <p:par>
+                    <p:cTn id="3" fill="hold">
+                      <p:stCondLst>
+                        <p:cond delay="indefinite"/>
+                      </p:stCondLst>
+                      <p:childTnLst>
+                        <p:par>
+                          <p:cTn id="4" fill="hold">
+                            <p:stCondLst>
+                              <p:cond delay="0"/>
+                            </p:stCondLst>
+                            <p:childTnLst>
+                              <p:par>
+                                <p:cTn id="5" presetID="1" presetClass="entr" presetSubtype="0" fill="hold" nodeType="clickEffect">
+                                  <p:stCondLst>
+                                    <p:cond delay="0"/>
+                                  </p:stCondLst>
+                                  <p:childTnLst>
+                                    <p:set>
+                                      <p:cBhvr>
+                                        <p:cTn id="6" dur="1" fill="hold">
+                                          <p:stCondLst>
+                                            <p:cond delay="0"/>
+                                          </p:stCondLst>
+                                        </p:cTn>
+                                        <p:tgtEl>
+                                          <p:spTgt spid="7">
+                                            <p:txEl>
+                                              <p:pRg st="2" end="2"/>
+                                            </p:txEl>
+                                          </p:spTgt>
+                                        </p:tgtEl>
+                                        <p:attrNameLst>
+                                          <p:attrName>style.visibility</p:attrName>
+                                        </p:attrNameLst>
+                                      </p:cBhvr>
+                                      <p:to>
+                                        <p:strVal val="visible"/>
+                                      </p:to>
+                                    </p:set>
+                                  </p:childTnLst>
+                                </p:cTn>
+                              </p:par>
+                              <p:par>
+                                <p:cTn id="7" presetID="10" presetClass="exit" presetSubtype="0" fill="hold" nodeType="withEffect">
+                                  <p:stCondLst>
+                                    <p:cond delay="0"/>
+                                  </p:stCondLst>
+                                  <p:childTnLst>
+                                    <p:animEffect transition="out" filter="fade">
+                                      <p:cBhvr>
+                                        <p:cTn id="8" dur="500"/>
+                                        <p:tgtEl>
+                                          <p:spTgt spid="3"/>
+                                        </p:tgtEl>
+                                      </p:cBhvr>
+                                    </p:animEffect>
+                                    <p:set>
+                                      <p:cBhvr>
+                                        <p:cTn id="9" dur="1" fill="hold">
+                                          <p:stCondLst>
+                                            <p:cond delay="499"/>
+                                          </p:stCondLst>
+                                        </p:cTn>
+                                        <p:tgtEl>
+                                          <p:spTgt spid="3"/>
+                                        </p:tgtEl>
+                                        <p:attrNameLst>
+                                          <p:attrName>style.visibility</p:attrName>
+                                        </p:attrNameLst>
+                                      </p:cBhvr>
+                                      <p:to>
+                                        <p:strVal val="hidden"/>
+                                      </p:to>
+                                    </p:set>
+                                  </p:childTnLst>
+                                </p:cTn>
+                              </p:par>
+                              <p:par>
+                                <p:cTn id="10" presetID="10" presetClass="exit" presetSubtype="0" fill="hold" nodeType="withEffect">
+                                  <p:stCondLst>
+                                    <p:cond delay="0"/>
+                                  </p:stCondLst>
+                                  <p:childTnLst>
+                                    <p:animEffect transition="out" filter="fade">
+                                      <p:cBhvr>
+                                        <p:cTn id="11" dur="500"/>
+                                        <p:tgtEl>
+                                          <p:spTgt spid="9"/>
+                                        </p:tgtEl>
+                                      </p:cBhvr>
+                                    </p:animEffect>
+                                    <p:set>
+                                      <p:cBhvr>
+                                        <p:cTn id="12" dur="1" fill="hold">
+                                          <p:stCondLst>
+                                            <p:cond delay="499"/>
+                                          </p:stCondLst>
+                                        </p:cTn>
+                                        <p:tgtEl>
+                                          <p:spTgt spid="9"/>
+                                        </p:tgtEl>
+                                        <p:attrNameLst>
+                                          <p:attrName>style.visibility</p:attrName>
+                                        </p:attrNameLst>
+                                      </p:cBhvr>
+                                      <p:to>
+                                        <p:strVal val="hidden"/>
+                                      </p:to>
+                                    </p:set>
+                                  </p:childTnLst>
+                                </p:cTn>
+                              </p:par>
+                              <p:par>
+                                <p:cTn id="13" presetID="10" presetClass="entr" presetSubtype="0" fill="hold" nodeType="withEffect">
+                                  <p:stCondLst>
+                                    <p:cond delay="0"/>
+                                  </p:stCondLst>
+                                  <p:childTnLst>
+                                    <p:set>
+                                      <p:cBhvr>
+                                        <p:cTn id="14" dur="1" fill="hold">
+                                          <p:stCondLst>
+                                            <p:cond delay="0"/>
+                                          </p:stCondLst>
+                                        </p:cTn>
+                                        <p:tgtEl>
+                                          <p:spTgt spid="2"/>
+                                        </p:tgtEl>
+                                        <p:attrNameLst>
+                                          <p:attrName>style.visibility</p:attrName>
+                                        </p:attrNameLst>
+                                      </p:cBhvr>
+                                      <p:to>
+                                        <p:strVal val="visible"/>
+                                      </p:to>
+                                    </p:set>
+                                    <p:animEffect transition="in" filter="fade">
+                                      <p:cBhvr>
+                                        <p:cTn id="15" dur="500"/>
+                                        <p:tgtEl>
+                                          <p:spTgt spid="2"/>
+                                        </p:tgtEl>
+                                      </p:cBhvr>
+                                    </p:animEffect>
+                                  </p:childTnLst>
+                                </p:cTn>
+                              </p:par>
+                            </p:childTnLst>
+                          </p:cTn>
+                        </p:par>
+                      </p:childTnLst>
+                    </p:cTn>
+                  </p:par>
+                </p:childTnLst>
+              </p:cTn>
+              <p:prevCondLst>
+                <p:cond evt="onPrev" delay="0">
+                  <p:tgtEl>
+                    <p:sldTgt/>
+                  </p:tgtEl>
+                </p:cond>
+              </p:prevCondLst>
+              <p:nextCondLst>
+                <p:cond evt="onNext" delay="0">
+                  <p:tgtEl>
+                    <p:sldTgt/>
+                  </p:tgtEl>
+                </p:cond>
+              </p:nextCondLst>
+            </p:seq>
+          </p:childTnLst>
+        </p:cTn>
       </p:par>
     </p:tnLst>
   </p:timing>
@@ -9147,7 +9379,11 @@
             </a:fld>
             <a:r>
               <a:rPr lang="fr-BE" dirty="0" smtClean="0"/>
-              <a:t> sur 16</a:t>
+              <a:t> sur </a:t>
+            </a:r>
+            <a:r>
+              <a:rPr lang="fr-BE" dirty="0" smtClean="0"/>
+              <a:t>17</a:t>
             </a:r>
             <a:endParaRPr lang="fr-BE" dirty="0"/>
           </a:p>
@@ -9182,7 +9418,7 @@
                   </a:schemeClr>
                 </a:solidFill>
               </a:rPr>
-              <a:t>Les évolutions possibles</a:t>
+              <a:t>Les connaissances et compétences acquises</a:t>
             </a:r>
           </a:p>
           <a:p>
@@ -9198,8 +9434,25 @@
                   </a:schemeClr>
                 </a:solidFill>
               </a:rPr>
-              <a:t>Mettre en place le time stretching</a:t>
-            </a:r>
+              <a:t>Développement d’une application </a:t>
+            </a:r>
+            <a:r>
+              <a:rPr lang="fr-FR" sz="2400" dirty="0" err="1" smtClean="0">
+                <a:solidFill>
+                  <a:schemeClr val="tx2">
+                    <a:lumMod val="75000"/>
+                  </a:schemeClr>
+                </a:solidFill>
+              </a:rPr>
+              <a:t>Android</a:t>
+            </a:r>
+            <a:endParaRPr lang="fr-FR" sz="2400" dirty="0" smtClean="0">
+              <a:solidFill>
+                <a:schemeClr val="tx2">
+                  <a:lumMod val="75000"/>
+                </a:schemeClr>
+              </a:solidFill>
+            </a:endParaRPr>
           </a:p>
           <a:p>
             <a:pPr lvl="1">
@@ -9214,7 +9467,7 @@
                   </a:schemeClr>
                 </a:solidFill>
               </a:rPr>
-              <a:t>Ajouter la possibilité de consulter les tablatures</a:t>
+              <a:t>Découverte du plugin ADT</a:t>
             </a:r>
           </a:p>
           <a:p>
@@ -9230,7 +9483,7 @@
                   </a:schemeClr>
                 </a:solidFill>
               </a:rPr>
-              <a:t>Inclure une recherche de musique par mot clé</a:t>
+              <a:t>La création d’interface graphique en XML</a:t>
             </a:r>
           </a:p>
           <a:p>
@@ -9246,7 +9499,7 @@
                   </a:schemeClr>
                 </a:solidFill>
               </a:rPr>
-              <a:t>Ajouter le paramétrage des répertoires de stockage</a:t>
+              <a:t>Des concepts sur les signaux audio</a:t>
             </a:r>
           </a:p>
           <a:p>
@@ -9262,7 +9515,7 @@
                   </a:schemeClr>
                 </a:solidFill>
               </a:rPr>
-              <a:t>Afficher la pochette des albums</a:t>
+              <a:t>La découverte de nouvelles API</a:t>
             </a:r>
           </a:p>
           <a:p>
@@ -9271,16 +9524,6 @@
               <a:buChar char="•"/>
             </a:pPr>
             <a:r>
-              <a:rPr lang="fr-FR" sz="2400" dirty="0" smtClean="0"/>
-              <a:t>Insérer des tags ID3 aux enregistrements audio</a:t>
-            </a:r>
-          </a:p>
-          <a:p>
-            <a:pPr lvl="1">
-              <a:buFont typeface="Arial" pitchFamily="34" charset="0"/>
-              <a:buChar char="•"/>
-            </a:pPr>
-            <a:r>
               <a:rPr lang="fr-FR" sz="2400" dirty="0" smtClean="0">
                 <a:solidFill>
                   <a:schemeClr val="tx2">
@@ -9288,27 +9531,7 @@
                   </a:schemeClr>
                 </a:solidFill>
               </a:rPr>
-              <a:t>Utiliser la base de données intégrée </a:t>
-            </a:r>
-            <a:r>
-              <a:rPr lang="fr-FR" sz="2400" dirty="0" err="1" smtClean="0">
-                <a:solidFill>
-                  <a:schemeClr val="tx2">
-                    <a:lumMod val="75000"/>
-                  </a:schemeClr>
-                </a:solidFill>
-              </a:rPr>
-              <a:t>SQLite</a:t>
-            </a:r>
-            <a:r>
-              <a:rPr lang="fr-FR" sz="2400" dirty="0" smtClean="0">
-                <a:solidFill>
-                  <a:schemeClr val="tx2">
-                    <a:lumMod val="75000"/>
-                  </a:schemeClr>
-                </a:solidFill>
-              </a:rPr>
-              <a:t> pour stocker les données (boucles de lecture, liste des chansons, etc.)</a:t>
+              <a:t>Les métadonnées dans un fichier audio</a:t>
             </a:r>
             <a:endParaRPr lang="fr-FR" sz="2400" dirty="0">
               <a:solidFill>
@@ -9531,7 +9754,7 @@
             <a:spLocks noGrp="1"/>
           </p:cNvSpPr>
           <p:nvPr>
-            <p:ph type="ctrTitle"/>
+            <p:ph type="title"/>
           </p:nvPr>
         </p:nvSpPr>
         <p:spPr/>
@@ -9540,10 +9763,22 @@
           <a:lstStyle/>
           <a:p>
             <a:r>
-              <a:rPr lang="fr-FR" dirty="0" smtClean="0"/>
-              <a:t>Merci de votre attention…</a:t>
-            </a:r>
-            <a:endParaRPr lang="fr-FR" dirty="0"/>
+              <a:rPr lang="fr-FR" dirty="0" smtClean="0">
+                <a:solidFill>
+                  <a:schemeClr val="tx2">
+                    <a:lumMod val="50000"/>
+                  </a:schemeClr>
+                </a:solidFill>
+              </a:rPr>
+              <a:t>Conclusion</a:t>
+            </a:r>
+            <a:endParaRPr lang="fr-FR" dirty="0">
+              <a:solidFill>
+                <a:schemeClr val="tx2">
+                  <a:lumMod val="50000"/>
+                </a:schemeClr>
+              </a:solidFill>
+            </a:endParaRPr>
           </a:p>
         </p:txBody>
       </p:sp>
@@ -9598,7 +9833,466 @@
             </a:fld>
             <a:r>
               <a:rPr lang="fr-BE" dirty="0" smtClean="0"/>
-              <a:t> sur 16</a:t>
+              <a:t> sur </a:t>
+            </a:r>
+            <a:r>
+              <a:rPr lang="fr-BE" dirty="0" smtClean="0"/>
+              <a:t>17</a:t>
+            </a:r>
+            <a:endParaRPr lang="fr-BE" dirty="0"/>
+          </a:p>
+        </p:txBody>
+      </p:sp>
+      <p:sp>
+        <p:nvSpPr>
+          <p:cNvPr id="7" name="Espace réservé du contenu 6"/>
+          <p:cNvSpPr>
+            <a:spLocks noGrp="1"/>
+          </p:cNvSpPr>
+          <p:nvPr>
+            <p:ph sz="quarter" idx="14"/>
+          </p:nvPr>
+        </p:nvSpPr>
+        <p:spPr/>
+        <p:txBody>
+          <a:bodyPr>
+            <a:normAutofit/>
+          </a:bodyPr>
+          <a:lstStyle/>
+          <a:p>
+            <a:pPr>
+              <a:buFont typeface="Wingdings" pitchFamily="2" charset="2"/>
+              <a:buChar char="Ø"/>
+            </a:pPr>
+            <a:r>
+              <a:rPr lang="fr-FR" sz="2800" dirty="0" smtClean="0">
+                <a:solidFill>
+                  <a:schemeClr val="tx2">
+                    <a:lumMod val="75000"/>
+                  </a:schemeClr>
+                </a:solidFill>
+              </a:rPr>
+              <a:t>Les évolutions possibles</a:t>
+            </a:r>
+          </a:p>
+          <a:p>
+            <a:pPr lvl="1">
+              <a:buFont typeface="Arial" pitchFamily="34" charset="0"/>
+              <a:buChar char="•"/>
+            </a:pPr>
+            <a:r>
+              <a:rPr lang="fr-FR" sz="2400" dirty="0" smtClean="0">
+                <a:solidFill>
+                  <a:schemeClr val="tx2">
+                    <a:lumMod val="75000"/>
+                  </a:schemeClr>
+                </a:solidFill>
+              </a:rPr>
+              <a:t>Mettre en place le time stretching</a:t>
+            </a:r>
+          </a:p>
+          <a:p>
+            <a:pPr lvl="1">
+              <a:buFont typeface="Arial" pitchFamily="34" charset="0"/>
+              <a:buChar char="•"/>
+            </a:pPr>
+            <a:r>
+              <a:rPr lang="fr-FR" sz="2400" dirty="0" smtClean="0">
+                <a:solidFill>
+                  <a:schemeClr val="tx2">
+                    <a:lumMod val="75000"/>
+                  </a:schemeClr>
+                </a:solidFill>
+              </a:rPr>
+              <a:t>Ajouter la possibilité de consulter les tablatures</a:t>
+            </a:r>
+          </a:p>
+          <a:p>
+            <a:pPr lvl="1">
+              <a:buFont typeface="Arial" pitchFamily="34" charset="0"/>
+              <a:buChar char="•"/>
+            </a:pPr>
+            <a:r>
+              <a:rPr lang="fr-FR" sz="2400" dirty="0" smtClean="0">
+                <a:solidFill>
+                  <a:schemeClr val="tx2">
+                    <a:lumMod val="75000"/>
+                  </a:schemeClr>
+                </a:solidFill>
+              </a:rPr>
+              <a:t>Inclure une recherche de musique par mot clé</a:t>
+            </a:r>
+          </a:p>
+          <a:p>
+            <a:pPr lvl="1">
+              <a:buFont typeface="Arial" pitchFamily="34" charset="0"/>
+              <a:buChar char="•"/>
+            </a:pPr>
+            <a:r>
+              <a:rPr lang="fr-FR" sz="2400" dirty="0" smtClean="0">
+                <a:solidFill>
+                  <a:schemeClr val="tx2">
+                    <a:lumMod val="75000"/>
+                  </a:schemeClr>
+                </a:solidFill>
+              </a:rPr>
+              <a:t>Ajouter le paramétrage des répertoires de stockage</a:t>
+            </a:r>
+          </a:p>
+          <a:p>
+            <a:pPr lvl="1">
+              <a:buFont typeface="Arial" pitchFamily="34" charset="0"/>
+              <a:buChar char="•"/>
+            </a:pPr>
+            <a:r>
+              <a:rPr lang="fr-FR" sz="2400" dirty="0" smtClean="0">
+                <a:solidFill>
+                  <a:schemeClr val="tx2">
+                    <a:lumMod val="75000"/>
+                  </a:schemeClr>
+                </a:solidFill>
+              </a:rPr>
+              <a:t>Afficher la pochette des albums</a:t>
+            </a:r>
+          </a:p>
+          <a:p>
+            <a:pPr lvl="1">
+              <a:buFont typeface="Arial" pitchFamily="34" charset="0"/>
+              <a:buChar char="•"/>
+            </a:pPr>
+            <a:r>
+              <a:rPr lang="fr-FR" sz="2400" dirty="0" smtClean="0"/>
+              <a:t>Insérer des tags ID3 aux enregistrements audio</a:t>
+            </a:r>
+          </a:p>
+          <a:p>
+            <a:pPr lvl="1">
+              <a:buFont typeface="Arial" pitchFamily="34" charset="0"/>
+              <a:buChar char="•"/>
+            </a:pPr>
+            <a:r>
+              <a:rPr lang="fr-FR" sz="2400" dirty="0" smtClean="0">
+                <a:solidFill>
+                  <a:schemeClr val="tx2">
+                    <a:lumMod val="75000"/>
+                  </a:schemeClr>
+                </a:solidFill>
+              </a:rPr>
+              <a:t>Utiliser la base de données intégrée </a:t>
+            </a:r>
+            <a:r>
+              <a:rPr lang="fr-FR" sz="2400" dirty="0" err="1" smtClean="0">
+                <a:solidFill>
+                  <a:schemeClr val="tx2">
+                    <a:lumMod val="75000"/>
+                  </a:schemeClr>
+                </a:solidFill>
+              </a:rPr>
+              <a:t>SQLite</a:t>
+            </a:r>
+            <a:r>
+              <a:rPr lang="fr-FR" sz="2400" dirty="0" smtClean="0">
+                <a:solidFill>
+                  <a:schemeClr val="tx2">
+                    <a:lumMod val="75000"/>
+                  </a:schemeClr>
+                </a:solidFill>
+              </a:rPr>
+              <a:t> pour stocker les données (boucles de lecture, liste des chansons, etc.)</a:t>
+            </a:r>
+            <a:endParaRPr lang="fr-FR" sz="2400" dirty="0">
+              <a:solidFill>
+                <a:schemeClr val="tx2">
+                  <a:lumMod val="75000"/>
+                </a:schemeClr>
+              </a:solidFill>
+            </a:endParaRPr>
+          </a:p>
+        </p:txBody>
+      </p:sp>
+      <p:sp>
+        <p:nvSpPr>
+          <p:cNvPr id="8" name="Espace réservé du contenu 7"/>
+          <p:cNvSpPr>
+            <a:spLocks noGrp="1"/>
+          </p:cNvSpPr>
+          <p:nvPr>
+            <p:ph sz="quarter" idx="15"/>
+          </p:nvPr>
+        </p:nvSpPr>
+        <p:spPr/>
+        <p:txBody>
+          <a:bodyPr>
+            <a:normAutofit/>
+          </a:bodyPr>
+          <a:lstStyle/>
+          <a:p>
+            <a:pPr marL="457200" indent="-457200">
+              <a:buFont typeface="+mj-lt"/>
+              <a:buAutoNum type="arabicPeriod"/>
+            </a:pPr>
+            <a:r>
+              <a:rPr lang="fr-FR" sz="1400" dirty="0" smtClean="0">
+                <a:solidFill>
+                  <a:schemeClr val="tx2">
+                    <a:lumMod val="75000"/>
+                  </a:schemeClr>
+                </a:solidFill>
+                <a:latin typeface="Cambria" pitchFamily="18" charset="0"/>
+              </a:rPr>
+              <a:t>Introduction</a:t>
+            </a:r>
+          </a:p>
+          <a:p>
+            <a:pPr marL="457200" indent="-457200">
+              <a:buFont typeface="+mj-lt"/>
+              <a:buAutoNum type="arabicPeriod"/>
+            </a:pPr>
+            <a:endParaRPr lang="fr-FR" sz="1400" dirty="0" smtClean="0">
+              <a:solidFill>
+                <a:schemeClr val="tx2">
+                  <a:lumMod val="75000"/>
+                </a:schemeClr>
+              </a:solidFill>
+              <a:latin typeface="Cambria" pitchFamily="18" charset="0"/>
+            </a:endParaRPr>
+          </a:p>
+          <a:p>
+            <a:pPr marL="457200" indent="-457200">
+              <a:buFont typeface="+mj-lt"/>
+              <a:buAutoNum type="arabicPeriod"/>
+            </a:pPr>
+            <a:r>
+              <a:rPr lang="fr-FR" sz="1400" dirty="0" smtClean="0">
+                <a:solidFill>
+                  <a:schemeClr val="tx2">
+                    <a:lumMod val="75000"/>
+                  </a:schemeClr>
+                </a:solidFill>
+                <a:latin typeface="Cambria" pitchFamily="18" charset="0"/>
+              </a:rPr>
+              <a:t>Outils et méthodologies utilisés</a:t>
+            </a:r>
+          </a:p>
+          <a:p>
+            <a:pPr marL="457200" indent="-457200">
+              <a:buFont typeface="+mj-lt"/>
+              <a:buAutoNum type="arabicPeriod"/>
+            </a:pPr>
+            <a:endParaRPr lang="fr-FR" sz="1400" dirty="0" smtClean="0">
+              <a:solidFill>
+                <a:schemeClr val="tx2">
+                  <a:lumMod val="75000"/>
+                </a:schemeClr>
+              </a:solidFill>
+              <a:latin typeface="Cambria" pitchFamily="18" charset="0"/>
+            </a:endParaRPr>
+          </a:p>
+          <a:p>
+            <a:pPr marL="457200" indent="-457200">
+              <a:buFont typeface="+mj-lt"/>
+              <a:buAutoNum type="arabicPeriod"/>
+            </a:pPr>
+            <a:r>
+              <a:rPr lang="fr-FR" sz="1400" dirty="0" smtClean="0">
+                <a:solidFill>
+                  <a:schemeClr val="tx2">
+                    <a:lumMod val="75000"/>
+                  </a:schemeClr>
+                </a:solidFill>
+                <a:latin typeface="Cambria" pitchFamily="18" charset="0"/>
+              </a:rPr>
+              <a:t>Interface graphique</a:t>
+            </a:r>
+          </a:p>
+          <a:p>
+            <a:pPr marL="457200" indent="-457200">
+              <a:buFont typeface="+mj-lt"/>
+              <a:buAutoNum type="arabicPeriod"/>
+            </a:pPr>
+            <a:endParaRPr lang="fr-FR" sz="1400" dirty="0" smtClean="0">
+              <a:solidFill>
+                <a:schemeClr val="tx2">
+                  <a:lumMod val="75000"/>
+                </a:schemeClr>
+              </a:solidFill>
+              <a:latin typeface="Cambria" pitchFamily="18" charset="0"/>
+            </a:endParaRPr>
+          </a:p>
+          <a:p>
+            <a:pPr marL="457200" indent="-457200">
+              <a:buFont typeface="+mj-lt"/>
+              <a:buAutoNum type="arabicPeriod"/>
+            </a:pPr>
+            <a:r>
+              <a:rPr lang="fr-FR" sz="1400" dirty="0" smtClean="0">
+                <a:solidFill>
+                  <a:schemeClr val="tx2">
+                    <a:lumMod val="75000"/>
+                  </a:schemeClr>
+                </a:solidFill>
+                <a:latin typeface="Cambria" pitchFamily="18" charset="0"/>
+              </a:rPr>
+              <a:t>Fonctionnalités</a:t>
+            </a:r>
+          </a:p>
+          <a:p>
+            <a:pPr marL="457200" indent="-457200">
+              <a:buFont typeface="+mj-lt"/>
+              <a:buAutoNum type="arabicPeriod"/>
+            </a:pPr>
+            <a:endParaRPr lang="fr-FR" sz="1400" dirty="0" smtClean="0">
+              <a:solidFill>
+                <a:schemeClr val="tx2">
+                  <a:lumMod val="75000"/>
+                </a:schemeClr>
+              </a:solidFill>
+              <a:latin typeface="Cambria" pitchFamily="18" charset="0"/>
+            </a:endParaRPr>
+          </a:p>
+          <a:p>
+            <a:pPr marL="457200" indent="-457200">
+              <a:buFont typeface="+mj-lt"/>
+              <a:buAutoNum type="arabicPeriod"/>
+            </a:pPr>
+            <a:r>
+              <a:rPr lang="fr-FR" sz="1400" dirty="0" smtClean="0">
+                <a:solidFill>
+                  <a:schemeClr val="tx2">
+                    <a:lumMod val="60000"/>
+                    <a:lumOff val="40000"/>
+                  </a:schemeClr>
+                </a:solidFill>
+                <a:latin typeface="Cambria" pitchFamily="18" charset="0"/>
+              </a:rPr>
+              <a:t>Conclusion</a:t>
+            </a:r>
+          </a:p>
+          <a:p>
+            <a:endParaRPr lang="fr-FR" dirty="0">
+              <a:solidFill>
+                <a:schemeClr val="tx2">
+                  <a:lumMod val="75000"/>
+                </a:schemeClr>
+              </a:solidFill>
+            </a:endParaRPr>
+          </a:p>
+        </p:txBody>
+      </p:sp>
+    </p:spTree>
+  </p:cSld>
+  <p:clrMapOvr>
+    <a:masterClrMapping/>
+  </p:clrMapOvr>
+  <p:transition>
+    <p:fade/>
+  </p:transition>
+  <p:timing>
+    <p:tnLst>
+      <p:par>
+        <p:cTn id="1" dur="indefinite" restart="never" nodeType="tmRoot"/>
+      </p:par>
+    </p:tnLst>
+  </p:timing>
+</p:sld>
+</file>
+
+<file path=ppt/slides/slide17.xml><?xml version="1.0" encoding="utf-8"?>
+<p:sld xmlns:a="http://schemas.openxmlformats.org/drawingml/2006/main" xmlns:r="http://schemas.openxmlformats.org/officeDocument/2006/relationships" xmlns:p="http://schemas.openxmlformats.org/presentationml/2006/main">
+  <p:cSld>
+    <p:spTree>
+      <p:nvGrpSpPr>
+        <p:cNvPr id="1" name=""/>
+        <p:cNvGrpSpPr/>
+        <p:nvPr/>
+      </p:nvGrpSpPr>
+      <p:grpSpPr>
+        <a:xfrm>
+          <a:off x="0" y="0"/>
+          <a:ext cx="0" cy="0"/>
+          <a:chOff x="0" y="0"/>
+          <a:chExt cx="0" cy="0"/>
+        </a:xfrm>
+      </p:grpSpPr>
+      <p:sp>
+        <p:nvSpPr>
+          <p:cNvPr id="6" name="Titre 5"/>
+          <p:cNvSpPr>
+            <a:spLocks noGrp="1"/>
+          </p:cNvSpPr>
+          <p:nvPr>
+            <p:ph type="ctrTitle"/>
+          </p:nvPr>
+        </p:nvSpPr>
+        <p:spPr/>
+        <p:txBody>
+          <a:bodyPr/>
+          <a:lstStyle/>
+          <a:p>
+            <a:r>
+              <a:rPr lang="fr-FR" dirty="0" smtClean="0"/>
+              <a:t>Merci de votre attention…</a:t>
+            </a:r>
+            <a:endParaRPr lang="fr-FR" dirty="0"/>
+          </a:p>
+        </p:txBody>
+      </p:sp>
+      <p:sp>
+        <p:nvSpPr>
+          <p:cNvPr id="4" name="Espace réservé du pied de page 3"/>
+          <p:cNvSpPr>
+            <a:spLocks noGrp="1"/>
+          </p:cNvSpPr>
+          <p:nvPr>
+            <p:ph type="ftr" sz="quarter" idx="11"/>
+          </p:nvPr>
+        </p:nvSpPr>
+        <p:spPr/>
+        <p:txBody>
+          <a:bodyPr/>
+          <a:lstStyle/>
+          <a:p>
+            <a:r>
+              <a:rPr lang="fr-FR" smtClean="0"/>
+              <a:t>M1 MIAGE  - 2010/2011</a:t>
+            </a:r>
+          </a:p>
+          <a:p>
+            <a:r>
+              <a:rPr lang="fr-FR" smtClean="0"/>
+              <a:t>Université de Nice Sophia Antipolis</a:t>
+            </a:r>
+            <a:endParaRPr lang="fr-BE" dirty="0"/>
+          </a:p>
+        </p:txBody>
+      </p:sp>
+      <p:sp>
+        <p:nvSpPr>
+          <p:cNvPr id="5" name="Espace réservé du numéro de diapositive 4"/>
+          <p:cNvSpPr>
+            <a:spLocks noGrp="1"/>
+          </p:cNvSpPr>
+          <p:nvPr>
+            <p:ph type="sldNum" sz="quarter" idx="12"/>
+          </p:nvPr>
+        </p:nvSpPr>
+        <p:spPr/>
+        <p:txBody>
+          <a:bodyPr/>
+          <a:lstStyle/>
+          <a:p>
+            <a:fld id="{CF4668DC-857F-487D-BFFA-8C0CA5037977}" type="slidenum">
+              <a:rPr lang="fr-BE" smtClean="0"/>
+              <a:pPr/>
+              <a:t>17</a:t>
+            </a:fld>
+            <a:r>
+              <a:rPr lang="fr-BE" dirty="0" smtClean="0"/>
+              <a:t> sur </a:t>
+            </a:r>
+            <a:r>
+              <a:rPr lang="fr-BE" dirty="0" smtClean="0"/>
+              <a:t>17</a:t>
             </a:r>
             <a:endParaRPr lang="fr-BE" dirty="0"/>
           </a:p>
@@ -9975,8 +10669,47 @@
                 </a:solidFill>
                 <a:latin typeface="Cambria" pitchFamily="18" charset="0"/>
               </a:rPr>
-              <a:t>Les « lyrics »</a:t>
-            </a:r>
+              <a:t>Les « lyrics </a:t>
+            </a:r>
+            <a:r>
+              <a:rPr lang="fr-FR" sz="2900" dirty="0" smtClean="0">
+                <a:solidFill>
+                  <a:schemeClr val="tx2">
+                    <a:lumMod val="60000"/>
+                    <a:lumOff val="40000"/>
+                  </a:schemeClr>
+                </a:solidFill>
+                <a:latin typeface="Cambria" pitchFamily="18" charset="0"/>
+              </a:rPr>
+              <a:t>»</a:t>
+            </a:r>
+          </a:p>
+          <a:p>
+            <a:pPr marL="971550" lvl="1" indent="-514350" algn="l">
+              <a:buFont typeface="Wingdings" pitchFamily="2" charset="2"/>
+              <a:buChar char="Ø"/>
+            </a:pPr>
+            <a:r>
+              <a:rPr lang="fr-FR" sz="2900" smtClean="0">
+                <a:solidFill>
+                  <a:schemeClr val="tx2">
+                    <a:lumMod val="60000"/>
+                    <a:lumOff val="40000"/>
+                  </a:schemeClr>
+                </a:solidFill>
+                <a:latin typeface="Cambria" pitchFamily="18" charset="0"/>
+              </a:rPr>
+              <a:t>L’enregistreur</a:t>
+            </a:r>
+            <a:endParaRPr lang="fr-FR" sz="2900" dirty="0" smtClean="0">
+              <a:solidFill>
+                <a:schemeClr val="tx2">
+                  <a:lumMod val="60000"/>
+                  <a:lumOff val="40000"/>
+                </a:schemeClr>
+              </a:solidFill>
+              <a:latin typeface="Cambria" pitchFamily="18" charset="0"/>
+            </a:endParaRPr>
           </a:p>
           <a:p>
             <a:pPr marL="514350" indent="-514350" algn="l">
@@ -10110,7 +10843,11 @@
             </a:fld>
             <a:r>
               <a:rPr lang="fr-BE" dirty="0" smtClean="0"/>
-              <a:t> sur 16</a:t>
+              <a:t> sur </a:t>
+            </a:r>
+            <a:r>
+              <a:rPr lang="fr-BE" dirty="0" smtClean="0"/>
+              <a:t>17</a:t>
             </a:r>
             <a:endParaRPr lang="fr-BE" dirty="0"/>
           </a:p>
@@ -10265,7 +11002,11 @@
             </a:fld>
             <a:r>
               <a:rPr lang="fr-BE" dirty="0" smtClean="0"/>
-              <a:t> sur 16</a:t>
+              <a:t> sur </a:t>
+            </a:r>
+            <a:r>
+              <a:rPr lang="fr-BE" dirty="0" smtClean="0"/>
+              <a:t>17</a:t>
             </a:r>
             <a:endParaRPr lang="fr-BE" dirty="0"/>
           </a:p>
@@ -12564,7 +13305,11 @@
             </a:fld>
             <a:r>
               <a:rPr lang="fr-BE" dirty="0" smtClean="0"/>
-              <a:t> sur 16</a:t>
+              <a:t> sur </a:t>
+            </a:r>
+            <a:r>
+              <a:rPr lang="fr-BE" dirty="0" smtClean="0"/>
+              <a:t>17</a:t>
             </a:r>
             <a:endParaRPr lang="fr-BE" dirty="0"/>
           </a:p>
@@ -13968,7 +14713,11 @@
             </a:fld>
             <a:r>
               <a:rPr lang="fr-BE" dirty="0" smtClean="0"/>
-              <a:t> sur 16</a:t>
+              <a:t> sur </a:t>
+            </a:r>
+            <a:r>
+              <a:rPr lang="fr-BE" dirty="0" smtClean="0"/>
+              <a:t>17</a:t>
             </a:r>
             <a:endParaRPr lang="fr-BE" dirty="0"/>
           </a:p>
@@ -14460,7 +15209,11 @@
             </a:fld>
             <a:r>
               <a:rPr lang="fr-BE" dirty="0" smtClean="0"/>
-              <a:t> sur 16</a:t>
+              <a:t> sur </a:t>
+            </a:r>
+            <a:r>
+              <a:rPr lang="fr-BE" dirty="0" smtClean="0"/>
+              <a:t>17</a:t>
             </a:r>
             <a:endParaRPr lang="fr-BE" dirty="0"/>
           </a:p>
@@ -14970,7 +15723,11 @@
             </a:fld>
             <a:r>
               <a:rPr lang="fr-BE" dirty="0" smtClean="0"/>
-              <a:t> sur 16</a:t>
+              <a:t> sur </a:t>
+            </a:r>
+            <a:r>
+              <a:rPr lang="fr-BE" dirty="0" smtClean="0"/>
+              <a:t>17</a:t>
             </a:r>
             <a:endParaRPr lang="fr-BE" dirty="0"/>
           </a:p>
@@ -16656,7 +17413,11 @@
             </a:fld>
             <a:r>
               <a:rPr lang="fr-BE" dirty="0" smtClean="0"/>
-              <a:t> sur 16</a:t>
+              <a:t> sur </a:t>
+            </a:r>
+            <a:r>
+              <a:rPr lang="fr-BE" dirty="0" smtClean="0"/>
+              <a:t>17</a:t>
             </a:r>
             <a:endParaRPr lang="fr-BE" dirty="0"/>
           </a:p>
@@ -17276,7 +18037,11 @@
             </a:fld>
             <a:r>
               <a:rPr lang="fr-BE" dirty="0" smtClean="0"/>
-              <a:t> sur 16</a:t>
+              <a:t> sur </a:t>
+            </a:r>
+            <a:r>
+              <a:rPr lang="fr-BE" dirty="0" smtClean="0"/>
+              <a:t>17</a:t>
             </a:r>
             <a:endParaRPr lang="fr-BE" dirty="0"/>
           </a:p>

--- a/trunk/AAP/docs/Presentation.pptx
+++ b/trunk/AAP/docs/Presentation.pptx
@@ -288,7 +288,7 @@
     </p:spTree>
     <p:extLst>
       <p:ext uri="{BB962C8B-B14F-4D97-AF65-F5344CB8AC3E}">
-        <p14:creationId xmlns:p14="http://schemas.microsoft.com/office/powerpoint/2010/main" val="2207784617"/>
+        <p14:creationId xmlns="" xmlns:p14="http://schemas.microsoft.com/office/powerpoint/2010/main" val="2207784617"/>
       </p:ext>
     </p:extLst>
   </p:cSld>
@@ -550,7 +550,7 @@
     </p:spTree>
     <p:extLst>
       <p:ext uri="{BB962C8B-B14F-4D97-AF65-F5344CB8AC3E}">
-        <p14:creationId xmlns:p14="http://schemas.microsoft.com/office/powerpoint/2010/main" val="2884352748"/>
+        <p14:creationId xmlns="" xmlns:p14="http://schemas.microsoft.com/office/powerpoint/2010/main" val="2884352748"/>
       </p:ext>
     </p:extLst>
   </p:cSld>
@@ -5253,11 +5253,7 @@
             </a:fld>
             <a:r>
               <a:rPr lang="fr-BE" dirty="0" smtClean="0"/>
-              <a:t> sur </a:t>
-            </a:r>
-            <a:r>
-              <a:rPr lang="fr-BE" dirty="0" smtClean="0"/>
-              <a:t>17</a:t>
+              <a:t> sur 17</a:t>
             </a:r>
             <a:endParaRPr lang="fr-BE" dirty="0"/>
           </a:p>
@@ -5673,7 +5669,7 @@
           <a:blip r:embed="rId2" cstate="print">
             <a:extLst>
               <a:ext uri="{28A0092B-C50C-407E-A947-70E740481C1C}">
-                <a14:useLocalDpi xmlns:a14="http://schemas.microsoft.com/office/drawing/2010/main" val="0"/>
+                <a14:useLocalDpi xmlns="" xmlns:a14="http://schemas.microsoft.com/office/drawing/2010/main" val="0"/>
               </a:ext>
             </a:extLst>
           </a:blip>
@@ -5703,7 +5699,7 @@
           <a:blip r:embed="rId3" cstate="print">
             <a:extLst>
               <a:ext uri="{28A0092B-C50C-407E-A947-70E740481C1C}">
-                <a14:useLocalDpi xmlns:a14="http://schemas.microsoft.com/office/drawing/2010/main" val="0"/>
+                <a14:useLocalDpi xmlns="" xmlns:a14="http://schemas.microsoft.com/office/drawing/2010/main" val="0"/>
               </a:ext>
             </a:extLst>
           </a:blip>
@@ -5733,7 +5729,7 @@
           <a:blip r:embed="rId4" cstate="print">
             <a:extLst>
               <a:ext uri="{28A0092B-C50C-407E-A947-70E740481C1C}">
-                <a14:useLocalDpi xmlns:a14="http://schemas.microsoft.com/office/drawing/2010/main" val="0"/>
+                <a14:useLocalDpi xmlns="" xmlns:a14="http://schemas.microsoft.com/office/drawing/2010/main" val="0"/>
               </a:ext>
             </a:extLst>
           </a:blip>
@@ -5763,7 +5759,7 @@
           <a:blip r:embed="rId5" cstate="print">
             <a:extLst>
               <a:ext uri="{28A0092B-C50C-407E-A947-70E740481C1C}">
-                <a14:useLocalDpi xmlns:a14="http://schemas.microsoft.com/office/drawing/2010/main" val="0"/>
+                <a14:useLocalDpi xmlns="" xmlns:a14="http://schemas.microsoft.com/office/drawing/2010/main" val="0"/>
               </a:ext>
             </a:extLst>
           </a:blip>
@@ -5793,7 +5789,7 @@
           <a:blip r:embed="rId6" cstate="print">
             <a:extLst>
               <a:ext uri="{28A0092B-C50C-407E-A947-70E740481C1C}">
-                <a14:useLocalDpi xmlns:a14="http://schemas.microsoft.com/office/drawing/2010/main" val="0"/>
+                <a14:useLocalDpi xmlns="" xmlns:a14="http://schemas.microsoft.com/office/drawing/2010/main" val="0"/>
               </a:ext>
             </a:extLst>
           </a:blip>
@@ -6611,11 +6607,7 @@
             </a:fld>
             <a:r>
               <a:rPr lang="fr-BE" dirty="0" smtClean="0"/>
-              <a:t> sur </a:t>
-            </a:r>
-            <a:r>
-              <a:rPr lang="fr-BE" dirty="0" smtClean="0"/>
-              <a:t>17</a:t>
+              <a:t> sur 17</a:t>
             </a:r>
             <a:endParaRPr lang="fr-BE" dirty="0"/>
           </a:p>
@@ -6988,17 +6980,7 @@
                   </a:schemeClr>
                 </a:solidFill>
               </a:rPr>
-              <a:t>Plusieurs boucles pour une </a:t>
-            </a:r>
-            <a:r>
-              <a:rPr lang="fr-FR" sz="2800" dirty="0" smtClean="0">
-                <a:solidFill>
-                  <a:schemeClr val="tx2">
-                    <a:lumMod val="75000"/>
-                  </a:schemeClr>
-                </a:solidFill>
-              </a:rPr>
-              <a:t>même chanson</a:t>
+              <a:t>Plusieurs boucles pour une même chanson</a:t>
             </a:r>
             <a:endParaRPr lang="fr-FR" dirty="0"/>
           </a:p>
@@ -7013,10 +6995,10 @@
           <p:nvPr/>
         </p:nvPicPr>
         <p:blipFill>
-          <a:blip r:embed="rId2">
+          <a:blip r:embed="rId2" cstate="print">
             <a:extLst>
               <a:ext uri="{28A0092B-C50C-407E-A947-70E740481C1C}">
-                <a14:useLocalDpi xmlns:a14="http://schemas.microsoft.com/office/drawing/2010/main" val="0"/>
+                <a14:useLocalDpi xmlns="" xmlns:a14="http://schemas.microsoft.com/office/drawing/2010/main" val="0"/>
               </a:ext>
             </a:extLst>
           </a:blip>
@@ -7348,11 +7330,7 @@
             </a:fld>
             <a:r>
               <a:rPr lang="fr-BE" dirty="0" smtClean="0"/>
-              <a:t> sur </a:t>
-            </a:r>
-            <a:r>
-              <a:rPr lang="fr-BE" dirty="0" smtClean="0"/>
-              <a:t>17</a:t>
+              <a:t> sur 17</a:t>
             </a:r>
             <a:endParaRPr lang="fr-BE" dirty="0"/>
           </a:p>
@@ -7652,7 +7630,7 @@
           <a:blip r:embed="rId2" cstate="print">
             <a:extLst>
               <a:ext uri="{28A0092B-C50C-407E-A947-70E740481C1C}">
-                <a14:useLocalDpi xmlns:a14="http://schemas.microsoft.com/office/drawing/2010/main" val="0"/>
+                <a14:useLocalDpi xmlns="" xmlns:a14="http://schemas.microsoft.com/office/drawing/2010/main" val="0"/>
               </a:ext>
             </a:extLst>
           </a:blip>
@@ -7672,7 +7650,7 @@
           <a:noFill/>
           <a:extLst>
             <a:ext uri="{909E8E84-426E-40DD-AFC4-6F175D3DCCD1}">
-              <a14:hiddenFill xmlns:a14="http://schemas.microsoft.com/office/drawing/2010/main">
+              <a14:hiddenFill xmlns="" xmlns:a14="http://schemas.microsoft.com/office/drawing/2010/main">
                 <a:solidFill>
                   <a:srgbClr val="FFFFFF"/>
                 </a:solidFill>
@@ -7802,11 +7780,7 @@
             </a:fld>
             <a:r>
               <a:rPr lang="fr-BE" dirty="0" smtClean="0"/>
-              <a:t> sur </a:t>
-            </a:r>
-            <a:r>
-              <a:rPr lang="fr-BE" dirty="0" smtClean="0"/>
-              <a:t>17</a:t>
+              <a:t> sur 17</a:t>
             </a:r>
             <a:endParaRPr lang="fr-BE" dirty="0"/>
           </a:p>
@@ -8724,11 +8698,7 @@
             </a:fld>
             <a:r>
               <a:rPr lang="fr-BE" dirty="0" smtClean="0"/>
-              <a:t> sur </a:t>
-            </a:r>
-            <a:r>
-              <a:rPr lang="fr-BE" dirty="0" smtClean="0"/>
-              <a:t>17</a:t>
+              <a:t> sur 17</a:t>
             </a:r>
             <a:endParaRPr lang="fr-BE" dirty="0"/>
           </a:p>
@@ -8995,10 +8965,10 @@
           <p:nvPr/>
         </p:nvPicPr>
         <p:blipFill>
-          <a:blip r:embed="rId2">
+          <a:blip r:embed="rId2" cstate="print">
             <a:extLst>
               <a:ext uri="{28A0092B-C50C-407E-A947-70E740481C1C}">
-                <a14:useLocalDpi xmlns:a14="http://schemas.microsoft.com/office/drawing/2010/main" val="0"/>
+                <a14:useLocalDpi xmlns="" xmlns:a14="http://schemas.microsoft.com/office/drawing/2010/main" val="0"/>
               </a:ext>
             </a:extLst>
           </a:blip>
@@ -9025,10 +8995,10 @@
           <p:nvPr/>
         </p:nvPicPr>
         <p:blipFill>
-          <a:blip r:embed="rId3">
+          <a:blip r:embed="rId3" cstate="print">
             <a:extLst>
               <a:ext uri="{28A0092B-C50C-407E-A947-70E740481C1C}">
-                <a14:useLocalDpi xmlns:a14="http://schemas.microsoft.com/office/drawing/2010/main" val="0"/>
+                <a14:useLocalDpi xmlns="" xmlns:a14="http://schemas.microsoft.com/office/drawing/2010/main" val="0"/>
               </a:ext>
             </a:extLst>
           </a:blip>
@@ -9055,10 +9025,10 @@
           <p:nvPr/>
         </p:nvPicPr>
         <p:blipFill>
-          <a:blip r:embed="rId4">
+          <a:blip r:embed="rId4" cstate="print">
             <a:extLst>
               <a:ext uri="{28A0092B-C50C-407E-A947-70E740481C1C}">
-                <a14:useLocalDpi xmlns:a14="http://schemas.microsoft.com/office/drawing/2010/main" val="0"/>
+                <a14:useLocalDpi xmlns="" xmlns:a14="http://schemas.microsoft.com/office/drawing/2010/main" val="0"/>
               </a:ext>
             </a:extLst>
           </a:blip>
@@ -9079,14 +9049,14 @@
     </p:spTree>
     <p:extLst>
       <p:ext uri="{BB962C8B-B14F-4D97-AF65-F5344CB8AC3E}">
-        <p14:creationId xmlns:p14="http://schemas.microsoft.com/office/powerpoint/2010/main" val="340762866"/>
+        <p14:creationId xmlns="" xmlns:p14="http://schemas.microsoft.com/office/powerpoint/2010/main" val="340762866"/>
       </p:ext>
     </p:extLst>
   </p:cSld>
   <p:clrMapOvr>
     <a:masterClrMapping/>
   </p:clrMapOvr>
-  <p:transition advTm="28705">
+  <p:transition>
     <p:fade/>
   </p:transition>
   <p:timing>
@@ -9379,11 +9349,7 @@
             </a:fld>
             <a:r>
               <a:rPr lang="fr-BE" dirty="0" smtClean="0"/>
-              <a:t> sur </a:t>
-            </a:r>
-            <a:r>
-              <a:rPr lang="fr-BE" dirty="0" smtClean="0"/>
-              <a:t>17</a:t>
+              <a:t> sur 17</a:t>
             </a:r>
             <a:endParaRPr lang="fr-BE" dirty="0"/>
           </a:p>
@@ -9833,11 +9799,7 @@
             </a:fld>
             <a:r>
               <a:rPr lang="fr-BE" dirty="0" smtClean="0"/>
-              <a:t> sur </a:t>
-            </a:r>
-            <a:r>
-              <a:rPr lang="fr-BE" dirty="0" smtClean="0"/>
-              <a:t>17</a:t>
+              <a:t> sur 17</a:t>
             </a:r>
             <a:endParaRPr lang="fr-BE" dirty="0"/>
           </a:p>
@@ -10288,11 +10250,7 @@
             </a:fld>
             <a:r>
               <a:rPr lang="fr-BE" dirty="0" smtClean="0"/>
-              <a:t> sur </a:t>
-            </a:r>
-            <a:r>
-              <a:rPr lang="fr-BE" dirty="0" smtClean="0"/>
-              <a:t>17</a:t>
+              <a:t> sur 17</a:t>
             </a:r>
             <a:endParaRPr lang="fr-BE" dirty="0"/>
           </a:p>
@@ -10669,19 +10627,7 @@
                 </a:solidFill>
                 <a:latin typeface="Cambria" pitchFamily="18" charset="0"/>
               </a:rPr>
-              <a:t>Les « lyrics </a:t>
-            </a:r>
-            <a:r>
-              <a:rPr lang="fr-FR" sz="2900" dirty="0" smtClean="0">
-                <a:solidFill>
-                  <a:schemeClr val="tx2">
-                    <a:lumMod val="60000"/>
-                    <a:lumOff val="40000"/>
-                  </a:schemeClr>
-                </a:solidFill>
-                <a:latin typeface="Cambria" pitchFamily="18" charset="0"/>
-              </a:rPr>
-              <a:t>»</a:t>
+              <a:t>Les « lyrics »</a:t>
             </a:r>
           </a:p>
           <a:p>
@@ -10843,11 +10789,7 @@
             </a:fld>
             <a:r>
               <a:rPr lang="fr-BE" dirty="0" smtClean="0"/>
-              <a:t> sur </a:t>
-            </a:r>
-            <a:r>
-              <a:rPr lang="fr-BE" dirty="0" smtClean="0"/>
-              <a:t>17</a:t>
+              <a:t> sur 17</a:t>
             </a:r>
             <a:endParaRPr lang="fr-BE" dirty="0"/>
           </a:p>
@@ -11002,11 +10944,7 @@
             </a:fld>
             <a:r>
               <a:rPr lang="fr-BE" dirty="0" smtClean="0"/>
-              <a:t> sur </a:t>
-            </a:r>
-            <a:r>
-              <a:rPr lang="fr-BE" dirty="0" smtClean="0"/>
-              <a:t>17</a:t>
+              <a:t> sur 17</a:t>
             </a:r>
             <a:endParaRPr lang="fr-BE" dirty="0"/>
           </a:p>
@@ -13305,11 +13243,7 @@
             </a:fld>
             <a:r>
               <a:rPr lang="fr-BE" dirty="0" smtClean="0"/>
-              <a:t> sur </a:t>
-            </a:r>
-            <a:r>
-              <a:rPr lang="fr-BE" dirty="0" smtClean="0"/>
-              <a:t>17</a:t>
+              <a:t> sur 17</a:t>
             </a:r>
             <a:endParaRPr lang="fr-BE" dirty="0"/>
           </a:p>
@@ -14713,11 +14647,7 @@
             </a:fld>
             <a:r>
               <a:rPr lang="fr-BE" dirty="0" smtClean="0"/>
-              <a:t> sur </a:t>
-            </a:r>
-            <a:r>
-              <a:rPr lang="fr-BE" dirty="0" smtClean="0"/>
-              <a:t>17</a:t>
+              <a:t> sur 17</a:t>
             </a:r>
             <a:endParaRPr lang="fr-BE" dirty="0"/>
           </a:p>
@@ -15209,11 +15139,7 @@
             </a:fld>
             <a:r>
               <a:rPr lang="fr-BE" dirty="0" smtClean="0"/>
-              <a:t> sur </a:t>
-            </a:r>
-            <a:r>
-              <a:rPr lang="fr-BE" dirty="0" smtClean="0"/>
-              <a:t>17</a:t>
+              <a:t> sur 17</a:t>
             </a:r>
             <a:endParaRPr lang="fr-BE" dirty="0"/>
           </a:p>
@@ -15723,11 +15649,7 @@
             </a:fld>
             <a:r>
               <a:rPr lang="fr-BE" dirty="0" smtClean="0"/>
-              <a:t> sur </a:t>
-            </a:r>
-            <a:r>
-              <a:rPr lang="fr-BE" dirty="0" smtClean="0"/>
-              <a:t>17</a:t>
+              <a:t> sur 17</a:t>
             </a:r>
             <a:endParaRPr lang="fr-BE" dirty="0"/>
           </a:p>
@@ -17413,11 +17335,7 @@
             </a:fld>
             <a:r>
               <a:rPr lang="fr-BE" dirty="0" smtClean="0"/>
-              <a:t> sur </a:t>
-            </a:r>
-            <a:r>
-              <a:rPr lang="fr-BE" dirty="0" smtClean="0"/>
-              <a:t>17</a:t>
+              <a:t> sur 17</a:t>
             </a:r>
             <a:endParaRPr lang="fr-BE" dirty="0"/>
           </a:p>
@@ -18037,11 +17955,7 @@
             </a:fld>
             <a:r>
               <a:rPr lang="fr-BE" dirty="0" smtClean="0"/>
-              <a:t> sur </a:t>
-            </a:r>
-            <a:r>
-              <a:rPr lang="fr-BE" dirty="0" smtClean="0"/>
-              <a:t>17</a:t>
+              <a:t> sur 17</a:t>
             </a:r>
             <a:endParaRPr lang="fr-BE" dirty="0"/>
           </a:p>
